--- a/104-FinOps/Azure FinOps - Introduction.pptx
+++ b/104-FinOps/Azure FinOps - Introduction.pptx
@@ -5,7 +5,7 @@
     <p:sldMasterId id="2147483648" r:id="rId1"/>
   </p:sldMasterIdLst>
   <p:notesMasterIdLst>
-    <p:notesMasterId r:id="rId20"/>
+    <p:notesMasterId r:id="rId22"/>
   </p:notesMasterIdLst>
   <p:sldIdLst>
     <p:sldId id="256" r:id="rId2"/>
@@ -23,9 +23,11 @@
     <p:sldId id="271" r:id="rId14"/>
     <p:sldId id="270" r:id="rId15"/>
     <p:sldId id="273" r:id="rId16"/>
-    <p:sldId id="269" r:id="rId17"/>
-    <p:sldId id="265" r:id="rId18"/>
-    <p:sldId id="268" r:id="rId19"/>
+    <p:sldId id="275" r:id="rId17"/>
+    <p:sldId id="274" r:id="rId18"/>
+    <p:sldId id="269" r:id="rId19"/>
+    <p:sldId id="265" r:id="rId20"/>
+    <p:sldId id="268" r:id="rId21"/>
   </p:sldIdLst>
   <p:sldSz cx="12192000" cy="6858000"/>
   <p:notesSz cx="6858000" cy="9144000"/>
@@ -151,7 +153,17 @@
             <p14:sldId id="264"/>
             <p14:sldId id="271"/>
             <p14:sldId id="270"/>
+          </p14:sldIdLst>
+        </p14:section>
+        <p14:section name="Optimizations" id="{46A14F90-A4A6-40B0-862A-BF38595701CE}">
+          <p14:sldIdLst>
             <p14:sldId id="273"/>
+            <p14:sldId id="275"/>
+            <p14:sldId id="274"/>
+          </p14:sldIdLst>
+        </p14:section>
+        <p14:section name="Demos and Exampls" id="{0E63F6F0-7172-4A96-8273-F3AF0705F0E9}">
+          <p14:sldIdLst>
             <p14:sldId id="269"/>
             <p14:sldId id="265"/>
             <p14:sldId id="268"/>
@@ -10973,7 +10985,7 @@
           <a:p>
             <a:fld id="{6B54091E-B52F-4A6A-B6C0-5A0FB0196B3B}" type="datetimeFigureOut">
               <a:rPr lang="en-IE" smtClean="0"/>
-              <a:t>09/06/2021</a:t>
+              <a:t>10/06/2021</a:t>
             </a:fld>
             <a:endParaRPr lang="en-IE"/>
           </a:p>
@@ -11549,10 +11561,44 @@
             <a:endParaRPr lang="en-IE" dirty="0"/>
           </a:p>
           <a:p>
+            <a:pPr marL="0" marR="0" lvl="0" indent="0" algn="l" defTabSz="914400" rtl="0" eaLnBrk="1" fontAlgn="auto" latinLnBrk="0" hangingPunct="1">
+              <a:lnSpc>
+                <a:spcPct val="100000"/>
+              </a:lnSpc>
+              <a:spcBef>
+                <a:spcPts val="0"/>
+              </a:spcBef>
+              <a:spcAft>
+                <a:spcPts val="0"/>
+              </a:spcAft>
+              <a:buClrTx/>
+              <a:buSzTx/>
+              <a:buFontTx/>
+              <a:buNone/>
+              <a:tabLst/>
+              <a:defRPr/>
+            </a:pPr>
+            <a:r>
+              <a:rPr lang="en-GB" sz="1200" b="1" i="0" kern="1200" dirty="0">
+                <a:solidFill>
+                  <a:schemeClr val="tx1"/>
+                </a:solidFill>
+                <a:effectLst/>
+                <a:latin typeface="+mn-lt"/>
+                <a:ea typeface="+mn-ea"/>
+                <a:cs typeface="+mn-cs"/>
+              </a:rPr>
+              <a:t>What are virtual machine scale sets?</a:t>
+            </a:r>
+          </a:p>
+          <a:p>
             <a:r>
               <a:rPr lang="en-IE" dirty="0"/>
-              <a:t>There are 500+ Azure Services available for creation, it’s easier to disable everything and only allow necessary resources. </a:t>
+              <a:t>https://docs.microsoft.com/en-us/azure/virtual-machine-scale-sets/overview</a:t>
             </a:r>
+          </a:p>
+          <a:p>
+            <a:endParaRPr lang="en-IE" dirty="0"/>
           </a:p>
         </p:txBody>
       </p:sp>
@@ -11573,7 +11619,97 @@
           <a:p>
             <a:fld id="{FD5B5252-8534-42B9-BEB1-6A93DAA021E2}" type="slidenum">
               <a:rPr lang="en-IE" smtClean="0"/>
-              <a:t>16</a:t>
+              <a:t>17</a:t>
+            </a:fld>
+            <a:endParaRPr lang="en-IE"/>
+          </a:p>
+        </p:txBody>
+      </p:sp>
+    </p:spTree>
+    <p:extLst>
+      <p:ext uri="{BB962C8B-B14F-4D97-AF65-F5344CB8AC3E}">
+        <p14:creationId xmlns:p14="http://schemas.microsoft.com/office/powerpoint/2010/main" val="346489748"/>
+      </p:ext>
+    </p:extLst>
+  </p:cSld>
+  <p:clrMapOvr>
+    <a:masterClrMapping/>
+  </p:clrMapOvr>
+</p:notes>
+</file>
+
+<file path=ppt/notesSlides/notesSlide5.xml><?xml version="1.0" encoding="utf-8"?>
+<p:notes xmlns:a="http://schemas.openxmlformats.org/drawingml/2006/main" xmlns:r="http://schemas.openxmlformats.org/officeDocument/2006/relationships" xmlns:p="http://schemas.openxmlformats.org/presentationml/2006/main">
+  <p:cSld>
+    <p:spTree>
+      <p:nvGrpSpPr>
+        <p:cNvPr id="1" name=""/>
+        <p:cNvGrpSpPr/>
+        <p:nvPr/>
+      </p:nvGrpSpPr>
+      <p:grpSpPr>
+        <a:xfrm>
+          <a:off x="0" y="0"/>
+          <a:ext cx="0" cy="0"/>
+          <a:chOff x="0" y="0"/>
+          <a:chExt cx="0" cy="0"/>
+        </a:xfrm>
+      </p:grpSpPr>
+      <p:sp>
+        <p:nvSpPr>
+          <p:cNvPr id="2" name="Slide Image Placeholder 1"/>
+          <p:cNvSpPr>
+            <a:spLocks noGrp="1" noRot="1" noChangeAspect="1"/>
+          </p:cNvSpPr>
+          <p:nvPr>
+            <p:ph type="sldImg"/>
+          </p:nvPr>
+        </p:nvSpPr>
+        <p:spPr/>
+      </p:sp>
+      <p:sp>
+        <p:nvSpPr>
+          <p:cNvPr id="3" name="Notes Placeholder 2"/>
+          <p:cNvSpPr>
+            <a:spLocks noGrp="1"/>
+          </p:cNvSpPr>
+          <p:nvPr>
+            <p:ph type="body" idx="1"/>
+          </p:nvPr>
+        </p:nvSpPr>
+        <p:spPr/>
+        <p:txBody>
+          <a:bodyPr/>
+          <a:lstStyle/>
+          <a:p>
+            <a:endParaRPr lang="en-IE" dirty="0"/>
+          </a:p>
+          <a:p>
+            <a:r>
+              <a:rPr lang="en-IE" dirty="0"/>
+              <a:t>There are 500+ Azure Services available for creation, it’s easier to disable everything and only allow necessary resources. </a:t>
+            </a:r>
+          </a:p>
+        </p:txBody>
+      </p:sp>
+      <p:sp>
+        <p:nvSpPr>
+          <p:cNvPr id="4" name="Slide Number Placeholder 3"/>
+          <p:cNvSpPr>
+            <a:spLocks noGrp="1"/>
+          </p:cNvSpPr>
+          <p:nvPr>
+            <p:ph type="sldNum" sz="quarter" idx="5"/>
+          </p:nvPr>
+        </p:nvSpPr>
+        <p:spPr/>
+        <p:txBody>
+          <a:bodyPr/>
+          <a:lstStyle/>
+          <a:p>
+            <a:fld id="{FD5B5252-8534-42B9-BEB1-6A93DAA021E2}" type="slidenum">
+              <a:rPr lang="en-IE" smtClean="0"/>
+              <a:t>18</a:t>
             </a:fld>
             <a:endParaRPr lang="en-IE"/>
           </a:p>
@@ -11741,7 +11877,7 @@
           <a:p>
             <a:fld id="{7821E7CA-480C-4350-9AB0-12AB79674909}" type="datetimeFigureOut">
               <a:rPr lang="en-IE" smtClean="0"/>
-              <a:t>09/06/2021</a:t>
+              <a:t>10/06/2021</a:t>
             </a:fld>
             <a:endParaRPr lang="en-IE"/>
           </a:p>
@@ -11941,7 +12077,7 @@
           <a:p>
             <a:fld id="{7821E7CA-480C-4350-9AB0-12AB79674909}" type="datetimeFigureOut">
               <a:rPr lang="en-IE" smtClean="0"/>
-              <a:t>09/06/2021</a:t>
+              <a:t>10/06/2021</a:t>
             </a:fld>
             <a:endParaRPr lang="en-IE"/>
           </a:p>
@@ -12151,7 +12287,7 @@
           <a:p>
             <a:fld id="{7821E7CA-480C-4350-9AB0-12AB79674909}" type="datetimeFigureOut">
               <a:rPr lang="en-IE" smtClean="0"/>
-              <a:t>09/06/2021</a:t>
+              <a:t>10/06/2021</a:t>
             </a:fld>
             <a:endParaRPr lang="en-IE"/>
           </a:p>
@@ -12351,7 +12487,7 @@
           <a:p>
             <a:fld id="{7821E7CA-480C-4350-9AB0-12AB79674909}" type="datetimeFigureOut">
               <a:rPr lang="en-IE" smtClean="0"/>
-              <a:t>09/06/2021</a:t>
+              <a:t>10/06/2021</a:t>
             </a:fld>
             <a:endParaRPr lang="en-IE"/>
           </a:p>
@@ -12627,7 +12763,7 @@
           <a:p>
             <a:fld id="{7821E7CA-480C-4350-9AB0-12AB79674909}" type="datetimeFigureOut">
               <a:rPr lang="en-IE" smtClean="0"/>
-              <a:t>09/06/2021</a:t>
+              <a:t>10/06/2021</a:t>
             </a:fld>
             <a:endParaRPr lang="en-IE"/>
           </a:p>
@@ -12895,7 +13031,7 @@
           <a:p>
             <a:fld id="{7821E7CA-480C-4350-9AB0-12AB79674909}" type="datetimeFigureOut">
               <a:rPr lang="en-IE" smtClean="0"/>
-              <a:t>09/06/2021</a:t>
+              <a:t>10/06/2021</a:t>
             </a:fld>
             <a:endParaRPr lang="en-IE"/>
           </a:p>
@@ -13310,7 +13446,7 @@
           <a:p>
             <a:fld id="{7821E7CA-480C-4350-9AB0-12AB79674909}" type="datetimeFigureOut">
               <a:rPr lang="en-IE" smtClean="0"/>
-              <a:t>09/06/2021</a:t>
+              <a:t>10/06/2021</a:t>
             </a:fld>
             <a:endParaRPr lang="en-IE"/>
           </a:p>
@@ -13452,7 +13588,7 @@
           <a:p>
             <a:fld id="{7821E7CA-480C-4350-9AB0-12AB79674909}" type="datetimeFigureOut">
               <a:rPr lang="en-IE" smtClean="0"/>
-              <a:t>09/06/2021</a:t>
+              <a:t>10/06/2021</a:t>
             </a:fld>
             <a:endParaRPr lang="en-IE"/>
           </a:p>
@@ -13565,7 +13701,7 @@
           <a:p>
             <a:fld id="{7821E7CA-480C-4350-9AB0-12AB79674909}" type="datetimeFigureOut">
               <a:rPr lang="en-IE" smtClean="0"/>
-              <a:t>09/06/2021</a:t>
+              <a:t>10/06/2021</a:t>
             </a:fld>
             <a:endParaRPr lang="en-IE"/>
           </a:p>
@@ -13878,7 +14014,7 @@
           <a:p>
             <a:fld id="{7821E7CA-480C-4350-9AB0-12AB79674909}" type="datetimeFigureOut">
               <a:rPr lang="en-IE" smtClean="0"/>
-              <a:t>09/06/2021</a:t>
+              <a:t>10/06/2021</a:t>
             </a:fld>
             <a:endParaRPr lang="en-IE"/>
           </a:p>
@@ -14167,7 +14303,7 @@
           <a:p>
             <a:fld id="{7821E7CA-480C-4350-9AB0-12AB79674909}" type="datetimeFigureOut">
               <a:rPr lang="en-IE" smtClean="0"/>
-              <a:t>09/06/2021</a:t>
+              <a:t>10/06/2021</a:t>
             </a:fld>
             <a:endParaRPr lang="en-IE"/>
           </a:p>
@@ -14410,7 +14546,7 @@
           <a:p>
             <a:fld id="{7821E7CA-480C-4350-9AB0-12AB79674909}" type="datetimeFigureOut">
               <a:rPr lang="en-IE" smtClean="0"/>
-              <a:t>09/06/2021</a:t>
+              <a:t>10/06/2021</a:t>
             </a:fld>
             <a:endParaRPr lang="en-IE"/>
           </a:p>
@@ -14849,12 +14985,8 @@
           <a:lstStyle/>
           <a:p>
             <a:r>
-              <a:rPr lang="en-IE"/>
-              <a:t>Azure Cloud </a:t>
-            </a:r>
-            <a:r>
               <a:rPr lang="en-IE" dirty="0"/>
-              <a:t>FinOps</a:t>
+              <a:t>Azure FinOps</a:t>
             </a:r>
           </a:p>
         </p:txBody>
@@ -15416,6 +15548,12 @@
           <a:lstStyle/>
           <a:p>
             <a:r>
+              <a:rPr lang="en-IE"/>
+              <a:t>Pricing tier</a:t>
+            </a:r>
+          </a:p>
+          <a:p>
+            <a:r>
               <a:rPr lang="en-IE" dirty="0"/>
               <a:t>Reservations</a:t>
             </a:r>
@@ -15443,18 +15581,13 @@
           <a:p>
             <a:r>
               <a:rPr lang="en-IE" dirty="0"/>
-              <a:t>Reduce size of the data (move historical data </a:t>
+              <a:t>Reduce size of the data (move historical data to archive)</a:t>
             </a:r>
-            <a:r>
-              <a:rPr lang="en-IE"/>
-              <a:t>to archive)</a:t>
-            </a:r>
-            <a:endParaRPr lang="en-IE" dirty="0"/>
           </a:p>
           <a:p>
             <a:r>
               <a:rPr lang="en-IE" dirty="0"/>
-              <a:t>Rest are manual code optimizations </a:t>
+              <a:t>Manual schema/code optimizations </a:t>
             </a:r>
           </a:p>
         </p:txBody>
@@ -15494,6 +15627,192 @@
           <p:cNvPr id="2" name="Title 1">
             <a:extLst>
               <a:ext uri="{FF2B5EF4-FFF2-40B4-BE49-F238E27FC236}">
+                <a16:creationId xmlns:a16="http://schemas.microsoft.com/office/drawing/2014/main" id="{A457B1B9-27D3-4A33-B0B8-DE77A20BDB4C}"/>
+              </a:ext>
+            </a:extLst>
+          </p:cNvPr>
+          <p:cNvSpPr>
+            <a:spLocks noGrp="1"/>
+          </p:cNvSpPr>
+          <p:nvPr>
+            <p:ph type="title"/>
+          </p:nvPr>
+        </p:nvSpPr>
+        <p:spPr/>
+        <p:txBody>
+          <a:bodyPr/>
+          <a:lstStyle/>
+          <a:p>
+            <a:endParaRPr lang="en-IE"/>
+          </a:p>
+        </p:txBody>
+      </p:sp>
+      <p:sp>
+        <p:nvSpPr>
+          <p:cNvPr id="3" name="Content Placeholder 2">
+            <a:extLst>
+              <a:ext uri="{FF2B5EF4-FFF2-40B4-BE49-F238E27FC236}">
+                <a16:creationId xmlns:a16="http://schemas.microsoft.com/office/drawing/2014/main" id="{4759384C-04EA-4F86-ADD1-4E1021124DF6}"/>
+              </a:ext>
+            </a:extLst>
+          </p:cNvPr>
+          <p:cNvSpPr>
+            <a:spLocks noGrp="1"/>
+          </p:cNvSpPr>
+          <p:nvPr>
+            <p:ph idx="1"/>
+          </p:nvPr>
+        </p:nvSpPr>
+        <p:spPr/>
+        <p:txBody>
+          <a:bodyPr/>
+          <a:lstStyle/>
+          <a:p>
+            <a:endParaRPr lang="en-IE"/>
+          </a:p>
+        </p:txBody>
+      </p:sp>
+    </p:spTree>
+    <p:extLst>
+      <p:ext uri="{BB962C8B-B14F-4D97-AF65-F5344CB8AC3E}">
+        <p14:creationId xmlns:p14="http://schemas.microsoft.com/office/powerpoint/2010/main" val="3163337946"/>
+      </p:ext>
+    </p:extLst>
+  </p:cSld>
+  <p:clrMapOvr>
+    <a:masterClrMapping/>
+  </p:clrMapOvr>
+</p:sld>
+</file>
+
+<file path=ppt/slides/slide17.xml><?xml version="1.0" encoding="utf-8"?>
+<p:sld xmlns:a="http://schemas.openxmlformats.org/drawingml/2006/main" xmlns:r="http://schemas.openxmlformats.org/officeDocument/2006/relationships" xmlns:p="http://schemas.openxmlformats.org/presentationml/2006/main">
+  <p:cSld>
+    <p:spTree>
+      <p:nvGrpSpPr>
+        <p:cNvPr id="1" name=""/>
+        <p:cNvGrpSpPr/>
+        <p:nvPr/>
+      </p:nvGrpSpPr>
+      <p:grpSpPr>
+        <a:xfrm>
+          <a:off x="0" y="0"/>
+          <a:ext cx="0" cy="0"/>
+          <a:chOff x="0" y="0"/>
+          <a:chExt cx="0" cy="0"/>
+        </a:xfrm>
+      </p:grpSpPr>
+      <p:sp>
+        <p:nvSpPr>
+          <p:cNvPr id="2" name="Title 1">
+            <a:extLst>
+              <a:ext uri="{FF2B5EF4-FFF2-40B4-BE49-F238E27FC236}">
+                <a16:creationId xmlns:a16="http://schemas.microsoft.com/office/drawing/2014/main" id="{1B4E742A-3D37-4EA7-9A83-37CD68CA7F7C}"/>
+              </a:ext>
+            </a:extLst>
+          </p:cNvPr>
+          <p:cNvSpPr>
+            <a:spLocks noGrp="1"/>
+          </p:cNvSpPr>
+          <p:nvPr>
+            <p:ph type="title"/>
+          </p:nvPr>
+        </p:nvSpPr>
+        <p:spPr/>
+        <p:txBody>
+          <a:bodyPr/>
+          <a:lstStyle/>
+          <a:p>
+            <a:r>
+              <a:rPr lang="en-IE" dirty="0"/>
+              <a:t>Azure VM Optimizations</a:t>
+            </a:r>
+          </a:p>
+        </p:txBody>
+      </p:sp>
+      <p:sp>
+        <p:nvSpPr>
+          <p:cNvPr id="3" name="Content Placeholder 2">
+            <a:extLst>
+              <a:ext uri="{FF2B5EF4-FFF2-40B4-BE49-F238E27FC236}">
+                <a16:creationId xmlns:a16="http://schemas.microsoft.com/office/drawing/2014/main" id="{E884581F-23BF-43FF-BC4D-2DD94E04B1D8}"/>
+              </a:ext>
+            </a:extLst>
+          </p:cNvPr>
+          <p:cNvSpPr>
+            <a:spLocks noGrp="1"/>
+          </p:cNvSpPr>
+          <p:nvPr>
+            <p:ph idx="1"/>
+          </p:nvPr>
+        </p:nvSpPr>
+        <p:spPr/>
+        <p:txBody>
+          <a:bodyPr/>
+          <a:lstStyle/>
+          <a:p>
+            <a:r>
+              <a:rPr lang="en-IE" dirty="0"/>
+              <a:t>Size optimizations</a:t>
+            </a:r>
+          </a:p>
+          <a:p>
+            <a:r>
+              <a:rPr lang="en-IE" dirty="0"/>
+              <a:t>Scale optimizations</a:t>
+            </a:r>
+          </a:p>
+          <a:p>
+            <a:pPr lvl="1"/>
+            <a:r>
+              <a:rPr lang="en-IE" dirty="0"/>
+              <a:t>Vertical scale – requires a reboot</a:t>
+            </a:r>
+          </a:p>
+          <a:p>
+            <a:pPr lvl="1"/>
+            <a:r>
+              <a:rPr lang="en-IE" dirty="0"/>
+              <a:t>Horizontal scale – add/remove VMs as needed</a:t>
+            </a:r>
+          </a:p>
+        </p:txBody>
+      </p:sp>
+    </p:spTree>
+    <p:extLst>
+      <p:ext uri="{BB962C8B-B14F-4D97-AF65-F5344CB8AC3E}">
+        <p14:creationId xmlns:p14="http://schemas.microsoft.com/office/powerpoint/2010/main" val="2959680776"/>
+      </p:ext>
+    </p:extLst>
+  </p:cSld>
+  <p:clrMapOvr>
+    <a:masterClrMapping/>
+  </p:clrMapOvr>
+</p:sld>
+</file>
+
+<file path=ppt/slides/slide18.xml><?xml version="1.0" encoding="utf-8"?>
+<p:sld xmlns:a="http://schemas.openxmlformats.org/drawingml/2006/main" xmlns:r="http://schemas.openxmlformats.org/officeDocument/2006/relationships" xmlns:p="http://schemas.openxmlformats.org/presentationml/2006/main">
+  <p:cSld>
+    <p:spTree>
+      <p:nvGrpSpPr>
+        <p:cNvPr id="1" name=""/>
+        <p:cNvGrpSpPr/>
+        <p:nvPr/>
+      </p:nvGrpSpPr>
+      <p:grpSpPr>
+        <a:xfrm>
+          <a:off x="0" y="0"/>
+          <a:ext cx="0" cy="0"/>
+          <a:chOff x="0" y="0"/>
+          <a:chExt cx="0" cy="0"/>
+        </a:xfrm>
+      </p:grpSpPr>
+      <p:sp>
+        <p:nvSpPr>
+          <p:cNvPr id="2" name="Title 1">
+            <a:extLst>
+              <a:ext uri="{FF2B5EF4-FFF2-40B4-BE49-F238E27FC236}">
                 <a16:creationId xmlns:a16="http://schemas.microsoft.com/office/drawing/2014/main" id="{0A4AD6B7-9405-4774-9B6E-E2D8D0DD39E3}"/>
               </a:ext>
             </a:extLst>
@@ -15576,7 +15895,7 @@
 </p:sld>
 </file>
 
-<file path=ppt/slides/slide17.xml><?xml version="1.0" encoding="utf-8"?>
+<file path=ppt/slides/slide19.xml><?xml version="1.0" encoding="utf-8"?>
 <p:sld xmlns:a="http://schemas.openxmlformats.org/drawingml/2006/main" xmlns:r="http://schemas.openxmlformats.org/officeDocument/2006/relationships" xmlns:p="http://schemas.openxmlformats.org/presentationml/2006/main">
   <p:cSld>
     <p:spTree>
@@ -15660,90 +15979,6 @@
     <p:extLst>
       <p:ext uri="{BB962C8B-B14F-4D97-AF65-F5344CB8AC3E}">
         <p14:creationId xmlns:p14="http://schemas.microsoft.com/office/powerpoint/2010/main" val="694141391"/>
-      </p:ext>
-    </p:extLst>
-  </p:cSld>
-  <p:clrMapOvr>
-    <a:masterClrMapping/>
-  </p:clrMapOvr>
-</p:sld>
-</file>
-
-<file path=ppt/slides/slide18.xml><?xml version="1.0" encoding="utf-8"?>
-<p:sld xmlns:a="http://schemas.openxmlformats.org/drawingml/2006/main" xmlns:r="http://schemas.openxmlformats.org/officeDocument/2006/relationships" xmlns:p="http://schemas.openxmlformats.org/presentationml/2006/main">
-  <p:cSld>
-    <p:spTree>
-      <p:nvGrpSpPr>
-        <p:cNvPr id="1" name=""/>
-        <p:cNvGrpSpPr/>
-        <p:nvPr/>
-      </p:nvGrpSpPr>
-      <p:grpSpPr>
-        <a:xfrm>
-          <a:off x="0" y="0"/>
-          <a:ext cx="0" cy="0"/>
-          <a:chOff x="0" y="0"/>
-          <a:chExt cx="0" cy="0"/>
-        </a:xfrm>
-      </p:grpSpPr>
-      <p:sp>
-        <p:nvSpPr>
-          <p:cNvPr id="2" name="Title 1">
-            <a:extLst>
-              <a:ext uri="{FF2B5EF4-FFF2-40B4-BE49-F238E27FC236}">
-                <a16:creationId xmlns:a16="http://schemas.microsoft.com/office/drawing/2014/main" id="{F8EDFA41-79AE-4660-9F82-BC3A94A94A1C}"/>
-              </a:ext>
-            </a:extLst>
-          </p:cNvPr>
-          <p:cNvSpPr>
-            <a:spLocks noGrp="1"/>
-          </p:cNvSpPr>
-          <p:nvPr>
-            <p:ph type="title"/>
-          </p:nvPr>
-        </p:nvSpPr>
-        <p:spPr/>
-        <p:txBody>
-          <a:bodyPr/>
-          <a:lstStyle/>
-          <a:p>
-            <a:pPr algn="ctr"/>
-            <a:r>
-              <a:rPr lang="en-IE" dirty="0"/>
-              <a:t>Demo Azure Blueprints and Policies</a:t>
-            </a:r>
-          </a:p>
-        </p:txBody>
-      </p:sp>
-      <p:sp>
-        <p:nvSpPr>
-          <p:cNvPr id="3" name="Content Placeholder 2">
-            <a:extLst>
-              <a:ext uri="{FF2B5EF4-FFF2-40B4-BE49-F238E27FC236}">
-                <a16:creationId xmlns:a16="http://schemas.microsoft.com/office/drawing/2014/main" id="{80D40B55-554B-4AE2-8FAB-A26B692AA203}"/>
-              </a:ext>
-            </a:extLst>
-          </p:cNvPr>
-          <p:cNvSpPr>
-            <a:spLocks noGrp="1"/>
-          </p:cNvSpPr>
-          <p:nvPr>
-            <p:ph idx="1"/>
-          </p:nvPr>
-        </p:nvSpPr>
-        <p:spPr/>
-        <p:txBody>
-          <a:bodyPr/>
-          <a:lstStyle/>
-          <a:p>
-            <a:endParaRPr lang="en-IE"/>
-          </a:p>
-        </p:txBody>
-      </p:sp>
-    </p:spTree>
-    <p:extLst>
-      <p:ext uri="{BB962C8B-B14F-4D97-AF65-F5344CB8AC3E}">
-        <p14:creationId xmlns:p14="http://schemas.microsoft.com/office/powerpoint/2010/main" val="2424114698"/>
       </p:ext>
     </p:extLst>
   </p:cSld>
@@ -15852,6 +16087,90 @@
     <p:extLst>
       <p:ext uri="{BB962C8B-B14F-4D97-AF65-F5344CB8AC3E}">
         <p14:creationId xmlns:p14="http://schemas.microsoft.com/office/powerpoint/2010/main" val="940474707"/>
+      </p:ext>
+    </p:extLst>
+  </p:cSld>
+  <p:clrMapOvr>
+    <a:masterClrMapping/>
+  </p:clrMapOvr>
+</p:sld>
+</file>
+
+<file path=ppt/slides/slide20.xml><?xml version="1.0" encoding="utf-8"?>
+<p:sld xmlns:a="http://schemas.openxmlformats.org/drawingml/2006/main" xmlns:r="http://schemas.openxmlformats.org/officeDocument/2006/relationships" xmlns:p="http://schemas.openxmlformats.org/presentationml/2006/main">
+  <p:cSld>
+    <p:spTree>
+      <p:nvGrpSpPr>
+        <p:cNvPr id="1" name=""/>
+        <p:cNvGrpSpPr/>
+        <p:nvPr/>
+      </p:nvGrpSpPr>
+      <p:grpSpPr>
+        <a:xfrm>
+          <a:off x="0" y="0"/>
+          <a:ext cx="0" cy="0"/>
+          <a:chOff x="0" y="0"/>
+          <a:chExt cx="0" cy="0"/>
+        </a:xfrm>
+      </p:grpSpPr>
+      <p:sp>
+        <p:nvSpPr>
+          <p:cNvPr id="2" name="Title 1">
+            <a:extLst>
+              <a:ext uri="{FF2B5EF4-FFF2-40B4-BE49-F238E27FC236}">
+                <a16:creationId xmlns:a16="http://schemas.microsoft.com/office/drawing/2014/main" id="{F8EDFA41-79AE-4660-9F82-BC3A94A94A1C}"/>
+              </a:ext>
+            </a:extLst>
+          </p:cNvPr>
+          <p:cNvSpPr>
+            <a:spLocks noGrp="1"/>
+          </p:cNvSpPr>
+          <p:nvPr>
+            <p:ph type="title"/>
+          </p:nvPr>
+        </p:nvSpPr>
+        <p:spPr/>
+        <p:txBody>
+          <a:bodyPr/>
+          <a:lstStyle/>
+          <a:p>
+            <a:pPr algn="ctr"/>
+            <a:r>
+              <a:rPr lang="en-IE" dirty="0"/>
+              <a:t>Demo Azure Blueprints and Policies</a:t>
+            </a:r>
+          </a:p>
+        </p:txBody>
+      </p:sp>
+      <p:sp>
+        <p:nvSpPr>
+          <p:cNvPr id="3" name="Content Placeholder 2">
+            <a:extLst>
+              <a:ext uri="{FF2B5EF4-FFF2-40B4-BE49-F238E27FC236}">
+                <a16:creationId xmlns:a16="http://schemas.microsoft.com/office/drawing/2014/main" id="{80D40B55-554B-4AE2-8FAB-A26B692AA203}"/>
+              </a:ext>
+            </a:extLst>
+          </p:cNvPr>
+          <p:cNvSpPr>
+            <a:spLocks noGrp="1"/>
+          </p:cNvSpPr>
+          <p:nvPr>
+            <p:ph idx="1"/>
+          </p:nvPr>
+        </p:nvSpPr>
+        <p:spPr/>
+        <p:txBody>
+          <a:bodyPr/>
+          <a:lstStyle/>
+          <a:p>
+            <a:endParaRPr lang="en-IE"/>
+          </a:p>
+        </p:txBody>
+      </p:sp>
+    </p:spTree>
+    <p:extLst>
+      <p:ext uri="{BB962C8B-B14F-4D97-AF65-F5344CB8AC3E}">
+        <p14:creationId xmlns:p14="http://schemas.microsoft.com/office/powerpoint/2010/main" val="2424114698"/>
       </p:ext>
     </p:extLst>
   </p:cSld>

--- a/104-FinOps/Azure FinOps - Introduction.pptx
+++ b/104-FinOps/Azure FinOps - Introduction.pptx
@@ -5,7 +5,7 @@
     <p:sldMasterId id="2147483648" r:id="rId1"/>
   </p:sldMasterIdLst>
   <p:notesMasterIdLst>
-    <p:notesMasterId r:id="rId22"/>
+    <p:notesMasterId r:id="rId28"/>
   </p:notesMasterIdLst>
   <p:sldIdLst>
     <p:sldId id="256" r:id="rId2"/>
@@ -17,17 +17,23 @@
     <p:sldId id="267" r:id="rId8"/>
     <p:sldId id="261" r:id="rId9"/>
     <p:sldId id="263" r:id="rId10"/>
-    <p:sldId id="266" r:id="rId11"/>
-    <p:sldId id="262" r:id="rId12"/>
-    <p:sldId id="264" r:id="rId13"/>
-    <p:sldId id="271" r:id="rId14"/>
-    <p:sldId id="270" r:id="rId15"/>
-    <p:sldId id="273" r:id="rId16"/>
-    <p:sldId id="275" r:id="rId17"/>
-    <p:sldId id="274" r:id="rId18"/>
-    <p:sldId id="269" r:id="rId19"/>
-    <p:sldId id="265" r:id="rId20"/>
-    <p:sldId id="268" r:id="rId21"/>
+    <p:sldId id="282" r:id="rId11"/>
+    <p:sldId id="266" r:id="rId12"/>
+    <p:sldId id="281" r:id="rId13"/>
+    <p:sldId id="262" r:id="rId14"/>
+    <p:sldId id="264" r:id="rId15"/>
+    <p:sldId id="271" r:id="rId16"/>
+    <p:sldId id="270" r:id="rId17"/>
+    <p:sldId id="277" r:id="rId18"/>
+    <p:sldId id="273" r:id="rId19"/>
+    <p:sldId id="275" r:id="rId20"/>
+    <p:sldId id="274" r:id="rId21"/>
+    <p:sldId id="280" r:id="rId22"/>
+    <p:sldId id="279" r:id="rId23"/>
+    <p:sldId id="278" r:id="rId24"/>
+    <p:sldId id="269" r:id="rId25"/>
+    <p:sldId id="265" r:id="rId26"/>
+    <p:sldId id="268" r:id="rId27"/>
   </p:sldIdLst>
   <p:sldSz cx="12192000" cy="6858000"/>
   <p:notesSz cx="6858000" cy="9144000"/>
@@ -144,11 +150,13 @@
         <p14:section name="Human Processes" id="{EFE47D5C-8261-4CB1-AA99-AE1ADE9EA428}">
           <p14:sldIdLst>
             <p14:sldId id="263"/>
+            <p14:sldId id="282"/>
           </p14:sldIdLst>
         </p14:section>
         <p14:section name="Tech Processes" id="{62B5BE25-02B5-4483-B8B2-1A3EC7CC1B57}">
           <p14:sldIdLst>
             <p14:sldId id="266"/>
+            <p14:sldId id="281"/>
             <p14:sldId id="262"/>
             <p14:sldId id="264"/>
             <p14:sldId id="271"/>
@@ -157,9 +165,13 @@
         </p14:section>
         <p14:section name="Optimizations" id="{46A14F90-A4A6-40B0-862A-BF38595701CE}">
           <p14:sldIdLst>
+            <p14:sldId id="277"/>
             <p14:sldId id="273"/>
             <p14:sldId id="275"/>
             <p14:sldId id="274"/>
+            <p14:sldId id="280"/>
+            <p14:sldId id="279"/>
+            <p14:sldId id="278"/>
           </p14:sldIdLst>
         </p14:section>
         <p14:section name="Demos and Exampls" id="{0E63F6F0-7172-4A96-8273-F3AF0705F0E9}">
@@ -1673,6 +1685,753 @@
 </file>
 
 <file path=ppt/diagrams/colors3.xml><?xml version="1.0" encoding="utf-8"?>
+<dgm:colorsDef xmlns:dgm="http://schemas.openxmlformats.org/drawingml/2006/diagram" xmlns:a="http://schemas.openxmlformats.org/drawingml/2006/main" uniqueId="urn:microsoft.com/office/officeart/2005/8/colors/accent1_2">
+  <dgm:title val=""/>
+  <dgm:desc val=""/>
+  <dgm:catLst>
+    <dgm:cat type="accent1" pri="11200"/>
+  </dgm:catLst>
+  <dgm:styleLbl name="node0">
+    <dgm:fillClrLst meth="repeat">
+      <a:schemeClr val="accent1"/>
+    </dgm:fillClrLst>
+    <dgm:linClrLst meth="repeat">
+      <a:schemeClr val="lt1"/>
+    </dgm:linClrLst>
+    <dgm:effectClrLst/>
+    <dgm:txLinClrLst/>
+    <dgm:txFillClrLst/>
+    <dgm:txEffectClrLst/>
+  </dgm:styleLbl>
+  <dgm:styleLbl name="alignNode1">
+    <dgm:fillClrLst meth="repeat">
+      <a:schemeClr val="accent1"/>
+    </dgm:fillClrLst>
+    <dgm:linClrLst meth="repeat">
+      <a:schemeClr val="accent1"/>
+    </dgm:linClrLst>
+    <dgm:effectClrLst/>
+    <dgm:txLinClrLst/>
+    <dgm:txFillClrLst/>
+    <dgm:txEffectClrLst/>
+  </dgm:styleLbl>
+  <dgm:styleLbl name="node1">
+    <dgm:fillClrLst meth="repeat">
+      <a:schemeClr val="accent1"/>
+    </dgm:fillClrLst>
+    <dgm:linClrLst meth="repeat">
+      <a:schemeClr val="lt1"/>
+    </dgm:linClrLst>
+    <dgm:effectClrLst/>
+    <dgm:txLinClrLst/>
+    <dgm:txFillClrLst/>
+    <dgm:txEffectClrLst/>
+  </dgm:styleLbl>
+  <dgm:styleLbl name="lnNode1">
+    <dgm:fillClrLst meth="repeat">
+      <a:schemeClr val="accent1"/>
+    </dgm:fillClrLst>
+    <dgm:linClrLst meth="repeat">
+      <a:schemeClr val="lt1"/>
+    </dgm:linClrLst>
+    <dgm:effectClrLst/>
+    <dgm:txLinClrLst/>
+    <dgm:txFillClrLst/>
+    <dgm:txEffectClrLst/>
+  </dgm:styleLbl>
+  <dgm:styleLbl name="vennNode1">
+    <dgm:fillClrLst meth="repeat">
+      <a:schemeClr val="accent1">
+        <a:alpha val="50000"/>
+      </a:schemeClr>
+    </dgm:fillClrLst>
+    <dgm:linClrLst meth="repeat">
+      <a:schemeClr val="lt1"/>
+    </dgm:linClrLst>
+    <dgm:effectClrLst/>
+    <dgm:txLinClrLst/>
+    <dgm:txFillClrLst/>
+    <dgm:txEffectClrLst/>
+  </dgm:styleLbl>
+  <dgm:styleLbl name="node2">
+    <dgm:fillClrLst meth="repeat">
+      <a:schemeClr val="accent1"/>
+    </dgm:fillClrLst>
+    <dgm:linClrLst meth="repeat">
+      <a:schemeClr val="lt1"/>
+    </dgm:linClrLst>
+    <dgm:effectClrLst/>
+    <dgm:txLinClrLst/>
+    <dgm:txFillClrLst/>
+    <dgm:txEffectClrLst/>
+  </dgm:styleLbl>
+  <dgm:styleLbl name="node3">
+    <dgm:fillClrLst meth="repeat">
+      <a:schemeClr val="accent1"/>
+    </dgm:fillClrLst>
+    <dgm:linClrLst meth="repeat">
+      <a:schemeClr val="lt1"/>
+    </dgm:linClrLst>
+    <dgm:effectClrLst/>
+    <dgm:txLinClrLst/>
+    <dgm:txFillClrLst/>
+    <dgm:txEffectClrLst/>
+  </dgm:styleLbl>
+  <dgm:styleLbl name="node4">
+    <dgm:fillClrLst meth="repeat">
+      <a:schemeClr val="accent1"/>
+    </dgm:fillClrLst>
+    <dgm:linClrLst meth="repeat">
+      <a:schemeClr val="lt1"/>
+    </dgm:linClrLst>
+    <dgm:effectClrLst/>
+    <dgm:txLinClrLst/>
+    <dgm:txFillClrLst/>
+    <dgm:txEffectClrLst/>
+  </dgm:styleLbl>
+  <dgm:styleLbl name="fgImgPlace1">
+    <dgm:fillClrLst meth="repeat">
+      <a:schemeClr val="accent1">
+        <a:tint val="50000"/>
+      </a:schemeClr>
+    </dgm:fillClrLst>
+    <dgm:linClrLst meth="repeat">
+      <a:schemeClr val="lt1"/>
+    </dgm:linClrLst>
+    <dgm:effectClrLst/>
+    <dgm:txLinClrLst/>
+    <dgm:txFillClrLst meth="repeat">
+      <a:schemeClr val="lt1"/>
+    </dgm:txFillClrLst>
+    <dgm:txEffectClrLst/>
+  </dgm:styleLbl>
+  <dgm:styleLbl name="alignImgPlace1">
+    <dgm:fillClrLst meth="repeat">
+      <a:schemeClr val="accent1">
+        <a:tint val="50000"/>
+      </a:schemeClr>
+    </dgm:fillClrLst>
+    <dgm:linClrLst meth="repeat">
+      <a:schemeClr val="lt1"/>
+    </dgm:linClrLst>
+    <dgm:effectClrLst/>
+    <dgm:txLinClrLst/>
+    <dgm:txFillClrLst meth="repeat">
+      <a:schemeClr val="lt1"/>
+    </dgm:txFillClrLst>
+    <dgm:txEffectClrLst/>
+  </dgm:styleLbl>
+  <dgm:styleLbl name="bgImgPlace1">
+    <dgm:fillClrLst meth="repeat">
+      <a:schemeClr val="accent1">
+        <a:tint val="50000"/>
+      </a:schemeClr>
+    </dgm:fillClrLst>
+    <dgm:linClrLst meth="repeat">
+      <a:schemeClr val="lt1"/>
+    </dgm:linClrLst>
+    <dgm:effectClrLst/>
+    <dgm:txLinClrLst/>
+    <dgm:txFillClrLst meth="repeat">
+      <a:schemeClr val="lt1"/>
+    </dgm:txFillClrLst>
+    <dgm:txEffectClrLst/>
+  </dgm:styleLbl>
+  <dgm:styleLbl name="sibTrans2D1">
+    <dgm:fillClrLst meth="repeat">
+      <a:schemeClr val="accent1">
+        <a:tint val="60000"/>
+      </a:schemeClr>
+    </dgm:fillClrLst>
+    <dgm:linClrLst meth="repeat">
+      <a:schemeClr val="accent1">
+        <a:tint val="60000"/>
+      </a:schemeClr>
+    </dgm:linClrLst>
+    <dgm:effectClrLst/>
+    <dgm:txLinClrLst/>
+    <dgm:txFillClrLst/>
+    <dgm:txEffectClrLst/>
+  </dgm:styleLbl>
+  <dgm:styleLbl name="fgSibTrans2D1">
+    <dgm:fillClrLst meth="repeat">
+      <a:schemeClr val="accent1">
+        <a:tint val="60000"/>
+      </a:schemeClr>
+    </dgm:fillClrLst>
+    <dgm:linClrLst meth="repeat">
+      <a:schemeClr val="accent1">
+        <a:tint val="60000"/>
+      </a:schemeClr>
+    </dgm:linClrLst>
+    <dgm:effectClrLst/>
+    <dgm:txLinClrLst/>
+    <dgm:txFillClrLst/>
+    <dgm:txEffectClrLst/>
+  </dgm:styleLbl>
+  <dgm:styleLbl name="bgSibTrans2D1">
+    <dgm:fillClrLst meth="repeat">
+      <a:schemeClr val="accent1">
+        <a:tint val="60000"/>
+      </a:schemeClr>
+    </dgm:fillClrLst>
+    <dgm:linClrLst meth="repeat">
+      <a:schemeClr val="accent1">
+        <a:tint val="60000"/>
+      </a:schemeClr>
+    </dgm:linClrLst>
+    <dgm:effectClrLst/>
+    <dgm:txLinClrLst/>
+    <dgm:txFillClrLst/>
+    <dgm:txEffectClrLst/>
+  </dgm:styleLbl>
+  <dgm:styleLbl name="sibTrans1D1">
+    <dgm:fillClrLst meth="repeat">
+      <a:schemeClr val="accent1"/>
+    </dgm:fillClrLst>
+    <dgm:linClrLst meth="repeat">
+      <a:schemeClr val="accent1"/>
+    </dgm:linClrLst>
+    <dgm:effectClrLst/>
+    <dgm:txLinClrLst/>
+    <dgm:txFillClrLst meth="repeat">
+      <a:schemeClr val="tx1"/>
+    </dgm:txFillClrLst>
+    <dgm:txEffectClrLst/>
+  </dgm:styleLbl>
+  <dgm:styleLbl name="callout">
+    <dgm:fillClrLst meth="repeat">
+      <a:schemeClr val="accent1"/>
+    </dgm:fillClrLst>
+    <dgm:linClrLst meth="repeat">
+      <a:schemeClr val="accent1">
+        <a:tint val="50000"/>
+      </a:schemeClr>
+    </dgm:linClrLst>
+    <dgm:effectClrLst/>
+    <dgm:txLinClrLst/>
+    <dgm:txFillClrLst meth="repeat">
+      <a:schemeClr val="tx1"/>
+    </dgm:txFillClrLst>
+    <dgm:txEffectClrLst/>
+  </dgm:styleLbl>
+  <dgm:styleLbl name="asst0">
+    <dgm:fillClrLst meth="repeat">
+      <a:schemeClr val="accent1"/>
+    </dgm:fillClrLst>
+    <dgm:linClrLst meth="repeat">
+      <a:schemeClr val="lt1"/>
+    </dgm:linClrLst>
+    <dgm:effectClrLst/>
+    <dgm:txLinClrLst/>
+    <dgm:txFillClrLst/>
+    <dgm:txEffectClrLst/>
+  </dgm:styleLbl>
+  <dgm:styleLbl name="asst1">
+    <dgm:fillClrLst meth="repeat">
+      <a:schemeClr val="accent1"/>
+    </dgm:fillClrLst>
+    <dgm:linClrLst meth="repeat">
+      <a:schemeClr val="lt1"/>
+    </dgm:linClrLst>
+    <dgm:effectClrLst/>
+    <dgm:txLinClrLst/>
+    <dgm:txFillClrLst/>
+    <dgm:txEffectClrLst/>
+  </dgm:styleLbl>
+  <dgm:styleLbl name="asst2">
+    <dgm:fillClrLst meth="repeat">
+      <a:schemeClr val="accent1"/>
+    </dgm:fillClrLst>
+    <dgm:linClrLst meth="repeat">
+      <a:schemeClr val="lt1"/>
+    </dgm:linClrLst>
+    <dgm:effectClrLst/>
+    <dgm:txLinClrLst/>
+    <dgm:txFillClrLst/>
+    <dgm:txEffectClrLst/>
+  </dgm:styleLbl>
+  <dgm:styleLbl name="asst3">
+    <dgm:fillClrLst meth="repeat">
+      <a:schemeClr val="accent1"/>
+    </dgm:fillClrLst>
+    <dgm:linClrLst meth="repeat">
+      <a:schemeClr val="lt1"/>
+    </dgm:linClrLst>
+    <dgm:effectClrLst/>
+    <dgm:txLinClrLst/>
+    <dgm:txFillClrLst/>
+    <dgm:txEffectClrLst/>
+  </dgm:styleLbl>
+  <dgm:styleLbl name="asst4">
+    <dgm:fillClrLst meth="repeat">
+      <a:schemeClr val="accent1"/>
+    </dgm:fillClrLst>
+    <dgm:linClrLst meth="repeat">
+      <a:schemeClr val="lt1"/>
+    </dgm:linClrLst>
+    <dgm:effectClrLst/>
+    <dgm:txLinClrLst/>
+    <dgm:txFillClrLst/>
+    <dgm:txEffectClrLst/>
+  </dgm:styleLbl>
+  <dgm:styleLbl name="parChTrans2D1">
+    <dgm:fillClrLst meth="repeat">
+      <a:schemeClr val="accent1">
+        <a:tint val="60000"/>
+      </a:schemeClr>
+    </dgm:fillClrLst>
+    <dgm:linClrLst meth="repeat">
+      <a:schemeClr val="accent1">
+        <a:tint val="60000"/>
+      </a:schemeClr>
+    </dgm:linClrLst>
+    <dgm:effectClrLst/>
+    <dgm:txLinClrLst/>
+    <dgm:txFillClrLst meth="repeat">
+      <a:schemeClr val="lt1"/>
+    </dgm:txFillClrLst>
+    <dgm:txEffectClrLst/>
+  </dgm:styleLbl>
+  <dgm:styleLbl name="parChTrans2D2">
+    <dgm:fillClrLst meth="repeat">
+      <a:schemeClr val="accent1"/>
+    </dgm:fillClrLst>
+    <dgm:linClrLst meth="repeat">
+      <a:schemeClr val="accent1"/>
+    </dgm:linClrLst>
+    <dgm:effectClrLst/>
+    <dgm:txLinClrLst/>
+    <dgm:txFillClrLst meth="repeat">
+      <a:schemeClr val="lt1"/>
+    </dgm:txFillClrLst>
+    <dgm:txEffectClrLst/>
+  </dgm:styleLbl>
+  <dgm:styleLbl name="parChTrans2D3">
+    <dgm:fillClrLst meth="repeat">
+      <a:schemeClr val="accent1"/>
+    </dgm:fillClrLst>
+    <dgm:linClrLst meth="repeat">
+      <a:schemeClr val="accent1"/>
+    </dgm:linClrLst>
+    <dgm:effectClrLst/>
+    <dgm:txLinClrLst/>
+    <dgm:txFillClrLst meth="repeat">
+      <a:schemeClr val="lt1"/>
+    </dgm:txFillClrLst>
+    <dgm:txEffectClrLst/>
+  </dgm:styleLbl>
+  <dgm:styleLbl name="parChTrans2D4">
+    <dgm:fillClrLst meth="repeat">
+      <a:schemeClr val="accent1"/>
+    </dgm:fillClrLst>
+    <dgm:linClrLst meth="repeat">
+      <a:schemeClr val="accent1"/>
+    </dgm:linClrLst>
+    <dgm:effectClrLst/>
+    <dgm:txLinClrLst/>
+    <dgm:txFillClrLst meth="repeat">
+      <a:schemeClr val="lt1"/>
+    </dgm:txFillClrLst>
+    <dgm:txEffectClrLst/>
+  </dgm:styleLbl>
+  <dgm:styleLbl name="parChTrans1D1">
+    <dgm:fillClrLst meth="repeat">
+      <a:schemeClr val="accent1"/>
+    </dgm:fillClrLst>
+    <dgm:linClrLst meth="repeat">
+      <a:schemeClr val="accent1">
+        <a:shade val="60000"/>
+      </a:schemeClr>
+    </dgm:linClrLst>
+    <dgm:effectClrLst/>
+    <dgm:txLinClrLst/>
+    <dgm:txFillClrLst meth="repeat">
+      <a:schemeClr val="tx1"/>
+    </dgm:txFillClrLst>
+    <dgm:txEffectClrLst/>
+  </dgm:styleLbl>
+  <dgm:styleLbl name="parChTrans1D2">
+    <dgm:fillClrLst meth="repeat">
+      <a:schemeClr val="accent1"/>
+    </dgm:fillClrLst>
+    <dgm:linClrLst meth="repeat">
+      <a:schemeClr val="accent1">
+        <a:shade val="60000"/>
+      </a:schemeClr>
+    </dgm:linClrLst>
+    <dgm:effectClrLst/>
+    <dgm:txLinClrLst/>
+    <dgm:txFillClrLst meth="repeat">
+      <a:schemeClr val="tx1"/>
+    </dgm:txFillClrLst>
+    <dgm:txEffectClrLst/>
+  </dgm:styleLbl>
+  <dgm:styleLbl name="parChTrans1D3">
+    <dgm:fillClrLst meth="repeat">
+      <a:schemeClr val="accent1"/>
+    </dgm:fillClrLst>
+    <dgm:linClrLst meth="repeat">
+      <a:schemeClr val="accent1">
+        <a:shade val="80000"/>
+      </a:schemeClr>
+    </dgm:linClrLst>
+    <dgm:effectClrLst/>
+    <dgm:txLinClrLst/>
+    <dgm:txFillClrLst meth="repeat">
+      <a:schemeClr val="tx1"/>
+    </dgm:txFillClrLst>
+    <dgm:txEffectClrLst/>
+  </dgm:styleLbl>
+  <dgm:styleLbl name="parChTrans1D4">
+    <dgm:fillClrLst meth="repeat">
+      <a:schemeClr val="accent1"/>
+    </dgm:fillClrLst>
+    <dgm:linClrLst meth="repeat">
+      <a:schemeClr val="accent1">
+        <a:shade val="80000"/>
+      </a:schemeClr>
+    </dgm:linClrLst>
+    <dgm:effectClrLst/>
+    <dgm:txLinClrLst/>
+    <dgm:txFillClrLst meth="repeat">
+      <a:schemeClr val="tx1"/>
+    </dgm:txFillClrLst>
+    <dgm:txEffectClrLst/>
+  </dgm:styleLbl>
+  <dgm:styleLbl name="fgAcc1">
+    <dgm:fillClrLst meth="repeat">
+      <a:schemeClr val="lt1">
+        <a:alpha val="90000"/>
+      </a:schemeClr>
+    </dgm:fillClrLst>
+    <dgm:linClrLst meth="repeat">
+      <a:schemeClr val="accent1"/>
+    </dgm:linClrLst>
+    <dgm:effectClrLst/>
+    <dgm:txLinClrLst/>
+    <dgm:txFillClrLst meth="repeat">
+      <a:schemeClr val="dk1"/>
+    </dgm:txFillClrLst>
+    <dgm:txEffectClrLst/>
+  </dgm:styleLbl>
+  <dgm:styleLbl name="conFgAcc1">
+    <dgm:fillClrLst meth="repeat">
+      <a:schemeClr val="lt1">
+        <a:alpha val="90000"/>
+      </a:schemeClr>
+    </dgm:fillClrLst>
+    <dgm:linClrLst meth="repeat">
+      <a:schemeClr val="accent1"/>
+    </dgm:linClrLst>
+    <dgm:effectClrLst/>
+    <dgm:txLinClrLst/>
+    <dgm:txFillClrLst meth="repeat">
+      <a:schemeClr val="dk1"/>
+    </dgm:txFillClrLst>
+    <dgm:txEffectClrLst/>
+  </dgm:styleLbl>
+  <dgm:styleLbl name="alignAcc1">
+    <dgm:fillClrLst meth="repeat">
+      <a:schemeClr val="lt1">
+        <a:alpha val="90000"/>
+      </a:schemeClr>
+    </dgm:fillClrLst>
+    <dgm:linClrLst meth="repeat">
+      <a:schemeClr val="accent1"/>
+    </dgm:linClrLst>
+    <dgm:effectClrLst/>
+    <dgm:txLinClrLst/>
+    <dgm:txFillClrLst meth="repeat">
+      <a:schemeClr val="dk1"/>
+    </dgm:txFillClrLst>
+    <dgm:txEffectClrLst/>
+  </dgm:styleLbl>
+  <dgm:styleLbl name="trAlignAcc1">
+    <dgm:fillClrLst meth="repeat">
+      <a:schemeClr val="lt1">
+        <a:alpha val="40000"/>
+      </a:schemeClr>
+    </dgm:fillClrLst>
+    <dgm:linClrLst meth="repeat">
+      <a:schemeClr val="accent1"/>
+    </dgm:linClrLst>
+    <dgm:effectClrLst/>
+    <dgm:txLinClrLst/>
+    <dgm:txFillClrLst meth="repeat">
+      <a:schemeClr val="dk1"/>
+    </dgm:txFillClrLst>
+    <dgm:txEffectClrLst/>
+  </dgm:styleLbl>
+  <dgm:styleLbl name="bgAcc1">
+    <dgm:fillClrLst meth="repeat">
+      <a:schemeClr val="lt1">
+        <a:alpha val="90000"/>
+      </a:schemeClr>
+    </dgm:fillClrLst>
+    <dgm:linClrLst meth="repeat">
+      <a:schemeClr val="accent1"/>
+    </dgm:linClrLst>
+    <dgm:effectClrLst/>
+    <dgm:txLinClrLst/>
+    <dgm:txFillClrLst meth="repeat">
+      <a:schemeClr val="dk1"/>
+    </dgm:txFillClrLst>
+    <dgm:txEffectClrLst/>
+  </dgm:styleLbl>
+  <dgm:styleLbl name="solidFgAcc1">
+    <dgm:fillClrLst meth="repeat">
+      <a:schemeClr val="lt1"/>
+    </dgm:fillClrLst>
+    <dgm:linClrLst meth="repeat">
+      <a:schemeClr val="accent1"/>
+    </dgm:linClrLst>
+    <dgm:effectClrLst/>
+    <dgm:txLinClrLst/>
+    <dgm:txFillClrLst meth="repeat">
+      <a:schemeClr val="dk1"/>
+    </dgm:txFillClrLst>
+    <dgm:txEffectClrLst/>
+  </dgm:styleLbl>
+  <dgm:styleLbl name="solidAlignAcc1">
+    <dgm:fillClrLst meth="repeat">
+      <a:schemeClr val="lt1"/>
+    </dgm:fillClrLst>
+    <dgm:linClrLst meth="repeat">
+      <a:schemeClr val="accent1"/>
+    </dgm:linClrLst>
+    <dgm:effectClrLst/>
+    <dgm:txLinClrLst/>
+    <dgm:txFillClrLst meth="repeat">
+      <a:schemeClr val="dk1"/>
+    </dgm:txFillClrLst>
+    <dgm:txEffectClrLst/>
+  </dgm:styleLbl>
+  <dgm:styleLbl name="solidBgAcc1">
+    <dgm:fillClrLst meth="repeat">
+      <a:schemeClr val="lt1"/>
+    </dgm:fillClrLst>
+    <dgm:linClrLst meth="repeat">
+      <a:schemeClr val="accent1"/>
+    </dgm:linClrLst>
+    <dgm:effectClrLst/>
+    <dgm:txLinClrLst/>
+    <dgm:txFillClrLst meth="repeat">
+      <a:schemeClr val="dk1"/>
+    </dgm:txFillClrLst>
+    <dgm:txEffectClrLst/>
+  </dgm:styleLbl>
+  <dgm:styleLbl name="fgAccFollowNode1">
+    <dgm:fillClrLst meth="repeat">
+      <a:schemeClr val="accent1">
+        <a:alpha val="90000"/>
+        <a:tint val="40000"/>
+      </a:schemeClr>
+    </dgm:fillClrLst>
+    <dgm:linClrLst meth="repeat">
+      <a:schemeClr val="accent1">
+        <a:alpha val="90000"/>
+        <a:tint val="40000"/>
+      </a:schemeClr>
+    </dgm:linClrLst>
+    <dgm:effectClrLst/>
+    <dgm:txLinClrLst/>
+    <dgm:txFillClrLst meth="repeat">
+      <a:schemeClr val="dk1"/>
+    </dgm:txFillClrLst>
+    <dgm:txEffectClrLst/>
+  </dgm:styleLbl>
+  <dgm:styleLbl name="alignAccFollowNode1">
+    <dgm:fillClrLst meth="repeat">
+      <a:schemeClr val="accent1">
+        <a:alpha val="90000"/>
+        <a:tint val="40000"/>
+      </a:schemeClr>
+    </dgm:fillClrLst>
+    <dgm:linClrLst meth="repeat">
+      <a:schemeClr val="accent1">
+        <a:alpha val="90000"/>
+        <a:tint val="40000"/>
+      </a:schemeClr>
+    </dgm:linClrLst>
+    <dgm:effectClrLst/>
+    <dgm:txLinClrLst/>
+    <dgm:txFillClrLst meth="repeat">
+      <a:schemeClr val="dk1"/>
+    </dgm:txFillClrLst>
+    <dgm:txEffectClrLst/>
+  </dgm:styleLbl>
+  <dgm:styleLbl name="bgAccFollowNode1">
+    <dgm:fillClrLst meth="repeat">
+      <a:schemeClr val="accent1">
+        <a:alpha val="90000"/>
+        <a:tint val="40000"/>
+      </a:schemeClr>
+    </dgm:fillClrLst>
+    <dgm:linClrLst meth="repeat">
+      <a:schemeClr val="accent1">
+        <a:alpha val="90000"/>
+        <a:tint val="40000"/>
+      </a:schemeClr>
+    </dgm:linClrLst>
+    <dgm:effectClrLst/>
+    <dgm:txLinClrLst/>
+    <dgm:txFillClrLst meth="repeat">
+      <a:schemeClr val="dk1"/>
+    </dgm:txFillClrLst>
+    <dgm:txEffectClrLst/>
+  </dgm:styleLbl>
+  <dgm:styleLbl name="fgAcc0">
+    <dgm:fillClrLst meth="repeat">
+      <a:schemeClr val="lt1">
+        <a:alpha val="90000"/>
+      </a:schemeClr>
+    </dgm:fillClrLst>
+    <dgm:linClrLst meth="repeat">
+      <a:schemeClr val="accent1"/>
+    </dgm:linClrLst>
+    <dgm:effectClrLst/>
+    <dgm:txLinClrLst/>
+    <dgm:txFillClrLst meth="repeat">
+      <a:schemeClr val="dk1"/>
+    </dgm:txFillClrLst>
+    <dgm:txEffectClrLst/>
+  </dgm:styleLbl>
+  <dgm:styleLbl name="fgAcc2">
+    <dgm:fillClrLst meth="repeat">
+      <a:schemeClr val="lt1">
+        <a:alpha val="90000"/>
+      </a:schemeClr>
+    </dgm:fillClrLst>
+    <dgm:linClrLst meth="repeat">
+      <a:schemeClr val="accent1"/>
+    </dgm:linClrLst>
+    <dgm:effectClrLst/>
+    <dgm:txLinClrLst/>
+    <dgm:txFillClrLst meth="repeat">
+      <a:schemeClr val="dk1"/>
+    </dgm:txFillClrLst>
+    <dgm:txEffectClrLst/>
+  </dgm:styleLbl>
+  <dgm:styleLbl name="fgAcc3">
+    <dgm:fillClrLst meth="repeat">
+      <a:schemeClr val="lt1">
+        <a:alpha val="90000"/>
+      </a:schemeClr>
+    </dgm:fillClrLst>
+    <dgm:linClrLst meth="repeat">
+      <a:schemeClr val="accent1"/>
+    </dgm:linClrLst>
+    <dgm:effectClrLst/>
+    <dgm:txLinClrLst/>
+    <dgm:txFillClrLst meth="repeat">
+      <a:schemeClr val="dk1"/>
+    </dgm:txFillClrLst>
+    <dgm:txEffectClrLst/>
+  </dgm:styleLbl>
+  <dgm:styleLbl name="fgAcc4">
+    <dgm:fillClrLst meth="repeat">
+      <a:schemeClr val="lt1">
+        <a:alpha val="90000"/>
+      </a:schemeClr>
+    </dgm:fillClrLst>
+    <dgm:linClrLst meth="repeat">
+      <a:schemeClr val="accent1"/>
+    </dgm:linClrLst>
+    <dgm:effectClrLst/>
+    <dgm:txLinClrLst/>
+    <dgm:txFillClrLst meth="repeat">
+      <a:schemeClr val="dk1"/>
+    </dgm:txFillClrLst>
+    <dgm:txEffectClrLst/>
+  </dgm:styleLbl>
+  <dgm:styleLbl name="bgShp">
+    <dgm:fillClrLst meth="repeat">
+      <a:schemeClr val="accent1">
+        <a:tint val="40000"/>
+      </a:schemeClr>
+    </dgm:fillClrLst>
+    <dgm:linClrLst meth="repeat">
+      <a:schemeClr val="accent1"/>
+    </dgm:linClrLst>
+    <dgm:effectClrLst/>
+    <dgm:txLinClrLst/>
+    <dgm:txFillClrLst meth="repeat">
+      <a:schemeClr val="dk1"/>
+    </dgm:txFillClrLst>
+    <dgm:txEffectClrLst/>
+  </dgm:styleLbl>
+  <dgm:styleLbl name="dkBgShp">
+    <dgm:fillClrLst meth="repeat">
+      <a:schemeClr val="accent1">
+        <a:shade val="80000"/>
+      </a:schemeClr>
+    </dgm:fillClrLst>
+    <dgm:linClrLst meth="repeat">
+      <a:schemeClr val="accent1"/>
+    </dgm:linClrLst>
+    <dgm:effectClrLst/>
+    <dgm:txLinClrLst/>
+    <dgm:txFillClrLst meth="repeat">
+      <a:schemeClr val="lt1"/>
+    </dgm:txFillClrLst>
+    <dgm:txEffectClrLst/>
+  </dgm:styleLbl>
+  <dgm:styleLbl name="trBgShp">
+    <dgm:fillClrLst meth="repeat">
+      <a:schemeClr val="accent1">
+        <a:tint val="50000"/>
+        <a:alpha val="40000"/>
+      </a:schemeClr>
+    </dgm:fillClrLst>
+    <dgm:linClrLst meth="repeat">
+      <a:schemeClr val="accent1"/>
+    </dgm:linClrLst>
+    <dgm:effectClrLst/>
+    <dgm:txLinClrLst/>
+    <dgm:txFillClrLst meth="repeat">
+      <a:schemeClr val="lt1"/>
+    </dgm:txFillClrLst>
+    <dgm:txEffectClrLst/>
+  </dgm:styleLbl>
+  <dgm:styleLbl name="fgShp">
+    <dgm:fillClrLst meth="repeat">
+      <a:schemeClr val="accent1">
+        <a:tint val="60000"/>
+      </a:schemeClr>
+    </dgm:fillClrLst>
+    <dgm:linClrLst meth="repeat">
+      <a:schemeClr val="lt1"/>
+    </dgm:linClrLst>
+    <dgm:effectClrLst/>
+    <dgm:txLinClrLst/>
+    <dgm:txFillClrLst meth="repeat">
+      <a:schemeClr val="dk1"/>
+    </dgm:txFillClrLst>
+    <dgm:txEffectClrLst/>
+  </dgm:styleLbl>
+  <dgm:styleLbl name="revTx">
+    <dgm:fillClrLst meth="repeat">
+      <a:schemeClr val="lt1">
+        <a:alpha val="0"/>
+      </a:schemeClr>
+    </dgm:fillClrLst>
+    <dgm:linClrLst meth="repeat">
+      <a:schemeClr val="dk1">
+        <a:alpha val="0"/>
+      </a:schemeClr>
+    </dgm:linClrLst>
+    <dgm:effectClrLst/>
+    <dgm:txLinClrLst/>
+    <dgm:txFillClrLst meth="repeat">
+      <a:schemeClr val="tx1"/>
+    </dgm:txFillClrLst>
+    <dgm:txEffectClrLst/>
+  </dgm:styleLbl>
+</dgm:colorsDef>
+</file>
+
+<file path=ppt/diagrams/colors4.xml><?xml version="1.0" encoding="utf-8"?>
 <dgm:colorsDef xmlns:dgm="http://schemas.openxmlformats.org/drawingml/2006/diagram" xmlns:a="http://schemas.openxmlformats.org/drawingml/2006/main" uniqueId="urn:microsoft.com/office/officeart/2005/8/colors/accent1_2">
   <dgm:title val=""/>
   <dgm:desc val=""/>
@@ -4013,6 +4772,701 @@
     <dgm:cxn modelId="{174F9F35-B11D-4701-A2C6-B77097C8D422}" type="presParOf" srcId="{CAAB55F1-FDD2-40A1-A91C-5A196830D12C}" destId="{C5DCE7BA-95DA-49B7-813C-719C609FAF65}" srcOrd="0" destOrd="0" presId="urn:microsoft.com/office/officeart/2005/8/layout/lProcess2"/>
     <dgm:cxn modelId="{FAF48FA5-76D8-48B5-B398-8F86A20A8B06}" type="presParOf" srcId="{CAAB55F1-FDD2-40A1-A91C-5A196830D12C}" destId="{B40536CF-078A-450E-938D-906B53204774}" srcOrd="1" destOrd="0" presId="urn:microsoft.com/office/officeart/2005/8/layout/lProcess2"/>
     <dgm:cxn modelId="{E638CD3C-B7B4-4BB5-BC37-12D44EF0D8A4}" type="presParOf" srcId="{CAAB55F1-FDD2-40A1-A91C-5A196830D12C}" destId="{9818FD36-026C-4A28-8901-C9C075E6A22D}" srcOrd="2" destOrd="0" presId="urn:microsoft.com/office/officeart/2005/8/layout/lProcess2"/>
+  </dgm:cxnLst>
+  <dgm:bg/>
+  <dgm:whole/>
+  <dgm:extLst>
+    <a:ext uri="http://schemas.microsoft.com/office/drawing/2008/diagram">
+      <dsp:dataModelExt xmlns:dsp="http://schemas.microsoft.com/office/drawing/2008/diagram" relId="rId7" minVer="http://schemas.openxmlformats.org/drawingml/2006/diagram"/>
+    </a:ext>
+  </dgm:extLst>
+</dgm:dataModel>
+</file>
+
+<file path=ppt/diagrams/data4.xml><?xml version="1.0" encoding="utf-8"?>
+<dgm:dataModel xmlns:dgm="http://schemas.openxmlformats.org/drawingml/2006/diagram" xmlns:a="http://schemas.openxmlformats.org/drawingml/2006/main">
+  <dgm:ptLst>
+    <dgm:pt modelId="{E6CBB949-048D-4538-B547-C44C4A6017CF}" type="doc">
+      <dgm:prSet loTypeId="urn:microsoft.com/office/officeart/2005/8/layout/lProcess2" loCatId="list" qsTypeId="urn:microsoft.com/office/officeart/2005/8/quickstyle/simple1" qsCatId="simple" csTypeId="urn:microsoft.com/office/officeart/2005/8/colors/accent1_2" csCatId="accent1" phldr="1"/>
+      <dgm:spPr/>
+      <dgm:t>
+        <a:bodyPr/>
+        <a:lstStyle/>
+        <a:p>
+          <a:endParaRPr lang="en-IE"/>
+        </a:p>
+      </dgm:t>
+    </dgm:pt>
+    <dgm:pt modelId="{B5096C63-4942-4EF2-90ED-60F88C940AA4}">
+      <dgm:prSet phldrT="[Text]"/>
+      <dgm:spPr/>
+      <dgm:t>
+        <a:bodyPr/>
+        <a:lstStyle/>
+        <a:p>
+          <a:r>
+            <a:rPr lang="en-IE" dirty="0"/>
+            <a:t>Consumption</a:t>
+          </a:r>
+        </a:p>
+      </dgm:t>
+    </dgm:pt>
+    <dgm:pt modelId="{B5AACDA6-43E0-4722-BADC-C22164F6748C}" type="parTrans" cxnId="{6B380155-9D1F-4983-A989-97D4B3C66036}">
+      <dgm:prSet/>
+      <dgm:spPr/>
+      <dgm:t>
+        <a:bodyPr/>
+        <a:lstStyle/>
+        <a:p>
+          <a:endParaRPr lang="en-IE"/>
+        </a:p>
+      </dgm:t>
+    </dgm:pt>
+    <dgm:pt modelId="{C8798795-84DC-41EF-8DAB-7F3A126089FC}" type="sibTrans" cxnId="{6B380155-9D1F-4983-A989-97D4B3C66036}">
+      <dgm:prSet/>
+      <dgm:spPr/>
+      <dgm:t>
+        <a:bodyPr/>
+        <a:lstStyle/>
+        <a:p>
+          <a:endParaRPr lang="en-IE"/>
+        </a:p>
+      </dgm:t>
+    </dgm:pt>
+    <dgm:pt modelId="{D3124D6F-E66A-44E2-B64C-D9E6A3CB2972}">
+      <dgm:prSet phldrT="[Text]"/>
+      <dgm:spPr/>
+      <dgm:t>
+        <a:bodyPr/>
+        <a:lstStyle/>
+        <a:p>
+          <a:r>
+            <a:rPr lang="en-IE" dirty="0"/>
+            <a:t>Pay per use</a:t>
+          </a:r>
+        </a:p>
+      </dgm:t>
+    </dgm:pt>
+    <dgm:pt modelId="{87DEAE7E-A5C4-4AE7-AB08-DAED61EB9086}" type="parTrans" cxnId="{1D0F5E18-A3FB-4BFB-95A1-4BC94C72546E}">
+      <dgm:prSet/>
+      <dgm:spPr/>
+      <dgm:t>
+        <a:bodyPr/>
+        <a:lstStyle/>
+        <a:p>
+          <a:endParaRPr lang="en-IE"/>
+        </a:p>
+      </dgm:t>
+    </dgm:pt>
+    <dgm:pt modelId="{D094D0E1-F3D8-4CDB-8912-FA22E1057ABC}" type="sibTrans" cxnId="{1D0F5E18-A3FB-4BFB-95A1-4BC94C72546E}">
+      <dgm:prSet/>
+      <dgm:spPr/>
+      <dgm:t>
+        <a:bodyPr/>
+        <a:lstStyle/>
+        <a:p>
+          <a:endParaRPr lang="en-IE"/>
+        </a:p>
+      </dgm:t>
+    </dgm:pt>
+    <dgm:pt modelId="{74CA62C2-A08F-4D96-8383-8F0A7D9871A1}">
+      <dgm:prSet phldrT="[Text]"/>
+      <dgm:spPr/>
+      <dgm:t>
+        <a:bodyPr/>
+        <a:lstStyle/>
+        <a:p>
+          <a:r>
+            <a:rPr lang="en-IE" dirty="0" err="1"/>
+            <a:t>Autoscale</a:t>
+          </a:r>
+          <a:endParaRPr lang="en-IE" dirty="0"/>
+        </a:p>
+      </dgm:t>
+    </dgm:pt>
+    <dgm:pt modelId="{56AA4767-5597-4F22-95D1-5184DF8AE28D}" type="parTrans" cxnId="{CE5CC944-8D2B-4D60-A965-D19E005FC2C8}">
+      <dgm:prSet/>
+      <dgm:spPr/>
+      <dgm:t>
+        <a:bodyPr/>
+        <a:lstStyle/>
+        <a:p>
+          <a:endParaRPr lang="en-IE"/>
+        </a:p>
+      </dgm:t>
+    </dgm:pt>
+    <dgm:pt modelId="{70F864D0-D76C-4D84-A1CD-036075E69ED5}" type="sibTrans" cxnId="{CE5CC944-8D2B-4D60-A965-D19E005FC2C8}">
+      <dgm:prSet/>
+      <dgm:spPr/>
+      <dgm:t>
+        <a:bodyPr/>
+        <a:lstStyle/>
+        <a:p>
+          <a:endParaRPr lang="en-IE"/>
+        </a:p>
+      </dgm:t>
+    </dgm:pt>
+    <dgm:pt modelId="{1610A138-371C-4140-B34C-72223E4CBC0E}">
+      <dgm:prSet phldrT="[Text]"/>
+      <dgm:spPr/>
+      <dgm:t>
+        <a:bodyPr/>
+        <a:lstStyle/>
+        <a:p>
+          <a:r>
+            <a:rPr lang="en-IE" dirty="0"/>
+            <a:t>Premium</a:t>
+          </a:r>
+        </a:p>
+      </dgm:t>
+    </dgm:pt>
+    <dgm:pt modelId="{19061A55-3105-4E95-8039-57D34F0860D9}" type="parTrans" cxnId="{4F066C8E-F98C-4942-AC29-BF4B2ABB98B7}">
+      <dgm:prSet/>
+      <dgm:spPr/>
+      <dgm:t>
+        <a:bodyPr/>
+        <a:lstStyle/>
+        <a:p>
+          <a:endParaRPr lang="en-IE"/>
+        </a:p>
+      </dgm:t>
+    </dgm:pt>
+    <dgm:pt modelId="{8C61B1A8-15B9-415F-8D19-67821C598283}" type="sibTrans" cxnId="{4F066C8E-F98C-4942-AC29-BF4B2ABB98B7}">
+      <dgm:prSet/>
+      <dgm:spPr/>
+      <dgm:t>
+        <a:bodyPr/>
+        <a:lstStyle/>
+        <a:p>
+          <a:endParaRPr lang="en-IE"/>
+        </a:p>
+      </dgm:t>
+    </dgm:pt>
+    <dgm:pt modelId="{49D699F4-FD56-4437-B564-7FDABFE06D3F}">
+      <dgm:prSet phldrT="[Text]"/>
+      <dgm:spPr/>
+      <dgm:t>
+        <a:bodyPr/>
+        <a:lstStyle/>
+        <a:p>
+          <a:r>
+            <a:rPr lang="en-IE" dirty="0"/>
+            <a:t>Pay per use</a:t>
+          </a:r>
+        </a:p>
+      </dgm:t>
+    </dgm:pt>
+    <dgm:pt modelId="{88827898-5EB4-4BB7-A698-C3C3A0F0EBD3}" type="parTrans" cxnId="{7C09C458-B942-4C25-A0D6-DB53F4E0B1C9}">
+      <dgm:prSet/>
+      <dgm:spPr/>
+      <dgm:t>
+        <a:bodyPr/>
+        <a:lstStyle/>
+        <a:p>
+          <a:endParaRPr lang="en-IE"/>
+        </a:p>
+      </dgm:t>
+    </dgm:pt>
+    <dgm:pt modelId="{0D3AEB7A-0088-4D8B-B74C-F23CEBF851E5}" type="sibTrans" cxnId="{7C09C458-B942-4C25-A0D6-DB53F4E0B1C9}">
+      <dgm:prSet/>
+      <dgm:spPr/>
+      <dgm:t>
+        <a:bodyPr/>
+        <a:lstStyle/>
+        <a:p>
+          <a:endParaRPr lang="en-IE"/>
+        </a:p>
+      </dgm:t>
+    </dgm:pt>
+    <dgm:pt modelId="{719B0A8C-7C48-4107-AC57-4ED2E134A2E0}">
+      <dgm:prSet phldrT="[Text]"/>
+      <dgm:spPr/>
+      <dgm:t>
+        <a:bodyPr/>
+        <a:lstStyle/>
+        <a:p>
+          <a:r>
+            <a:rPr lang="en-IE" dirty="0"/>
+            <a:t>Higher usage</a:t>
+          </a:r>
+        </a:p>
+      </dgm:t>
+    </dgm:pt>
+    <dgm:pt modelId="{19581EF3-1A9A-4FE7-8C5C-5895F24B1269}" type="parTrans" cxnId="{9856F0A6-3F9E-4E37-AA57-DE8BF2F77443}">
+      <dgm:prSet/>
+      <dgm:spPr/>
+      <dgm:t>
+        <a:bodyPr/>
+        <a:lstStyle/>
+        <a:p>
+          <a:endParaRPr lang="en-IE"/>
+        </a:p>
+      </dgm:t>
+    </dgm:pt>
+    <dgm:pt modelId="{2C0EEE22-99E0-4AAE-9471-6D0138A7A200}" type="sibTrans" cxnId="{9856F0A6-3F9E-4E37-AA57-DE8BF2F77443}">
+      <dgm:prSet/>
+      <dgm:spPr/>
+      <dgm:t>
+        <a:bodyPr/>
+        <a:lstStyle/>
+        <a:p>
+          <a:endParaRPr lang="en-IE"/>
+        </a:p>
+      </dgm:t>
+    </dgm:pt>
+    <dgm:pt modelId="{70A900AA-B1C5-43EC-A460-D2B9FBA51B8A}">
+      <dgm:prSet phldrT="[Text]"/>
+      <dgm:spPr/>
+      <dgm:t>
+        <a:bodyPr/>
+        <a:lstStyle/>
+        <a:p>
+          <a:r>
+            <a:rPr lang="en-IE" dirty="0"/>
+            <a:t>Dedicated</a:t>
+          </a:r>
+        </a:p>
+      </dgm:t>
+    </dgm:pt>
+    <dgm:pt modelId="{C3768463-13BE-4E60-A8A8-34176DBF7A22}" type="parTrans" cxnId="{2067E603-FBED-4D5A-BFB9-F30F17A65028}">
+      <dgm:prSet/>
+      <dgm:spPr/>
+      <dgm:t>
+        <a:bodyPr/>
+        <a:lstStyle/>
+        <a:p>
+          <a:endParaRPr lang="en-IE"/>
+        </a:p>
+      </dgm:t>
+    </dgm:pt>
+    <dgm:pt modelId="{141E7495-7BEF-42B3-8A23-E7B5CAC072A5}" type="sibTrans" cxnId="{2067E603-FBED-4D5A-BFB9-F30F17A65028}">
+      <dgm:prSet/>
+      <dgm:spPr/>
+      <dgm:t>
+        <a:bodyPr/>
+        <a:lstStyle/>
+        <a:p>
+          <a:endParaRPr lang="en-IE"/>
+        </a:p>
+      </dgm:t>
+    </dgm:pt>
+    <dgm:pt modelId="{AD46BDAD-B6DA-4DDE-8555-57EF61F7B93B}">
+      <dgm:prSet phldrT="[Text]"/>
+      <dgm:spPr/>
+      <dgm:t>
+        <a:bodyPr/>
+        <a:lstStyle/>
+        <a:p>
+          <a:r>
+            <a:rPr lang="en-IE" dirty="0"/>
+            <a:t>Dedicated Compute</a:t>
+          </a:r>
+        </a:p>
+      </dgm:t>
+    </dgm:pt>
+    <dgm:pt modelId="{E9D611B1-162F-4706-B3C6-95D8068199F6}" type="parTrans" cxnId="{ED29B77B-81BD-47E0-9750-71E36597C293}">
+      <dgm:prSet/>
+      <dgm:spPr/>
+      <dgm:t>
+        <a:bodyPr/>
+        <a:lstStyle/>
+        <a:p>
+          <a:endParaRPr lang="en-IE"/>
+        </a:p>
+      </dgm:t>
+    </dgm:pt>
+    <dgm:pt modelId="{45E1CCB9-B795-41E9-A3FA-15913E536F94}" type="sibTrans" cxnId="{ED29B77B-81BD-47E0-9750-71E36597C293}">
+      <dgm:prSet/>
+      <dgm:spPr/>
+      <dgm:t>
+        <a:bodyPr/>
+        <a:lstStyle/>
+        <a:p>
+          <a:endParaRPr lang="en-IE"/>
+        </a:p>
+      </dgm:t>
+    </dgm:pt>
+    <dgm:pt modelId="{460F2185-2D63-4D77-81E2-B309DC8042B9}">
+      <dgm:prSet phldrT="[Text]"/>
+      <dgm:spPr/>
+      <dgm:t>
+        <a:bodyPr/>
+        <a:lstStyle/>
+        <a:p>
+          <a:r>
+            <a:rPr lang="en-IE" dirty="0"/>
+            <a:t>User Scale</a:t>
+          </a:r>
+        </a:p>
+      </dgm:t>
+    </dgm:pt>
+    <dgm:pt modelId="{7AE088C9-B803-4AA7-975C-264BD05C8A4A}" type="parTrans" cxnId="{4D344311-EEA0-4980-A34A-345C7BDFDF50}">
+      <dgm:prSet/>
+      <dgm:spPr/>
+      <dgm:t>
+        <a:bodyPr/>
+        <a:lstStyle/>
+        <a:p>
+          <a:endParaRPr lang="en-IE"/>
+        </a:p>
+      </dgm:t>
+    </dgm:pt>
+    <dgm:pt modelId="{AF363857-3838-435C-8D76-9016D0767EE8}" type="sibTrans" cxnId="{4D344311-EEA0-4980-A34A-345C7BDFDF50}">
+      <dgm:prSet/>
+      <dgm:spPr/>
+      <dgm:t>
+        <a:bodyPr/>
+        <a:lstStyle/>
+        <a:p>
+          <a:endParaRPr lang="en-IE"/>
+        </a:p>
+      </dgm:t>
+    </dgm:pt>
+    <dgm:pt modelId="{A1F3D717-5BCF-44FC-84E0-D488DD343832}">
+      <dgm:prSet phldrT="[Text]"/>
+      <dgm:spPr/>
+      <dgm:t>
+        <a:bodyPr/>
+        <a:lstStyle/>
+        <a:p>
+          <a:r>
+            <a:rPr lang="en-IE" dirty="0"/>
+            <a:t>Low usage</a:t>
+          </a:r>
+        </a:p>
+      </dgm:t>
+    </dgm:pt>
+    <dgm:pt modelId="{5C82E885-8463-4009-B0AA-CC31D00D254F}" type="parTrans" cxnId="{4A053B21-2B5C-4532-B13A-538D539339BE}">
+      <dgm:prSet/>
+      <dgm:spPr/>
+      <dgm:t>
+        <a:bodyPr/>
+        <a:lstStyle/>
+        <a:p>
+          <a:endParaRPr lang="en-IE"/>
+        </a:p>
+      </dgm:t>
+    </dgm:pt>
+    <dgm:pt modelId="{AB720783-1570-4E9B-89B0-09EAF0CD394C}" type="sibTrans" cxnId="{4A053B21-2B5C-4532-B13A-538D539339BE}">
+      <dgm:prSet/>
+      <dgm:spPr/>
+      <dgm:t>
+        <a:bodyPr/>
+        <a:lstStyle/>
+        <a:p>
+          <a:endParaRPr lang="en-IE"/>
+        </a:p>
+      </dgm:t>
+    </dgm:pt>
+    <dgm:pt modelId="{5B7FC9A1-EEE1-4BFC-BC5E-612784ACE760}">
+      <dgm:prSet phldrT="[Text]"/>
+      <dgm:spPr/>
+      <dgm:t>
+        <a:bodyPr/>
+        <a:lstStyle/>
+        <a:p>
+          <a:r>
+            <a:rPr lang="en-IE" dirty="0"/>
+            <a:t>Prewarm instances</a:t>
+          </a:r>
+        </a:p>
+      </dgm:t>
+    </dgm:pt>
+    <dgm:pt modelId="{491FD707-2961-4907-B31B-110AAACCF060}" type="parTrans" cxnId="{78CAAAB0-D560-4F91-9E5B-28FB4DB967EB}">
+      <dgm:prSet/>
+      <dgm:spPr/>
+      <dgm:t>
+        <a:bodyPr/>
+        <a:lstStyle/>
+        <a:p>
+          <a:endParaRPr lang="en-IE"/>
+        </a:p>
+      </dgm:t>
+    </dgm:pt>
+    <dgm:pt modelId="{7A089FF6-C67F-4FBE-8F44-5BBA5482D3C8}" type="sibTrans" cxnId="{78CAAAB0-D560-4F91-9E5B-28FB4DB967EB}">
+      <dgm:prSet/>
+      <dgm:spPr/>
+      <dgm:t>
+        <a:bodyPr/>
+        <a:lstStyle/>
+        <a:p>
+          <a:endParaRPr lang="en-IE"/>
+        </a:p>
+      </dgm:t>
+    </dgm:pt>
+    <dgm:pt modelId="{35684308-1CE7-4FC4-BB76-B5468419A903}">
+      <dgm:prSet phldrT="[Text]"/>
+      <dgm:spPr/>
+      <dgm:t>
+        <a:bodyPr/>
+        <a:lstStyle/>
+        <a:p>
+          <a:r>
+            <a:rPr lang="en-IE" dirty="0" err="1"/>
+            <a:t>Autoscale</a:t>
+          </a:r>
+          <a:endParaRPr lang="en-IE" dirty="0"/>
+        </a:p>
+      </dgm:t>
+    </dgm:pt>
+    <dgm:pt modelId="{31D25734-30E2-4EB2-AC2A-0245B91F467C}" type="parTrans" cxnId="{505B7581-45D8-4124-BC87-68F5AB2F2ABA}">
+      <dgm:prSet/>
+      <dgm:spPr/>
+      <dgm:t>
+        <a:bodyPr/>
+        <a:lstStyle/>
+        <a:p>
+          <a:endParaRPr lang="en-IE"/>
+        </a:p>
+      </dgm:t>
+    </dgm:pt>
+    <dgm:pt modelId="{459B3FF9-68C5-4484-8453-A061731E2DC0}" type="sibTrans" cxnId="{505B7581-45D8-4124-BC87-68F5AB2F2ABA}">
+      <dgm:prSet/>
+      <dgm:spPr/>
+      <dgm:t>
+        <a:bodyPr/>
+        <a:lstStyle/>
+        <a:p>
+          <a:endParaRPr lang="en-IE"/>
+        </a:p>
+      </dgm:t>
+    </dgm:pt>
+    <dgm:pt modelId="{38900167-CCB4-4A54-B15B-95EB51EBB18B}" type="pres">
+      <dgm:prSet presAssocID="{E6CBB949-048D-4538-B547-C44C4A6017CF}" presName="theList" presStyleCnt="0">
+        <dgm:presLayoutVars>
+          <dgm:dir/>
+          <dgm:animLvl val="lvl"/>
+          <dgm:resizeHandles val="exact"/>
+        </dgm:presLayoutVars>
+      </dgm:prSet>
+      <dgm:spPr/>
+    </dgm:pt>
+    <dgm:pt modelId="{DA2A69BC-437F-4D7D-A20D-BB7FC87C1F8C}" type="pres">
+      <dgm:prSet presAssocID="{B5096C63-4942-4EF2-90ED-60F88C940AA4}" presName="compNode" presStyleCnt="0"/>
+      <dgm:spPr/>
+    </dgm:pt>
+    <dgm:pt modelId="{FAE19A7F-DFD2-40BE-AB26-013117A56DA9}" type="pres">
+      <dgm:prSet presAssocID="{B5096C63-4942-4EF2-90ED-60F88C940AA4}" presName="aNode" presStyleLbl="bgShp" presStyleIdx="0" presStyleCnt="3"/>
+      <dgm:spPr/>
+    </dgm:pt>
+    <dgm:pt modelId="{6D946B4E-B6F4-4758-A28D-20229C20A500}" type="pres">
+      <dgm:prSet presAssocID="{B5096C63-4942-4EF2-90ED-60F88C940AA4}" presName="textNode" presStyleLbl="bgShp" presStyleIdx="0" presStyleCnt="3"/>
+      <dgm:spPr/>
+    </dgm:pt>
+    <dgm:pt modelId="{A71237D1-6766-485C-92B4-27F66A8BB520}" type="pres">
+      <dgm:prSet presAssocID="{B5096C63-4942-4EF2-90ED-60F88C940AA4}" presName="compChildNode" presStyleCnt="0"/>
+      <dgm:spPr/>
+    </dgm:pt>
+    <dgm:pt modelId="{039219A4-A75C-4C2C-B7D0-A33329607948}" type="pres">
+      <dgm:prSet presAssocID="{B5096C63-4942-4EF2-90ED-60F88C940AA4}" presName="theInnerList" presStyleCnt="0"/>
+      <dgm:spPr/>
+    </dgm:pt>
+    <dgm:pt modelId="{B1D61D89-2DCF-47AC-B174-405498139192}" type="pres">
+      <dgm:prSet presAssocID="{D3124D6F-E66A-44E2-B64C-D9E6A3CB2972}" presName="childNode" presStyleLbl="node1" presStyleIdx="0" presStyleCnt="9">
+        <dgm:presLayoutVars>
+          <dgm:bulletEnabled val="1"/>
+        </dgm:presLayoutVars>
+      </dgm:prSet>
+      <dgm:spPr/>
+    </dgm:pt>
+    <dgm:pt modelId="{F5E8259B-5AFD-4280-BF07-5DC5B1DAD286}" type="pres">
+      <dgm:prSet presAssocID="{D3124D6F-E66A-44E2-B64C-D9E6A3CB2972}" presName="aSpace2" presStyleCnt="0"/>
+      <dgm:spPr/>
+    </dgm:pt>
+    <dgm:pt modelId="{1C562D00-C6C9-4B2C-A633-01144B79E4FF}" type="pres">
+      <dgm:prSet presAssocID="{74CA62C2-A08F-4D96-8383-8F0A7D9871A1}" presName="childNode" presStyleLbl="node1" presStyleIdx="1" presStyleCnt="9">
+        <dgm:presLayoutVars>
+          <dgm:bulletEnabled val="1"/>
+        </dgm:presLayoutVars>
+      </dgm:prSet>
+      <dgm:spPr/>
+    </dgm:pt>
+    <dgm:pt modelId="{4566392A-CE9F-4677-83CD-C8D8B52386AD}" type="pres">
+      <dgm:prSet presAssocID="{74CA62C2-A08F-4D96-8383-8F0A7D9871A1}" presName="aSpace2" presStyleCnt="0"/>
+      <dgm:spPr/>
+    </dgm:pt>
+    <dgm:pt modelId="{827C6B38-947B-46A0-89F1-BD5A8CA824D7}" type="pres">
+      <dgm:prSet presAssocID="{A1F3D717-5BCF-44FC-84E0-D488DD343832}" presName="childNode" presStyleLbl="node1" presStyleIdx="2" presStyleCnt="9">
+        <dgm:presLayoutVars>
+          <dgm:bulletEnabled val="1"/>
+        </dgm:presLayoutVars>
+      </dgm:prSet>
+      <dgm:spPr/>
+    </dgm:pt>
+    <dgm:pt modelId="{3415133B-836D-4349-965E-DB05AE2EE18E}" type="pres">
+      <dgm:prSet presAssocID="{B5096C63-4942-4EF2-90ED-60F88C940AA4}" presName="aSpace" presStyleCnt="0"/>
+      <dgm:spPr/>
+    </dgm:pt>
+    <dgm:pt modelId="{67E63113-AF6E-45C4-B1D3-9C8DB0773C0D}" type="pres">
+      <dgm:prSet presAssocID="{1610A138-371C-4140-B34C-72223E4CBC0E}" presName="compNode" presStyleCnt="0"/>
+      <dgm:spPr/>
+    </dgm:pt>
+    <dgm:pt modelId="{58807BF7-A715-4BEF-ACBF-4040D9EE188E}" type="pres">
+      <dgm:prSet presAssocID="{1610A138-371C-4140-B34C-72223E4CBC0E}" presName="aNode" presStyleLbl="bgShp" presStyleIdx="1" presStyleCnt="3"/>
+      <dgm:spPr/>
+    </dgm:pt>
+    <dgm:pt modelId="{AA8D7E1C-3F92-455F-9E52-1EC0E876AA22}" type="pres">
+      <dgm:prSet presAssocID="{1610A138-371C-4140-B34C-72223E4CBC0E}" presName="textNode" presStyleLbl="bgShp" presStyleIdx="1" presStyleCnt="3"/>
+      <dgm:spPr/>
+    </dgm:pt>
+    <dgm:pt modelId="{04DDF4C3-1E44-4AC5-98E3-ECFCBE485D5D}" type="pres">
+      <dgm:prSet presAssocID="{1610A138-371C-4140-B34C-72223E4CBC0E}" presName="compChildNode" presStyleCnt="0"/>
+      <dgm:spPr/>
+    </dgm:pt>
+    <dgm:pt modelId="{45698FE6-2BF1-4471-9A64-F099E86E9F3C}" type="pres">
+      <dgm:prSet presAssocID="{1610A138-371C-4140-B34C-72223E4CBC0E}" presName="theInnerList" presStyleCnt="0"/>
+      <dgm:spPr/>
+    </dgm:pt>
+    <dgm:pt modelId="{4675DECD-9AC8-4DBD-BBA6-FAB104AB63ED}" type="pres">
+      <dgm:prSet presAssocID="{49D699F4-FD56-4437-B564-7FDABFE06D3F}" presName="childNode" presStyleLbl="node1" presStyleIdx="3" presStyleCnt="9">
+        <dgm:presLayoutVars>
+          <dgm:bulletEnabled val="1"/>
+        </dgm:presLayoutVars>
+      </dgm:prSet>
+      <dgm:spPr/>
+    </dgm:pt>
+    <dgm:pt modelId="{91D9E13E-6A9A-40DF-B964-E3071D5F5B63}" type="pres">
+      <dgm:prSet presAssocID="{49D699F4-FD56-4437-B564-7FDABFE06D3F}" presName="aSpace2" presStyleCnt="0"/>
+      <dgm:spPr/>
+    </dgm:pt>
+    <dgm:pt modelId="{07AF2810-E2B4-4CE8-B4B5-623CA113AC42}" type="pres">
+      <dgm:prSet presAssocID="{35684308-1CE7-4FC4-BB76-B5468419A903}" presName="childNode" presStyleLbl="node1" presStyleIdx="4" presStyleCnt="9">
+        <dgm:presLayoutVars>
+          <dgm:bulletEnabled val="1"/>
+        </dgm:presLayoutVars>
+      </dgm:prSet>
+      <dgm:spPr/>
+    </dgm:pt>
+    <dgm:pt modelId="{7D35A44F-608B-4DFE-B022-72B301983744}" type="pres">
+      <dgm:prSet presAssocID="{35684308-1CE7-4FC4-BB76-B5468419A903}" presName="aSpace2" presStyleCnt="0"/>
+      <dgm:spPr/>
+    </dgm:pt>
+    <dgm:pt modelId="{34ABEFBE-CA54-4837-95D6-A77A512CE8AB}" type="pres">
+      <dgm:prSet presAssocID="{719B0A8C-7C48-4107-AC57-4ED2E134A2E0}" presName="childNode" presStyleLbl="node1" presStyleIdx="5" presStyleCnt="9">
+        <dgm:presLayoutVars>
+          <dgm:bulletEnabled val="1"/>
+        </dgm:presLayoutVars>
+      </dgm:prSet>
+      <dgm:spPr/>
+    </dgm:pt>
+    <dgm:pt modelId="{5CF698F4-FF2F-4DC6-A9A0-A3BF36E10799}" type="pres">
+      <dgm:prSet presAssocID="{719B0A8C-7C48-4107-AC57-4ED2E134A2E0}" presName="aSpace2" presStyleCnt="0"/>
+      <dgm:spPr/>
+    </dgm:pt>
+    <dgm:pt modelId="{221DD8A8-C906-4101-AD3C-C238B7A0C44E}" type="pres">
+      <dgm:prSet presAssocID="{5B7FC9A1-EEE1-4BFC-BC5E-612784ACE760}" presName="childNode" presStyleLbl="node1" presStyleIdx="6" presStyleCnt="9">
+        <dgm:presLayoutVars>
+          <dgm:bulletEnabled val="1"/>
+        </dgm:presLayoutVars>
+      </dgm:prSet>
+      <dgm:spPr/>
+    </dgm:pt>
+    <dgm:pt modelId="{C8050530-6862-4673-915C-DFD990E8D677}" type="pres">
+      <dgm:prSet presAssocID="{1610A138-371C-4140-B34C-72223E4CBC0E}" presName="aSpace" presStyleCnt="0"/>
+      <dgm:spPr/>
+    </dgm:pt>
+    <dgm:pt modelId="{796541B0-27B9-4368-9101-B6F397823A14}" type="pres">
+      <dgm:prSet presAssocID="{70A900AA-B1C5-43EC-A460-D2B9FBA51B8A}" presName="compNode" presStyleCnt="0"/>
+      <dgm:spPr/>
+    </dgm:pt>
+    <dgm:pt modelId="{79219E41-59E0-4C08-9F1A-88C099FBC6AF}" type="pres">
+      <dgm:prSet presAssocID="{70A900AA-B1C5-43EC-A460-D2B9FBA51B8A}" presName="aNode" presStyleLbl="bgShp" presStyleIdx="2" presStyleCnt="3"/>
+      <dgm:spPr/>
+    </dgm:pt>
+    <dgm:pt modelId="{05601CBC-0B35-4240-9005-DFA2DE002089}" type="pres">
+      <dgm:prSet presAssocID="{70A900AA-B1C5-43EC-A460-D2B9FBA51B8A}" presName="textNode" presStyleLbl="bgShp" presStyleIdx="2" presStyleCnt="3"/>
+      <dgm:spPr/>
+    </dgm:pt>
+    <dgm:pt modelId="{AAB3B485-8330-4AD2-A2A0-F65FAE9F3791}" type="pres">
+      <dgm:prSet presAssocID="{70A900AA-B1C5-43EC-A460-D2B9FBA51B8A}" presName="compChildNode" presStyleCnt="0"/>
+      <dgm:spPr/>
+    </dgm:pt>
+    <dgm:pt modelId="{551FC64E-FB34-4445-BAFA-3716A59D91BD}" type="pres">
+      <dgm:prSet presAssocID="{70A900AA-B1C5-43EC-A460-D2B9FBA51B8A}" presName="theInnerList" presStyleCnt="0"/>
+      <dgm:spPr/>
+    </dgm:pt>
+    <dgm:pt modelId="{AD7636C5-802A-41F3-BFF7-ABB3E850E261}" type="pres">
+      <dgm:prSet presAssocID="{AD46BDAD-B6DA-4DDE-8555-57EF61F7B93B}" presName="childNode" presStyleLbl="node1" presStyleIdx="7" presStyleCnt="9">
+        <dgm:presLayoutVars>
+          <dgm:bulletEnabled val="1"/>
+        </dgm:presLayoutVars>
+      </dgm:prSet>
+      <dgm:spPr/>
+    </dgm:pt>
+    <dgm:pt modelId="{B074B048-8F59-4C22-9F29-C4B465A589AD}" type="pres">
+      <dgm:prSet presAssocID="{AD46BDAD-B6DA-4DDE-8555-57EF61F7B93B}" presName="aSpace2" presStyleCnt="0"/>
+      <dgm:spPr/>
+    </dgm:pt>
+    <dgm:pt modelId="{C9E7D983-999B-46CB-A2F8-0BCCB15E87CF}" type="pres">
+      <dgm:prSet presAssocID="{460F2185-2D63-4D77-81E2-B309DC8042B9}" presName="childNode" presStyleLbl="node1" presStyleIdx="8" presStyleCnt="9">
+        <dgm:presLayoutVars>
+          <dgm:bulletEnabled val="1"/>
+        </dgm:presLayoutVars>
+      </dgm:prSet>
+      <dgm:spPr/>
+    </dgm:pt>
+  </dgm:ptLst>
+  <dgm:cxnLst>
+    <dgm:cxn modelId="{2067E603-FBED-4D5A-BFB9-F30F17A65028}" srcId="{E6CBB949-048D-4538-B547-C44C4A6017CF}" destId="{70A900AA-B1C5-43EC-A460-D2B9FBA51B8A}" srcOrd="2" destOrd="0" parTransId="{C3768463-13BE-4E60-A8A8-34176DBF7A22}" sibTransId="{141E7495-7BEF-42B3-8A23-E7B5CAC072A5}"/>
+    <dgm:cxn modelId="{4D344311-EEA0-4980-A34A-345C7BDFDF50}" srcId="{70A900AA-B1C5-43EC-A460-D2B9FBA51B8A}" destId="{460F2185-2D63-4D77-81E2-B309DC8042B9}" srcOrd="1" destOrd="0" parTransId="{7AE088C9-B803-4AA7-975C-264BD05C8A4A}" sibTransId="{AF363857-3838-435C-8D76-9016D0767EE8}"/>
+    <dgm:cxn modelId="{1D0F5E18-A3FB-4BFB-95A1-4BC94C72546E}" srcId="{B5096C63-4942-4EF2-90ED-60F88C940AA4}" destId="{D3124D6F-E66A-44E2-B64C-D9E6A3CB2972}" srcOrd="0" destOrd="0" parTransId="{87DEAE7E-A5C4-4AE7-AB08-DAED61EB9086}" sibTransId="{D094D0E1-F3D8-4CDB-8912-FA22E1057ABC}"/>
+    <dgm:cxn modelId="{4A053B21-2B5C-4532-B13A-538D539339BE}" srcId="{B5096C63-4942-4EF2-90ED-60F88C940AA4}" destId="{A1F3D717-5BCF-44FC-84E0-D488DD343832}" srcOrd="2" destOrd="0" parTransId="{5C82E885-8463-4009-B0AA-CC31D00D254F}" sibTransId="{AB720783-1570-4E9B-89B0-09EAF0CD394C}"/>
+    <dgm:cxn modelId="{D9884A2C-FF07-4CAD-B59E-046B96DD8151}" type="presOf" srcId="{70A900AA-B1C5-43EC-A460-D2B9FBA51B8A}" destId="{79219E41-59E0-4C08-9F1A-88C099FBC6AF}" srcOrd="0" destOrd="0" presId="urn:microsoft.com/office/officeart/2005/8/layout/lProcess2"/>
+    <dgm:cxn modelId="{2ECB972C-AFD8-4957-BFA6-B8797D78285F}" type="presOf" srcId="{B5096C63-4942-4EF2-90ED-60F88C940AA4}" destId="{FAE19A7F-DFD2-40BE-AB26-013117A56DA9}" srcOrd="0" destOrd="0" presId="urn:microsoft.com/office/officeart/2005/8/layout/lProcess2"/>
+    <dgm:cxn modelId="{1E5E6438-C4A5-48C9-A992-3C460CA9DC78}" type="presOf" srcId="{74CA62C2-A08F-4D96-8383-8F0A7D9871A1}" destId="{1C562D00-C6C9-4B2C-A633-01144B79E4FF}" srcOrd="0" destOrd="0" presId="urn:microsoft.com/office/officeart/2005/8/layout/lProcess2"/>
+    <dgm:cxn modelId="{2246E03F-4C62-45E5-BE42-2D23D7290C88}" type="presOf" srcId="{1610A138-371C-4140-B34C-72223E4CBC0E}" destId="{AA8D7E1C-3F92-455F-9E52-1EC0E876AA22}" srcOrd="1" destOrd="0" presId="urn:microsoft.com/office/officeart/2005/8/layout/lProcess2"/>
+    <dgm:cxn modelId="{CE5CC944-8D2B-4D60-A965-D19E005FC2C8}" srcId="{B5096C63-4942-4EF2-90ED-60F88C940AA4}" destId="{74CA62C2-A08F-4D96-8383-8F0A7D9871A1}" srcOrd="1" destOrd="0" parTransId="{56AA4767-5597-4F22-95D1-5184DF8AE28D}" sibTransId="{70F864D0-D76C-4D84-A1CD-036075E69ED5}"/>
+    <dgm:cxn modelId="{1C3D4D49-EBAE-460F-A515-8C83DB68F3EE}" type="presOf" srcId="{719B0A8C-7C48-4107-AC57-4ED2E134A2E0}" destId="{34ABEFBE-CA54-4837-95D6-A77A512CE8AB}" srcOrd="0" destOrd="0" presId="urn:microsoft.com/office/officeart/2005/8/layout/lProcess2"/>
+    <dgm:cxn modelId="{D6B6166E-4B0A-4F40-B6BB-8BEF8F15D559}" type="presOf" srcId="{49D699F4-FD56-4437-B564-7FDABFE06D3F}" destId="{4675DECD-9AC8-4DBD-BBA6-FAB104AB63ED}" srcOrd="0" destOrd="0" presId="urn:microsoft.com/office/officeart/2005/8/layout/lProcess2"/>
+    <dgm:cxn modelId="{6B380155-9D1F-4983-A989-97D4B3C66036}" srcId="{E6CBB949-048D-4538-B547-C44C4A6017CF}" destId="{B5096C63-4942-4EF2-90ED-60F88C940AA4}" srcOrd="0" destOrd="0" parTransId="{B5AACDA6-43E0-4722-BADC-C22164F6748C}" sibTransId="{C8798795-84DC-41EF-8DAB-7F3A126089FC}"/>
+    <dgm:cxn modelId="{7C09C458-B942-4C25-A0D6-DB53F4E0B1C9}" srcId="{1610A138-371C-4140-B34C-72223E4CBC0E}" destId="{49D699F4-FD56-4437-B564-7FDABFE06D3F}" srcOrd="0" destOrd="0" parTransId="{88827898-5EB4-4BB7-A698-C3C3A0F0EBD3}" sibTransId="{0D3AEB7A-0088-4D8B-B74C-F23CEBF851E5}"/>
+    <dgm:cxn modelId="{ED29B77B-81BD-47E0-9750-71E36597C293}" srcId="{70A900AA-B1C5-43EC-A460-D2B9FBA51B8A}" destId="{AD46BDAD-B6DA-4DDE-8555-57EF61F7B93B}" srcOrd="0" destOrd="0" parTransId="{E9D611B1-162F-4706-B3C6-95D8068199F6}" sibTransId="{45E1CCB9-B795-41E9-A3FA-15913E536F94}"/>
+    <dgm:cxn modelId="{505B7581-45D8-4124-BC87-68F5AB2F2ABA}" srcId="{1610A138-371C-4140-B34C-72223E4CBC0E}" destId="{35684308-1CE7-4FC4-BB76-B5468419A903}" srcOrd="1" destOrd="0" parTransId="{31D25734-30E2-4EB2-AC2A-0245B91F467C}" sibTransId="{459B3FF9-68C5-4484-8453-A061731E2DC0}"/>
+    <dgm:cxn modelId="{4EB90085-981E-4D63-9460-4E2C1712BC3D}" type="presOf" srcId="{AD46BDAD-B6DA-4DDE-8555-57EF61F7B93B}" destId="{AD7636C5-802A-41F3-BFF7-ABB3E850E261}" srcOrd="0" destOrd="0" presId="urn:microsoft.com/office/officeart/2005/8/layout/lProcess2"/>
+    <dgm:cxn modelId="{6DDCED87-BF95-42E2-A1C5-719993A7FFD3}" type="presOf" srcId="{E6CBB949-048D-4538-B547-C44C4A6017CF}" destId="{38900167-CCB4-4A54-B15B-95EB51EBB18B}" srcOrd="0" destOrd="0" presId="urn:microsoft.com/office/officeart/2005/8/layout/lProcess2"/>
+    <dgm:cxn modelId="{4F066C8E-F98C-4942-AC29-BF4B2ABB98B7}" srcId="{E6CBB949-048D-4538-B547-C44C4A6017CF}" destId="{1610A138-371C-4140-B34C-72223E4CBC0E}" srcOrd="1" destOrd="0" parTransId="{19061A55-3105-4E95-8039-57D34F0860D9}" sibTransId="{8C61B1A8-15B9-415F-8D19-67821C598283}"/>
+    <dgm:cxn modelId="{9856F0A6-3F9E-4E37-AA57-DE8BF2F77443}" srcId="{1610A138-371C-4140-B34C-72223E4CBC0E}" destId="{719B0A8C-7C48-4107-AC57-4ED2E134A2E0}" srcOrd="2" destOrd="0" parTransId="{19581EF3-1A9A-4FE7-8C5C-5895F24B1269}" sibTransId="{2C0EEE22-99E0-4AAE-9471-6D0138A7A200}"/>
+    <dgm:cxn modelId="{78CAAAB0-D560-4F91-9E5B-28FB4DB967EB}" srcId="{1610A138-371C-4140-B34C-72223E4CBC0E}" destId="{5B7FC9A1-EEE1-4BFC-BC5E-612784ACE760}" srcOrd="3" destOrd="0" parTransId="{491FD707-2961-4907-B31B-110AAACCF060}" sibTransId="{7A089FF6-C67F-4FBE-8F44-5BBA5482D3C8}"/>
+    <dgm:cxn modelId="{F7528AB4-2E57-4435-BBED-C27C0B86D46F}" type="presOf" srcId="{70A900AA-B1C5-43EC-A460-D2B9FBA51B8A}" destId="{05601CBC-0B35-4240-9005-DFA2DE002089}" srcOrd="1" destOrd="0" presId="urn:microsoft.com/office/officeart/2005/8/layout/lProcess2"/>
+    <dgm:cxn modelId="{7977E3B9-B744-4AFC-8524-8F54F5C73AE7}" type="presOf" srcId="{460F2185-2D63-4D77-81E2-B309DC8042B9}" destId="{C9E7D983-999B-46CB-A2F8-0BCCB15E87CF}" srcOrd="0" destOrd="0" presId="urn:microsoft.com/office/officeart/2005/8/layout/lProcess2"/>
+    <dgm:cxn modelId="{D7DDC9C3-0144-4346-9A0E-D29B8A2BA56E}" type="presOf" srcId="{A1F3D717-5BCF-44FC-84E0-D488DD343832}" destId="{827C6B38-947B-46A0-89F1-BD5A8CA824D7}" srcOrd="0" destOrd="0" presId="urn:microsoft.com/office/officeart/2005/8/layout/lProcess2"/>
+    <dgm:cxn modelId="{0BAC13D3-B05D-4BC9-A74B-D9415A8BEE57}" type="presOf" srcId="{B5096C63-4942-4EF2-90ED-60F88C940AA4}" destId="{6D946B4E-B6F4-4758-A28D-20229C20A500}" srcOrd="1" destOrd="0" presId="urn:microsoft.com/office/officeart/2005/8/layout/lProcess2"/>
+    <dgm:cxn modelId="{C00C90EB-442D-4F92-B0CC-729743402FCB}" type="presOf" srcId="{D3124D6F-E66A-44E2-B64C-D9E6A3CB2972}" destId="{B1D61D89-2DCF-47AC-B174-405498139192}" srcOrd="0" destOrd="0" presId="urn:microsoft.com/office/officeart/2005/8/layout/lProcess2"/>
+    <dgm:cxn modelId="{978102F9-5BF4-4413-9079-712B48D1D800}" type="presOf" srcId="{1610A138-371C-4140-B34C-72223E4CBC0E}" destId="{58807BF7-A715-4BEF-ACBF-4040D9EE188E}" srcOrd="0" destOrd="0" presId="urn:microsoft.com/office/officeart/2005/8/layout/lProcess2"/>
+    <dgm:cxn modelId="{A0FA33F9-315F-4705-8B67-F15E58004B4D}" type="presOf" srcId="{35684308-1CE7-4FC4-BB76-B5468419A903}" destId="{07AF2810-E2B4-4CE8-B4B5-623CA113AC42}" srcOrd="0" destOrd="0" presId="urn:microsoft.com/office/officeart/2005/8/layout/lProcess2"/>
+    <dgm:cxn modelId="{2A67A3F9-3682-4F0A-ADF7-F762B3C68E20}" type="presOf" srcId="{5B7FC9A1-EEE1-4BFC-BC5E-612784ACE760}" destId="{221DD8A8-C906-4101-AD3C-C238B7A0C44E}" srcOrd="0" destOrd="0" presId="urn:microsoft.com/office/officeart/2005/8/layout/lProcess2"/>
+    <dgm:cxn modelId="{8A7ABC66-80CF-46F5-BE7F-A62D19604148}" type="presParOf" srcId="{38900167-CCB4-4A54-B15B-95EB51EBB18B}" destId="{DA2A69BC-437F-4D7D-A20D-BB7FC87C1F8C}" srcOrd="0" destOrd="0" presId="urn:microsoft.com/office/officeart/2005/8/layout/lProcess2"/>
+    <dgm:cxn modelId="{60A3B65B-5928-40FF-8B57-08C3538EEF46}" type="presParOf" srcId="{DA2A69BC-437F-4D7D-A20D-BB7FC87C1F8C}" destId="{FAE19A7F-DFD2-40BE-AB26-013117A56DA9}" srcOrd="0" destOrd="0" presId="urn:microsoft.com/office/officeart/2005/8/layout/lProcess2"/>
+    <dgm:cxn modelId="{29BF53C3-57B7-413C-A74D-E9663BC0B217}" type="presParOf" srcId="{DA2A69BC-437F-4D7D-A20D-BB7FC87C1F8C}" destId="{6D946B4E-B6F4-4758-A28D-20229C20A500}" srcOrd="1" destOrd="0" presId="urn:microsoft.com/office/officeart/2005/8/layout/lProcess2"/>
+    <dgm:cxn modelId="{8CFFD92A-EF82-4F90-A103-30998178D6D5}" type="presParOf" srcId="{DA2A69BC-437F-4D7D-A20D-BB7FC87C1F8C}" destId="{A71237D1-6766-485C-92B4-27F66A8BB520}" srcOrd="2" destOrd="0" presId="urn:microsoft.com/office/officeart/2005/8/layout/lProcess2"/>
+    <dgm:cxn modelId="{F0500153-320A-432B-B33F-A86EBA1A5121}" type="presParOf" srcId="{A71237D1-6766-485C-92B4-27F66A8BB520}" destId="{039219A4-A75C-4C2C-B7D0-A33329607948}" srcOrd="0" destOrd="0" presId="urn:microsoft.com/office/officeart/2005/8/layout/lProcess2"/>
+    <dgm:cxn modelId="{EBB67567-2560-43E8-B1FD-8D8912CCF960}" type="presParOf" srcId="{039219A4-A75C-4C2C-B7D0-A33329607948}" destId="{B1D61D89-2DCF-47AC-B174-405498139192}" srcOrd="0" destOrd="0" presId="urn:microsoft.com/office/officeart/2005/8/layout/lProcess2"/>
+    <dgm:cxn modelId="{2E4B428B-CD98-4857-98A8-7704E013033E}" type="presParOf" srcId="{039219A4-A75C-4C2C-B7D0-A33329607948}" destId="{F5E8259B-5AFD-4280-BF07-5DC5B1DAD286}" srcOrd="1" destOrd="0" presId="urn:microsoft.com/office/officeart/2005/8/layout/lProcess2"/>
+    <dgm:cxn modelId="{1F58492F-1093-4E6C-9D1E-A2D87BA1F192}" type="presParOf" srcId="{039219A4-A75C-4C2C-B7D0-A33329607948}" destId="{1C562D00-C6C9-4B2C-A633-01144B79E4FF}" srcOrd="2" destOrd="0" presId="urn:microsoft.com/office/officeart/2005/8/layout/lProcess2"/>
+    <dgm:cxn modelId="{624C9406-A3AC-40BD-ADAD-484CF97C12F7}" type="presParOf" srcId="{039219A4-A75C-4C2C-B7D0-A33329607948}" destId="{4566392A-CE9F-4677-83CD-C8D8B52386AD}" srcOrd="3" destOrd="0" presId="urn:microsoft.com/office/officeart/2005/8/layout/lProcess2"/>
+    <dgm:cxn modelId="{710AB3A2-C683-45F7-BCF4-F92244123B92}" type="presParOf" srcId="{039219A4-A75C-4C2C-B7D0-A33329607948}" destId="{827C6B38-947B-46A0-89F1-BD5A8CA824D7}" srcOrd="4" destOrd="0" presId="urn:microsoft.com/office/officeart/2005/8/layout/lProcess2"/>
+    <dgm:cxn modelId="{85B502EC-B570-4D59-97BF-7EB8650A546C}" type="presParOf" srcId="{38900167-CCB4-4A54-B15B-95EB51EBB18B}" destId="{3415133B-836D-4349-965E-DB05AE2EE18E}" srcOrd="1" destOrd="0" presId="urn:microsoft.com/office/officeart/2005/8/layout/lProcess2"/>
+    <dgm:cxn modelId="{D4A2FDFD-B729-4A24-AF29-82F0F2FE5EA9}" type="presParOf" srcId="{38900167-CCB4-4A54-B15B-95EB51EBB18B}" destId="{67E63113-AF6E-45C4-B1D3-9C8DB0773C0D}" srcOrd="2" destOrd="0" presId="urn:microsoft.com/office/officeart/2005/8/layout/lProcess2"/>
+    <dgm:cxn modelId="{EFBB0D28-9415-47C4-8336-E648DE40D6F6}" type="presParOf" srcId="{67E63113-AF6E-45C4-B1D3-9C8DB0773C0D}" destId="{58807BF7-A715-4BEF-ACBF-4040D9EE188E}" srcOrd="0" destOrd="0" presId="urn:microsoft.com/office/officeart/2005/8/layout/lProcess2"/>
+    <dgm:cxn modelId="{267EF2B6-B0B6-4506-87E4-AC1F736F8C2C}" type="presParOf" srcId="{67E63113-AF6E-45C4-B1D3-9C8DB0773C0D}" destId="{AA8D7E1C-3F92-455F-9E52-1EC0E876AA22}" srcOrd="1" destOrd="0" presId="urn:microsoft.com/office/officeart/2005/8/layout/lProcess2"/>
+    <dgm:cxn modelId="{A56B86E0-4154-4987-84BE-60981CA23F2E}" type="presParOf" srcId="{67E63113-AF6E-45C4-B1D3-9C8DB0773C0D}" destId="{04DDF4C3-1E44-4AC5-98E3-ECFCBE485D5D}" srcOrd="2" destOrd="0" presId="urn:microsoft.com/office/officeart/2005/8/layout/lProcess2"/>
+    <dgm:cxn modelId="{E3FADCDB-4CF8-4556-965A-F9642F050FF6}" type="presParOf" srcId="{04DDF4C3-1E44-4AC5-98E3-ECFCBE485D5D}" destId="{45698FE6-2BF1-4471-9A64-F099E86E9F3C}" srcOrd="0" destOrd="0" presId="urn:microsoft.com/office/officeart/2005/8/layout/lProcess2"/>
+    <dgm:cxn modelId="{7F3DEE62-B96D-437B-A89B-6DD293F9549C}" type="presParOf" srcId="{45698FE6-2BF1-4471-9A64-F099E86E9F3C}" destId="{4675DECD-9AC8-4DBD-BBA6-FAB104AB63ED}" srcOrd="0" destOrd="0" presId="urn:microsoft.com/office/officeart/2005/8/layout/lProcess2"/>
+    <dgm:cxn modelId="{4381E7AD-4EA9-48CC-BE5C-E638A43F5393}" type="presParOf" srcId="{45698FE6-2BF1-4471-9A64-F099E86E9F3C}" destId="{91D9E13E-6A9A-40DF-B964-E3071D5F5B63}" srcOrd="1" destOrd="0" presId="urn:microsoft.com/office/officeart/2005/8/layout/lProcess2"/>
+    <dgm:cxn modelId="{BBE4B3B7-B6FB-4982-BE9F-03BAAED195DD}" type="presParOf" srcId="{45698FE6-2BF1-4471-9A64-F099E86E9F3C}" destId="{07AF2810-E2B4-4CE8-B4B5-623CA113AC42}" srcOrd="2" destOrd="0" presId="urn:microsoft.com/office/officeart/2005/8/layout/lProcess2"/>
+    <dgm:cxn modelId="{6E115DF6-D591-497A-AC6A-264A59FDB958}" type="presParOf" srcId="{45698FE6-2BF1-4471-9A64-F099E86E9F3C}" destId="{7D35A44F-608B-4DFE-B022-72B301983744}" srcOrd="3" destOrd="0" presId="urn:microsoft.com/office/officeart/2005/8/layout/lProcess2"/>
+    <dgm:cxn modelId="{2141A43D-F4C3-40A3-A9DF-DEE6582C1292}" type="presParOf" srcId="{45698FE6-2BF1-4471-9A64-F099E86E9F3C}" destId="{34ABEFBE-CA54-4837-95D6-A77A512CE8AB}" srcOrd="4" destOrd="0" presId="urn:microsoft.com/office/officeart/2005/8/layout/lProcess2"/>
+    <dgm:cxn modelId="{A279B406-3C36-416B-8445-0B4DE37AA1A6}" type="presParOf" srcId="{45698FE6-2BF1-4471-9A64-F099E86E9F3C}" destId="{5CF698F4-FF2F-4DC6-A9A0-A3BF36E10799}" srcOrd="5" destOrd="0" presId="urn:microsoft.com/office/officeart/2005/8/layout/lProcess2"/>
+    <dgm:cxn modelId="{E185E369-6F72-4756-BD64-A4B68FFEA4A9}" type="presParOf" srcId="{45698FE6-2BF1-4471-9A64-F099E86E9F3C}" destId="{221DD8A8-C906-4101-AD3C-C238B7A0C44E}" srcOrd="6" destOrd="0" presId="urn:microsoft.com/office/officeart/2005/8/layout/lProcess2"/>
+    <dgm:cxn modelId="{E125EF8A-4A82-4D91-BBD0-63BE585DA1F6}" type="presParOf" srcId="{38900167-CCB4-4A54-B15B-95EB51EBB18B}" destId="{C8050530-6862-4673-915C-DFD990E8D677}" srcOrd="3" destOrd="0" presId="urn:microsoft.com/office/officeart/2005/8/layout/lProcess2"/>
+    <dgm:cxn modelId="{43DBF7EA-6BA0-407C-993C-09F70303AC67}" type="presParOf" srcId="{38900167-CCB4-4A54-B15B-95EB51EBB18B}" destId="{796541B0-27B9-4368-9101-B6F397823A14}" srcOrd="4" destOrd="0" presId="urn:microsoft.com/office/officeart/2005/8/layout/lProcess2"/>
+    <dgm:cxn modelId="{7C0D90A4-BBF1-43BB-9A43-5919CA0320DC}" type="presParOf" srcId="{796541B0-27B9-4368-9101-B6F397823A14}" destId="{79219E41-59E0-4C08-9F1A-88C099FBC6AF}" srcOrd="0" destOrd="0" presId="urn:microsoft.com/office/officeart/2005/8/layout/lProcess2"/>
+    <dgm:cxn modelId="{50FF5205-AD04-4575-8D84-94EBA61C55A9}" type="presParOf" srcId="{796541B0-27B9-4368-9101-B6F397823A14}" destId="{05601CBC-0B35-4240-9005-DFA2DE002089}" srcOrd="1" destOrd="0" presId="urn:microsoft.com/office/officeart/2005/8/layout/lProcess2"/>
+    <dgm:cxn modelId="{C5DA6C3D-FEA1-436B-A070-2946C4694C51}" type="presParOf" srcId="{796541B0-27B9-4368-9101-B6F397823A14}" destId="{AAB3B485-8330-4AD2-A2A0-F65FAE9F3791}" srcOrd="2" destOrd="0" presId="urn:microsoft.com/office/officeart/2005/8/layout/lProcess2"/>
+    <dgm:cxn modelId="{413770C6-3083-4AEC-B2AF-096A2E255C5D}" type="presParOf" srcId="{AAB3B485-8330-4AD2-A2A0-F65FAE9F3791}" destId="{551FC64E-FB34-4445-BAFA-3716A59D91BD}" srcOrd="0" destOrd="0" presId="urn:microsoft.com/office/officeart/2005/8/layout/lProcess2"/>
+    <dgm:cxn modelId="{835BDBE0-27C3-44EB-A6DE-CF218C91C3FC}" type="presParOf" srcId="{551FC64E-FB34-4445-BAFA-3716A59D91BD}" destId="{AD7636C5-802A-41F3-BFF7-ABB3E850E261}" srcOrd="0" destOrd="0" presId="urn:microsoft.com/office/officeart/2005/8/layout/lProcess2"/>
+    <dgm:cxn modelId="{A09287E2-02CB-4057-BDDF-2A95B4AC15F4}" type="presParOf" srcId="{551FC64E-FB34-4445-BAFA-3716A59D91BD}" destId="{B074B048-8F59-4C22-9F29-C4B465A589AD}" srcOrd="1" destOrd="0" presId="urn:microsoft.com/office/officeart/2005/8/layout/lProcess2"/>
+    <dgm:cxn modelId="{9FB87F05-2246-4A63-9215-B1B116F4C61B}" type="presParOf" srcId="{551FC64E-FB34-4445-BAFA-3716A59D91BD}" destId="{C9E7D983-999B-46CB-A2F8-0BCCB15E87CF}" srcOrd="2" destOrd="0" presId="urn:microsoft.com/office/officeart/2005/8/layout/lProcess2"/>
   </dgm:cxnLst>
   <dgm:bg/>
   <dgm:whole/>
@@ -6557,6 +8011,950 @@
 </dsp:drawing>
 </file>
 
+<file path=ppt/diagrams/drawing4.xml><?xml version="1.0" encoding="utf-8"?>
+<dsp:drawing xmlns:dgm="http://schemas.openxmlformats.org/drawingml/2006/diagram" xmlns:dsp="http://schemas.microsoft.com/office/drawing/2008/diagram" xmlns:a="http://schemas.openxmlformats.org/drawingml/2006/main">
+  <dsp:spTree>
+    <dsp:nvGrpSpPr>
+      <dsp:cNvPr id="0" name=""/>
+      <dsp:cNvGrpSpPr/>
+    </dsp:nvGrpSpPr>
+    <dsp:grpSpPr/>
+    <dsp:sp modelId="{FAE19A7F-DFD2-40BE-AB26-013117A56DA9}">
+      <dsp:nvSpPr>
+        <dsp:cNvPr id="0" name=""/>
+        <dsp:cNvSpPr/>
+      </dsp:nvSpPr>
+      <dsp:spPr>
+        <a:xfrm>
+          <a:off x="1283" y="0"/>
+          <a:ext cx="3337470" cy="4351338"/>
+        </a:xfrm>
+        <a:prstGeom prst="roundRect">
+          <a:avLst>
+            <a:gd name="adj" fmla="val 10000"/>
+          </a:avLst>
+        </a:prstGeom>
+        <a:solidFill>
+          <a:schemeClr val="accent1">
+            <a:tint val="40000"/>
+            <a:hueOff val="0"/>
+            <a:satOff val="0"/>
+            <a:lumOff val="0"/>
+            <a:alphaOff val="0"/>
+          </a:schemeClr>
+        </a:solidFill>
+        <a:ln>
+          <a:noFill/>
+        </a:ln>
+        <a:effectLst/>
+      </dsp:spPr>
+      <dsp:style>
+        <a:lnRef idx="0">
+          <a:scrgbClr r="0" g="0" b="0"/>
+        </a:lnRef>
+        <a:fillRef idx="1">
+          <a:scrgbClr r="0" g="0" b="0"/>
+        </a:fillRef>
+        <a:effectRef idx="0">
+          <a:scrgbClr r="0" g="0" b="0"/>
+        </a:effectRef>
+        <a:fontRef idx="minor"/>
+      </dsp:style>
+      <dsp:txBody>
+        <a:bodyPr spcFirstLastPara="0" vert="horz" wrap="square" lIns="163830" tIns="163830" rIns="163830" bIns="163830" numCol="1" spcCol="1270" anchor="ctr" anchorCtr="0">
+          <a:noAutofit/>
+        </a:bodyPr>
+        <a:lstStyle/>
+        <a:p>
+          <a:pPr marL="0" lvl="0" indent="0" algn="ctr" defTabSz="1911350">
+            <a:lnSpc>
+              <a:spcPct val="90000"/>
+            </a:lnSpc>
+            <a:spcBef>
+              <a:spcPct val="0"/>
+            </a:spcBef>
+            <a:spcAft>
+              <a:spcPct val="35000"/>
+            </a:spcAft>
+            <a:buNone/>
+          </a:pPr>
+          <a:r>
+            <a:rPr lang="en-IE" sz="4300" kern="1200" dirty="0"/>
+            <a:t>Consumption</a:t>
+          </a:r>
+        </a:p>
+      </dsp:txBody>
+      <dsp:txXfrm>
+        <a:off x="1283" y="0"/>
+        <a:ext cx="3337470" cy="1305401"/>
+      </dsp:txXfrm>
+    </dsp:sp>
+    <dsp:sp modelId="{B1D61D89-2DCF-47AC-B174-405498139192}">
+      <dsp:nvSpPr>
+        <dsp:cNvPr id="0" name=""/>
+        <dsp:cNvSpPr/>
+      </dsp:nvSpPr>
+      <dsp:spPr>
+        <a:xfrm>
+          <a:off x="335030" y="1305773"/>
+          <a:ext cx="2669976" cy="854863"/>
+        </a:xfrm>
+        <a:prstGeom prst="roundRect">
+          <a:avLst>
+            <a:gd name="adj" fmla="val 10000"/>
+          </a:avLst>
+        </a:prstGeom>
+        <a:solidFill>
+          <a:schemeClr val="accent1">
+            <a:hueOff val="0"/>
+            <a:satOff val="0"/>
+            <a:lumOff val="0"/>
+            <a:alphaOff val="0"/>
+          </a:schemeClr>
+        </a:solidFill>
+        <a:ln w="12700" cap="flat" cmpd="sng" algn="ctr">
+          <a:solidFill>
+            <a:schemeClr val="lt1">
+              <a:hueOff val="0"/>
+              <a:satOff val="0"/>
+              <a:lumOff val="0"/>
+              <a:alphaOff val="0"/>
+            </a:schemeClr>
+          </a:solidFill>
+          <a:prstDash val="solid"/>
+          <a:miter lim="800000"/>
+        </a:ln>
+        <a:effectLst/>
+      </dsp:spPr>
+      <dsp:style>
+        <a:lnRef idx="2">
+          <a:scrgbClr r="0" g="0" b="0"/>
+        </a:lnRef>
+        <a:fillRef idx="1">
+          <a:scrgbClr r="0" g="0" b="0"/>
+        </a:fillRef>
+        <a:effectRef idx="0">
+          <a:scrgbClr r="0" g="0" b="0"/>
+        </a:effectRef>
+        <a:fontRef idx="minor">
+          <a:schemeClr val="lt1"/>
+        </a:fontRef>
+      </dsp:style>
+      <dsp:txBody>
+        <a:bodyPr spcFirstLastPara="0" vert="horz" wrap="square" lIns="63500" tIns="47625" rIns="63500" bIns="47625" numCol="1" spcCol="1270" anchor="ctr" anchorCtr="0">
+          <a:noAutofit/>
+        </a:bodyPr>
+        <a:lstStyle/>
+        <a:p>
+          <a:pPr marL="0" lvl="0" indent="0" algn="ctr" defTabSz="1111250">
+            <a:lnSpc>
+              <a:spcPct val="90000"/>
+            </a:lnSpc>
+            <a:spcBef>
+              <a:spcPct val="0"/>
+            </a:spcBef>
+            <a:spcAft>
+              <a:spcPct val="35000"/>
+            </a:spcAft>
+            <a:buNone/>
+          </a:pPr>
+          <a:r>
+            <a:rPr lang="en-IE" sz="2500" kern="1200" dirty="0"/>
+            <a:t>Pay per use</a:t>
+          </a:r>
+        </a:p>
+      </dsp:txBody>
+      <dsp:txXfrm>
+        <a:off x="360068" y="1330811"/>
+        <a:ext cx="2619900" cy="804787"/>
+      </dsp:txXfrm>
+    </dsp:sp>
+    <dsp:sp modelId="{1C562D00-C6C9-4B2C-A633-01144B79E4FF}">
+      <dsp:nvSpPr>
+        <dsp:cNvPr id="0" name=""/>
+        <dsp:cNvSpPr/>
+      </dsp:nvSpPr>
+      <dsp:spPr>
+        <a:xfrm>
+          <a:off x="335030" y="2292154"/>
+          <a:ext cx="2669976" cy="854863"/>
+        </a:xfrm>
+        <a:prstGeom prst="roundRect">
+          <a:avLst>
+            <a:gd name="adj" fmla="val 10000"/>
+          </a:avLst>
+        </a:prstGeom>
+        <a:solidFill>
+          <a:schemeClr val="accent1">
+            <a:hueOff val="0"/>
+            <a:satOff val="0"/>
+            <a:lumOff val="0"/>
+            <a:alphaOff val="0"/>
+          </a:schemeClr>
+        </a:solidFill>
+        <a:ln w="12700" cap="flat" cmpd="sng" algn="ctr">
+          <a:solidFill>
+            <a:schemeClr val="lt1">
+              <a:hueOff val="0"/>
+              <a:satOff val="0"/>
+              <a:lumOff val="0"/>
+              <a:alphaOff val="0"/>
+            </a:schemeClr>
+          </a:solidFill>
+          <a:prstDash val="solid"/>
+          <a:miter lim="800000"/>
+        </a:ln>
+        <a:effectLst/>
+      </dsp:spPr>
+      <dsp:style>
+        <a:lnRef idx="2">
+          <a:scrgbClr r="0" g="0" b="0"/>
+        </a:lnRef>
+        <a:fillRef idx="1">
+          <a:scrgbClr r="0" g="0" b="0"/>
+        </a:fillRef>
+        <a:effectRef idx="0">
+          <a:scrgbClr r="0" g="0" b="0"/>
+        </a:effectRef>
+        <a:fontRef idx="minor">
+          <a:schemeClr val="lt1"/>
+        </a:fontRef>
+      </dsp:style>
+      <dsp:txBody>
+        <a:bodyPr spcFirstLastPara="0" vert="horz" wrap="square" lIns="63500" tIns="47625" rIns="63500" bIns="47625" numCol="1" spcCol="1270" anchor="ctr" anchorCtr="0">
+          <a:noAutofit/>
+        </a:bodyPr>
+        <a:lstStyle/>
+        <a:p>
+          <a:pPr marL="0" lvl="0" indent="0" algn="ctr" defTabSz="1111250">
+            <a:lnSpc>
+              <a:spcPct val="90000"/>
+            </a:lnSpc>
+            <a:spcBef>
+              <a:spcPct val="0"/>
+            </a:spcBef>
+            <a:spcAft>
+              <a:spcPct val="35000"/>
+            </a:spcAft>
+            <a:buNone/>
+          </a:pPr>
+          <a:r>
+            <a:rPr lang="en-IE" sz="2500" kern="1200" dirty="0" err="1"/>
+            <a:t>Autoscale</a:t>
+          </a:r>
+          <a:endParaRPr lang="en-IE" sz="2500" kern="1200" dirty="0"/>
+        </a:p>
+      </dsp:txBody>
+      <dsp:txXfrm>
+        <a:off x="360068" y="2317192"/>
+        <a:ext cx="2619900" cy="804787"/>
+      </dsp:txXfrm>
+    </dsp:sp>
+    <dsp:sp modelId="{827C6B38-947B-46A0-89F1-BD5A8CA824D7}">
+      <dsp:nvSpPr>
+        <dsp:cNvPr id="0" name=""/>
+        <dsp:cNvSpPr/>
+      </dsp:nvSpPr>
+      <dsp:spPr>
+        <a:xfrm>
+          <a:off x="335030" y="3278535"/>
+          <a:ext cx="2669976" cy="854863"/>
+        </a:xfrm>
+        <a:prstGeom prst="roundRect">
+          <a:avLst>
+            <a:gd name="adj" fmla="val 10000"/>
+          </a:avLst>
+        </a:prstGeom>
+        <a:solidFill>
+          <a:schemeClr val="accent1">
+            <a:hueOff val="0"/>
+            <a:satOff val="0"/>
+            <a:lumOff val="0"/>
+            <a:alphaOff val="0"/>
+          </a:schemeClr>
+        </a:solidFill>
+        <a:ln w="12700" cap="flat" cmpd="sng" algn="ctr">
+          <a:solidFill>
+            <a:schemeClr val="lt1">
+              <a:hueOff val="0"/>
+              <a:satOff val="0"/>
+              <a:lumOff val="0"/>
+              <a:alphaOff val="0"/>
+            </a:schemeClr>
+          </a:solidFill>
+          <a:prstDash val="solid"/>
+          <a:miter lim="800000"/>
+        </a:ln>
+        <a:effectLst/>
+      </dsp:spPr>
+      <dsp:style>
+        <a:lnRef idx="2">
+          <a:scrgbClr r="0" g="0" b="0"/>
+        </a:lnRef>
+        <a:fillRef idx="1">
+          <a:scrgbClr r="0" g="0" b="0"/>
+        </a:fillRef>
+        <a:effectRef idx="0">
+          <a:scrgbClr r="0" g="0" b="0"/>
+        </a:effectRef>
+        <a:fontRef idx="minor">
+          <a:schemeClr val="lt1"/>
+        </a:fontRef>
+      </dsp:style>
+      <dsp:txBody>
+        <a:bodyPr spcFirstLastPara="0" vert="horz" wrap="square" lIns="63500" tIns="47625" rIns="63500" bIns="47625" numCol="1" spcCol="1270" anchor="ctr" anchorCtr="0">
+          <a:noAutofit/>
+        </a:bodyPr>
+        <a:lstStyle/>
+        <a:p>
+          <a:pPr marL="0" lvl="0" indent="0" algn="ctr" defTabSz="1111250">
+            <a:lnSpc>
+              <a:spcPct val="90000"/>
+            </a:lnSpc>
+            <a:spcBef>
+              <a:spcPct val="0"/>
+            </a:spcBef>
+            <a:spcAft>
+              <a:spcPct val="35000"/>
+            </a:spcAft>
+            <a:buNone/>
+          </a:pPr>
+          <a:r>
+            <a:rPr lang="en-IE" sz="2500" kern="1200" dirty="0"/>
+            <a:t>Low usage</a:t>
+          </a:r>
+        </a:p>
+      </dsp:txBody>
+      <dsp:txXfrm>
+        <a:off x="360068" y="3303573"/>
+        <a:ext cx="2619900" cy="804787"/>
+      </dsp:txXfrm>
+    </dsp:sp>
+    <dsp:sp modelId="{58807BF7-A715-4BEF-ACBF-4040D9EE188E}">
+      <dsp:nvSpPr>
+        <dsp:cNvPr id="0" name=""/>
+        <dsp:cNvSpPr/>
+      </dsp:nvSpPr>
+      <dsp:spPr>
+        <a:xfrm>
+          <a:off x="3589064" y="0"/>
+          <a:ext cx="3337470" cy="4351338"/>
+        </a:xfrm>
+        <a:prstGeom prst="roundRect">
+          <a:avLst>
+            <a:gd name="adj" fmla="val 10000"/>
+          </a:avLst>
+        </a:prstGeom>
+        <a:solidFill>
+          <a:schemeClr val="accent1">
+            <a:tint val="40000"/>
+            <a:hueOff val="0"/>
+            <a:satOff val="0"/>
+            <a:lumOff val="0"/>
+            <a:alphaOff val="0"/>
+          </a:schemeClr>
+        </a:solidFill>
+        <a:ln>
+          <a:noFill/>
+        </a:ln>
+        <a:effectLst/>
+      </dsp:spPr>
+      <dsp:style>
+        <a:lnRef idx="0">
+          <a:scrgbClr r="0" g="0" b="0"/>
+        </a:lnRef>
+        <a:fillRef idx="1">
+          <a:scrgbClr r="0" g="0" b="0"/>
+        </a:fillRef>
+        <a:effectRef idx="0">
+          <a:scrgbClr r="0" g="0" b="0"/>
+        </a:effectRef>
+        <a:fontRef idx="minor"/>
+      </dsp:style>
+      <dsp:txBody>
+        <a:bodyPr spcFirstLastPara="0" vert="horz" wrap="square" lIns="163830" tIns="163830" rIns="163830" bIns="163830" numCol="1" spcCol="1270" anchor="ctr" anchorCtr="0">
+          <a:noAutofit/>
+        </a:bodyPr>
+        <a:lstStyle/>
+        <a:p>
+          <a:pPr marL="0" lvl="0" indent="0" algn="ctr" defTabSz="1911350">
+            <a:lnSpc>
+              <a:spcPct val="90000"/>
+            </a:lnSpc>
+            <a:spcBef>
+              <a:spcPct val="0"/>
+            </a:spcBef>
+            <a:spcAft>
+              <a:spcPct val="35000"/>
+            </a:spcAft>
+            <a:buNone/>
+          </a:pPr>
+          <a:r>
+            <a:rPr lang="en-IE" sz="4300" kern="1200" dirty="0"/>
+            <a:t>Premium</a:t>
+          </a:r>
+        </a:p>
+      </dsp:txBody>
+      <dsp:txXfrm>
+        <a:off x="3589064" y="0"/>
+        <a:ext cx="3337470" cy="1305401"/>
+      </dsp:txXfrm>
+    </dsp:sp>
+    <dsp:sp modelId="{4675DECD-9AC8-4DBD-BBA6-FAB104AB63ED}">
+      <dsp:nvSpPr>
+        <dsp:cNvPr id="0" name=""/>
+        <dsp:cNvSpPr/>
+      </dsp:nvSpPr>
+      <dsp:spPr>
+        <a:xfrm>
+          <a:off x="3922811" y="1305507"/>
+          <a:ext cx="2669976" cy="633897"/>
+        </a:xfrm>
+        <a:prstGeom prst="roundRect">
+          <a:avLst>
+            <a:gd name="adj" fmla="val 10000"/>
+          </a:avLst>
+        </a:prstGeom>
+        <a:solidFill>
+          <a:schemeClr val="accent1">
+            <a:hueOff val="0"/>
+            <a:satOff val="0"/>
+            <a:lumOff val="0"/>
+            <a:alphaOff val="0"/>
+          </a:schemeClr>
+        </a:solidFill>
+        <a:ln w="12700" cap="flat" cmpd="sng" algn="ctr">
+          <a:solidFill>
+            <a:schemeClr val="lt1">
+              <a:hueOff val="0"/>
+              <a:satOff val="0"/>
+              <a:lumOff val="0"/>
+              <a:alphaOff val="0"/>
+            </a:schemeClr>
+          </a:solidFill>
+          <a:prstDash val="solid"/>
+          <a:miter lim="800000"/>
+        </a:ln>
+        <a:effectLst/>
+      </dsp:spPr>
+      <dsp:style>
+        <a:lnRef idx="2">
+          <a:scrgbClr r="0" g="0" b="0"/>
+        </a:lnRef>
+        <a:fillRef idx="1">
+          <a:scrgbClr r="0" g="0" b="0"/>
+        </a:fillRef>
+        <a:effectRef idx="0">
+          <a:scrgbClr r="0" g="0" b="0"/>
+        </a:effectRef>
+        <a:fontRef idx="minor">
+          <a:schemeClr val="lt1"/>
+        </a:fontRef>
+      </dsp:style>
+      <dsp:txBody>
+        <a:bodyPr spcFirstLastPara="0" vert="horz" wrap="square" lIns="63500" tIns="47625" rIns="63500" bIns="47625" numCol="1" spcCol="1270" anchor="ctr" anchorCtr="0">
+          <a:noAutofit/>
+        </a:bodyPr>
+        <a:lstStyle/>
+        <a:p>
+          <a:pPr marL="0" lvl="0" indent="0" algn="ctr" defTabSz="1111250">
+            <a:lnSpc>
+              <a:spcPct val="90000"/>
+            </a:lnSpc>
+            <a:spcBef>
+              <a:spcPct val="0"/>
+            </a:spcBef>
+            <a:spcAft>
+              <a:spcPct val="35000"/>
+            </a:spcAft>
+            <a:buNone/>
+          </a:pPr>
+          <a:r>
+            <a:rPr lang="en-IE" sz="2500" kern="1200" dirty="0"/>
+            <a:t>Pay per use</a:t>
+          </a:r>
+        </a:p>
+      </dsp:txBody>
+      <dsp:txXfrm>
+        <a:off x="3941377" y="1324073"/>
+        <a:ext cx="2632844" cy="596765"/>
+      </dsp:txXfrm>
+    </dsp:sp>
+    <dsp:sp modelId="{07AF2810-E2B4-4CE8-B4B5-623CA113AC42}">
+      <dsp:nvSpPr>
+        <dsp:cNvPr id="0" name=""/>
+        <dsp:cNvSpPr/>
+      </dsp:nvSpPr>
+      <dsp:spPr>
+        <a:xfrm>
+          <a:off x="3922811" y="2036927"/>
+          <a:ext cx="2669976" cy="633897"/>
+        </a:xfrm>
+        <a:prstGeom prst="roundRect">
+          <a:avLst>
+            <a:gd name="adj" fmla="val 10000"/>
+          </a:avLst>
+        </a:prstGeom>
+        <a:solidFill>
+          <a:schemeClr val="accent1">
+            <a:hueOff val="0"/>
+            <a:satOff val="0"/>
+            <a:lumOff val="0"/>
+            <a:alphaOff val="0"/>
+          </a:schemeClr>
+        </a:solidFill>
+        <a:ln w="12700" cap="flat" cmpd="sng" algn="ctr">
+          <a:solidFill>
+            <a:schemeClr val="lt1">
+              <a:hueOff val="0"/>
+              <a:satOff val="0"/>
+              <a:lumOff val="0"/>
+              <a:alphaOff val="0"/>
+            </a:schemeClr>
+          </a:solidFill>
+          <a:prstDash val="solid"/>
+          <a:miter lim="800000"/>
+        </a:ln>
+        <a:effectLst/>
+      </dsp:spPr>
+      <dsp:style>
+        <a:lnRef idx="2">
+          <a:scrgbClr r="0" g="0" b="0"/>
+        </a:lnRef>
+        <a:fillRef idx="1">
+          <a:scrgbClr r="0" g="0" b="0"/>
+        </a:fillRef>
+        <a:effectRef idx="0">
+          <a:scrgbClr r="0" g="0" b="0"/>
+        </a:effectRef>
+        <a:fontRef idx="minor">
+          <a:schemeClr val="lt1"/>
+        </a:fontRef>
+      </dsp:style>
+      <dsp:txBody>
+        <a:bodyPr spcFirstLastPara="0" vert="horz" wrap="square" lIns="63500" tIns="47625" rIns="63500" bIns="47625" numCol="1" spcCol="1270" anchor="ctr" anchorCtr="0">
+          <a:noAutofit/>
+        </a:bodyPr>
+        <a:lstStyle/>
+        <a:p>
+          <a:pPr marL="0" lvl="0" indent="0" algn="ctr" defTabSz="1111250">
+            <a:lnSpc>
+              <a:spcPct val="90000"/>
+            </a:lnSpc>
+            <a:spcBef>
+              <a:spcPct val="0"/>
+            </a:spcBef>
+            <a:spcAft>
+              <a:spcPct val="35000"/>
+            </a:spcAft>
+            <a:buNone/>
+          </a:pPr>
+          <a:r>
+            <a:rPr lang="en-IE" sz="2500" kern="1200" dirty="0" err="1"/>
+            <a:t>Autoscale</a:t>
+          </a:r>
+          <a:endParaRPr lang="en-IE" sz="2500" kern="1200" dirty="0"/>
+        </a:p>
+      </dsp:txBody>
+      <dsp:txXfrm>
+        <a:off x="3941377" y="2055493"/>
+        <a:ext cx="2632844" cy="596765"/>
+      </dsp:txXfrm>
+    </dsp:sp>
+    <dsp:sp modelId="{34ABEFBE-CA54-4837-95D6-A77A512CE8AB}">
+      <dsp:nvSpPr>
+        <dsp:cNvPr id="0" name=""/>
+        <dsp:cNvSpPr/>
+      </dsp:nvSpPr>
+      <dsp:spPr>
+        <a:xfrm>
+          <a:off x="3922811" y="2768347"/>
+          <a:ext cx="2669976" cy="633897"/>
+        </a:xfrm>
+        <a:prstGeom prst="roundRect">
+          <a:avLst>
+            <a:gd name="adj" fmla="val 10000"/>
+          </a:avLst>
+        </a:prstGeom>
+        <a:solidFill>
+          <a:schemeClr val="accent1">
+            <a:hueOff val="0"/>
+            <a:satOff val="0"/>
+            <a:lumOff val="0"/>
+            <a:alphaOff val="0"/>
+          </a:schemeClr>
+        </a:solidFill>
+        <a:ln w="12700" cap="flat" cmpd="sng" algn="ctr">
+          <a:solidFill>
+            <a:schemeClr val="lt1">
+              <a:hueOff val="0"/>
+              <a:satOff val="0"/>
+              <a:lumOff val="0"/>
+              <a:alphaOff val="0"/>
+            </a:schemeClr>
+          </a:solidFill>
+          <a:prstDash val="solid"/>
+          <a:miter lim="800000"/>
+        </a:ln>
+        <a:effectLst/>
+      </dsp:spPr>
+      <dsp:style>
+        <a:lnRef idx="2">
+          <a:scrgbClr r="0" g="0" b="0"/>
+        </a:lnRef>
+        <a:fillRef idx="1">
+          <a:scrgbClr r="0" g="0" b="0"/>
+        </a:fillRef>
+        <a:effectRef idx="0">
+          <a:scrgbClr r="0" g="0" b="0"/>
+        </a:effectRef>
+        <a:fontRef idx="minor">
+          <a:schemeClr val="lt1"/>
+        </a:fontRef>
+      </dsp:style>
+      <dsp:txBody>
+        <a:bodyPr spcFirstLastPara="0" vert="horz" wrap="square" lIns="63500" tIns="47625" rIns="63500" bIns="47625" numCol="1" spcCol="1270" anchor="ctr" anchorCtr="0">
+          <a:noAutofit/>
+        </a:bodyPr>
+        <a:lstStyle/>
+        <a:p>
+          <a:pPr marL="0" lvl="0" indent="0" algn="ctr" defTabSz="1111250">
+            <a:lnSpc>
+              <a:spcPct val="90000"/>
+            </a:lnSpc>
+            <a:spcBef>
+              <a:spcPct val="0"/>
+            </a:spcBef>
+            <a:spcAft>
+              <a:spcPct val="35000"/>
+            </a:spcAft>
+            <a:buNone/>
+          </a:pPr>
+          <a:r>
+            <a:rPr lang="en-IE" sz="2500" kern="1200" dirty="0"/>
+            <a:t>Higher usage</a:t>
+          </a:r>
+        </a:p>
+      </dsp:txBody>
+      <dsp:txXfrm>
+        <a:off x="3941377" y="2786913"/>
+        <a:ext cx="2632844" cy="596765"/>
+      </dsp:txXfrm>
+    </dsp:sp>
+    <dsp:sp modelId="{221DD8A8-C906-4101-AD3C-C238B7A0C44E}">
+      <dsp:nvSpPr>
+        <dsp:cNvPr id="0" name=""/>
+        <dsp:cNvSpPr/>
+      </dsp:nvSpPr>
+      <dsp:spPr>
+        <a:xfrm>
+          <a:off x="3922811" y="3499767"/>
+          <a:ext cx="2669976" cy="633897"/>
+        </a:xfrm>
+        <a:prstGeom prst="roundRect">
+          <a:avLst>
+            <a:gd name="adj" fmla="val 10000"/>
+          </a:avLst>
+        </a:prstGeom>
+        <a:solidFill>
+          <a:schemeClr val="accent1">
+            <a:hueOff val="0"/>
+            <a:satOff val="0"/>
+            <a:lumOff val="0"/>
+            <a:alphaOff val="0"/>
+          </a:schemeClr>
+        </a:solidFill>
+        <a:ln w="12700" cap="flat" cmpd="sng" algn="ctr">
+          <a:solidFill>
+            <a:schemeClr val="lt1">
+              <a:hueOff val="0"/>
+              <a:satOff val="0"/>
+              <a:lumOff val="0"/>
+              <a:alphaOff val="0"/>
+            </a:schemeClr>
+          </a:solidFill>
+          <a:prstDash val="solid"/>
+          <a:miter lim="800000"/>
+        </a:ln>
+        <a:effectLst/>
+      </dsp:spPr>
+      <dsp:style>
+        <a:lnRef idx="2">
+          <a:scrgbClr r="0" g="0" b="0"/>
+        </a:lnRef>
+        <a:fillRef idx="1">
+          <a:scrgbClr r="0" g="0" b="0"/>
+        </a:fillRef>
+        <a:effectRef idx="0">
+          <a:scrgbClr r="0" g="0" b="0"/>
+        </a:effectRef>
+        <a:fontRef idx="minor">
+          <a:schemeClr val="lt1"/>
+        </a:fontRef>
+      </dsp:style>
+      <dsp:txBody>
+        <a:bodyPr spcFirstLastPara="0" vert="horz" wrap="square" lIns="63500" tIns="47625" rIns="63500" bIns="47625" numCol="1" spcCol="1270" anchor="ctr" anchorCtr="0">
+          <a:noAutofit/>
+        </a:bodyPr>
+        <a:lstStyle/>
+        <a:p>
+          <a:pPr marL="0" lvl="0" indent="0" algn="ctr" defTabSz="1111250">
+            <a:lnSpc>
+              <a:spcPct val="90000"/>
+            </a:lnSpc>
+            <a:spcBef>
+              <a:spcPct val="0"/>
+            </a:spcBef>
+            <a:spcAft>
+              <a:spcPct val="35000"/>
+            </a:spcAft>
+            <a:buNone/>
+          </a:pPr>
+          <a:r>
+            <a:rPr lang="en-IE" sz="2500" kern="1200" dirty="0"/>
+            <a:t>Prewarm instances</a:t>
+          </a:r>
+        </a:p>
+      </dsp:txBody>
+      <dsp:txXfrm>
+        <a:off x="3941377" y="3518333"/>
+        <a:ext cx="2632844" cy="596765"/>
+      </dsp:txXfrm>
+    </dsp:sp>
+    <dsp:sp modelId="{79219E41-59E0-4C08-9F1A-88C099FBC6AF}">
+      <dsp:nvSpPr>
+        <dsp:cNvPr id="0" name=""/>
+        <dsp:cNvSpPr/>
+      </dsp:nvSpPr>
+      <dsp:spPr>
+        <a:xfrm>
+          <a:off x="7176845" y="0"/>
+          <a:ext cx="3337470" cy="4351338"/>
+        </a:xfrm>
+        <a:prstGeom prst="roundRect">
+          <a:avLst>
+            <a:gd name="adj" fmla="val 10000"/>
+          </a:avLst>
+        </a:prstGeom>
+        <a:solidFill>
+          <a:schemeClr val="accent1">
+            <a:tint val="40000"/>
+            <a:hueOff val="0"/>
+            <a:satOff val="0"/>
+            <a:lumOff val="0"/>
+            <a:alphaOff val="0"/>
+          </a:schemeClr>
+        </a:solidFill>
+        <a:ln>
+          <a:noFill/>
+        </a:ln>
+        <a:effectLst/>
+      </dsp:spPr>
+      <dsp:style>
+        <a:lnRef idx="0">
+          <a:scrgbClr r="0" g="0" b="0"/>
+        </a:lnRef>
+        <a:fillRef idx="1">
+          <a:scrgbClr r="0" g="0" b="0"/>
+        </a:fillRef>
+        <a:effectRef idx="0">
+          <a:scrgbClr r="0" g="0" b="0"/>
+        </a:effectRef>
+        <a:fontRef idx="minor"/>
+      </dsp:style>
+      <dsp:txBody>
+        <a:bodyPr spcFirstLastPara="0" vert="horz" wrap="square" lIns="163830" tIns="163830" rIns="163830" bIns="163830" numCol="1" spcCol="1270" anchor="ctr" anchorCtr="0">
+          <a:noAutofit/>
+        </a:bodyPr>
+        <a:lstStyle/>
+        <a:p>
+          <a:pPr marL="0" lvl="0" indent="0" algn="ctr" defTabSz="1911350">
+            <a:lnSpc>
+              <a:spcPct val="90000"/>
+            </a:lnSpc>
+            <a:spcBef>
+              <a:spcPct val="0"/>
+            </a:spcBef>
+            <a:spcAft>
+              <a:spcPct val="35000"/>
+            </a:spcAft>
+            <a:buNone/>
+          </a:pPr>
+          <a:r>
+            <a:rPr lang="en-IE" sz="4300" kern="1200" dirty="0"/>
+            <a:t>Dedicated</a:t>
+          </a:r>
+        </a:p>
+      </dsp:txBody>
+      <dsp:txXfrm>
+        <a:off x="7176845" y="0"/>
+        <a:ext cx="3337470" cy="1305401"/>
+      </dsp:txXfrm>
+    </dsp:sp>
+    <dsp:sp modelId="{AD7636C5-802A-41F3-BFF7-ABB3E850E261}">
+      <dsp:nvSpPr>
+        <dsp:cNvPr id="0" name=""/>
+        <dsp:cNvSpPr/>
+      </dsp:nvSpPr>
+      <dsp:spPr>
+        <a:xfrm>
+          <a:off x="7510592" y="1306676"/>
+          <a:ext cx="2669976" cy="1311987"/>
+        </a:xfrm>
+        <a:prstGeom prst="roundRect">
+          <a:avLst>
+            <a:gd name="adj" fmla="val 10000"/>
+          </a:avLst>
+        </a:prstGeom>
+        <a:solidFill>
+          <a:schemeClr val="accent1">
+            <a:hueOff val="0"/>
+            <a:satOff val="0"/>
+            <a:lumOff val="0"/>
+            <a:alphaOff val="0"/>
+          </a:schemeClr>
+        </a:solidFill>
+        <a:ln w="12700" cap="flat" cmpd="sng" algn="ctr">
+          <a:solidFill>
+            <a:schemeClr val="lt1">
+              <a:hueOff val="0"/>
+              <a:satOff val="0"/>
+              <a:lumOff val="0"/>
+              <a:alphaOff val="0"/>
+            </a:schemeClr>
+          </a:solidFill>
+          <a:prstDash val="solid"/>
+          <a:miter lim="800000"/>
+        </a:ln>
+        <a:effectLst/>
+      </dsp:spPr>
+      <dsp:style>
+        <a:lnRef idx="2">
+          <a:scrgbClr r="0" g="0" b="0"/>
+        </a:lnRef>
+        <a:fillRef idx="1">
+          <a:scrgbClr r="0" g="0" b="0"/>
+        </a:fillRef>
+        <a:effectRef idx="0">
+          <a:scrgbClr r="0" g="0" b="0"/>
+        </a:effectRef>
+        <a:fontRef idx="minor">
+          <a:schemeClr val="lt1"/>
+        </a:fontRef>
+      </dsp:style>
+      <dsp:txBody>
+        <a:bodyPr spcFirstLastPara="0" vert="horz" wrap="square" lIns="63500" tIns="47625" rIns="63500" bIns="47625" numCol="1" spcCol="1270" anchor="ctr" anchorCtr="0">
+          <a:noAutofit/>
+        </a:bodyPr>
+        <a:lstStyle/>
+        <a:p>
+          <a:pPr marL="0" lvl="0" indent="0" algn="ctr" defTabSz="1111250">
+            <a:lnSpc>
+              <a:spcPct val="90000"/>
+            </a:lnSpc>
+            <a:spcBef>
+              <a:spcPct val="0"/>
+            </a:spcBef>
+            <a:spcAft>
+              <a:spcPct val="35000"/>
+            </a:spcAft>
+            <a:buNone/>
+          </a:pPr>
+          <a:r>
+            <a:rPr lang="en-IE" sz="2500" kern="1200" dirty="0"/>
+            <a:t>Dedicated Compute</a:t>
+          </a:r>
+        </a:p>
+      </dsp:txBody>
+      <dsp:txXfrm>
+        <a:off x="7549019" y="1345103"/>
+        <a:ext cx="2593122" cy="1235133"/>
+      </dsp:txXfrm>
+    </dsp:sp>
+    <dsp:sp modelId="{C9E7D983-999B-46CB-A2F8-0BCCB15E87CF}">
+      <dsp:nvSpPr>
+        <dsp:cNvPr id="0" name=""/>
+        <dsp:cNvSpPr/>
+      </dsp:nvSpPr>
+      <dsp:spPr>
+        <a:xfrm>
+          <a:off x="7510592" y="2820508"/>
+          <a:ext cx="2669976" cy="1311987"/>
+        </a:xfrm>
+        <a:prstGeom prst="roundRect">
+          <a:avLst>
+            <a:gd name="adj" fmla="val 10000"/>
+          </a:avLst>
+        </a:prstGeom>
+        <a:solidFill>
+          <a:schemeClr val="accent1">
+            <a:hueOff val="0"/>
+            <a:satOff val="0"/>
+            <a:lumOff val="0"/>
+            <a:alphaOff val="0"/>
+          </a:schemeClr>
+        </a:solidFill>
+        <a:ln w="12700" cap="flat" cmpd="sng" algn="ctr">
+          <a:solidFill>
+            <a:schemeClr val="lt1">
+              <a:hueOff val="0"/>
+              <a:satOff val="0"/>
+              <a:lumOff val="0"/>
+              <a:alphaOff val="0"/>
+            </a:schemeClr>
+          </a:solidFill>
+          <a:prstDash val="solid"/>
+          <a:miter lim="800000"/>
+        </a:ln>
+        <a:effectLst/>
+      </dsp:spPr>
+      <dsp:style>
+        <a:lnRef idx="2">
+          <a:scrgbClr r="0" g="0" b="0"/>
+        </a:lnRef>
+        <a:fillRef idx="1">
+          <a:scrgbClr r="0" g="0" b="0"/>
+        </a:fillRef>
+        <a:effectRef idx="0">
+          <a:scrgbClr r="0" g="0" b="0"/>
+        </a:effectRef>
+        <a:fontRef idx="minor">
+          <a:schemeClr val="lt1"/>
+        </a:fontRef>
+      </dsp:style>
+      <dsp:txBody>
+        <a:bodyPr spcFirstLastPara="0" vert="horz" wrap="square" lIns="63500" tIns="47625" rIns="63500" bIns="47625" numCol="1" spcCol="1270" anchor="ctr" anchorCtr="0">
+          <a:noAutofit/>
+        </a:bodyPr>
+        <a:lstStyle/>
+        <a:p>
+          <a:pPr marL="0" lvl="0" indent="0" algn="ctr" defTabSz="1111250">
+            <a:lnSpc>
+              <a:spcPct val="90000"/>
+            </a:lnSpc>
+            <a:spcBef>
+              <a:spcPct val="0"/>
+            </a:spcBef>
+            <a:spcAft>
+              <a:spcPct val="35000"/>
+            </a:spcAft>
+            <a:buNone/>
+          </a:pPr>
+          <a:r>
+            <a:rPr lang="en-IE" sz="2500" kern="1200" dirty="0"/>
+            <a:t>User Scale</a:t>
+          </a:r>
+        </a:p>
+      </dsp:txBody>
+      <dsp:txXfrm>
+        <a:off x="7549019" y="2858935"/>
+        <a:ext cx="2593122" cy="1235133"/>
+      </dsp:txXfrm>
+    </dsp:sp>
+  </dsp:spTree>
+</dsp:drawing>
+</file>
+
 <file path=ppt/diagrams/layout1.xml><?xml version="1.0" encoding="utf-8"?>
 <dgm:layoutDef xmlns:dgm="http://schemas.openxmlformats.org/drawingml/2006/diagram" xmlns:a="http://schemas.openxmlformats.org/drawingml/2006/main" uniqueId="urn:microsoft.com/office/officeart/2005/8/layout/hierarchy3">
   <dgm:title val=""/>
@@ -7801,6 +10199,233 @@
 </dgm:layoutDef>
 </file>
 
+<file path=ppt/diagrams/layout4.xml><?xml version="1.0" encoding="utf-8"?>
+<dgm:layoutDef xmlns:dgm="http://schemas.openxmlformats.org/drawingml/2006/diagram" xmlns:a="http://schemas.openxmlformats.org/drawingml/2006/main" uniqueId="urn:microsoft.com/office/officeart/2005/8/layout/lProcess2">
+  <dgm:title val=""/>
+  <dgm:desc val=""/>
+  <dgm:catLst>
+    <dgm:cat type="list" pri="10000"/>
+    <dgm:cat type="relationship" pri="13000"/>
+  </dgm:catLst>
+  <dgm:sampData>
+    <dgm:dataModel>
+      <dgm:ptLst>
+        <dgm:pt modelId="0" type="doc"/>
+        <dgm:pt modelId="1">
+          <dgm:prSet phldr="1"/>
+        </dgm:pt>
+        <dgm:pt modelId="11">
+          <dgm:prSet phldr="1"/>
+        </dgm:pt>
+        <dgm:pt modelId="12">
+          <dgm:prSet phldr="1"/>
+        </dgm:pt>
+        <dgm:pt modelId="2">
+          <dgm:prSet phldr="1"/>
+        </dgm:pt>
+        <dgm:pt modelId="21">
+          <dgm:prSet phldr="1"/>
+        </dgm:pt>
+        <dgm:pt modelId="22">
+          <dgm:prSet phldr="1"/>
+        </dgm:pt>
+        <dgm:pt modelId="3">
+          <dgm:prSet phldr="1"/>
+        </dgm:pt>
+        <dgm:pt modelId="31">
+          <dgm:prSet phldr="1"/>
+        </dgm:pt>
+        <dgm:pt modelId="32">
+          <dgm:prSet phldr="1"/>
+        </dgm:pt>
+      </dgm:ptLst>
+      <dgm:cxnLst>
+        <dgm:cxn modelId="4" srcId="0" destId="1" srcOrd="0" destOrd="0"/>
+        <dgm:cxn modelId="5" srcId="0" destId="2" srcOrd="1" destOrd="0"/>
+        <dgm:cxn modelId="13" srcId="1" destId="11" srcOrd="0" destOrd="0"/>
+        <dgm:cxn modelId="14" srcId="1" destId="12" srcOrd="0" destOrd="0"/>
+        <dgm:cxn modelId="23" srcId="2" destId="21" srcOrd="0" destOrd="0"/>
+        <dgm:cxn modelId="24" srcId="2" destId="22" srcOrd="0" destOrd="0"/>
+        <dgm:cxn modelId="33" srcId="3" destId="31" srcOrd="0" destOrd="0"/>
+        <dgm:cxn modelId="34" srcId="3" destId="32" srcOrd="0" destOrd="0"/>
+      </dgm:cxnLst>
+      <dgm:bg/>
+      <dgm:whole/>
+    </dgm:dataModel>
+  </dgm:sampData>
+  <dgm:styleData useDef="1">
+    <dgm:dataModel>
+      <dgm:ptLst/>
+      <dgm:bg/>
+      <dgm:whole/>
+    </dgm:dataModel>
+  </dgm:styleData>
+  <dgm:clrData useDef="1">
+    <dgm:dataModel>
+      <dgm:ptLst/>
+      <dgm:bg/>
+      <dgm:whole/>
+    </dgm:dataModel>
+  </dgm:clrData>
+  <dgm:layoutNode name="theList">
+    <dgm:varLst>
+      <dgm:dir/>
+      <dgm:animLvl val="lvl"/>
+      <dgm:resizeHandles val="exact"/>
+    </dgm:varLst>
+    <dgm:choose name="Name0">
+      <dgm:if name="Name1" func="var" arg="dir" op="equ" val="norm">
+        <dgm:alg type="lin"/>
+      </dgm:if>
+      <dgm:else name="Name2">
+        <dgm:alg type="lin">
+          <dgm:param type="linDir" val="fromR"/>
+        </dgm:alg>
+      </dgm:else>
+    </dgm:choose>
+    <dgm:shape xmlns:r="http://schemas.openxmlformats.org/officeDocument/2006/relationships" r:blip="">
+      <dgm:adjLst/>
+    </dgm:shape>
+    <dgm:presOf/>
+    <dgm:constrLst>
+      <dgm:constr type="w" for="ch" forName="compNode" refType="w"/>
+      <dgm:constr type="h" for="ch" forName="compNode" refType="h"/>
+      <dgm:constr type="w" for="ch" forName="aSpace" refType="w" fact="0.075"/>
+      <dgm:constr type="h" for="des" forName="aSpace2" refType="h" fact="0.1"/>
+      <dgm:constr type="primFontSz" for="des" forName="textNode" op="equ"/>
+      <dgm:constr type="primFontSz" for="des" forName="childNode" op="equ"/>
+    </dgm:constrLst>
+    <dgm:ruleLst/>
+    <dgm:forEach name="aNodeForEach" axis="ch" ptType="node">
+      <dgm:layoutNode name="compNode">
+        <dgm:alg type="composite"/>
+        <dgm:shape xmlns:r="http://schemas.openxmlformats.org/officeDocument/2006/relationships" r:blip="">
+          <dgm:adjLst/>
+        </dgm:shape>
+        <dgm:presOf/>
+        <dgm:constrLst>
+          <dgm:constr type="w" for="ch" forName="aNode" refType="w"/>
+          <dgm:constr type="h" for="ch" forName="aNode" refType="h"/>
+          <dgm:constr type="w" for="ch" forName="textNode" refType="w"/>
+          <dgm:constr type="h" for="ch" forName="textNode" refType="h" fact="0.3"/>
+          <dgm:constr type="ctrX" for="ch" forName="textNode" refType="w" fact="0.5"/>
+          <dgm:constr type="w" for="ch" forName="compChildNode" refType="w" fact="0.8"/>
+          <dgm:constr type="h" for="ch" forName="compChildNode" refType="h" fact="0.65"/>
+          <dgm:constr type="t" for="ch" forName="compChildNode" refType="h" fact="0.3"/>
+          <dgm:constr type="ctrX" for="ch" forName="compChildNode" refType="w" fact="0.5"/>
+        </dgm:constrLst>
+        <dgm:ruleLst/>
+        <dgm:layoutNode name="aNode" styleLbl="bgShp">
+          <dgm:alg type="sp"/>
+          <dgm:shape xmlns:r="http://schemas.openxmlformats.org/officeDocument/2006/relationships" type="roundRect" r:blip="">
+            <dgm:adjLst>
+              <dgm:adj idx="1" val="0.1"/>
+            </dgm:adjLst>
+          </dgm:shape>
+          <dgm:presOf axis="self"/>
+          <dgm:constrLst/>
+          <dgm:ruleLst/>
+        </dgm:layoutNode>
+        <dgm:layoutNode name="textNode" styleLbl="bgShp">
+          <dgm:alg type="tx"/>
+          <dgm:shape xmlns:r="http://schemas.openxmlformats.org/officeDocument/2006/relationships" type="rect" r:blip="" hideGeom="1">
+            <dgm:adjLst>
+              <dgm:adj idx="1" val="0.1"/>
+            </dgm:adjLst>
+          </dgm:shape>
+          <dgm:presOf axis="self"/>
+          <dgm:constrLst>
+            <dgm:constr type="primFontSz" val="65"/>
+            <dgm:constr type="lMarg" refType="primFontSz" fact="0.3"/>
+            <dgm:constr type="rMarg" refType="primFontSz" fact="0.3"/>
+            <dgm:constr type="tMarg" refType="primFontSz" fact="0.3"/>
+            <dgm:constr type="bMarg" refType="primFontSz" fact="0.3"/>
+          </dgm:constrLst>
+          <dgm:ruleLst>
+            <dgm:rule type="primFontSz" val="5" fact="NaN" max="NaN"/>
+          </dgm:ruleLst>
+        </dgm:layoutNode>
+        <dgm:layoutNode name="compChildNode">
+          <dgm:alg type="composite"/>
+          <dgm:shape xmlns:r="http://schemas.openxmlformats.org/officeDocument/2006/relationships" r:blip="">
+            <dgm:adjLst/>
+          </dgm:shape>
+          <dgm:presOf/>
+          <dgm:constrLst>
+            <dgm:constr type="w" for="des" forName="childNode" refType="w"/>
+            <dgm:constr type="h" for="des" forName="childNode" refType="h"/>
+          </dgm:constrLst>
+          <dgm:ruleLst/>
+          <dgm:layoutNode name="theInnerList">
+            <dgm:alg type="lin">
+              <dgm:param type="linDir" val="fromT"/>
+            </dgm:alg>
+            <dgm:shape xmlns:r="http://schemas.openxmlformats.org/officeDocument/2006/relationships" r:blip="">
+              <dgm:adjLst/>
+            </dgm:shape>
+            <dgm:presOf/>
+            <dgm:constrLst/>
+            <dgm:ruleLst/>
+            <dgm:forEach name="childNodeForEach" axis="ch" ptType="node">
+              <dgm:layoutNode name="childNode" styleLbl="node1">
+                <dgm:varLst>
+                  <dgm:bulletEnabled val="1"/>
+                </dgm:varLst>
+                <dgm:alg type="tx"/>
+                <dgm:shape xmlns:r="http://schemas.openxmlformats.org/officeDocument/2006/relationships" type="roundRect" r:blip="">
+                  <dgm:adjLst>
+                    <dgm:adj idx="1" val="0.1"/>
+                  </dgm:adjLst>
+                </dgm:shape>
+                <dgm:presOf axis="desOrSelf" ptType="node"/>
+                <dgm:constrLst>
+                  <dgm:constr type="primFontSz" val="65"/>
+                  <dgm:constr type="tMarg" refType="primFontSz" fact="0.15"/>
+                  <dgm:constr type="bMarg" refType="primFontSz" fact="0.15"/>
+                  <dgm:constr type="lMarg" refType="primFontSz" fact="0.2"/>
+                  <dgm:constr type="rMarg" refType="primFontSz" fact="0.2"/>
+                </dgm:constrLst>
+                <dgm:ruleLst>
+                  <dgm:rule type="primFontSz" val="5" fact="NaN" max="NaN"/>
+                </dgm:ruleLst>
+              </dgm:layoutNode>
+              <dgm:choose name="Name3">
+                <dgm:if name="Name4" axis="self" ptType="node" func="revPos" op="equ" val="1"/>
+                <dgm:else name="Name5">
+                  <dgm:layoutNode name="aSpace2">
+                    <dgm:alg type="sp"/>
+                    <dgm:shape xmlns:r="http://schemas.openxmlformats.org/officeDocument/2006/relationships" r:blip="">
+                      <dgm:adjLst/>
+                    </dgm:shape>
+                    <dgm:presOf/>
+                    <dgm:constrLst/>
+                    <dgm:ruleLst/>
+                  </dgm:layoutNode>
+                </dgm:else>
+              </dgm:choose>
+            </dgm:forEach>
+          </dgm:layoutNode>
+        </dgm:layoutNode>
+      </dgm:layoutNode>
+      <dgm:choose name="Name6">
+        <dgm:if name="Name7" axis="self" ptType="node" func="revPos" op="equ" val="1"/>
+        <dgm:else name="Name8">
+          <dgm:layoutNode name="aSpace">
+            <dgm:alg type="sp"/>
+            <dgm:shape xmlns:r="http://schemas.openxmlformats.org/officeDocument/2006/relationships" r:blip="">
+              <dgm:adjLst/>
+            </dgm:shape>
+            <dgm:presOf/>
+            <dgm:constrLst/>
+            <dgm:ruleLst/>
+          </dgm:layoutNode>
+        </dgm:else>
+      </dgm:choose>
+    </dgm:forEach>
+  </dgm:layoutNode>
+</dgm:layoutDef>
+</file>
+
 <file path=ppt/diagrams/quickStyle1.xml><?xml version="1.0" encoding="utf-8"?>
 <dgm:styleDef xmlns:dgm="http://schemas.openxmlformats.org/drawingml/2006/diagram" xmlns:a="http://schemas.openxmlformats.org/drawingml/2006/main" uniqueId="urn:microsoft.com/office/officeart/2005/8/quickstyle/simple1">
   <dgm:title val=""/>
@@ -9870,6 +12495,1040 @@
 </file>
 
 <file path=ppt/diagrams/quickStyle3.xml><?xml version="1.0" encoding="utf-8"?>
+<dgm:styleDef xmlns:dgm="http://schemas.openxmlformats.org/drawingml/2006/diagram" xmlns:a="http://schemas.openxmlformats.org/drawingml/2006/main" uniqueId="urn:microsoft.com/office/officeart/2005/8/quickstyle/simple1">
+  <dgm:title val=""/>
+  <dgm:desc val=""/>
+  <dgm:catLst>
+    <dgm:cat type="simple" pri="10100"/>
+  </dgm:catLst>
+  <dgm:scene3d>
+    <a:camera prst="orthographicFront"/>
+    <a:lightRig rig="threePt" dir="t"/>
+  </dgm:scene3d>
+  <dgm:styleLbl name="node0">
+    <dgm:scene3d>
+      <a:camera prst="orthographicFront"/>
+      <a:lightRig rig="threePt" dir="t"/>
+    </dgm:scene3d>
+    <dgm:sp3d/>
+    <dgm:txPr/>
+    <dgm:style>
+      <a:lnRef idx="2">
+        <a:scrgbClr r="0" g="0" b="0"/>
+      </a:lnRef>
+      <a:fillRef idx="1">
+        <a:scrgbClr r="0" g="0" b="0"/>
+      </a:fillRef>
+      <a:effectRef idx="0">
+        <a:scrgbClr r="0" g="0" b="0"/>
+      </a:effectRef>
+      <a:fontRef idx="minor">
+        <a:schemeClr val="lt1"/>
+      </a:fontRef>
+    </dgm:style>
+  </dgm:styleLbl>
+  <dgm:styleLbl name="lnNode1">
+    <dgm:scene3d>
+      <a:camera prst="orthographicFront"/>
+      <a:lightRig rig="threePt" dir="t"/>
+    </dgm:scene3d>
+    <dgm:sp3d/>
+    <dgm:txPr/>
+    <dgm:style>
+      <a:lnRef idx="2">
+        <a:scrgbClr r="0" g="0" b="0"/>
+      </a:lnRef>
+      <a:fillRef idx="1">
+        <a:scrgbClr r="0" g="0" b="0"/>
+      </a:fillRef>
+      <a:effectRef idx="0">
+        <a:scrgbClr r="0" g="0" b="0"/>
+      </a:effectRef>
+      <a:fontRef idx="minor">
+        <a:schemeClr val="lt1"/>
+      </a:fontRef>
+    </dgm:style>
+  </dgm:styleLbl>
+  <dgm:styleLbl name="vennNode1">
+    <dgm:scene3d>
+      <a:camera prst="orthographicFront"/>
+      <a:lightRig rig="threePt" dir="t"/>
+    </dgm:scene3d>
+    <dgm:sp3d/>
+    <dgm:txPr/>
+    <dgm:style>
+      <a:lnRef idx="2">
+        <a:scrgbClr r="0" g="0" b="0"/>
+      </a:lnRef>
+      <a:fillRef idx="1">
+        <a:scrgbClr r="0" g="0" b="0"/>
+      </a:fillRef>
+      <a:effectRef idx="0">
+        <a:scrgbClr r="0" g="0" b="0"/>
+      </a:effectRef>
+      <a:fontRef idx="minor">
+        <a:schemeClr val="tx1"/>
+      </a:fontRef>
+    </dgm:style>
+  </dgm:styleLbl>
+  <dgm:styleLbl name="alignNode1">
+    <dgm:scene3d>
+      <a:camera prst="orthographicFront"/>
+      <a:lightRig rig="threePt" dir="t"/>
+    </dgm:scene3d>
+    <dgm:sp3d/>
+    <dgm:txPr/>
+    <dgm:style>
+      <a:lnRef idx="2">
+        <a:scrgbClr r="0" g="0" b="0"/>
+      </a:lnRef>
+      <a:fillRef idx="1">
+        <a:scrgbClr r="0" g="0" b="0"/>
+      </a:fillRef>
+      <a:effectRef idx="0">
+        <a:scrgbClr r="0" g="0" b="0"/>
+      </a:effectRef>
+      <a:fontRef idx="minor">
+        <a:schemeClr val="lt1"/>
+      </a:fontRef>
+    </dgm:style>
+  </dgm:styleLbl>
+  <dgm:styleLbl name="node1">
+    <dgm:scene3d>
+      <a:camera prst="orthographicFront"/>
+      <a:lightRig rig="threePt" dir="t"/>
+    </dgm:scene3d>
+    <dgm:sp3d/>
+    <dgm:txPr/>
+    <dgm:style>
+      <a:lnRef idx="2">
+        <a:scrgbClr r="0" g="0" b="0"/>
+      </a:lnRef>
+      <a:fillRef idx="1">
+        <a:scrgbClr r="0" g="0" b="0"/>
+      </a:fillRef>
+      <a:effectRef idx="0">
+        <a:scrgbClr r="0" g="0" b="0"/>
+      </a:effectRef>
+      <a:fontRef idx="minor">
+        <a:schemeClr val="lt1"/>
+      </a:fontRef>
+    </dgm:style>
+  </dgm:styleLbl>
+  <dgm:styleLbl name="node2">
+    <dgm:scene3d>
+      <a:camera prst="orthographicFront"/>
+      <a:lightRig rig="threePt" dir="t"/>
+    </dgm:scene3d>
+    <dgm:sp3d/>
+    <dgm:txPr/>
+    <dgm:style>
+      <a:lnRef idx="2">
+        <a:scrgbClr r="0" g="0" b="0"/>
+      </a:lnRef>
+      <a:fillRef idx="1">
+        <a:scrgbClr r="0" g="0" b="0"/>
+      </a:fillRef>
+      <a:effectRef idx="0">
+        <a:scrgbClr r="0" g="0" b="0"/>
+      </a:effectRef>
+      <a:fontRef idx="minor">
+        <a:schemeClr val="lt1"/>
+      </a:fontRef>
+    </dgm:style>
+  </dgm:styleLbl>
+  <dgm:styleLbl name="node3">
+    <dgm:scene3d>
+      <a:camera prst="orthographicFront"/>
+      <a:lightRig rig="threePt" dir="t"/>
+    </dgm:scene3d>
+    <dgm:sp3d/>
+    <dgm:txPr/>
+    <dgm:style>
+      <a:lnRef idx="2">
+        <a:scrgbClr r="0" g="0" b="0"/>
+      </a:lnRef>
+      <a:fillRef idx="1">
+        <a:scrgbClr r="0" g="0" b="0"/>
+      </a:fillRef>
+      <a:effectRef idx="0">
+        <a:scrgbClr r="0" g="0" b="0"/>
+      </a:effectRef>
+      <a:fontRef idx="minor">
+        <a:schemeClr val="lt1"/>
+      </a:fontRef>
+    </dgm:style>
+  </dgm:styleLbl>
+  <dgm:styleLbl name="node4">
+    <dgm:scene3d>
+      <a:camera prst="orthographicFront"/>
+      <a:lightRig rig="threePt" dir="t"/>
+    </dgm:scene3d>
+    <dgm:sp3d/>
+    <dgm:txPr/>
+    <dgm:style>
+      <a:lnRef idx="2">
+        <a:scrgbClr r="0" g="0" b="0"/>
+      </a:lnRef>
+      <a:fillRef idx="1">
+        <a:scrgbClr r="0" g="0" b="0"/>
+      </a:fillRef>
+      <a:effectRef idx="0">
+        <a:scrgbClr r="0" g="0" b="0"/>
+      </a:effectRef>
+      <a:fontRef idx="minor">
+        <a:schemeClr val="lt1"/>
+      </a:fontRef>
+    </dgm:style>
+  </dgm:styleLbl>
+  <dgm:styleLbl name="fgImgPlace1">
+    <dgm:scene3d>
+      <a:camera prst="orthographicFront"/>
+      <a:lightRig rig="threePt" dir="t"/>
+    </dgm:scene3d>
+    <dgm:sp3d/>
+    <dgm:txPr/>
+    <dgm:style>
+      <a:lnRef idx="2">
+        <a:scrgbClr r="0" g="0" b="0"/>
+      </a:lnRef>
+      <a:fillRef idx="1">
+        <a:scrgbClr r="0" g="0" b="0"/>
+      </a:fillRef>
+      <a:effectRef idx="0">
+        <a:scrgbClr r="0" g="0" b="0"/>
+      </a:effectRef>
+      <a:fontRef idx="minor"/>
+    </dgm:style>
+  </dgm:styleLbl>
+  <dgm:styleLbl name="alignImgPlace1">
+    <dgm:scene3d>
+      <a:camera prst="orthographicFront"/>
+      <a:lightRig rig="threePt" dir="t"/>
+    </dgm:scene3d>
+    <dgm:sp3d/>
+    <dgm:txPr/>
+    <dgm:style>
+      <a:lnRef idx="2">
+        <a:scrgbClr r="0" g="0" b="0"/>
+      </a:lnRef>
+      <a:fillRef idx="1">
+        <a:scrgbClr r="0" g="0" b="0"/>
+      </a:fillRef>
+      <a:effectRef idx="0">
+        <a:scrgbClr r="0" g="0" b="0"/>
+      </a:effectRef>
+      <a:fontRef idx="minor"/>
+    </dgm:style>
+  </dgm:styleLbl>
+  <dgm:styleLbl name="bgImgPlace1">
+    <dgm:scene3d>
+      <a:camera prst="orthographicFront"/>
+      <a:lightRig rig="threePt" dir="t"/>
+    </dgm:scene3d>
+    <dgm:sp3d/>
+    <dgm:txPr/>
+    <dgm:style>
+      <a:lnRef idx="2">
+        <a:scrgbClr r="0" g="0" b="0"/>
+      </a:lnRef>
+      <a:fillRef idx="1">
+        <a:scrgbClr r="0" g="0" b="0"/>
+      </a:fillRef>
+      <a:effectRef idx="0">
+        <a:scrgbClr r="0" g="0" b="0"/>
+      </a:effectRef>
+      <a:fontRef idx="minor"/>
+    </dgm:style>
+  </dgm:styleLbl>
+  <dgm:styleLbl name="sibTrans2D1">
+    <dgm:scene3d>
+      <a:camera prst="orthographicFront"/>
+      <a:lightRig rig="threePt" dir="t"/>
+    </dgm:scene3d>
+    <dgm:sp3d/>
+    <dgm:txPr/>
+    <dgm:style>
+      <a:lnRef idx="0">
+        <a:scrgbClr r="0" g="0" b="0"/>
+      </a:lnRef>
+      <a:fillRef idx="1">
+        <a:scrgbClr r="0" g="0" b="0"/>
+      </a:fillRef>
+      <a:effectRef idx="0">
+        <a:scrgbClr r="0" g="0" b="0"/>
+      </a:effectRef>
+      <a:fontRef idx="minor">
+        <a:schemeClr val="lt1"/>
+      </a:fontRef>
+    </dgm:style>
+  </dgm:styleLbl>
+  <dgm:styleLbl name="fgSibTrans2D1">
+    <dgm:scene3d>
+      <a:camera prst="orthographicFront"/>
+      <a:lightRig rig="threePt" dir="t"/>
+    </dgm:scene3d>
+    <dgm:sp3d/>
+    <dgm:txPr/>
+    <dgm:style>
+      <a:lnRef idx="0">
+        <a:scrgbClr r="0" g="0" b="0"/>
+      </a:lnRef>
+      <a:fillRef idx="1">
+        <a:scrgbClr r="0" g="0" b="0"/>
+      </a:fillRef>
+      <a:effectRef idx="0">
+        <a:scrgbClr r="0" g="0" b="0"/>
+      </a:effectRef>
+      <a:fontRef idx="minor">
+        <a:schemeClr val="lt1"/>
+      </a:fontRef>
+    </dgm:style>
+  </dgm:styleLbl>
+  <dgm:styleLbl name="bgSibTrans2D1">
+    <dgm:scene3d>
+      <a:camera prst="orthographicFront"/>
+      <a:lightRig rig="threePt" dir="t"/>
+    </dgm:scene3d>
+    <dgm:sp3d/>
+    <dgm:txPr/>
+    <dgm:style>
+      <a:lnRef idx="0">
+        <a:scrgbClr r="0" g="0" b="0"/>
+      </a:lnRef>
+      <a:fillRef idx="1">
+        <a:scrgbClr r="0" g="0" b="0"/>
+      </a:fillRef>
+      <a:effectRef idx="0">
+        <a:scrgbClr r="0" g="0" b="0"/>
+      </a:effectRef>
+      <a:fontRef idx="minor">
+        <a:schemeClr val="lt1"/>
+      </a:fontRef>
+    </dgm:style>
+  </dgm:styleLbl>
+  <dgm:styleLbl name="sibTrans1D1">
+    <dgm:scene3d>
+      <a:camera prst="orthographicFront"/>
+      <a:lightRig rig="threePt" dir="t"/>
+    </dgm:scene3d>
+    <dgm:sp3d/>
+    <dgm:txPr/>
+    <dgm:style>
+      <a:lnRef idx="1">
+        <a:scrgbClr r="0" g="0" b="0"/>
+      </a:lnRef>
+      <a:fillRef idx="0">
+        <a:scrgbClr r="0" g="0" b="0"/>
+      </a:fillRef>
+      <a:effectRef idx="0">
+        <a:scrgbClr r="0" g="0" b="0"/>
+      </a:effectRef>
+      <a:fontRef idx="minor"/>
+    </dgm:style>
+  </dgm:styleLbl>
+  <dgm:styleLbl name="callout">
+    <dgm:scene3d>
+      <a:camera prst="orthographicFront"/>
+      <a:lightRig rig="threePt" dir="t"/>
+    </dgm:scene3d>
+    <dgm:sp3d/>
+    <dgm:txPr/>
+    <dgm:style>
+      <a:lnRef idx="2">
+        <a:scrgbClr r="0" g="0" b="0"/>
+      </a:lnRef>
+      <a:fillRef idx="1">
+        <a:scrgbClr r="0" g="0" b="0"/>
+      </a:fillRef>
+      <a:effectRef idx="0">
+        <a:scrgbClr r="0" g="0" b="0"/>
+      </a:effectRef>
+      <a:fontRef idx="minor"/>
+    </dgm:style>
+  </dgm:styleLbl>
+  <dgm:styleLbl name="asst0">
+    <dgm:scene3d>
+      <a:camera prst="orthographicFront"/>
+      <a:lightRig rig="threePt" dir="t"/>
+    </dgm:scene3d>
+    <dgm:sp3d/>
+    <dgm:txPr/>
+    <dgm:style>
+      <a:lnRef idx="2">
+        <a:scrgbClr r="0" g="0" b="0"/>
+      </a:lnRef>
+      <a:fillRef idx="1">
+        <a:scrgbClr r="0" g="0" b="0"/>
+      </a:fillRef>
+      <a:effectRef idx="0">
+        <a:scrgbClr r="0" g="0" b="0"/>
+      </a:effectRef>
+      <a:fontRef idx="minor">
+        <a:schemeClr val="lt1"/>
+      </a:fontRef>
+    </dgm:style>
+  </dgm:styleLbl>
+  <dgm:styleLbl name="asst1">
+    <dgm:scene3d>
+      <a:camera prst="orthographicFront"/>
+      <a:lightRig rig="threePt" dir="t"/>
+    </dgm:scene3d>
+    <dgm:sp3d/>
+    <dgm:txPr/>
+    <dgm:style>
+      <a:lnRef idx="2">
+        <a:scrgbClr r="0" g="0" b="0"/>
+      </a:lnRef>
+      <a:fillRef idx="1">
+        <a:scrgbClr r="0" g="0" b="0"/>
+      </a:fillRef>
+      <a:effectRef idx="0">
+        <a:scrgbClr r="0" g="0" b="0"/>
+      </a:effectRef>
+      <a:fontRef idx="minor">
+        <a:schemeClr val="lt1"/>
+      </a:fontRef>
+    </dgm:style>
+  </dgm:styleLbl>
+  <dgm:styleLbl name="asst2">
+    <dgm:scene3d>
+      <a:camera prst="orthographicFront"/>
+      <a:lightRig rig="threePt" dir="t"/>
+    </dgm:scene3d>
+    <dgm:sp3d/>
+    <dgm:txPr/>
+    <dgm:style>
+      <a:lnRef idx="2">
+        <a:scrgbClr r="0" g="0" b="0"/>
+      </a:lnRef>
+      <a:fillRef idx="1">
+        <a:scrgbClr r="0" g="0" b="0"/>
+      </a:fillRef>
+      <a:effectRef idx="0">
+        <a:scrgbClr r="0" g="0" b="0"/>
+      </a:effectRef>
+      <a:fontRef idx="minor">
+        <a:schemeClr val="lt1"/>
+      </a:fontRef>
+    </dgm:style>
+  </dgm:styleLbl>
+  <dgm:styleLbl name="asst3">
+    <dgm:scene3d>
+      <a:camera prst="orthographicFront"/>
+      <a:lightRig rig="threePt" dir="t"/>
+    </dgm:scene3d>
+    <dgm:sp3d/>
+    <dgm:txPr/>
+    <dgm:style>
+      <a:lnRef idx="2">
+        <a:scrgbClr r="0" g="0" b="0"/>
+      </a:lnRef>
+      <a:fillRef idx="1">
+        <a:scrgbClr r="0" g="0" b="0"/>
+      </a:fillRef>
+      <a:effectRef idx="0">
+        <a:scrgbClr r="0" g="0" b="0"/>
+      </a:effectRef>
+      <a:fontRef idx="minor">
+        <a:schemeClr val="lt1"/>
+      </a:fontRef>
+    </dgm:style>
+  </dgm:styleLbl>
+  <dgm:styleLbl name="asst4">
+    <dgm:scene3d>
+      <a:camera prst="orthographicFront"/>
+      <a:lightRig rig="threePt" dir="t"/>
+    </dgm:scene3d>
+    <dgm:sp3d/>
+    <dgm:txPr/>
+    <dgm:style>
+      <a:lnRef idx="2">
+        <a:scrgbClr r="0" g="0" b="0"/>
+      </a:lnRef>
+      <a:fillRef idx="1">
+        <a:scrgbClr r="0" g="0" b="0"/>
+      </a:fillRef>
+      <a:effectRef idx="0">
+        <a:scrgbClr r="0" g="0" b="0"/>
+      </a:effectRef>
+      <a:fontRef idx="minor">
+        <a:schemeClr val="lt1"/>
+      </a:fontRef>
+    </dgm:style>
+  </dgm:styleLbl>
+  <dgm:styleLbl name="parChTrans2D1">
+    <dgm:scene3d>
+      <a:camera prst="orthographicFront"/>
+      <a:lightRig rig="threePt" dir="t"/>
+    </dgm:scene3d>
+    <dgm:sp3d/>
+    <dgm:txPr/>
+    <dgm:style>
+      <a:lnRef idx="2">
+        <a:scrgbClr r="0" g="0" b="0"/>
+      </a:lnRef>
+      <a:fillRef idx="1">
+        <a:scrgbClr r="0" g="0" b="0"/>
+      </a:fillRef>
+      <a:effectRef idx="0">
+        <a:scrgbClr r="0" g="0" b="0"/>
+      </a:effectRef>
+      <a:fontRef idx="minor">
+        <a:schemeClr val="lt1"/>
+      </a:fontRef>
+    </dgm:style>
+  </dgm:styleLbl>
+  <dgm:styleLbl name="parChTrans2D2">
+    <dgm:scene3d>
+      <a:camera prst="orthographicFront"/>
+      <a:lightRig rig="threePt" dir="t"/>
+    </dgm:scene3d>
+    <dgm:sp3d/>
+    <dgm:txPr/>
+    <dgm:style>
+      <a:lnRef idx="2">
+        <a:scrgbClr r="0" g="0" b="0"/>
+      </a:lnRef>
+      <a:fillRef idx="1">
+        <a:scrgbClr r="0" g="0" b="0"/>
+      </a:fillRef>
+      <a:effectRef idx="0">
+        <a:scrgbClr r="0" g="0" b="0"/>
+      </a:effectRef>
+      <a:fontRef idx="minor">
+        <a:schemeClr val="lt1"/>
+      </a:fontRef>
+    </dgm:style>
+  </dgm:styleLbl>
+  <dgm:styleLbl name="parChTrans2D3">
+    <dgm:scene3d>
+      <a:camera prst="orthographicFront"/>
+      <a:lightRig rig="threePt" dir="t"/>
+    </dgm:scene3d>
+    <dgm:sp3d/>
+    <dgm:txPr/>
+    <dgm:style>
+      <a:lnRef idx="2">
+        <a:scrgbClr r="0" g="0" b="0"/>
+      </a:lnRef>
+      <a:fillRef idx="1">
+        <a:scrgbClr r="0" g="0" b="0"/>
+      </a:fillRef>
+      <a:effectRef idx="0">
+        <a:scrgbClr r="0" g="0" b="0"/>
+      </a:effectRef>
+      <a:fontRef idx="minor">
+        <a:schemeClr val="lt1"/>
+      </a:fontRef>
+    </dgm:style>
+  </dgm:styleLbl>
+  <dgm:styleLbl name="parChTrans2D4">
+    <dgm:scene3d>
+      <a:camera prst="orthographicFront"/>
+      <a:lightRig rig="threePt" dir="t"/>
+    </dgm:scene3d>
+    <dgm:sp3d/>
+    <dgm:txPr/>
+    <dgm:style>
+      <a:lnRef idx="2">
+        <a:scrgbClr r="0" g="0" b="0"/>
+      </a:lnRef>
+      <a:fillRef idx="1">
+        <a:scrgbClr r="0" g="0" b="0"/>
+      </a:fillRef>
+      <a:effectRef idx="0">
+        <a:scrgbClr r="0" g="0" b="0"/>
+      </a:effectRef>
+      <a:fontRef idx="minor">
+        <a:schemeClr val="lt1"/>
+      </a:fontRef>
+    </dgm:style>
+  </dgm:styleLbl>
+  <dgm:styleLbl name="parChTrans1D1">
+    <dgm:scene3d>
+      <a:camera prst="orthographicFront"/>
+      <a:lightRig rig="threePt" dir="t"/>
+    </dgm:scene3d>
+    <dgm:sp3d/>
+    <dgm:txPr/>
+    <dgm:style>
+      <a:lnRef idx="2">
+        <a:scrgbClr r="0" g="0" b="0"/>
+      </a:lnRef>
+      <a:fillRef idx="0">
+        <a:scrgbClr r="0" g="0" b="0"/>
+      </a:fillRef>
+      <a:effectRef idx="0">
+        <a:scrgbClr r="0" g="0" b="0"/>
+      </a:effectRef>
+      <a:fontRef idx="minor"/>
+    </dgm:style>
+  </dgm:styleLbl>
+  <dgm:styleLbl name="parChTrans1D2">
+    <dgm:scene3d>
+      <a:camera prst="orthographicFront"/>
+      <a:lightRig rig="threePt" dir="t"/>
+    </dgm:scene3d>
+    <dgm:sp3d/>
+    <dgm:txPr/>
+    <dgm:style>
+      <a:lnRef idx="2">
+        <a:scrgbClr r="0" g="0" b="0"/>
+      </a:lnRef>
+      <a:fillRef idx="0">
+        <a:scrgbClr r="0" g="0" b="0"/>
+      </a:fillRef>
+      <a:effectRef idx="0">
+        <a:scrgbClr r="0" g="0" b="0"/>
+      </a:effectRef>
+      <a:fontRef idx="minor"/>
+    </dgm:style>
+  </dgm:styleLbl>
+  <dgm:styleLbl name="parChTrans1D3">
+    <dgm:scene3d>
+      <a:camera prst="orthographicFront"/>
+      <a:lightRig rig="threePt" dir="t"/>
+    </dgm:scene3d>
+    <dgm:sp3d/>
+    <dgm:txPr/>
+    <dgm:style>
+      <a:lnRef idx="2">
+        <a:scrgbClr r="0" g="0" b="0"/>
+      </a:lnRef>
+      <a:fillRef idx="0">
+        <a:scrgbClr r="0" g="0" b="0"/>
+      </a:fillRef>
+      <a:effectRef idx="0">
+        <a:scrgbClr r="0" g="0" b="0"/>
+      </a:effectRef>
+      <a:fontRef idx="minor"/>
+    </dgm:style>
+  </dgm:styleLbl>
+  <dgm:styleLbl name="parChTrans1D4">
+    <dgm:scene3d>
+      <a:camera prst="orthographicFront"/>
+      <a:lightRig rig="threePt" dir="t"/>
+    </dgm:scene3d>
+    <dgm:sp3d/>
+    <dgm:txPr/>
+    <dgm:style>
+      <a:lnRef idx="2">
+        <a:scrgbClr r="0" g="0" b="0"/>
+      </a:lnRef>
+      <a:fillRef idx="0">
+        <a:scrgbClr r="0" g="0" b="0"/>
+      </a:fillRef>
+      <a:effectRef idx="0">
+        <a:scrgbClr r="0" g="0" b="0"/>
+      </a:effectRef>
+      <a:fontRef idx="minor"/>
+    </dgm:style>
+  </dgm:styleLbl>
+  <dgm:styleLbl name="fgAcc1">
+    <dgm:scene3d>
+      <a:camera prst="orthographicFront"/>
+      <a:lightRig rig="threePt" dir="t"/>
+    </dgm:scene3d>
+    <dgm:sp3d/>
+    <dgm:txPr/>
+    <dgm:style>
+      <a:lnRef idx="2">
+        <a:scrgbClr r="0" g="0" b="0"/>
+      </a:lnRef>
+      <a:fillRef idx="1">
+        <a:scrgbClr r="0" g="0" b="0"/>
+      </a:fillRef>
+      <a:effectRef idx="0">
+        <a:scrgbClr r="0" g="0" b="0"/>
+      </a:effectRef>
+      <a:fontRef idx="minor"/>
+    </dgm:style>
+  </dgm:styleLbl>
+  <dgm:styleLbl name="conFgAcc1">
+    <dgm:scene3d>
+      <a:camera prst="orthographicFront"/>
+      <a:lightRig rig="threePt" dir="t"/>
+    </dgm:scene3d>
+    <dgm:sp3d/>
+    <dgm:txPr/>
+    <dgm:style>
+      <a:lnRef idx="2">
+        <a:scrgbClr r="0" g="0" b="0"/>
+      </a:lnRef>
+      <a:fillRef idx="1">
+        <a:scrgbClr r="0" g="0" b="0"/>
+      </a:fillRef>
+      <a:effectRef idx="0">
+        <a:scrgbClr r="0" g="0" b="0"/>
+      </a:effectRef>
+      <a:fontRef idx="minor"/>
+    </dgm:style>
+  </dgm:styleLbl>
+  <dgm:styleLbl name="alignAcc1">
+    <dgm:scene3d>
+      <a:camera prst="orthographicFront"/>
+      <a:lightRig rig="threePt" dir="t"/>
+    </dgm:scene3d>
+    <dgm:sp3d/>
+    <dgm:txPr/>
+    <dgm:style>
+      <a:lnRef idx="2">
+        <a:scrgbClr r="0" g="0" b="0"/>
+      </a:lnRef>
+      <a:fillRef idx="1">
+        <a:scrgbClr r="0" g="0" b="0"/>
+      </a:fillRef>
+      <a:effectRef idx="0">
+        <a:scrgbClr r="0" g="0" b="0"/>
+      </a:effectRef>
+      <a:fontRef idx="minor"/>
+    </dgm:style>
+  </dgm:styleLbl>
+  <dgm:styleLbl name="trAlignAcc1">
+    <dgm:scene3d>
+      <a:camera prst="orthographicFront"/>
+      <a:lightRig rig="threePt" dir="t"/>
+    </dgm:scene3d>
+    <dgm:sp3d/>
+    <dgm:txPr/>
+    <dgm:style>
+      <a:lnRef idx="1">
+        <a:scrgbClr r="0" g="0" b="0"/>
+      </a:lnRef>
+      <a:fillRef idx="1">
+        <a:scrgbClr r="0" g="0" b="0"/>
+      </a:fillRef>
+      <a:effectRef idx="0">
+        <a:scrgbClr r="0" g="0" b="0"/>
+      </a:effectRef>
+      <a:fontRef idx="minor"/>
+    </dgm:style>
+  </dgm:styleLbl>
+  <dgm:styleLbl name="bgAcc1">
+    <dgm:scene3d>
+      <a:camera prst="orthographicFront"/>
+      <a:lightRig rig="threePt" dir="t"/>
+    </dgm:scene3d>
+    <dgm:sp3d/>
+    <dgm:txPr/>
+    <dgm:style>
+      <a:lnRef idx="2">
+        <a:scrgbClr r="0" g="0" b="0"/>
+      </a:lnRef>
+      <a:fillRef idx="1">
+        <a:scrgbClr r="0" g="0" b="0"/>
+      </a:fillRef>
+      <a:effectRef idx="0">
+        <a:scrgbClr r="0" g="0" b="0"/>
+      </a:effectRef>
+      <a:fontRef idx="minor"/>
+    </dgm:style>
+  </dgm:styleLbl>
+  <dgm:styleLbl name="solidFgAcc1">
+    <dgm:scene3d>
+      <a:camera prst="orthographicFront"/>
+      <a:lightRig rig="threePt" dir="t"/>
+    </dgm:scene3d>
+    <dgm:sp3d/>
+    <dgm:txPr/>
+    <dgm:style>
+      <a:lnRef idx="2">
+        <a:scrgbClr r="0" g="0" b="0"/>
+      </a:lnRef>
+      <a:fillRef idx="1">
+        <a:scrgbClr r="0" g="0" b="0"/>
+      </a:fillRef>
+      <a:effectRef idx="0">
+        <a:scrgbClr r="0" g="0" b="0"/>
+      </a:effectRef>
+      <a:fontRef idx="minor"/>
+    </dgm:style>
+  </dgm:styleLbl>
+  <dgm:styleLbl name="solidAlignAcc1">
+    <dgm:scene3d>
+      <a:camera prst="orthographicFront"/>
+      <a:lightRig rig="threePt" dir="t"/>
+    </dgm:scene3d>
+    <dgm:sp3d/>
+    <dgm:txPr/>
+    <dgm:style>
+      <a:lnRef idx="2">
+        <a:scrgbClr r="0" g="0" b="0"/>
+      </a:lnRef>
+      <a:fillRef idx="1">
+        <a:scrgbClr r="0" g="0" b="0"/>
+      </a:fillRef>
+      <a:effectRef idx="0">
+        <a:scrgbClr r="0" g="0" b="0"/>
+      </a:effectRef>
+      <a:fontRef idx="minor"/>
+    </dgm:style>
+  </dgm:styleLbl>
+  <dgm:styleLbl name="solidBgAcc1">
+    <dgm:scene3d>
+      <a:camera prst="orthographicFront"/>
+      <a:lightRig rig="threePt" dir="t"/>
+    </dgm:scene3d>
+    <dgm:sp3d/>
+    <dgm:txPr/>
+    <dgm:style>
+      <a:lnRef idx="2">
+        <a:scrgbClr r="0" g="0" b="0"/>
+      </a:lnRef>
+      <a:fillRef idx="1">
+        <a:scrgbClr r="0" g="0" b="0"/>
+      </a:fillRef>
+      <a:effectRef idx="0">
+        <a:scrgbClr r="0" g="0" b="0"/>
+      </a:effectRef>
+      <a:fontRef idx="minor"/>
+    </dgm:style>
+  </dgm:styleLbl>
+  <dgm:styleLbl name="fgAccFollowNode1">
+    <dgm:scene3d>
+      <a:camera prst="orthographicFront"/>
+      <a:lightRig rig="threePt" dir="t"/>
+    </dgm:scene3d>
+    <dgm:sp3d/>
+    <dgm:txPr/>
+    <dgm:style>
+      <a:lnRef idx="2">
+        <a:scrgbClr r="0" g="0" b="0"/>
+      </a:lnRef>
+      <a:fillRef idx="1">
+        <a:scrgbClr r="0" g="0" b="0"/>
+      </a:fillRef>
+      <a:effectRef idx="0">
+        <a:scrgbClr r="0" g="0" b="0"/>
+      </a:effectRef>
+      <a:fontRef idx="minor"/>
+    </dgm:style>
+  </dgm:styleLbl>
+  <dgm:styleLbl name="alignAccFollowNode1">
+    <dgm:scene3d>
+      <a:camera prst="orthographicFront"/>
+      <a:lightRig rig="threePt" dir="t"/>
+    </dgm:scene3d>
+    <dgm:sp3d/>
+    <dgm:txPr/>
+    <dgm:style>
+      <a:lnRef idx="2">
+        <a:scrgbClr r="0" g="0" b="0"/>
+      </a:lnRef>
+      <a:fillRef idx="1">
+        <a:scrgbClr r="0" g="0" b="0"/>
+      </a:fillRef>
+      <a:effectRef idx="0">
+        <a:scrgbClr r="0" g="0" b="0"/>
+      </a:effectRef>
+      <a:fontRef idx="minor"/>
+    </dgm:style>
+  </dgm:styleLbl>
+  <dgm:styleLbl name="bgAccFollowNode1">
+    <dgm:scene3d>
+      <a:camera prst="orthographicFront"/>
+      <a:lightRig rig="threePt" dir="t"/>
+    </dgm:scene3d>
+    <dgm:sp3d/>
+    <dgm:txPr/>
+    <dgm:style>
+      <a:lnRef idx="2">
+        <a:scrgbClr r="0" g="0" b="0"/>
+      </a:lnRef>
+      <a:fillRef idx="1">
+        <a:scrgbClr r="0" g="0" b="0"/>
+      </a:fillRef>
+      <a:effectRef idx="0">
+        <a:scrgbClr r="0" g="0" b="0"/>
+      </a:effectRef>
+      <a:fontRef idx="minor"/>
+    </dgm:style>
+  </dgm:styleLbl>
+  <dgm:styleLbl name="fgAcc0">
+    <dgm:scene3d>
+      <a:camera prst="orthographicFront"/>
+      <a:lightRig rig="threePt" dir="t"/>
+    </dgm:scene3d>
+    <dgm:sp3d/>
+    <dgm:txPr/>
+    <dgm:style>
+      <a:lnRef idx="2">
+        <a:scrgbClr r="0" g="0" b="0"/>
+      </a:lnRef>
+      <a:fillRef idx="1">
+        <a:scrgbClr r="0" g="0" b="0"/>
+      </a:fillRef>
+      <a:effectRef idx="0">
+        <a:scrgbClr r="0" g="0" b="0"/>
+      </a:effectRef>
+      <a:fontRef idx="minor"/>
+    </dgm:style>
+  </dgm:styleLbl>
+  <dgm:styleLbl name="fgAcc2">
+    <dgm:scene3d>
+      <a:camera prst="orthographicFront"/>
+      <a:lightRig rig="threePt" dir="t"/>
+    </dgm:scene3d>
+    <dgm:sp3d/>
+    <dgm:txPr/>
+    <dgm:style>
+      <a:lnRef idx="2">
+        <a:scrgbClr r="0" g="0" b="0"/>
+      </a:lnRef>
+      <a:fillRef idx="1">
+        <a:scrgbClr r="0" g="0" b="0"/>
+      </a:fillRef>
+      <a:effectRef idx="0">
+        <a:scrgbClr r="0" g="0" b="0"/>
+      </a:effectRef>
+      <a:fontRef idx="minor"/>
+    </dgm:style>
+  </dgm:styleLbl>
+  <dgm:styleLbl name="fgAcc3">
+    <dgm:scene3d>
+      <a:camera prst="orthographicFront"/>
+      <a:lightRig rig="threePt" dir="t"/>
+    </dgm:scene3d>
+    <dgm:sp3d/>
+    <dgm:txPr/>
+    <dgm:style>
+      <a:lnRef idx="2">
+        <a:scrgbClr r="0" g="0" b="0"/>
+      </a:lnRef>
+      <a:fillRef idx="1">
+        <a:scrgbClr r="0" g="0" b="0"/>
+      </a:fillRef>
+      <a:effectRef idx="0">
+        <a:scrgbClr r="0" g="0" b="0"/>
+      </a:effectRef>
+      <a:fontRef idx="minor"/>
+    </dgm:style>
+  </dgm:styleLbl>
+  <dgm:styleLbl name="fgAcc4">
+    <dgm:scene3d>
+      <a:camera prst="orthographicFront"/>
+      <a:lightRig rig="threePt" dir="t"/>
+    </dgm:scene3d>
+    <dgm:sp3d/>
+    <dgm:txPr/>
+    <dgm:style>
+      <a:lnRef idx="2">
+        <a:scrgbClr r="0" g="0" b="0"/>
+      </a:lnRef>
+      <a:fillRef idx="1">
+        <a:scrgbClr r="0" g="0" b="0"/>
+      </a:fillRef>
+      <a:effectRef idx="0">
+        <a:scrgbClr r="0" g="0" b="0"/>
+      </a:effectRef>
+      <a:fontRef idx="minor"/>
+    </dgm:style>
+  </dgm:styleLbl>
+  <dgm:styleLbl name="bgShp">
+    <dgm:scene3d>
+      <a:camera prst="orthographicFront"/>
+      <a:lightRig rig="threePt" dir="t"/>
+    </dgm:scene3d>
+    <dgm:sp3d/>
+    <dgm:txPr/>
+    <dgm:style>
+      <a:lnRef idx="0">
+        <a:scrgbClr r="0" g="0" b="0"/>
+      </a:lnRef>
+      <a:fillRef idx="1">
+        <a:scrgbClr r="0" g="0" b="0"/>
+      </a:fillRef>
+      <a:effectRef idx="0">
+        <a:scrgbClr r="0" g="0" b="0"/>
+      </a:effectRef>
+      <a:fontRef idx="minor"/>
+    </dgm:style>
+  </dgm:styleLbl>
+  <dgm:styleLbl name="dkBgShp">
+    <dgm:scene3d>
+      <a:camera prst="orthographicFront"/>
+      <a:lightRig rig="threePt" dir="t"/>
+    </dgm:scene3d>
+    <dgm:sp3d/>
+    <dgm:txPr/>
+    <dgm:style>
+      <a:lnRef idx="0">
+        <a:scrgbClr r="0" g="0" b="0"/>
+      </a:lnRef>
+      <a:fillRef idx="1">
+        <a:scrgbClr r="0" g="0" b="0"/>
+      </a:fillRef>
+      <a:effectRef idx="0">
+        <a:scrgbClr r="0" g="0" b="0"/>
+      </a:effectRef>
+      <a:fontRef idx="minor"/>
+    </dgm:style>
+  </dgm:styleLbl>
+  <dgm:styleLbl name="trBgShp">
+    <dgm:scene3d>
+      <a:camera prst="orthographicFront"/>
+      <a:lightRig rig="threePt" dir="t"/>
+    </dgm:scene3d>
+    <dgm:sp3d/>
+    <dgm:txPr/>
+    <dgm:style>
+      <a:lnRef idx="0">
+        <a:scrgbClr r="0" g="0" b="0"/>
+      </a:lnRef>
+      <a:fillRef idx="1">
+        <a:scrgbClr r="0" g="0" b="0"/>
+      </a:fillRef>
+      <a:effectRef idx="0">
+        <a:scrgbClr r="0" g="0" b="0"/>
+      </a:effectRef>
+      <a:fontRef idx="minor"/>
+    </dgm:style>
+  </dgm:styleLbl>
+  <dgm:styleLbl name="fgShp">
+    <dgm:scene3d>
+      <a:camera prst="orthographicFront"/>
+      <a:lightRig rig="threePt" dir="t"/>
+    </dgm:scene3d>
+    <dgm:sp3d/>
+    <dgm:txPr/>
+    <dgm:style>
+      <a:lnRef idx="2">
+        <a:scrgbClr r="0" g="0" b="0"/>
+      </a:lnRef>
+      <a:fillRef idx="1">
+        <a:scrgbClr r="0" g="0" b="0"/>
+      </a:fillRef>
+      <a:effectRef idx="0">
+        <a:scrgbClr r="0" g="0" b="0"/>
+      </a:effectRef>
+      <a:fontRef idx="minor"/>
+    </dgm:style>
+  </dgm:styleLbl>
+  <dgm:styleLbl name="revTx">
+    <dgm:scene3d>
+      <a:camera prst="orthographicFront"/>
+      <a:lightRig rig="threePt" dir="t"/>
+    </dgm:scene3d>
+    <dgm:sp3d/>
+    <dgm:txPr/>
+    <dgm:style>
+      <a:lnRef idx="0">
+        <a:scrgbClr r="0" g="0" b="0"/>
+      </a:lnRef>
+      <a:fillRef idx="0">
+        <a:scrgbClr r="0" g="0" b="0"/>
+      </a:fillRef>
+      <a:effectRef idx="0">
+        <a:scrgbClr r="0" g="0" b="0"/>
+      </a:effectRef>
+      <a:fontRef idx="minor"/>
+    </dgm:style>
+  </dgm:styleLbl>
+</dgm:styleDef>
+</file>
+
+<file path=ppt/diagrams/quickStyle4.xml><?xml version="1.0" encoding="utf-8"?>
 <dgm:styleDef xmlns:dgm="http://schemas.openxmlformats.org/drawingml/2006/diagram" xmlns:a="http://schemas.openxmlformats.org/drawingml/2006/main" uniqueId="urn:microsoft.com/office/officeart/2005/8/quickstyle/simple1">
   <dgm:title val=""/>
   <dgm:desc val=""/>
@@ -10985,7 +14644,7 @@
           <a:p>
             <a:fld id="{6B54091E-B52F-4A6A-B6C0-5A0FB0196B3B}" type="datetimeFigureOut">
               <a:rPr lang="en-IE" smtClean="0"/>
-              <a:t>10/06/2021</a:t>
+              <a:t>15/06/2021</a:t>
             </a:fld>
             <a:endParaRPr lang="en-IE"/>
           </a:p>
@@ -11386,6 +15045,47 @@
           <a:p>
             <a:endParaRPr lang="en-IE" dirty="0"/>
           </a:p>
+          <a:p>
+            <a:endParaRPr lang="en-IE" dirty="0"/>
+          </a:p>
+          <a:p>
+            <a:endParaRPr lang="en-IE" dirty="0"/>
+          </a:p>
+          <a:p>
+            <a:pPr marL="0" marR="0" lvl="0" indent="0" algn="l" defTabSz="914400" rtl="0" eaLnBrk="1" fontAlgn="auto" latinLnBrk="0" hangingPunct="1">
+              <a:lnSpc>
+                <a:spcPct val="100000"/>
+              </a:lnSpc>
+              <a:spcBef>
+                <a:spcPts val="0"/>
+              </a:spcBef>
+              <a:spcAft>
+                <a:spcPts val="0"/>
+              </a:spcAft>
+              <a:buClrTx/>
+              <a:buSzTx/>
+              <a:buFontTx/>
+              <a:buNone/>
+              <a:tabLst/>
+              <a:defRPr/>
+            </a:pPr>
+            <a:r>
+              <a:rPr lang="en-IE" b="1" dirty="0"/>
+              <a:t>Encourage good behaviour</a:t>
+            </a:r>
+          </a:p>
+          <a:p>
+            <a:endParaRPr lang="en-IE" dirty="0"/>
+          </a:p>
+          <a:p>
+            <a:r>
+              <a:rPr lang="en-IE" dirty="0"/>
+              <a:t>Department that saved on the cloud may receive additional funding for contractors. </a:t>
+            </a:r>
+          </a:p>
+          <a:p>
+            <a:endParaRPr lang="en-IE" dirty="0"/>
+          </a:p>
         </p:txBody>
       </p:sp>
       <p:sp>
@@ -11405,7 +15105,7 @@
           <a:p>
             <a:fld id="{FD5B5252-8534-42B9-BEB1-6A93DAA021E2}" type="slidenum">
               <a:rPr lang="en-IE" smtClean="0"/>
-              <a:t>12</a:t>
+              <a:t>9</a:t>
             </a:fld>
             <a:endParaRPr lang="en-IE"/>
           </a:p>
@@ -11414,7 +15114,7 @@
     </p:spTree>
     <p:extLst>
       <p:ext uri="{BB962C8B-B14F-4D97-AF65-F5344CB8AC3E}">
-        <p14:creationId xmlns:p14="http://schemas.microsoft.com/office/powerpoint/2010/main" val="2754962964"/>
+        <p14:creationId xmlns:p14="http://schemas.microsoft.com/office/powerpoint/2010/main" val="2794908998"/>
       </p:ext>
     </p:extLst>
   </p:cSld>
@@ -11468,12 +15168,6 @@
           <a:bodyPr/>
           <a:lstStyle/>
           <a:p>
-            <a:r>
-              <a:rPr lang="en-IE" dirty="0"/>
-              <a:t>https://docs.microsoft.com/en-us/azure/cost-management-billing/costs/cost-mgt-alerts-monitor-usage-spending</a:t>
-            </a:r>
-          </a:p>
-          <a:p>
             <a:endParaRPr lang="en-IE" dirty="0"/>
           </a:p>
         </p:txBody>
@@ -11504,7 +15198,7 @@
     </p:spTree>
     <p:extLst>
       <p:ext uri="{BB962C8B-B14F-4D97-AF65-F5344CB8AC3E}">
-        <p14:creationId xmlns:p14="http://schemas.microsoft.com/office/powerpoint/2010/main" val="3757541100"/>
+        <p14:creationId xmlns:p14="http://schemas.microsoft.com/office/powerpoint/2010/main" val="2754962964"/>
       </p:ext>
     </p:extLst>
   </p:cSld>
@@ -11558,43 +15252,9 @@
           <a:bodyPr/>
           <a:lstStyle/>
           <a:p>
-            <a:endParaRPr lang="en-IE" dirty="0"/>
-          </a:p>
-          <a:p>
-            <a:pPr marL="0" marR="0" lvl="0" indent="0" algn="l" defTabSz="914400" rtl="0" eaLnBrk="1" fontAlgn="auto" latinLnBrk="0" hangingPunct="1">
-              <a:lnSpc>
-                <a:spcPct val="100000"/>
-              </a:lnSpc>
-              <a:spcBef>
-                <a:spcPts val="0"/>
-              </a:spcBef>
-              <a:spcAft>
-                <a:spcPts val="0"/>
-              </a:spcAft>
-              <a:buClrTx/>
-              <a:buSzTx/>
-              <a:buFontTx/>
-              <a:buNone/>
-              <a:tabLst/>
-              <a:defRPr/>
-            </a:pPr>
-            <a:r>
-              <a:rPr lang="en-GB" sz="1200" b="1" i="0" kern="1200" dirty="0">
-                <a:solidFill>
-                  <a:schemeClr val="tx1"/>
-                </a:solidFill>
-                <a:effectLst/>
-                <a:latin typeface="+mn-lt"/>
-                <a:ea typeface="+mn-ea"/>
-                <a:cs typeface="+mn-cs"/>
-              </a:rPr>
-              <a:t>What are virtual machine scale sets?</a:t>
-            </a:r>
-          </a:p>
-          <a:p>
             <a:r>
               <a:rPr lang="en-IE" dirty="0"/>
-              <a:t>https://docs.microsoft.com/en-us/azure/virtual-machine-scale-sets/overview</a:t>
+              <a:t>https://docs.microsoft.com/en-us/azure/cost-management-billing/costs/cost-mgt-alerts-monitor-usage-spending</a:t>
             </a:r>
           </a:p>
           <a:p>
@@ -11619,7 +15279,7 @@
           <a:p>
             <a:fld id="{FD5B5252-8534-42B9-BEB1-6A93DAA021E2}" type="slidenum">
               <a:rPr lang="en-IE" smtClean="0"/>
-              <a:t>17</a:t>
+              <a:t>16</a:t>
             </a:fld>
             <a:endParaRPr lang="en-IE"/>
           </a:p>
@@ -11628,7 +15288,7 @@
     </p:spTree>
     <p:extLst>
       <p:ext uri="{BB962C8B-B14F-4D97-AF65-F5344CB8AC3E}">
-        <p14:creationId xmlns:p14="http://schemas.microsoft.com/office/powerpoint/2010/main" val="346489748"/>
+        <p14:creationId xmlns:p14="http://schemas.microsoft.com/office/powerpoint/2010/main" val="3757541100"/>
       </p:ext>
     </p:extLst>
   </p:cSld>
@@ -11685,9 +15345,43 @@
             <a:endParaRPr lang="en-IE" dirty="0"/>
           </a:p>
           <a:p>
+            <a:endParaRPr lang="en-IE" dirty="0"/>
+          </a:p>
+          <a:p>
+            <a:pPr marL="0" marR="0" lvl="0" indent="0" algn="l" defTabSz="914400" rtl="0" eaLnBrk="1" fontAlgn="auto" latinLnBrk="0" hangingPunct="1">
+              <a:lnSpc>
+                <a:spcPct val="100000"/>
+              </a:lnSpc>
+              <a:spcBef>
+                <a:spcPts val="0"/>
+              </a:spcBef>
+              <a:spcAft>
+                <a:spcPts val="0"/>
+              </a:spcAft>
+              <a:buClrTx/>
+              <a:buSzTx/>
+              <a:buFontTx/>
+              <a:buNone/>
+              <a:tabLst/>
+              <a:defRPr/>
+            </a:pPr>
+            <a:r>
+              <a:rPr lang="en-GB" sz="1200" b="1" i="0" kern="1200" dirty="0">
+                <a:solidFill>
+                  <a:schemeClr val="tx1"/>
+                </a:solidFill>
+                <a:effectLst/>
+                <a:latin typeface="+mn-lt"/>
+                <a:ea typeface="+mn-ea"/>
+                <a:cs typeface="+mn-cs"/>
+              </a:rPr>
+              <a:t>Why Azure Dev/Test pricing?</a:t>
+            </a:r>
+          </a:p>
+          <a:p>
             <a:r>
               <a:rPr lang="en-IE" dirty="0"/>
-              <a:t>There are 500+ Azure Services available for creation, it’s easier to disable everything and only allow necessary resources. </a:t>
+              <a:t>https://azure.microsoft.com/en-us/pricing/dev-test/#overview</a:t>
             </a:r>
           </a:p>
         </p:txBody>
@@ -11709,7 +15403,348 @@
           <a:p>
             <a:fld id="{FD5B5252-8534-42B9-BEB1-6A93DAA021E2}" type="slidenum">
               <a:rPr lang="en-IE" smtClean="0"/>
-              <a:t>18</a:t>
+              <a:t>19</a:t>
+            </a:fld>
+            <a:endParaRPr lang="en-IE"/>
+          </a:p>
+        </p:txBody>
+      </p:sp>
+    </p:spTree>
+    <p:extLst>
+      <p:ext uri="{BB962C8B-B14F-4D97-AF65-F5344CB8AC3E}">
+        <p14:creationId xmlns:p14="http://schemas.microsoft.com/office/powerpoint/2010/main" val="2339023969"/>
+      </p:ext>
+    </p:extLst>
+  </p:cSld>
+  <p:clrMapOvr>
+    <a:masterClrMapping/>
+  </p:clrMapOvr>
+</p:notes>
+</file>
+
+<file path=ppt/notesSlides/notesSlide6.xml><?xml version="1.0" encoding="utf-8"?>
+<p:notes xmlns:a="http://schemas.openxmlformats.org/drawingml/2006/main" xmlns:r="http://schemas.openxmlformats.org/officeDocument/2006/relationships" xmlns:p="http://schemas.openxmlformats.org/presentationml/2006/main">
+  <p:cSld>
+    <p:spTree>
+      <p:nvGrpSpPr>
+        <p:cNvPr id="1" name=""/>
+        <p:cNvGrpSpPr/>
+        <p:nvPr/>
+      </p:nvGrpSpPr>
+      <p:grpSpPr>
+        <a:xfrm>
+          <a:off x="0" y="0"/>
+          <a:ext cx="0" cy="0"/>
+          <a:chOff x="0" y="0"/>
+          <a:chExt cx="0" cy="0"/>
+        </a:xfrm>
+      </p:grpSpPr>
+      <p:sp>
+        <p:nvSpPr>
+          <p:cNvPr id="2" name="Slide Image Placeholder 1"/>
+          <p:cNvSpPr>
+            <a:spLocks noGrp="1" noRot="1" noChangeAspect="1"/>
+          </p:cNvSpPr>
+          <p:nvPr>
+            <p:ph type="sldImg"/>
+          </p:nvPr>
+        </p:nvSpPr>
+        <p:spPr/>
+      </p:sp>
+      <p:sp>
+        <p:nvSpPr>
+          <p:cNvPr id="3" name="Notes Placeholder 2"/>
+          <p:cNvSpPr>
+            <a:spLocks noGrp="1"/>
+          </p:cNvSpPr>
+          <p:nvPr>
+            <p:ph type="body" idx="1"/>
+          </p:nvPr>
+        </p:nvSpPr>
+        <p:spPr/>
+        <p:txBody>
+          <a:bodyPr/>
+          <a:lstStyle/>
+          <a:p>
+            <a:endParaRPr lang="en-IE" dirty="0"/>
+          </a:p>
+          <a:p>
+            <a:pPr marL="0" marR="0" lvl="0" indent="0" algn="l" defTabSz="914400" rtl="0" eaLnBrk="1" fontAlgn="auto" latinLnBrk="0" hangingPunct="1">
+              <a:lnSpc>
+                <a:spcPct val="100000"/>
+              </a:lnSpc>
+              <a:spcBef>
+                <a:spcPts val="0"/>
+              </a:spcBef>
+              <a:spcAft>
+                <a:spcPts val="0"/>
+              </a:spcAft>
+              <a:buClrTx/>
+              <a:buSzTx/>
+              <a:buFontTx/>
+              <a:buNone/>
+              <a:tabLst/>
+              <a:defRPr/>
+            </a:pPr>
+            <a:r>
+              <a:rPr lang="en-GB" sz="1200" b="1" i="0" kern="1200" dirty="0">
+                <a:solidFill>
+                  <a:schemeClr val="tx1"/>
+                </a:solidFill>
+                <a:effectLst/>
+                <a:latin typeface="+mn-lt"/>
+                <a:ea typeface="+mn-ea"/>
+                <a:cs typeface="+mn-cs"/>
+              </a:rPr>
+              <a:t>What are virtual machine scale sets?</a:t>
+            </a:r>
+          </a:p>
+          <a:p>
+            <a:r>
+              <a:rPr lang="en-IE" dirty="0"/>
+              <a:t>https://docs.microsoft.com/en-us/azure/virtual-machine-scale-sets/overview</a:t>
+            </a:r>
+          </a:p>
+          <a:p>
+            <a:endParaRPr lang="en-IE" dirty="0"/>
+          </a:p>
+        </p:txBody>
+      </p:sp>
+      <p:sp>
+        <p:nvSpPr>
+          <p:cNvPr id="4" name="Slide Number Placeholder 3"/>
+          <p:cNvSpPr>
+            <a:spLocks noGrp="1"/>
+          </p:cNvSpPr>
+          <p:nvPr>
+            <p:ph type="sldNum" sz="quarter" idx="5"/>
+          </p:nvPr>
+        </p:nvSpPr>
+        <p:spPr/>
+        <p:txBody>
+          <a:bodyPr/>
+          <a:lstStyle/>
+          <a:p>
+            <a:fld id="{FD5B5252-8534-42B9-BEB1-6A93DAA021E2}" type="slidenum">
+              <a:rPr lang="en-IE" smtClean="0"/>
+              <a:t>20</a:t>
+            </a:fld>
+            <a:endParaRPr lang="en-IE"/>
+          </a:p>
+        </p:txBody>
+      </p:sp>
+    </p:spTree>
+    <p:extLst>
+      <p:ext uri="{BB962C8B-B14F-4D97-AF65-F5344CB8AC3E}">
+        <p14:creationId xmlns:p14="http://schemas.microsoft.com/office/powerpoint/2010/main" val="346489748"/>
+      </p:ext>
+    </p:extLst>
+  </p:cSld>
+  <p:clrMapOvr>
+    <a:masterClrMapping/>
+  </p:clrMapOvr>
+</p:notes>
+</file>
+
+<file path=ppt/notesSlides/notesSlide7.xml><?xml version="1.0" encoding="utf-8"?>
+<p:notes xmlns:a="http://schemas.openxmlformats.org/drawingml/2006/main" xmlns:r="http://schemas.openxmlformats.org/officeDocument/2006/relationships" xmlns:p="http://schemas.openxmlformats.org/presentationml/2006/main">
+  <p:cSld>
+    <p:spTree>
+      <p:nvGrpSpPr>
+        <p:cNvPr id="1" name=""/>
+        <p:cNvGrpSpPr/>
+        <p:nvPr/>
+      </p:nvGrpSpPr>
+      <p:grpSpPr>
+        <a:xfrm>
+          <a:off x="0" y="0"/>
+          <a:ext cx="0" cy="0"/>
+          <a:chOff x="0" y="0"/>
+          <a:chExt cx="0" cy="0"/>
+        </a:xfrm>
+      </p:grpSpPr>
+      <p:sp>
+        <p:nvSpPr>
+          <p:cNvPr id="2" name="Slide Image Placeholder 1"/>
+          <p:cNvSpPr>
+            <a:spLocks noGrp="1" noRot="1" noChangeAspect="1"/>
+          </p:cNvSpPr>
+          <p:nvPr>
+            <p:ph type="sldImg"/>
+          </p:nvPr>
+        </p:nvSpPr>
+        <p:spPr/>
+      </p:sp>
+      <p:sp>
+        <p:nvSpPr>
+          <p:cNvPr id="3" name="Notes Placeholder 2"/>
+          <p:cNvSpPr>
+            <a:spLocks noGrp="1"/>
+          </p:cNvSpPr>
+          <p:nvPr>
+            <p:ph type="body" idx="1"/>
+          </p:nvPr>
+        </p:nvSpPr>
+        <p:spPr/>
+        <p:txBody>
+          <a:bodyPr/>
+          <a:lstStyle/>
+          <a:p>
+            <a:endParaRPr lang="en-IE" dirty="0"/>
+          </a:p>
+          <a:p>
+            <a:endParaRPr lang="en-IE" dirty="0"/>
+          </a:p>
+          <a:p>
+            <a:pPr marL="0" marR="0" lvl="0" indent="0" algn="l" defTabSz="914400" rtl="0" eaLnBrk="1" fontAlgn="auto" latinLnBrk="0" hangingPunct="1">
+              <a:lnSpc>
+                <a:spcPct val="100000"/>
+              </a:lnSpc>
+              <a:spcBef>
+                <a:spcPts val="0"/>
+              </a:spcBef>
+              <a:spcAft>
+                <a:spcPts val="0"/>
+              </a:spcAft>
+              <a:buClrTx/>
+              <a:buSzTx/>
+              <a:buFontTx/>
+              <a:buNone/>
+              <a:tabLst/>
+              <a:defRPr/>
+            </a:pPr>
+            <a:r>
+              <a:rPr lang="en-IE" sz="1200" b="1" i="0" kern="1200" dirty="0">
+                <a:solidFill>
+                  <a:schemeClr val="tx1"/>
+                </a:solidFill>
+                <a:effectLst/>
+                <a:latin typeface="+mn-lt"/>
+                <a:ea typeface="+mn-ea"/>
+                <a:cs typeface="+mn-cs"/>
+              </a:rPr>
+              <a:t>Azure Functions hosting options</a:t>
+            </a:r>
+          </a:p>
+          <a:p>
+            <a:r>
+              <a:rPr lang="en-IE" dirty="0"/>
+              <a:t>https://docs.microsoft.com/en-us/azure/azure-functions/functions-scale#scale</a:t>
+            </a:r>
+          </a:p>
+          <a:p>
+            <a:endParaRPr lang="en-IE" dirty="0"/>
+          </a:p>
+        </p:txBody>
+      </p:sp>
+      <p:sp>
+        <p:nvSpPr>
+          <p:cNvPr id="4" name="Slide Number Placeholder 3"/>
+          <p:cNvSpPr>
+            <a:spLocks noGrp="1"/>
+          </p:cNvSpPr>
+          <p:nvPr>
+            <p:ph type="sldNum" sz="quarter" idx="5"/>
+          </p:nvPr>
+        </p:nvSpPr>
+        <p:spPr/>
+        <p:txBody>
+          <a:bodyPr/>
+          <a:lstStyle/>
+          <a:p>
+            <a:fld id="{FD5B5252-8534-42B9-BEB1-6A93DAA021E2}" type="slidenum">
+              <a:rPr lang="en-IE" smtClean="0"/>
+              <a:t>23</a:t>
+            </a:fld>
+            <a:endParaRPr lang="en-IE"/>
+          </a:p>
+        </p:txBody>
+      </p:sp>
+    </p:spTree>
+    <p:extLst>
+      <p:ext uri="{BB962C8B-B14F-4D97-AF65-F5344CB8AC3E}">
+        <p14:creationId xmlns:p14="http://schemas.microsoft.com/office/powerpoint/2010/main" val="350881975"/>
+      </p:ext>
+    </p:extLst>
+  </p:cSld>
+  <p:clrMapOvr>
+    <a:masterClrMapping/>
+  </p:clrMapOvr>
+</p:notes>
+</file>
+
+<file path=ppt/notesSlides/notesSlide8.xml><?xml version="1.0" encoding="utf-8"?>
+<p:notes xmlns:a="http://schemas.openxmlformats.org/drawingml/2006/main" xmlns:r="http://schemas.openxmlformats.org/officeDocument/2006/relationships" xmlns:p="http://schemas.openxmlformats.org/presentationml/2006/main">
+  <p:cSld>
+    <p:spTree>
+      <p:nvGrpSpPr>
+        <p:cNvPr id="1" name=""/>
+        <p:cNvGrpSpPr/>
+        <p:nvPr/>
+      </p:nvGrpSpPr>
+      <p:grpSpPr>
+        <a:xfrm>
+          <a:off x="0" y="0"/>
+          <a:ext cx="0" cy="0"/>
+          <a:chOff x="0" y="0"/>
+          <a:chExt cx="0" cy="0"/>
+        </a:xfrm>
+      </p:grpSpPr>
+      <p:sp>
+        <p:nvSpPr>
+          <p:cNvPr id="2" name="Slide Image Placeholder 1"/>
+          <p:cNvSpPr>
+            <a:spLocks noGrp="1" noRot="1" noChangeAspect="1"/>
+          </p:cNvSpPr>
+          <p:nvPr>
+            <p:ph type="sldImg"/>
+          </p:nvPr>
+        </p:nvSpPr>
+        <p:spPr/>
+      </p:sp>
+      <p:sp>
+        <p:nvSpPr>
+          <p:cNvPr id="3" name="Notes Placeholder 2"/>
+          <p:cNvSpPr>
+            <a:spLocks noGrp="1"/>
+          </p:cNvSpPr>
+          <p:nvPr>
+            <p:ph type="body" idx="1"/>
+          </p:nvPr>
+        </p:nvSpPr>
+        <p:spPr/>
+        <p:txBody>
+          <a:bodyPr/>
+          <a:lstStyle/>
+          <a:p>
+            <a:endParaRPr lang="en-IE" dirty="0"/>
+          </a:p>
+          <a:p>
+            <a:r>
+              <a:rPr lang="en-IE" dirty="0"/>
+              <a:t>There are 500+ Azure Services available for creation, it’s easier to disable everything and only allow necessary resources. </a:t>
+            </a:r>
+          </a:p>
+        </p:txBody>
+      </p:sp>
+      <p:sp>
+        <p:nvSpPr>
+          <p:cNvPr id="4" name="Slide Number Placeholder 3"/>
+          <p:cNvSpPr>
+            <a:spLocks noGrp="1"/>
+          </p:cNvSpPr>
+          <p:nvPr>
+            <p:ph type="sldNum" sz="quarter" idx="5"/>
+          </p:nvPr>
+        </p:nvSpPr>
+        <p:spPr/>
+        <p:txBody>
+          <a:bodyPr/>
+          <a:lstStyle/>
+          <a:p>
+            <a:fld id="{FD5B5252-8534-42B9-BEB1-6A93DAA021E2}" type="slidenum">
+              <a:rPr lang="en-IE" smtClean="0"/>
+              <a:t>24</a:t>
             </a:fld>
             <a:endParaRPr lang="en-IE"/>
           </a:p>
@@ -11877,7 +15912,7 @@
           <a:p>
             <a:fld id="{7821E7CA-480C-4350-9AB0-12AB79674909}" type="datetimeFigureOut">
               <a:rPr lang="en-IE" smtClean="0"/>
-              <a:t>10/06/2021</a:t>
+              <a:t>15/06/2021</a:t>
             </a:fld>
             <a:endParaRPr lang="en-IE"/>
           </a:p>
@@ -12077,7 +16112,7 @@
           <a:p>
             <a:fld id="{7821E7CA-480C-4350-9AB0-12AB79674909}" type="datetimeFigureOut">
               <a:rPr lang="en-IE" smtClean="0"/>
-              <a:t>10/06/2021</a:t>
+              <a:t>15/06/2021</a:t>
             </a:fld>
             <a:endParaRPr lang="en-IE"/>
           </a:p>
@@ -12287,7 +16322,7 @@
           <a:p>
             <a:fld id="{7821E7CA-480C-4350-9AB0-12AB79674909}" type="datetimeFigureOut">
               <a:rPr lang="en-IE" smtClean="0"/>
-              <a:t>10/06/2021</a:t>
+              <a:t>15/06/2021</a:t>
             </a:fld>
             <a:endParaRPr lang="en-IE"/>
           </a:p>
@@ -12487,7 +16522,7 @@
           <a:p>
             <a:fld id="{7821E7CA-480C-4350-9AB0-12AB79674909}" type="datetimeFigureOut">
               <a:rPr lang="en-IE" smtClean="0"/>
-              <a:t>10/06/2021</a:t>
+              <a:t>15/06/2021</a:t>
             </a:fld>
             <a:endParaRPr lang="en-IE"/>
           </a:p>
@@ -12763,7 +16798,7 @@
           <a:p>
             <a:fld id="{7821E7CA-480C-4350-9AB0-12AB79674909}" type="datetimeFigureOut">
               <a:rPr lang="en-IE" smtClean="0"/>
-              <a:t>10/06/2021</a:t>
+              <a:t>15/06/2021</a:t>
             </a:fld>
             <a:endParaRPr lang="en-IE"/>
           </a:p>
@@ -13031,7 +17066,7 @@
           <a:p>
             <a:fld id="{7821E7CA-480C-4350-9AB0-12AB79674909}" type="datetimeFigureOut">
               <a:rPr lang="en-IE" smtClean="0"/>
-              <a:t>10/06/2021</a:t>
+              <a:t>15/06/2021</a:t>
             </a:fld>
             <a:endParaRPr lang="en-IE"/>
           </a:p>
@@ -13446,7 +17481,7 @@
           <a:p>
             <a:fld id="{7821E7CA-480C-4350-9AB0-12AB79674909}" type="datetimeFigureOut">
               <a:rPr lang="en-IE" smtClean="0"/>
-              <a:t>10/06/2021</a:t>
+              <a:t>15/06/2021</a:t>
             </a:fld>
             <a:endParaRPr lang="en-IE"/>
           </a:p>
@@ -13588,7 +17623,7 @@
           <a:p>
             <a:fld id="{7821E7CA-480C-4350-9AB0-12AB79674909}" type="datetimeFigureOut">
               <a:rPr lang="en-IE" smtClean="0"/>
-              <a:t>10/06/2021</a:t>
+              <a:t>15/06/2021</a:t>
             </a:fld>
             <a:endParaRPr lang="en-IE"/>
           </a:p>
@@ -13701,7 +17736,7 @@
           <a:p>
             <a:fld id="{7821E7CA-480C-4350-9AB0-12AB79674909}" type="datetimeFigureOut">
               <a:rPr lang="en-IE" smtClean="0"/>
-              <a:t>10/06/2021</a:t>
+              <a:t>15/06/2021</a:t>
             </a:fld>
             <a:endParaRPr lang="en-IE"/>
           </a:p>
@@ -14014,7 +18049,7 @@
           <a:p>
             <a:fld id="{7821E7CA-480C-4350-9AB0-12AB79674909}" type="datetimeFigureOut">
               <a:rPr lang="en-IE" smtClean="0"/>
-              <a:t>10/06/2021</a:t>
+              <a:t>15/06/2021</a:t>
             </a:fld>
             <a:endParaRPr lang="en-IE"/>
           </a:p>
@@ -14303,7 +18338,7 @@
           <a:p>
             <a:fld id="{7821E7CA-480C-4350-9AB0-12AB79674909}" type="datetimeFigureOut">
               <a:rPr lang="en-IE" smtClean="0"/>
-              <a:t>10/06/2021</a:t>
+              <a:t>15/06/2021</a:t>
             </a:fld>
             <a:endParaRPr lang="en-IE"/>
           </a:p>
@@ -14546,7 +18581,7 @@
           <a:p>
             <a:fld id="{7821E7CA-480C-4350-9AB0-12AB79674909}" type="datetimeFigureOut">
               <a:rPr lang="en-IE" smtClean="0"/>
-              <a:t>10/06/2021</a:t>
+              <a:t>15/06/2021</a:t>
             </a:fld>
             <a:endParaRPr lang="en-IE"/>
           </a:p>
@@ -15054,6 +19089,104 @@
           <p:cNvPr id="2" name="Title 1">
             <a:extLst>
               <a:ext uri="{FF2B5EF4-FFF2-40B4-BE49-F238E27FC236}">
+                <a16:creationId xmlns:a16="http://schemas.microsoft.com/office/drawing/2014/main" id="{8D9531F3-4BCA-403B-85AF-ECB6899BF3B2}"/>
+              </a:ext>
+            </a:extLst>
+          </p:cNvPr>
+          <p:cNvSpPr>
+            <a:spLocks noGrp="1"/>
+          </p:cNvSpPr>
+          <p:nvPr>
+            <p:ph type="title"/>
+          </p:nvPr>
+        </p:nvSpPr>
+        <p:spPr/>
+        <p:txBody>
+          <a:bodyPr/>
+          <a:lstStyle/>
+          <a:p>
+            <a:r>
+              <a:rPr lang="en-IE" dirty="0"/>
+              <a:t>Culture</a:t>
+            </a:r>
+          </a:p>
+        </p:txBody>
+      </p:sp>
+      <p:sp>
+        <p:nvSpPr>
+          <p:cNvPr id="3" name="Content Placeholder 2">
+            <a:extLst>
+              <a:ext uri="{FF2B5EF4-FFF2-40B4-BE49-F238E27FC236}">
+                <a16:creationId xmlns:a16="http://schemas.microsoft.com/office/drawing/2014/main" id="{21C29860-20AE-49ED-B87F-83B6CD182C5A}"/>
+              </a:ext>
+            </a:extLst>
+          </p:cNvPr>
+          <p:cNvSpPr>
+            <a:spLocks noGrp="1"/>
+          </p:cNvSpPr>
+          <p:nvPr>
+            <p:ph idx="1"/>
+          </p:nvPr>
+        </p:nvSpPr>
+        <p:spPr/>
+        <p:txBody>
+          <a:bodyPr/>
+          <a:lstStyle/>
+          <a:p>
+            <a:r>
+              <a:rPr lang="en-IE" dirty="0"/>
+              <a:t>Introduce the importance from the beginning (onboarding)</a:t>
+            </a:r>
+          </a:p>
+          <a:p>
+            <a:r>
+              <a:rPr lang="en-IE" dirty="0"/>
+              <a:t>Continuously promote sustainability</a:t>
+            </a:r>
+          </a:p>
+          <a:p>
+            <a:r>
+              <a:rPr lang="en-IE" dirty="0"/>
+              <a:t>Encourage resource conservation</a:t>
+            </a:r>
+          </a:p>
+        </p:txBody>
+      </p:sp>
+    </p:spTree>
+    <p:extLst>
+      <p:ext uri="{BB962C8B-B14F-4D97-AF65-F5344CB8AC3E}">
+        <p14:creationId xmlns:p14="http://schemas.microsoft.com/office/powerpoint/2010/main" val="820100686"/>
+      </p:ext>
+    </p:extLst>
+  </p:cSld>
+  <p:clrMapOvr>
+    <a:masterClrMapping/>
+  </p:clrMapOvr>
+</p:sld>
+</file>
+
+<file path=ppt/slides/slide11.xml><?xml version="1.0" encoding="utf-8"?>
+<p:sld xmlns:a="http://schemas.openxmlformats.org/drawingml/2006/main" xmlns:r="http://schemas.openxmlformats.org/officeDocument/2006/relationships" xmlns:p="http://schemas.openxmlformats.org/presentationml/2006/main">
+  <p:cSld>
+    <p:spTree>
+      <p:nvGrpSpPr>
+        <p:cNvPr id="1" name=""/>
+        <p:cNvGrpSpPr/>
+        <p:nvPr/>
+      </p:nvGrpSpPr>
+      <p:grpSpPr>
+        <a:xfrm>
+          <a:off x="0" y="0"/>
+          <a:ext cx="0" cy="0"/>
+          <a:chOff x="0" y="0"/>
+          <a:chExt cx="0" cy="0"/>
+        </a:xfrm>
+      </p:grpSpPr>
+      <p:sp>
+        <p:nvSpPr>
+          <p:cNvPr id="2" name="Title 1">
+            <a:extLst>
+              <a:ext uri="{FF2B5EF4-FFF2-40B4-BE49-F238E27FC236}">
                 <a16:creationId xmlns:a16="http://schemas.microsoft.com/office/drawing/2014/main" id="{216E715E-E185-4610-929B-A24BAF862E96}"/>
               </a:ext>
             </a:extLst>
@@ -15119,7 +19252,93 @@
 </p:sld>
 </file>
 
-<file path=ppt/slides/slide11.xml><?xml version="1.0" encoding="utf-8"?>
+<file path=ppt/slides/slide12.xml><?xml version="1.0" encoding="utf-8"?>
+<p:sld xmlns:a="http://schemas.openxmlformats.org/drawingml/2006/main" xmlns:r="http://schemas.openxmlformats.org/officeDocument/2006/relationships" xmlns:p="http://schemas.openxmlformats.org/presentationml/2006/main">
+  <p:cSld>
+    <p:spTree>
+      <p:nvGrpSpPr>
+        <p:cNvPr id="1" name=""/>
+        <p:cNvGrpSpPr/>
+        <p:nvPr/>
+      </p:nvGrpSpPr>
+      <p:grpSpPr>
+        <a:xfrm>
+          <a:off x="0" y="0"/>
+          <a:ext cx="0" cy="0"/>
+          <a:chOff x="0" y="0"/>
+          <a:chExt cx="0" cy="0"/>
+        </a:xfrm>
+      </p:grpSpPr>
+      <p:sp>
+        <p:nvSpPr>
+          <p:cNvPr id="2" name="Title 1">
+            <a:extLst>
+              <a:ext uri="{FF2B5EF4-FFF2-40B4-BE49-F238E27FC236}">
+                <a16:creationId xmlns:a16="http://schemas.microsoft.com/office/drawing/2014/main" id="{E281AD0A-74AF-4A56-8583-3C08F8D34DF8}"/>
+              </a:ext>
+            </a:extLst>
+          </p:cNvPr>
+          <p:cNvSpPr>
+            <a:spLocks noGrp="1"/>
+          </p:cNvSpPr>
+          <p:nvPr>
+            <p:ph type="title"/>
+          </p:nvPr>
+        </p:nvSpPr>
+        <p:spPr/>
+        <p:txBody>
+          <a:bodyPr/>
+          <a:lstStyle/>
+          <a:p>
+            <a:r>
+              <a:rPr lang="en-IE" dirty="0"/>
+              <a:t>Report granularity</a:t>
+            </a:r>
+          </a:p>
+        </p:txBody>
+      </p:sp>
+      <p:sp>
+        <p:nvSpPr>
+          <p:cNvPr id="3" name="Content Placeholder 2">
+            <a:extLst>
+              <a:ext uri="{FF2B5EF4-FFF2-40B4-BE49-F238E27FC236}">
+                <a16:creationId xmlns:a16="http://schemas.microsoft.com/office/drawing/2014/main" id="{EC58F889-CD5B-4F4D-984E-7DB1F831106D}"/>
+              </a:ext>
+            </a:extLst>
+          </p:cNvPr>
+          <p:cNvSpPr>
+            <a:spLocks noGrp="1"/>
+          </p:cNvSpPr>
+          <p:nvPr>
+            <p:ph idx="1"/>
+          </p:nvPr>
+        </p:nvSpPr>
+        <p:spPr/>
+        <p:txBody>
+          <a:bodyPr/>
+          <a:lstStyle/>
+          <a:p>
+            <a:r>
+              <a:rPr lang="en-IE" dirty="0"/>
+              <a:t>Tags can be used to mark resources per Department/Project</a:t>
+            </a:r>
+          </a:p>
+        </p:txBody>
+      </p:sp>
+    </p:spTree>
+    <p:extLst>
+      <p:ext uri="{BB962C8B-B14F-4D97-AF65-F5344CB8AC3E}">
+        <p14:creationId xmlns:p14="http://schemas.microsoft.com/office/powerpoint/2010/main" val="855628807"/>
+      </p:ext>
+    </p:extLst>
+  </p:cSld>
+  <p:clrMapOvr>
+    <a:masterClrMapping/>
+  </p:clrMapOvr>
+</p:sld>
+</file>
+
+<file path=ppt/slides/slide13.xml><?xml version="1.0" encoding="utf-8"?>
 <p:sld xmlns:a="http://schemas.openxmlformats.org/drawingml/2006/main" xmlns:r="http://schemas.openxmlformats.org/officeDocument/2006/relationships" xmlns:p="http://schemas.openxmlformats.org/presentationml/2006/main">
   <p:cSld>
     <p:spTree>
@@ -15206,7 +19425,7 @@
 </p:sld>
 </file>
 
-<file path=ppt/slides/slide12.xml><?xml version="1.0" encoding="utf-8"?>
+<file path=ppt/slides/slide14.xml><?xml version="1.0" encoding="utf-8"?>
 <p:sld xmlns:a="http://schemas.openxmlformats.org/drawingml/2006/main" xmlns:r="http://schemas.openxmlformats.org/officeDocument/2006/relationships" xmlns:p="http://schemas.openxmlformats.org/presentationml/2006/main">
   <p:cSld>
     <p:spTree>
@@ -15293,7 +19512,7 @@
 </p:sld>
 </file>
 
-<file path=ppt/slides/slide13.xml><?xml version="1.0" encoding="utf-8"?>
+<file path=ppt/slides/slide15.xml><?xml version="1.0" encoding="utf-8"?>
 <p:sld xmlns:a="http://schemas.openxmlformats.org/drawingml/2006/main" xmlns:r="http://schemas.openxmlformats.org/officeDocument/2006/relationships" xmlns:p="http://schemas.openxmlformats.org/presentationml/2006/main">
   <p:cSld>
     <p:spTree>
@@ -15392,7 +19611,7 @@
 </p:sld>
 </file>
 
-<file path=ppt/slides/slide14.xml><?xml version="1.0" encoding="utf-8"?>
+<file path=ppt/slides/slide16.xml><?xml version="1.0" encoding="utf-8"?>
 <p:sld xmlns:a="http://schemas.openxmlformats.org/drawingml/2006/main" xmlns:r="http://schemas.openxmlformats.org/officeDocument/2006/relationships" xmlns:p="http://schemas.openxmlformats.org/presentationml/2006/main">
   <p:cSld>
     <p:spTree>
@@ -15481,7 +19700,90 @@
 </p:sld>
 </file>
 
-<file path=ppt/slides/slide15.xml><?xml version="1.0" encoding="utf-8"?>
+<file path=ppt/slides/slide17.xml><?xml version="1.0" encoding="utf-8"?>
+<p:sld xmlns:a="http://schemas.openxmlformats.org/drawingml/2006/main" xmlns:r="http://schemas.openxmlformats.org/officeDocument/2006/relationships" xmlns:p="http://schemas.openxmlformats.org/presentationml/2006/main">
+  <p:cSld>
+    <p:spTree>
+      <p:nvGrpSpPr>
+        <p:cNvPr id="1" name=""/>
+        <p:cNvGrpSpPr/>
+        <p:nvPr/>
+      </p:nvGrpSpPr>
+      <p:grpSpPr>
+        <a:xfrm>
+          <a:off x="0" y="0"/>
+          <a:ext cx="0" cy="0"/>
+          <a:chOff x="0" y="0"/>
+          <a:chExt cx="0" cy="0"/>
+        </a:xfrm>
+      </p:grpSpPr>
+      <p:sp>
+        <p:nvSpPr>
+          <p:cNvPr id="4" name="Title 3">
+            <a:extLst>
+              <a:ext uri="{FF2B5EF4-FFF2-40B4-BE49-F238E27FC236}">
+                <a16:creationId xmlns:a16="http://schemas.microsoft.com/office/drawing/2014/main" id="{39DE5782-985B-47CF-9A3F-637C7FC2C62B}"/>
+              </a:ext>
+            </a:extLst>
+          </p:cNvPr>
+          <p:cNvSpPr>
+            <a:spLocks noGrp="1"/>
+          </p:cNvSpPr>
+          <p:nvPr>
+            <p:ph type="title"/>
+          </p:nvPr>
+        </p:nvSpPr>
+        <p:spPr/>
+        <p:txBody>
+          <a:bodyPr/>
+          <a:lstStyle/>
+          <a:p>
+            <a:r>
+              <a:rPr lang="en-IE" dirty="0"/>
+              <a:t>Per Service Optimizations</a:t>
+            </a:r>
+          </a:p>
+        </p:txBody>
+      </p:sp>
+      <p:sp>
+        <p:nvSpPr>
+          <p:cNvPr id="5" name="Text Placeholder 4">
+            <a:extLst>
+              <a:ext uri="{FF2B5EF4-FFF2-40B4-BE49-F238E27FC236}">
+                <a16:creationId xmlns:a16="http://schemas.microsoft.com/office/drawing/2014/main" id="{0AE0E2C5-04A8-48F0-B6FE-BB370F1617F5}"/>
+              </a:ext>
+            </a:extLst>
+          </p:cNvPr>
+          <p:cNvSpPr>
+            <a:spLocks noGrp="1"/>
+          </p:cNvSpPr>
+          <p:nvPr>
+            <p:ph type="body" idx="1"/>
+          </p:nvPr>
+        </p:nvSpPr>
+        <p:spPr/>
+        <p:txBody>
+          <a:bodyPr/>
+          <a:lstStyle/>
+          <a:p>
+            <a:endParaRPr lang="en-IE" dirty="0"/>
+          </a:p>
+        </p:txBody>
+      </p:sp>
+    </p:spTree>
+    <p:extLst>
+      <p:ext uri="{BB962C8B-B14F-4D97-AF65-F5344CB8AC3E}">
+        <p14:creationId xmlns:p14="http://schemas.microsoft.com/office/powerpoint/2010/main" val="1439840507"/>
+      </p:ext>
+    </p:extLst>
+  </p:cSld>
+  <p:clrMapOvr>
+    <a:masterClrMapping/>
+  </p:clrMapOvr>
+</p:sld>
+</file>
+
+<file path=ppt/slides/slide18.xml><?xml version="1.0" encoding="utf-8"?>
 <p:sld xmlns:a="http://schemas.openxmlformats.org/drawingml/2006/main" xmlns:r="http://schemas.openxmlformats.org/officeDocument/2006/relationships" xmlns:p="http://schemas.openxmlformats.org/presentationml/2006/main">
   <p:cSld>
     <p:spTree>
@@ -15605,7 +19907,7 @@
 </p:sld>
 </file>
 
-<file path=ppt/slides/slide16.xml><?xml version="1.0" encoding="utf-8"?>
+<file path=ppt/slides/slide19.xml><?xml version="1.0" encoding="utf-8"?>
 <p:sld xmlns:a="http://schemas.openxmlformats.org/drawingml/2006/main" xmlns:r="http://schemas.openxmlformats.org/officeDocument/2006/relationships" xmlns:p="http://schemas.openxmlformats.org/presentationml/2006/main">
   <p:cSld>
     <p:spTree>
@@ -15643,7 +19945,10 @@
           <a:bodyPr/>
           <a:lstStyle/>
           <a:p>
-            <a:endParaRPr lang="en-IE"/>
+            <a:r>
+              <a:rPr lang="en-IE" dirty="0"/>
+              <a:t>Dev/Test workload optimizations</a:t>
+            </a:r>
           </a:p>
         </p:txBody>
       </p:sp>
@@ -15668,7 +19973,55 @@
           <a:bodyPr/>
           <a:lstStyle/>
           <a:p>
-            <a:endParaRPr lang="en-IE"/>
+            <a:r>
+              <a:rPr lang="en-IE" dirty="0"/>
+              <a:t>Visual Studio Subscriptions, </a:t>
+            </a:r>
+            <a:r>
+              <a:rPr lang="en-IE"/>
+              <a:t>Azure Dev/Test</a:t>
+            </a:r>
+            <a:endParaRPr lang="en-IE" dirty="0"/>
+          </a:p>
+          <a:p>
+            <a:pPr lvl="1"/>
+            <a:r>
+              <a:rPr lang="en-IE" dirty="0"/>
+              <a:t>Azure credits </a:t>
+            </a:r>
+          </a:p>
+          <a:p>
+            <a:pPr lvl="1"/>
+            <a:r>
+              <a:rPr lang="en-IE" dirty="0"/>
+              <a:t>Cheaper resources</a:t>
+            </a:r>
+          </a:p>
+          <a:p>
+            <a:pPr lvl="1"/>
+            <a:r>
+              <a:rPr lang="en-IE" dirty="0"/>
+              <a:t>Dev/Test licenses </a:t>
+            </a:r>
+          </a:p>
+          <a:p>
+            <a:r>
+              <a:rPr lang="en-IE" dirty="0"/>
+              <a:t>Dev/Test Licenses for SQL Server</a:t>
+            </a:r>
+          </a:p>
+          <a:p>
+            <a:r>
+              <a:rPr lang="en-IE" dirty="0"/>
+              <a:t>Azure Dev/Test</a:t>
+            </a:r>
+          </a:p>
+          <a:p>
+            <a:pPr lvl="1"/>
+            <a:r>
+              <a:rPr lang="en-IE" dirty="0"/>
+              <a:t>Combines with Azure Reservations for further discounts</a:t>
+            </a:r>
           </a:p>
         </p:txBody>
       </p:sp>
@@ -15676,309 +20029,6 @@
     <p:extLst>
       <p:ext uri="{BB962C8B-B14F-4D97-AF65-F5344CB8AC3E}">
         <p14:creationId xmlns:p14="http://schemas.microsoft.com/office/powerpoint/2010/main" val="3163337946"/>
-      </p:ext>
-    </p:extLst>
-  </p:cSld>
-  <p:clrMapOvr>
-    <a:masterClrMapping/>
-  </p:clrMapOvr>
-</p:sld>
-</file>
-
-<file path=ppt/slides/slide17.xml><?xml version="1.0" encoding="utf-8"?>
-<p:sld xmlns:a="http://schemas.openxmlformats.org/drawingml/2006/main" xmlns:r="http://schemas.openxmlformats.org/officeDocument/2006/relationships" xmlns:p="http://schemas.openxmlformats.org/presentationml/2006/main">
-  <p:cSld>
-    <p:spTree>
-      <p:nvGrpSpPr>
-        <p:cNvPr id="1" name=""/>
-        <p:cNvGrpSpPr/>
-        <p:nvPr/>
-      </p:nvGrpSpPr>
-      <p:grpSpPr>
-        <a:xfrm>
-          <a:off x="0" y="0"/>
-          <a:ext cx="0" cy="0"/>
-          <a:chOff x="0" y="0"/>
-          <a:chExt cx="0" cy="0"/>
-        </a:xfrm>
-      </p:grpSpPr>
-      <p:sp>
-        <p:nvSpPr>
-          <p:cNvPr id="2" name="Title 1">
-            <a:extLst>
-              <a:ext uri="{FF2B5EF4-FFF2-40B4-BE49-F238E27FC236}">
-                <a16:creationId xmlns:a16="http://schemas.microsoft.com/office/drawing/2014/main" id="{1B4E742A-3D37-4EA7-9A83-37CD68CA7F7C}"/>
-              </a:ext>
-            </a:extLst>
-          </p:cNvPr>
-          <p:cNvSpPr>
-            <a:spLocks noGrp="1"/>
-          </p:cNvSpPr>
-          <p:nvPr>
-            <p:ph type="title"/>
-          </p:nvPr>
-        </p:nvSpPr>
-        <p:spPr/>
-        <p:txBody>
-          <a:bodyPr/>
-          <a:lstStyle/>
-          <a:p>
-            <a:r>
-              <a:rPr lang="en-IE" dirty="0"/>
-              <a:t>Azure VM Optimizations</a:t>
-            </a:r>
-          </a:p>
-        </p:txBody>
-      </p:sp>
-      <p:sp>
-        <p:nvSpPr>
-          <p:cNvPr id="3" name="Content Placeholder 2">
-            <a:extLst>
-              <a:ext uri="{FF2B5EF4-FFF2-40B4-BE49-F238E27FC236}">
-                <a16:creationId xmlns:a16="http://schemas.microsoft.com/office/drawing/2014/main" id="{E884581F-23BF-43FF-BC4D-2DD94E04B1D8}"/>
-              </a:ext>
-            </a:extLst>
-          </p:cNvPr>
-          <p:cNvSpPr>
-            <a:spLocks noGrp="1"/>
-          </p:cNvSpPr>
-          <p:nvPr>
-            <p:ph idx="1"/>
-          </p:nvPr>
-        </p:nvSpPr>
-        <p:spPr/>
-        <p:txBody>
-          <a:bodyPr/>
-          <a:lstStyle/>
-          <a:p>
-            <a:r>
-              <a:rPr lang="en-IE" dirty="0"/>
-              <a:t>Size optimizations</a:t>
-            </a:r>
-          </a:p>
-          <a:p>
-            <a:r>
-              <a:rPr lang="en-IE" dirty="0"/>
-              <a:t>Scale optimizations</a:t>
-            </a:r>
-          </a:p>
-          <a:p>
-            <a:pPr lvl="1"/>
-            <a:r>
-              <a:rPr lang="en-IE" dirty="0"/>
-              <a:t>Vertical scale – requires a reboot</a:t>
-            </a:r>
-          </a:p>
-          <a:p>
-            <a:pPr lvl="1"/>
-            <a:r>
-              <a:rPr lang="en-IE" dirty="0"/>
-              <a:t>Horizontal scale – add/remove VMs as needed</a:t>
-            </a:r>
-          </a:p>
-        </p:txBody>
-      </p:sp>
-    </p:spTree>
-    <p:extLst>
-      <p:ext uri="{BB962C8B-B14F-4D97-AF65-F5344CB8AC3E}">
-        <p14:creationId xmlns:p14="http://schemas.microsoft.com/office/powerpoint/2010/main" val="2959680776"/>
-      </p:ext>
-    </p:extLst>
-  </p:cSld>
-  <p:clrMapOvr>
-    <a:masterClrMapping/>
-  </p:clrMapOvr>
-</p:sld>
-</file>
-
-<file path=ppt/slides/slide18.xml><?xml version="1.0" encoding="utf-8"?>
-<p:sld xmlns:a="http://schemas.openxmlformats.org/drawingml/2006/main" xmlns:r="http://schemas.openxmlformats.org/officeDocument/2006/relationships" xmlns:p="http://schemas.openxmlformats.org/presentationml/2006/main">
-  <p:cSld>
-    <p:spTree>
-      <p:nvGrpSpPr>
-        <p:cNvPr id="1" name=""/>
-        <p:cNvGrpSpPr/>
-        <p:nvPr/>
-      </p:nvGrpSpPr>
-      <p:grpSpPr>
-        <a:xfrm>
-          <a:off x="0" y="0"/>
-          <a:ext cx="0" cy="0"/>
-          <a:chOff x="0" y="0"/>
-          <a:chExt cx="0" cy="0"/>
-        </a:xfrm>
-      </p:grpSpPr>
-      <p:sp>
-        <p:nvSpPr>
-          <p:cNvPr id="2" name="Title 1">
-            <a:extLst>
-              <a:ext uri="{FF2B5EF4-FFF2-40B4-BE49-F238E27FC236}">
-                <a16:creationId xmlns:a16="http://schemas.microsoft.com/office/drawing/2014/main" id="{0A4AD6B7-9405-4774-9B6E-E2D8D0DD39E3}"/>
-              </a:ext>
-            </a:extLst>
-          </p:cNvPr>
-          <p:cNvSpPr>
-            <a:spLocks noGrp="1"/>
-          </p:cNvSpPr>
-          <p:nvPr>
-            <p:ph type="title"/>
-          </p:nvPr>
-        </p:nvSpPr>
-        <p:spPr/>
-        <p:txBody>
-          <a:bodyPr/>
-          <a:lstStyle/>
-          <a:p>
-            <a:pPr algn="ctr"/>
-            <a:r>
-              <a:rPr lang="en-IE" dirty="0"/>
-              <a:t>Azure Policies Examples</a:t>
-            </a:r>
-          </a:p>
-        </p:txBody>
-      </p:sp>
-      <p:sp>
-        <p:nvSpPr>
-          <p:cNvPr id="3" name="Content Placeholder 2">
-            <a:extLst>
-              <a:ext uri="{FF2B5EF4-FFF2-40B4-BE49-F238E27FC236}">
-                <a16:creationId xmlns:a16="http://schemas.microsoft.com/office/drawing/2014/main" id="{E8E92A55-54D9-46CA-BFA2-C915545785EE}"/>
-              </a:ext>
-            </a:extLst>
-          </p:cNvPr>
-          <p:cNvSpPr>
-            <a:spLocks noGrp="1"/>
-          </p:cNvSpPr>
-          <p:nvPr>
-            <p:ph idx="1"/>
-          </p:nvPr>
-        </p:nvSpPr>
-        <p:spPr/>
-        <p:txBody>
-          <a:bodyPr/>
-          <a:lstStyle/>
-          <a:p>
-            <a:r>
-              <a:rPr lang="en-IE" dirty="0"/>
-              <a:t>Limit </a:t>
-            </a:r>
-            <a:r>
-              <a:rPr lang="en-IE" dirty="0" err="1"/>
-              <a:t>vCores</a:t>
-            </a:r>
-            <a:r>
-              <a:rPr lang="en-IE" dirty="0"/>
-              <a:t> available for Developers</a:t>
-            </a:r>
-          </a:p>
-          <a:p>
-            <a:r>
-              <a:rPr lang="en-IE" dirty="0"/>
-              <a:t>Limit resources available for creation  </a:t>
-            </a:r>
-          </a:p>
-          <a:p>
-            <a:endParaRPr lang="en-IE" dirty="0"/>
-          </a:p>
-        </p:txBody>
-      </p:sp>
-    </p:spTree>
-    <p:extLst>
-      <p:ext uri="{BB962C8B-B14F-4D97-AF65-F5344CB8AC3E}">
-        <p14:creationId xmlns:p14="http://schemas.microsoft.com/office/powerpoint/2010/main" val="2506567211"/>
-      </p:ext>
-    </p:extLst>
-  </p:cSld>
-  <p:clrMapOvr>
-    <a:masterClrMapping/>
-  </p:clrMapOvr>
-</p:sld>
-</file>
-
-<file path=ppt/slides/slide19.xml><?xml version="1.0" encoding="utf-8"?>
-<p:sld xmlns:a="http://schemas.openxmlformats.org/drawingml/2006/main" xmlns:r="http://schemas.openxmlformats.org/officeDocument/2006/relationships" xmlns:p="http://schemas.openxmlformats.org/presentationml/2006/main">
-  <p:cSld>
-    <p:spTree>
-      <p:nvGrpSpPr>
-        <p:cNvPr id="1" name=""/>
-        <p:cNvGrpSpPr/>
-        <p:nvPr/>
-      </p:nvGrpSpPr>
-      <p:grpSpPr>
-        <a:xfrm>
-          <a:off x="0" y="0"/>
-          <a:ext cx="0" cy="0"/>
-          <a:chOff x="0" y="0"/>
-          <a:chExt cx="0" cy="0"/>
-        </a:xfrm>
-      </p:grpSpPr>
-      <p:sp>
-        <p:nvSpPr>
-          <p:cNvPr id="2" name="Title 1">
-            <a:extLst>
-              <a:ext uri="{FF2B5EF4-FFF2-40B4-BE49-F238E27FC236}">
-                <a16:creationId xmlns:a16="http://schemas.microsoft.com/office/drawing/2014/main" id="{C3EC0BE2-7873-4D7D-99FD-4F0BB147D5F1}"/>
-              </a:ext>
-            </a:extLst>
-          </p:cNvPr>
-          <p:cNvSpPr>
-            <a:spLocks noGrp="1"/>
-          </p:cNvSpPr>
-          <p:nvPr>
-            <p:ph type="title"/>
-          </p:nvPr>
-        </p:nvSpPr>
-        <p:spPr/>
-        <p:txBody>
-          <a:bodyPr/>
-          <a:lstStyle/>
-          <a:p>
-            <a:pPr algn="ctr"/>
-            <a:r>
-              <a:rPr lang="en-IE" dirty="0"/>
-              <a:t>Demo Azure Monitor?</a:t>
-            </a:r>
-          </a:p>
-        </p:txBody>
-      </p:sp>
-      <p:sp>
-        <p:nvSpPr>
-          <p:cNvPr id="3" name="Content Placeholder 2">
-            <a:extLst>
-              <a:ext uri="{FF2B5EF4-FFF2-40B4-BE49-F238E27FC236}">
-                <a16:creationId xmlns:a16="http://schemas.microsoft.com/office/drawing/2014/main" id="{DC46EE25-6570-4CB3-B5AE-958F1C5D6E17}"/>
-              </a:ext>
-            </a:extLst>
-          </p:cNvPr>
-          <p:cNvSpPr>
-            <a:spLocks noGrp="1"/>
-          </p:cNvSpPr>
-          <p:nvPr>
-            <p:ph idx="1"/>
-          </p:nvPr>
-        </p:nvSpPr>
-        <p:spPr/>
-        <p:txBody>
-          <a:bodyPr/>
-          <a:lstStyle/>
-          <a:p>
-            <a:r>
-              <a:rPr lang="en-IE" dirty="0"/>
-              <a:t>Log information </a:t>
-            </a:r>
-          </a:p>
-          <a:p>
-            <a:r>
-              <a:rPr lang="en-IE" dirty="0"/>
-              <a:t>Create Alert</a:t>
-            </a:r>
-          </a:p>
-        </p:txBody>
-      </p:sp>
-    </p:spTree>
-    <p:extLst>
-      <p:ext uri="{BB962C8B-B14F-4D97-AF65-F5344CB8AC3E}">
-        <p14:creationId xmlns:p14="http://schemas.microsoft.com/office/powerpoint/2010/main" val="694141391"/>
       </p:ext>
     </p:extLst>
   </p:cSld>
@@ -16097,6 +20147,592 @@
 </file>
 
 <file path=ppt/slides/slide20.xml><?xml version="1.0" encoding="utf-8"?>
+<p:sld xmlns:a="http://schemas.openxmlformats.org/drawingml/2006/main" xmlns:r="http://schemas.openxmlformats.org/officeDocument/2006/relationships" xmlns:p="http://schemas.openxmlformats.org/presentationml/2006/main">
+  <p:cSld>
+    <p:spTree>
+      <p:nvGrpSpPr>
+        <p:cNvPr id="1" name=""/>
+        <p:cNvGrpSpPr/>
+        <p:nvPr/>
+      </p:nvGrpSpPr>
+      <p:grpSpPr>
+        <a:xfrm>
+          <a:off x="0" y="0"/>
+          <a:ext cx="0" cy="0"/>
+          <a:chOff x="0" y="0"/>
+          <a:chExt cx="0" cy="0"/>
+        </a:xfrm>
+      </p:grpSpPr>
+      <p:sp>
+        <p:nvSpPr>
+          <p:cNvPr id="2" name="Title 1">
+            <a:extLst>
+              <a:ext uri="{FF2B5EF4-FFF2-40B4-BE49-F238E27FC236}">
+                <a16:creationId xmlns:a16="http://schemas.microsoft.com/office/drawing/2014/main" id="{1B4E742A-3D37-4EA7-9A83-37CD68CA7F7C}"/>
+              </a:ext>
+            </a:extLst>
+          </p:cNvPr>
+          <p:cNvSpPr>
+            <a:spLocks noGrp="1"/>
+          </p:cNvSpPr>
+          <p:nvPr>
+            <p:ph type="title"/>
+          </p:nvPr>
+        </p:nvSpPr>
+        <p:spPr/>
+        <p:txBody>
+          <a:bodyPr/>
+          <a:lstStyle/>
+          <a:p>
+            <a:r>
+              <a:rPr lang="en-IE" dirty="0"/>
+              <a:t>Azure VM Optimizations</a:t>
+            </a:r>
+          </a:p>
+        </p:txBody>
+      </p:sp>
+      <p:sp>
+        <p:nvSpPr>
+          <p:cNvPr id="3" name="Content Placeholder 2">
+            <a:extLst>
+              <a:ext uri="{FF2B5EF4-FFF2-40B4-BE49-F238E27FC236}">
+                <a16:creationId xmlns:a16="http://schemas.microsoft.com/office/drawing/2014/main" id="{E884581F-23BF-43FF-BC4D-2DD94E04B1D8}"/>
+              </a:ext>
+            </a:extLst>
+          </p:cNvPr>
+          <p:cNvSpPr>
+            <a:spLocks noGrp="1"/>
+          </p:cNvSpPr>
+          <p:nvPr>
+            <p:ph idx="1"/>
+          </p:nvPr>
+        </p:nvSpPr>
+        <p:spPr/>
+        <p:txBody>
+          <a:bodyPr/>
+          <a:lstStyle/>
+          <a:p>
+            <a:r>
+              <a:rPr lang="en-IE" dirty="0"/>
+              <a:t>Azure Reservations (1 year, 3 years)</a:t>
+            </a:r>
+          </a:p>
+          <a:p>
+            <a:r>
+              <a:rPr lang="en-IE" dirty="0"/>
+              <a:t>Size optimizations</a:t>
+            </a:r>
+          </a:p>
+          <a:p>
+            <a:r>
+              <a:rPr lang="en-IE" dirty="0"/>
+              <a:t>Scale optimizations</a:t>
+            </a:r>
+          </a:p>
+          <a:p>
+            <a:pPr lvl="1"/>
+            <a:r>
+              <a:rPr lang="en-IE" dirty="0"/>
+              <a:t>Vertical scale – requires a reboot</a:t>
+            </a:r>
+          </a:p>
+          <a:p>
+            <a:pPr lvl="1"/>
+            <a:r>
+              <a:rPr lang="en-IE" dirty="0"/>
+              <a:t>Horizontal scale – add/remove VMs as needed</a:t>
+            </a:r>
+          </a:p>
+        </p:txBody>
+      </p:sp>
+    </p:spTree>
+    <p:extLst>
+      <p:ext uri="{BB962C8B-B14F-4D97-AF65-F5344CB8AC3E}">
+        <p14:creationId xmlns:p14="http://schemas.microsoft.com/office/powerpoint/2010/main" val="2959680776"/>
+      </p:ext>
+    </p:extLst>
+  </p:cSld>
+  <p:clrMapOvr>
+    <a:masterClrMapping/>
+  </p:clrMapOvr>
+</p:sld>
+</file>
+
+<file path=ppt/slides/slide21.xml><?xml version="1.0" encoding="utf-8"?>
+<p:sld xmlns:a="http://schemas.openxmlformats.org/drawingml/2006/main" xmlns:r="http://schemas.openxmlformats.org/officeDocument/2006/relationships" xmlns:p="http://schemas.openxmlformats.org/presentationml/2006/main">
+  <p:cSld>
+    <p:spTree>
+      <p:nvGrpSpPr>
+        <p:cNvPr id="1" name=""/>
+        <p:cNvGrpSpPr/>
+        <p:nvPr/>
+      </p:nvGrpSpPr>
+      <p:grpSpPr>
+        <a:xfrm>
+          <a:off x="0" y="0"/>
+          <a:ext cx="0" cy="0"/>
+          <a:chOff x="0" y="0"/>
+          <a:chExt cx="0" cy="0"/>
+        </a:xfrm>
+      </p:grpSpPr>
+      <p:sp>
+        <p:nvSpPr>
+          <p:cNvPr id="2" name="Title 1">
+            <a:extLst>
+              <a:ext uri="{FF2B5EF4-FFF2-40B4-BE49-F238E27FC236}">
+                <a16:creationId xmlns:a16="http://schemas.microsoft.com/office/drawing/2014/main" id="{35E25410-6209-4400-AB7F-8021D2E1CD28}"/>
+              </a:ext>
+            </a:extLst>
+          </p:cNvPr>
+          <p:cNvSpPr>
+            <a:spLocks noGrp="1"/>
+          </p:cNvSpPr>
+          <p:nvPr>
+            <p:ph type="title"/>
+          </p:nvPr>
+        </p:nvSpPr>
+        <p:spPr/>
+        <p:txBody>
+          <a:bodyPr/>
+          <a:lstStyle/>
+          <a:p>
+            <a:r>
+              <a:rPr lang="en-IE" dirty="0"/>
+              <a:t>Storage optimization </a:t>
+            </a:r>
+          </a:p>
+        </p:txBody>
+      </p:sp>
+      <p:sp>
+        <p:nvSpPr>
+          <p:cNvPr id="3" name="Content Placeholder 2">
+            <a:extLst>
+              <a:ext uri="{FF2B5EF4-FFF2-40B4-BE49-F238E27FC236}">
+                <a16:creationId xmlns:a16="http://schemas.microsoft.com/office/drawing/2014/main" id="{44B11494-2C9C-4008-A739-8DDCF1A4F1D0}"/>
+              </a:ext>
+            </a:extLst>
+          </p:cNvPr>
+          <p:cNvSpPr>
+            <a:spLocks noGrp="1"/>
+          </p:cNvSpPr>
+          <p:nvPr>
+            <p:ph idx="1"/>
+          </p:nvPr>
+        </p:nvSpPr>
+        <p:spPr/>
+        <p:txBody>
+          <a:bodyPr/>
+          <a:lstStyle/>
+          <a:p>
+            <a:r>
+              <a:rPr lang="en-IE" dirty="0"/>
+              <a:t>Use Standard HDD for less demanding workloads</a:t>
+            </a:r>
+          </a:p>
+          <a:p>
+            <a:r>
+              <a:rPr lang="en-IE" dirty="0"/>
+              <a:t>Premium HDDs for more demanding workloads</a:t>
+            </a:r>
+          </a:p>
+          <a:p>
+            <a:r>
+              <a:rPr lang="en-IE" dirty="0"/>
+              <a:t>Tiered storage</a:t>
+            </a:r>
+          </a:p>
+          <a:p>
+            <a:endParaRPr lang="en-IE" dirty="0"/>
+          </a:p>
+        </p:txBody>
+      </p:sp>
+    </p:spTree>
+    <p:extLst>
+      <p:ext uri="{BB962C8B-B14F-4D97-AF65-F5344CB8AC3E}">
+        <p14:creationId xmlns:p14="http://schemas.microsoft.com/office/powerpoint/2010/main" val="1867661302"/>
+      </p:ext>
+    </p:extLst>
+  </p:cSld>
+  <p:clrMapOvr>
+    <a:masterClrMapping/>
+  </p:clrMapOvr>
+</p:sld>
+</file>
+
+<file path=ppt/slides/slide22.xml><?xml version="1.0" encoding="utf-8"?>
+<p:sld xmlns:a="http://schemas.openxmlformats.org/drawingml/2006/main" xmlns:r="http://schemas.openxmlformats.org/officeDocument/2006/relationships" xmlns:p="http://schemas.openxmlformats.org/presentationml/2006/main">
+  <p:cSld>
+    <p:spTree>
+      <p:nvGrpSpPr>
+        <p:cNvPr id="1" name=""/>
+        <p:cNvGrpSpPr/>
+        <p:nvPr/>
+      </p:nvGrpSpPr>
+      <p:grpSpPr>
+        <a:xfrm>
+          <a:off x="0" y="0"/>
+          <a:ext cx="0" cy="0"/>
+          <a:chOff x="0" y="0"/>
+          <a:chExt cx="0" cy="0"/>
+        </a:xfrm>
+      </p:grpSpPr>
+      <p:sp>
+        <p:nvSpPr>
+          <p:cNvPr id="2" name="Title 1">
+            <a:extLst>
+              <a:ext uri="{FF2B5EF4-FFF2-40B4-BE49-F238E27FC236}">
+                <a16:creationId xmlns:a16="http://schemas.microsoft.com/office/drawing/2014/main" id="{BF39B9AA-7916-48BC-8706-4CF96503C51B}"/>
+              </a:ext>
+            </a:extLst>
+          </p:cNvPr>
+          <p:cNvSpPr>
+            <a:spLocks noGrp="1"/>
+          </p:cNvSpPr>
+          <p:nvPr>
+            <p:ph type="title"/>
+          </p:nvPr>
+        </p:nvSpPr>
+        <p:spPr/>
+        <p:txBody>
+          <a:bodyPr/>
+          <a:lstStyle/>
+          <a:p>
+            <a:r>
+              <a:rPr lang="en-IE" dirty="0"/>
+              <a:t>App Service</a:t>
+            </a:r>
+          </a:p>
+        </p:txBody>
+      </p:sp>
+      <p:sp>
+        <p:nvSpPr>
+          <p:cNvPr id="3" name="Content Placeholder 2">
+            <a:extLst>
+              <a:ext uri="{FF2B5EF4-FFF2-40B4-BE49-F238E27FC236}">
+                <a16:creationId xmlns:a16="http://schemas.microsoft.com/office/drawing/2014/main" id="{18129FBF-9716-4536-8F61-CDDF25FAD84F}"/>
+              </a:ext>
+            </a:extLst>
+          </p:cNvPr>
+          <p:cNvSpPr>
+            <a:spLocks noGrp="1"/>
+          </p:cNvSpPr>
+          <p:nvPr>
+            <p:ph idx="1"/>
+          </p:nvPr>
+        </p:nvSpPr>
+        <p:spPr/>
+        <p:txBody>
+          <a:bodyPr/>
+          <a:lstStyle/>
+          <a:p>
+            <a:r>
+              <a:rPr lang="en-IE" dirty="0" err="1"/>
+              <a:t>Autoscale</a:t>
+            </a:r>
+            <a:endParaRPr lang="en-IE" dirty="0"/>
+          </a:p>
+        </p:txBody>
+      </p:sp>
+    </p:spTree>
+    <p:extLst>
+      <p:ext uri="{BB962C8B-B14F-4D97-AF65-F5344CB8AC3E}">
+        <p14:creationId xmlns:p14="http://schemas.microsoft.com/office/powerpoint/2010/main" val="3754942951"/>
+      </p:ext>
+    </p:extLst>
+  </p:cSld>
+  <p:clrMapOvr>
+    <a:masterClrMapping/>
+  </p:clrMapOvr>
+</p:sld>
+</file>
+
+<file path=ppt/slides/slide23.xml><?xml version="1.0" encoding="utf-8"?>
+<p:sld xmlns:a="http://schemas.openxmlformats.org/drawingml/2006/main" xmlns:r="http://schemas.openxmlformats.org/officeDocument/2006/relationships" xmlns:p="http://schemas.openxmlformats.org/presentationml/2006/main">
+  <p:cSld>
+    <p:spTree>
+      <p:nvGrpSpPr>
+        <p:cNvPr id="1" name=""/>
+        <p:cNvGrpSpPr/>
+        <p:nvPr/>
+      </p:nvGrpSpPr>
+      <p:grpSpPr>
+        <a:xfrm>
+          <a:off x="0" y="0"/>
+          <a:ext cx="0" cy="0"/>
+          <a:chOff x="0" y="0"/>
+          <a:chExt cx="0" cy="0"/>
+        </a:xfrm>
+      </p:grpSpPr>
+      <p:sp>
+        <p:nvSpPr>
+          <p:cNvPr id="2" name="Title 1">
+            <a:extLst>
+              <a:ext uri="{FF2B5EF4-FFF2-40B4-BE49-F238E27FC236}">
+                <a16:creationId xmlns:a16="http://schemas.microsoft.com/office/drawing/2014/main" id="{C821A573-97DC-4299-B15C-55D8FBC64B90}"/>
+              </a:ext>
+            </a:extLst>
+          </p:cNvPr>
+          <p:cNvSpPr>
+            <a:spLocks noGrp="1"/>
+          </p:cNvSpPr>
+          <p:nvPr>
+            <p:ph type="title"/>
+          </p:nvPr>
+        </p:nvSpPr>
+        <p:spPr/>
+        <p:txBody>
+          <a:bodyPr/>
+          <a:lstStyle/>
+          <a:p>
+            <a:r>
+              <a:rPr lang="en-IE" dirty="0"/>
+              <a:t>Azure Functions – Pricing plans</a:t>
+            </a:r>
+          </a:p>
+        </p:txBody>
+      </p:sp>
+      <p:graphicFrame>
+        <p:nvGraphicFramePr>
+          <p:cNvPr id="4" name="Content Placeholder 3">
+            <a:extLst>
+              <a:ext uri="{FF2B5EF4-FFF2-40B4-BE49-F238E27FC236}">
+                <a16:creationId xmlns:a16="http://schemas.microsoft.com/office/drawing/2014/main" id="{F4CD4E26-9709-4B3C-960B-8BC3C1276EA7}"/>
+              </a:ext>
+            </a:extLst>
+          </p:cNvPr>
+          <p:cNvGraphicFramePr>
+            <a:graphicFrameLocks noGrp="1"/>
+          </p:cNvGraphicFramePr>
+          <p:nvPr>
+            <p:ph idx="1"/>
+            <p:extLst>
+              <p:ext uri="{D42A27DB-BD31-4B8C-83A1-F6EECF244321}">
+                <p14:modId xmlns:p14="http://schemas.microsoft.com/office/powerpoint/2010/main" val="2565636950"/>
+              </p:ext>
+            </p:extLst>
+          </p:nvPr>
+        </p:nvGraphicFramePr>
+        <p:xfrm>
+          <a:off x="838200" y="1825625"/>
+          <a:ext cx="10515600" cy="4351338"/>
+        </p:xfrm>
+        <a:graphic>
+          <a:graphicData uri="http://schemas.openxmlformats.org/drawingml/2006/diagram">
+            <dgm:relIds xmlns:dgm="http://schemas.openxmlformats.org/drawingml/2006/diagram" xmlns:r="http://schemas.openxmlformats.org/officeDocument/2006/relationships" r:dm="rId3" r:lo="rId4" r:qs="rId5" r:cs="rId6"/>
+          </a:graphicData>
+        </a:graphic>
+      </p:graphicFrame>
+    </p:spTree>
+    <p:extLst>
+      <p:ext uri="{BB962C8B-B14F-4D97-AF65-F5344CB8AC3E}">
+        <p14:creationId xmlns:p14="http://schemas.microsoft.com/office/powerpoint/2010/main" val="940781039"/>
+      </p:ext>
+    </p:extLst>
+  </p:cSld>
+  <p:clrMapOvr>
+    <a:masterClrMapping/>
+  </p:clrMapOvr>
+</p:sld>
+</file>
+
+<file path=ppt/slides/slide24.xml><?xml version="1.0" encoding="utf-8"?>
+<p:sld xmlns:a="http://schemas.openxmlformats.org/drawingml/2006/main" xmlns:r="http://schemas.openxmlformats.org/officeDocument/2006/relationships" xmlns:p="http://schemas.openxmlformats.org/presentationml/2006/main">
+  <p:cSld>
+    <p:spTree>
+      <p:nvGrpSpPr>
+        <p:cNvPr id="1" name=""/>
+        <p:cNvGrpSpPr/>
+        <p:nvPr/>
+      </p:nvGrpSpPr>
+      <p:grpSpPr>
+        <a:xfrm>
+          <a:off x="0" y="0"/>
+          <a:ext cx="0" cy="0"/>
+          <a:chOff x="0" y="0"/>
+          <a:chExt cx="0" cy="0"/>
+        </a:xfrm>
+      </p:grpSpPr>
+      <p:sp>
+        <p:nvSpPr>
+          <p:cNvPr id="2" name="Title 1">
+            <a:extLst>
+              <a:ext uri="{FF2B5EF4-FFF2-40B4-BE49-F238E27FC236}">
+                <a16:creationId xmlns:a16="http://schemas.microsoft.com/office/drawing/2014/main" id="{0A4AD6B7-9405-4774-9B6E-E2D8D0DD39E3}"/>
+              </a:ext>
+            </a:extLst>
+          </p:cNvPr>
+          <p:cNvSpPr>
+            <a:spLocks noGrp="1"/>
+          </p:cNvSpPr>
+          <p:nvPr>
+            <p:ph type="title"/>
+          </p:nvPr>
+        </p:nvSpPr>
+        <p:spPr/>
+        <p:txBody>
+          <a:bodyPr/>
+          <a:lstStyle/>
+          <a:p>
+            <a:pPr algn="ctr"/>
+            <a:r>
+              <a:rPr lang="en-IE" dirty="0"/>
+              <a:t>Azure Policies Examples</a:t>
+            </a:r>
+          </a:p>
+        </p:txBody>
+      </p:sp>
+      <p:sp>
+        <p:nvSpPr>
+          <p:cNvPr id="3" name="Content Placeholder 2">
+            <a:extLst>
+              <a:ext uri="{FF2B5EF4-FFF2-40B4-BE49-F238E27FC236}">
+                <a16:creationId xmlns:a16="http://schemas.microsoft.com/office/drawing/2014/main" id="{E8E92A55-54D9-46CA-BFA2-C915545785EE}"/>
+              </a:ext>
+            </a:extLst>
+          </p:cNvPr>
+          <p:cNvSpPr>
+            <a:spLocks noGrp="1"/>
+          </p:cNvSpPr>
+          <p:nvPr>
+            <p:ph idx="1"/>
+          </p:nvPr>
+        </p:nvSpPr>
+        <p:spPr/>
+        <p:txBody>
+          <a:bodyPr/>
+          <a:lstStyle/>
+          <a:p>
+            <a:r>
+              <a:rPr lang="en-IE" dirty="0"/>
+              <a:t>Limit </a:t>
+            </a:r>
+            <a:r>
+              <a:rPr lang="en-IE" dirty="0" err="1"/>
+              <a:t>vCores</a:t>
+            </a:r>
+            <a:r>
+              <a:rPr lang="en-IE" dirty="0"/>
+              <a:t> available for Developers</a:t>
+            </a:r>
+          </a:p>
+          <a:p>
+            <a:r>
+              <a:rPr lang="en-IE" dirty="0"/>
+              <a:t>Limit resources available for creation  </a:t>
+            </a:r>
+          </a:p>
+          <a:p>
+            <a:endParaRPr lang="en-IE" dirty="0"/>
+          </a:p>
+        </p:txBody>
+      </p:sp>
+    </p:spTree>
+    <p:extLst>
+      <p:ext uri="{BB962C8B-B14F-4D97-AF65-F5344CB8AC3E}">
+        <p14:creationId xmlns:p14="http://schemas.microsoft.com/office/powerpoint/2010/main" val="2506567211"/>
+      </p:ext>
+    </p:extLst>
+  </p:cSld>
+  <p:clrMapOvr>
+    <a:masterClrMapping/>
+  </p:clrMapOvr>
+</p:sld>
+</file>
+
+<file path=ppt/slides/slide25.xml><?xml version="1.0" encoding="utf-8"?>
+<p:sld xmlns:a="http://schemas.openxmlformats.org/drawingml/2006/main" xmlns:r="http://schemas.openxmlformats.org/officeDocument/2006/relationships" xmlns:p="http://schemas.openxmlformats.org/presentationml/2006/main">
+  <p:cSld>
+    <p:spTree>
+      <p:nvGrpSpPr>
+        <p:cNvPr id="1" name=""/>
+        <p:cNvGrpSpPr/>
+        <p:nvPr/>
+      </p:nvGrpSpPr>
+      <p:grpSpPr>
+        <a:xfrm>
+          <a:off x="0" y="0"/>
+          <a:ext cx="0" cy="0"/>
+          <a:chOff x="0" y="0"/>
+          <a:chExt cx="0" cy="0"/>
+        </a:xfrm>
+      </p:grpSpPr>
+      <p:sp>
+        <p:nvSpPr>
+          <p:cNvPr id="2" name="Title 1">
+            <a:extLst>
+              <a:ext uri="{FF2B5EF4-FFF2-40B4-BE49-F238E27FC236}">
+                <a16:creationId xmlns:a16="http://schemas.microsoft.com/office/drawing/2014/main" id="{C3EC0BE2-7873-4D7D-99FD-4F0BB147D5F1}"/>
+              </a:ext>
+            </a:extLst>
+          </p:cNvPr>
+          <p:cNvSpPr>
+            <a:spLocks noGrp="1"/>
+          </p:cNvSpPr>
+          <p:nvPr>
+            <p:ph type="title"/>
+          </p:nvPr>
+        </p:nvSpPr>
+        <p:spPr/>
+        <p:txBody>
+          <a:bodyPr/>
+          <a:lstStyle/>
+          <a:p>
+            <a:pPr algn="ctr"/>
+            <a:r>
+              <a:rPr lang="en-IE" dirty="0"/>
+              <a:t>Demo Azure Monitor?</a:t>
+            </a:r>
+          </a:p>
+        </p:txBody>
+      </p:sp>
+      <p:sp>
+        <p:nvSpPr>
+          <p:cNvPr id="3" name="Content Placeholder 2">
+            <a:extLst>
+              <a:ext uri="{FF2B5EF4-FFF2-40B4-BE49-F238E27FC236}">
+                <a16:creationId xmlns:a16="http://schemas.microsoft.com/office/drawing/2014/main" id="{DC46EE25-6570-4CB3-B5AE-958F1C5D6E17}"/>
+              </a:ext>
+            </a:extLst>
+          </p:cNvPr>
+          <p:cNvSpPr>
+            <a:spLocks noGrp="1"/>
+          </p:cNvSpPr>
+          <p:nvPr>
+            <p:ph idx="1"/>
+          </p:nvPr>
+        </p:nvSpPr>
+        <p:spPr/>
+        <p:txBody>
+          <a:bodyPr/>
+          <a:lstStyle/>
+          <a:p>
+            <a:r>
+              <a:rPr lang="en-IE" dirty="0"/>
+              <a:t>Log information </a:t>
+            </a:r>
+          </a:p>
+          <a:p>
+            <a:r>
+              <a:rPr lang="en-IE" dirty="0"/>
+              <a:t>Create Alert</a:t>
+            </a:r>
+          </a:p>
+        </p:txBody>
+      </p:sp>
+    </p:spTree>
+    <p:extLst>
+      <p:ext uri="{BB962C8B-B14F-4D97-AF65-F5344CB8AC3E}">
+        <p14:creationId xmlns:p14="http://schemas.microsoft.com/office/powerpoint/2010/main" val="694141391"/>
+      </p:ext>
+    </p:extLst>
+  </p:cSld>
+  <p:clrMapOvr>
+    <a:masterClrMapping/>
+  </p:clrMapOvr>
+</p:sld>
+</file>
+
+<file path=ppt/slides/slide26.xml><?xml version="1.0" encoding="utf-8"?>
 <p:sld xmlns:a="http://schemas.openxmlformats.org/drawingml/2006/main" xmlns:r="http://schemas.openxmlformats.org/officeDocument/2006/relationships" xmlns:p="http://schemas.openxmlformats.org/presentationml/2006/main">
   <p:cSld>
     <p:spTree>
@@ -16923,13 +21559,13 @@
         <p:spPr/>
         <p:txBody>
           <a:bodyPr>
-            <a:normAutofit lnSpcReduction="10000"/>
+            <a:normAutofit fontScale="92500" lnSpcReduction="20000"/>
           </a:bodyPr>
           <a:lstStyle/>
           <a:p>
             <a:r>
               <a:rPr lang="en-IE" dirty="0"/>
-              <a:t>High level sponsorship </a:t>
+              <a:t>Stakeholder sponsorship </a:t>
             </a:r>
           </a:p>
           <a:p>
@@ -16987,7 +21623,14 @@
             <a:pPr lvl="1"/>
             <a:r>
               <a:rPr lang="en-IE" dirty="0"/>
-              <a:t>Technology Necessity </a:t>
+              <a:t>Resource Necessity </a:t>
+            </a:r>
+            <a:endParaRPr lang="ru-RU" dirty="0"/>
+          </a:p>
+          <a:p>
+            <a:r>
+              <a:rPr lang="en-IE" dirty="0"/>
+              <a:t>Encourage good behaviour</a:t>
             </a:r>
           </a:p>
           <a:p>

--- a/104-FinOps/Azure FinOps - Introduction.pptx
+++ b/104-FinOps/Azure FinOps - Introduction.pptx
@@ -5,35 +5,50 @@
     <p:sldMasterId id="2147483648" r:id="rId1"/>
   </p:sldMasterIdLst>
   <p:notesMasterIdLst>
-    <p:notesMasterId r:id="rId28"/>
+    <p:notesMasterId r:id="rId43"/>
   </p:notesMasterIdLst>
   <p:sldIdLst>
     <p:sldId id="256" r:id="rId2"/>
     <p:sldId id="257" r:id="rId3"/>
-    <p:sldId id="258" r:id="rId4"/>
-    <p:sldId id="272" r:id="rId5"/>
-    <p:sldId id="259" r:id="rId6"/>
-    <p:sldId id="260" r:id="rId7"/>
-    <p:sldId id="267" r:id="rId8"/>
-    <p:sldId id="261" r:id="rId9"/>
-    <p:sldId id="263" r:id="rId10"/>
-    <p:sldId id="282" r:id="rId11"/>
-    <p:sldId id="266" r:id="rId12"/>
-    <p:sldId id="281" r:id="rId13"/>
-    <p:sldId id="262" r:id="rId14"/>
-    <p:sldId id="264" r:id="rId15"/>
-    <p:sldId id="271" r:id="rId16"/>
-    <p:sldId id="270" r:id="rId17"/>
-    <p:sldId id="277" r:id="rId18"/>
-    <p:sldId id="273" r:id="rId19"/>
-    <p:sldId id="275" r:id="rId20"/>
-    <p:sldId id="274" r:id="rId21"/>
-    <p:sldId id="280" r:id="rId22"/>
-    <p:sldId id="279" r:id="rId23"/>
-    <p:sldId id="278" r:id="rId24"/>
-    <p:sldId id="269" r:id="rId25"/>
-    <p:sldId id="265" r:id="rId26"/>
-    <p:sldId id="268" r:id="rId27"/>
+    <p:sldId id="283" r:id="rId4"/>
+    <p:sldId id="258" r:id="rId5"/>
+    <p:sldId id="272" r:id="rId6"/>
+    <p:sldId id="259" r:id="rId7"/>
+    <p:sldId id="260" r:id="rId8"/>
+    <p:sldId id="267" r:id="rId9"/>
+    <p:sldId id="261" r:id="rId10"/>
+    <p:sldId id="298" r:id="rId11"/>
+    <p:sldId id="284" r:id="rId12"/>
+    <p:sldId id="282" r:id="rId13"/>
+    <p:sldId id="263" r:id="rId14"/>
+    <p:sldId id="289" r:id="rId15"/>
+    <p:sldId id="295" r:id="rId16"/>
+    <p:sldId id="291" r:id="rId17"/>
+    <p:sldId id="292" r:id="rId18"/>
+    <p:sldId id="285" r:id="rId19"/>
+    <p:sldId id="266" r:id="rId20"/>
+    <p:sldId id="296" r:id="rId21"/>
+    <p:sldId id="297" r:id="rId22"/>
+    <p:sldId id="281" r:id="rId23"/>
+    <p:sldId id="262" r:id="rId24"/>
+    <p:sldId id="264" r:id="rId25"/>
+    <p:sldId id="271" r:id="rId26"/>
+    <p:sldId id="270" r:id="rId27"/>
+    <p:sldId id="286" r:id="rId28"/>
+    <p:sldId id="287" r:id="rId29"/>
+    <p:sldId id="277" r:id="rId30"/>
+    <p:sldId id="273" r:id="rId31"/>
+    <p:sldId id="275" r:id="rId32"/>
+    <p:sldId id="274" r:id="rId33"/>
+    <p:sldId id="280" r:id="rId34"/>
+    <p:sldId id="279" r:id="rId35"/>
+    <p:sldId id="278" r:id="rId36"/>
+    <p:sldId id="288" r:id="rId37"/>
+    <p:sldId id="269" r:id="rId38"/>
+    <p:sldId id="293" r:id="rId39"/>
+    <p:sldId id="265" r:id="rId40"/>
+    <p:sldId id="268" r:id="rId41"/>
+    <p:sldId id="294" r:id="rId42"/>
   </p:sldIdLst>
   <p:sldSz cx="12192000" cy="6858000"/>
   <p:notesSz cx="6858000" cy="9144000"/>
@@ -139,28 +154,40 @@
           <p14:sldIdLst>
             <p14:sldId id="256"/>
             <p14:sldId id="257"/>
+            <p14:sldId id="283"/>
             <p14:sldId id="258"/>
             <p14:sldId id="272"/>
             <p14:sldId id="259"/>
             <p14:sldId id="260"/>
             <p14:sldId id="267"/>
             <p14:sldId id="261"/>
+            <p14:sldId id="298"/>
           </p14:sldIdLst>
         </p14:section>
-        <p14:section name="Human Processes" id="{EFE47D5C-8261-4CB1-AA99-AE1ADE9EA428}">
+        <p14:section name="FinOps in Detail" id="{EFE47D5C-8261-4CB1-AA99-AE1ADE9EA428}">
           <p14:sldIdLst>
+            <p14:sldId id="284"/>
+            <p14:sldId id="282"/>
             <p14:sldId id="263"/>
-            <p14:sldId id="282"/>
+            <p14:sldId id="289"/>
+            <p14:sldId id="295"/>
+            <p14:sldId id="291"/>
+            <p14:sldId id="292"/>
           </p14:sldIdLst>
         </p14:section>
         <p14:section name="Tech Processes" id="{62B5BE25-02B5-4483-B8B2-1A3EC7CC1B57}">
           <p14:sldIdLst>
+            <p14:sldId id="285"/>
             <p14:sldId id="266"/>
+            <p14:sldId id="296"/>
+            <p14:sldId id="297"/>
             <p14:sldId id="281"/>
             <p14:sldId id="262"/>
             <p14:sldId id="264"/>
             <p14:sldId id="271"/>
             <p14:sldId id="270"/>
+            <p14:sldId id="286"/>
+            <p14:sldId id="287"/>
           </p14:sldIdLst>
         </p14:section>
         <p14:section name="Optimizations" id="{46A14F90-A4A6-40B0-862A-BF38595701CE}">
@@ -172,13 +199,16 @@
             <p14:sldId id="280"/>
             <p14:sldId id="279"/>
             <p14:sldId id="278"/>
+            <p14:sldId id="288"/>
           </p14:sldIdLst>
         </p14:section>
         <p14:section name="Demos and Exampls" id="{0E63F6F0-7172-4A96-8273-F3AF0705F0E9}">
           <p14:sldIdLst>
             <p14:sldId id="269"/>
+            <p14:sldId id="293"/>
             <p14:sldId id="265"/>
             <p14:sldId id="268"/>
+            <p14:sldId id="294"/>
           </p14:sldIdLst>
         </p14:section>
       </p14:sectionLst>
@@ -14980,7 +15010,7 @@
           <a:p>
             <a:fld id="{FD5B5252-8534-42B9-BEB1-6A93DAA021E2}" type="slidenum">
               <a:rPr lang="en-IE" smtClean="0"/>
-              <a:t>4</a:t>
+              <a:t>5</a:t>
             </a:fld>
             <a:endParaRPr lang="en-IE"/>
           </a:p>
@@ -14990,6 +15020,911 @@
     <p:extLst>
       <p:ext uri="{BB962C8B-B14F-4D97-AF65-F5344CB8AC3E}">
         <p14:creationId xmlns:p14="http://schemas.microsoft.com/office/powerpoint/2010/main" val="4274560165"/>
+      </p:ext>
+    </p:extLst>
+  </p:cSld>
+  <p:clrMapOvr>
+    <a:masterClrMapping/>
+  </p:clrMapOvr>
+</p:notes>
+</file>
+
+<file path=ppt/notesSlides/notesSlide10.xml><?xml version="1.0" encoding="utf-8"?>
+<p:notes xmlns:a="http://schemas.openxmlformats.org/drawingml/2006/main" xmlns:r="http://schemas.openxmlformats.org/officeDocument/2006/relationships" xmlns:p="http://schemas.openxmlformats.org/presentationml/2006/main">
+  <p:cSld>
+    <p:spTree>
+      <p:nvGrpSpPr>
+        <p:cNvPr id="1" name=""/>
+        <p:cNvGrpSpPr/>
+        <p:nvPr/>
+      </p:nvGrpSpPr>
+      <p:grpSpPr>
+        <a:xfrm>
+          <a:off x="0" y="0"/>
+          <a:ext cx="0" cy="0"/>
+          <a:chOff x="0" y="0"/>
+          <a:chExt cx="0" cy="0"/>
+        </a:xfrm>
+      </p:grpSpPr>
+      <p:sp>
+        <p:nvSpPr>
+          <p:cNvPr id="2" name="Slide Image Placeholder 1"/>
+          <p:cNvSpPr>
+            <a:spLocks noGrp="1" noRot="1" noChangeAspect="1"/>
+          </p:cNvSpPr>
+          <p:nvPr>
+            <p:ph type="sldImg"/>
+          </p:nvPr>
+        </p:nvSpPr>
+        <p:spPr/>
+      </p:sp>
+      <p:sp>
+        <p:nvSpPr>
+          <p:cNvPr id="3" name="Notes Placeholder 2"/>
+          <p:cNvSpPr>
+            <a:spLocks noGrp="1"/>
+          </p:cNvSpPr>
+          <p:nvPr>
+            <p:ph type="body" idx="1"/>
+          </p:nvPr>
+        </p:nvSpPr>
+        <p:spPr/>
+        <p:txBody>
+          <a:bodyPr/>
+          <a:lstStyle/>
+          <a:p>
+            <a:endParaRPr lang="en-IE" dirty="0"/>
+          </a:p>
+          <a:p>
+            <a:r>
+              <a:rPr lang="en-IE" dirty="0"/>
+              <a:t>The effect of communicate spending back to the engineers can be dramatic. Feedback </a:t>
+            </a:r>
+          </a:p>
+        </p:txBody>
+      </p:sp>
+      <p:sp>
+        <p:nvSpPr>
+          <p:cNvPr id="4" name="Slide Number Placeholder 3"/>
+          <p:cNvSpPr>
+            <a:spLocks noGrp="1"/>
+          </p:cNvSpPr>
+          <p:nvPr>
+            <p:ph type="sldNum" sz="quarter" idx="5"/>
+          </p:nvPr>
+        </p:nvSpPr>
+        <p:spPr/>
+        <p:txBody>
+          <a:bodyPr/>
+          <a:lstStyle/>
+          <a:p>
+            <a:fld id="{FD5B5252-8534-42B9-BEB1-6A93DAA021E2}" type="slidenum">
+              <a:rPr lang="en-IE" smtClean="0"/>
+              <a:t>21</a:t>
+            </a:fld>
+            <a:endParaRPr lang="en-IE"/>
+          </a:p>
+        </p:txBody>
+      </p:sp>
+    </p:spTree>
+    <p:extLst>
+      <p:ext uri="{BB962C8B-B14F-4D97-AF65-F5344CB8AC3E}">
+        <p14:creationId xmlns:p14="http://schemas.microsoft.com/office/powerpoint/2010/main" val="1125342555"/>
+      </p:ext>
+    </p:extLst>
+  </p:cSld>
+  <p:clrMapOvr>
+    <a:masterClrMapping/>
+  </p:clrMapOvr>
+</p:notes>
+</file>
+
+<file path=ppt/notesSlides/notesSlide11.xml><?xml version="1.0" encoding="utf-8"?>
+<p:notes xmlns:a="http://schemas.openxmlformats.org/drawingml/2006/main" xmlns:r="http://schemas.openxmlformats.org/officeDocument/2006/relationships" xmlns:p="http://schemas.openxmlformats.org/presentationml/2006/main">
+  <p:cSld>
+    <p:spTree>
+      <p:nvGrpSpPr>
+        <p:cNvPr id="1" name=""/>
+        <p:cNvGrpSpPr/>
+        <p:nvPr/>
+      </p:nvGrpSpPr>
+      <p:grpSpPr>
+        <a:xfrm>
+          <a:off x="0" y="0"/>
+          <a:ext cx="0" cy="0"/>
+          <a:chOff x="0" y="0"/>
+          <a:chExt cx="0" cy="0"/>
+        </a:xfrm>
+      </p:grpSpPr>
+      <p:sp>
+        <p:nvSpPr>
+          <p:cNvPr id="2" name="Slide Image Placeholder 1"/>
+          <p:cNvSpPr>
+            <a:spLocks noGrp="1" noRot="1" noChangeAspect="1"/>
+          </p:cNvSpPr>
+          <p:nvPr>
+            <p:ph type="sldImg"/>
+          </p:nvPr>
+        </p:nvSpPr>
+        <p:spPr/>
+      </p:sp>
+      <p:sp>
+        <p:nvSpPr>
+          <p:cNvPr id="3" name="Notes Placeholder 2"/>
+          <p:cNvSpPr>
+            <a:spLocks noGrp="1"/>
+          </p:cNvSpPr>
+          <p:nvPr>
+            <p:ph type="body" idx="1"/>
+          </p:nvPr>
+        </p:nvSpPr>
+        <p:spPr/>
+        <p:txBody>
+          <a:bodyPr/>
+          <a:lstStyle/>
+          <a:p>
+            <a:endParaRPr lang="en-IE" dirty="0"/>
+          </a:p>
+        </p:txBody>
+      </p:sp>
+      <p:sp>
+        <p:nvSpPr>
+          <p:cNvPr id="4" name="Slide Number Placeholder 3"/>
+          <p:cNvSpPr>
+            <a:spLocks noGrp="1"/>
+          </p:cNvSpPr>
+          <p:nvPr>
+            <p:ph type="sldNum" sz="quarter" idx="5"/>
+          </p:nvPr>
+        </p:nvSpPr>
+        <p:spPr/>
+        <p:txBody>
+          <a:bodyPr/>
+          <a:lstStyle/>
+          <a:p>
+            <a:fld id="{FD5B5252-8534-42B9-BEB1-6A93DAA021E2}" type="slidenum">
+              <a:rPr lang="en-IE" smtClean="0"/>
+              <a:t>24</a:t>
+            </a:fld>
+            <a:endParaRPr lang="en-IE"/>
+          </a:p>
+        </p:txBody>
+      </p:sp>
+    </p:spTree>
+    <p:extLst>
+      <p:ext uri="{BB962C8B-B14F-4D97-AF65-F5344CB8AC3E}">
+        <p14:creationId xmlns:p14="http://schemas.microsoft.com/office/powerpoint/2010/main" val="2754962964"/>
+      </p:ext>
+    </p:extLst>
+  </p:cSld>
+  <p:clrMapOvr>
+    <a:masterClrMapping/>
+  </p:clrMapOvr>
+</p:notes>
+</file>
+
+<file path=ppt/notesSlides/notesSlide12.xml><?xml version="1.0" encoding="utf-8"?>
+<p:notes xmlns:a="http://schemas.openxmlformats.org/drawingml/2006/main" xmlns:r="http://schemas.openxmlformats.org/officeDocument/2006/relationships" xmlns:p="http://schemas.openxmlformats.org/presentationml/2006/main">
+  <p:cSld>
+    <p:spTree>
+      <p:nvGrpSpPr>
+        <p:cNvPr id="1" name=""/>
+        <p:cNvGrpSpPr/>
+        <p:nvPr/>
+      </p:nvGrpSpPr>
+      <p:grpSpPr>
+        <a:xfrm>
+          <a:off x="0" y="0"/>
+          <a:ext cx="0" cy="0"/>
+          <a:chOff x="0" y="0"/>
+          <a:chExt cx="0" cy="0"/>
+        </a:xfrm>
+      </p:grpSpPr>
+      <p:sp>
+        <p:nvSpPr>
+          <p:cNvPr id="2" name="Slide Image Placeholder 1"/>
+          <p:cNvSpPr>
+            <a:spLocks noGrp="1" noRot="1" noChangeAspect="1"/>
+          </p:cNvSpPr>
+          <p:nvPr>
+            <p:ph type="sldImg"/>
+          </p:nvPr>
+        </p:nvSpPr>
+        <p:spPr/>
+      </p:sp>
+      <p:sp>
+        <p:nvSpPr>
+          <p:cNvPr id="3" name="Notes Placeholder 2"/>
+          <p:cNvSpPr>
+            <a:spLocks noGrp="1"/>
+          </p:cNvSpPr>
+          <p:nvPr>
+            <p:ph type="body" idx="1"/>
+          </p:nvPr>
+        </p:nvSpPr>
+        <p:spPr/>
+        <p:txBody>
+          <a:bodyPr/>
+          <a:lstStyle/>
+          <a:p>
+            <a:r>
+              <a:rPr lang="en-IE" dirty="0"/>
+              <a:t>https://docs.microsoft.com/en-us/azure/cost-management-billing/costs/cost-mgt-alerts-monitor-usage-spending</a:t>
+            </a:r>
+          </a:p>
+          <a:p>
+            <a:endParaRPr lang="en-IE" dirty="0"/>
+          </a:p>
+        </p:txBody>
+      </p:sp>
+      <p:sp>
+        <p:nvSpPr>
+          <p:cNvPr id="4" name="Slide Number Placeholder 3"/>
+          <p:cNvSpPr>
+            <a:spLocks noGrp="1"/>
+          </p:cNvSpPr>
+          <p:nvPr>
+            <p:ph type="sldNum" sz="quarter" idx="5"/>
+          </p:nvPr>
+        </p:nvSpPr>
+        <p:spPr/>
+        <p:txBody>
+          <a:bodyPr/>
+          <a:lstStyle/>
+          <a:p>
+            <a:fld id="{FD5B5252-8534-42B9-BEB1-6A93DAA021E2}" type="slidenum">
+              <a:rPr lang="en-IE" smtClean="0"/>
+              <a:t>26</a:t>
+            </a:fld>
+            <a:endParaRPr lang="en-IE"/>
+          </a:p>
+        </p:txBody>
+      </p:sp>
+    </p:spTree>
+    <p:extLst>
+      <p:ext uri="{BB962C8B-B14F-4D97-AF65-F5344CB8AC3E}">
+        <p14:creationId xmlns:p14="http://schemas.microsoft.com/office/powerpoint/2010/main" val="3757541100"/>
+      </p:ext>
+    </p:extLst>
+  </p:cSld>
+  <p:clrMapOvr>
+    <a:masterClrMapping/>
+  </p:clrMapOvr>
+</p:notes>
+</file>
+
+<file path=ppt/notesSlides/notesSlide13.xml><?xml version="1.0" encoding="utf-8"?>
+<p:notes xmlns:a="http://schemas.openxmlformats.org/drawingml/2006/main" xmlns:r="http://schemas.openxmlformats.org/officeDocument/2006/relationships" xmlns:p="http://schemas.openxmlformats.org/presentationml/2006/main">
+  <p:cSld>
+    <p:spTree>
+      <p:nvGrpSpPr>
+        <p:cNvPr id="1" name=""/>
+        <p:cNvGrpSpPr/>
+        <p:nvPr/>
+      </p:nvGrpSpPr>
+      <p:grpSpPr>
+        <a:xfrm>
+          <a:off x="0" y="0"/>
+          <a:ext cx="0" cy="0"/>
+          <a:chOff x="0" y="0"/>
+          <a:chExt cx="0" cy="0"/>
+        </a:xfrm>
+      </p:grpSpPr>
+      <p:sp>
+        <p:nvSpPr>
+          <p:cNvPr id="2" name="Slide Image Placeholder 1"/>
+          <p:cNvSpPr>
+            <a:spLocks noGrp="1" noRot="1" noChangeAspect="1"/>
+          </p:cNvSpPr>
+          <p:nvPr>
+            <p:ph type="sldImg"/>
+          </p:nvPr>
+        </p:nvSpPr>
+        <p:spPr/>
+      </p:sp>
+      <p:sp>
+        <p:nvSpPr>
+          <p:cNvPr id="3" name="Notes Placeholder 2"/>
+          <p:cNvSpPr>
+            <a:spLocks noGrp="1"/>
+          </p:cNvSpPr>
+          <p:nvPr>
+            <p:ph type="body" idx="1"/>
+          </p:nvPr>
+        </p:nvSpPr>
+        <p:spPr/>
+        <p:txBody>
+          <a:bodyPr/>
+          <a:lstStyle/>
+          <a:p>
+            <a:endParaRPr lang="en-IE" dirty="0"/>
+          </a:p>
+          <a:p>
+            <a:endParaRPr lang="en-IE" dirty="0"/>
+          </a:p>
+          <a:p>
+            <a:pPr marL="0" marR="0" lvl="0" indent="0" algn="l" defTabSz="914400" rtl="0" eaLnBrk="1" fontAlgn="auto" latinLnBrk="0" hangingPunct="1">
+              <a:lnSpc>
+                <a:spcPct val="100000"/>
+              </a:lnSpc>
+              <a:spcBef>
+                <a:spcPts val="0"/>
+              </a:spcBef>
+              <a:spcAft>
+                <a:spcPts val="0"/>
+              </a:spcAft>
+              <a:buClrTx/>
+              <a:buSzTx/>
+              <a:buFontTx/>
+              <a:buNone/>
+              <a:tabLst/>
+              <a:defRPr/>
+            </a:pPr>
+            <a:r>
+              <a:rPr lang="en-GB" sz="1200" b="1" i="0" kern="1200" dirty="0">
+                <a:solidFill>
+                  <a:schemeClr val="tx1"/>
+                </a:solidFill>
+                <a:effectLst/>
+                <a:latin typeface="+mn-lt"/>
+                <a:ea typeface="+mn-ea"/>
+                <a:cs typeface="+mn-cs"/>
+              </a:rPr>
+              <a:t>Why Azure Dev/Test pricing?</a:t>
+            </a:r>
+          </a:p>
+          <a:p>
+            <a:r>
+              <a:rPr lang="en-IE" dirty="0"/>
+              <a:t>https://azure.microsoft.com/en-us/pricing/dev-test/#overview</a:t>
+            </a:r>
+          </a:p>
+        </p:txBody>
+      </p:sp>
+      <p:sp>
+        <p:nvSpPr>
+          <p:cNvPr id="4" name="Slide Number Placeholder 3"/>
+          <p:cNvSpPr>
+            <a:spLocks noGrp="1"/>
+          </p:cNvSpPr>
+          <p:nvPr>
+            <p:ph type="sldNum" sz="quarter" idx="5"/>
+          </p:nvPr>
+        </p:nvSpPr>
+        <p:spPr/>
+        <p:txBody>
+          <a:bodyPr/>
+          <a:lstStyle/>
+          <a:p>
+            <a:fld id="{FD5B5252-8534-42B9-BEB1-6A93DAA021E2}" type="slidenum">
+              <a:rPr lang="en-IE" smtClean="0"/>
+              <a:t>31</a:t>
+            </a:fld>
+            <a:endParaRPr lang="en-IE"/>
+          </a:p>
+        </p:txBody>
+      </p:sp>
+    </p:spTree>
+    <p:extLst>
+      <p:ext uri="{BB962C8B-B14F-4D97-AF65-F5344CB8AC3E}">
+        <p14:creationId xmlns:p14="http://schemas.microsoft.com/office/powerpoint/2010/main" val="2339023969"/>
+      </p:ext>
+    </p:extLst>
+  </p:cSld>
+  <p:clrMapOvr>
+    <a:masterClrMapping/>
+  </p:clrMapOvr>
+</p:notes>
+</file>
+
+<file path=ppt/notesSlides/notesSlide14.xml><?xml version="1.0" encoding="utf-8"?>
+<p:notes xmlns:a="http://schemas.openxmlformats.org/drawingml/2006/main" xmlns:r="http://schemas.openxmlformats.org/officeDocument/2006/relationships" xmlns:p="http://schemas.openxmlformats.org/presentationml/2006/main">
+  <p:cSld>
+    <p:spTree>
+      <p:nvGrpSpPr>
+        <p:cNvPr id="1" name=""/>
+        <p:cNvGrpSpPr/>
+        <p:nvPr/>
+      </p:nvGrpSpPr>
+      <p:grpSpPr>
+        <a:xfrm>
+          <a:off x="0" y="0"/>
+          <a:ext cx="0" cy="0"/>
+          <a:chOff x="0" y="0"/>
+          <a:chExt cx="0" cy="0"/>
+        </a:xfrm>
+      </p:grpSpPr>
+      <p:sp>
+        <p:nvSpPr>
+          <p:cNvPr id="2" name="Slide Image Placeholder 1"/>
+          <p:cNvSpPr>
+            <a:spLocks noGrp="1" noRot="1" noChangeAspect="1"/>
+          </p:cNvSpPr>
+          <p:nvPr>
+            <p:ph type="sldImg"/>
+          </p:nvPr>
+        </p:nvSpPr>
+        <p:spPr/>
+      </p:sp>
+      <p:sp>
+        <p:nvSpPr>
+          <p:cNvPr id="3" name="Notes Placeholder 2"/>
+          <p:cNvSpPr>
+            <a:spLocks noGrp="1"/>
+          </p:cNvSpPr>
+          <p:nvPr>
+            <p:ph type="body" idx="1"/>
+          </p:nvPr>
+        </p:nvSpPr>
+        <p:spPr/>
+        <p:txBody>
+          <a:bodyPr/>
+          <a:lstStyle/>
+          <a:p>
+            <a:endParaRPr lang="en-IE" dirty="0"/>
+          </a:p>
+          <a:p>
+            <a:pPr marL="0" marR="0" lvl="0" indent="0" algn="l" defTabSz="914400" rtl="0" eaLnBrk="1" fontAlgn="auto" latinLnBrk="0" hangingPunct="1">
+              <a:lnSpc>
+                <a:spcPct val="100000"/>
+              </a:lnSpc>
+              <a:spcBef>
+                <a:spcPts val="0"/>
+              </a:spcBef>
+              <a:spcAft>
+                <a:spcPts val="0"/>
+              </a:spcAft>
+              <a:buClrTx/>
+              <a:buSzTx/>
+              <a:buFontTx/>
+              <a:buNone/>
+              <a:tabLst/>
+              <a:defRPr/>
+            </a:pPr>
+            <a:r>
+              <a:rPr lang="en-GB" sz="1200" b="1" i="0" kern="1200" dirty="0">
+                <a:solidFill>
+                  <a:schemeClr val="tx1"/>
+                </a:solidFill>
+                <a:effectLst/>
+                <a:latin typeface="+mn-lt"/>
+                <a:ea typeface="+mn-ea"/>
+                <a:cs typeface="+mn-cs"/>
+              </a:rPr>
+              <a:t>What are virtual machine scale sets?</a:t>
+            </a:r>
+          </a:p>
+          <a:p>
+            <a:r>
+              <a:rPr lang="en-IE" dirty="0"/>
+              <a:t>https://docs.microsoft.com/en-us/azure/virtual-machine-scale-sets/overview</a:t>
+            </a:r>
+          </a:p>
+          <a:p>
+            <a:endParaRPr lang="en-IE" dirty="0"/>
+          </a:p>
+          <a:p>
+            <a:endParaRPr lang="en-IE" dirty="0"/>
+          </a:p>
+          <a:p>
+            <a:endParaRPr lang="en-IE" dirty="0"/>
+          </a:p>
+          <a:p>
+            <a:pPr marL="0" marR="0" lvl="0" indent="0" algn="l" defTabSz="914400" rtl="0" eaLnBrk="1" fontAlgn="auto" latinLnBrk="0" hangingPunct="1">
+              <a:lnSpc>
+                <a:spcPct val="100000"/>
+              </a:lnSpc>
+              <a:spcBef>
+                <a:spcPts val="0"/>
+              </a:spcBef>
+              <a:spcAft>
+                <a:spcPts val="0"/>
+              </a:spcAft>
+              <a:buClrTx/>
+              <a:buSzTx/>
+              <a:buFontTx/>
+              <a:buNone/>
+              <a:tabLst/>
+              <a:defRPr/>
+            </a:pPr>
+            <a:r>
+              <a:rPr lang="en-GB" sz="1200" b="1" i="0" kern="1200" dirty="0">
+                <a:solidFill>
+                  <a:schemeClr val="tx1"/>
+                </a:solidFill>
+                <a:effectLst/>
+                <a:latin typeface="+mn-lt"/>
+                <a:ea typeface="+mn-ea"/>
+                <a:cs typeface="+mn-cs"/>
+              </a:rPr>
+              <a:t>Use Azure Spot Virtual Machines</a:t>
+            </a:r>
+          </a:p>
+          <a:p>
+            <a:r>
+              <a:rPr lang="en-IE" dirty="0"/>
+              <a:t>https://docs.microsoft.com/en-us/azure/virtual-machines/spot-vms</a:t>
+            </a:r>
+          </a:p>
+          <a:p>
+            <a:endParaRPr lang="en-IE" dirty="0"/>
+          </a:p>
+        </p:txBody>
+      </p:sp>
+      <p:sp>
+        <p:nvSpPr>
+          <p:cNvPr id="4" name="Slide Number Placeholder 3"/>
+          <p:cNvSpPr>
+            <a:spLocks noGrp="1"/>
+          </p:cNvSpPr>
+          <p:nvPr>
+            <p:ph type="sldNum" sz="quarter" idx="5"/>
+          </p:nvPr>
+        </p:nvSpPr>
+        <p:spPr/>
+        <p:txBody>
+          <a:bodyPr/>
+          <a:lstStyle/>
+          <a:p>
+            <a:fld id="{FD5B5252-8534-42B9-BEB1-6A93DAA021E2}" type="slidenum">
+              <a:rPr lang="en-IE" smtClean="0"/>
+              <a:t>32</a:t>
+            </a:fld>
+            <a:endParaRPr lang="en-IE"/>
+          </a:p>
+        </p:txBody>
+      </p:sp>
+    </p:spTree>
+    <p:extLst>
+      <p:ext uri="{BB962C8B-B14F-4D97-AF65-F5344CB8AC3E}">
+        <p14:creationId xmlns:p14="http://schemas.microsoft.com/office/powerpoint/2010/main" val="346489748"/>
+      </p:ext>
+    </p:extLst>
+  </p:cSld>
+  <p:clrMapOvr>
+    <a:masterClrMapping/>
+  </p:clrMapOvr>
+</p:notes>
+</file>
+
+<file path=ppt/notesSlides/notesSlide15.xml><?xml version="1.0" encoding="utf-8"?>
+<p:notes xmlns:a="http://schemas.openxmlformats.org/drawingml/2006/main" xmlns:r="http://schemas.openxmlformats.org/officeDocument/2006/relationships" xmlns:p="http://schemas.openxmlformats.org/presentationml/2006/main">
+  <p:cSld>
+    <p:spTree>
+      <p:nvGrpSpPr>
+        <p:cNvPr id="1" name=""/>
+        <p:cNvGrpSpPr/>
+        <p:nvPr/>
+      </p:nvGrpSpPr>
+      <p:grpSpPr>
+        <a:xfrm>
+          <a:off x="0" y="0"/>
+          <a:ext cx="0" cy="0"/>
+          <a:chOff x="0" y="0"/>
+          <a:chExt cx="0" cy="0"/>
+        </a:xfrm>
+      </p:grpSpPr>
+      <p:sp>
+        <p:nvSpPr>
+          <p:cNvPr id="2" name="Slide Image Placeholder 1"/>
+          <p:cNvSpPr>
+            <a:spLocks noGrp="1" noRot="1" noChangeAspect="1"/>
+          </p:cNvSpPr>
+          <p:nvPr>
+            <p:ph type="sldImg"/>
+          </p:nvPr>
+        </p:nvSpPr>
+        <p:spPr/>
+      </p:sp>
+      <p:sp>
+        <p:nvSpPr>
+          <p:cNvPr id="3" name="Notes Placeholder 2"/>
+          <p:cNvSpPr>
+            <a:spLocks noGrp="1"/>
+          </p:cNvSpPr>
+          <p:nvPr>
+            <p:ph type="body" idx="1"/>
+          </p:nvPr>
+        </p:nvSpPr>
+        <p:spPr/>
+        <p:txBody>
+          <a:bodyPr/>
+          <a:lstStyle/>
+          <a:p>
+            <a:endParaRPr lang="en-IE" dirty="0"/>
+          </a:p>
+          <a:p>
+            <a:endParaRPr lang="en-IE" dirty="0"/>
+          </a:p>
+          <a:p>
+            <a:pPr marL="0" marR="0" lvl="0" indent="0" algn="l" defTabSz="914400" rtl="0" eaLnBrk="1" fontAlgn="auto" latinLnBrk="0" hangingPunct="1">
+              <a:lnSpc>
+                <a:spcPct val="100000"/>
+              </a:lnSpc>
+              <a:spcBef>
+                <a:spcPts val="0"/>
+              </a:spcBef>
+              <a:spcAft>
+                <a:spcPts val="0"/>
+              </a:spcAft>
+              <a:buClrTx/>
+              <a:buSzTx/>
+              <a:buFontTx/>
+              <a:buNone/>
+              <a:tabLst/>
+              <a:defRPr/>
+            </a:pPr>
+            <a:r>
+              <a:rPr lang="en-IE" sz="1200" b="1" i="0" kern="1200" dirty="0">
+                <a:solidFill>
+                  <a:schemeClr val="tx1"/>
+                </a:solidFill>
+                <a:effectLst/>
+                <a:latin typeface="+mn-lt"/>
+                <a:ea typeface="+mn-ea"/>
+                <a:cs typeface="+mn-cs"/>
+              </a:rPr>
+              <a:t>Azure Functions hosting options</a:t>
+            </a:r>
+          </a:p>
+          <a:p>
+            <a:r>
+              <a:rPr lang="en-IE" dirty="0"/>
+              <a:t>https://docs.microsoft.com/en-us/azure/azure-functions/functions-scale#scale</a:t>
+            </a:r>
+          </a:p>
+          <a:p>
+            <a:endParaRPr lang="en-IE" dirty="0"/>
+          </a:p>
+        </p:txBody>
+      </p:sp>
+      <p:sp>
+        <p:nvSpPr>
+          <p:cNvPr id="4" name="Slide Number Placeholder 3"/>
+          <p:cNvSpPr>
+            <a:spLocks noGrp="1"/>
+          </p:cNvSpPr>
+          <p:nvPr>
+            <p:ph type="sldNum" sz="quarter" idx="5"/>
+          </p:nvPr>
+        </p:nvSpPr>
+        <p:spPr/>
+        <p:txBody>
+          <a:bodyPr/>
+          <a:lstStyle/>
+          <a:p>
+            <a:fld id="{FD5B5252-8534-42B9-BEB1-6A93DAA021E2}" type="slidenum">
+              <a:rPr lang="en-IE" smtClean="0"/>
+              <a:t>35</a:t>
+            </a:fld>
+            <a:endParaRPr lang="en-IE"/>
+          </a:p>
+        </p:txBody>
+      </p:sp>
+    </p:spTree>
+    <p:extLst>
+      <p:ext uri="{BB962C8B-B14F-4D97-AF65-F5344CB8AC3E}">
+        <p14:creationId xmlns:p14="http://schemas.microsoft.com/office/powerpoint/2010/main" val="350881975"/>
+      </p:ext>
+    </p:extLst>
+  </p:cSld>
+  <p:clrMapOvr>
+    <a:masterClrMapping/>
+  </p:clrMapOvr>
+</p:notes>
+</file>
+
+<file path=ppt/notesSlides/notesSlide16.xml><?xml version="1.0" encoding="utf-8"?>
+<p:notes xmlns:a="http://schemas.openxmlformats.org/drawingml/2006/main" xmlns:r="http://schemas.openxmlformats.org/officeDocument/2006/relationships" xmlns:p="http://schemas.openxmlformats.org/presentationml/2006/main">
+  <p:cSld>
+    <p:spTree>
+      <p:nvGrpSpPr>
+        <p:cNvPr id="1" name=""/>
+        <p:cNvGrpSpPr/>
+        <p:nvPr/>
+      </p:nvGrpSpPr>
+      <p:grpSpPr>
+        <a:xfrm>
+          <a:off x="0" y="0"/>
+          <a:ext cx="0" cy="0"/>
+          <a:chOff x="0" y="0"/>
+          <a:chExt cx="0" cy="0"/>
+        </a:xfrm>
+      </p:grpSpPr>
+      <p:sp>
+        <p:nvSpPr>
+          <p:cNvPr id="2" name="Slide Image Placeholder 1"/>
+          <p:cNvSpPr>
+            <a:spLocks noGrp="1" noRot="1" noChangeAspect="1"/>
+          </p:cNvSpPr>
+          <p:nvPr>
+            <p:ph type="sldImg"/>
+          </p:nvPr>
+        </p:nvSpPr>
+        <p:spPr/>
+      </p:sp>
+      <p:sp>
+        <p:nvSpPr>
+          <p:cNvPr id="3" name="Notes Placeholder 2"/>
+          <p:cNvSpPr>
+            <a:spLocks noGrp="1"/>
+          </p:cNvSpPr>
+          <p:nvPr>
+            <p:ph type="body" idx="1"/>
+          </p:nvPr>
+        </p:nvSpPr>
+        <p:spPr/>
+        <p:txBody>
+          <a:bodyPr/>
+          <a:lstStyle/>
+          <a:p>
+            <a:endParaRPr lang="en-IE" dirty="0"/>
+          </a:p>
+          <a:p>
+            <a:r>
+              <a:rPr lang="en-IE" dirty="0"/>
+              <a:t>There are 500+ Azure Services available for creation, it’s easier to disable everything and only allow necessary resources. </a:t>
+            </a:r>
+          </a:p>
+        </p:txBody>
+      </p:sp>
+      <p:sp>
+        <p:nvSpPr>
+          <p:cNvPr id="4" name="Slide Number Placeholder 3"/>
+          <p:cNvSpPr>
+            <a:spLocks noGrp="1"/>
+          </p:cNvSpPr>
+          <p:nvPr>
+            <p:ph type="sldNum" sz="quarter" idx="5"/>
+          </p:nvPr>
+        </p:nvSpPr>
+        <p:spPr/>
+        <p:txBody>
+          <a:bodyPr/>
+          <a:lstStyle/>
+          <a:p>
+            <a:fld id="{FD5B5252-8534-42B9-BEB1-6A93DAA021E2}" type="slidenum">
+              <a:rPr lang="en-IE" smtClean="0"/>
+              <a:t>37</a:t>
+            </a:fld>
+            <a:endParaRPr lang="en-IE"/>
+          </a:p>
+        </p:txBody>
+      </p:sp>
+    </p:spTree>
+    <p:extLst>
+      <p:ext uri="{BB962C8B-B14F-4D97-AF65-F5344CB8AC3E}">
+        <p14:creationId xmlns:p14="http://schemas.microsoft.com/office/powerpoint/2010/main" val="1245362987"/>
+      </p:ext>
+    </p:extLst>
+  </p:cSld>
+  <p:clrMapOvr>
+    <a:masterClrMapping/>
+  </p:clrMapOvr>
+</p:notes>
+</file>
+
+<file path=ppt/notesSlides/notesSlide17.xml><?xml version="1.0" encoding="utf-8"?>
+<p:notes xmlns:a="http://schemas.openxmlformats.org/drawingml/2006/main" xmlns:r="http://schemas.openxmlformats.org/officeDocument/2006/relationships" xmlns:p="http://schemas.openxmlformats.org/presentationml/2006/main">
+  <p:cSld>
+    <p:spTree>
+      <p:nvGrpSpPr>
+        <p:cNvPr id="1" name=""/>
+        <p:cNvGrpSpPr/>
+        <p:nvPr/>
+      </p:nvGrpSpPr>
+      <p:grpSpPr>
+        <a:xfrm>
+          <a:off x="0" y="0"/>
+          <a:ext cx="0" cy="0"/>
+          <a:chOff x="0" y="0"/>
+          <a:chExt cx="0" cy="0"/>
+        </a:xfrm>
+      </p:grpSpPr>
+      <p:sp>
+        <p:nvSpPr>
+          <p:cNvPr id="2" name="Slide Image Placeholder 1"/>
+          <p:cNvSpPr>
+            <a:spLocks noGrp="1" noRot="1" noChangeAspect="1"/>
+          </p:cNvSpPr>
+          <p:nvPr>
+            <p:ph type="sldImg"/>
+          </p:nvPr>
+        </p:nvSpPr>
+        <p:spPr/>
+      </p:sp>
+      <p:sp>
+        <p:nvSpPr>
+          <p:cNvPr id="3" name="Notes Placeholder 2"/>
+          <p:cNvSpPr>
+            <a:spLocks noGrp="1"/>
+          </p:cNvSpPr>
+          <p:nvPr>
+            <p:ph type="body" idx="1"/>
+          </p:nvPr>
+        </p:nvSpPr>
+        <p:spPr/>
+        <p:txBody>
+          <a:bodyPr/>
+          <a:lstStyle/>
+          <a:p>
+            <a:endParaRPr lang="en-IE" dirty="0"/>
+          </a:p>
+          <a:p>
+            <a:endParaRPr lang="en-IE" dirty="0"/>
+          </a:p>
+          <a:p>
+            <a:endParaRPr lang="en-IE" dirty="0"/>
+          </a:p>
+          <a:p>
+            <a:pPr marL="0" marR="0" lvl="0" indent="0" algn="l" defTabSz="914400" rtl="0" eaLnBrk="1" fontAlgn="auto" latinLnBrk="0" hangingPunct="1">
+              <a:lnSpc>
+                <a:spcPct val="100000"/>
+              </a:lnSpc>
+              <a:spcBef>
+                <a:spcPts val="0"/>
+              </a:spcBef>
+              <a:spcAft>
+                <a:spcPts val="0"/>
+              </a:spcAft>
+              <a:buClrTx/>
+              <a:buSzTx/>
+              <a:buFontTx/>
+              <a:buNone/>
+              <a:tabLst/>
+              <a:defRPr/>
+            </a:pPr>
+            <a:r>
+              <a:rPr lang="en-GB" sz="1200" b="1" i="0" kern="1200" dirty="0">
+                <a:solidFill>
+                  <a:schemeClr val="tx1"/>
+                </a:solidFill>
+                <a:effectLst/>
+                <a:latin typeface="+mn-lt"/>
+                <a:ea typeface="+mn-ea"/>
+                <a:cs typeface="+mn-cs"/>
+              </a:rPr>
+              <a:t>Use cost alerts to monitor usage and spending</a:t>
+            </a:r>
+          </a:p>
+          <a:p>
+            <a:r>
+              <a:rPr lang="en-IE" dirty="0"/>
+              <a:t>https://docs.microsoft.com/en-us/azure/cost-management-billing/costs/cost-mgt-alerts-monitor-usage-spending</a:t>
+            </a:r>
+          </a:p>
+          <a:p>
+            <a:endParaRPr lang="en-IE" dirty="0"/>
+          </a:p>
+        </p:txBody>
+      </p:sp>
+      <p:sp>
+        <p:nvSpPr>
+          <p:cNvPr id="4" name="Slide Number Placeholder 3"/>
+          <p:cNvSpPr>
+            <a:spLocks noGrp="1"/>
+          </p:cNvSpPr>
+          <p:nvPr>
+            <p:ph type="sldNum" sz="quarter" idx="5"/>
+          </p:nvPr>
+        </p:nvSpPr>
+        <p:spPr/>
+        <p:txBody>
+          <a:bodyPr/>
+          <a:lstStyle/>
+          <a:p>
+            <a:fld id="{FD5B5252-8534-42B9-BEB1-6A93DAA021E2}" type="slidenum">
+              <a:rPr lang="en-IE" smtClean="0"/>
+              <a:t>41</a:t>
+            </a:fld>
+            <a:endParaRPr lang="en-IE"/>
+          </a:p>
+        </p:txBody>
+      </p:sp>
+    </p:spTree>
+    <p:extLst>
+      <p:ext uri="{BB962C8B-B14F-4D97-AF65-F5344CB8AC3E}">
+        <p14:creationId xmlns:p14="http://schemas.microsoft.com/office/powerpoint/2010/main" val="3323392330"/>
       </p:ext>
     </p:extLst>
   </p:cSld>
@@ -15043,47 +15978,79 @@
           <a:bodyPr/>
           <a:lstStyle/>
           <a:p>
+            <a:r>
+              <a:rPr lang="en-IE" dirty="0"/>
+              <a:t>It is necessary for an organisation to allocate, explain and control cloud spending. </a:t>
+            </a:r>
+          </a:p>
+          <a:p>
             <a:endParaRPr lang="en-IE" dirty="0"/>
           </a:p>
           <a:p>
             <a:endParaRPr lang="en-IE" dirty="0"/>
           </a:p>
           <a:p>
+            <a:r>
+              <a:rPr lang="en-IE" dirty="0"/>
+              <a:t>FinOps term evolution: </a:t>
+            </a:r>
+          </a:p>
+          <a:p>
+            <a:pPr marL="171450" indent="-171450">
+              <a:buFont typeface="Arial" panose="020B0604020202020204" pitchFamily="34" charset="0"/>
+              <a:buChar char="•"/>
+            </a:pPr>
+            <a:r>
+              <a:rPr lang="en-IE" dirty="0"/>
+              <a:t>Cloud cost management</a:t>
+            </a:r>
+          </a:p>
+          <a:p>
+            <a:pPr marL="171450" indent="-171450">
+              <a:buFont typeface="Arial" panose="020B0604020202020204" pitchFamily="34" charset="0"/>
+              <a:buChar char="•"/>
+            </a:pPr>
+            <a:r>
+              <a:rPr lang="en-IE" dirty="0"/>
+              <a:t>Cloud cost optimization </a:t>
+            </a:r>
+          </a:p>
+          <a:p>
+            <a:pPr marL="171450" indent="-171450">
+              <a:buFont typeface="Arial" panose="020B0604020202020204" pitchFamily="34" charset="0"/>
+              <a:buChar char="•"/>
+            </a:pPr>
+            <a:r>
+              <a:rPr lang="en-IE" dirty="0"/>
+              <a:t>Cloud financial management</a:t>
+            </a:r>
+          </a:p>
+          <a:p>
+            <a:pPr marL="0" indent="0">
+              <a:buFont typeface="Arial" panose="020B0604020202020204" pitchFamily="34" charset="0"/>
+              <a:buNone/>
+            </a:pPr>
             <a:endParaRPr lang="en-IE" dirty="0"/>
           </a:p>
           <a:p>
-            <a:pPr marL="0" marR="0" lvl="0" indent="0" algn="l" defTabSz="914400" rtl="0" eaLnBrk="1" fontAlgn="auto" latinLnBrk="0" hangingPunct="1">
-              <a:lnSpc>
-                <a:spcPct val="100000"/>
-              </a:lnSpc>
-              <a:spcBef>
-                <a:spcPts val="0"/>
-              </a:spcBef>
-              <a:spcAft>
-                <a:spcPts val="0"/>
-              </a:spcAft>
-              <a:buClrTx/>
-              <a:buSzTx/>
-              <a:buFontTx/>
+            <a:pPr marL="0" indent="0">
+              <a:buFont typeface="Arial" panose="020B0604020202020204" pitchFamily="34" charset="0"/>
               <a:buNone/>
-              <a:tabLst/>
-              <a:defRPr/>
             </a:pPr>
-            <a:r>
-              <a:rPr lang="en-IE" b="1" dirty="0"/>
-              <a:t>Encourage good behaviour</a:t>
-            </a:r>
-          </a:p>
-          <a:p>
             <a:endParaRPr lang="en-IE" dirty="0"/>
           </a:p>
           <a:p>
-            <a:r>
-              <a:rPr lang="en-IE" dirty="0"/>
-              <a:t>Department that saved on the cloud may receive additional funding for contractors. </a:t>
-            </a:r>
-          </a:p>
-          <a:p>
+            <a:pPr marL="0" indent="0">
+              <a:buFont typeface="Arial" panose="020B0604020202020204" pitchFamily="34" charset="0"/>
+              <a:buNone/>
+            </a:pPr>
+            <a:endParaRPr lang="en-IE" dirty="0"/>
+          </a:p>
+          <a:p>
+            <a:pPr marL="0" indent="0">
+              <a:buFont typeface="Arial" panose="020B0604020202020204" pitchFamily="34" charset="0"/>
+              <a:buNone/>
+            </a:pPr>
             <a:endParaRPr lang="en-IE" dirty="0"/>
           </a:p>
         </p:txBody>
@@ -15114,7 +16081,7 @@
     </p:spTree>
     <p:extLst>
       <p:ext uri="{BB962C8B-B14F-4D97-AF65-F5344CB8AC3E}">
-        <p14:creationId xmlns:p14="http://schemas.microsoft.com/office/powerpoint/2010/main" val="2794908998"/>
+        <p14:creationId xmlns:p14="http://schemas.microsoft.com/office/powerpoint/2010/main" val="1613024647"/>
       </p:ext>
     </p:extLst>
   </p:cSld>
@@ -15168,7 +16135,7 @@
           <a:bodyPr/>
           <a:lstStyle/>
           <a:p>
-            <a:endParaRPr lang="en-IE" dirty="0"/>
+            <a:endParaRPr lang="en-IE"/>
           </a:p>
         </p:txBody>
       </p:sp>
@@ -15189,7 +16156,7 @@
           <a:p>
             <a:fld id="{FD5B5252-8534-42B9-BEB1-6A93DAA021E2}" type="slidenum">
               <a:rPr lang="en-IE" smtClean="0"/>
-              <a:t>14</a:t>
+              <a:t>10</a:t>
             </a:fld>
             <a:endParaRPr lang="en-IE"/>
           </a:p>
@@ -15198,7 +16165,7 @@
     </p:spTree>
     <p:extLst>
       <p:ext uri="{BB962C8B-B14F-4D97-AF65-F5344CB8AC3E}">
-        <p14:creationId xmlns:p14="http://schemas.microsoft.com/office/powerpoint/2010/main" val="2754962964"/>
+        <p14:creationId xmlns:p14="http://schemas.microsoft.com/office/powerpoint/2010/main" val="3923442544"/>
       </p:ext>
     </p:extLst>
   </p:cSld>
@@ -15252,9 +16219,41 @@
           <a:bodyPr/>
           <a:lstStyle/>
           <a:p>
+            <a:endParaRPr lang="en-IE" dirty="0"/>
+          </a:p>
+          <a:p>
+            <a:endParaRPr lang="en-IE" dirty="0"/>
+          </a:p>
+          <a:p>
+            <a:pPr marL="0" marR="0" lvl="0" indent="0" algn="l" defTabSz="914400" rtl="0" eaLnBrk="1" fontAlgn="auto" latinLnBrk="0" hangingPunct="1">
+              <a:lnSpc>
+                <a:spcPct val="100000"/>
+              </a:lnSpc>
+              <a:spcBef>
+                <a:spcPts val="0"/>
+              </a:spcBef>
+              <a:spcAft>
+                <a:spcPts val="0"/>
+              </a:spcAft>
+              <a:buClrTx/>
+              <a:buSzTx/>
+              <a:buFontTx/>
+              <a:buNone/>
+              <a:tabLst/>
+              <a:defRPr/>
+            </a:pPr>
+            <a:r>
+              <a:rPr lang="en-IE" b="1" dirty="0"/>
+              <a:t>Encourage good behaviour</a:t>
+            </a:r>
+          </a:p>
+          <a:p>
+            <a:endParaRPr lang="en-IE" dirty="0"/>
+          </a:p>
+          <a:p>
             <a:r>
               <a:rPr lang="en-IE" dirty="0"/>
-              <a:t>https://docs.microsoft.com/en-us/azure/cost-management-billing/costs/cost-mgt-alerts-monitor-usage-spending</a:t>
+              <a:t>Department that saved on the cloud may receive additional funding for contractors or other vouchers.  </a:t>
             </a:r>
           </a:p>
           <a:p>
@@ -15279,7 +16278,7 @@
           <a:p>
             <a:fld id="{FD5B5252-8534-42B9-BEB1-6A93DAA021E2}" type="slidenum">
               <a:rPr lang="en-IE" smtClean="0"/>
-              <a:t>16</a:t>
+              <a:t>12</a:t>
             </a:fld>
             <a:endParaRPr lang="en-IE"/>
           </a:p>
@@ -15288,7 +16287,7 @@
     </p:spTree>
     <p:extLst>
       <p:ext uri="{BB962C8B-B14F-4D97-AF65-F5344CB8AC3E}">
-        <p14:creationId xmlns:p14="http://schemas.microsoft.com/office/powerpoint/2010/main" val="3757541100"/>
+        <p14:creationId xmlns:p14="http://schemas.microsoft.com/office/powerpoint/2010/main" val="2004688485"/>
       </p:ext>
     </p:extLst>
   </p:cSld>
@@ -15348,41 +16347,10 @@
             <a:endParaRPr lang="en-IE" dirty="0"/>
           </a:p>
           <a:p>
-            <a:pPr marL="0" marR="0" lvl="0" indent="0" algn="l" defTabSz="914400" rtl="0" eaLnBrk="1" fontAlgn="auto" latinLnBrk="0" hangingPunct="1">
-              <a:lnSpc>
-                <a:spcPct val="100000"/>
-              </a:lnSpc>
-              <a:spcBef>
-                <a:spcPts val="0"/>
-              </a:spcBef>
-              <a:spcAft>
-                <a:spcPts val="0"/>
-              </a:spcAft>
-              <a:buClrTx/>
-              <a:buSzTx/>
-              <a:buFontTx/>
-              <a:buNone/>
-              <a:tabLst/>
-              <a:defRPr/>
-            </a:pPr>
-            <a:r>
-              <a:rPr lang="en-GB" sz="1200" b="1" i="0" kern="1200" dirty="0">
-                <a:solidFill>
-                  <a:schemeClr val="tx1"/>
-                </a:solidFill>
-                <a:effectLst/>
-                <a:latin typeface="+mn-lt"/>
-                <a:ea typeface="+mn-ea"/>
-                <a:cs typeface="+mn-cs"/>
-              </a:rPr>
-              <a:t>Why Azure Dev/Test pricing?</a:t>
-            </a:r>
-          </a:p>
-          <a:p>
-            <a:r>
-              <a:rPr lang="en-IE" dirty="0"/>
-              <a:t>https://azure.microsoft.com/en-us/pricing/dev-test/#overview</a:t>
-            </a:r>
+            <a:endParaRPr lang="en-IE" dirty="0"/>
+          </a:p>
+          <a:p>
+            <a:endParaRPr lang="en-IE" dirty="0"/>
           </a:p>
         </p:txBody>
       </p:sp>
@@ -15403,7 +16371,7 @@
           <a:p>
             <a:fld id="{FD5B5252-8534-42B9-BEB1-6A93DAA021E2}" type="slidenum">
               <a:rPr lang="en-IE" smtClean="0"/>
-              <a:t>19</a:t>
+              <a:t>13</a:t>
             </a:fld>
             <a:endParaRPr lang="en-IE"/>
           </a:p>
@@ -15412,7 +16380,7 @@
     </p:spTree>
     <p:extLst>
       <p:ext uri="{BB962C8B-B14F-4D97-AF65-F5344CB8AC3E}">
-        <p14:creationId xmlns:p14="http://schemas.microsoft.com/office/powerpoint/2010/main" val="2339023969"/>
+        <p14:creationId xmlns:p14="http://schemas.microsoft.com/office/powerpoint/2010/main" val="2794908998"/>
       </p:ext>
     </p:extLst>
   </p:cSld>
@@ -15466,9 +16434,6 @@
           <a:bodyPr/>
           <a:lstStyle/>
           <a:p>
-            <a:endParaRPr lang="en-IE" dirty="0"/>
-          </a:p>
-          <a:p>
             <a:pPr marL="0" marR="0" lvl="0" indent="0" algn="l" defTabSz="914400" rtl="0" eaLnBrk="1" fontAlgn="auto" latinLnBrk="0" hangingPunct="1">
               <a:lnSpc>
                 <a:spcPct val="100000"/>
@@ -15487,22 +16452,8 @@
               <a:defRPr/>
             </a:pPr>
             <a:r>
-              <a:rPr lang="en-GB" sz="1200" b="1" i="0" kern="1200" dirty="0">
-                <a:solidFill>
-                  <a:schemeClr val="tx1"/>
-                </a:solidFill>
-                <a:effectLst/>
-                <a:latin typeface="+mn-lt"/>
-                <a:ea typeface="+mn-ea"/>
-                <a:cs typeface="+mn-cs"/>
-              </a:rPr>
-              <a:t>What are virtual machine scale sets?</a:t>
-            </a:r>
-          </a:p>
-          <a:p>
-            <a:r>
               <a:rPr lang="en-IE" dirty="0"/>
-              <a:t>https://docs.microsoft.com/en-us/azure/virtual-machine-scale-sets/overview</a:t>
+              <a:t>Part technical, part manager, part accounting</a:t>
             </a:r>
           </a:p>
           <a:p>
@@ -15527,7 +16478,7 @@
           <a:p>
             <a:fld id="{FD5B5252-8534-42B9-BEB1-6A93DAA021E2}" type="slidenum">
               <a:rPr lang="en-IE" smtClean="0"/>
-              <a:t>20</a:t>
+              <a:t>14</a:t>
             </a:fld>
             <a:endParaRPr lang="en-IE"/>
           </a:p>
@@ -15536,7 +16487,7 @@
     </p:spTree>
     <p:extLst>
       <p:ext uri="{BB962C8B-B14F-4D97-AF65-F5344CB8AC3E}">
-        <p14:creationId xmlns:p14="http://schemas.microsoft.com/office/powerpoint/2010/main" val="346489748"/>
+        <p14:creationId xmlns:p14="http://schemas.microsoft.com/office/powerpoint/2010/main" val="507814250"/>
       </p:ext>
     </p:extLst>
   </p:cSld>
@@ -15596,40 +16547,43 @@
             <a:endParaRPr lang="en-IE" dirty="0"/>
           </a:p>
           <a:p>
-            <a:pPr marL="0" marR="0" lvl="0" indent="0" algn="l" defTabSz="914400" rtl="0" eaLnBrk="1" fontAlgn="auto" latinLnBrk="0" hangingPunct="1">
-              <a:lnSpc>
-                <a:spcPct val="100000"/>
-              </a:lnSpc>
-              <a:spcBef>
-                <a:spcPts val="0"/>
-              </a:spcBef>
-              <a:spcAft>
-                <a:spcPts val="0"/>
-              </a:spcAft>
-              <a:buClrTx/>
-              <a:buSzTx/>
-              <a:buFontTx/>
-              <a:buNone/>
-              <a:tabLst/>
-              <a:defRPr/>
-            </a:pPr>
-            <a:r>
-              <a:rPr lang="en-IE" sz="1200" b="1" i="0" kern="1200" dirty="0">
-                <a:solidFill>
-                  <a:schemeClr val="tx1"/>
-                </a:solidFill>
-                <a:effectLst/>
-                <a:latin typeface="+mn-lt"/>
-                <a:ea typeface="+mn-ea"/>
-                <a:cs typeface="+mn-cs"/>
-              </a:rPr>
-              <a:t>Azure Functions hosting options</a:t>
-            </a:r>
+            <a:endParaRPr lang="en-IE" dirty="0"/>
+          </a:p>
+          <a:p>
+            <a:endParaRPr lang="en-IE" dirty="0"/>
           </a:p>
           <a:p>
             <a:r>
               <a:rPr lang="en-IE" dirty="0"/>
-              <a:t>https://docs.microsoft.com/en-us/azure/azure-functions/functions-scale#scale</a:t>
+              <a:t>DBA refused to discuss low usage DB service ($100 monthly)</a:t>
+            </a:r>
+          </a:p>
+          <a:p>
+            <a:pPr lvl="1"/>
+            <a:r>
+              <a:rPr lang="en-IE" dirty="0"/>
+              <a:t>Pick a phone and call the person</a:t>
+            </a:r>
+          </a:p>
+          <a:p>
+            <a:pPr lvl="1"/>
+            <a:r>
+              <a:rPr lang="en-IE" dirty="0"/>
+              <a:t>Understand the reasoning and service importance</a:t>
+            </a:r>
+          </a:p>
+          <a:p>
+            <a:pPr lvl="1"/>
+            <a:r>
+              <a:rPr lang="en-IE" dirty="0"/>
+              <a:t>Communicate the importance </a:t>
+            </a:r>
+          </a:p>
+          <a:p>
+            <a:pPr lvl="1"/>
+            <a:r>
+              <a:rPr lang="en-IE" dirty="0"/>
+              <a:t>Show historical usage (only 100 per month, but 2400 over last 2 years)</a:t>
             </a:r>
           </a:p>
           <a:p>
@@ -15654,7 +16608,7 @@
           <a:p>
             <a:fld id="{FD5B5252-8534-42B9-BEB1-6A93DAA021E2}" type="slidenum">
               <a:rPr lang="en-IE" smtClean="0"/>
-              <a:t>23</a:t>
+              <a:t>15</a:t>
             </a:fld>
             <a:endParaRPr lang="en-IE"/>
           </a:p>
@@ -15663,7 +16617,7 @@
     </p:spTree>
     <p:extLst>
       <p:ext uri="{BB962C8B-B14F-4D97-AF65-F5344CB8AC3E}">
-        <p14:creationId xmlns:p14="http://schemas.microsoft.com/office/powerpoint/2010/main" val="350881975"/>
+        <p14:creationId xmlns:p14="http://schemas.microsoft.com/office/powerpoint/2010/main" val="2159210761"/>
       </p:ext>
     </p:extLst>
   </p:cSld>
@@ -15717,13 +16671,50 @@
           <a:bodyPr/>
           <a:lstStyle/>
           <a:p>
+            <a:pPr marL="0" marR="0" lvl="0" indent="0" algn="l" defTabSz="914400" rtl="0" eaLnBrk="1" fontAlgn="auto" latinLnBrk="0" hangingPunct="1">
+              <a:lnSpc>
+                <a:spcPct val="100000"/>
+              </a:lnSpc>
+              <a:spcBef>
+                <a:spcPts val="0"/>
+              </a:spcBef>
+              <a:spcAft>
+                <a:spcPts val="0"/>
+              </a:spcAft>
+              <a:buClrTx/>
+              <a:buSzTx/>
+              <a:buFontTx/>
+              <a:buNone/>
+              <a:tabLst/>
+              <a:defRPr/>
+            </a:pPr>
+            <a:r>
+              <a:rPr lang="en-IE" b="1" dirty="0"/>
+              <a:t>Real time reporting is a powerful influence on human behaviour. </a:t>
+            </a:r>
+          </a:p>
+          <a:p>
             <a:endParaRPr lang="en-IE" dirty="0"/>
           </a:p>
           <a:p>
+            <a:endParaRPr lang="en-IE" dirty="0"/>
+          </a:p>
+          <a:p>
+            <a:endParaRPr lang="en-IE" dirty="0"/>
+          </a:p>
+          <a:p>
+            <a:endParaRPr lang="en-IE" dirty="0"/>
+          </a:p>
+          <a:p>
             <a:r>
               <a:rPr lang="en-IE" dirty="0"/>
-              <a:t>There are 500+ Azure Services available for creation, it’s easier to disable everything and only allow necessary resources. </a:t>
-            </a:r>
+              <a:t>Rightsizing - </a:t>
+            </a:r>
+            <a:r>
+              <a:rPr lang="en-GB" dirty="0"/>
+              <a:t>resizing cloud resources to better match workload requirements</a:t>
+            </a:r>
+            <a:endParaRPr lang="en-IE" dirty="0"/>
           </a:p>
         </p:txBody>
       </p:sp>
@@ -15744,7 +16735,7 @@
           <a:p>
             <a:fld id="{FD5B5252-8534-42B9-BEB1-6A93DAA021E2}" type="slidenum">
               <a:rPr lang="en-IE" smtClean="0"/>
-              <a:t>24</a:t>
+              <a:t>16</a:t>
             </a:fld>
             <a:endParaRPr lang="en-IE"/>
           </a:p>
@@ -15753,7 +16744,171 @@
     </p:spTree>
     <p:extLst>
       <p:ext uri="{BB962C8B-B14F-4D97-AF65-F5344CB8AC3E}">
-        <p14:creationId xmlns:p14="http://schemas.microsoft.com/office/powerpoint/2010/main" val="1245362987"/>
+        <p14:creationId xmlns:p14="http://schemas.microsoft.com/office/powerpoint/2010/main" val="3624171313"/>
+      </p:ext>
+    </p:extLst>
+  </p:cSld>
+  <p:clrMapOvr>
+    <a:masterClrMapping/>
+  </p:clrMapOvr>
+</p:notes>
+</file>
+
+<file path=ppt/notesSlides/notesSlide9.xml><?xml version="1.0" encoding="utf-8"?>
+<p:notes xmlns:a="http://schemas.openxmlformats.org/drawingml/2006/main" xmlns:r="http://schemas.openxmlformats.org/officeDocument/2006/relationships" xmlns:p="http://schemas.openxmlformats.org/presentationml/2006/main">
+  <p:cSld>
+    <p:spTree>
+      <p:nvGrpSpPr>
+        <p:cNvPr id="1" name=""/>
+        <p:cNvGrpSpPr/>
+        <p:nvPr/>
+      </p:nvGrpSpPr>
+      <p:grpSpPr>
+        <a:xfrm>
+          <a:off x="0" y="0"/>
+          <a:ext cx="0" cy="0"/>
+          <a:chOff x="0" y="0"/>
+          <a:chExt cx="0" cy="0"/>
+        </a:xfrm>
+      </p:grpSpPr>
+      <p:sp>
+        <p:nvSpPr>
+          <p:cNvPr id="2" name="Slide Image Placeholder 1"/>
+          <p:cNvSpPr>
+            <a:spLocks noGrp="1" noRot="1" noChangeAspect="1"/>
+          </p:cNvSpPr>
+          <p:nvPr>
+            <p:ph type="sldImg"/>
+          </p:nvPr>
+        </p:nvSpPr>
+        <p:spPr/>
+      </p:sp>
+      <p:sp>
+        <p:nvSpPr>
+          <p:cNvPr id="3" name="Notes Placeholder 2"/>
+          <p:cNvSpPr>
+            <a:spLocks noGrp="1"/>
+          </p:cNvSpPr>
+          <p:nvPr>
+            <p:ph type="body" idx="1"/>
+          </p:nvPr>
+        </p:nvSpPr>
+        <p:spPr/>
+        <p:txBody>
+          <a:bodyPr/>
+          <a:lstStyle/>
+          <a:p>
+            <a:endParaRPr lang="en-IE" dirty="0"/>
+          </a:p>
+          <a:p>
+            <a:endParaRPr lang="en-IE" dirty="0"/>
+          </a:p>
+          <a:p>
+            <a:r>
+              <a:rPr lang="en-IE" b="1" dirty="0"/>
+              <a:t>Report Utilization</a:t>
+            </a:r>
+          </a:p>
+          <a:p>
+            <a:pPr marL="0" indent="0">
+              <a:buFont typeface="Arial" panose="020B0604020202020204" pitchFamily="34" charset="0"/>
+              <a:buNone/>
+            </a:pPr>
+            <a:endParaRPr lang="en-IE" dirty="0"/>
+          </a:p>
+          <a:p>
+            <a:pPr marL="0" indent="0">
+              <a:buFont typeface="Arial" panose="020B0604020202020204" pitchFamily="34" charset="0"/>
+              <a:buNone/>
+            </a:pPr>
+            <a:r>
+              <a:rPr lang="en-IE" dirty="0"/>
+              <a:t>Usage metrics for each resource: </a:t>
+            </a:r>
+          </a:p>
+          <a:p>
+            <a:pPr marL="171450" indent="-171450">
+              <a:buFont typeface="Arial" panose="020B0604020202020204" pitchFamily="34" charset="0"/>
+              <a:buChar char="•"/>
+            </a:pPr>
+            <a:r>
+              <a:rPr lang="en-IE" dirty="0"/>
+              <a:t>Number of connections</a:t>
+            </a:r>
+          </a:p>
+          <a:p>
+            <a:pPr marL="171450" indent="-171450">
+              <a:buFont typeface="Arial" panose="020B0604020202020204" pitchFamily="34" charset="0"/>
+              <a:buChar char="•"/>
+            </a:pPr>
+            <a:r>
+              <a:rPr lang="en-IE" dirty="0"/>
+              <a:t>Compute utilisation (CPU, Memory)</a:t>
+            </a:r>
+          </a:p>
+          <a:p>
+            <a:pPr marL="171450" indent="-171450">
+              <a:buFont typeface="Arial" panose="020B0604020202020204" pitchFamily="34" charset="0"/>
+              <a:buChar char="•"/>
+            </a:pPr>
+            <a:r>
+              <a:rPr lang="en-IE" dirty="0"/>
+              <a:t>Storage Utilization </a:t>
+            </a:r>
+          </a:p>
+          <a:p>
+            <a:pPr marL="0" indent="0">
+              <a:buFont typeface="Arial" panose="020B0604020202020204" pitchFamily="34" charset="0"/>
+              <a:buNone/>
+            </a:pPr>
+            <a:endParaRPr lang="en-IE" dirty="0"/>
+          </a:p>
+          <a:p>
+            <a:pPr marL="0" indent="0">
+              <a:buFont typeface="Arial" panose="020B0604020202020204" pitchFamily="34" charset="0"/>
+              <a:buNone/>
+            </a:pPr>
+            <a:r>
+              <a:rPr lang="en-IE" dirty="0"/>
+              <a:t>To catch cases such as 2 weeks no one connected to the database. Why? </a:t>
+            </a:r>
+          </a:p>
+          <a:p>
+            <a:pPr marL="171450" indent="-171450">
+              <a:buFont typeface="Arial" panose="020B0604020202020204" pitchFamily="34" charset="0"/>
+              <a:buChar char="•"/>
+            </a:pPr>
+            <a:endParaRPr lang="en-IE" dirty="0"/>
+          </a:p>
+        </p:txBody>
+      </p:sp>
+      <p:sp>
+        <p:nvSpPr>
+          <p:cNvPr id="4" name="Slide Number Placeholder 3"/>
+          <p:cNvSpPr>
+            <a:spLocks noGrp="1"/>
+          </p:cNvSpPr>
+          <p:nvPr>
+            <p:ph type="sldNum" sz="quarter" idx="5"/>
+          </p:nvPr>
+        </p:nvSpPr>
+        <p:spPr/>
+        <p:txBody>
+          <a:bodyPr/>
+          <a:lstStyle/>
+          <a:p>
+            <a:fld id="{FD5B5252-8534-42B9-BEB1-6A93DAA021E2}" type="slidenum">
+              <a:rPr lang="en-IE" smtClean="0"/>
+              <a:t>17</a:t>
+            </a:fld>
+            <a:endParaRPr lang="en-IE"/>
+          </a:p>
+        </p:txBody>
+      </p:sp>
+    </p:spTree>
+    <p:extLst>
+      <p:ext uri="{BB962C8B-B14F-4D97-AF65-F5344CB8AC3E}">
+        <p14:creationId xmlns:p14="http://schemas.microsoft.com/office/powerpoint/2010/main" val="3186942907"/>
       </p:ext>
     </p:extLst>
   </p:cSld>
@@ -19089,6 +20244,228 @@
           <p:cNvPr id="2" name="Title 1">
             <a:extLst>
               <a:ext uri="{FF2B5EF4-FFF2-40B4-BE49-F238E27FC236}">
+                <a16:creationId xmlns:a16="http://schemas.microsoft.com/office/drawing/2014/main" id="{E0E1D306-B424-4005-8EEB-CB555E8A2CEF}"/>
+              </a:ext>
+            </a:extLst>
+          </p:cNvPr>
+          <p:cNvSpPr>
+            <a:spLocks noGrp="1"/>
+          </p:cNvSpPr>
+          <p:nvPr>
+            <p:ph type="title"/>
+          </p:nvPr>
+        </p:nvSpPr>
+        <p:spPr/>
+        <p:txBody>
+          <a:bodyPr/>
+          <a:lstStyle/>
+          <a:p>
+            <a:r>
+              <a:rPr lang="en-IE" dirty="0"/>
+              <a:t>FinOps Value</a:t>
+            </a:r>
+          </a:p>
+        </p:txBody>
+      </p:sp>
+      <p:sp>
+        <p:nvSpPr>
+          <p:cNvPr id="3" name="Content Placeholder 2">
+            <a:extLst>
+              <a:ext uri="{FF2B5EF4-FFF2-40B4-BE49-F238E27FC236}">
+                <a16:creationId xmlns:a16="http://schemas.microsoft.com/office/drawing/2014/main" id="{2F6DAEDB-04C7-42B0-8CAC-CAD1DB0E6692}"/>
+              </a:ext>
+            </a:extLst>
+          </p:cNvPr>
+          <p:cNvSpPr>
+            <a:spLocks noGrp="1"/>
+          </p:cNvSpPr>
+          <p:nvPr>
+            <p:ph idx="1"/>
+          </p:nvPr>
+        </p:nvSpPr>
+        <p:spPr/>
+        <p:txBody>
+          <a:bodyPr>
+            <a:normAutofit lnSpcReduction="10000"/>
+          </a:bodyPr>
+          <a:lstStyle/>
+          <a:p>
+            <a:r>
+              <a:rPr lang="en-IE" dirty="0"/>
+              <a:t>Accountability of usage pushed to the edge</a:t>
+            </a:r>
+          </a:p>
+          <a:p>
+            <a:r>
+              <a:rPr lang="en-IE" dirty="0"/>
+              <a:t>Product teams are managing their own usage against the budget</a:t>
+            </a:r>
+          </a:p>
+          <a:p>
+            <a:r>
+              <a:rPr lang="en-IE" dirty="0"/>
+              <a:t>Decentralise decision about resource usage and optimizations</a:t>
+            </a:r>
+          </a:p>
+          <a:p>
+            <a:r>
+              <a:rPr lang="en-IE" dirty="0"/>
+              <a:t>Technical teams must consider cost as an efficiency metric</a:t>
+            </a:r>
+          </a:p>
+          <a:p>
+            <a:r>
+              <a:rPr lang="en-IE" dirty="0"/>
+              <a:t>Just in time visibility of cloud cost to all levels</a:t>
+            </a:r>
+          </a:p>
+          <a:p>
+            <a:r>
+              <a:rPr lang="en-IE" dirty="0"/>
+              <a:t>Fast feedback loops changing behaviour </a:t>
+            </a:r>
+          </a:p>
+          <a:p>
+            <a:r>
+              <a:rPr lang="en-IE" dirty="0"/>
+              <a:t>Centralised FinOps reduces duplicated effort </a:t>
+            </a:r>
+          </a:p>
+          <a:p>
+            <a:r>
+              <a:rPr lang="en-IE" dirty="0"/>
+              <a:t>Discount negotiation with cloud vendor is centralised</a:t>
+            </a:r>
+          </a:p>
+          <a:p>
+            <a:r>
+              <a:rPr lang="en-IE" dirty="0"/>
+              <a:t>Continuous adjustments in cloud usage optimisation</a:t>
+            </a:r>
+          </a:p>
+        </p:txBody>
+      </p:sp>
+    </p:spTree>
+    <p:extLst>
+      <p:ext uri="{BB962C8B-B14F-4D97-AF65-F5344CB8AC3E}">
+        <p14:creationId xmlns:p14="http://schemas.microsoft.com/office/powerpoint/2010/main" val="3181923130"/>
+      </p:ext>
+    </p:extLst>
+  </p:cSld>
+  <p:clrMapOvr>
+    <a:masterClrMapping/>
+  </p:clrMapOvr>
+</p:sld>
+</file>
+
+<file path=ppt/slides/slide11.xml><?xml version="1.0" encoding="utf-8"?>
+<p:sld xmlns:a="http://schemas.openxmlformats.org/drawingml/2006/main" xmlns:r="http://schemas.openxmlformats.org/officeDocument/2006/relationships" xmlns:p="http://schemas.openxmlformats.org/presentationml/2006/main">
+  <p:cSld>
+    <p:spTree>
+      <p:nvGrpSpPr>
+        <p:cNvPr id="1" name=""/>
+        <p:cNvGrpSpPr/>
+        <p:nvPr/>
+      </p:nvGrpSpPr>
+      <p:grpSpPr>
+        <a:xfrm>
+          <a:off x="0" y="0"/>
+          <a:ext cx="0" cy="0"/>
+          <a:chOff x="0" y="0"/>
+          <a:chExt cx="0" cy="0"/>
+        </a:xfrm>
+      </p:grpSpPr>
+      <p:sp>
+        <p:nvSpPr>
+          <p:cNvPr id="4" name="Title 3">
+            <a:extLst>
+              <a:ext uri="{FF2B5EF4-FFF2-40B4-BE49-F238E27FC236}">
+                <a16:creationId xmlns:a16="http://schemas.microsoft.com/office/drawing/2014/main" id="{D03756E0-B788-482C-AF27-147F52D9C5FE}"/>
+              </a:ext>
+            </a:extLst>
+          </p:cNvPr>
+          <p:cNvSpPr>
+            <a:spLocks noGrp="1"/>
+          </p:cNvSpPr>
+          <p:nvPr>
+            <p:ph type="title"/>
+          </p:nvPr>
+        </p:nvSpPr>
+        <p:spPr/>
+        <p:txBody>
+          <a:bodyPr/>
+          <a:lstStyle/>
+          <a:p>
+            <a:r>
+              <a:rPr lang="en-IE" dirty="0"/>
+              <a:t>FinOps = </a:t>
+            </a:r>
+          </a:p>
+        </p:txBody>
+      </p:sp>
+      <p:sp>
+        <p:nvSpPr>
+          <p:cNvPr id="5" name="Text Placeholder 4">
+            <a:extLst>
+              <a:ext uri="{FF2B5EF4-FFF2-40B4-BE49-F238E27FC236}">
+                <a16:creationId xmlns:a16="http://schemas.microsoft.com/office/drawing/2014/main" id="{2996A216-4DE1-4088-8420-60D5495C0E99}"/>
+              </a:ext>
+            </a:extLst>
+          </p:cNvPr>
+          <p:cNvSpPr>
+            <a:spLocks noGrp="1"/>
+          </p:cNvSpPr>
+          <p:nvPr>
+            <p:ph type="body" idx="1"/>
+          </p:nvPr>
+        </p:nvSpPr>
+        <p:spPr/>
+        <p:txBody>
+          <a:bodyPr/>
+          <a:lstStyle/>
+          <a:p>
+            <a:r>
+              <a:rPr lang="en-IE" dirty="0"/>
+              <a:t>Real Time Reporting + Just-in-time processes + Teams working together</a:t>
+            </a:r>
+          </a:p>
+        </p:txBody>
+      </p:sp>
+    </p:spTree>
+    <p:extLst>
+      <p:ext uri="{BB962C8B-B14F-4D97-AF65-F5344CB8AC3E}">
+        <p14:creationId xmlns:p14="http://schemas.microsoft.com/office/powerpoint/2010/main" val="387439782"/>
+      </p:ext>
+    </p:extLst>
+  </p:cSld>
+  <p:clrMapOvr>
+    <a:masterClrMapping/>
+  </p:clrMapOvr>
+</p:sld>
+</file>
+
+<file path=ppt/slides/slide12.xml><?xml version="1.0" encoding="utf-8"?>
+<p:sld xmlns:a="http://schemas.openxmlformats.org/drawingml/2006/main" xmlns:r="http://schemas.openxmlformats.org/officeDocument/2006/relationships" xmlns:p="http://schemas.openxmlformats.org/presentationml/2006/main">
+  <p:cSld>
+    <p:spTree>
+      <p:nvGrpSpPr>
+        <p:cNvPr id="1" name=""/>
+        <p:cNvGrpSpPr/>
+        <p:nvPr/>
+      </p:nvGrpSpPr>
+      <p:grpSpPr>
+        <a:xfrm>
+          <a:off x="0" y="0"/>
+          <a:ext cx="0" cy="0"/>
+          <a:chOff x="0" y="0"/>
+          <a:chExt cx="0" cy="0"/>
+        </a:xfrm>
+      </p:grpSpPr>
+      <p:sp>
+        <p:nvSpPr>
+          <p:cNvPr id="2" name="Title 1">
+            <a:extLst>
+              <a:ext uri="{FF2B5EF4-FFF2-40B4-BE49-F238E27FC236}">
                 <a16:creationId xmlns:a16="http://schemas.microsoft.com/office/drawing/2014/main" id="{8D9531F3-4BCA-403B-85AF-ECB6899BF3B2}"/>
               </a:ext>
             </a:extLst>
@@ -19107,7 +20484,7 @@
           <a:p>
             <a:r>
               <a:rPr lang="en-IE" dirty="0"/>
-              <a:t>Culture</a:t>
+              <a:t>Culture Practise</a:t>
             </a:r>
           </a:p>
         </p:txBody>
@@ -19141,6 +20518,12 @@
           <a:p>
             <a:r>
               <a:rPr lang="en-IE" dirty="0"/>
+              <a:t>Regularly promote FinOps (why? And how?)</a:t>
+            </a:r>
+          </a:p>
+          <a:p>
+            <a:r>
+              <a:rPr lang="en-IE" dirty="0"/>
               <a:t>Continuously promote sustainability</a:t>
             </a:r>
           </a:p>
@@ -19148,6 +20531,12 @@
             <a:r>
               <a:rPr lang="en-IE" dirty="0"/>
               <a:t>Encourage resource conservation</a:t>
+            </a:r>
+          </a:p>
+          <a:p>
+            <a:r>
+              <a:rPr lang="en-IE" dirty="0"/>
+              <a:t>Encourage developer to consider resource cost </a:t>
             </a:r>
           </a:p>
         </p:txBody>
@@ -19165,7 +20554,755 @@
 </p:sld>
 </file>
 
-<file path=ppt/slides/slide11.xml><?xml version="1.0" encoding="utf-8"?>
+<file path=ppt/slides/slide13.xml><?xml version="1.0" encoding="utf-8"?>
+<p:sld xmlns:a="http://schemas.openxmlformats.org/drawingml/2006/main" xmlns:r="http://schemas.openxmlformats.org/officeDocument/2006/relationships" xmlns:p="http://schemas.openxmlformats.org/presentationml/2006/main">
+  <p:cSld>
+    <p:spTree>
+      <p:nvGrpSpPr>
+        <p:cNvPr id="1" name=""/>
+        <p:cNvGrpSpPr/>
+        <p:nvPr/>
+      </p:nvGrpSpPr>
+      <p:grpSpPr>
+        <a:xfrm>
+          <a:off x="0" y="0"/>
+          <a:ext cx="0" cy="0"/>
+          <a:chOff x="0" y="0"/>
+          <a:chExt cx="0" cy="0"/>
+        </a:xfrm>
+      </p:grpSpPr>
+      <p:sp>
+        <p:nvSpPr>
+          <p:cNvPr id="2" name="Title 1">
+            <a:extLst>
+              <a:ext uri="{FF2B5EF4-FFF2-40B4-BE49-F238E27FC236}">
+                <a16:creationId xmlns:a16="http://schemas.microsoft.com/office/drawing/2014/main" id="{28E3A9B3-AB84-4176-B460-FABBAAB707A3}"/>
+              </a:ext>
+            </a:extLst>
+          </p:cNvPr>
+          <p:cNvSpPr>
+            <a:spLocks noGrp="1"/>
+          </p:cNvSpPr>
+          <p:nvPr>
+            <p:ph type="title"/>
+          </p:nvPr>
+        </p:nvSpPr>
+        <p:spPr/>
+        <p:txBody>
+          <a:bodyPr/>
+          <a:lstStyle/>
+          <a:p>
+            <a:pPr algn="ctr"/>
+            <a:r>
+              <a:rPr lang="en-IE" dirty="0"/>
+              <a:t>Human processes</a:t>
+            </a:r>
+          </a:p>
+        </p:txBody>
+      </p:sp>
+      <p:sp>
+        <p:nvSpPr>
+          <p:cNvPr id="3" name="Content Placeholder 2">
+            <a:extLst>
+              <a:ext uri="{FF2B5EF4-FFF2-40B4-BE49-F238E27FC236}">
+                <a16:creationId xmlns:a16="http://schemas.microsoft.com/office/drawing/2014/main" id="{CDD6B507-B76B-4193-A193-FA892F215A0C}"/>
+              </a:ext>
+            </a:extLst>
+          </p:cNvPr>
+          <p:cNvSpPr>
+            <a:spLocks noGrp="1"/>
+          </p:cNvSpPr>
+          <p:nvPr>
+            <p:ph idx="1"/>
+          </p:nvPr>
+        </p:nvSpPr>
+        <p:spPr/>
+        <p:txBody>
+          <a:bodyPr>
+            <a:normAutofit/>
+          </a:bodyPr>
+          <a:lstStyle/>
+          <a:p>
+            <a:r>
+              <a:rPr lang="en-IE" dirty="0"/>
+              <a:t>Stakeholder sponsorship </a:t>
+            </a:r>
+          </a:p>
+          <a:p>
+            <a:r>
+              <a:rPr lang="en-IE" dirty="0"/>
+              <a:t>Separation of responsibilities </a:t>
+            </a:r>
+          </a:p>
+          <a:p>
+            <a:r>
+              <a:rPr lang="en-IE" dirty="0"/>
+              <a:t>Request approval process</a:t>
+            </a:r>
+          </a:p>
+          <a:p>
+            <a:r>
+              <a:rPr lang="en-IE" dirty="0"/>
+              <a:t>Governance and Licensing  </a:t>
+            </a:r>
+          </a:p>
+          <a:p>
+            <a:r>
+              <a:rPr lang="en-IE" dirty="0"/>
+              <a:t>Continuous Review </a:t>
+            </a:r>
+          </a:p>
+          <a:p>
+            <a:pPr lvl="1"/>
+            <a:r>
+              <a:rPr lang="en-IE" dirty="0"/>
+              <a:t>Resource Utilization</a:t>
+            </a:r>
+          </a:p>
+          <a:p>
+            <a:pPr lvl="1"/>
+            <a:r>
+              <a:rPr lang="en-IE" dirty="0"/>
+              <a:t>Resource Necessity </a:t>
+            </a:r>
+            <a:endParaRPr lang="ru-RU" dirty="0"/>
+          </a:p>
+          <a:p>
+            <a:r>
+              <a:rPr lang="en-IE" dirty="0"/>
+              <a:t>Encourage good behaviour</a:t>
+            </a:r>
+          </a:p>
+          <a:p>
+            <a:pPr lvl="1"/>
+            <a:endParaRPr lang="en-IE" dirty="0"/>
+          </a:p>
+          <a:p>
+            <a:endParaRPr lang="en-IE" dirty="0"/>
+          </a:p>
+        </p:txBody>
+      </p:sp>
+    </p:spTree>
+    <p:extLst>
+      <p:ext uri="{BB962C8B-B14F-4D97-AF65-F5344CB8AC3E}">
+        <p14:creationId xmlns:p14="http://schemas.microsoft.com/office/powerpoint/2010/main" val="3433592864"/>
+      </p:ext>
+    </p:extLst>
+  </p:cSld>
+  <p:clrMapOvr>
+    <a:masterClrMapping/>
+  </p:clrMapOvr>
+</p:sld>
+</file>
+
+<file path=ppt/slides/slide14.xml><?xml version="1.0" encoding="utf-8"?>
+<p:sld xmlns:a="http://schemas.openxmlformats.org/drawingml/2006/main" xmlns:r="http://schemas.openxmlformats.org/officeDocument/2006/relationships" xmlns:p="http://schemas.openxmlformats.org/presentationml/2006/main">
+  <p:cSld>
+    <p:spTree>
+      <p:nvGrpSpPr>
+        <p:cNvPr id="1" name=""/>
+        <p:cNvGrpSpPr/>
+        <p:nvPr/>
+      </p:nvGrpSpPr>
+      <p:grpSpPr>
+        <a:xfrm>
+          <a:off x="0" y="0"/>
+          <a:ext cx="0" cy="0"/>
+          <a:chOff x="0" y="0"/>
+          <a:chExt cx="0" cy="0"/>
+        </a:xfrm>
+      </p:grpSpPr>
+      <p:sp>
+        <p:nvSpPr>
+          <p:cNvPr id="2" name="Title 1">
+            <a:extLst>
+              <a:ext uri="{FF2B5EF4-FFF2-40B4-BE49-F238E27FC236}">
+                <a16:creationId xmlns:a16="http://schemas.microsoft.com/office/drawing/2014/main" id="{E6A401FE-0B47-4CBA-AA69-759FDCF14670}"/>
+              </a:ext>
+            </a:extLst>
+          </p:cNvPr>
+          <p:cNvSpPr>
+            <a:spLocks noGrp="1"/>
+          </p:cNvSpPr>
+          <p:nvPr>
+            <p:ph type="title"/>
+          </p:nvPr>
+        </p:nvSpPr>
+        <p:spPr/>
+        <p:txBody>
+          <a:bodyPr/>
+          <a:lstStyle/>
+          <a:p>
+            <a:r>
+              <a:rPr lang="en-IE" dirty="0"/>
+              <a:t>FinOps role</a:t>
+            </a:r>
+          </a:p>
+        </p:txBody>
+      </p:sp>
+      <p:sp>
+        <p:nvSpPr>
+          <p:cNvPr id="3" name="Content Placeholder 2">
+            <a:extLst>
+              <a:ext uri="{FF2B5EF4-FFF2-40B4-BE49-F238E27FC236}">
+                <a16:creationId xmlns:a16="http://schemas.microsoft.com/office/drawing/2014/main" id="{1D113F53-AFC8-414D-AF60-F21A791E13DA}"/>
+              </a:ext>
+            </a:extLst>
+          </p:cNvPr>
+          <p:cNvSpPr>
+            <a:spLocks noGrp="1"/>
+          </p:cNvSpPr>
+          <p:nvPr>
+            <p:ph idx="1"/>
+          </p:nvPr>
+        </p:nvSpPr>
+        <p:spPr/>
+        <p:txBody>
+          <a:bodyPr>
+            <a:normAutofit/>
+          </a:bodyPr>
+          <a:lstStyle/>
+          <a:p>
+            <a:r>
+              <a:rPr lang="en-IE" dirty="0"/>
+              <a:t>FinOps position</a:t>
+            </a:r>
+          </a:p>
+          <a:p>
+            <a:pPr lvl="1"/>
+            <a:r>
+              <a:rPr lang="en-IE" dirty="0"/>
+              <a:t>Authority</a:t>
+            </a:r>
+          </a:p>
+          <a:p>
+            <a:pPr lvl="1"/>
+            <a:r>
+              <a:rPr lang="en-IE" dirty="0"/>
+              <a:t>Required Technical &amp; Accounting skills </a:t>
+            </a:r>
+          </a:p>
+          <a:p>
+            <a:r>
+              <a:rPr lang="en-IE" dirty="0"/>
+              <a:t>Diligence, communication, evangelism, responsibility </a:t>
+            </a:r>
+          </a:p>
+          <a:p>
+            <a:r>
+              <a:rPr lang="en-IE" dirty="0"/>
+              <a:t>Understanding Cloud Fundamentals and Cloud Pricing strategies</a:t>
+            </a:r>
+          </a:p>
+          <a:p>
+            <a:r>
+              <a:rPr lang="en-IE" dirty="0"/>
+              <a:t>Raising cost awareness throughout chain of command </a:t>
+            </a:r>
+          </a:p>
+          <a:p>
+            <a:r>
+              <a:rPr lang="en-IE" dirty="0"/>
+              <a:t>Regular meetings with dept. managers/architects </a:t>
+            </a:r>
+          </a:p>
+          <a:p>
+            <a:pPr lvl="1"/>
+            <a:r>
+              <a:rPr lang="en-IE" dirty="0"/>
+              <a:t>Daily – go through daily usage and justifications</a:t>
+            </a:r>
+          </a:p>
+          <a:p>
+            <a:pPr lvl="1"/>
+            <a:r>
+              <a:rPr lang="en-IE" dirty="0"/>
+              <a:t>Weekly/Monthly – go through period usage and discuss spikes </a:t>
+            </a:r>
+          </a:p>
+        </p:txBody>
+      </p:sp>
+    </p:spTree>
+    <p:extLst>
+      <p:ext uri="{BB962C8B-B14F-4D97-AF65-F5344CB8AC3E}">
+        <p14:creationId xmlns:p14="http://schemas.microsoft.com/office/powerpoint/2010/main" val="2975756707"/>
+      </p:ext>
+    </p:extLst>
+  </p:cSld>
+  <p:clrMapOvr>
+    <a:masterClrMapping/>
+  </p:clrMapOvr>
+</p:sld>
+</file>
+
+<file path=ppt/slides/slide15.xml><?xml version="1.0" encoding="utf-8"?>
+<p:sld xmlns:a="http://schemas.openxmlformats.org/drawingml/2006/main" xmlns:r="http://schemas.openxmlformats.org/officeDocument/2006/relationships" xmlns:p="http://schemas.openxmlformats.org/presentationml/2006/main">
+  <p:cSld>
+    <p:spTree>
+      <p:nvGrpSpPr>
+        <p:cNvPr id="1" name=""/>
+        <p:cNvGrpSpPr/>
+        <p:nvPr/>
+      </p:nvGrpSpPr>
+      <p:grpSpPr>
+        <a:xfrm>
+          <a:off x="0" y="0"/>
+          <a:ext cx="0" cy="0"/>
+          <a:chOff x="0" y="0"/>
+          <a:chExt cx="0" cy="0"/>
+        </a:xfrm>
+      </p:grpSpPr>
+      <p:sp>
+        <p:nvSpPr>
+          <p:cNvPr id="2" name="Title 1">
+            <a:extLst>
+              <a:ext uri="{FF2B5EF4-FFF2-40B4-BE49-F238E27FC236}">
+                <a16:creationId xmlns:a16="http://schemas.microsoft.com/office/drawing/2014/main" id="{57EE55ED-20D1-439D-8365-7D16885B4EAF}"/>
+              </a:ext>
+            </a:extLst>
+          </p:cNvPr>
+          <p:cNvSpPr>
+            <a:spLocks noGrp="1"/>
+          </p:cNvSpPr>
+          <p:nvPr>
+            <p:ph type="title"/>
+          </p:nvPr>
+        </p:nvSpPr>
+        <p:spPr/>
+        <p:txBody>
+          <a:bodyPr/>
+          <a:lstStyle/>
+          <a:p>
+            <a:r>
+              <a:rPr lang="en-IE" dirty="0"/>
+              <a:t>Indirect Influence</a:t>
+            </a:r>
+          </a:p>
+        </p:txBody>
+      </p:sp>
+      <p:sp>
+        <p:nvSpPr>
+          <p:cNvPr id="3" name="Content Placeholder 2">
+            <a:extLst>
+              <a:ext uri="{FF2B5EF4-FFF2-40B4-BE49-F238E27FC236}">
+                <a16:creationId xmlns:a16="http://schemas.microsoft.com/office/drawing/2014/main" id="{1E74420B-F921-434C-80E2-BE4BE3E2CA14}"/>
+              </a:ext>
+            </a:extLst>
+          </p:cNvPr>
+          <p:cNvSpPr>
+            <a:spLocks noGrp="1"/>
+          </p:cNvSpPr>
+          <p:nvPr>
+            <p:ph idx="1"/>
+          </p:nvPr>
+        </p:nvSpPr>
+        <p:spPr/>
+        <p:txBody>
+          <a:bodyPr/>
+          <a:lstStyle/>
+          <a:p>
+            <a:r>
+              <a:rPr lang="en-IE" dirty="0"/>
+              <a:t>Cant’ influence resource usage directly </a:t>
+            </a:r>
+          </a:p>
+          <a:p>
+            <a:pPr marL="0" indent="0">
+              <a:buNone/>
+            </a:pPr>
+            <a:r>
+              <a:rPr lang="en-IE" dirty="0"/>
+              <a:t>But!</a:t>
+            </a:r>
+          </a:p>
+          <a:p>
+            <a:r>
+              <a:rPr lang="en-IE" dirty="0"/>
+              <a:t>Can sit down with the team and understand the quality </a:t>
+            </a:r>
+          </a:p>
+          <a:p>
+            <a:r>
+              <a:rPr lang="en-IE" dirty="0"/>
+              <a:t>Suggest optimization strategy </a:t>
+            </a:r>
+          </a:p>
+          <a:p>
+            <a:r>
+              <a:rPr lang="en-IE" dirty="0"/>
+              <a:t>Understand the business value </a:t>
+            </a:r>
+          </a:p>
+          <a:p>
+            <a:r>
+              <a:rPr lang="en-IE" dirty="0"/>
+              <a:t>Communicate the value to other business stakeholder </a:t>
+            </a:r>
+          </a:p>
+          <a:p>
+            <a:r>
+              <a:rPr lang="en-IE" dirty="0"/>
+              <a:t>Help make business decision what to do next (change the service pricing, make it a product for the market)</a:t>
+            </a:r>
+          </a:p>
+          <a:p>
+            <a:endParaRPr lang="en-IE" dirty="0"/>
+          </a:p>
+        </p:txBody>
+      </p:sp>
+    </p:spTree>
+    <p:extLst>
+      <p:ext uri="{BB962C8B-B14F-4D97-AF65-F5344CB8AC3E}">
+        <p14:creationId xmlns:p14="http://schemas.microsoft.com/office/powerpoint/2010/main" val="2987183044"/>
+      </p:ext>
+    </p:extLst>
+  </p:cSld>
+  <p:clrMapOvr>
+    <a:masterClrMapping/>
+  </p:clrMapOvr>
+</p:sld>
+</file>
+
+<file path=ppt/slides/slide16.xml><?xml version="1.0" encoding="utf-8"?>
+<p:sld xmlns:a="http://schemas.openxmlformats.org/drawingml/2006/main" xmlns:r="http://schemas.openxmlformats.org/officeDocument/2006/relationships" xmlns:p="http://schemas.openxmlformats.org/presentationml/2006/main">
+  <p:cSld>
+    <p:spTree>
+      <p:nvGrpSpPr>
+        <p:cNvPr id="1" name=""/>
+        <p:cNvGrpSpPr/>
+        <p:nvPr/>
+      </p:nvGrpSpPr>
+      <p:grpSpPr>
+        <a:xfrm>
+          <a:off x="0" y="0"/>
+          <a:ext cx="0" cy="0"/>
+          <a:chOff x="0" y="0"/>
+          <a:chExt cx="0" cy="0"/>
+        </a:xfrm>
+      </p:grpSpPr>
+      <p:sp>
+        <p:nvSpPr>
+          <p:cNvPr id="2" name="Title 1">
+            <a:extLst>
+              <a:ext uri="{FF2B5EF4-FFF2-40B4-BE49-F238E27FC236}">
+                <a16:creationId xmlns:a16="http://schemas.microsoft.com/office/drawing/2014/main" id="{A03A40BF-B0F1-4DE7-B670-545B07E5F4A6}"/>
+              </a:ext>
+            </a:extLst>
+          </p:cNvPr>
+          <p:cNvSpPr>
+            <a:spLocks noGrp="1"/>
+          </p:cNvSpPr>
+          <p:nvPr>
+            <p:ph type="title"/>
+          </p:nvPr>
+        </p:nvSpPr>
+        <p:spPr/>
+        <p:txBody>
+          <a:bodyPr/>
+          <a:lstStyle/>
+          <a:p>
+            <a:r>
+              <a:rPr lang="en-IE" dirty="0"/>
+              <a:t>FinOps analysis</a:t>
+            </a:r>
+          </a:p>
+        </p:txBody>
+      </p:sp>
+      <p:sp>
+        <p:nvSpPr>
+          <p:cNvPr id="3" name="Content Placeholder 2">
+            <a:extLst>
+              <a:ext uri="{FF2B5EF4-FFF2-40B4-BE49-F238E27FC236}">
+                <a16:creationId xmlns:a16="http://schemas.microsoft.com/office/drawing/2014/main" id="{DDBA4036-6447-467F-9174-44FF682C0C9E}"/>
+              </a:ext>
+            </a:extLst>
+          </p:cNvPr>
+          <p:cNvSpPr>
+            <a:spLocks noGrp="1"/>
+          </p:cNvSpPr>
+          <p:nvPr>
+            <p:ph idx="1"/>
+          </p:nvPr>
+        </p:nvSpPr>
+        <p:spPr/>
+        <p:txBody>
+          <a:bodyPr/>
+          <a:lstStyle/>
+          <a:p>
+            <a:endParaRPr lang="en-IE" dirty="0"/>
+          </a:p>
+          <a:p>
+            <a:r>
+              <a:rPr lang="en-IE" dirty="0"/>
+              <a:t>Analyse Cloud Spending</a:t>
+            </a:r>
+          </a:p>
+          <a:p>
+            <a:r>
+              <a:rPr lang="en-IE" dirty="0"/>
+              <a:t>Analyse Resource Utilisation</a:t>
+            </a:r>
+          </a:p>
+          <a:p>
+            <a:r>
+              <a:rPr lang="en-IE" i="1" dirty="0"/>
+              <a:t>Rightsizing</a:t>
+            </a:r>
+          </a:p>
+          <a:p>
+            <a:r>
+              <a:rPr lang="en-IE" dirty="0"/>
+              <a:t>Suggest service alternatives </a:t>
+            </a:r>
+          </a:p>
+          <a:p>
+            <a:endParaRPr lang="en-IE" dirty="0"/>
+          </a:p>
+        </p:txBody>
+      </p:sp>
+    </p:spTree>
+    <p:extLst>
+      <p:ext uri="{BB962C8B-B14F-4D97-AF65-F5344CB8AC3E}">
+        <p14:creationId xmlns:p14="http://schemas.microsoft.com/office/powerpoint/2010/main" val="1473791040"/>
+      </p:ext>
+    </p:extLst>
+  </p:cSld>
+  <p:clrMapOvr>
+    <a:masterClrMapping/>
+  </p:clrMapOvr>
+</p:sld>
+</file>
+
+<file path=ppt/slides/slide17.xml><?xml version="1.0" encoding="utf-8"?>
+<p:sld xmlns:a="http://schemas.openxmlformats.org/drawingml/2006/main" xmlns:r="http://schemas.openxmlformats.org/officeDocument/2006/relationships" xmlns:p="http://schemas.openxmlformats.org/presentationml/2006/main">
+  <p:cSld>
+    <p:spTree>
+      <p:nvGrpSpPr>
+        <p:cNvPr id="1" name=""/>
+        <p:cNvGrpSpPr/>
+        <p:nvPr/>
+      </p:nvGrpSpPr>
+      <p:grpSpPr>
+        <a:xfrm>
+          <a:off x="0" y="0"/>
+          <a:ext cx="0" cy="0"/>
+          <a:chOff x="0" y="0"/>
+          <a:chExt cx="0" cy="0"/>
+        </a:xfrm>
+      </p:grpSpPr>
+      <p:sp>
+        <p:nvSpPr>
+          <p:cNvPr id="2" name="Title 1">
+            <a:extLst>
+              <a:ext uri="{FF2B5EF4-FFF2-40B4-BE49-F238E27FC236}">
+                <a16:creationId xmlns:a16="http://schemas.microsoft.com/office/drawing/2014/main" id="{AD9EDBCD-471E-4890-AE5F-78DA25714BFB}"/>
+              </a:ext>
+            </a:extLst>
+          </p:cNvPr>
+          <p:cNvSpPr>
+            <a:spLocks noGrp="1"/>
+          </p:cNvSpPr>
+          <p:nvPr>
+            <p:ph type="title"/>
+          </p:nvPr>
+        </p:nvSpPr>
+        <p:spPr/>
+        <p:txBody>
+          <a:bodyPr/>
+          <a:lstStyle/>
+          <a:p>
+            <a:r>
+              <a:rPr lang="en-IE" dirty="0"/>
+              <a:t>Resource Inventory</a:t>
+            </a:r>
+          </a:p>
+        </p:txBody>
+      </p:sp>
+      <p:sp>
+        <p:nvSpPr>
+          <p:cNvPr id="3" name="Content Placeholder 2">
+            <a:extLst>
+              <a:ext uri="{FF2B5EF4-FFF2-40B4-BE49-F238E27FC236}">
+                <a16:creationId xmlns:a16="http://schemas.microsoft.com/office/drawing/2014/main" id="{CAF3BB7F-7D9F-4C89-BB66-1B5BA7436C51}"/>
+              </a:ext>
+            </a:extLst>
+          </p:cNvPr>
+          <p:cNvSpPr>
+            <a:spLocks noGrp="1"/>
+          </p:cNvSpPr>
+          <p:nvPr>
+            <p:ph idx="1"/>
+          </p:nvPr>
+        </p:nvSpPr>
+        <p:spPr/>
+        <p:txBody>
+          <a:bodyPr>
+            <a:normAutofit lnSpcReduction="10000"/>
+          </a:bodyPr>
+          <a:lstStyle/>
+          <a:p>
+            <a:r>
+              <a:rPr lang="en-IE" dirty="0"/>
+              <a:t>Communicate the importance of tagging</a:t>
+            </a:r>
+          </a:p>
+          <a:p>
+            <a:pPr lvl="1"/>
+            <a:r>
+              <a:rPr lang="en-IE" dirty="0"/>
+              <a:t>Collective responsibility rather than individual (whole group/department)</a:t>
+            </a:r>
+          </a:p>
+          <a:p>
+            <a:r>
+              <a:rPr lang="en-IE" dirty="0"/>
+              <a:t>Cost related tag for each department</a:t>
+            </a:r>
+          </a:p>
+          <a:p>
+            <a:r>
+              <a:rPr lang="en-IE" dirty="0"/>
+              <a:t>Enforce tag existence with Azure Policy on creation</a:t>
+            </a:r>
+          </a:p>
+          <a:p>
+            <a:r>
+              <a:rPr lang="en-IE" dirty="0"/>
+              <a:t>Scan all resources and tag them </a:t>
+            </a:r>
+          </a:p>
+          <a:p>
+            <a:r>
+              <a:rPr lang="en-IE" dirty="0"/>
+              <a:t>Identify resource owner/creator</a:t>
+            </a:r>
+          </a:p>
+          <a:p>
+            <a:pPr lvl="1"/>
+            <a:r>
+              <a:rPr lang="en-IE" dirty="0"/>
+              <a:t>Who created what? </a:t>
+            </a:r>
+          </a:p>
+          <a:p>
+            <a:pPr lvl="1"/>
+            <a:r>
+              <a:rPr lang="en-IE" dirty="0"/>
+              <a:t>When was it created? </a:t>
+            </a:r>
+          </a:p>
+          <a:p>
+            <a:pPr lvl="1"/>
+            <a:r>
+              <a:rPr lang="en-IE" dirty="0"/>
+              <a:t>Does the owner still work in the organisation?</a:t>
+            </a:r>
+          </a:p>
+          <a:p>
+            <a:r>
+              <a:rPr lang="en-IE" dirty="0"/>
+              <a:t>Report resource utilization</a:t>
+            </a:r>
+          </a:p>
+        </p:txBody>
+      </p:sp>
+    </p:spTree>
+    <p:extLst>
+      <p:ext uri="{BB962C8B-B14F-4D97-AF65-F5344CB8AC3E}">
+        <p14:creationId xmlns:p14="http://schemas.microsoft.com/office/powerpoint/2010/main" val="467041731"/>
+      </p:ext>
+    </p:extLst>
+  </p:cSld>
+  <p:clrMapOvr>
+    <a:masterClrMapping/>
+  </p:clrMapOvr>
+</p:sld>
+</file>
+
+<file path=ppt/slides/slide18.xml><?xml version="1.0" encoding="utf-8"?>
+<p:sld xmlns:a="http://schemas.openxmlformats.org/drawingml/2006/main" xmlns:r="http://schemas.openxmlformats.org/officeDocument/2006/relationships" xmlns:p="http://schemas.openxmlformats.org/presentationml/2006/main">
+  <p:cSld>
+    <p:spTree>
+      <p:nvGrpSpPr>
+        <p:cNvPr id="1" name=""/>
+        <p:cNvGrpSpPr/>
+        <p:nvPr/>
+      </p:nvGrpSpPr>
+      <p:grpSpPr>
+        <a:xfrm>
+          <a:off x="0" y="0"/>
+          <a:ext cx="0" cy="0"/>
+          <a:chOff x="0" y="0"/>
+          <a:chExt cx="0" cy="0"/>
+        </a:xfrm>
+      </p:grpSpPr>
+      <p:sp>
+        <p:nvSpPr>
+          <p:cNvPr id="4" name="Title 3">
+            <a:extLst>
+              <a:ext uri="{FF2B5EF4-FFF2-40B4-BE49-F238E27FC236}">
+                <a16:creationId xmlns:a16="http://schemas.microsoft.com/office/drawing/2014/main" id="{D03756E0-B788-482C-AF27-147F52D9C5FE}"/>
+              </a:ext>
+            </a:extLst>
+          </p:cNvPr>
+          <p:cNvSpPr>
+            <a:spLocks noGrp="1"/>
+          </p:cNvSpPr>
+          <p:nvPr>
+            <p:ph type="title"/>
+          </p:nvPr>
+        </p:nvSpPr>
+        <p:spPr/>
+        <p:txBody>
+          <a:bodyPr/>
+          <a:lstStyle/>
+          <a:p>
+            <a:r>
+              <a:rPr lang="en-IE" dirty="0"/>
+              <a:t>Technology Processes</a:t>
+            </a:r>
+          </a:p>
+        </p:txBody>
+      </p:sp>
+      <p:sp>
+        <p:nvSpPr>
+          <p:cNvPr id="5" name="Text Placeholder 4">
+            <a:extLst>
+              <a:ext uri="{FF2B5EF4-FFF2-40B4-BE49-F238E27FC236}">
+                <a16:creationId xmlns:a16="http://schemas.microsoft.com/office/drawing/2014/main" id="{2996A216-4DE1-4088-8420-60D5495C0E99}"/>
+              </a:ext>
+            </a:extLst>
+          </p:cNvPr>
+          <p:cNvSpPr>
+            <a:spLocks noGrp="1"/>
+          </p:cNvSpPr>
+          <p:nvPr>
+            <p:ph type="body" idx="1"/>
+          </p:nvPr>
+        </p:nvSpPr>
+        <p:spPr/>
+        <p:txBody>
+          <a:bodyPr/>
+          <a:lstStyle/>
+          <a:p>
+            <a:endParaRPr lang="en-IE"/>
+          </a:p>
+        </p:txBody>
+      </p:sp>
+    </p:spTree>
+    <p:extLst>
+      <p:ext uri="{BB962C8B-B14F-4D97-AF65-F5344CB8AC3E}">
+        <p14:creationId xmlns:p14="http://schemas.microsoft.com/office/powerpoint/2010/main" val="2549102489"/>
+      </p:ext>
+    </p:extLst>
+  </p:cSld>
+  <p:clrMapOvr>
+    <a:masterClrMapping/>
+  </p:clrMapOvr>
+</p:sld>
+</file>
+
+<file path=ppt/slides/slide19.xml><?xml version="1.0" encoding="utf-8"?>
 <p:sld xmlns:a="http://schemas.openxmlformats.org/drawingml/2006/main" xmlns:r="http://schemas.openxmlformats.org/officeDocument/2006/relationships" xmlns:p="http://schemas.openxmlformats.org/presentationml/2006/main">
   <p:cSld>
     <p:spTree>
@@ -19206,7 +21343,7 @@
             <a:pPr algn="ctr"/>
             <a:r>
               <a:rPr lang="en-IE" dirty="0"/>
-              <a:t>Technological processes</a:t>
+              <a:t>Azure specific tech processes</a:t>
             </a:r>
           </a:p>
         </p:txBody>
@@ -19243,792 +21380,6 @@
     <p:extLst>
       <p:ext uri="{BB962C8B-B14F-4D97-AF65-F5344CB8AC3E}">
         <p14:creationId xmlns:p14="http://schemas.microsoft.com/office/powerpoint/2010/main" val="2534059493"/>
-      </p:ext>
-    </p:extLst>
-  </p:cSld>
-  <p:clrMapOvr>
-    <a:masterClrMapping/>
-  </p:clrMapOvr>
-</p:sld>
-</file>
-
-<file path=ppt/slides/slide12.xml><?xml version="1.0" encoding="utf-8"?>
-<p:sld xmlns:a="http://schemas.openxmlformats.org/drawingml/2006/main" xmlns:r="http://schemas.openxmlformats.org/officeDocument/2006/relationships" xmlns:p="http://schemas.openxmlformats.org/presentationml/2006/main">
-  <p:cSld>
-    <p:spTree>
-      <p:nvGrpSpPr>
-        <p:cNvPr id="1" name=""/>
-        <p:cNvGrpSpPr/>
-        <p:nvPr/>
-      </p:nvGrpSpPr>
-      <p:grpSpPr>
-        <a:xfrm>
-          <a:off x="0" y="0"/>
-          <a:ext cx="0" cy="0"/>
-          <a:chOff x="0" y="0"/>
-          <a:chExt cx="0" cy="0"/>
-        </a:xfrm>
-      </p:grpSpPr>
-      <p:sp>
-        <p:nvSpPr>
-          <p:cNvPr id="2" name="Title 1">
-            <a:extLst>
-              <a:ext uri="{FF2B5EF4-FFF2-40B4-BE49-F238E27FC236}">
-                <a16:creationId xmlns:a16="http://schemas.microsoft.com/office/drawing/2014/main" id="{E281AD0A-74AF-4A56-8583-3C08F8D34DF8}"/>
-              </a:ext>
-            </a:extLst>
-          </p:cNvPr>
-          <p:cNvSpPr>
-            <a:spLocks noGrp="1"/>
-          </p:cNvSpPr>
-          <p:nvPr>
-            <p:ph type="title"/>
-          </p:nvPr>
-        </p:nvSpPr>
-        <p:spPr/>
-        <p:txBody>
-          <a:bodyPr/>
-          <a:lstStyle/>
-          <a:p>
-            <a:r>
-              <a:rPr lang="en-IE" dirty="0"/>
-              <a:t>Report granularity</a:t>
-            </a:r>
-          </a:p>
-        </p:txBody>
-      </p:sp>
-      <p:sp>
-        <p:nvSpPr>
-          <p:cNvPr id="3" name="Content Placeholder 2">
-            <a:extLst>
-              <a:ext uri="{FF2B5EF4-FFF2-40B4-BE49-F238E27FC236}">
-                <a16:creationId xmlns:a16="http://schemas.microsoft.com/office/drawing/2014/main" id="{EC58F889-CD5B-4F4D-984E-7DB1F831106D}"/>
-              </a:ext>
-            </a:extLst>
-          </p:cNvPr>
-          <p:cNvSpPr>
-            <a:spLocks noGrp="1"/>
-          </p:cNvSpPr>
-          <p:nvPr>
-            <p:ph idx="1"/>
-          </p:nvPr>
-        </p:nvSpPr>
-        <p:spPr/>
-        <p:txBody>
-          <a:bodyPr/>
-          <a:lstStyle/>
-          <a:p>
-            <a:r>
-              <a:rPr lang="en-IE" dirty="0"/>
-              <a:t>Tags can be used to mark resources per Department/Project</a:t>
-            </a:r>
-          </a:p>
-        </p:txBody>
-      </p:sp>
-    </p:spTree>
-    <p:extLst>
-      <p:ext uri="{BB962C8B-B14F-4D97-AF65-F5344CB8AC3E}">
-        <p14:creationId xmlns:p14="http://schemas.microsoft.com/office/powerpoint/2010/main" val="855628807"/>
-      </p:ext>
-    </p:extLst>
-  </p:cSld>
-  <p:clrMapOvr>
-    <a:masterClrMapping/>
-  </p:clrMapOvr>
-</p:sld>
-</file>
-
-<file path=ppt/slides/slide13.xml><?xml version="1.0" encoding="utf-8"?>
-<p:sld xmlns:a="http://schemas.openxmlformats.org/drawingml/2006/main" xmlns:r="http://schemas.openxmlformats.org/officeDocument/2006/relationships" xmlns:p="http://schemas.openxmlformats.org/presentationml/2006/main">
-  <p:cSld>
-    <p:spTree>
-      <p:nvGrpSpPr>
-        <p:cNvPr id="1" name=""/>
-        <p:cNvGrpSpPr/>
-        <p:nvPr/>
-      </p:nvGrpSpPr>
-      <p:grpSpPr>
-        <a:xfrm>
-          <a:off x="0" y="0"/>
-          <a:ext cx="0" cy="0"/>
-          <a:chOff x="0" y="0"/>
-          <a:chExt cx="0" cy="0"/>
-        </a:xfrm>
-      </p:grpSpPr>
-      <p:sp>
-        <p:nvSpPr>
-          <p:cNvPr id="2" name="Title 1">
-            <a:extLst>
-              <a:ext uri="{FF2B5EF4-FFF2-40B4-BE49-F238E27FC236}">
-                <a16:creationId xmlns:a16="http://schemas.microsoft.com/office/drawing/2014/main" id="{AA6DB228-D757-4AF8-899C-099F530D8E78}"/>
-              </a:ext>
-            </a:extLst>
-          </p:cNvPr>
-          <p:cNvSpPr>
-            <a:spLocks noGrp="1"/>
-          </p:cNvSpPr>
-          <p:nvPr>
-            <p:ph type="title"/>
-          </p:nvPr>
-        </p:nvSpPr>
-        <p:spPr/>
-        <p:txBody>
-          <a:bodyPr/>
-          <a:lstStyle/>
-          <a:p>
-            <a:pPr algn="ctr"/>
-            <a:r>
-              <a:rPr lang="en-IE" dirty="0"/>
-              <a:t>LMAA</a:t>
-            </a:r>
-          </a:p>
-        </p:txBody>
-      </p:sp>
-      <p:graphicFrame>
-        <p:nvGraphicFramePr>
-          <p:cNvPr id="4" name="Diagram 3">
-            <a:extLst>
-              <a:ext uri="{FF2B5EF4-FFF2-40B4-BE49-F238E27FC236}">
-                <a16:creationId xmlns:a16="http://schemas.microsoft.com/office/drawing/2014/main" id="{7AE5206D-EE3B-4D06-8585-B1AC338D7A5A}"/>
-              </a:ext>
-            </a:extLst>
-          </p:cNvPr>
-          <p:cNvGraphicFramePr/>
-          <p:nvPr>
-            <p:extLst>
-              <p:ext uri="{D42A27DB-BD31-4B8C-83A1-F6EECF244321}">
-                <p14:modId xmlns:p14="http://schemas.microsoft.com/office/powerpoint/2010/main" val="786475719"/>
-              </p:ext>
-            </p:extLst>
-          </p:nvPr>
-        </p:nvGraphicFramePr>
-        <p:xfrm>
-          <a:off x="2693546" y="1690688"/>
-          <a:ext cx="6804908" cy="4447645"/>
-        </p:xfrm>
-        <a:graphic>
-          <a:graphicData uri="http://schemas.openxmlformats.org/drawingml/2006/diagram">
-            <dgm:relIds xmlns:dgm="http://schemas.openxmlformats.org/drawingml/2006/diagram" xmlns:r="http://schemas.openxmlformats.org/officeDocument/2006/relationships" r:dm="rId2" r:lo="rId3" r:qs="rId4" r:cs="rId5"/>
-          </a:graphicData>
-        </a:graphic>
-      </p:graphicFrame>
-    </p:spTree>
-    <p:extLst>
-      <p:ext uri="{BB962C8B-B14F-4D97-AF65-F5344CB8AC3E}">
-        <p14:creationId xmlns:p14="http://schemas.microsoft.com/office/powerpoint/2010/main" val="3496727372"/>
-      </p:ext>
-    </p:extLst>
-  </p:cSld>
-  <p:clrMapOvr>
-    <a:masterClrMapping/>
-  </p:clrMapOvr>
-</p:sld>
-</file>
-
-<file path=ppt/slides/slide14.xml><?xml version="1.0" encoding="utf-8"?>
-<p:sld xmlns:a="http://schemas.openxmlformats.org/drawingml/2006/main" xmlns:r="http://schemas.openxmlformats.org/officeDocument/2006/relationships" xmlns:p="http://schemas.openxmlformats.org/presentationml/2006/main">
-  <p:cSld>
-    <p:spTree>
-      <p:nvGrpSpPr>
-        <p:cNvPr id="1" name=""/>
-        <p:cNvGrpSpPr/>
-        <p:nvPr/>
-      </p:nvGrpSpPr>
-      <p:grpSpPr>
-        <a:xfrm>
-          <a:off x="0" y="0"/>
-          <a:ext cx="0" cy="0"/>
-          <a:chOff x="0" y="0"/>
-          <a:chExt cx="0" cy="0"/>
-        </a:xfrm>
-      </p:grpSpPr>
-      <p:sp>
-        <p:nvSpPr>
-          <p:cNvPr id="2" name="Title 1">
-            <a:extLst>
-              <a:ext uri="{FF2B5EF4-FFF2-40B4-BE49-F238E27FC236}">
-                <a16:creationId xmlns:a16="http://schemas.microsoft.com/office/drawing/2014/main" id="{5843EFD8-5B8A-42FB-8C0D-F50E0372E80D}"/>
-              </a:ext>
-            </a:extLst>
-          </p:cNvPr>
-          <p:cNvSpPr>
-            <a:spLocks noGrp="1"/>
-          </p:cNvSpPr>
-          <p:nvPr>
-            <p:ph type="title"/>
-          </p:nvPr>
-        </p:nvSpPr>
-        <p:spPr/>
-        <p:txBody>
-          <a:bodyPr/>
-          <a:lstStyle/>
-          <a:p>
-            <a:pPr algn="ctr"/>
-            <a:r>
-              <a:rPr lang="en-IE" dirty="0"/>
-              <a:t>LMAA Technologies</a:t>
-            </a:r>
-          </a:p>
-        </p:txBody>
-      </p:sp>
-      <p:graphicFrame>
-        <p:nvGraphicFramePr>
-          <p:cNvPr id="4" name="Diagram 3">
-            <a:extLst>
-              <a:ext uri="{FF2B5EF4-FFF2-40B4-BE49-F238E27FC236}">
-                <a16:creationId xmlns:a16="http://schemas.microsoft.com/office/drawing/2014/main" id="{F4EB0D3B-3580-4032-822E-D97566A6F521}"/>
-              </a:ext>
-            </a:extLst>
-          </p:cNvPr>
-          <p:cNvGraphicFramePr/>
-          <p:nvPr>
-            <p:extLst>
-              <p:ext uri="{D42A27DB-BD31-4B8C-83A1-F6EECF244321}">
-                <p14:modId xmlns:p14="http://schemas.microsoft.com/office/powerpoint/2010/main" val="4099662023"/>
-              </p:ext>
-            </p:extLst>
-          </p:nvPr>
-        </p:nvGraphicFramePr>
-        <p:xfrm>
-          <a:off x="1118363" y="1595044"/>
-          <a:ext cx="9955273" cy="4543289"/>
-        </p:xfrm>
-        <a:graphic>
-          <a:graphicData uri="http://schemas.openxmlformats.org/drawingml/2006/diagram">
-            <dgm:relIds xmlns:dgm="http://schemas.openxmlformats.org/drawingml/2006/diagram" xmlns:r="http://schemas.openxmlformats.org/officeDocument/2006/relationships" r:dm="rId3" r:lo="rId4" r:qs="rId5" r:cs="rId6"/>
-          </a:graphicData>
-        </a:graphic>
-      </p:graphicFrame>
-    </p:spTree>
-    <p:extLst>
-      <p:ext uri="{BB962C8B-B14F-4D97-AF65-F5344CB8AC3E}">
-        <p14:creationId xmlns:p14="http://schemas.microsoft.com/office/powerpoint/2010/main" val="1411183646"/>
-      </p:ext>
-    </p:extLst>
-  </p:cSld>
-  <p:clrMapOvr>
-    <a:masterClrMapping/>
-  </p:clrMapOvr>
-</p:sld>
-</file>
-
-<file path=ppt/slides/slide15.xml><?xml version="1.0" encoding="utf-8"?>
-<p:sld xmlns:a="http://schemas.openxmlformats.org/drawingml/2006/main" xmlns:r="http://schemas.openxmlformats.org/officeDocument/2006/relationships" xmlns:p="http://schemas.openxmlformats.org/presentationml/2006/main">
-  <p:cSld>
-    <p:spTree>
-      <p:nvGrpSpPr>
-        <p:cNvPr id="1" name=""/>
-        <p:cNvGrpSpPr/>
-        <p:nvPr/>
-      </p:nvGrpSpPr>
-      <p:grpSpPr>
-        <a:xfrm>
-          <a:off x="0" y="0"/>
-          <a:ext cx="0" cy="0"/>
-          <a:chOff x="0" y="0"/>
-          <a:chExt cx="0" cy="0"/>
-        </a:xfrm>
-      </p:grpSpPr>
-      <p:sp>
-        <p:nvSpPr>
-          <p:cNvPr id="2" name="Title 1">
-            <a:extLst>
-              <a:ext uri="{FF2B5EF4-FFF2-40B4-BE49-F238E27FC236}">
-                <a16:creationId xmlns:a16="http://schemas.microsoft.com/office/drawing/2014/main" id="{7833E578-C63E-48A4-8C18-A8E21D167604}"/>
-              </a:ext>
-            </a:extLst>
-          </p:cNvPr>
-          <p:cNvSpPr>
-            <a:spLocks noGrp="1"/>
-          </p:cNvSpPr>
-          <p:nvPr>
-            <p:ph type="title"/>
-          </p:nvPr>
-        </p:nvSpPr>
-        <p:spPr/>
-        <p:txBody>
-          <a:bodyPr/>
-          <a:lstStyle/>
-          <a:p>
-            <a:pPr algn="ctr"/>
-            <a:r>
-              <a:rPr lang="en-IE" dirty="0"/>
-              <a:t>Cost Alert</a:t>
-            </a:r>
-          </a:p>
-        </p:txBody>
-      </p:sp>
-      <p:sp>
-        <p:nvSpPr>
-          <p:cNvPr id="3" name="Content Placeholder 2">
-            <a:extLst>
-              <a:ext uri="{FF2B5EF4-FFF2-40B4-BE49-F238E27FC236}">
-                <a16:creationId xmlns:a16="http://schemas.microsoft.com/office/drawing/2014/main" id="{037EA7D8-EB31-420E-8956-51BDF0D44D49}"/>
-              </a:ext>
-            </a:extLst>
-          </p:cNvPr>
-          <p:cNvSpPr>
-            <a:spLocks noGrp="1"/>
-          </p:cNvSpPr>
-          <p:nvPr>
-            <p:ph idx="1"/>
-          </p:nvPr>
-        </p:nvSpPr>
-        <p:spPr/>
-        <p:txBody>
-          <a:bodyPr/>
-          <a:lstStyle/>
-          <a:p>
-            <a:r>
-              <a:rPr lang="en-IE" dirty="0"/>
-              <a:t>Budget Alerts</a:t>
-            </a:r>
-          </a:p>
-          <a:p>
-            <a:r>
-              <a:rPr lang="en-IE" dirty="0"/>
-              <a:t>Credit Alerts</a:t>
-            </a:r>
-          </a:p>
-          <a:p>
-            <a:r>
-              <a:rPr lang="en-IE" dirty="0"/>
-              <a:t>Department spending quota</a:t>
-            </a:r>
-          </a:p>
-        </p:txBody>
-      </p:sp>
-    </p:spTree>
-    <p:extLst>
-      <p:ext uri="{BB962C8B-B14F-4D97-AF65-F5344CB8AC3E}">
-        <p14:creationId xmlns:p14="http://schemas.microsoft.com/office/powerpoint/2010/main" val="1729660448"/>
-      </p:ext>
-    </p:extLst>
-  </p:cSld>
-  <p:clrMapOvr>
-    <a:masterClrMapping/>
-  </p:clrMapOvr>
-</p:sld>
-</file>
-
-<file path=ppt/slides/slide16.xml><?xml version="1.0" encoding="utf-8"?>
-<p:sld xmlns:a="http://schemas.openxmlformats.org/drawingml/2006/main" xmlns:r="http://schemas.openxmlformats.org/officeDocument/2006/relationships" xmlns:p="http://schemas.openxmlformats.org/presentationml/2006/main">
-  <p:cSld>
-    <p:spTree>
-      <p:nvGrpSpPr>
-        <p:cNvPr id="1" name=""/>
-        <p:cNvGrpSpPr/>
-        <p:nvPr/>
-      </p:nvGrpSpPr>
-      <p:grpSpPr>
-        <a:xfrm>
-          <a:off x="0" y="0"/>
-          <a:ext cx="0" cy="0"/>
-          <a:chOff x="0" y="0"/>
-          <a:chExt cx="0" cy="0"/>
-        </a:xfrm>
-      </p:grpSpPr>
-      <p:sp>
-        <p:nvSpPr>
-          <p:cNvPr id="2" name="Title 1">
-            <a:extLst>
-              <a:ext uri="{FF2B5EF4-FFF2-40B4-BE49-F238E27FC236}">
-                <a16:creationId xmlns:a16="http://schemas.microsoft.com/office/drawing/2014/main" id="{F526216F-5A7C-4A3C-BBED-E7FB46746415}"/>
-              </a:ext>
-            </a:extLst>
-          </p:cNvPr>
-          <p:cNvSpPr>
-            <a:spLocks noGrp="1"/>
-          </p:cNvSpPr>
-          <p:nvPr>
-            <p:ph type="title"/>
-          </p:nvPr>
-        </p:nvSpPr>
-        <p:spPr/>
-        <p:txBody>
-          <a:bodyPr/>
-          <a:lstStyle/>
-          <a:p>
-            <a:pPr algn="ctr"/>
-            <a:r>
-              <a:rPr lang="en-IE" dirty="0"/>
-              <a:t>Alert availability per subscription type</a:t>
-            </a:r>
-          </a:p>
-        </p:txBody>
-      </p:sp>
-      <p:pic>
-        <p:nvPicPr>
-          <p:cNvPr id="4" name="Picture 3">
-            <a:extLst>
-              <a:ext uri="{FF2B5EF4-FFF2-40B4-BE49-F238E27FC236}">
-                <a16:creationId xmlns:a16="http://schemas.microsoft.com/office/drawing/2014/main" id="{DBEC1CBC-3F68-4F5D-90E2-32BA2E20C5D5}"/>
-              </a:ext>
-            </a:extLst>
-          </p:cNvPr>
-          <p:cNvPicPr>
-            <a:picLocks noChangeAspect="1"/>
-          </p:cNvPicPr>
-          <p:nvPr/>
-        </p:nvPicPr>
-        <p:blipFill>
-          <a:blip r:embed="rId3"/>
-          <a:stretch>
-            <a:fillRect/>
-          </a:stretch>
-        </p:blipFill>
-        <p:spPr>
-          <a:xfrm>
-            <a:off x="838200" y="1925234"/>
-            <a:ext cx="10515600" cy="4148254"/>
-          </a:xfrm>
-          <a:prstGeom prst="rect">
-            <a:avLst/>
-          </a:prstGeom>
-        </p:spPr>
-      </p:pic>
-    </p:spTree>
-    <p:extLst>
-      <p:ext uri="{BB962C8B-B14F-4D97-AF65-F5344CB8AC3E}">
-        <p14:creationId xmlns:p14="http://schemas.microsoft.com/office/powerpoint/2010/main" val="696141294"/>
-      </p:ext>
-    </p:extLst>
-  </p:cSld>
-  <p:clrMapOvr>
-    <a:masterClrMapping/>
-  </p:clrMapOvr>
-</p:sld>
-</file>
-
-<file path=ppt/slides/slide17.xml><?xml version="1.0" encoding="utf-8"?>
-<p:sld xmlns:a="http://schemas.openxmlformats.org/drawingml/2006/main" xmlns:r="http://schemas.openxmlformats.org/officeDocument/2006/relationships" xmlns:p="http://schemas.openxmlformats.org/presentationml/2006/main">
-  <p:cSld>
-    <p:spTree>
-      <p:nvGrpSpPr>
-        <p:cNvPr id="1" name=""/>
-        <p:cNvGrpSpPr/>
-        <p:nvPr/>
-      </p:nvGrpSpPr>
-      <p:grpSpPr>
-        <a:xfrm>
-          <a:off x="0" y="0"/>
-          <a:ext cx="0" cy="0"/>
-          <a:chOff x="0" y="0"/>
-          <a:chExt cx="0" cy="0"/>
-        </a:xfrm>
-      </p:grpSpPr>
-      <p:sp>
-        <p:nvSpPr>
-          <p:cNvPr id="4" name="Title 3">
-            <a:extLst>
-              <a:ext uri="{FF2B5EF4-FFF2-40B4-BE49-F238E27FC236}">
-                <a16:creationId xmlns:a16="http://schemas.microsoft.com/office/drawing/2014/main" id="{39DE5782-985B-47CF-9A3F-637C7FC2C62B}"/>
-              </a:ext>
-            </a:extLst>
-          </p:cNvPr>
-          <p:cNvSpPr>
-            <a:spLocks noGrp="1"/>
-          </p:cNvSpPr>
-          <p:nvPr>
-            <p:ph type="title"/>
-          </p:nvPr>
-        </p:nvSpPr>
-        <p:spPr/>
-        <p:txBody>
-          <a:bodyPr/>
-          <a:lstStyle/>
-          <a:p>
-            <a:r>
-              <a:rPr lang="en-IE" dirty="0"/>
-              <a:t>Per Service Optimizations</a:t>
-            </a:r>
-          </a:p>
-        </p:txBody>
-      </p:sp>
-      <p:sp>
-        <p:nvSpPr>
-          <p:cNvPr id="5" name="Text Placeholder 4">
-            <a:extLst>
-              <a:ext uri="{FF2B5EF4-FFF2-40B4-BE49-F238E27FC236}">
-                <a16:creationId xmlns:a16="http://schemas.microsoft.com/office/drawing/2014/main" id="{0AE0E2C5-04A8-48F0-B6FE-BB370F1617F5}"/>
-              </a:ext>
-            </a:extLst>
-          </p:cNvPr>
-          <p:cNvSpPr>
-            <a:spLocks noGrp="1"/>
-          </p:cNvSpPr>
-          <p:nvPr>
-            <p:ph type="body" idx="1"/>
-          </p:nvPr>
-        </p:nvSpPr>
-        <p:spPr/>
-        <p:txBody>
-          <a:bodyPr/>
-          <a:lstStyle/>
-          <a:p>
-            <a:endParaRPr lang="en-IE" dirty="0"/>
-          </a:p>
-        </p:txBody>
-      </p:sp>
-    </p:spTree>
-    <p:extLst>
-      <p:ext uri="{BB962C8B-B14F-4D97-AF65-F5344CB8AC3E}">
-        <p14:creationId xmlns:p14="http://schemas.microsoft.com/office/powerpoint/2010/main" val="1439840507"/>
-      </p:ext>
-    </p:extLst>
-  </p:cSld>
-  <p:clrMapOvr>
-    <a:masterClrMapping/>
-  </p:clrMapOvr>
-</p:sld>
-</file>
-
-<file path=ppt/slides/slide18.xml><?xml version="1.0" encoding="utf-8"?>
-<p:sld xmlns:a="http://schemas.openxmlformats.org/drawingml/2006/main" xmlns:r="http://schemas.openxmlformats.org/officeDocument/2006/relationships" xmlns:p="http://schemas.openxmlformats.org/presentationml/2006/main">
-  <p:cSld>
-    <p:spTree>
-      <p:nvGrpSpPr>
-        <p:cNvPr id="1" name=""/>
-        <p:cNvGrpSpPr/>
-        <p:nvPr/>
-      </p:nvGrpSpPr>
-      <p:grpSpPr>
-        <a:xfrm>
-          <a:off x="0" y="0"/>
-          <a:ext cx="0" cy="0"/>
-          <a:chOff x="0" y="0"/>
-          <a:chExt cx="0" cy="0"/>
-        </a:xfrm>
-      </p:grpSpPr>
-      <p:sp>
-        <p:nvSpPr>
-          <p:cNvPr id="2" name="Title 1">
-            <a:extLst>
-              <a:ext uri="{FF2B5EF4-FFF2-40B4-BE49-F238E27FC236}">
-                <a16:creationId xmlns:a16="http://schemas.microsoft.com/office/drawing/2014/main" id="{B6B12FDC-ACFC-45EB-8831-1A58EFD5092D}"/>
-              </a:ext>
-            </a:extLst>
-          </p:cNvPr>
-          <p:cNvSpPr>
-            <a:spLocks noGrp="1"/>
-          </p:cNvSpPr>
-          <p:nvPr>
-            <p:ph type="title"/>
-          </p:nvPr>
-        </p:nvSpPr>
-        <p:spPr/>
-        <p:txBody>
-          <a:bodyPr/>
-          <a:lstStyle/>
-          <a:p>
-            <a:r>
-              <a:rPr lang="en-IE" dirty="0"/>
-              <a:t>Azure SQL Optimizations</a:t>
-            </a:r>
-          </a:p>
-        </p:txBody>
-      </p:sp>
-      <p:sp>
-        <p:nvSpPr>
-          <p:cNvPr id="3" name="Content Placeholder 2">
-            <a:extLst>
-              <a:ext uri="{FF2B5EF4-FFF2-40B4-BE49-F238E27FC236}">
-                <a16:creationId xmlns:a16="http://schemas.microsoft.com/office/drawing/2014/main" id="{B6333C35-6DD0-42B4-8CA8-258F0D05C0F5}"/>
-              </a:ext>
-            </a:extLst>
-          </p:cNvPr>
-          <p:cNvSpPr>
-            <a:spLocks noGrp="1"/>
-          </p:cNvSpPr>
-          <p:nvPr>
-            <p:ph idx="1"/>
-          </p:nvPr>
-        </p:nvSpPr>
-        <p:spPr/>
-        <p:txBody>
-          <a:bodyPr/>
-          <a:lstStyle/>
-          <a:p>
-            <a:r>
-              <a:rPr lang="en-IE"/>
-              <a:t>Pricing tier</a:t>
-            </a:r>
-          </a:p>
-          <a:p>
-            <a:r>
-              <a:rPr lang="en-IE" dirty="0"/>
-              <a:t>Reservations</a:t>
-            </a:r>
-          </a:p>
-          <a:p>
-            <a:r>
-              <a:rPr lang="en-IE" dirty="0"/>
-              <a:t>Azure SQL Elastic Pool (combine multiple </a:t>
-            </a:r>
-            <a:r>
-              <a:rPr lang="en-IE" dirty="0" err="1"/>
-              <a:t>dbs</a:t>
-            </a:r>
-            <a:r>
-              <a:rPr lang="en-IE" dirty="0"/>
-              <a:t> into one)</a:t>
-            </a:r>
-          </a:p>
-          <a:p>
-            <a:r>
-              <a:rPr lang="en-IE" dirty="0"/>
-              <a:t>Scale up / Scale down on schedule </a:t>
-            </a:r>
-          </a:p>
-          <a:p>
-            <a:r>
-              <a:rPr lang="en-IE" dirty="0"/>
-              <a:t>Reduce size of the data (move historical data to archive)</a:t>
-            </a:r>
-          </a:p>
-          <a:p>
-            <a:r>
-              <a:rPr lang="en-IE" dirty="0"/>
-              <a:t>Manual schema/code optimizations </a:t>
-            </a:r>
-          </a:p>
-        </p:txBody>
-      </p:sp>
-    </p:spTree>
-    <p:extLst>
-      <p:ext uri="{BB962C8B-B14F-4D97-AF65-F5344CB8AC3E}">
-        <p14:creationId xmlns:p14="http://schemas.microsoft.com/office/powerpoint/2010/main" val="2232558549"/>
-      </p:ext>
-    </p:extLst>
-  </p:cSld>
-  <p:clrMapOvr>
-    <a:masterClrMapping/>
-  </p:clrMapOvr>
-</p:sld>
-</file>
-
-<file path=ppt/slides/slide19.xml><?xml version="1.0" encoding="utf-8"?>
-<p:sld xmlns:a="http://schemas.openxmlformats.org/drawingml/2006/main" xmlns:r="http://schemas.openxmlformats.org/officeDocument/2006/relationships" xmlns:p="http://schemas.openxmlformats.org/presentationml/2006/main">
-  <p:cSld>
-    <p:spTree>
-      <p:nvGrpSpPr>
-        <p:cNvPr id="1" name=""/>
-        <p:cNvGrpSpPr/>
-        <p:nvPr/>
-      </p:nvGrpSpPr>
-      <p:grpSpPr>
-        <a:xfrm>
-          <a:off x="0" y="0"/>
-          <a:ext cx="0" cy="0"/>
-          <a:chOff x="0" y="0"/>
-          <a:chExt cx="0" cy="0"/>
-        </a:xfrm>
-      </p:grpSpPr>
-      <p:sp>
-        <p:nvSpPr>
-          <p:cNvPr id="2" name="Title 1">
-            <a:extLst>
-              <a:ext uri="{FF2B5EF4-FFF2-40B4-BE49-F238E27FC236}">
-                <a16:creationId xmlns:a16="http://schemas.microsoft.com/office/drawing/2014/main" id="{A457B1B9-27D3-4A33-B0B8-DE77A20BDB4C}"/>
-              </a:ext>
-            </a:extLst>
-          </p:cNvPr>
-          <p:cNvSpPr>
-            <a:spLocks noGrp="1"/>
-          </p:cNvSpPr>
-          <p:nvPr>
-            <p:ph type="title"/>
-          </p:nvPr>
-        </p:nvSpPr>
-        <p:spPr/>
-        <p:txBody>
-          <a:bodyPr/>
-          <a:lstStyle/>
-          <a:p>
-            <a:r>
-              <a:rPr lang="en-IE" dirty="0"/>
-              <a:t>Dev/Test workload optimizations</a:t>
-            </a:r>
-          </a:p>
-        </p:txBody>
-      </p:sp>
-      <p:sp>
-        <p:nvSpPr>
-          <p:cNvPr id="3" name="Content Placeholder 2">
-            <a:extLst>
-              <a:ext uri="{FF2B5EF4-FFF2-40B4-BE49-F238E27FC236}">
-                <a16:creationId xmlns:a16="http://schemas.microsoft.com/office/drawing/2014/main" id="{4759384C-04EA-4F86-ADD1-4E1021124DF6}"/>
-              </a:ext>
-            </a:extLst>
-          </p:cNvPr>
-          <p:cNvSpPr>
-            <a:spLocks noGrp="1"/>
-          </p:cNvSpPr>
-          <p:nvPr>
-            <p:ph idx="1"/>
-          </p:nvPr>
-        </p:nvSpPr>
-        <p:spPr/>
-        <p:txBody>
-          <a:bodyPr/>
-          <a:lstStyle/>
-          <a:p>
-            <a:r>
-              <a:rPr lang="en-IE" dirty="0"/>
-              <a:t>Visual Studio Subscriptions, </a:t>
-            </a:r>
-            <a:r>
-              <a:rPr lang="en-IE"/>
-              <a:t>Azure Dev/Test</a:t>
-            </a:r>
-            <a:endParaRPr lang="en-IE" dirty="0"/>
-          </a:p>
-          <a:p>
-            <a:pPr lvl="1"/>
-            <a:r>
-              <a:rPr lang="en-IE" dirty="0"/>
-              <a:t>Azure credits </a:t>
-            </a:r>
-          </a:p>
-          <a:p>
-            <a:pPr lvl="1"/>
-            <a:r>
-              <a:rPr lang="en-IE" dirty="0"/>
-              <a:t>Cheaper resources</a:t>
-            </a:r>
-          </a:p>
-          <a:p>
-            <a:pPr lvl="1"/>
-            <a:r>
-              <a:rPr lang="en-IE" dirty="0"/>
-              <a:t>Dev/Test licenses </a:t>
-            </a:r>
-          </a:p>
-          <a:p>
-            <a:r>
-              <a:rPr lang="en-IE" dirty="0"/>
-              <a:t>Dev/Test Licenses for SQL Server</a:t>
-            </a:r>
-          </a:p>
-          <a:p>
-            <a:r>
-              <a:rPr lang="en-IE" dirty="0"/>
-              <a:t>Azure Dev/Test</a:t>
-            </a:r>
-          </a:p>
-          <a:p>
-            <a:pPr lvl="1"/>
-            <a:r>
-              <a:rPr lang="en-IE" dirty="0"/>
-              <a:t>Combines with Azure Reservations for further discounts</a:t>
-            </a:r>
-          </a:p>
-        </p:txBody>
-      </p:sp>
-    </p:spTree>
-    <p:extLst>
-      <p:ext uri="{BB962C8B-B14F-4D97-AF65-F5344CB8AC3E}">
-        <p14:creationId xmlns:p14="http://schemas.microsoft.com/office/powerpoint/2010/main" val="3163337946"/>
       </p:ext>
     </p:extLst>
   </p:cSld>
@@ -20165,6 +21516,1241 @@
       </p:grpSpPr>
       <p:sp>
         <p:nvSpPr>
+          <p:cNvPr id="4" name="Title 3">
+            <a:extLst>
+              <a:ext uri="{FF2B5EF4-FFF2-40B4-BE49-F238E27FC236}">
+                <a16:creationId xmlns:a16="http://schemas.microsoft.com/office/drawing/2014/main" id="{C5501262-D1EB-492D-BCCD-0923FF170821}"/>
+              </a:ext>
+            </a:extLst>
+          </p:cNvPr>
+          <p:cNvSpPr>
+            <a:spLocks noGrp="1"/>
+          </p:cNvSpPr>
+          <p:nvPr>
+            <p:ph type="title"/>
+          </p:nvPr>
+        </p:nvSpPr>
+        <p:spPr/>
+        <p:txBody>
+          <a:bodyPr/>
+          <a:lstStyle/>
+          <a:p>
+            <a:r>
+              <a:rPr lang="en-IE" dirty="0"/>
+              <a:t>Real Time Reporting</a:t>
+            </a:r>
+          </a:p>
+        </p:txBody>
+      </p:sp>
+      <p:sp>
+        <p:nvSpPr>
+          <p:cNvPr id="5" name="Text Placeholder 4">
+            <a:extLst>
+              <a:ext uri="{FF2B5EF4-FFF2-40B4-BE49-F238E27FC236}">
+                <a16:creationId xmlns:a16="http://schemas.microsoft.com/office/drawing/2014/main" id="{E4F77F75-9884-4D21-8B0D-4ADFB7D372EF}"/>
+              </a:ext>
+            </a:extLst>
+          </p:cNvPr>
+          <p:cNvSpPr>
+            <a:spLocks noGrp="1"/>
+          </p:cNvSpPr>
+          <p:nvPr>
+            <p:ph type="body" idx="1"/>
+          </p:nvPr>
+        </p:nvSpPr>
+        <p:spPr/>
+        <p:txBody>
+          <a:bodyPr/>
+          <a:lstStyle/>
+          <a:p>
+            <a:r>
+              <a:rPr lang="en-IE" dirty="0"/>
+              <a:t>How can we provide information that teams need to make a better decision?</a:t>
+            </a:r>
+          </a:p>
+        </p:txBody>
+      </p:sp>
+    </p:spTree>
+    <p:extLst>
+      <p:ext uri="{BB962C8B-B14F-4D97-AF65-F5344CB8AC3E}">
+        <p14:creationId xmlns:p14="http://schemas.microsoft.com/office/powerpoint/2010/main" val="2896877450"/>
+      </p:ext>
+    </p:extLst>
+  </p:cSld>
+  <p:clrMapOvr>
+    <a:masterClrMapping/>
+  </p:clrMapOvr>
+</p:sld>
+</file>
+
+<file path=ppt/slides/slide21.xml><?xml version="1.0" encoding="utf-8"?>
+<p:sld xmlns:a="http://schemas.openxmlformats.org/drawingml/2006/main" xmlns:r="http://schemas.openxmlformats.org/officeDocument/2006/relationships" xmlns:p="http://schemas.openxmlformats.org/presentationml/2006/main">
+  <p:cSld>
+    <p:spTree>
+      <p:nvGrpSpPr>
+        <p:cNvPr id="1" name=""/>
+        <p:cNvGrpSpPr/>
+        <p:nvPr/>
+      </p:nvGrpSpPr>
+      <p:grpSpPr>
+        <a:xfrm>
+          <a:off x="0" y="0"/>
+          <a:ext cx="0" cy="0"/>
+          <a:chOff x="0" y="0"/>
+          <a:chExt cx="0" cy="0"/>
+        </a:xfrm>
+      </p:grpSpPr>
+      <p:sp>
+        <p:nvSpPr>
+          <p:cNvPr id="4" name="Title 3">
+            <a:extLst>
+              <a:ext uri="{FF2B5EF4-FFF2-40B4-BE49-F238E27FC236}">
+                <a16:creationId xmlns:a16="http://schemas.microsoft.com/office/drawing/2014/main" id="{02AFAC74-A389-467C-800C-B58128C57050}"/>
+              </a:ext>
+            </a:extLst>
+          </p:cNvPr>
+          <p:cNvSpPr>
+            <a:spLocks noGrp="1"/>
+          </p:cNvSpPr>
+          <p:nvPr>
+            <p:ph type="title"/>
+          </p:nvPr>
+        </p:nvSpPr>
+        <p:spPr/>
+        <p:txBody>
+          <a:bodyPr/>
+          <a:lstStyle/>
+          <a:p>
+            <a:r>
+              <a:rPr lang="en-IE" dirty="0"/>
+              <a:t>Reasoning</a:t>
+            </a:r>
+          </a:p>
+        </p:txBody>
+      </p:sp>
+      <p:sp>
+        <p:nvSpPr>
+          <p:cNvPr id="5" name="Content Placeholder 4">
+            <a:extLst>
+              <a:ext uri="{FF2B5EF4-FFF2-40B4-BE49-F238E27FC236}">
+                <a16:creationId xmlns:a16="http://schemas.microsoft.com/office/drawing/2014/main" id="{07DDDC08-1E51-4E0A-9B9E-150FC64C1A68}"/>
+              </a:ext>
+            </a:extLst>
+          </p:cNvPr>
+          <p:cNvSpPr>
+            <a:spLocks noGrp="1"/>
+          </p:cNvSpPr>
+          <p:nvPr>
+            <p:ph idx="1"/>
+          </p:nvPr>
+        </p:nvSpPr>
+        <p:spPr/>
+        <p:txBody>
+          <a:bodyPr/>
+          <a:lstStyle/>
+          <a:p>
+            <a:r>
+              <a:rPr lang="en-IE" dirty="0"/>
+              <a:t>Feedback </a:t>
+            </a:r>
+          </a:p>
+          <a:p>
+            <a:r>
+              <a:rPr lang="en-IE" dirty="0"/>
+              <a:t>Understanding business impact</a:t>
+            </a:r>
+          </a:p>
+          <a:p>
+            <a:r>
+              <a:rPr lang="en-IE" dirty="0"/>
+              <a:t>Accountability </a:t>
+            </a:r>
+          </a:p>
+          <a:p>
+            <a:r>
+              <a:rPr lang="en-IE" dirty="0"/>
+              <a:t>Informed decision</a:t>
+            </a:r>
+          </a:p>
+        </p:txBody>
+      </p:sp>
+    </p:spTree>
+    <p:extLst>
+      <p:ext uri="{BB962C8B-B14F-4D97-AF65-F5344CB8AC3E}">
+        <p14:creationId xmlns:p14="http://schemas.microsoft.com/office/powerpoint/2010/main" val="3351844833"/>
+      </p:ext>
+    </p:extLst>
+  </p:cSld>
+  <p:clrMapOvr>
+    <a:masterClrMapping/>
+  </p:clrMapOvr>
+</p:sld>
+</file>
+
+<file path=ppt/slides/slide22.xml><?xml version="1.0" encoding="utf-8"?>
+<p:sld xmlns:a="http://schemas.openxmlformats.org/drawingml/2006/main" xmlns:r="http://schemas.openxmlformats.org/officeDocument/2006/relationships" xmlns:p="http://schemas.openxmlformats.org/presentationml/2006/main">
+  <p:cSld>
+    <p:spTree>
+      <p:nvGrpSpPr>
+        <p:cNvPr id="1" name=""/>
+        <p:cNvGrpSpPr/>
+        <p:nvPr/>
+      </p:nvGrpSpPr>
+      <p:grpSpPr>
+        <a:xfrm>
+          <a:off x="0" y="0"/>
+          <a:ext cx="0" cy="0"/>
+          <a:chOff x="0" y="0"/>
+          <a:chExt cx="0" cy="0"/>
+        </a:xfrm>
+      </p:grpSpPr>
+      <p:sp>
+        <p:nvSpPr>
+          <p:cNvPr id="2" name="Title 1">
+            <a:extLst>
+              <a:ext uri="{FF2B5EF4-FFF2-40B4-BE49-F238E27FC236}">
+                <a16:creationId xmlns:a16="http://schemas.microsoft.com/office/drawing/2014/main" id="{E281AD0A-74AF-4A56-8583-3C08F8D34DF8}"/>
+              </a:ext>
+            </a:extLst>
+          </p:cNvPr>
+          <p:cNvSpPr>
+            <a:spLocks noGrp="1"/>
+          </p:cNvSpPr>
+          <p:nvPr>
+            <p:ph type="title"/>
+          </p:nvPr>
+        </p:nvSpPr>
+        <p:spPr/>
+        <p:txBody>
+          <a:bodyPr/>
+          <a:lstStyle/>
+          <a:p>
+            <a:r>
+              <a:rPr lang="en-IE" dirty="0"/>
+              <a:t>Report granularity</a:t>
+            </a:r>
+          </a:p>
+        </p:txBody>
+      </p:sp>
+      <p:sp>
+        <p:nvSpPr>
+          <p:cNvPr id="3" name="Content Placeholder 2">
+            <a:extLst>
+              <a:ext uri="{FF2B5EF4-FFF2-40B4-BE49-F238E27FC236}">
+                <a16:creationId xmlns:a16="http://schemas.microsoft.com/office/drawing/2014/main" id="{EC58F889-CD5B-4F4D-984E-7DB1F831106D}"/>
+              </a:ext>
+            </a:extLst>
+          </p:cNvPr>
+          <p:cNvSpPr>
+            <a:spLocks noGrp="1"/>
+          </p:cNvSpPr>
+          <p:nvPr>
+            <p:ph idx="1"/>
+          </p:nvPr>
+        </p:nvSpPr>
+        <p:spPr/>
+        <p:txBody>
+          <a:bodyPr/>
+          <a:lstStyle/>
+          <a:p>
+            <a:r>
+              <a:rPr lang="en-IE" dirty="0"/>
+              <a:t>Tags can be used to mark resources per Department/Project</a:t>
+            </a:r>
+          </a:p>
+        </p:txBody>
+      </p:sp>
+    </p:spTree>
+    <p:extLst>
+      <p:ext uri="{BB962C8B-B14F-4D97-AF65-F5344CB8AC3E}">
+        <p14:creationId xmlns:p14="http://schemas.microsoft.com/office/powerpoint/2010/main" val="855628807"/>
+      </p:ext>
+    </p:extLst>
+  </p:cSld>
+  <p:clrMapOvr>
+    <a:masterClrMapping/>
+  </p:clrMapOvr>
+</p:sld>
+</file>
+
+<file path=ppt/slides/slide23.xml><?xml version="1.0" encoding="utf-8"?>
+<p:sld xmlns:a="http://schemas.openxmlformats.org/drawingml/2006/main" xmlns:r="http://schemas.openxmlformats.org/officeDocument/2006/relationships" xmlns:p="http://schemas.openxmlformats.org/presentationml/2006/main">
+  <p:cSld>
+    <p:spTree>
+      <p:nvGrpSpPr>
+        <p:cNvPr id="1" name=""/>
+        <p:cNvGrpSpPr/>
+        <p:nvPr/>
+      </p:nvGrpSpPr>
+      <p:grpSpPr>
+        <a:xfrm>
+          <a:off x="0" y="0"/>
+          <a:ext cx="0" cy="0"/>
+          <a:chOff x="0" y="0"/>
+          <a:chExt cx="0" cy="0"/>
+        </a:xfrm>
+      </p:grpSpPr>
+      <p:sp>
+        <p:nvSpPr>
+          <p:cNvPr id="2" name="Title 1">
+            <a:extLst>
+              <a:ext uri="{FF2B5EF4-FFF2-40B4-BE49-F238E27FC236}">
+                <a16:creationId xmlns:a16="http://schemas.microsoft.com/office/drawing/2014/main" id="{AA6DB228-D757-4AF8-899C-099F530D8E78}"/>
+              </a:ext>
+            </a:extLst>
+          </p:cNvPr>
+          <p:cNvSpPr>
+            <a:spLocks noGrp="1"/>
+          </p:cNvSpPr>
+          <p:nvPr>
+            <p:ph type="title"/>
+          </p:nvPr>
+        </p:nvSpPr>
+        <p:spPr/>
+        <p:txBody>
+          <a:bodyPr/>
+          <a:lstStyle/>
+          <a:p>
+            <a:pPr algn="ctr"/>
+            <a:r>
+              <a:rPr lang="en-IE" dirty="0"/>
+              <a:t>LMAA</a:t>
+            </a:r>
+          </a:p>
+        </p:txBody>
+      </p:sp>
+      <p:graphicFrame>
+        <p:nvGraphicFramePr>
+          <p:cNvPr id="4" name="Diagram 3">
+            <a:extLst>
+              <a:ext uri="{FF2B5EF4-FFF2-40B4-BE49-F238E27FC236}">
+                <a16:creationId xmlns:a16="http://schemas.microsoft.com/office/drawing/2014/main" id="{7AE5206D-EE3B-4D06-8585-B1AC338D7A5A}"/>
+              </a:ext>
+            </a:extLst>
+          </p:cNvPr>
+          <p:cNvGraphicFramePr/>
+          <p:nvPr>
+            <p:extLst>
+              <p:ext uri="{D42A27DB-BD31-4B8C-83A1-F6EECF244321}">
+                <p14:modId xmlns:p14="http://schemas.microsoft.com/office/powerpoint/2010/main" val="786475719"/>
+              </p:ext>
+            </p:extLst>
+          </p:nvPr>
+        </p:nvGraphicFramePr>
+        <p:xfrm>
+          <a:off x="2693546" y="1690688"/>
+          <a:ext cx="6804908" cy="4447645"/>
+        </p:xfrm>
+        <a:graphic>
+          <a:graphicData uri="http://schemas.openxmlformats.org/drawingml/2006/diagram">
+            <dgm:relIds xmlns:dgm="http://schemas.openxmlformats.org/drawingml/2006/diagram" xmlns:r="http://schemas.openxmlformats.org/officeDocument/2006/relationships" r:dm="rId2" r:lo="rId3" r:qs="rId4" r:cs="rId5"/>
+          </a:graphicData>
+        </a:graphic>
+      </p:graphicFrame>
+    </p:spTree>
+    <p:extLst>
+      <p:ext uri="{BB962C8B-B14F-4D97-AF65-F5344CB8AC3E}">
+        <p14:creationId xmlns:p14="http://schemas.microsoft.com/office/powerpoint/2010/main" val="3496727372"/>
+      </p:ext>
+    </p:extLst>
+  </p:cSld>
+  <p:clrMapOvr>
+    <a:masterClrMapping/>
+  </p:clrMapOvr>
+</p:sld>
+</file>
+
+<file path=ppt/slides/slide24.xml><?xml version="1.0" encoding="utf-8"?>
+<p:sld xmlns:a="http://schemas.openxmlformats.org/drawingml/2006/main" xmlns:r="http://schemas.openxmlformats.org/officeDocument/2006/relationships" xmlns:p="http://schemas.openxmlformats.org/presentationml/2006/main">
+  <p:cSld>
+    <p:spTree>
+      <p:nvGrpSpPr>
+        <p:cNvPr id="1" name=""/>
+        <p:cNvGrpSpPr/>
+        <p:nvPr/>
+      </p:nvGrpSpPr>
+      <p:grpSpPr>
+        <a:xfrm>
+          <a:off x="0" y="0"/>
+          <a:ext cx="0" cy="0"/>
+          <a:chOff x="0" y="0"/>
+          <a:chExt cx="0" cy="0"/>
+        </a:xfrm>
+      </p:grpSpPr>
+      <p:sp>
+        <p:nvSpPr>
+          <p:cNvPr id="2" name="Title 1">
+            <a:extLst>
+              <a:ext uri="{FF2B5EF4-FFF2-40B4-BE49-F238E27FC236}">
+                <a16:creationId xmlns:a16="http://schemas.microsoft.com/office/drawing/2014/main" id="{5843EFD8-5B8A-42FB-8C0D-F50E0372E80D}"/>
+              </a:ext>
+            </a:extLst>
+          </p:cNvPr>
+          <p:cNvSpPr>
+            <a:spLocks noGrp="1"/>
+          </p:cNvSpPr>
+          <p:nvPr>
+            <p:ph type="title"/>
+          </p:nvPr>
+        </p:nvSpPr>
+        <p:spPr/>
+        <p:txBody>
+          <a:bodyPr/>
+          <a:lstStyle/>
+          <a:p>
+            <a:pPr algn="ctr"/>
+            <a:r>
+              <a:rPr lang="en-IE" dirty="0"/>
+              <a:t>LMAA Technologies</a:t>
+            </a:r>
+          </a:p>
+        </p:txBody>
+      </p:sp>
+      <p:graphicFrame>
+        <p:nvGraphicFramePr>
+          <p:cNvPr id="4" name="Diagram 3">
+            <a:extLst>
+              <a:ext uri="{FF2B5EF4-FFF2-40B4-BE49-F238E27FC236}">
+                <a16:creationId xmlns:a16="http://schemas.microsoft.com/office/drawing/2014/main" id="{F4EB0D3B-3580-4032-822E-D97566A6F521}"/>
+              </a:ext>
+            </a:extLst>
+          </p:cNvPr>
+          <p:cNvGraphicFramePr/>
+          <p:nvPr>
+            <p:extLst>
+              <p:ext uri="{D42A27DB-BD31-4B8C-83A1-F6EECF244321}">
+                <p14:modId xmlns:p14="http://schemas.microsoft.com/office/powerpoint/2010/main" val="4099662023"/>
+              </p:ext>
+            </p:extLst>
+          </p:nvPr>
+        </p:nvGraphicFramePr>
+        <p:xfrm>
+          <a:off x="1118363" y="1595044"/>
+          <a:ext cx="9955273" cy="4543289"/>
+        </p:xfrm>
+        <a:graphic>
+          <a:graphicData uri="http://schemas.openxmlformats.org/drawingml/2006/diagram">
+            <dgm:relIds xmlns:dgm="http://schemas.openxmlformats.org/drawingml/2006/diagram" xmlns:r="http://schemas.openxmlformats.org/officeDocument/2006/relationships" r:dm="rId3" r:lo="rId4" r:qs="rId5" r:cs="rId6"/>
+          </a:graphicData>
+        </a:graphic>
+      </p:graphicFrame>
+    </p:spTree>
+    <p:extLst>
+      <p:ext uri="{BB962C8B-B14F-4D97-AF65-F5344CB8AC3E}">
+        <p14:creationId xmlns:p14="http://schemas.microsoft.com/office/powerpoint/2010/main" val="1411183646"/>
+      </p:ext>
+    </p:extLst>
+  </p:cSld>
+  <p:clrMapOvr>
+    <a:masterClrMapping/>
+  </p:clrMapOvr>
+</p:sld>
+</file>
+
+<file path=ppt/slides/slide25.xml><?xml version="1.0" encoding="utf-8"?>
+<p:sld xmlns:a="http://schemas.openxmlformats.org/drawingml/2006/main" xmlns:r="http://schemas.openxmlformats.org/officeDocument/2006/relationships" xmlns:p="http://schemas.openxmlformats.org/presentationml/2006/main">
+  <p:cSld>
+    <p:spTree>
+      <p:nvGrpSpPr>
+        <p:cNvPr id="1" name=""/>
+        <p:cNvGrpSpPr/>
+        <p:nvPr/>
+      </p:nvGrpSpPr>
+      <p:grpSpPr>
+        <a:xfrm>
+          <a:off x="0" y="0"/>
+          <a:ext cx="0" cy="0"/>
+          <a:chOff x="0" y="0"/>
+          <a:chExt cx="0" cy="0"/>
+        </a:xfrm>
+      </p:grpSpPr>
+      <p:sp>
+        <p:nvSpPr>
+          <p:cNvPr id="2" name="Title 1">
+            <a:extLst>
+              <a:ext uri="{FF2B5EF4-FFF2-40B4-BE49-F238E27FC236}">
+                <a16:creationId xmlns:a16="http://schemas.microsoft.com/office/drawing/2014/main" id="{7833E578-C63E-48A4-8C18-A8E21D167604}"/>
+              </a:ext>
+            </a:extLst>
+          </p:cNvPr>
+          <p:cNvSpPr>
+            <a:spLocks noGrp="1"/>
+          </p:cNvSpPr>
+          <p:nvPr>
+            <p:ph type="title"/>
+          </p:nvPr>
+        </p:nvSpPr>
+        <p:spPr/>
+        <p:txBody>
+          <a:bodyPr/>
+          <a:lstStyle/>
+          <a:p>
+            <a:pPr algn="ctr"/>
+            <a:r>
+              <a:rPr lang="en-IE" dirty="0"/>
+              <a:t>Cost Alert</a:t>
+            </a:r>
+          </a:p>
+        </p:txBody>
+      </p:sp>
+      <p:sp>
+        <p:nvSpPr>
+          <p:cNvPr id="3" name="Content Placeholder 2">
+            <a:extLst>
+              <a:ext uri="{FF2B5EF4-FFF2-40B4-BE49-F238E27FC236}">
+                <a16:creationId xmlns:a16="http://schemas.microsoft.com/office/drawing/2014/main" id="{037EA7D8-EB31-420E-8956-51BDF0D44D49}"/>
+              </a:ext>
+            </a:extLst>
+          </p:cNvPr>
+          <p:cNvSpPr>
+            <a:spLocks noGrp="1"/>
+          </p:cNvSpPr>
+          <p:nvPr>
+            <p:ph idx="1"/>
+          </p:nvPr>
+        </p:nvSpPr>
+        <p:spPr/>
+        <p:txBody>
+          <a:bodyPr/>
+          <a:lstStyle/>
+          <a:p>
+            <a:r>
+              <a:rPr lang="en-IE" dirty="0"/>
+              <a:t>Budget Alerts</a:t>
+            </a:r>
+          </a:p>
+          <a:p>
+            <a:r>
+              <a:rPr lang="en-IE" dirty="0"/>
+              <a:t>Credit Alerts</a:t>
+            </a:r>
+          </a:p>
+          <a:p>
+            <a:r>
+              <a:rPr lang="en-IE" dirty="0"/>
+              <a:t>Department spending quota</a:t>
+            </a:r>
+          </a:p>
+        </p:txBody>
+      </p:sp>
+    </p:spTree>
+    <p:extLst>
+      <p:ext uri="{BB962C8B-B14F-4D97-AF65-F5344CB8AC3E}">
+        <p14:creationId xmlns:p14="http://schemas.microsoft.com/office/powerpoint/2010/main" val="1729660448"/>
+      </p:ext>
+    </p:extLst>
+  </p:cSld>
+  <p:clrMapOvr>
+    <a:masterClrMapping/>
+  </p:clrMapOvr>
+</p:sld>
+</file>
+
+<file path=ppt/slides/slide26.xml><?xml version="1.0" encoding="utf-8"?>
+<p:sld xmlns:a="http://schemas.openxmlformats.org/drawingml/2006/main" xmlns:r="http://schemas.openxmlformats.org/officeDocument/2006/relationships" xmlns:p="http://schemas.openxmlformats.org/presentationml/2006/main">
+  <p:cSld>
+    <p:spTree>
+      <p:nvGrpSpPr>
+        <p:cNvPr id="1" name=""/>
+        <p:cNvGrpSpPr/>
+        <p:nvPr/>
+      </p:nvGrpSpPr>
+      <p:grpSpPr>
+        <a:xfrm>
+          <a:off x="0" y="0"/>
+          <a:ext cx="0" cy="0"/>
+          <a:chOff x="0" y="0"/>
+          <a:chExt cx="0" cy="0"/>
+        </a:xfrm>
+      </p:grpSpPr>
+      <p:sp>
+        <p:nvSpPr>
+          <p:cNvPr id="2" name="Title 1">
+            <a:extLst>
+              <a:ext uri="{FF2B5EF4-FFF2-40B4-BE49-F238E27FC236}">
+                <a16:creationId xmlns:a16="http://schemas.microsoft.com/office/drawing/2014/main" id="{F526216F-5A7C-4A3C-BBED-E7FB46746415}"/>
+              </a:ext>
+            </a:extLst>
+          </p:cNvPr>
+          <p:cNvSpPr>
+            <a:spLocks noGrp="1"/>
+          </p:cNvSpPr>
+          <p:nvPr>
+            <p:ph type="title"/>
+          </p:nvPr>
+        </p:nvSpPr>
+        <p:spPr/>
+        <p:txBody>
+          <a:bodyPr/>
+          <a:lstStyle/>
+          <a:p>
+            <a:pPr algn="ctr"/>
+            <a:r>
+              <a:rPr lang="en-IE" dirty="0"/>
+              <a:t>Alert availability per subscription type</a:t>
+            </a:r>
+          </a:p>
+        </p:txBody>
+      </p:sp>
+      <p:pic>
+        <p:nvPicPr>
+          <p:cNvPr id="4" name="Picture 3">
+            <a:extLst>
+              <a:ext uri="{FF2B5EF4-FFF2-40B4-BE49-F238E27FC236}">
+                <a16:creationId xmlns:a16="http://schemas.microsoft.com/office/drawing/2014/main" id="{DBEC1CBC-3F68-4F5D-90E2-32BA2E20C5D5}"/>
+              </a:ext>
+            </a:extLst>
+          </p:cNvPr>
+          <p:cNvPicPr>
+            <a:picLocks noChangeAspect="1"/>
+          </p:cNvPicPr>
+          <p:nvPr/>
+        </p:nvPicPr>
+        <p:blipFill>
+          <a:blip r:embed="rId3"/>
+          <a:stretch>
+            <a:fillRect/>
+          </a:stretch>
+        </p:blipFill>
+        <p:spPr>
+          <a:xfrm>
+            <a:off x="838200" y="1925234"/>
+            <a:ext cx="10515600" cy="4148254"/>
+          </a:xfrm>
+          <a:prstGeom prst="rect">
+            <a:avLst/>
+          </a:prstGeom>
+        </p:spPr>
+      </p:pic>
+    </p:spTree>
+    <p:extLst>
+      <p:ext uri="{BB962C8B-B14F-4D97-AF65-F5344CB8AC3E}">
+        <p14:creationId xmlns:p14="http://schemas.microsoft.com/office/powerpoint/2010/main" val="696141294"/>
+      </p:ext>
+    </p:extLst>
+  </p:cSld>
+  <p:clrMapOvr>
+    <a:masterClrMapping/>
+  </p:clrMapOvr>
+</p:sld>
+</file>
+
+<file path=ppt/slides/slide27.xml><?xml version="1.0" encoding="utf-8"?>
+<p:sld xmlns:a="http://schemas.openxmlformats.org/drawingml/2006/main" xmlns:r="http://schemas.openxmlformats.org/officeDocument/2006/relationships" xmlns:p="http://schemas.openxmlformats.org/presentationml/2006/main">
+  <p:cSld>
+    <p:spTree>
+      <p:nvGrpSpPr>
+        <p:cNvPr id="1" name=""/>
+        <p:cNvGrpSpPr/>
+        <p:nvPr/>
+      </p:nvGrpSpPr>
+      <p:grpSpPr>
+        <a:xfrm>
+          <a:off x="0" y="0"/>
+          <a:ext cx="0" cy="0"/>
+          <a:chOff x="0" y="0"/>
+          <a:chExt cx="0" cy="0"/>
+        </a:xfrm>
+      </p:grpSpPr>
+      <p:sp>
+        <p:nvSpPr>
+          <p:cNvPr id="4" name="Title 3">
+            <a:extLst>
+              <a:ext uri="{FF2B5EF4-FFF2-40B4-BE49-F238E27FC236}">
+                <a16:creationId xmlns:a16="http://schemas.microsoft.com/office/drawing/2014/main" id="{D03756E0-B788-482C-AF27-147F52D9C5FE}"/>
+              </a:ext>
+            </a:extLst>
+          </p:cNvPr>
+          <p:cNvSpPr>
+            <a:spLocks noGrp="1"/>
+          </p:cNvSpPr>
+          <p:nvPr>
+            <p:ph type="title"/>
+          </p:nvPr>
+        </p:nvSpPr>
+        <p:spPr/>
+        <p:txBody>
+          <a:bodyPr/>
+          <a:lstStyle/>
+          <a:p>
+            <a:r>
+              <a:rPr lang="en-IE" dirty="0"/>
+              <a:t>Automation Examples</a:t>
+            </a:r>
+          </a:p>
+        </p:txBody>
+      </p:sp>
+      <p:sp>
+        <p:nvSpPr>
+          <p:cNvPr id="5" name="Text Placeholder 4">
+            <a:extLst>
+              <a:ext uri="{FF2B5EF4-FFF2-40B4-BE49-F238E27FC236}">
+                <a16:creationId xmlns:a16="http://schemas.microsoft.com/office/drawing/2014/main" id="{2996A216-4DE1-4088-8420-60D5495C0E99}"/>
+              </a:ext>
+            </a:extLst>
+          </p:cNvPr>
+          <p:cNvSpPr>
+            <a:spLocks noGrp="1"/>
+          </p:cNvSpPr>
+          <p:nvPr>
+            <p:ph type="body" idx="1"/>
+          </p:nvPr>
+        </p:nvSpPr>
+        <p:spPr/>
+        <p:txBody>
+          <a:bodyPr/>
+          <a:lstStyle/>
+          <a:p>
+            <a:endParaRPr lang="en-IE"/>
+          </a:p>
+        </p:txBody>
+      </p:sp>
+    </p:spTree>
+    <p:extLst>
+      <p:ext uri="{BB962C8B-B14F-4D97-AF65-F5344CB8AC3E}">
+        <p14:creationId xmlns:p14="http://schemas.microsoft.com/office/powerpoint/2010/main" val="3683657012"/>
+      </p:ext>
+    </p:extLst>
+  </p:cSld>
+  <p:clrMapOvr>
+    <a:masterClrMapping/>
+  </p:clrMapOvr>
+</p:sld>
+</file>
+
+<file path=ppt/slides/slide28.xml><?xml version="1.0" encoding="utf-8"?>
+<p:sld xmlns:a="http://schemas.openxmlformats.org/drawingml/2006/main" xmlns:r="http://schemas.openxmlformats.org/officeDocument/2006/relationships" xmlns:p="http://schemas.openxmlformats.org/presentationml/2006/main">
+  <p:cSld>
+    <p:spTree>
+      <p:nvGrpSpPr>
+        <p:cNvPr id="1" name=""/>
+        <p:cNvGrpSpPr/>
+        <p:nvPr/>
+      </p:nvGrpSpPr>
+      <p:grpSpPr>
+        <a:xfrm>
+          <a:off x="0" y="0"/>
+          <a:ext cx="0" cy="0"/>
+          <a:chOff x="0" y="0"/>
+          <a:chExt cx="0" cy="0"/>
+        </a:xfrm>
+      </p:grpSpPr>
+      <p:sp>
+        <p:nvSpPr>
+          <p:cNvPr id="4" name="Title 3">
+            <a:extLst>
+              <a:ext uri="{FF2B5EF4-FFF2-40B4-BE49-F238E27FC236}">
+                <a16:creationId xmlns:a16="http://schemas.microsoft.com/office/drawing/2014/main" id="{70CA46F3-8C16-41DB-BDFB-B583E5748B3B}"/>
+              </a:ext>
+            </a:extLst>
+          </p:cNvPr>
+          <p:cNvSpPr>
+            <a:spLocks noGrp="1"/>
+          </p:cNvSpPr>
+          <p:nvPr>
+            <p:ph type="title"/>
+          </p:nvPr>
+        </p:nvSpPr>
+        <p:spPr/>
+        <p:txBody>
+          <a:bodyPr/>
+          <a:lstStyle/>
+          <a:p>
+            <a:r>
+              <a:rPr lang="en-IE" dirty="0"/>
+              <a:t>Tag usages</a:t>
+            </a:r>
+          </a:p>
+        </p:txBody>
+      </p:sp>
+      <p:sp>
+        <p:nvSpPr>
+          <p:cNvPr id="5" name="Content Placeholder 4">
+            <a:extLst>
+              <a:ext uri="{FF2B5EF4-FFF2-40B4-BE49-F238E27FC236}">
+                <a16:creationId xmlns:a16="http://schemas.microsoft.com/office/drawing/2014/main" id="{A04DC65F-843C-436E-9814-E2B802A616E3}"/>
+              </a:ext>
+            </a:extLst>
+          </p:cNvPr>
+          <p:cNvSpPr>
+            <a:spLocks noGrp="1"/>
+          </p:cNvSpPr>
+          <p:nvPr>
+            <p:ph idx="1"/>
+          </p:nvPr>
+        </p:nvSpPr>
+        <p:spPr/>
+        <p:txBody>
+          <a:bodyPr/>
+          <a:lstStyle/>
+          <a:p>
+            <a:r>
+              <a:rPr lang="en-IE" dirty="0"/>
+              <a:t>Tag “stop: never”</a:t>
+            </a:r>
+          </a:p>
+          <a:p>
+            <a:pPr lvl="1"/>
+            <a:r>
+              <a:rPr lang="en-IE" dirty="0"/>
+              <a:t>Daily automation task, stops every resource without the tag</a:t>
+            </a:r>
+          </a:p>
+        </p:txBody>
+      </p:sp>
+    </p:spTree>
+    <p:extLst>
+      <p:ext uri="{BB962C8B-B14F-4D97-AF65-F5344CB8AC3E}">
+        <p14:creationId xmlns:p14="http://schemas.microsoft.com/office/powerpoint/2010/main" val="1603767379"/>
+      </p:ext>
+    </p:extLst>
+  </p:cSld>
+  <p:clrMapOvr>
+    <a:masterClrMapping/>
+  </p:clrMapOvr>
+</p:sld>
+</file>
+
+<file path=ppt/slides/slide29.xml><?xml version="1.0" encoding="utf-8"?>
+<p:sld xmlns:a="http://schemas.openxmlformats.org/drawingml/2006/main" xmlns:r="http://schemas.openxmlformats.org/officeDocument/2006/relationships" xmlns:p="http://schemas.openxmlformats.org/presentationml/2006/main">
+  <p:cSld>
+    <p:spTree>
+      <p:nvGrpSpPr>
+        <p:cNvPr id="1" name=""/>
+        <p:cNvGrpSpPr/>
+        <p:nvPr/>
+      </p:nvGrpSpPr>
+      <p:grpSpPr>
+        <a:xfrm>
+          <a:off x="0" y="0"/>
+          <a:ext cx="0" cy="0"/>
+          <a:chOff x="0" y="0"/>
+          <a:chExt cx="0" cy="0"/>
+        </a:xfrm>
+      </p:grpSpPr>
+      <p:sp>
+        <p:nvSpPr>
+          <p:cNvPr id="4" name="Title 3">
+            <a:extLst>
+              <a:ext uri="{FF2B5EF4-FFF2-40B4-BE49-F238E27FC236}">
+                <a16:creationId xmlns:a16="http://schemas.microsoft.com/office/drawing/2014/main" id="{39DE5782-985B-47CF-9A3F-637C7FC2C62B}"/>
+              </a:ext>
+            </a:extLst>
+          </p:cNvPr>
+          <p:cNvSpPr>
+            <a:spLocks noGrp="1"/>
+          </p:cNvSpPr>
+          <p:nvPr>
+            <p:ph type="title"/>
+          </p:nvPr>
+        </p:nvSpPr>
+        <p:spPr/>
+        <p:txBody>
+          <a:bodyPr/>
+          <a:lstStyle/>
+          <a:p>
+            <a:r>
+              <a:rPr lang="en-IE" dirty="0"/>
+              <a:t>Per Service Optimizations</a:t>
+            </a:r>
+          </a:p>
+        </p:txBody>
+      </p:sp>
+      <p:sp>
+        <p:nvSpPr>
+          <p:cNvPr id="5" name="Text Placeholder 4">
+            <a:extLst>
+              <a:ext uri="{FF2B5EF4-FFF2-40B4-BE49-F238E27FC236}">
+                <a16:creationId xmlns:a16="http://schemas.microsoft.com/office/drawing/2014/main" id="{0AE0E2C5-04A8-48F0-B6FE-BB370F1617F5}"/>
+              </a:ext>
+            </a:extLst>
+          </p:cNvPr>
+          <p:cNvSpPr>
+            <a:spLocks noGrp="1"/>
+          </p:cNvSpPr>
+          <p:nvPr>
+            <p:ph type="body" idx="1"/>
+          </p:nvPr>
+        </p:nvSpPr>
+        <p:spPr/>
+        <p:txBody>
+          <a:bodyPr/>
+          <a:lstStyle/>
+          <a:p>
+            <a:endParaRPr lang="en-IE" dirty="0"/>
+          </a:p>
+        </p:txBody>
+      </p:sp>
+    </p:spTree>
+    <p:extLst>
+      <p:ext uri="{BB962C8B-B14F-4D97-AF65-F5344CB8AC3E}">
+        <p14:creationId xmlns:p14="http://schemas.microsoft.com/office/powerpoint/2010/main" val="1439840507"/>
+      </p:ext>
+    </p:extLst>
+  </p:cSld>
+  <p:clrMapOvr>
+    <a:masterClrMapping/>
+  </p:clrMapOvr>
+</p:sld>
+</file>
+
+<file path=ppt/slides/slide3.xml><?xml version="1.0" encoding="utf-8"?>
+<p:sld xmlns:a="http://schemas.openxmlformats.org/drawingml/2006/main" xmlns:r="http://schemas.openxmlformats.org/officeDocument/2006/relationships" xmlns:p="http://schemas.openxmlformats.org/presentationml/2006/main">
+  <p:cSld>
+    <p:spTree>
+      <p:nvGrpSpPr>
+        <p:cNvPr id="1" name=""/>
+        <p:cNvGrpSpPr/>
+        <p:nvPr/>
+      </p:nvGrpSpPr>
+      <p:grpSpPr>
+        <a:xfrm>
+          <a:off x="0" y="0"/>
+          <a:ext cx="0" cy="0"/>
+          <a:chOff x="0" y="0"/>
+          <a:chExt cx="0" cy="0"/>
+        </a:xfrm>
+      </p:grpSpPr>
+      <p:sp>
+        <p:nvSpPr>
+          <p:cNvPr id="4" name="Title 3">
+            <a:extLst>
+              <a:ext uri="{FF2B5EF4-FFF2-40B4-BE49-F238E27FC236}">
+                <a16:creationId xmlns:a16="http://schemas.microsoft.com/office/drawing/2014/main" id="{68A7164B-74BD-481D-BF86-96D073282AC1}"/>
+              </a:ext>
+            </a:extLst>
+          </p:cNvPr>
+          <p:cNvSpPr>
+            <a:spLocks noGrp="1"/>
+          </p:cNvSpPr>
+          <p:nvPr>
+            <p:ph type="title"/>
+          </p:nvPr>
+        </p:nvSpPr>
+        <p:spPr/>
+        <p:txBody>
+          <a:bodyPr/>
+          <a:lstStyle/>
+          <a:p>
+            <a:r>
+              <a:rPr lang="en-IE" dirty="0"/>
+              <a:t>Introduction</a:t>
+            </a:r>
+          </a:p>
+        </p:txBody>
+      </p:sp>
+      <p:sp>
+        <p:nvSpPr>
+          <p:cNvPr id="5" name="Text Placeholder 4">
+            <a:extLst>
+              <a:ext uri="{FF2B5EF4-FFF2-40B4-BE49-F238E27FC236}">
+                <a16:creationId xmlns:a16="http://schemas.microsoft.com/office/drawing/2014/main" id="{27893A46-E04E-4F01-A77B-08B9CC0D87FC}"/>
+              </a:ext>
+            </a:extLst>
+          </p:cNvPr>
+          <p:cNvSpPr>
+            <a:spLocks noGrp="1"/>
+          </p:cNvSpPr>
+          <p:nvPr>
+            <p:ph type="body" idx="1"/>
+          </p:nvPr>
+        </p:nvSpPr>
+        <p:spPr/>
+        <p:txBody>
+          <a:bodyPr/>
+          <a:lstStyle/>
+          <a:p>
+            <a:endParaRPr lang="en-IE"/>
+          </a:p>
+        </p:txBody>
+      </p:sp>
+    </p:spTree>
+    <p:extLst>
+      <p:ext uri="{BB962C8B-B14F-4D97-AF65-F5344CB8AC3E}">
+        <p14:creationId xmlns:p14="http://schemas.microsoft.com/office/powerpoint/2010/main" val="3560890950"/>
+      </p:ext>
+    </p:extLst>
+  </p:cSld>
+  <p:clrMapOvr>
+    <a:masterClrMapping/>
+  </p:clrMapOvr>
+</p:sld>
+</file>
+
+<file path=ppt/slides/slide30.xml><?xml version="1.0" encoding="utf-8"?>
+<p:sld xmlns:a="http://schemas.openxmlformats.org/drawingml/2006/main" xmlns:r="http://schemas.openxmlformats.org/officeDocument/2006/relationships" xmlns:p="http://schemas.openxmlformats.org/presentationml/2006/main">
+  <p:cSld>
+    <p:spTree>
+      <p:nvGrpSpPr>
+        <p:cNvPr id="1" name=""/>
+        <p:cNvGrpSpPr/>
+        <p:nvPr/>
+      </p:nvGrpSpPr>
+      <p:grpSpPr>
+        <a:xfrm>
+          <a:off x="0" y="0"/>
+          <a:ext cx="0" cy="0"/>
+          <a:chOff x="0" y="0"/>
+          <a:chExt cx="0" cy="0"/>
+        </a:xfrm>
+      </p:grpSpPr>
+      <p:sp>
+        <p:nvSpPr>
+          <p:cNvPr id="2" name="Title 1">
+            <a:extLst>
+              <a:ext uri="{FF2B5EF4-FFF2-40B4-BE49-F238E27FC236}">
+                <a16:creationId xmlns:a16="http://schemas.microsoft.com/office/drawing/2014/main" id="{B6B12FDC-ACFC-45EB-8831-1A58EFD5092D}"/>
+              </a:ext>
+            </a:extLst>
+          </p:cNvPr>
+          <p:cNvSpPr>
+            <a:spLocks noGrp="1"/>
+          </p:cNvSpPr>
+          <p:nvPr>
+            <p:ph type="title"/>
+          </p:nvPr>
+        </p:nvSpPr>
+        <p:spPr/>
+        <p:txBody>
+          <a:bodyPr/>
+          <a:lstStyle/>
+          <a:p>
+            <a:r>
+              <a:rPr lang="en-IE" dirty="0"/>
+              <a:t>Azure SQL Optimizations</a:t>
+            </a:r>
+          </a:p>
+        </p:txBody>
+      </p:sp>
+      <p:sp>
+        <p:nvSpPr>
+          <p:cNvPr id="3" name="Content Placeholder 2">
+            <a:extLst>
+              <a:ext uri="{FF2B5EF4-FFF2-40B4-BE49-F238E27FC236}">
+                <a16:creationId xmlns:a16="http://schemas.microsoft.com/office/drawing/2014/main" id="{B6333C35-6DD0-42B4-8CA8-258F0D05C0F5}"/>
+              </a:ext>
+            </a:extLst>
+          </p:cNvPr>
+          <p:cNvSpPr>
+            <a:spLocks noGrp="1"/>
+          </p:cNvSpPr>
+          <p:nvPr>
+            <p:ph idx="1"/>
+          </p:nvPr>
+        </p:nvSpPr>
+        <p:spPr/>
+        <p:txBody>
+          <a:bodyPr/>
+          <a:lstStyle/>
+          <a:p>
+            <a:r>
+              <a:rPr lang="en-IE"/>
+              <a:t>Pricing tier</a:t>
+            </a:r>
+          </a:p>
+          <a:p>
+            <a:r>
+              <a:rPr lang="en-IE" dirty="0"/>
+              <a:t>Reservations</a:t>
+            </a:r>
+          </a:p>
+          <a:p>
+            <a:r>
+              <a:rPr lang="en-IE" dirty="0"/>
+              <a:t>Azure SQL Elastic Pool (combine multiple </a:t>
+            </a:r>
+            <a:r>
+              <a:rPr lang="en-IE" dirty="0" err="1"/>
+              <a:t>dbs</a:t>
+            </a:r>
+            <a:r>
+              <a:rPr lang="en-IE" dirty="0"/>
+              <a:t> into one)</a:t>
+            </a:r>
+          </a:p>
+          <a:p>
+            <a:r>
+              <a:rPr lang="en-IE" dirty="0"/>
+              <a:t>Scale up / Scale down on schedule </a:t>
+            </a:r>
+          </a:p>
+          <a:p>
+            <a:r>
+              <a:rPr lang="en-IE" dirty="0"/>
+              <a:t>Reduce size of the data (move historical data to archive)</a:t>
+            </a:r>
+          </a:p>
+          <a:p>
+            <a:r>
+              <a:rPr lang="en-IE" dirty="0"/>
+              <a:t>Manual schema/code optimizations </a:t>
+            </a:r>
+          </a:p>
+        </p:txBody>
+      </p:sp>
+    </p:spTree>
+    <p:extLst>
+      <p:ext uri="{BB962C8B-B14F-4D97-AF65-F5344CB8AC3E}">
+        <p14:creationId xmlns:p14="http://schemas.microsoft.com/office/powerpoint/2010/main" val="2232558549"/>
+      </p:ext>
+    </p:extLst>
+  </p:cSld>
+  <p:clrMapOvr>
+    <a:masterClrMapping/>
+  </p:clrMapOvr>
+</p:sld>
+</file>
+
+<file path=ppt/slides/slide31.xml><?xml version="1.0" encoding="utf-8"?>
+<p:sld xmlns:a="http://schemas.openxmlformats.org/drawingml/2006/main" xmlns:r="http://schemas.openxmlformats.org/officeDocument/2006/relationships" xmlns:p="http://schemas.openxmlformats.org/presentationml/2006/main">
+  <p:cSld>
+    <p:spTree>
+      <p:nvGrpSpPr>
+        <p:cNvPr id="1" name=""/>
+        <p:cNvGrpSpPr/>
+        <p:nvPr/>
+      </p:nvGrpSpPr>
+      <p:grpSpPr>
+        <a:xfrm>
+          <a:off x="0" y="0"/>
+          <a:ext cx="0" cy="0"/>
+          <a:chOff x="0" y="0"/>
+          <a:chExt cx="0" cy="0"/>
+        </a:xfrm>
+      </p:grpSpPr>
+      <p:sp>
+        <p:nvSpPr>
+          <p:cNvPr id="2" name="Title 1">
+            <a:extLst>
+              <a:ext uri="{FF2B5EF4-FFF2-40B4-BE49-F238E27FC236}">
+                <a16:creationId xmlns:a16="http://schemas.microsoft.com/office/drawing/2014/main" id="{A457B1B9-27D3-4A33-B0B8-DE77A20BDB4C}"/>
+              </a:ext>
+            </a:extLst>
+          </p:cNvPr>
+          <p:cNvSpPr>
+            <a:spLocks noGrp="1"/>
+          </p:cNvSpPr>
+          <p:nvPr>
+            <p:ph type="title"/>
+          </p:nvPr>
+        </p:nvSpPr>
+        <p:spPr/>
+        <p:txBody>
+          <a:bodyPr/>
+          <a:lstStyle/>
+          <a:p>
+            <a:r>
+              <a:rPr lang="en-IE" dirty="0"/>
+              <a:t>Dev/Test workload optimizations</a:t>
+            </a:r>
+          </a:p>
+        </p:txBody>
+      </p:sp>
+      <p:sp>
+        <p:nvSpPr>
+          <p:cNvPr id="3" name="Content Placeholder 2">
+            <a:extLst>
+              <a:ext uri="{FF2B5EF4-FFF2-40B4-BE49-F238E27FC236}">
+                <a16:creationId xmlns:a16="http://schemas.microsoft.com/office/drawing/2014/main" id="{4759384C-04EA-4F86-ADD1-4E1021124DF6}"/>
+              </a:ext>
+            </a:extLst>
+          </p:cNvPr>
+          <p:cNvSpPr>
+            <a:spLocks noGrp="1"/>
+          </p:cNvSpPr>
+          <p:nvPr>
+            <p:ph idx="1"/>
+          </p:nvPr>
+        </p:nvSpPr>
+        <p:spPr/>
+        <p:txBody>
+          <a:bodyPr/>
+          <a:lstStyle/>
+          <a:p>
+            <a:r>
+              <a:rPr lang="en-IE" dirty="0"/>
+              <a:t>Visual Studio Subscriptions, </a:t>
+            </a:r>
+            <a:r>
+              <a:rPr lang="en-IE"/>
+              <a:t>Azure Dev/Test</a:t>
+            </a:r>
+            <a:endParaRPr lang="en-IE" dirty="0"/>
+          </a:p>
+          <a:p>
+            <a:pPr lvl="1"/>
+            <a:r>
+              <a:rPr lang="en-IE" dirty="0"/>
+              <a:t>Azure credits </a:t>
+            </a:r>
+          </a:p>
+          <a:p>
+            <a:pPr lvl="1"/>
+            <a:r>
+              <a:rPr lang="en-IE" dirty="0"/>
+              <a:t>Cheaper resources</a:t>
+            </a:r>
+          </a:p>
+          <a:p>
+            <a:pPr lvl="1"/>
+            <a:r>
+              <a:rPr lang="en-IE" dirty="0"/>
+              <a:t>Dev/Test licenses </a:t>
+            </a:r>
+          </a:p>
+          <a:p>
+            <a:r>
+              <a:rPr lang="en-IE" dirty="0"/>
+              <a:t>Dev/Test Licenses for SQL Server</a:t>
+            </a:r>
+          </a:p>
+          <a:p>
+            <a:r>
+              <a:rPr lang="en-IE" dirty="0"/>
+              <a:t>Azure Dev/Test</a:t>
+            </a:r>
+          </a:p>
+          <a:p>
+            <a:pPr lvl="1"/>
+            <a:r>
+              <a:rPr lang="en-IE" dirty="0"/>
+              <a:t>Combines with Azure Reservations for further discounts</a:t>
+            </a:r>
+          </a:p>
+        </p:txBody>
+      </p:sp>
+    </p:spTree>
+    <p:extLst>
+      <p:ext uri="{BB962C8B-B14F-4D97-AF65-F5344CB8AC3E}">
+        <p14:creationId xmlns:p14="http://schemas.microsoft.com/office/powerpoint/2010/main" val="3163337946"/>
+      </p:ext>
+    </p:extLst>
+  </p:cSld>
+  <p:clrMapOvr>
+    <a:masterClrMapping/>
+  </p:clrMapOvr>
+</p:sld>
+</file>
+
+<file path=ppt/slides/slide32.xml><?xml version="1.0" encoding="utf-8"?>
+<p:sld xmlns:a="http://schemas.openxmlformats.org/drawingml/2006/main" xmlns:r="http://schemas.openxmlformats.org/officeDocument/2006/relationships" xmlns:p="http://schemas.openxmlformats.org/presentationml/2006/main">
+  <p:cSld>
+    <p:spTree>
+      <p:nvGrpSpPr>
+        <p:cNvPr id="1" name=""/>
+        <p:cNvGrpSpPr/>
+        <p:nvPr/>
+      </p:nvGrpSpPr>
+      <p:grpSpPr>
+        <a:xfrm>
+          <a:off x="0" y="0"/>
+          <a:ext cx="0" cy="0"/>
+          <a:chOff x="0" y="0"/>
+          <a:chExt cx="0" cy="0"/>
+        </a:xfrm>
+      </p:grpSpPr>
+      <p:sp>
+        <p:nvSpPr>
           <p:cNvPr id="2" name="Title 1">
             <a:extLst>
               <a:ext uri="{FF2B5EF4-FFF2-40B4-BE49-F238E27FC236}">
@@ -20243,6 +22829,18 @@
               <a:t>Horizontal scale – add/remove VMs as needed</a:t>
             </a:r>
           </a:p>
+          <a:p>
+            <a:r>
+              <a:rPr lang="en-IE" dirty="0"/>
+              <a:t>Shutdown VM (predictable load pattern)</a:t>
+            </a:r>
+          </a:p>
+          <a:p>
+            <a:r>
+              <a:rPr lang="en-IE" dirty="0"/>
+              <a:t>Azure Spot Instances (for certain workloads)</a:t>
+            </a:r>
+          </a:p>
         </p:txBody>
       </p:sp>
     </p:spTree>
@@ -20258,7 +22856,7 @@
 </p:sld>
 </file>
 
-<file path=ppt/slides/slide21.xml><?xml version="1.0" encoding="utf-8"?>
+<file path=ppt/slides/slide33.xml><?xml version="1.0" encoding="utf-8"?>
 <p:sld xmlns:a="http://schemas.openxmlformats.org/drawingml/2006/main" xmlns:r="http://schemas.openxmlformats.org/officeDocument/2006/relationships" xmlns:p="http://schemas.openxmlformats.org/presentationml/2006/main">
   <p:cSld>
     <p:spTree>
@@ -20338,7 +22936,7 @@
           <a:p>
             <a:r>
               <a:rPr lang="en-IE" dirty="0"/>
-              <a:t>Tiered storage</a:t>
+              <a:t>Tiered storage (hot, cold, archive)</a:t>
             </a:r>
           </a:p>
           <a:p>
@@ -20359,7 +22957,7 @@
 </p:sld>
 </file>
 
-<file path=ppt/slides/slide22.xml><?xml version="1.0" encoding="utf-8"?>
+<file path=ppt/slides/slide34.xml><?xml version="1.0" encoding="utf-8"?>
 <p:sld xmlns:a="http://schemas.openxmlformats.org/drawingml/2006/main" xmlns:r="http://schemas.openxmlformats.org/officeDocument/2006/relationships" xmlns:p="http://schemas.openxmlformats.org/presentationml/2006/main">
   <p:cSld>
     <p:spTree>
@@ -20429,7 +23027,13 @@
               <a:rPr lang="en-IE" dirty="0" err="1"/>
               <a:t>Autoscale</a:t>
             </a:r>
-            <a:endParaRPr lang="en-IE" dirty="0"/>
+            <a:endParaRPr lang="ru-RU" dirty="0"/>
+          </a:p>
+          <a:p>
+            <a:r>
+              <a:rPr lang="en-IE" dirty="0"/>
+              <a:t>Multiple websites in a single App Service Plan</a:t>
+            </a:r>
           </a:p>
         </p:txBody>
       </p:sp>
@@ -20446,7 +23050,7 @@
 </p:sld>
 </file>
 
-<file path=ppt/slides/slide23.xml><?xml version="1.0" encoding="utf-8"?>
+<file path=ppt/slides/slide35.xml><?xml version="1.0" encoding="utf-8"?>
 <p:sld xmlns:a="http://schemas.openxmlformats.org/drawingml/2006/main" xmlns:r="http://schemas.openxmlformats.org/officeDocument/2006/relationships" xmlns:p="http://schemas.openxmlformats.org/presentationml/2006/main">
   <p:cSld>
     <p:spTree>
@@ -20535,7 +23139,117 @@
 </p:sld>
 </file>
 
-<file path=ppt/slides/slide24.xml><?xml version="1.0" encoding="utf-8"?>
+<file path=ppt/slides/slide36.xml><?xml version="1.0" encoding="utf-8"?>
+<p:sld xmlns:a="http://schemas.openxmlformats.org/drawingml/2006/main" xmlns:r="http://schemas.openxmlformats.org/officeDocument/2006/relationships" xmlns:p="http://schemas.openxmlformats.org/presentationml/2006/main">
+  <p:cSld>
+    <p:spTree>
+      <p:nvGrpSpPr>
+        <p:cNvPr id="1" name=""/>
+        <p:cNvGrpSpPr/>
+        <p:nvPr/>
+      </p:nvGrpSpPr>
+      <p:grpSpPr>
+        <a:xfrm>
+          <a:off x="0" y="0"/>
+          <a:ext cx="0" cy="0"/>
+          <a:chOff x="0" y="0"/>
+          <a:chExt cx="0" cy="0"/>
+        </a:xfrm>
+      </p:grpSpPr>
+      <p:sp>
+        <p:nvSpPr>
+          <p:cNvPr id="2" name="Title 1">
+            <a:extLst>
+              <a:ext uri="{FF2B5EF4-FFF2-40B4-BE49-F238E27FC236}">
+                <a16:creationId xmlns:a16="http://schemas.microsoft.com/office/drawing/2014/main" id="{AD3E84D0-A698-4939-B0E4-8E7C5DC81B08}"/>
+              </a:ext>
+            </a:extLst>
+          </p:cNvPr>
+          <p:cNvSpPr>
+            <a:spLocks noGrp="1"/>
+          </p:cNvSpPr>
+          <p:nvPr>
+            <p:ph type="title"/>
+          </p:nvPr>
+        </p:nvSpPr>
+        <p:spPr/>
+        <p:txBody>
+          <a:bodyPr/>
+          <a:lstStyle/>
+          <a:p>
+            <a:r>
+              <a:rPr lang="en-IE" dirty="0"/>
+              <a:t>Traffic</a:t>
+            </a:r>
+          </a:p>
+        </p:txBody>
+      </p:sp>
+      <p:sp>
+        <p:nvSpPr>
+          <p:cNvPr id="3" name="Content Placeholder 2">
+            <a:extLst>
+              <a:ext uri="{FF2B5EF4-FFF2-40B4-BE49-F238E27FC236}">
+                <a16:creationId xmlns:a16="http://schemas.microsoft.com/office/drawing/2014/main" id="{09484F58-0891-4C01-898D-9DA103BB2F84}"/>
+              </a:ext>
+            </a:extLst>
+          </p:cNvPr>
+          <p:cNvSpPr>
+            <a:spLocks noGrp="1"/>
+          </p:cNvSpPr>
+          <p:nvPr>
+            <p:ph idx="1"/>
+          </p:nvPr>
+        </p:nvSpPr>
+        <p:spPr/>
+        <p:txBody>
+          <a:bodyPr/>
+          <a:lstStyle/>
+          <a:p>
+            <a:r>
+              <a:rPr lang="en-IE" dirty="0"/>
+              <a:t>Ingress traffic is free, egress traffic is not</a:t>
+            </a:r>
+          </a:p>
+          <a:p>
+            <a:r>
+              <a:rPr lang="en-IE" dirty="0"/>
+              <a:t>Traffic “inside” region is free, between regions is not</a:t>
+            </a:r>
+          </a:p>
+          <a:p>
+            <a:pPr lvl="1"/>
+            <a:r>
+              <a:rPr lang="en-IE" dirty="0"/>
+              <a:t>Consolidate “heavy traffic” resources inside the region</a:t>
+            </a:r>
+          </a:p>
+          <a:p>
+            <a:pPr lvl="1"/>
+            <a:r>
+              <a:rPr lang="en-IE" dirty="0"/>
+              <a:t>Minimise cross-region traffic</a:t>
+            </a:r>
+          </a:p>
+          <a:p>
+            <a:pPr lvl="1"/>
+            <a:endParaRPr lang="en-IE" dirty="0"/>
+          </a:p>
+        </p:txBody>
+      </p:sp>
+    </p:spTree>
+    <p:extLst>
+      <p:ext uri="{BB962C8B-B14F-4D97-AF65-F5344CB8AC3E}">
+        <p14:creationId xmlns:p14="http://schemas.microsoft.com/office/powerpoint/2010/main" val="3752624599"/>
+      </p:ext>
+    </p:extLst>
+  </p:cSld>
+  <p:clrMapOvr>
+    <a:masterClrMapping/>
+  </p:clrMapOvr>
+</p:sld>
+</file>
+
+<file path=ppt/slides/slide37.xml><?xml version="1.0" encoding="utf-8"?>
 <p:sld xmlns:a="http://schemas.openxmlformats.org/drawingml/2006/main" xmlns:r="http://schemas.openxmlformats.org/officeDocument/2006/relationships" xmlns:p="http://schemas.openxmlformats.org/presentationml/2006/main">
   <p:cSld>
     <p:spTree>
@@ -20618,7 +23332,50 @@
           <a:p>
             <a:r>
               <a:rPr lang="en-IE" dirty="0"/>
-              <a:t>Limit resources available for creation  </a:t>
+              <a:t>Limit resources available for creation</a:t>
+            </a:r>
+          </a:p>
+          <a:p>
+            <a:r>
+              <a:rPr lang="en-IE" dirty="0"/>
+              <a:t>Enforce tag creation with an error message </a:t>
+            </a:r>
+          </a:p>
+          <a:p>
+            <a:pPr lvl="1"/>
+            <a:r>
+              <a:rPr lang="en-IE" dirty="0"/>
+              <a:t>Cost </a:t>
+            </a:r>
+            <a:r>
+              <a:rPr lang="en-IE" dirty="0" err="1"/>
+              <a:t>center</a:t>
+            </a:r>
+            <a:r>
+              <a:rPr lang="en-IE" dirty="0"/>
+              <a:t> tag</a:t>
+            </a:r>
+          </a:p>
+          <a:p>
+            <a:pPr lvl="1"/>
+            <a:r>
+              <a:rPr lang="en-IE" dirty="0"/>
+              <a:t>Shutdown: daily/weekly/never tag</a:t>
+            </a:r>
+          </a:p>
+          <a:p>
+            <a:r>
+              <a:rPr lang="en-IE" dirty="0"/>
+              <a:t>Certain tags can only be added by a trusted group</a:t>
+            </a:r>
+          </a:p>
+          <a:p>
+            <a:pPr marL="0" indent="0">
+              <a:buNone/>
+            </a:pPr>
+            <a:r>
+              <a:rPr lang="en-IE" dirty="0"/>
+              <a:t>  </a:t>
             </a:r>
           </a:p>
           <a:p>
@@ -20639,7 +23396,99 @@
 </p:sld>
 </file>
 
-<file path=ppt/slides/slide25.xml><?xml version="1.0" encoding="utf-8"?>
+<file path=ppt/slides/slide38.xml><?xml version="1.0" encoding="utf-8"?>
+<p:sld xmlns:a="http://schemas.openxmlformats.org/drawingml/2006/main" xmlns:r="http://schemas.openxmlformats.org/officeDocument/2006/relationships" xmlns:p="http://schemas.openxmlformats.org/presentationml/2006/main">
+  <p:cSld>
+    <p:spTree>
+      <p:nvGrpSpPr>
+        <p:cNvPr id="1" name=""/>
+        <p:cNvGrpSpPr/>
+        <p:nvPr/>
+      </p:nvGrpSpPr>
+      <p:grpSpPr>
+        <a:xfrm>
+          <a:off x="0" y="0"/>
+          <a:ext cx="0" cy="0"/>
+          <a:chOff x="0" y="0"/>
+          <a:chExt cx="0" cy="0"/>
+        </a:xfrm>
+      </p:grpSpPr>
+      <p:sp>
+        <p:nvSpPr>
+          <p:cNvPr id="2" name="Title 1">
+            <a:extLst>
+              <a:ext uri="{FF2B5EF4-FFF2-40B4-BE49-F238E27FC236}">
+                <a16:creationId xmlns:a16="http://schemas.microsoft.com/office/drawing/2014/main" id="{D34B33A7-66E7-4487-998D-A98ADBD02D73}"/>
+              </a:ext>
+            </a:extLst>
+          </p:cNvPr>
+          <p:cNvSpPr>
+            <a:spLocks noGrp="1"/>
+          </p:cNvSpPr>
+          <p:nvPr>
+            <p:ph type="title"/>
+          </p:nvPr>
+        </p:nvSpPr>
+        <p:spPr/>
+        <p:txBody>
+          <a:bodyPr/>
+          <a:lstStyle/>
+          <a:p>
+            <a:r>
+              <a:rPr lang="en-IE" dirty="0"/>
+              <a:t>Resource Scanner</a:t>
+            </a:r>
+          </a:p>
+        </p:txBody>
+      </p:sp>
+      <p:sp>
+        <p:nvSpPr>
+          <p:cNvPr id="3" name="Content Placeholder 2">
+            <a:extLst>
+              <a:ext uri="{FF2B5EF4-FFF2-40B4-BE49-F238E27FC236}">
+                <a16:creationId xmlns:a16="http://schemas.microsoft.com/office/drawing/2014/main" id="{65366266-F759-4251-B625-7C0A038C0C19}"/>
+              </a:ext>
+            </a:extLst>
+          </p:cNvPr>
+          <p:cNvSpPr>
+            <a:spLocks noGrp="1"/>
+          </p:cNvSpPr>
+          <p:nvPr>
+            <p:ph idx="1"/>
+          </p:nvPr>
+        </p:nvSpPr>
+        <p:spPr/>
+        <p:txBody>
+          <a:bodyPr/>
+          <a:lstStyle/>
+          <a:p>
+            <a:r>
+              <a:rPr lang="en-IE" dirty="0"/>
+              <a:t>Scan all resources without tag</a:t>
+            </a:r>
+          </a:p>
+          <a:p>
+            <a:r>
+              <a:rPr lang="en-IE" dirty="0"/>
+              <a:t>Utilization and logging </a:t>
+            </a:r>
+          </a:p>
+        </p:txBody>
+      </p:sp>
+    </p:spTree>
+    <p:extLst>
+      <p:ext uri="{BB962C8B-B14F-4D97-AF65-F5344CB8AC3E}">
+        <p14:creationId xmlns:p14="http://schemas.microsoft.com/office/powerpoint/2010/main" val="866586717"/>
+      </p:ext>
+    </p:extLst>
+  </p:cSld>
+  <p:clrMapOvr>
+    <a:masterClrMapping/>
+  </p:clrMapOvr>
+</p:sld>
+</file>
+
+<file path=ppt/slides/slide39.xml><?xml version="1.0" encoding="utf-8"?>
 <p:sld xmlns:a="http://schemas.openxmlformats.org/drawingml/2006/main" xmlns:r="http://schemas.openxmlformats.org/officeDocument/2006/relationships" xmlns:p="http://schemas.openxmlformats.org/presentationml/2006/main">
   <p:cSld>
     <p:spTree>
@@ -20732,7 +23581,106 @@
 </p:sld>
 </file>
 
-<file path=ppt/slides/slide26.xml><?xml version="1.0" encoding="utf-8"?>
+<file path=ppt/slides/slide4.xml><?xml version="1.0" encoding="utf-8"?>
+<p:sld xmlns:a="http://schemas.openxmlformats.org/drawingml/2006/main" xmlns:r="http://schemas.openxmlformats.org/officeDocument/2006/relationships" xmlns:p="http://schemas.openxmlformats.org/presentationml/2006/main">
+  <p:cSld>
+    <p:spTree>
+      <p:nvGrpSpPr>
+        <p:cNvPr id="1" name=""/>
+        <p:cNvGrpSpPr/>
+        <p:nvPr/>
+      </p:nvGrpSpPr>
+      <p:grpSpPr>
+        <a:xfrm>
+          <a:off x="0" y="0"/>
+          <a:ext cx="0" cy="0"/>
+          <a:chOff x="0" y="0"/>
+          <a:chExt cx="0" cy="0"/>
+        </a:xfrm>
+      </p:grpSpPr>
+      <p:sp>
+        <p:nvSpPr>
+          <p:cNvPr id="2" name="Title 1">
+            <a:extLst>
+              <a:ext uri="{FF2B5EF4-FFF2-40B4-BE49-F238E27FC236}">
+                <a16:creationId xmlns:a16="http://schemas.microsoft.com/office/drawing/2014/main" id="{B74AF8F4-1895-48CD-BA8A-A2754289B2CC}"/>
+              </a:ext>
+            </a:extLst>
+          </p:cNvPr>
+          <p:cNvSpPr>
+            <a:spLocks noGrp="1"/>
+          </p:cNvSpPr>
+          <p:nvPr>
+            <p:ph type="title"/>
+          </p:nvPr>
+        </p:nvSpPr>
+        <p:spPr/>
+        <p:txBody>
+          <a:bodyPr/>
+          <a:lstStyle/>
+          <a:p>
+            <a:pPr algn="ctr"/>
+            <a:r>
+              <a:rPr lang="en-IE" dirty="0"/>
+              <a:t>Why FinOps? </a:t>
+            </a:r>
+          </a:p>
+        </p:txBody>
+      </p:sp>
+      <p:sp>
+        <p:nvSpPr>
+          <p:cNvPr id="3" name="Content Placeholder 2">
+            <a:extLst>
+              <a:ext uri="{FF2B5EF4-FFF2-40B4-BE49-F238E27FC236}">
+                <a16:creationId xmlns:a16="http://schemas.microsoft.com/office/drawing/2014/main" id="{6EA1CBFC-055F-45D3-A4F5-523C32B1B6A4}"/>
+              </a:ext>
+            </a:extLst>
+          </p:cNvPr>
+          <p:cNvSpPr>
+            <a:spLocks noGrp="1"/>
+          </p:cNvSpPr>
+          <p:nvPr>
+            <p:ph idx="1"/>
+          </p:nvPr>
+        </p:nvSpPr>
+        <p:spPr/>
+        <p:txBody>
+          <a:bodyPr/>
+          <a:lstStyle/>
+          <a:p>
+            <a:r>
+              <a:rPr lang="en-IE" dirty="0"/>
+              <a:t>Organisation spends $70k per month on the cloud</a:t>
+            </a:r>
+          </a:p>
+          <a:p>
+            <a:r>
+              <a:rPr lang="en-IE" dirty="0"/>
+              <a:t>Organisation hires new CTO for building next gen cloud based app</a:t>
+            </a:r>
+          </a:p>
+          <a:p>
+            <a:r>
+              <a:rPr lang="en-IE" dirty="0"/>
+              <a:t>Cloud spending goes up to $300k per month</a:t>
+            </a:r>
+          </a:p>
+        </p:txBody>
+      </p:sp>
+    </p:spTree>
+    <p:extLst>
+      <p:ext uri="{BB962C8B-B14F-4D97-AF65-F5344CB8AC3E}">
+        <p14:creationId xmlns:p14="http://schemas.microsoft.com/office/powerpoint/2010/main" val="2906436743"/>
+      </p:ext>
+    </p:extLst>
+  </p:cSld>
+  <p:clrMapOvr>
+    <a:masterClrMapping/>
+  </p:clrMapOvr>
+</p:sld>
+</file>
+
+<file path=ppt/slides/slide40.xml><?xml version="1.0" encoding="utf-8"?>
 <p:sld xmlns:a="http://schemas.openxmlformats.org/drawingml/2006/main" xmlns:r="http://schemas.openxmlformats.org/officeDocument/2006/relationships" xmlns:p="http://schemas.openxmlformats.org/presentationml/2006/main">
   <p:cSld>
     <p:spTree>
@@ -20816,7 +23764,7 @@
 </p:sld>
 </file>
 
-<file path=ppt/slides/slide3.xml><?xml version="1.0" encoding="utf-8"?>
+<file path=ppt/slides/slide41.xml><?xml version="1.0" encoding="utf-8"?>
 <p:sld xmlns:a="http://schemas.openxmlformats.org/drawingml/2006/main" xmlns:r="http://schemas.openxmlformats.org/officeDocument/2006/relationships" xmlns:p="http://schemas.openxmlformats.org/presentationml/2006/main">
   <p:cSld>
     <p:spTree>
@@ -20838,7 +23786,7 @@
           <p:cNvPr id="2" name="Title 1">
             <a:extLst>
               <a:ext uri="{FF2B5EF4-FFF2-40B4-BE49-F238E27FC236}">
-                <a16:creationId xmlns:a16="http://schemas.microsoft.com/office/drawing/2014/main" id="{B74AF8F4-1895-48CD-BA8A-A2754289B2CC}"/>
+                <a16:creationId xmlns:a16="http://schemas.microsoft.com/office/drawing/2014/main" id="{D425612A-19BC-468C-AF5F-9EDE4BC77099}"/>
               </a:ext>
             </a:extLst>
           </p:cNvPr>
@@ -20854,10 +23802,9 @@
           <a:bodyPr/>
           <a:lstStyle/>
           <a:p>
-            <a:pPr algn="ctr"/>
             <a:r>
               <a:rPr lang="en-IE" dirty="0"/>
-              <a:t>Why FinOps? </a:t>
+              <a:t>Demo Azure Budget</a:t>
             </a:r>
           </a:p>
         </p:txBody>
@@ -20867,7 +23814,7 @@
           <p:cNvPr id="3" name="Content Placeholder 2">
             <a:extLst>
               <a:ext uri="{FF2B5EF4-FFF2-40B4-BE49-F238E27FC236}">
-                <a16:creationId xmlns:a16="http://schemas.microsoft.com/office/drawing/2014/main" id="{6EA1CBFC-055F-45D3-A4F5-523C32B1B6A4}"/>
+                <a16:creationId xmlns:a16="http://schemas.microsoft.com/office/drawing/2014/main" id="{8328EBBD-4AE9-449E-991F-ECABFCCF7B12}"/>
               </a:ext>
             </a:extLst>
           </p:cNvPr>
@@ -20883,29 +23830,14 @@
           <a:bodyPr/>
           <a:lstStyle/>
           <a:p>
-            <a:r>
-              <a:rPr lang="en-IE" dirty="0"/>
-              <a:t>Organisation spends $70k per month on the cloud</a:t>
-            </a:r>
-          </a:p>
-          <a:p>
-            <a:r>
-              <a:rPr lang="en-IE" dirty="0"/>
-              <a:t>Organisation hires new CTO for building next gen cloud based app</a:t>
-            </a:r>
-          </a:p>
-          <a:p>
-            <a:r>
-              <a:rPr lang="en-IE" dirty="0"/>
-              <a:t>Cloud spending goes up to $300k per month</a:t>
-            </a:r>
+            <a:endParaRPr lang="en-IE"/>
           </a:p>
         </p:txBody>
       </p:sp>
     </p:spTree>
     <p:extLst>
       <p:ext uri="{BB962C8B-B14F-4D97-AF65-F5344CB8AC3E}">
-        <p14:creationId xmlns:p14="http://schemas.microsoft.com/office/powerpoint/2010/main" val="2906436743"/>
+        <p14:creationId xmlns:p14="http://schemas.microsoft.com/office/powerpoint/2010/main" val="329905185"/>
       </p:ext>
     </p:extLst>
   </p:cSld>
@@ -20915,7 +23847,7 @@
 </p:sld>
 </file>
 
-<file path=ppt/slides/slide4.xml><?xml version="1.0" encoding="utf-8"?>
+<file path=ppt/slides/slide5.xml><?xml version="1.0" encoding="utf-8"?>
 <p:sld xmlns:a="http://schemas.openxmlformats.org/drawingml/2006/main" xmlns:r="http://schemas.openxmlformats.org/officeDocument/2006/relationships" xmlns:p="http://schemas.openxmlformats.org/presentationml/2006/main">
   <p:cSld>
     <p:spTree>
@@ -21030,13 +23962,15 @@
             <a:pPr lvl="1"/>
             <a:r>
               <a:rPr lang="en-IE" dirty="0"/>
-              <a:t>Storage is cheap, however large number of unused VHD becomes </a:t>
-            </a:r>
-            <a:r>
-              <a:rPr lang="en-IE"/>
-              <a:t>an issue. </a:t>
-            </a:r>
-            <a:endParaRPr lang="en-IE" dirty="0"/>
+              <a:t>Storage is cheap, however large number of unused VHD becomes an issue.</a:t>
+            </a:r>
+          </a:p>
+          <a:p>
+            <a:pPr lvl="1"/>
+            <a:r>
+              <a:rPr lang="en-IE" dirty="0"/>
+              <a:t>Mitigation: identify orphaned VHDs, optimize storage utilization</a:t>
+            </a:r>
           </a:p>
         </p:txBody>
       </p:sp>
@@ -21053,7 +23987,7 @@
 </p:sld>
 </file>
 
-<file path=ppt/slides/slide5.xml><?xml version="1.0" encoding="utf-8"?>
+<file path=ppt/slides/slide6.xml><?xml version="1.0" encoding="utf-8"?>
 <p:sld xmlns:a="http://schemas.openxmlformats.org/drawingml/2006/main" xmlns:r="http://schemas.openxmlformats.org/officeDocument/2006/relationships" xmlns:p="http://schemas.openxmlformats.org/presentationml/2006/main">
   <p:cSld>
     <p:spTree>
@@ -21161,7 +24095,7 @@
 </p:sld>
 </file>
 
-<file path=ppt/slides/slide6.xml><?xml version="1.0" encoding="utf-8"?>
+<file path=ppt/slides/slide7.xml><?xml version="1.0" encoding="utf-8"?>
 <p:sld xmlns:a="http://schemas.openxmlformats.org/drawingml/2006/main" xmlns:r="http://schemas.openxmlformats.org/officeDocument/2006/relationships" xmlns:p="http://schemas.openxmlformats.org/presentationml/2006/main">
   <p:cSld>
     <p:spTree>
@@ -21202,7 +24136,7 @@
             <a:pPr algn="ctr"/>
             <a:r>
               <a:rPr lang="en-IE" dirty="0"/>
-              <a:t>Cloud</a:t>
+              <a:t>Public Cloud</a:t>
             </a:r>
           </a:p>
         </p:txBody>
@@ -21230,6 +24164,12 @@
           <a:p>
             <a:r>
               <a:rPr lang="en-IE" dirty="0"/>
+              <a:t>Spending decisions are made by engineers</a:t>
+            </a:r>
+          </a:p>
+          <a:p>
+            <a:r>
+              <a:rPr lang="en-IE" dirty="0"/>
               <a:t>Developer has keys to the cloud</a:t>
             </a:r>
           </a:p>
@@ -21249,7 +24189,7 @@
           <a:p>
             <a:r>
               <a:rPr lang="en-IE" dirty="0"/>
-              <a:t>Charges get out of control </a:t>
+              <a:t>Cost gets out of control </a:t>
             </a:r>
           </a:p>
         </p:txBody>
@@ -21267,7 +24207,7 @@
 </p:sld>
 </file>
 
-<file path=ppt/slides/slide7.xml><?xml version="1.0" encoding="utf-8"?>
+<file path=ppt/slides/slide8.xml><?xml version="1.0" encoding="utf-8"?>
 <p:sld xmlns:a="http://schemas.openxmlformats.org/drawingml/2006/main" xmlns:r="http://schemas.openxmlformats.org/officeDocument/2006/relationships" xmlns:p="http://schemas.openxmlformats.org/presentationml/2006/main">
   <p:cSld>
     <p:spTree>
@@ -21308,7 +24248,7 @@
             <a:pPr algn="ctr"/>
             <a:r>
               <a:rPr lang="en-IE" dirty="0"/>
-              <a:t>Potential Risks</a:t>
+              <a:t>Risks</a:t>
             </a:r>
           </a:p>
         </p:txBody>
@@ -21336,6 +24276,18 @@
           <a:p>
             <a:r>
               <a:rPr lang="en-IE" dirty="0"/>
+              <a:t>Different Languages</a:t>
+            </a:r>
+          </a:p>
+          <a:p>
+            <a:r>
+              <a:rPr lang="en-IE" dirty="0"/>
+              <a:t>Lack of information</a:t>
+            </a:r>
+          </a:p>
+          <a:p>
+            <a:r>
+              <a:rPr lang="en-IE" dirty="0"/>
               <a:t>Human Mistakes </a:t>
             </a:r>
           </a:p>
@@ -21349,14 +24301,7 @@
           <a:p>
             <a:r>
               <a:rPr lang="en-IE" dirty="0"/>
-              <a:t>Lack of responsibility </a:t>
-            </a:r>
-          </a:p>
-          <a:p>
-            <a:pPr lvl="1"/>
-            <a:r>
-              <a:rPr lang="en-IE" dirty="0"/>
-              <a:t>Pushback, other priorities</a:t>
+              <a:t>Other priorities (pushback)</a:t>
             </a:r>
           </a:p>
           <a:p>
@@ -21392,7 +24337,7 @@
 </p:sld>
 </file>
 
-<file path=ppt/slides/slide8.xml><?xml version="1.0" encoding="utf-8"?>
+<file path=ppt/slides/slide9.xml><?xml version="1.0" encoding="utf-8"?>
 <p:sld xmlns:a="http://schemas.openxmlformats.org/drawingml/2006/main" xmlns:r="http://schemas.openxmlformats.org/officeDocument/2006/relationships" xmlns:p="http://schemas.openxmlformats.org/presentationml/2006/main">
   <p:cSld>
     <p:spTree>
@@ -21433,7 +24378,7 @@
             <a:pPr algn="ctr"/>
             <a:r>
               <a:rPr lang="en-IE" dirty="0"/>
-              <a:t>Mitigation</a:t>
+              <a:t>Mitigation – Enter FinOps</a:t>
             </a:r>
           </a:p>
         </p:txBody>
@@ -21461,13 +24406,41 @@
           <a:p>
             <a:r>
               <a:rPr lang="en-IE" dirty="0"/>
+              <a:t>Brings financial accountability to the variable spend model of the cloud.</a:t>
+            </a:r>
+          </a:p>
+          <a:p>
+            <a:r>
+              <a:rPr lang="en-IE" dirty="0"/>
+              <a:t>Make business trade offs between speed, cost and quality.</a:t>
+            </a:r>
+          </a:p>
+          <a:p>
+            <a:r>
+              <a:rPr lang="en-IE" dirty="0" err="1"/>
+              <a:t>Finops</a:t>
+            </a:r>
+            <a:r>
+              <a:rPr lang="en-IE" dirty="0"/>
+              <a:t> – managing, planning and accounting. </a:t>
+            </a:r>
+          </a:p>
+          <a:p>
+            <a:r>
+              <a:rPr lang="en-IE" dirty="0"/>
+              <a:t>Leadership support and influence</a:t>
+            </a:r>
+          </a:p>
+          <a:p>
+            <a:r>
+              <a:rPr lang="en-IE" dirty="0"/>
               <a:t>Stakeholder alignment </a:t>
             </a:r>
           </a:p>
           <a:p>
             <a:r>
               <a:rPr lang="en-IE" dirty="0"/>
-              <a:t>Introduce FinOps culture</a:t>
+              <a:t>Introduce/Communicate/Evangelise FinOps culture</a:t>
             </a:r>
           </a:p>
           <a:p>
@@ -21485,167 +24458,6 @@
     <p:extLst>
       <p:ext uri="{BB962C8B-B14F-4D97-AF65-F5344CB8AC3E}">
         <p14:creationId xmlns:p14="http://schemas.microsoft.com/office/powerpoint/2010/main" val="3539105628"/>
-      </p:ext>
-    </p:extLst>
-  </p:cSld>
-  <p:clrMapOvr>
-    <a:masterClrMapping/>
-  </p:clrMapOvr>
-</p:sld>
-</file>
-
-<file path=ppt/slides/slide9.xml><?xml version="1.0" encoding="utf-8"?>
-<p:sld xmlns:a="http://schemas.openxmlformats.org/drawingml/2006/main" xmlns:r="http://schemas.openxmlformats.org/officeDocument/2006/relationships" xmlns:p="http://schemas.openxmlformats.org/presentationml/2006/main">
-  <p:cSld>
-    <p:spTree>
-      <p:nvGrpSpPr>
-        <p:cNvPr id="1" name=""/>
-        <p:cNvGrpSpPr/>
-        <p:nvPr/>
-      </p:nvGrpSpPr>
-      <p:grpSpPr>
-        <a:xfrm>
-          <a:off x="0" y="0"/>
-          <a:ext cx="0" cy="0"/>
-          <a:chOff x="0" y="0"/>
-          <a:chExt cx="0" cy="0"/>
-        </a:xfrm>
-      </p:grpSpPr>
-      <p:sp>
-        <p:nvSpPr>
-          <p:cNvPr id="2" name="Title 1">
-            <a:extLst>
-              <a:ext uri="{FF2B5EF4-FFF2-40B4-BE49-F238E27FC236}">
-                <a16:creationId xmlns:a16="http://schemas.microsoft.com/office/drawing/2014/main" id="{28E3A9B3-AB84-4176-B460-FABBAAB707A3}"/>
-              </a:ext>
-            </a:extLst>
-          </p:cNvPr>
-          <p:cNvSpPr>
-            <a:spLocks noGrp="1"/>
-          </p:cNvSpPr>
-          <p:nvPr>
-            <p:ph type="title"/>
-          </p:nvPr>
-        </p:nvSpPr>
-        <p:spPr/>
-        <p:txBody>
-          <a:bodyPr/>
-          <a:lstStyle/>
-          <a:p>
-            <a:pPr algn="ctr"/>
-            <a:r>
-              <a:rPr lang="en-IE" dirty="0"/>
-              <a:t>Human processes</a:t>
-            </a:r>
-          </a:p>
-        </p:txBody>
-      </p:sp>
-      <p:sp>
-        <p:nvSpPr>
-          <p:cNvPr id="3" name="Content Placeholder 2">
-            <a:extLst>
-              <a:ext uri="{FF2B5EF4-FFF2-40B4-BE49-F238E27FC236}">
-                <a16:creationId xmlns:a16="http://schemas.microsoft.com/office/drawing/2014/main" id="{CDD6B507-B76B-4193-A193-FA892F215A0C}"/>
-              </a:ext>
-            </a:extLst>
-          </p:cNvPr>
-          <p:cNvSpPr>
-            <a:spLocks noGrp="1"/>
-          </p:cNvSpPr>
-          <p:nvPr>
-            <p:ph idx="1"/>
-          </p:nvPr>
-        </p:nvSpPr>
-        <p:spPr/>
-        <p:txBody>
-          <a:bodyPr>
-            <a:normAutofit fontScale="92500" lnSpcReduction="20000"/>
-          </a:bodyPr>
-          <a:lstStyle/>
-          <a:p>
-            <a:r>
-              <a:rPr lang="en-IE" dirty="0"/>
-              <a:t>Stakeholder sponsorship </a:t>
-            </a:r>
-          </a:p>
-          <a:p>
-            <a:r>
-              <a:rPr lang="en-IE" dirty="0"/>
-              <a:t>Separation of responsibilities </a:t>
-            </a:r>
-          </a:p>
-          <a:p>
-            <a:r>
-              <a:rPr lang="en-IE" dirty="0"/>
-              <a:t>FinOps position</a:t>
-            </a:r>
-          </a:p>
-          <a:p>
-            <a:pPr lvl="1"/>
-            <a:r>
-              <a:rPr lang="en-IE" dirty="0"/>
-              <a:t>Authority</a:t>
-            </a:r>
-          </a:p>
-          <a:p>
-            <a:pPr lvl="1"/>
-            <a:r>
-              <a:rPr lang="en-IE" dirty="0"/>
-              <a:t>Required Technical &amp; Accounting skills </a:t>
-            </a:r>
-          </a:p>
-          <a:p>
-            <a:r>
-              <a:rPr lang="en-IE" dirty="0"/>
-              <a:t>Request approval process</a:t>
-            </a:r>
-          </a:p>
-          <a:p>
-            <a:r>
-              <a:rPr lang="en-IE" dirty="0"/>
-              <a:t>Governance and Licensing  </a:t>
-            </a:r>
-          </a:p>
-          <a:p>
-            <a:r>
-              <a:rPr lang="en-IE" dirty="0"/>
-              <a:t>Continuous Review </a:t>
-            </a:r>
-          </a:p>
-          <a:p>
-            <a:pPr lvl="1"/>
-            <a:r>
-              <a:rPr lang="en-IE" dirty="0"/>
-              <a:t>Resource Utilization</a:t>
-            </a:r>
-          </a:p>
-          <a:p>
-            <a:pPr lvl="1"/>
-            <a:r>
-              <a:rPr lang="en-IE" dirty="0"/>
-              <a:t>Resource Necessity </a:t>
-            </a:r>
-            <a:endParaRPr lang="ru-RU" dirty="0"/>
-          </a:p>
-          <a:p>
-            <a:r>
-              <a:rPr lang="en-IE" dirty="0"/>
-              <a:t>Encourage good behaviour</a:t>
-            </a:r>
-          </a:p>
-          <a:p>
-            <a:pPr lvl="1"/>
-            <a:endParaRPr lang="en-IE" dirty="0"/>
-          </a:p>
-          <a:p>
-            <a:endParaRPr lang="en-IE" dirty="0"/>
-          </a:p>
-        </p:txBody>
-      </p:sp>
-    </p:spTree>
-    <p:extLst>
-      <p:ext uri="{BB962C8B-B14F-4D97-AF65-F5344CB8AC3E}">
-        <p14:creationId xmlns:p14="http://schemas.microsoft.com/office/powerpoint/2010/main" val="3433592864"/>
       </p:ext>
     </p:extLst>
   </p:cSld>

--- a/104-FinOps/Azure FinOps - Introduction.pptx
+++ b/104-FinOps/Azure FinOps - Introduction.pptx
@@ -5,7 +5,7 @@
     <p:sldMasterId id="2147483648" r:id="rId1"/>
   </p:sldMasterIdLst>
   <p:notesMasterIdLst>
-    <p:notesMasterId r:id="rId43"/>
+    <p:notesMasterId r:id="rId45"/>
   </p:notesMasterIdLst>
   <p:sldIdLst>
     <p:sldId id="256" r:id="rId2"/>
@@ -44,11 +44,13 @@
     <p:sldId id="279" r:id="rId35"/>
     <p:sldId id="278" r:id="rId36"/>
     <p:sldId id="288" r:id="rId37"/>
-    <p:sldId id="269" r:id="rId38"/>
-    <p:sldId id="293" r:id="rId39"/>
-    <p:sldId id="265" r:id="rId40"/>
-    <p:sldId id="268" r:id="rId41"/>
-    <p:sldId id="294" r:id="rId42"/>
+    <p:sldId id="299" r:id="rId38"/>
+    <p:sldId id="300" r:id="rId39"/>
+    <p:sldId id="269" r:id="rId40"/>
+    <p:sldId id="293" r:id="rId41"/>
+    <p:sldId id="265" r:id="rId42"/>
+    <p:sldId id="268" r:id="rId43"/>
+    <p:sldId id="294" r:id="rId44"/>
   </p:sldIdLst>
   <p:sldSz cx="12192000" cy="6858000"/>
   <p:notesSz cx="6858000" cy="9144000"/>
@@ -200,6 +202,12 @@
             <p14:sldId id="279"/>
             <p14:sldId id="278"/>
             <p14:sldId id="288"/>
+          </p14:sldIdLst>
+        </p14:section>
+        <p14:section name="Conclusion" id="{DE8FDE9D-9AA6-4909-8B37-82A3EC61C3DF}">
+          <p14:sldIdLst>
+            <p14:sldId id="299"/>
+            <p14:sldId id="300"/>
           </p14:sldIdLst>
         </p14:section>
         <p14:section name="Demos and Exampls" id="{0E63F6F0-7172-4A96-8273-F3AF0705F0E9}">
@@ -15073,13 +15081,50 @@
           <a:bodyPr/>
           <a:lstStyle/>
           <a:p>
+            <a:pPr marL="0" marR="0" lvl="0" indent="0" algn="l" defTabSz="914400" rtl="0" eaLnBrk="1" fontAlgn="auto" latinLnBrk="0" hangingPunct="1">
+              <a:lnSpc>
+                <a:spcPct val="100000"/>
+              </a:lnSpc>
+              <a:spcBef>
+                <a:spcPts val="0"/>
+              </a:spcBef>
+              <a:spcAft>
+                <a:spcPts val="0"/>
+              </a:spcAft>
+              <a:buClrTx/>
+              <a:buSzTx/>
+              <a:buFontTx/>
+              <a:buNone/>
+              <a:tabLst/>
+              <a:defRPr/>
+            </a:pPr>
+            <a:r>
+              <a:rPr lang="en-IE" b="1" dirty="0"/>
+              <a:t>Real time reporting is a powerful influence on human behaviour. </a:t>
+            </a:r>
+          </a:p>
+          <a:p>
             <a:endParaRPr lang="en-IE" dirty="0"/>
           </a:p>
           <a:p>
+            <a:endParaRPr lang="en-IE" dirty="0"/>
+          </a:p>
+          <a:p>
+            <a:endParaRPr lang="en-IE" dirty="0"/>
+          </a:p>
+          <a:p>
+            <a:endParaRPr lang="en-IE" dirty="0"/>
+          </a:p>
+          <a:p>
             <a:r>
               <a:rPr lang="en-IE" dirty="0"/>
-              <a:t>The effect of communicate spending back to the engineers can be dramatic. Feedback </a:t>
-            </a:r>
+              <a:t>Rightsizing - </a:t>
+            </a:r>
+            <a:r>
+              <a:rPr lang="en-GB" dirty="0"/>
+              <a:t>resizing cloud resources to better match workload requirements</a:t>
+            </a:r>
+            <a:endParaRPr lang="en-IE" dirty="0"/>
           </a:p>
         </p:txBody>
       </p:sp>
@@ -15100,7 +15145,7 @@
           <a:p>
             <a:fld id="{FD5B5252-8534-42B9-BEB1-6A93DAA021E2}" type="slidenum">
               <a:rPr lang="en-IE" smtClean="0"/>
-              <a:t>21</a:t>
+              <a:t>16</a:t>
             </a:fld>
             <a:endParaRPr lang="en-IE"/>
           </a:p>
@@ -15109,7 +15154,7 @@
     </p:spTree>
     <p:extLst>
       <p:ext uri="{BB962C8B-B14F-4D97-AF65-F5344CB8AC3E}">
-        <p14:creationId xmlns:p14="http://schemas.microsoft.com/office/powerpoint/2010/main" val="1125342555"/>
+        <p14:creationId xmlns:p14="http://schemas.microsoft.com/office/powerpoint/2010/main" val="3624171313"/>
       </p:ext>
     </p:extLst>
   </p:cSld>
@@ -15165,6 +15210,86 @@
           <a:p>
             <a:endParaRPr lang="en-IE" dirty="0"/>
           </a:p>
+          <a:p>
+            <a:endParaRPr lang="en-IE" dirty="0"/>
+          </a:p>
+          <a:p>
+            <a:r>
+              <a:rPr lang="en-IE" b="1" dirty="0"/>
+              <a:t>Report Utilization</a:t>
+            </a:r>
+          </a:p>
+          <a:p>
+            <a:pPr marL="0" indent="0">
+              <a:buFont typeface="Arial" panose="020B0604020202020204" pitchFamily="34" charset="0"/>
+              <a:buNone/>
+            </a:pPr>
+            <a:endParaRPr lang="en-IE" dirty="0"/>
+          </a:p>
+          <a:p>
+            <a:pPr marL="0" indent="0">
+              <a:buFont typeface="Arial" panose="020B0604020202020204" pitchFamily="34" charset="0"/>
+              <a:buNone/>
+            </a:pPr>
+            <a:r>
+              <a:rPr lang="en-IE" dirty="0"/>
+              <a:t>Usage metrics for each resource: </a:t>
+            </a:r>
+          </a:p>
+          <a:p>
+            <a:pPr marL="171450" indent="-171450">
+              <a:buFont typeface="Arial" panose="020B0604020202020204" pitchFamily="34" charset="0"/>
+              <a:buChar char="•"/>
+            </a:pPr>
+            <a:r>
+              <a:rPr lang="en-IE" dirty="0"/>
+              <a:t>Number of connections</a:t>
+            </a:r>
+          </a:p>
+          <a:p>
+            <a:pPr marL="171450" indent="-171450">
+              <a:buFont typeface="Arial" panose="020B0604020202020204" pitchFamily="34" charset="0"/>
+              <a:buChar char="•"/>
+            </a:pPr>
+            <a:r>
+              <a:rPr lang="en-IE" dirty="0"/>
+              <a:t>Compute utilisation (CPU, Memory)</a:t>
+            </a:r>
+          </a:p>
+          <a:p>
+            <a:pPr marL="171450" indent="-171450">
+              <a:buFont typeface="Arial" panose="020B0604020202020204" pitchFamily="34" charset="0"/>
+              <a:buChar char="•"/>
+            </a:pPr>
+            <a:r>
+              <a:rPr lang="en-IE" dirty="0"/>
+              <a:t>Storage Utilization </a:t>
+            </a:r>
+          </a:p>
+          <a:p>
+            <a:pPr marL="0" indent="0">
+              <a:buFont typeface="Arial" panose="020B0604020202020204" pitchFamily="34" charset="0"/>
+              <a:buNone/>
+            </a:pPr>
+            <a:endParaRPr lang="en-IE" dirty="0"/>
+          </a:p>
+          <a:p>
+            <a:pPr marL="0" indent="0">
+              <a:buFont typeface="Arial" panose="020B0604020202020204" pitchFamily="34" charset="0"/>
+              <a:buNone/>
+            </a:pPr>
+            <a:r>
+              <a:rPr lang="en-IE" dirty="0"/>
+              <a:t>To catch cases such as 2 weeks no one connected to the database. Why? </a:t>
+            </a:r>
+          </a:p>
+          <a:p>
+            <a:pPr marL="171450" indent="-171450">
+              <a:buFont typeface="Arial" panose="020B0604020202020204" pitchFamily="34" charset="0"/>
+              <a:buChar char="•"/>
+            </a:pPr>
+            <a:endParaRPr lang="en-IE" dirty="0"/>
+          </a:p>
         </p:txBody>
       </p:sp>
       <p:sp>
@@ -15184,7 +15309,7 @@
           <a:p>
             <a:fld id="{FD5B5252-8534-42B9-BEB1-6A93DAA021E2}" type="slidenum">
               <a:rPr lang="en-IE" smtClean="0"/>
-              <a:t>24</a:t>
+              <a:t>17</a:t>
             </a:fld>
             <a:endParaRPr lang="en-IE"/>
           </a:p>
@@ -15193,7 +15318,7 @@
     </p:spTree>
     <p:extLst>
       <p:ext uri="{BB962C8B-B14F-4D97-AF65-F5344CB8AC3E}">
-        <p14:creationId xmlns:p14="http://schemas.microsoft.com/office/powerpoint/2010/main" val="2754962964"/>
+        <p14:creationId xmlns:p14="http://schemas.microsoft.com/office/powerpoint/2010/main" val="3186942907"/>
       </p:ext>
     </p:extLst>
   </p:cSld>
@@ -15247,13 +15372,13 @@
           <a:bodyPr/>
           <a:lstStyle/>
           <a:p>
+            <a:endParaRPr lang="en-IE" dirty="0"/>
+          </a:p>
+          <a:p>
             <a:r>
               <a:rPr lang="en-IE" dirty="0"/>
-              <a:t>https://docs.microsoft.com/en-us/azure/cost-management-billing/costs/cost-mgt-alerts-monitor-usage-spending</a:t>
-            </a:r>
-          </a:p>
-          <a:p>
-            <a:endParaRPr lang="en-IE" dirty="0"/>
+              <a:t>The effect of communicate spending back to the engineers can be dramatic. Feedback </a:t>
+            </a:r>
           </a:p>
         </p:txBody>
       </p:sp>
@@ -15274,7 +15399,7 @@
           <a:p>
             <a:fld id="{FD5B5252-8534-42B9-BEB1-6A93DAA021E2}" type="slidenum">
               <a:rPr lang="en-IE" smtClean="0"/>
-              <a:t>26</a:t>
+              <a:t>21</a:t>
             </a:fld>
             <a:endParaRPr lang="en-IE"/>
           </a:p>
@@ -15283,7 +15408,7 @@
     </p:spTree>
     <p:extLst>
       <p:ext uri="{BB962C8B-B14F-4D97-AF65-F5344CB8AC3E}">
-        <p14:creationId xmlns:p14="http://schemas.microsoft.com/office/powerpoint/2010/main" val="3757541100"/>
+        <p14:creationId xmlns:p14="http://schemas.microsoft.com/office/powerpoint/2010/main" val="1125342555"/>
       </p:ext>
     </p:extLst>
   </p:cSld>
@@ -15339,46 +15464,6 @@
           <a:p>
             <a:endParaRPr lang="en-IE" dirty="0"/>
           </a:p>
-          <a:p>
-            <a:endParaRPr lang="en-IE" dirty="0"/>
-          </a:p>
-          <a:p>
-            <a:pPr marL="0" marR="0" lvl="0" indent="0" algn="l" defTabSz="914400" rtl="0" eaLnBrk="1" fontAlgn="auto" latinLnBrk="0" hangingPunct="1">
-              <a:lnSpc>
-                <a:spcPct val="100000"/>
-              </a:lnSpc>
-              <a:spcBef>
-                <a:spcPts val="0"/>
-              </a:spcBef>
-              <a:spcAft>
-                <a:spcPts val="0"/>
-              </a:spcAft>
-              <a:buClrTx/>
-              <a:buSzTx/>
-              <a:buFontTx/>
-              <a:buNone/>
-              <a:tabLst/>
-              <a:defRPr/>
-            </a:pPr>
-            <a:r>
-              <a:rPr lang="en-GB" sz="1200" b="1" i="0" kern="1200" dirty="0">
-                <a:solidFill>
-                  <a:schemeClr val="tx1"/>
-                </a:solidFill>
-                <a:effectLst/>
-                <a:latin typeface="+mn-lt"/>
-                <a:ea typeface="+mn-ea"/>
-                <a:cs typeface="+mn-cs"/>
-              </a:rPr>
-              <a:t>Why Azure Dev/Test pricing?</a:t>
-            </a:r>
-          </a:p>
-          <a:p>
-            <a:r>
-              <a:rPr lang="en-IE" dirty="0"/>
-              <a:t>https://azure.microsoft.com/en-us/pricing/dev-test/#overview</a:t>
-            </a:r>
-          </a:p>
         </p:txBody>
       </p:sp>
       <p:sp>
@@ -15398,7 +15483,7 @@
           <a:p>
             <a:fld id="{FD5B5252-8534-42B9-BEB1-6A93DAA021E2}" type="slidenum">
               <a:rPr lang="en-IE" smtClean="0"/>
-              <a:t>31</a:t>
+              <a:t>22</a:t>
             </a:fld>
             <a:endParaRPr lang="en-IE"/>
           </a:p>
@@ -15407,7 +15492,7 @@
     </p:spTree>
     <p:extLst>
       <p:ext uri="{BB962C8B-B14F-4D97-AF65-F5344CB8AC3E}">
-        <p14:creationId xmlns:p14="http://schemas.microsoft.com/office/powerpoint/2010/main" val="2339023969"/>
+        <p14:creationId xmlns:p14="http://schemas.microsoft.com/office/powerpoint/2010/main" val="2240577542"/>
       </p:ext>
     </p:extLst>
   </p:cSld>
@@ -15463,92 +15548,6 @@
           <a:p>
             <a:endParaRPr lang="en-IE" dirty="0"/>
           </a:p>
-          <a:p>
-            <a:pPr marL="0" marR="0" lvl="0" indent="0" algn="l" defTabSz="914400" rtl="0" eaLnBrk="1" fontAlgn="auto" latinLnBrk="0" hangingPunct="1">
-              <a:lnSpc>
-                <a:spcPct val="100000"/>
-              </a:lnSpc>
-              <a:spcBef>
-                <a:spcPts val="0"/>
-              </a:spcBef>
-              <a:spcAft>
-                <a:spcPts val="0"/>
-              </a:spcAft>
-              <a:buClrTx/>
-              <a:buSzTx/>
-              <a:buFontTx/>
-              <a:buNone/>
-              <a:tabLst/>
-              <a:defRPr/>
-            </a:pPr>
-            <a:r>
-              <a:rPr lang="en-GB" sz="1200" b="1" i="0" kern="1200" dirty="0">
-                <a:solidFill>
-                  <a:schemeClr val="tx1"/>
-                </a:solidFill>
-                <a:effectLst/>
-                <a:latin typeface="+mn-lt"/>
-                <a:ea typeface="+mn-ea"/>
-                <a:cs typeface="+mn-cs"/>
-              </a:rPr>
-              <a:t>What are virtual machine scale sets?</a:t>
-            </a:r>
-          </a:p>
-          <a:p>
-            <a:r>
-              <a:rPr lang="en-IE" dirty="0"/>
-              <a:t>https://docs.microsoft.com/en-us/azure/virtual-machine-scale-sets/overview</a:t>
-            </a:r>
-          </a:p>
-          <a:p>
-            <a:endParaRPr lang="en-IE" dirty="0"/>
-          </a:p>
-          <a:p>
-            <a:endParaRPr lang="en-IE" dirty="0"/>
-          </a:p>
-          <a:p>
-            <a:endParaRPr lang="en-IE" dirty="0"/>
-          </a:p>
-          <a:p>
-            <a:pPr marL="0" marR="0" lvl="0" indent="0" algn="l" defTabSz="914400" rtl="0" eaLnBrk="1" fontAlgn="auto" latinLnBrk="0" hangingPunct="1">
-              <a:lnSpc>
-                <a:spcPct val="100000"/>
-              </a:lnSpc>
-              <a:spcBef>
-                <a:spcPts val="0"/>
-              </a:spcBef>
-              <a:spcAft>
-                <a:spcPts val="0"/>
-              </a:spcAft>
-              <a:buClrTx/>
-              <a:buSzTx/>
-              <a:buFontTx/>
-              <a:buNone/>
-              <a:tabLst/>
-              <a:defRPr/>
-            </a:pPr>
-            <a:r>
-              <a:rPr lang="en-GB" sz="1200" b="1" i="0" kern="1200" dirty="0">
-                <a:solidFill>
-                  <a:schemeClr val="tx1"/>
-                </a:solidFill>
-                <a:effectLst/>
-                <a:latin typeface="+mn-lt"/>
-                <a:ea typeface="+mn-ea"/>
-                <a:cs typeface="+mn-cs"/>
-              </a:rPr>
-              <a:t>Use Azure Spot Virtual Machines</a:t>
-            </a:r>
-          </a:p>
-          <a:p>
-            <a:r>
-              <a:rPr lang="en-IE" dirty="0"/>
-              <a:t>https://docs.microsoft.com/en-us/azure/virtual-machines/spot-vms</a:t>
-            </a:r>
-          </a:p>
-          <a:p>
-            <a:endParaRPr lang="en-IE" dirty="0"/>
-          </a:p>
         </p:txBody>
       </p:sp>
       <p:sp>
@@ -15568,7 +15567,7 @@
           <a:p>
             <a:fld id="{FD5B5252-8534-42B9-BEB1-6A93DAA021E2}" type="slidenum">
               <a:rPr lang="en-IE" smtClean="0"/>
-              <a:t>32</a:t>
+              <a:t>24</a:t>
             </a:fld>
             <a:endParaRPr lang="en-IE"/>
           </a:p>
@@ -15577,7 +15576,7 @@
     </p:spTree>
     <p:extLst>
       <p:ext uri="{BB962C8B-B14F-4D97-AF65-F5344CB8AC3E}">
-        <p14:creationId xmlns:p14="http://schemas.microsoft.com/office/powerpoint/2010/main" val="346489748"/>
+        <p14:creationId xmlns:p14="http://schemas.microsoft.com/office/powerpoint/2010/main" val="2754962964"/>
       </p:ext>
     </p:extLst>
   </p:cSld>
@@ -15631,46 +15630,9 @@
           <a:bodyPr/>
           <a:lstStyle/>
           <a:p>
-            <a:endParaRPr lang="en-IE" dirty="0"/>
-          </a:p>
-          <a:p>
-            <a:endParaRPr lang="en-IE" dirty="0"/>
-          </a:p>
-          <a:p>
-            <a:pPr marL="0" marR="0" lvl="0" indent="0" algn="l" defTabSz="914400" rtl="0" eaLnBrk="1" fontAlgn="auto" latinLnBrk="0" hangingPunct="1">
-              <a:lnSpc>
-                <a:spcPct val="100000"/>
-              </a:lnSpc>
-              <a:spcBef>
-                <a:spcPts val="0"/>
-              </a:spcBef>
-              <a:spcAft>
-                <a:spcPts val="0"/>
-              </a:spcAft>
-              <a:buClrTx/>
-              <a:buSzTx/>
-              <a:buFontTx/>
-              <a:buNone/>
-              <a:tabLst/>
-              <a:defRPr/>
-            </a:pPr>
-            <a:r>
-              <a:rPr lang="en-IE" sz="1200" b="1" i="0" kern="1200" dirty="0">
-                <a:solidFill>
-                  <a:schemeClr val="tx1"/>
-                </a:solidFill>
-                <a:effectLst/>
-                <a:latin typeface="+mn-lt"/>
-                <a:ea typeface="+mn-ea"/>
-                <a:cs typeface="+mn-cs"/>
-              </a:rPr>
-              <a:t>Azure Functions hosting options</a:t>
-            </a:r>
-          </a:p>
-          <a:p>
             <a:r>
               <a:rPr lang="en-IE" dirty="0"/>
-              <a:t>https://docs.microsoft.com/en-us/azure/azure-functions/functions-scale#scale</a:t>
+              <a:t>https://docs.microsoft.com/en-us/azure/cost-management-billing/costs/cost-mgt-alerts-monitor-usage-spending</a:t>
             </a:r>
           </a:p>
           <a:p>
@@ -15695,7 +15657,7 @@
           <a:p>
             <a:fld id="{FD5B5252-8534-42B9-BEB1-6A93DAA021E2}" type="slidenum">
               <a:rPr lang="en-IE" smtClean="0"/>
-              <a:t>35</a:t>
+              <a:t>26</a:t>
             </a:fld>
             <a:endParaRPr lang="en-IE"/>
           </a:p>
@@ -15704,7 +15666,7 @@
     </p:spTree>
     <p:extLst>
       <p:ext uri="{BB962C8B-B14F-4D97-AF65-F5344CB8AC3E}">
-        <p14:creationId xmlns:p14="http://schemas.microsoft.com/office/powerpoint/2010/main" val="350881975"/>
+        <p14:creationId xmlns:p14="http://schemas.microsoft.com/office/powerpoint/2010/main" val="3757541100"/>
       </p:ext>
     </p:extLst>
   </p:cSld>
@@ -15761,9 +15723,43 @@
             <a:endParaRPr lang="en-IE" dirty="0"/>
           </a:p>
           <a:p>
+            <a:endParaRPr lang="en-IE" dirty="0"/>
+          </a:p>
+          <a:p>
+            <a:pPr marL="0" marR="0" lvl="0" indent="0" algn="l" defTabSz="914400" rtl="0" eaLnBrk="1" fontAlgn="auto" latinLnBrk="0" hangingPunct="1">
+              <a:lnSpc>
+                <a:spcPct val="100000"/>
+              </a:lnSpc>
+              <a:spcBef>
+                <a:spcPts val="0"/>
+              </a:spcBef>
+              <a:spcAft>
+                <a:spcPts val="0"/>
+              </a:spcAft>
+              <a:buClrTx/>
+              <a:buSzTx/>
+              <a:buFontTx/>
+              <a:buNone/>
+              <a:tabLst/>
+              <a:defRPr/>
+            </a:pPr>
+            <a:r>
+              <a:rPr lang="en-GB" sz="1200" b="1" i="0" kern="1200" dirty="0">
+                <a:solidFill>
+                  <a:schemeClr val="tx1"/>
+                </a:solidFill>
+                <a:effectLst/>
+                <a:latin typeface="+mn-lt"/>
+                <a:ea typeface="+mn-ea"/>
+                <a:cs typeface="+mn-cs"/>
+              </a:rPr>
+              <a:t>Why Azure Dev/Test pricing?</a:t>
+            </a:r>
+          </a:p>
+          <a:p>
             <a:r>
               <a:rPr lang="en-IE" dirty="0"/>
-              <a:t>There are 500+ Azure Services available for creation, it’s easier to disable everything and only allow necessary resources. </a:t>
+              <a:t>https://azure.microsoft.com/en-us/pricing/dev-test/#overview</a:t>
             </a:r>
           </a:p>
         </p:txBody>
@@ -15785,7 +15781,7 @@
           <a:p>
             <a:fld id="{FD5B5252-8534-42B9-BEB1-6A93DAA021E2}" type="slidenum">
               <a:rPr lang="en-IE" smtClean="0"/>
-              <a:t>37</a:t>
+              <a:t>31</a:t>
             </a:fld>
             <a:endParaRPr lang="en-IE"/>
           </a:p>
@@ -15794,7 +15790,7 @@
     </p:spTree>
     <p:extLst>
       <p:ext uri="{BB962C8B-B14F-4D97-AF65-F5344CB8AC3E}">
-        <p14:creationId xmlns:p14="http://schemas.microsoft.com/office/powerpoint/2010/main" val="1245362987"/>
+        <p14:creationId xmlns:p14="http://schemas.microsoft.com/office/powerpoint/2010/main" val="2339023969"/>
       </p:ext>
     </p:extLst>
   </p:cSld>
@@ -15851,12 +15847,6 @@
             <a:endParaRPr lang="en-IE" dirty="0"/>
           </a:p>
           <a:p>
-            <a:endParaRPr lang="en-IE" dirty="0"/>
-          </a:p>
-          <a:p>
-            <a:endParaRPr lang="en-IE" dirty="0"/>
-          </a:p>
-          <a:p>
             <a:pPr marL="0" marR="0" lvl="0" indent="0" algn="l" defTabSz="914400" rtl="0" eaLnBrk="1" fontAlgn="auto" latinLnBrk="0" hangingPunct="1">
               <a:lnSpc>
                 <a:spcPct val="100000"/>
@@ -15884,13 +15874,59 @@
                 <a:ea typeface="+mn-ea"/>
                 <a:cs typeface="+mn-cs"/>
               </a:rPr>
-              <a:t>Use cost alerts to monitor usage and spending</a:t>
+              <a:t>What are virtual machine scale sets?</a:t>
             </a:r>
           </a:p>
           <a:p>
             <a:r>
               <a:rPr lang="en-IE" dirty="0"/>
-              <a:t>https://docs.microsoft.com/en-us/azure/cost-management-billing/costs/cost-mgt-alerts-monitor-usage-spending</a:t>
+              <a:t>https://docs.microsoft.com/en-us/azure/virtual-machine-scale-sets/overview</a:t>
+            </a:r>
+          </a:p>
+          <a:p>
+            <a:endParaRPr lang="en-IE" dirty="0"/>
+          </a:p>
+          <a:p>
+            <a:endParaRPr lang="en-IE" dirty="0"/>
+          </a:p>
+          <a:p>
+            <a:endParaRPr lang="en-IE" dirty="0"/>
+          </a:p>
+          <a:p>
+            <a:pPr marL="0" marR="0" lvl="0" indent="0" algn="l" defTabSz="914400" rtl="0" eaLnBrk="1" fontAlgn="auto" latinLnBrk="0" hangingPunct="1">
+              <a:lnSpc>
+                <a:spcPct val="100000"/>
+              </a:lnSpc>
+              <a:spcBef>
+                <a:spcPts val="0"/>
+              </a:spcBef>
+              <a:spcAft>
+                <a:spcPts val="0"/>
+              </a:spcAft>
+              <a:buClrTx/>
+              <a:buSzTx/>
+              <a:buFontTx/>
+              <a:buNone/>
+              <a:tabLst/>
+              <a:defRPr/>
+            </a:pPr>
+            <a:r>
+              <a:rPr lang="en-GB" sz="1200" b="1" i="0" kern="1200" dirty="0">
+                <a:solidFill>
+                  <a:schemeClr val="tx1"/>
+                </a:solidFill>
+                <a:effectLst/>
+                <a:latin typeface="+mn-lt"/>
+                <a:ea typeface="+mn-ea"/>
+                <a:cs typeface="+mn-cs"/>
+              </a:rPr>
+              <a:t>Use Azure Spot Virtual Machines</a:t>
+            </a:r>
+          </a:p>
+          <a:p>
+            <a:r>
+              <a:rPr lang="en-IE" dirty="0"/>
+              <a:t>https://docs.microsoft.com/en-us/azure/virtual-machines/spot-vms</a:t>
             </a:r>
           </a:p>
           <a:p>
@@ -15915,7 +15951,7 @@
           <a:p>
             <a:fld id="{FD5B5252-8534-42B9-BEB1-6A93DAA021E2}" type="slidenum">
               <a:rPr lang="en-IE" smtClean="0"/>
-              <a:t>41</a:t>
+              <a:t>32</a:t>
             </a:fld>
             <a:endParaRPr lang="en-IE"/>
           </a:p>
@@ -15924,7 +15960,258 @@
     </p:spTree>
     <p:extLst>
       <p:ext uri="{BB962C8B-B14F-4D97-AF65-F5344CB8AC3E}">
-        <p14:creationId xmlns:p14="http://schemas.microsoft.com/office/powerpoint/2010/main" val="3323392330"/>
+        <p14:creationId xmlns:p14="http://schemas.microsoft.com/office/powerpoint/2010/main" val="346489748"/>
+      </p:ext>
+    </p:extLst>
+  </p:cSld>
+  <p:clrMapOvr>
+    <a:masterClrMapping/>
+  </p:clrMapOvr>
+</p:notes>
+</file>
+
+<file path=ppt/notesSlides/notesSlide18.xml><?xml version="1.0" encoding="utf-8"?>
+<p:notes xmlns:a="http://schemas.openxmlformats.org/drawingml/2006/main" xmlns:r="http://schemas.openxmlformats.org/officeDocument/2006/relationships" xmlns:p="http://schemas.openxmlformats.org/presentationml/2006/main">
+  <p:cSld>
+    <p:spTree>
+      <p:nvGrpSpPr>
+        <p:cNvPr id="1" name=""/>
+        <p:cNvGrpSpPr/>
+        <p:nvPr/>
+      </p:nvGrpSpPr>
+      <p:grpSpPr>
+        <a:xfrm>
+          <a:off x="0" y="0"/>
+          <a:ext cx="0" cy="0"/>
+          <a:chOff x="0" y="0"/>
+          <a:chExt cx="0" cy="0"/>
+        </a:xfrm>
+      </p:grpSpPr>
+      <p:sp>
+        <p:nvSpPr>
+          <p:cNvPr id="2" name="Slide Image Placeholder 1"/>
+          <p:cNvSpPr>
+            <a:spLocks noGrp="1" noRot="1" noChangeAspect="1"/>
+          </p:cNvSpPr>
+          <p:nvPr>
+            <p:ph type="sldImg"/>
+          </p:nvPr>
+        </p:nvSpPr>
+        <p:spPr/>
+      </p:sp>
+      <p:sp>
+        <p:nvSpPr>
+          <p:cNvPr id="3" name="Notes Placeholder 2"/>
+          <p:cNvSpPr>
+            <a:spLocks noGrp="1"/>
+          </p:cNvSpPr>
+          <p:nvPr>
+            <p:ph type="body" idx="1"/>
+          </p:nvPr>
+        </p:nvSpPr>
+        <p:spPr/>
+        <p:txBody>
+          <a:bodyPr/>
+          <a:lstStyle/>
+          <a:p>
+            <a:endParaRPr lang="en-IE" dirty="0"/>
+          </a:p>
+          <a:p>
+            <a:endParaRPr lang="en-IE" dirty="0"/>
+          </a:p>
+          <a:p>
+            <a:pPr marL="0" marR="0" lvl="0" indent="0" algn="l" defTabSz="914400" rtl="0" eaLnBrk="1" fontAlgn="auto" latinLnBrk="0" hangingPunct="1">
+              <a:lnSpc>
+                <a:spcPct val="100000"/>
+              </a:lnSpc>
+              <a:spcBef>
+                <a:spcPts val="0"/>
+              </a:spcBef>
+              <a:spcAft>
+                <a:spcPts val="0"/>
+              </a:spcAft>
+              <a:buClrTx/>
+              <a:buSzTx/>
+              <a:buFontTx/>
+              <a:buNone/>
+              <a:tabLst/>
+              <a:defRPr/>
+            </a:pPr>
+            <a:r>
+              <a:rPr lang="en-IE" sz="1200" b="1" i="0" kern="1200" dirty="0">
+                <a:solidFill>
+                  <a:schemeClr val="tx1"/>
+                </a:solidFill>
+                <a:effectLst/>
+                <a:latin typeface="+mn-lt"/>
+                <a:ea typeface="+mn-ea"/>
+                <a:cs typeface="+mn-cs"/>
+              </a:rPr>
+              <a:t>Azure Functions hosting options</a:t>
+            </a:r>
+          </a:p>
+          <a:p>
+            <a:r>
+              <a:rPr lang="en-IE" dirty="0"/>
+              <a:t>https://docs.microsoft.com/en-us/azure/azure-functions/functions-scale#scale</a:t>
+            </a:r>
+          </a:p>
+          <a:p>
+            <a:endParaRPr lang="en-IE" dirty="0"/>
+          </a:p>
+        </p:txBody>
+      </p:sp>
+      <p:sp>
+        <p:nvSpPr>
+          <p:cNvPr id="4" name="Slide Number Placeholder 3"/>
+          <p:cNvSpPr>
+            <a:spLocks noGrp="1"/>
+          </p:cNvSpPr>
+          <p:nvPr>
+            <p:ph type="sldNum" sz="quarter" idx="5"/>
+          </p:nvPr>
+        </p:nvSpPr>
+        <p:spPr/>
+        <p:txBody>
+          <a:bodyPr/>
+          <a:lstStyle/>
+          <a:p>
+            <a:fld id="{FD5B5252-8534-42B9-BEB1-6A93DAA021E2}" type="slidenum">
+              <a:rPr lang="en-IE" smtClean="0"/>
+              <a:t>35</a:t>
+            </a:fld>
+            <a:endParaRPr lang="en-IE"/>
+          </a:p>
+        </p:txBody>
+      </p:sp>
+    </p:spTree>
+    <p:extLst>
+      <p:ext uri="{BB962C8B-B14F-4D97-AF65-F5344CB8AC3E}">
+        <p14:creationId xmlns:p14="http://schemas.microsoft.com/office/powerpoint/2010/main" val="350881975"/>
+      </p:ext>
+    </p:extLst>
+  </p:cSld>
+  <p:clrMapOvr>
+    <a:masterClrMapping/>
+  </p:clrMapOvr>
+</p:notes>
+</file>
+
+<file path=ppt/notesSlides/notesSlide19.xml><?xml version="1.0" encoding="utf-8"?>
+<p:notes xmlns:a="http://schemas.openxmlformats.org/drawingml/2006/main" xmlns:r="http://schemas.openxmlformats.org/officeDocument/2006/relationships" xmlns:p="http://schemas.openxmlformats.org/presentationml/2006/main">
+  <p:cSld>
+    <p:spTree>
+      <p:nvGrpSpPr>
+        <p:cNvPr id="1" name=""/>
+        <p:cNvGrpSpPr/>
+        <p:nvPr/>
+      </p:nvGrpSpPr>
+      <p:grpSpPr>
+        <a:xfrm>
+          <a:off x="0" y="0"/>
+          <a:ext cx="0" cy="0"/>
+          <a:chOff x="0" y="0"/>
+          <a:chExt cx="0" cy="0"/>
+        </a:xfrm>
+      </p:grpSpPr>
+      <p:sp>
+        <p:nvSpPr>
+          <p:cNvPr id="2" name="Slide Image Placeholder 1"/>
+          <p:cNvSpPr>
+            <a:spLocks noGrp="1" noRot="1" noChangeAspect="1"/>
+          </p:cNvSpPr>
+          <p:nvPr>
+            <p:ph type="sldImg"/>
+          </p:nvPr>
+        </p:nvSpPr>
+        <p:spPr/>
+      </p:sp>
+      <p:sp>
+        <p:nvSpPr>
+          <p:cNvPr id="3" name="Notes Placeholder 2"/>
+          <p:cNvSpPr>
+            <a:spLocks noGrp="1"/>
+          </p:cNvSpPr>
+          <p:nvPr>
+            <p:ph type="body" idx="1"/>
+          </p:nvPr>
+        </p:nvSpPr>
+        <p:spPr/>
+        <p:txBody>
+          <a:bodyPr/>
+          <a:lstStyle/>
+          <a:p>
+            <a:endParaRPr lang="en-IE" dirty="0"/>
+          </a:p>
+          <a:p>
+            <a:endParaRPr lang="en-IE" dirty="0"/>
+          </a:p>
+          <a:p>
+            <a:pPr marL="0" marR="0" lvl="0" indent="0" algn="l" defTabSz="914400" rtl="0" eaLnBrk="1" fontAlgn="auto" latinLnBrk="0" hangingPunct="1">
+              <a:lnSpc>
+                <a:spcPct val="100000"/>
+              </a:lnSpc>
+              <a:spcBef>
+                <a:spcPts val="0"/>
+              </a:spcBef>
+              <a:spcAft>
+                <a:spcPts val="0"/>
+              </a:spcAft>
+              <a:buClrTx/>
+              <a:buSzTx/>
+              <a:buFontTx/>
+              <a:buNone/>
+              <a:tabLst/>
+              <a:defRPr/>
+            </a:pPr>
+            <a:r>
+              <a:rPr lang="en-IE" b="1" dirty="0"/>
+              <a:t>O’Reilly, </a:t>
+            </a:r>
+            <a:r>
+              <a:rPr lang="en-GB" b="1" dirty="0"/>
+              <a:t>Cloud FinOps: Collaborative, Real-Time Cloud Financial Management</a:t>
+            </a:r>
+            <a:endParaRPr lang="en-IE" b="1" dirty="0"/>
+          </a:p>
+          <a:p>
+            <a:r>
+              <a:rPr lang="en-IE" dirty="0"/>
+              <a:t>https://www.amazon.com/Cloud-FinOps-Collaborative-real-time-management/dp/1492054623</a:t>
+            </a:r>
+          </a:p>
+          <a:p>
+            <a:endParaRPr lang="en-IE" dirty="0"/>
+          </a:p>
+        </p:txBody>
+      </p:sp>
+      <p:sp>
+        <p:nvSpPr>
+          <p:cNvPr id="4" name="Slide Number Placeholder 3"/>
+          <p:cNvSpPr>
+            <a:spLocks noGrp="1"/>
+          </p:cNvSpPr>
+          <p:nvPr>
+            <p:ph type="sldNum" sz="quarter" idx="5"/>
+          </p:nvPr>
+        </p:nvSpPr>
+        <p:spPr/>
+        <p:txBody>
+          <a:bodyPr/>
+          <a:lstStyle/>
+          <a:p>
+            <a:fld id="{FD5B5252-8534-42B9-BEB1-6A93DAA021E2}" type="slidenum">
+              <a:rPr lang="en-IE" smtClean="0"/>
+              <a:t>38</a:t>
+            </a:fld>
+            <a:endParaRPr lang="en-IE"/>
+          </a:p>
+        </p:txBody>
+      </p:sp>
+    </p:spTree>
+    <p:extLst>
+      <p:ext uri="{BB962C8B-B14F-4D97-AF65-F5344CB8AC3E}">
+        <p14:creationId xmlns:p14="http://schemas.microsoft.com/office/powerpoint/2010/main" val="3103950151"/>
       </p:ext>
     </p:extLst>
   </p:cSld>
@@ -15978,22 +16265,13 @@
           <a:bodyPr/>
           <a:lstStyle/>
           <a:p>
-            <a:r>
-              <a:rPr lang="en-IE" dirty="0"/>
-              <a:t>It is necessary for an organisation to allocate, explain and control cloud spending. </a:t>
-            </a:r>
-          </a:p>
-          <a:p>
             <a:endParaRPr lang="en-IE" dirty="0"/>
           </a:p>
           <a:p>
             <a:endParaRPr lang="en-IE" dirty="0"/>
           </a:p>
           <a:p>
-            <a:r>
-              <a:rPr lang="en-IE" dirty="0"/>
-              <a:t>FinOps term evolution: </a:t>
-            </a:r>
+            <a:endParaRPr lang="en-IE" dirty="0"/>
           </a:p>
           <a:p>
             <a:pPr marL="171450" indent="-171450">
@@ -16002,7 +16280,7 @@
             </a:pPr>
             <a:r>
               <a:rPr lang="en-IE" dirty="0"/>
-              <a:t>Cloud cost management</a:t>
+              <a:t>Developer has keys to the cloud</a:t>
             </a:r>
           </a:p>
           <a:p>
@@ -16012,7 +16290,7 @@
             </a:pPr>
             <a:r>
               <a:rPr lang="en-IE" dirty="0"/>
-              <a:t>Cloud cost optimization </a:t>
+              <a:t>Developer creates cloud resource</a:t>
             </a:r>
           </a:p>
           <a:p>
@@ -16022,35 +16300,21 @@
             </a:pPr>
             <a:r>
               <a:rPr lang="en-IE" dirty="0"/>
-              <a:t>Cloud financial management</a:t>
-            </a:r>
-          </a:p>
-          <a:p>
-            <a:pPr marL="0" indent="0">
+              <a:t>Resources incur charges</a:t>
+            </a:r>
+            <a:endParaRPr lang="ru-RU" dirty="0"/>
+          </a:p>
+          <a:p>
+            <a:pPr marL="171450" indent="-171450">
               <a:buFont typeface="Arial" panose="020B0604020202020204" pitchFamily="34" charset="0"/>
-              <a:buNone/>
+              <a:buChar char="•"/>
             </a:pPr>
-            <a:endParaRPr lang="en-IE" dirty="0"/>
-          </a:p>
-          <a:p>
-            <a:pPr marL="0" indent="0">
-              <a:buFont typeface="Arial" panose="020B0604020202020204" pitchFamily="34" charset="0"/>
-              <a:buNone/>
-            </a:pPr>
-            <a:endParaRPr lang="en-IE" dirty="0"/>
-          </a:p>
-          <a:p>
-            <a:pPr marL="0" indent="0">
-              <a:buFont typeface="Arial" panose="020B0604020202020204" pitchFamily="34" charset="0"/>
-              <a:buNone/>
-            </a:pPr>
-            <a:endParaRPr lang="en-IE" dirty="0"/>
-          </a:p>
-          <a:p>
-            <a:pPr marL="0" indent="0">
-              <a:buFont typeface="Arial" panose="020B0604020202020204" pitchFamily="34" charset="0"/>
-              <a:buNone/>
-            </a:pPr>
+            <a:r>
+              <a:rPr lang="en-IE" dirty="0"/>
+              <a:t>Cost gets out of control </a:t>
+            </a:r>
+          </a:p>
+          <a:p>
             <a:endParaRPr lang="en-IE" dirty="0"/>
           </a:p>
         </p:txBody>
@@ -16072,7 +16336,7 @@
           <a:p>
             <a:fld id="{FD5B5252-8534-42B9-BEB1-6A93DAA021E2}" type="slidenum">
               <a:rPr lang="en-IE" smtClean="0"/>
-              <a:t>9</a:t>
+              <a:t>7</a:t>
             </a:fld>
             <a:endParaRPr lang="en-IE"/>
           </a:p>
@@ -16081,7 +16345,227 @@
     </p:spTree>
     <p:extLst>
       <p:ext uri="{BB962C8B-B14F-4D97-AF65-F5344CB8AC3E}">
-        <p14:creationId xmlns:p14="http://schemas.microsoft.com/office/powerpoint/2010/main" val="1613024647"/>
+        <p14:creationId xmlns:p14="http://schemas.microsoft.com/office/powerpoint/2010/main" val="2611687366"/>
+      </p:ext>
+    </p:extLst>
+  </p:cSld>
+  <p:clrMapOvr>
+    <a:masterClrMapping/>
+  </p:clrMapOvr>
+</p:notes>
+</file>
+
+<file path=ppt/notesSlides/notesSlide20.xml><?xml version="1.0" encoding="utf-8"?>
+<p:notes xmlns:a="http://schemas.openxmlformats.org/drawingml/2006/main" xmlns:r="http://schemas.openxmlformats.org/officeDocument/2006/relationships" xmlns:p="http://schemas.openxmlformats.org/presentationml/2006/main">
+  <p:cSld>
+    <p:spTree>
+      <p:nvGrpSpPr>
+        <p:cNvPr id="1" name=""/>
+        <p:cNvGrpSpPr/>
+        <p:nvPr/>
+      </p:nvGrpSpPr>
+      <p:grpSpPr>
+        <a:xfrm>
+          <a:off x="0" y="0"/>
+          <a:ext cx="0" cy="0"/>
+          <a:chOff x="0" y="0"/>
+          <a:chExt cx="0" cy="0"/>
+        </a:xfrm>
+      </p:grpSpPr>
+      <p:sp>
+        <p:nvSpPr>
+          <p:cNvPr id="2" name="Slide Image Placeholder 1"/>
+          <p:cNvSpPr>
+            <a:spLocks noGrp="1" noRot="1" noChangeAspect="1"/>
+          </p:cNvSpPr>
+          <p:nvPr>
+            <p:ph type="sldImg"/>
+          </p:nvPr>
+        </p:nvSpPr>
+        <p:spPr/>
+      </p:sp>
+      <p:sp>
+        <p:nvSpPr>
+          <p:cNvPr id="3" name="Notes Placeholder 2"/>
+          <p:cNvSpPr>
+            <a:spLocks noGrp="1"/>
+          </p:cNvSpPr>
+          <p:nvPr>
+            <p:ph type="body" idx="1"/>
+          </p:nvPr>
+        </p:nvSpPr>
+        <p:spPr/>
+        <p:txBody>
+          <a:bodyPr/>
+          <a:lstStyle/>
+          <a:p>
+            <a:endParaRPr lang="en-IE" dirty="0"/>
+          </a:p>
+          <a:p>
+            <a:r>
+              <a:rPr lang="en-IE" dirty="0"/>
+              <a:t>There are 500+ Azure Services available for creation, it’s easier to disable everything and only allow necessary resources. </a:t>
+            </a:r>
+          </a:p>
+        </p:txBody>
+      </p:sp>
+      <p:sp>
+        <p:nvSpPr>
+          <p:cNvPr id="4" name="Slide Number Placeholder 3"/>
+          <p:cNvSpPr>
+            <a:spLocks noGrp="1"/>
+          </p:cNvSpPr>
+          <p:nvPr>
+            <p:ph type="sldNum" sz="quarter" idx="5"/>
+          </p:nvPr>
+        </p:nvSpPr>
+        <p:spPr/>
+        <p:txBody>
+          <a:bodyPr/>
+          <a:lstStyle/>
+          <a:p>
+            <a:fld id="{FD5B5252-8534-42B9-BEB1-6A93DAA021E2}" type="slidenum">
+              <a:rPr lang="en-IE" smtClean="0"/>
+              <a:t>39</a:t>
+            </a:fld>
+            <a:endParaRPr lang="en-IE"/>
+          </a:p>
+        </p:txBody>
+      </p:sp>
+    </p:spTree>
+    <p:extLst>
+      <p:ext uri="{BB962C8B-B14F-4D97-AF65-F5344CB8AC3E}">
+        <p14:creationId xmlns:p14="http://schemas.microsoft.com/office/powerpoint/2010/main" val="1245362987"/>
+      </p:ext>
+    </p:extLst>
+  </p:cSld>
+  <p:clrMapOvr>
+    <a:masterClrMapping/>
+  </p:clrMapOvr>
+</p:notes>
+</file>
+
+<file path=ppt/notesSlides/notesSlide21.xml><?xml version="1.0" encoding="utf-8"?>
+<p:notes xmlns:a="http://schemas.openxmlformats.org/drawingml/2006/main" xmlns:r="http://schemas.openxmlformats.org/officeDocument/2006/relationships" xmlns:p="http://schemas.openxmlformats.org/presentationml/2006/main">
+  <p:cSld>
+    <p:spTree>
+      <p:nvGrpSpPr>
+        <p:cNvPr id="1" name=""/>
+        <p:cNvGrpSpPr/>
+        <p:nvPr/>
+      </p:nvGrpSpPr>
+      <p:grpSpPr>
+        <a:xfrm>
+          <a:off x="0" y="0"/>
+          <a:ext cx="0" cy="0"/>
+          <a:chOff x="0" y="0"/>
+          <a:chExt cx="0" cy="0"/>
+        </a:xfrm>
+      </p:grpSpPr>
+      <p:sp>
+        <p:nvSpPr>
+          <p:cNvPr id="2" name="Slide Image Placeholder 1"/>
+          <p:cNvSpPr>
+            <a:spLocks noGrp="1" noRot="1" noChangeAspect="1"/>
+          </p:cNvSpPr>
+          <p:nvPr>
+            <p:ph type="sldImg"/>
+          </p:nvPr>
+        </p:nvSpPr>
+        <p:spPr/>
+      </p:sp>
+      <p:sp>
+        <p:nvSpPr>
+          <p:cNvPr id="3" name="Notes Placeholder 2"/>
+          <p:cNvSpPr>
+            <a:spLocks noGrp="1"/>
+          </p:cNvSpPr>
+          <p:nvPr>
+            <p:ph type="body" idx="1"/>
+          </p:nvPr>
+        </p:nvSpPr>
+        <p:spPr/>
+        <p:txBody>
+          <a:bodyPr/>
+          <a:lstStyle/>
+          <a:p>
+            <a:endParaRPr lang="en-IE" dirty="0"/>
+          </a:p>
+          <a:p>
+            <a:endParaRPr lang="en-IE" dirty="0"/>
+          </a:p>
+          <a:p>
+            <a:endParaRPr lang="en-IE" dirty="0"/>
+          </a:p>
+          <a:p>
+            <a:pPr marL="0" marR="0" lvl="0" indent="0" algn="l" defTabSz="914400" rtl="0" eaLnBrk="1" fontAlgn="auto" latinLnBrk="0" hangingPunct="1">
+              <a:lnSpc>
+                <a:spcPct val="100000"/>
+              </a:lnSpc>
+              <a:spcBef>
+                <a:spcPts val="0"/>
+              </a:spcBef>
+              <a:spcAft>
+                <a:spcPts val="0"/>
+              </a:spcAft>
+              <a:buClrTx/>
+              <a:buSzTx/>
+              <a:buFontTx/>
+              <a:buNone/>
+              <a:tabLst/>
+              <a:defRPr/>
+            </a:pPr>
+            <a:r>
+              <a:rPr lang="en-GB" sz="1200" b="1" i="0" kern="1200" dirty="0">
+                <a:solidFill>
+                  <a:schemeClr val="tx1"/>
+                </a:solidFill>
+                <a:effectLst/>
+                <a:latin typeface="+mn-lt"/>
+                <a:ea typeface="+mn-ea"/>
+                <a:cs typeface="+mn-cs"/>
+              </a:rPr>
+              <a:t>Use cost alerts to monitor usage and spending</a:t>
+            </a:r>
+          </a:p>
+          <a:p>
+            <a:r>
+              <a:rPr lang="en-IE" dirty="0"/>
+              <a:t>https://docs.microsoft.com/en-us/azure/cost-management-billing/costs/cost-mgt-alerts-monitor-usage-spending</a:t>
+            </a:r>
+          </a:p>
+          <a:p>
+            <a:endParaRPr lang="en-IE" dirty="0"/>
+          </a:p>
+        </p:txBody>
+      </p:sp>
+      <p:sp>
+        <p:nvSpPr>
+          <p:cNvPr id="4" name="Slide Number Placeholder 3"/>
+          <p:cNvSpPr>
+            <a:spLocks noGrp="1"/>
+          </p:cNvSpPr>
+          <p:nvPr>
+            <p:ph type="sldNum" sz="quarter" idx="5"/>
+          </p:nvPr>
+        </p:nvSpPr>
+        <p:spPr/>
+        <p:txBody>
+          <a:bodyPr/>
+          <a:lstStyle/>
+          <a:p>
+            <a:fld id="{FD5B5252-8534-42B9-BEB1-6A93DAA021E2}" type="slidenum">
+              <a:rPr lang="en-IE" smtClean="0"/>
+              <a:t>43</a:t>
+            </a:fld>
+            <a:endParaRPr lang="en-IE"/>
+          </a:p>
+        </p:txBody>
+      </p:sp>
+    </p:spTree>
+    <p:extLst>
+      <p:ext uri="{BB962C8B-B14F-4D97-AF65-F5344CB8AC3E}">
+        <p14:creationId xmlns:p14="http://schemas.microsoft.com/office/powerpoint/2010/main" val="3323392330"/>
       </p:ext>
     </p:extLst>
   </p:cSld>
@@ -16135,7 +16619,105 @@
           <a:bodyPr/>
           <a:lstStyle/>
           <a:p>
-            <a:endParaRPr lang="en-IE"/>
+            <a:endParaRPr lang="en-IE" dirty="0"/>
+          </a:p>
+          <a:p>
+            <a:endParaRPr lang="en-IE" dirty="0"/>
+          </a:p>
+          <a:p>
+            <a:r>
+              <a:rPr lang="en-IE" dirty="0"/>
+              <a:t>Micro billing can be a burden. </a:t>
+            </a:r>
+          </a:p>
+          <a:p>
+            <a:endParaRPr lang="en-IE" dirty="0"/>
+          </a:p>
+          <a:p>
+            <a:endParaRPr lang="en-IE" dirty="0"/>
+          </a:p>
+          <a:p>
+            <a:endParaRPr lang="en-IE" dirty="0"/>
+          </a:p>
+          <a:p>
+            <a:r>
+              <a:rPr lang="en-IE" dirty="0"/>
+              <a:t>Human factor: </a:t>
+            </a:r>
+          </a:p>
+          <a:p>
+            <a:pPr marL="171450" indent="-171450">
+              <a:buFont typeface="Arial" panose="020B0604020202020204" pitchFamily="34" charset="0"/>
+              <a:buChar char="•"/>
+            </a:pPr>
+            <a:r>
+              <a:rPr lang="en-IE" dirty="0"/>
+              <a:t>Overprovisioning </a:t>
+            </a:r>
+          </a:p>
+          <a:p>
+            <a:pPr marL="171450" marR="0" lvl="0" indent="-171450" algn="l" defTabSz="914400" rtl="0" eaLnBrk="1" fontAlgn="auto" latinLnBrk="0" hangingPunct="1">
+              <a:lnSpc>
+                <a:spcPct val="100000"/>
+              </a:lnSpc>
+              <a:spcBef>
+                <a:spcPts val="0"/>
+              </a:spcBef>
+              <a:spcAft>
+                <a:spcPts val="0"/>
+              </a:spcAft>
+              <a:buClrTx/>
+              <a:buSzTx/>
+              <a:buFont typeface="Arial" panose="020B0604020202020204" pitchFamily="34" charset="0"/>
+              <a:buChar char="•"/>
+              <a:tabLst/>
+              <a:defRPr/>
+            </a:pPr>
+            <a:r>
+              <a:rPr lang="en-IE" dirty="0"/>
+              <a:t>Wrong Licensing (Developer/Standard/Enterprise)</a:t>
+            </a:r>
+          </a:p>
+          <a:p>
+            <a:pPr marL="171450" indent="-171450">
+              <a:buFont typeface="Arial" panose="020B0604020202020204" pitchFamily="34" charset="0"/>
+              <a:buChar char="•"/>
+            </a:pPr>
+            <a:endParaRPr lang="en-IE" dirty="0"/>
+          </a:p>
+          <a:p>
+            <a:pPr marL="171450" indent="-171450">
+              <a:buFont typeface="Arial" panose="020B0604020202020204" pitchFamily="34" charset="0"/>
+              <a:buChar char="•"/>
+            </a:pPr>
+            <a:endParaRPr lang="en-IE" dirty="0"/>
+          </a:p>
+          <a:p>
+            <a:pPr marL="0" indent="0">
+              <a:buFont typeface="Arial" panose="020B0604020202020204" pitchFamily="34" charset="0"/>
+              <a:buNone/>
+            </a:pPr>
+            <a:r>
+              <a:rPr lang="en-IE" dirty="0"/>
+              <a:t>Bad Actors</a:t>
+            </a:r>
+          </a:p>
+          <a:p>
+            <a:pPr marL="171450" indent="-171450">
+              <a:buFont typeface="Arial" panose="020B0604020202020204" pitchFamily="34" charset="0"/>
+              <a:buChar char="•"/>
+            </a:pPr>
+            <a:r>
+              <a:rPr lang="en-IE" dirty="0"/>
+              <a:t>Crypto mining </a:t>
+            </a:r>
+          </a:p>
+          <a:p>
+            <a:pPr marL="171450" indent="-171450">
+              <a:buFont typeface="Arial" panose="020B0604020202020204" pitchFamily="34" charset="0"/>
+              <a:buChar char="•"/>
+            </a:pPr>
+            <a:endParaRPr lang="en-IE" dirty="0"/>
           </a:p>
         </p:txBody>
       </p:sp>
@@ -16156,7 +16738,7 @@
           <a:p>
             <a:fld id="{FD5B5252-8534-42B9-BEB1-6A93DAA021E2}" type="slidenum">
               <a:rPr lang="en-IE" smtClean="0"/>
-              <a:t>10</a:t>
+              <a:t>8</a:t>
             </a:fld>
             <a:endParaRPr lang="en-IE"/>
           </a:p>
@@ -16165,7 +16747,7 @@
     </p:spTree>
     <p:extLst>
       <p:ext uri="{BB962C8B-B14F-4D97-AF65-F5344CB8AC3E}">
-        <p14:creationId xmlns:p14="http://schemas.microsoft.com/office/powerpoint/2010/main" val="3923442544"/>
+        <p14:creationId xmlns:p14="http://schemas.microsoft.com/office/powerpoint/2010/main" val="3268682106"/>
       </p:ext>
     </p:extLst>
   </p:cSld>
@@ -16219,44 +16801,79 @@
           <a:bodyPr/>
           <a:lstStyle/>
           <a:p>
+            <a:r>
+              <a:rPr lang="en-IE" dirty="0"/>
+              <a:t>It is necessary for an organisation to allocate, explain and control cloud spending. </a:t>
+            </a:r>
+          </a:p>
+          <a:p>
             <a:endParaRPr lang="en-IE" dirty="0"/>
           </a:p>
           <a:p>
             <a:endParaRPr lang="en-IE" dirty="0"/>
           </a:p>
           <a:p>
-            <a:pPr marL="0" marR="0" lvl="0" indent="0" algn="l" defTabSz="914400" rtl="0" eaLnBrk="1" fontAlgn="auto" latinLnBrk="0" hangingPunct="1">
-              <a:lnSpc>
-                <a:spcPct val="100000"/>
-              </a:lnSpc>
-              <a:spcBef>
-                <a:spcPts val="0"/>
-              </a:spcBef>
-              <a:spcAft>
-                <a:spcPts val="0"/>
-              </a:spcAft>
-              <a:buClrTx/>
-              <a:buSzTx/>
-              <a:buFontTx/>
+            <a:r>
+              <a:rPr lang="en-IE" dirty="0"/>
+              <a:t>FinOps term evolution: </a:t>
+            </a:r>
+          </a:p>
+          <a:p>
+            <a:pPr marL="171450" indent="-171450">
+              <a:buFont typeface="Arial" panose="020B0604020202020204" pitchFamily="34" charset="0"/>
+              <a:buChar char="•"/>
+            </a:pPr>
+            <a:r>
+              <a:rPr lang="en-IE" dirty="0"/>
+              <a:t>Cloud cost management</a:t>
+            </a:r>
+          </a:p>
+          <a:p>
+            <a:pPr marL="171450" indent="-171450">
+              <a:buFont typeface="Arial" panose="020B0604020202020204" pitchFamily="34" charset="0"/>
+              <a:buChar char="•"/>
+            </a:pPr>
+            <a:r>
+              <a:rPr lang="en-IE" dirty="0"/>
+              <a:t>Cloud cost optimization </a:t>
+            </a:r>
+          </a:p>
+          <a:p>
+            <a:pPr marL="171450" indent="-171450">
+              <a:buFont typeface="Arial" panose="020B0604020202020204" pitchFamily="34" charset="0"/>
+              <a:buChar char="•"/>
+            </a:pPr>
+            <a:r>
+              <a:rPr lang="en-IE" dirty="0"/>
+              <a:t>Cloud financial management</a:t>
+            </a:r>
+          </a:p>
+          <a:p>
+            <a:pPr marL="0" indent="0">
+              <a:buFont typeface="Arial" panose="020B0604020202020204" pitchFamily="34" charset="0"/>
               <a:buNone/>
-              <a:tabLst/>
-              <a:defRPr/>
             </a:pPr>
-            <a:r>
-              <a:rPr lang="en-IE" b="1" dirty="0"/>
-              <a:t>Encourage good behaviour</a:t>
-            </a:r>
-          </a:p>
-          <a:p>
             <a:endParaRPr lang="en-IE" dirty="0"/>
           </a:p>
           <a:p>
-            <a:r>
-              <a:rPr lang="en-IE" dirty="0"/>
-              <a:t>Department that saved on the cloud may receive additional funding for contractors or other vouchers.  </a:t>
-            </a:r>
-          </a:p>
-          <a:p>
+            <a:pPr marL="0" indent="0">
+              <a:buFont typeface="Arial" panose="020B0604020202020204" pitchFamily="34" charset="0"/>
+              <a:buNone/>
+            </a:pPr>
+            <a:endParaRPr lang="en-IE" dirty="0"/>
+          </a:p>
+          <a:p>
+            <a:pPr marL="0" indent="0">
+              <a:buFont typeface="Arial" panose="020B0604020202020204" pitchFamily="34" charset="0"/>
+              <a:buNone/>
+            </a:pPr>
+            <a:endParaRPr lang="en-IE" dirty="0"/>
+          </a:p>
+          <a:p>
+            <a:pPr marL="0" indent="0">
+              <a:buFont typeface="Arial" panose="020B0604020202020204" pitchFamily="34" charset="0"/>
+              <a:buNone/>
+            </a:pPr>
             <a:endParaRPr lang="en-IE" dirty="0"/>
           </a:p>
         </p:txBody>
@@ -16278,7 +16895,7 @@
           <a:p>
             <a:fld id="{FD5B5252-8534-42B9-BEB1-6A93DAA021E2}" type="slidenum">
               <a:rPr lang="en-IE" smtClean="0"/>
-              <a:t>12</a:t>
+              <a:t>9</a:t>
             </a:fld>
             <a:endParaRPr lang="en-IE"/>
           </a:p>
@@ -16287,7 +16904,7 @@
     </p:spTree>
     <p:extLst>
       <p:ext uri="{BB962C8B-B14F-4D97-AF65-F5344CB8AC3E}">
-        <p14:creationId xmlns:p14="http://schemas.microsoft.com/office/powerpoint/2010/main" val="2004688485"/>
+        <p14:creationId xmlns:p14="http://schemas.microsoft.com/office/powerpoint/2010/main" val="1613024647"/>
       </p:ext>
     </p:extLst>
   </p:cSld>
@@ -16341,16 +16958,7 @@
           <a:bodyPr/>
           <a:lstStyle/>
           <a:p>
-            <a:endParaRPr lang="en-IE" dirty="0"/>
-          </a:p>
-          <a:p>
-            <a:endParaRPr lang="en-IE" dirty="0"/>
-          </a:p>
-          <a:p>
-            <a:endParaRPr lang="en-IE" dirty="0"/>
-          </a:p>
-          <a:p>
-            <a:endParaRPr lang="en-IE" dirty="0"/>
+            <a:endParaRPr lang="en-IE"/>
           </a:p>
         </p:txBody>
       </p:sp>
@@ -16371,7 +16979,7 @@
           <a:p>
             <a:fld id="{FD5B5252-8534-42B9-BEB1-6A93DAA021E2}" type="slidenum">
               <a:rPr lang="en-IE" smtClean="0"/>
-              <a:t>13</a:t>
+              <a:t>10</a:t>
             </a:fld>
             <a:endParaRPr lang="en-IE"/>
           </a:p>
@@ -16380,7 +16988,7 @@
     </p:spTree>
     <p:extLst>
       <p:ext uri="{BB962C8B-B14F-4D97-AF65-F5344CB8AC3E}">
-        <p14:creationId xmlns:p14="http://schemas.microsoft.com/office/powerpoint/2010/main" val="2794908998"/>
+        <p14:creationId xmlns:p14="http://schemas.microsoft.com/office/powerpoint/2010/main" val="3923442544"/>
       </p:ext>
     </p:extLst>
   </p:cSld>
@@ -16434,6 +17042,12 @@
           <a:bodyPr/>
           <a:lstStyle/>
           <a:p>
+            <a:endParaRPr lang="en-IE" dirty="0"/>
+          </a:p>
+          <a:p>
+            <a:endParaRPr lang="en-IE" dirty="0"/>
+          </a:p>
+          <a:p>
             <a:pPr marL="0" marR="0" lvl="0" indent="0" algn="l" defTabSz="914400" rtl="0" eaLnBrk="1" fontAlgn="auto" latinLnBrk="0" hangingPunct="1">
               <a:lnSpc>
                 <a:spcPct val="100000"/>
@@ -16452,8 +17066,29 @@
               <a:defRPr/>
             </a:pPr>
             <a:r>
+              <a:rPr lang="en-IE" b="1" dirty="0"/>
+              <a:t>Encourage good behaviour</a:t>
+            </a:r>
+          </a:p>
+          <a:p>
+            <a:endParaRPr lang="en-IE" dirty="0"/>
+          </a:p>
+          <a:p>
+            <a:r>
               <a:rPr lang="en-IE" dirty="0"/>
-              <a:t>Part technical, part manager, part accounting</a:t>
+              <a:t>Department that saved on the cloud may receive additional funding for contractors or other vouchers.  </a:t>
+            </a:r>
+          </a:p>
+          <a:p>
+            <a:endParaRPr lang="en-IE" dirty="0"/>
+          </a:p>
+          <a:p>
+            <a:endParaRPr lang="en-IE" dirty="0"/>
+          </a:p>
+          <a:p>
+            <a:r>
+              <a:rPr lang="en-IE" dirty="0"/>
+              <a:t>Becomes another decision making parameter: Cost + Speed + Reliability</a:t>
             </a:r>
           </a:p>
           <a:p>
@@ -16478,7 +17113,7 @@
           <a:p>
             <a:fld id="{FD5B5252-8534-42B9-BEB1-6A93DAA021E2}" type="slidenum">
               <a:rPr lang="en-IE" smtClean="0"/>
-              <a:t>14</a:t>
+              <a:t>12</a:t>
             </a:fld>
             <a:endParaRPr lang="en-IE"/>
           </a:p>
@@ -16487,7 +17122,7 @@
     </p:spTree>
     <p:extLst>
       <p:ext uri="{BB962C8B-B14F-4D97-AF65-F5344CB8AC3E}">
-        <p14:creationId xmlns:p14="http://schemas.microsoft.com/office/powerpoint/2010/main" val="507814250"/>
+        <p14:creationId xmlns:p14="http://schemas.microsoft.com/office/powerpoint/2010/main" val="2004688485"/>
       </p:ext>
     </p:extLst>
   </p:cSld>
@@ -16552,43 +17187,6 @@
           <a:p>
             <a:endParaRPr lang="en-IE" dirty="0"/>
           </a:p>
-          <a:p>
-            <a:r>
-              <a:rPr lang="en-IE" dirty="0"/>
-              <a:t>DBA refused to discuss low usage DB service ($100 monthly)</a:t>
-            </a:r>
-          </a:p>
-          <a:p>
-            <a:pPr lvl="1"/>
-            <a:r>
-              <a:rPr lang="en-IE" dirty="0"/>
-              <a:t>Pick a phone and call the person</a:t>
-            </a:r>
-          </a:p>
-          <a:p>
-            <a:pPr lvl="1"/>
-            <a:r>
-              <a:rPr lang="en-IE" dirty="0"/>
-              <a:t>Understand the reasoning and service importance</a:t>
-            </a:r>
-          </a:p>
-          <a:p>
-            <a:pPr lvl="1"/>
-            <a:r>
-              <a:rPr lang="en-IE" dirty="0"/>
-              <a:t>Communicate the importance </a:t>
-            </a:r>
-          </a:p>
-          <a:p>
-            <a:pPr lvl="1"/>
-            <a:r>
-              <a:rPr lang="en-IE" dirty="0"/>
-              <a:t>Show historical usage (only 100 per month, but 2400 over last 2 years)</a:t>
-            </a:r>
-          </a:p>
-          <a:p>
-            <a:endParaRPr lang="en-IE" dirty="0"/>
-          </a:p>
         </p:txBody>
       </p:sp>
       <p:sp>
@@ -16608,7 +17206,7 @@
           <a:p>
             <a:fld id="{FD5B5252-8534-42B9-BEB1-6A93DAA021E2}" type="slidenum">
               <a:rPr lang="en-IE" smtClean="0"/>
-              <a:t>15</a:t>
+              <a:t>13</a:t>
             </a:fld>
             <a:endParaRPr lang="en-IE"/>
           </a:p>
@@ -16617,7 +17215,7 @@
     </p:spTree>
     <p:extLst>
       <p:ext uri="{BB962C8B-B14F-4D97-AF65-F5344CB8AC3E}">
-        <p14:creationId xmlns:p14="http://schemas.microsoft.com/office/powerpoint/2010/main" val="2159210761"/>
+        <p14:creationId xmlns:p14="http://schemas.microsoft.com/office/powerpoint/2010/main" val="2794908998"/>
       </p:ext>
     </p:extLst>
   </p:cSld>
@@ -16689,31 +17287,11 @@
               <a:defRPr/>
             </a:pPr>
             <a:r>
-              <a:rPr lang="en-IE" b="1" dirty="0"/>
-              <a:t>Real time reporting is a powerful influence on human behaviour. </a:t>
-            </a:r>
-          </a:p>
-          <a:p>
-            <a:endParaRPr lang="en-IE" dirty="0"/>
-          </a:p>
-          <a:p>
-            <a:endParaRPr lang="en-IE" dirty="0"/>
-          </a:p>
-          <a:p>
-            <a:endParaRPr lang="en-IE" dirty="0"/>
-          </a:p>
-          <a:p>
-            <a:endParaRPr lang="en-IE" dirty="0"/>
-          </a:p>
-          <a:p>
-            <a:r>
               <a:rPr lang="en-IE" dirty="0"/>
-              <a:t>Rightsizing - </a:t>
-            </a:r>
-            <a:r>
-              <a:rPr lang="en-GB" dirty="0"/>
-              <a:t>resizing cloud resources to better match workload requirements</a:t>
-            </a:r>
+              <a:t>Part technical, part manager, part accounting</a:t>
+            </a:r>
+          </a:p>
+          <a:p>
             <a:endParaRPr lang="en-IE" dirty="0"/>
           </a:p>
         </p:txBody>
@@ -16735,7 +17313,7 @@
           <a:p>
             <a:fld id="{FD5B5252-8534-42B9-BEB1-6A93DAA021E2}" type="slidenum">
               <a:rPr lang="en-IE" smtClean="0"/>
-              <a:t>16</a:t>
+              <a:t>14</a:t>
             </a:fld>
             <a:endParaRPr lang="en-IE"/>
           </a:p>
@@ -16744,7 +17322,7 @@
     </p:spTree>
     <p:extLst>
       <p:ext uri="{BB962C8B-B14F-4D97-AF65-F5344CB8AC3E}">
-        <p14:creationId xmlns:p14="http://schemas.microsoft.com/office/powerpoint/2010/main" val="3624171313"/>
+        <p14:creationId xmlns:p14="http://schemas.microsoft.com/office/powerpoint/2010/main" val="507814250"/>
       </p:ext>
     </p:extLst>
   </p:cSld>
@@ -16804,80 +17382,46 @@
             <a:endParaRPr lang="en-IE" dirty="0"/>
           </a:p>
           <a:p>
-            <a:r>
-              <a:rPr lang="en-IE" b="1" dirty="0"/>
-              <a:t>Report Utilization</a:t>
-            </a:r>
-          </a:p>
-          <a:p>
-            <a:pPr marL="0" indent="0">
-              <a:buFont typeface="Arial" panose="020B0604020202020204" pitchFamily="34" charset="0"/>
-              <a:buNone/>
-            </a:pPr>
             <a:endParaRPr lang="en-IE" dirty="0"/>
           </a:p>
           <a:p>
-            <a:pPr marL="0" indent="0">
-              <a:buFont typeface="Arial" panose="020B0604020202020204" pitchFamily="34" charset="0"/>
-              <a:buNone/>
-            </a:pPr>
+            <a:endParaRPr lang="en-IE" dirty="0"/>
+          </a:p>
+          <a:p>
             <a:r>
               <a:rPr lang="en-IE" dirty="0"/>
-              <a:t>Usage metrics for each resource: </a:t>
-            </a:r>
-          </a:p>
-          <a:p>
-            <a:pPr marL="171450" indent="-171450">
-              <a:buFont typeface="Arial" panose="020B0604020202020204" pitchFamily="34" charset="0"/>
-              <a:buChar char="•"/>
-            </a:pPr>
+              <a:t>DBA refused to discuss low usage DB service ($100 monthly)</a:t>
+            </a:r>
+          </a:p>
+          <a:p>
+            <a:pPr lvl="1"/>
             <a:r>
               <a:rPr lang="en-IE" dirty="0"/>
-              <a:t>Number of connections</a:t>
-            </a:r>
-          </a:p>
-          <a:p>
-            <a:pPr marL="171450" indent="-171450">
-              <a:buFont typeface="Arial" panose="020B0604020202020204" pitchFamily="34" charset="0"/>
-              <a:buChar char="•"/>
-            </a:pPr>
+              <a:t>Pick a phone and call the person</a:t>
+            </a:r>
+          </a:p>
+          <a:p>
+            <a:pPr lvl="1"/>
             <a:r>
               <a:rPr lang="en-IE" dirty="0"/>
-              <a:t>Compute utilisation (CPU, Memory)</a:t>
-            </a:r>
-          </a:p>
-          <a:p>
-            <a:pPr marL="171450" indent="-171450">
-              <a:buFont typeface="Arial" panose="020B0604020202020204" pitchFamily="34" charset="0"/>
-              <a:buChar char="•"/>
-            </a:pPr>
+              <a:t>Understand the reasoning and service importance</a:t>
+            </a:r>
+          </a:p>
+          <a:p>
+            <a:pPr lvl="1"/>
             <a:r>
               <a:rPr lang="en-IE" dirty="0"/>
-              <a:t>Storage Utilization </a:t>
-            </a:r>
-          </a:p>
-          <a:p>
-            <a:pPr marL="0" indent="0">
-              <a:buFont typeface="Arial" panose="020B0604020202020204" pitchFamily="34" charset="0"/>
-              <a:buNone/>
-            </a:pPr>
-            <a:endParaRPr lang="en-IE" dirty="0"/>
-          </a:p>
-          <a:p>
-            <a:pPr marL="0" indent="0">
-              <a:buFont typeface="Arial" panose="020B0604020202020204" pitchFamily="34" charset="0"/>
-              <a:buNone/>
-            </a:pPr>
+              <a:t>Communicate the importance </a:t>
+            </a:r>
+          </a:p>
+          <a:p>
+            <a:pPr lvl="1"/>
             <a:r>
               <a:rPr lang="en-IE" dirty="0"/>
-              <a:t>To catch cases such as 2 weeks no one connected to the database. Why? </a:t>
-            </a:r>
-          </a:p>
-          <a:p>
-            <a:pPr marL="171450" indent="-171450">
-              <a:buFont typeface="Arial" panose="020B0604020202020204" pitchFamily="34" charset="0"/>
-              <a:buChar char="•"/>
-            </a:pPr>
+              <a:t>Show historical usage (only 100 per month, but 2400 over last 2 years)</a:t>
+            </a:r>
+          </a:p>
+          <a:p>
             <a:endParaRPr lang="en-IE" dirty="0"/>
           </a:p>
         </p:txBody>
@@ -16899,7 +17443,7 @@
           <a:p>
             <a:fld id="{FD5B5252-8534-42B9-BEB1-6A93DAA021E2}" type="slidenum">
               <a:rPr lang="en-IE" smtClean="0"/>
-              <a:t>17</a:t>
+              <a:t>15</a:t>
             </a:fld>
             <a:endParaRPr lang="en-IE"/>
           </a:p>
@@ -16908,7 +17452,7 @@
     </p:spTree>
     <p:extLst>
       <p:ext uri="{BB962C8B-B14F-4D97-AF65-F5344CB8AC3E}">
-        <p14:creationId xmlns:p14="http://schemas.microsoft.com/office/powerpoint/2010/main" val="3186942907"/>
+        <p14:creationId xmlns:p14="http://schemas.microsoft.com/office/powerpoint/2010/main" val="2159210761"/>
       </p:ext>
     </p:extLst>
   </p:cSld>
@@ -20304,7 +20848,7 @@
           <a:p>
             <a:r>
               <a:rPr lang="en-IE" dirty="0"/>
-              <a:t>Decentralise decision about resource usage and optimizations</a:t>
+              <a:t>Decentralise resource usage and optimization decisions </a:t>
             </a:r>
           </a:p>
           <a:p>
@@ -20536,7 +21080,7 @@
           <a:p>
             <a:r>
               <a:rPr lang="en-IE" dirty="0"/>
-              <a:t>Encourage developer to consider resource cost </a:t>
+              <a:t>Encourage engineers to consider resource cost </a:t>
             </a:r>
           </a:p>
         </p:txBody>
@@ -20765,27 +21309,20 @@
           <a:p>
             <a:r>
               <a:rPr lang="en-IE" dirty="0"/>
-              <a:t>FinOps position</a:t>
+              <a:t>Cross functional position</a:t>
             </a:r>
           </a:p>
           <a:p>
             <a:pPr lvl="1"/>
             <a:r>
               <a:rPr lang="en-IE" dirty="0"/>
-              <a:t>Authority</a:t>
-            </a:r>
-          </a:p>
-          <a:p>
-            <a:pPr lvl="1"/>
+              <a:t>Mixture of Technical &amp; Accounting skills </a:t>
+            </a:r>
+          </a:p>
+          <a:p>
             <a:r>
               <a:rPr lang="en-IE" dirty="0"/>
-              <a:t>Required Technical &amp; Accounting skills </a:t>
-            </a:r>
-          </a:p>
-          <a:p>
-            <a:r>
-              <a:rPr lang="en-IE" dirty="0"/>
-              <a:t>Diligence, communication, evangelism, responsibility </a:t>
+              <a:t>Authority, diligence, communication, evangelism, responsibility </a:t>
             </a:r>
           </a:p>
           <a:p>
@@ -20797,7 +21334,7 @@
           <a:p>
             <a:r>
               <a:rPr lang="en-IE" dirty="0"/>
-              <a:t>Raising cost awareness throughout chain of command </a:t>
+              <a:t>Raising cost awareness across organisation</a:t>
             </a:r>
           </a:p>
           <a:p>
@@ -20936,13 +21473,13 @@
           <a:p>
             <a:r>
               <a:rPr lang="en-IE" dirty="0"/>
-              <a:t>Communicate the value to other business stakeholder </a:t>
+              <a:t>Communicate the value to business stakeholders </a:t>
             </a:r>
           </a:p>
           <a:p>
             <a:r>
               <a:rPr lang="en-IE" dirty="0"/>
-              <a:t>Help make business decision what to do next (change the service pricing, make it a product for the market)</a:t>
+              <a:t>Help make business decision what to do next (change the service pricing, make it a new product for the market)</a:t>
             </a:r>
           </a:p>
           <a:p>
@@ -21752,6 +22289,12 @@
         <p:txBody>
           <a:bodyPr/>
           <a:lstStyle/>
+          <a:p>
+            <a:r>
+              <a:rPr lang="en-IE" dirty="0"/>
+              <a:t>Per resource group</a:t>
+            </a:r>
+          </a:p>
           <a:p>
             <a:r>
               <a:rPr lang="en-IE" dirty="0"/>
@@ -22515,6 +23058,7 @@
           <a:bodyPr/>
           <a:lstStyle/>
           <a:p>
+            <a:pPr algn="ctr"/>
             <a:r>
               <a:rPr lang="en-IE" dirty="0"/>
               <a:t>Azure SQL Optimizations</a:t>
@@ -22639,6 +23183,7 @@
           <a:bodyPr/>
           <a:lstStyle/>
           <a:p>
+            <a:pPr algn="ctr"/>
             <a:r>
               <a:rPr lang="en-IE" dirty="0"/>
               <a:t>Dev/Test workload optimizations</a:t>
@@ -22770,6 +23315,7 @@
           <a:bodyPr/>
           <a:lstStyle/>
           <a:p>
+            <a:pPr algn="ctr"/>
             <a:r>
               <a:rPr lang="en-IE" dirty="0"/>
               <a:t>Azure VM Optimizations</a:t>
@@ -22894,6 +23440,7 @@
           <a:bodyPr/>
           <a:lstStyle/>
           <a:p>
+            <a:pPr algn="ctr"/>
             <a:r>
               <a:rPr lang="en-IE" dirty="0"/>
               <a:t>Storage optimization </a:t>
@@ -22995,6 +23542,7 @@
           <a:bodyPr/>
           <a:lstStyle/>
           <a:p>
+            <a:pPr algn="ctr"/>
             <a:r>
               <a:rPr lang="en-IE" dirty="0"/>
               <a:t>App Service</a:t>
@@ -23088,6 +23636,7 @@
           <a:bodyPr/>
           <a:lstStyle/>
           <a:p>
+            <a:pPr algn="ctr"/>
             <a:r>
               <a:rPr lang="en-IE" dirty="0"/>
               <a:t>Azure Functions – Pricing plans</a:t>
@@ -23177,6 +23726,7 @@
           <a:bodyPr/>
           <a:lstStyle/>
           <a:p>
+            <a:pPr algn="ctr"/>
             <a:r>
               <a:rPr lang="en-IE" dirty="0"/>
               <a:t>Traffic</a:t>
@@ -23250,6 +23800,196 @@
 </file>
 
 <file path=ppt/slides/slide37.xml><?xml version="1.0" encoding="utf-8"?>
+<p:sld xmlns:a="http://schemas.openxmlformats.org/drawingml/2006/main" xmlns:r="http://schemas.openxmlformats.org/officeDocument/2006/relationships" xmlns:p="http://schemas.openxmlformats.org/presentationml/2006/main">
+  <p:cSld>
+    <p:spTree>
+      <p:nvGrpSpPr>
+        <p:cNvPr id="1" name=""/>
+        <p:cNvGrpSpPr/>
+        <p:nvPr/>
+      </p:nvGrpSpPr>
+      <p:grpSpPr>
+        <a:xfrm>
+          <a:off x="0" y="0"/>
+          <a:ext cx="0" cy="0"/>
+          <a:chOff x="0" y="0"/>
+          <a:chExt cx="0" cy="0"/>
+        </a:xfrm>
+      </p:grpSpPr>
+      <p:sp>
+        <p:nvSpPr>
+          <p:cNvPr id="4" name="Title 3">
+            <a:extLst>
+              <a:ext uri="{FF2B5EF4-FFF2-40B4-BE49-F238E27FC236}">
+                <a16:creationId xmlns:a16="http://schemas.microsoft.com/office/drawing/2014/main" id="{6941F885-2DFF-4E1F-93A2-05BFB423B7E4}"/>
+              </a:ext>
+            </a:extLst>
+          </p:cNvPr>
+          <p:cNvSpPr>
+            <a:spLocks noGrp="1"/>
+          </p:cNvSpPr>
+          <p:nvPr>
+            <p:ph type="title"/>
+          </p:nvPr>
+        </p:nvSpPr>
+        <p:spPr/>
+        <p:txBody>
+          <a:bodyPr/>
+          <a:lstStyle/>
+          <a:p>
+            <a:r>
+              <a:rPr lang="en-IE" dirty="0"/>
+              <a:t>Conclusion</a:t>
+            </a:r>
+          </a:p>
+        </p:txBody>
+      </p:sp>
+      <p:sp>
+        <p:nvSpPr>
+          <p:cNvPr id="5" name="Text Placeholder 4">
+            <a:extLst>
+              <a:ext uri="{FF2B5EF4-FFF2-40B4-BE49-F238E27FC236}">
+                <a16:creationId xmlns:a16="http://schemas.microsoft.com/office/drawing/2014/main" id="{300C5DCD-6833-432D-957A-24E24AFDC0A1}"/>
+              </a:ext>
+            </a:extLst>
+          </p:cNvPr>
+          <p:cNvSpPr>
+            <a:spLocks noGrp="1"/>
+          </p:cNvSpPr>
+          <p:nvPr>
+            <p:ph type="body" idx="1"/>
+          </p:nvPr>
+        </p:nvSpPr>
+        <p:spPr/>
+        <p:txBody>
+          <a:bodyPr/>
+          <a:lstStyle/>
+          <a:p>
+            <a:endParaRPr lang="en-IE"/>
+          </a:p>
+        </p:txBody>
+      </p:sp>
+    </p:spTree>
+    <p:extLst>
+      <p:ext uri="{BB962C8B-B14F-4D97-AF65-F5344CB8AC3E}">
+        <p14:creationId xmlns:p14="http://schemas.microsoft.com/office/powerpoint/2010/main" val="2023599523"/>
+      </p:ext>
+    </p:extLst>
+  </p:cSld>
+  <p:clrMapOvr>
+    <a:masterClrMapping/>
+  </p:clrMapOvr>
+</p:sld>
+</file>
+
+<file path=ppt/slides/slide38.xml><?xml version="1.0" encoding="utf-8"?>
+<p:sld xmlns:a="http://schemas.openxmlformats.org/drawingml/2006/main" xmlns:r="http://schemas.openxmlformats.org/officeDocument/2006/relationships" xmlns:p="http://schemas.openxmlformats.org/presentationml/2006/main">
+  <p:cSld>
+    <p:spTree>
+      <p:nvGrpSpPr>
+        <p:cNvPr id="1" name=""/>
+        <p:cNvGrpSpPr/>
+        <p:nvPr/>
+      </p:nvGrpSpPr>
+      <p:grpSpPr>
+        <a:xfrm>
+          <a:off x="0" y="0"/>
+          <a:ext cx="0" cy="0"/>
+          <a:chOff x="0" y="0"/>
+          <a:chExt cx="0" cy="0"/>
+        </a:xfrm>
+      </p:grpSpPr>
+      <p:sp>
+        <p:nvSpPr>
+          <p:cNvPr id="4" name="Title 3">
+            <a:extLst>
+              <a:ext uri="{FF2B5EF4-FFF2-40B4-BE49-F238E27FC236}">
+                <a16:creationId xmlns:a16="http://schemas.microsoft.com/office/drawing/2014/main" id="{19FE34B1-9BE9-47F8-9F98-77D434BC9057}"/>
+              </a:ext>
+            </a:extLst>
+          </p:cNvPr>
+          <p:cNvSpPr>
+            <a:spLocks noGrp="1"/>
+          </p:cNvSpPr>
+          <p:nvPr>
+            <p:ph type="title"/>
+          </p:nvPr>
+        </p:nvSpPr>
+        <p:spPr/>
+        <p:txBody>
+          <a:bodyPr/>
+          <a:lstStyle/>
+          <a:p>
+            <a:pPr algn="ctr"/>
+            <a:r>
+              <a:rPr lang="en-IE" dirty="0"/>
+              <a:t>Further Reading</a:t>
+            </a:r>
+          </a:p>
+        </p:txBody>
+      </p:sp>
+      <p:sp>
+        <p:nvSpPr>
+          <p:cNvPr id="5" name="Content Placeholder 4">
+            <a:extLst>
+              <a:ext uri="{FF2B5EF4-FFF2-40B4-BE49-F238E27FC236}">
+                <a16:creationId xmlns:a16="http://schemas.microsoft.com/office/drawing/2014/main" id="{5D6560F0-CB88-49DF-895F-376C3E32CD13}"/>
+              </a:ext>
+            </a:extLst>
+          </p:cNvPr>
+          <p:cNvSpPr>
+            <a:spLocks noGrp="1"/>
+          </p:cNvSpPr>
+          <p:nvPr>
+            <p:ph idx="1"/>
+          </p:nvPr>
+        </p:nvSpPr>
+        <p:spPr/>
+        <p:txBody>
+          <a:bodyPr/>
+          <a:lstStyle/>
+          <a:p>
+            <a:r>
+              <a:rPr lang="en-IE" dirty="0"/>
+              <a:t>O’Reilly, </a:t>
+            </a:r>
+            <a:r>
+              <a:rPr lang="en-GB" dirty="0"/>
+              <a:t>Cloud FinOps: Collaborative, Real-Time Cloud Financial Management</a:t>
+            </a:r>
+          </a:p>
+          <a:p>
+            <a:r>
+              <a:rPr lang="en-GB" dirty="0"/>
+              <a:t>FinOps Foundation, </a:t>
+            </a:r>
+            <a:r>
+              <a:rPr lang="en-GB" dirty="0">
+                <a:hlinkClick r:id="rId3"/>
+              </a:rPr>
+              <a:t>https://www.finops.org/</a:t>
+            </a:r>
+            <a:endParaRPr lang="en-GB" dirty="0"/>
+          </a:p>
+          <a:p>
+            <a:endParaRPr lang="en-IE" dirty="0"/>
+          </a:p>
+        </p:txBody>
+      </p:sp>
+    </p:spTree>
+    <p:extLst>
+      <p:ext uri="{BB962C8B-B14F-4D97-AF65-F5344CB8AC3E}">
+        <p14:creationId xmlns:p14="http://schemas.microsoft.com/office/powerpoint/2010/main" val="4123046943"/>
+      </p:ext>
+    </p:extLst>
+  </p:cSld>
+  <p:clrMapOvr>
+    <a:masterClrMapping/>
+  </p:clrMapOvr>
+</p:sld>
+</file>
+
+<file path=ppt/slides/slide39.xml><?xml version="1.0" encoding="utf-8"?>
 <p:sld xmlns:a="http://schemas.openxmlformats.org/drawingml/2006/main" xmlns:r="http://schemas.openxmlformats.org/officeDocument/2006/relationships" xmlns:p="http://schemas.openxmlformats.org/presentationml/2006/main">
   <p:cSld>
     <p:spTree>
@@ -23387,191 +24127,6 @@
     <p:extLst>
       <p:ext uri="{BB962C8B-B14F-4D97-AF65-F5344CB8AC3E}">
         <p14:creationId xmlns:p14="http://schemas.microsoft.com/office/powerpoint/2010/main" val="2506567211"/>
-      </p:ext>
-    </p:extLst>
-  </p:cSld>
-  <p:clrMapOvr>
-    <a:masterClrMapping/>
-  </p:clrMapOvr>
-</p:sld>
-</file>
-
-<file path=ppt/slides/slide38.xml><?xml version="1.0" encoding="utf-8"?>
-<p:sld xmlns:a="http://schemas.openxmlformats.org/drawingml/2006/main" xmlns:r="http://schemas.openxmlformats.org/officeDocument/2006/relationships" xmlns:p="http://schemas.openxmlformats.org/presentationml/2006/main">
-  <p:cSld>
-    <p:spTree>
-      <p:nvGrpSpPr>
-        <p:cNvPr id="1" name=""/>
-        <p:cNvGrpSpPr/>
-        <p:nvPr/>
-      </p:nvGrpSpPr>
-      <p:grpSpPr>
-        <a:xfrm>
-          <a:off x="0" y="0"/>
-          <a:ext cx="0" cy="0"/>
-          <a:chOff x="0" y="0"/>
-          <a:chExt cx="0" cy="0"/>
-        </a:xfrm>
-      </p:grpSpPr>
-      <p:sp>
-        <p:nvSpPr>
-          <p:cNvPr id="2" name="Title 1">
-            <a:extLst>
-              <a:ext uri="{FF2B5EF4-FFF2-40B4-BE49-F238E27FC236}">
-                <a16:creationId xmlns:a16="http://schemas.microsoft.com/office/drawing/2014/main" id="{D34B33A7-66E7-4487-998D-A98ADBD02D73}"/>
-              </a:ext>
-            </a:extLst>
-          </p:cNvPr>
-          <p:cNvSpPr>
-            <a:spLocks noGrp="1"/>
-          </p:cNvSpPr>
-          <p:nvPr>
-            <p:ph type="title"/>
-          </p:nvPr>
-        </p:nvSpPr>
-        <p:spPr/>
-        <p:txBody>
-          <a:bodyPr/>
-          <a:lstStyle/>
-          <a:p>
-            <a:r>
-              <a:rPr lang="en-IE" dirty="0"/>
-              <a:t>Resource Scanner</a:t>
-            </a:r>
-          </a:p>
-        </p:txBody>
-      </p:sp>
-      <p:sp>
-        <p:nvSpPr>
-          <p:cNvPr id="3" name="Content Placeholder 2">
-            <a:extLst>
-              <a:ext uri="{FF2B5EF4-FFF2-40B4-BE49-F238E27FC236}">
-                <a16:creationId xmlns:a16="http://schemas.microsoft.com/office/drawing/2014/main" id="{65366266-F759-4251-B625-7C0A038C0C19}"/>
-              </a:ext>
-            </a:extLst>
-          </p:cNvPr>
-          <p:cNvSpPr>
-            <a:spLocks noGrp="1"/>
-          </p:cNvSpPr>
-          <p:nvPr>
-            <p:ph idx="1"/>
-          </p:nvPr>
-        </p:nvSpPr>
-        <p:spPr/>
-        <p:txBody>
-          <a:bodyPr/>
-          <a:lstStyle/>
-          <a:p>
-            <a:r>
-              <a:rPr lang="en-IE" dirty="0"/>
-              <a:t>Scan all resources without tag</a:t>
-            </a:r>
-          </a:p>
-          <a:p>
-            <a:r>
-              <a:rPr lang="en-IE" dirty="0"/>
-              <a:t>Utilization and logging </a:t>
-            </a:r>
-          </a:p>
-        </p:txBody>
-      </p:sp>
-    </p:spTree>
-    <p:extLst>
-      <p:ext uri="{BB962C8B-B14F-4D97-AF65-F5344CB8AC3E}">
-        <p14:creationId xmlns:p14="http://schemas.microsoft.com/office/powerpoint/2010/main" val="866586717"/>
-      </p:ext>
-    </p:extLst>
-  </p:cSld>
-  <p:clrMapOvr>
-    <a:masterClrMapping/>
-  </p:clrMapOvr>
-</p:sld>
-</file>
-
-<file path=ppt/slides/slide39.xml><?xml version="1.0" encoding="utf-8"?>
-<p:sld xmlns:a="http://schemas.openxmlformats.org/drawingml/2006/main" xmlns:r="http://schemas.openxmlformats.org/officeDocument/2006/relationships" xmlns:p="http://schemas.openxmlformats.org/presentationml/2006/main">
-  <p:cSld>
-    <p:spTree>
-      <p:nvGrpSpPr>
-        <p:cNvPr id="1" name=""/>
-        <p:cNvGrpSpPr/>
-        <p:nvPr/>
-      </p:nvGrpSpPr>
-      <p:grpSpPr>
-        <a:xfrm>
-          <a:off x="0" y="0"/>
-          <a:ext cx="0" cy="0"/>
-          <a:chOff x="0" y="0"/>
-          <a:chExt cx="0" cy="0"/>
-        </a:xfrm>
-      </p:grpSpPr>
-      <p:sp>
-        <p:nvSpPr>
-          <p:cNvPr id="2" name="Title 1">
-            <a:extLst>
-              <a:ext uri="{FF2B5EF4-FFF2-40B4-BE49-F238E27FC236}">
-                <a16:creationId xmlns:a16="http://schemas.microsoft.com/office/drawing/2014/main" id="{C3EC0BE2-7873-4D7D-99FD-4F0BB147D5F1}"/>
-              </a:ext>
-            </a:extLst>
-          </p:cNvPr>
-          <p:cNvSpPr>
-            <a:spLocks noGrp="1"/>
-          </p:cNvSpPr>
-          <p:nvPr>
-            <p:ph type="title"/>
-          </p:nvPr>
-        </p:nvSpPr>
-        <p:spPr/>
-        <p:txBody>
-          <a:bodyPr/>
-          <a:lstStyle/>
-          <a:p>
-            <a:pPr algn="ctr"/>
-            <a:r>
-              <a:rPr lang="en-IE" dirty="0"/>
-              <a:t>Demo Azure Monitor?</a:t>
-            </a:r>
-          </a:p>
-        </p:txBody>
-      </p:sp>
-      <p:sp>
-        <p:nvSpPr>
-          <p:cNvPr id="3" name="Content Placeholder 2">
-            <a:extLst>
-              <a:ext uri="{FF2B5EF4-FFF2-40B4-BE49-F238E27FC236}">
-                <a16:creationId xmlns:a16="http://schemas.microsoft.com/office/drawing/2014/main" id="{DC46EE25-6570-4CB3-B5AE-958F1C5D6E17}"/>
-              </a:ext>
-            </a:extLst>
-          </p:cNvPr>
-          <p:cNvSpPr>
-            <a:spLocks noGrp="1"/>
-          </p:cNvSpPr>
-          <p:nvPr>
-            <p:ph idx="1"/>
-          </p:nvPr>
-        </p:nvSpPr>
-        <p:spPr/>
-        <p:txBody>
-          <a:bodyPr/>
-          <a:lstStyle/>
-          <a:p>
-            <a:r>
-              <a:rPr lang="en-IE" dirty="0"/>
-              <a:t>Log information </a:t>
-            </a:r>
-          </a:p>
-          <a:p>
-            <a:r>
-              <a:rPr lang="en-IE" dirty="0"/>
-              <a:t>Create Alert</a:t>
-            </a:r>
-          </a:p>
-        </p:txBody>
-      </p:sp>
-    </p:spTree>
-    <p:extLst>
-      <p:ext uri="{BB962C8B-B14F-4D97-AF65-F5344CB8AC3E}">
-        <p14:creationId xmlns:p14="http://schemas.microsoft.com/office/powerpoint/2010/main" val="694141391"/>
       </p:ext>
     </p:extLst>
   </p:cSld>
@@ -23702,6 +24257,191 @@
           <p:cNvPr id="2" name="Title 1">
             <a:extLst>
               <a:ext uri="{FF2B5EF4-FFF2-40B4-BE49-F238E27FC236}">
+                <a16:creationId xmlns:a16="http://schemas.microsoft.com/office/drawing/2014/main" id="{D34B33A7-66E7-4487-998D-A98ADBD02D73}"/>
+              </a:ext>
+            </a:extLst>
+          </p:cNvPr>
+          <p:cNvSpPr>
+            <a:spLocks noGrp="1"/>
+          </p:cNvSpPr>
+          <p:nvPr>
+            <p:ph type="title"/>
+          </p:nvPr>
+        </p:nvSpPr>
+        <p:spPr/>
+        <p:txBody>
+          <a:bodyPr/>
+          <a:lstStyle/>
+          <a:p>
+            <a:r>
+              <a:rPr lang="en-IE" dirty="0"/>
+              <a:t>Resource Scanner</a:t>
+            </a:r>
+          </a:p>
+        </p:txBody>
+      </p:sp>
+      <p:sp>
+        <p:nvSpPr>
+          <p:cNvPr id="3" name="Content Placeholder 2">
+            <a:extLst>
+              <a:ext uri="{FF2B5EF4-FFF2-40B4-BE49-F238E27FC236}">
+                <a16:creationId xmlns:a16="http://schemas.microsoft.com/office/drawing/2014/main" id="{65366266-F759-4251-B625-7C0A038C0C19}"/>
+              </a:ext>
+            </a:extLst>
+          </p:cNvPr>
+          <p:cNvSpPr>
+            <a:spLocks noGrp="1"/>
+          </p:cNvSpPr>
+          <p:nvPr>
+            <p:ph idx="1"/>
+          </p:nvPr>
+        </p:nvSpPr>
+        <p:spPr/>
+        <p:txBody>
+          <a:bodyPr/>
+          <a:lstStyle/>
+          <a:p>
+            <a:r>
+              <a:rPr lang="en-IE" dirty="0"/>
+              <a:t>Scan all resources without tag</a:t>
+            </a:r>
+          </a:p>
+          <a:p>
+            <a:r>
+              <a:rPr lang="en-IE" dirty="0"/>
+              <a:t>Utilization and logging </a:t>
+            </a:r>
+          </a:p>
+        </p:txBody>
+      </p:sp>
+    </p:spTree>
+    <p:extLst>
+      <p:ext uri="{BB962C8B-B14F-4D97-AF65-F5344CB8AC3E}">
+        <p14:creationId xmlns:p14="http://schemas.microsoft.com/office/powerpoint/2010/main" val="866586717"/>
+      </p:ext>
+    </p:extLst>
+  </p:cSld>
+  <p:clrMapOvr>
+    <a:masterClrMapping/>
+  </p:clrMapOvr>
+</p:sld>
+</file>
+
+<file path=ppt/slides/slide41.xml><?xml version="1.0" encoding="utf-8"?>
+<p:sld xmlns:a="http://schemas.openxmlformats.org/drawingml/2006/main" xmlns:r="http://schemas.openxmlformats.org/officeDocument/2006/relationships" xmlns:p="http://schemas.openxmlformats.org/presentationml/2006/main">
+  <p:cSld>
+    <p:spTree>
+      <p:nvGrpSpPr>
+        <p:cNvPr id="1" name=""/>
+        <p:cNvGrpSpPr/>
+        <p:nvPr/>
+      </p:nvGrpSpPr>
+      <p:grpSpPr>
+        <a:xfrm>
+          <a:off x="0" y="0"/>
+          <a:ext cx="0" cy="0"/>
+          <a:chOff x="0" y="0"/>
+          <a:chExt cx="0" cy="0"/>
+        </a:xfrm>
+      </p:grpSpPr>
+      <p:sp>
+        <p:nvSpPr>
+          <p:cNvPr id="2" name="Title 1">
+            <a:extLst>
+              <a:ext uri="{FF2B5EF4-FFF2-40B4-BE49-F238E27FC236}">
+                <a16:creationId xmlns:a16="http://schemas.microsoft.com/office/drawing/2014/main" id="{C3EC0BE2-7873-4D7D-99FD-4F0BB147D5F1}"/>
+              </a:ext>
+            </a:extLst>
+          </p:cNvPr>
+          <p:cNvSpPr>
+            <a:spLocks noGrp="1"/>
+          </p:cNvSpPr>
+          <p:nvPr>
+            <p:ph type="title"/>
+          </p:nvPr>
+        </p:nvSpPr>
+        <p:spPr/>
+        <p:txBody>
+          <a:bodyPr/>
+          <a:lstStyle/>
+          <a:p>
+            <a:pPr algn="ctr"/>
+            <a:r>
+              <a:rPr lang="en-IE" dirty="0"/>
+              <a:t>Demo Azure Monitor?</a:t>
+            </a:r>
+          </a:p>
+        </p:txBody>
+      </p:sp>
+      <p:sp>
+        <p:nvSpPr>
+          <p:cNvPr id="3" name="Content Placeholder 2">
+            <a:extLst>
+              <a:ext uri="{FF2B5EF4-FFF2-40B4-BE49-F238E27FC236}">
+                <a16:creationId xmlns:a16="http://schemas.microsoft.com/office/drawing/2014/main" id="{DC46EE25-6570-4CB3-B5AE-958F1C5D6E17}"/>
+              </a:ext>
+            </a:extLst>
+          </p:cNvPr>
+          <p:cNvSpPr>
+            <a:spLocks noGrp="1"/>
+          </p:cNvSpPr>
+          <p:nvPr>
+            <p:ph idx="1"/>
+          </p:nvPr>
+        </p:nvSpPr>
+        <p:spPr/>
+        <p:txBody>
+          <a:bodyPr/>
+          <a:lstStyle/>
+          <a:p>
+            <a:r>
+              <a:rPr lang="en-IE" dirty="0"/>
+              <a:t>Log information </a:t>
+            </a:r>
+          </a:p>
+          <a:p>
+            <a:r>
+              <a:rPr lang="en-IE" dirty="0"/>
+              <a:t>Create Alert</a:t>
+            </a:r>
+          </a:p>
+        </p:txBody>
+      </p:sp>
+    </p:spTree>
+    <p:extLst>
+      <p:ext uri="{BB962C8B-B14F-4D97-AF65-F5344CB8AC3E}">
+        <p14:creationId xmlns:p14="http://schemas.microsoft.com/office/powerpoint/2010/main" val="694141391"/>
+      </p:ext>
+    </p:extLst>
+  </p:cSld>
+  <p:clrMapOvr>
+    <a:masterClrMapping/>
+  </p:clrMapOvr>
+</p:sld>
+</file>
+
+<file path=ppt/slides/slide42.xml><?xml version="1.0" encoding="utf-8"?>
+<p:sld xmlns:a="http://schemas.openxmlformats.org/drawingml/2006/main" xmlns:r="http://schemas.openxmlformats.org/officeDocument/2006/relationships" xmlns:p="http://schemas.openxmlformats.org/presentationml/2006/main">
+  <p:cSld>
+    <p:spTree>
+      <p:nvGrpSpPr>
+        <p:cNvPr id="1" name=""/>
+        <p:cNvGrpSpPr/>
+        <p:nvPr/>
+      </p:nvGrpSpPr>
+      <p:grpSpPr>
+        <a:xfrm>
+          <a:off x="0" y="0"/>
+          <a:ext cx="0" cy="0"/>
+          <a:chOff x="0" y="0"/>
+          <a:chExt cx="0" cy="0"/>
+        </a:xfrm>
+      </p:grpSpPr>
+      <p:sp>
+        <p:nvSpPr>
+          <p:cNvPr id="2" name="Title 1">
+            <a:extLst>
+              <a:ext uri="{FF2B5EF4-FFF2-40B4-BE49-F238E27FC236}">
                 <a16:creationId xmlns:a16="http://schemas.microsoft.com/office/drawing/2014/main" id="{F8EDFA41-79AE-4660-9F82-BC3A94A94A1C}"/>
               </a:ext>
             </a:extLst>
@@ -23764,7 +24504,7 @@
 </p:sld>
 </file>
 
-<file path=ppt/slides/slide41.xml><?xml version="1.0" encoding="utf-8"?>
+<file path=ppt/slides/slide43.xml><?xml version="1.0" encoding="utf-8"?>
 <p:sld xmlns:a="http://schemas.openxmlformats.org/drawingml/2006/main" xmlns:r="http://schemas.openxmlformats.org/officeDocument/2006/relationships" xmlns:p="http://schemas.openxmlformats.org/presentationml/2006/main">
   <p:cSld>
     <p:spTree>
@@ -24164,32 +24904,37 @@
           <a:p>
             <a:r>
               <a:rPr lang="en-IE" dirty="0"/>
+              <a:t>On-Demand</a:t>
+            </a:r>
+          </a:p>
+          <a:p>
+            <a:r>
+              <a:rPr lang="en-IE" dirty="0"/>
+              <a:t>Scalable</a:t>
+            </a:r>
+          </a:p>
+          <a:p>
+            <a:r>
+              <a:rPr lang="en-IE" dirty="0"/>
+              <a:t>Self-service</a:t>
+            </a:r>
+          </a:p>
+          <a:p>
+            <a:r>
+              <a:rPr lang="en-IE" dirty="0"/>
+              <a:t>Measurable</a:t>
+            </a:r>
+          </a:p>
+          <a:p>
+            <a:endParaRPr lang="en-IE" dirty="0"/>
+          </a:p>
+          <a:p>
+            <a:endParaRPr lang="en-IE" dirty="0"/>
+          </a:p>
+          <a:p>
+            <a:r>
+              <a:rPr lang="en-IE" dirty="0"/>
               <a:t>Spending decisions are made by engineers</a:t>
-            </a:r>
-          </a:p>
-          <a:p>
-            <a:r>
-              <a:rPr lang="en-IE" dirty="0"/>
-              <a:t>Developer has keys to the cloud</a:t>
-            </a:r>
-          </a:p>
-          <a:p>
-            <a:r>
-              <a:rPr lang="en-IE" dirty="0"/>
-              <a:t>Developer creates cloud resource</a:t>
-            </a:r>
-          </a:p>
-          <a:p>
-            <a:r>
-              <a:rPr lang="en-IE" dirty="0"/>
-              <a:t>Resources incur charges</a:t>
-            </a:r>
-            <a:endParaRPr lang="ru-RU" dirty="0"/>
-          </a:p>
-          <a:p>
-            <a:r>
-              <a:rPr lang="en-IE" dirty="0"/>
-              <a:t>Cost gets out of control </a:t>
             </a:r>
           </a:p>
         </p:txBody>
@@ -24276,7 +25021,13 @@
           <a:p>
             <a:r>
               <a:rPr lang="en-IE" dirty="0"/>
-              <a:t>Different Languages</a:t>
+              <a:t>Micro-billing can be hard to understand</a:t>
+            </a:r>
+          </a:p>
+          <a:p>
+            <a:r>
+              <a:rPr lang="en-IE" dirty="0"/>
+              <a:t>Different Languages (technical, organisational, business)</a:t>
             </a:r>
           </a:p>
           <a:p>
@@ -24288,14 +25039,7 @@
           <a:p>
             <a:r>
               <a:rPr lang="en-IE" dirty="0"/>
-              <a:t>Human Mistakes </a:t>
-            </a:r>
-          </a:p>
-          <a:p>
-            <a:pPr lvl="1"/>
-            <a:r>
-              <a:rPr lang="en-IE" dirty="0"/>
-              <a:t>Wrong Licensing (Developer/Standard/Enterprise)</a:t>
+              <a:t>Human factor </a:t>
             </a:r>
           </a:p>
           <a:p>
@@ -24309,18 +25053,6 @@
               <a:rPr lang="en-IE" dirty="0"/>
               <a:t>Bad Actors </a:t>
             </a:r>
-          </a:p>
-          <a:p>
-            <a:pPr lvl="1"/>
-            <a:r>
-              <a:rPr lang="en-IE" dirty="0"/>
-              <a:t>Cryptocurrency mining </a:t>
-            </a:r>
-            <a:endParaRPr lang="ru-RU" dirty="0"/>
-          </a:p>
-          <a:p>
-            <a:pPr lvl="1"/>
-            <a:endParaRPr lang="ru-RU" dirty="0"/>
           </a:p>
         </p:txBody>
       </p:sp>
@@ -24405,8 +25137,18 @@
           <a:lstStyle/>
           <a:p>
             <a:r>
+              <a:rPr lang="en-IE" dirty="0" err="1"/>
+              <a:t>Finops</a:t>
+            </a:r>
+            <a:r>
               <a:rPr lang="en-IE" dirty="0"/>
-              <a:t>Brings financial accountability to the variable spend model of the cloud.</a:t>
+              <a:t> – managing, planning and accounting. </a:t>
+            </a:r>
+          </a:p>
+          <a:p>
+            <a:r>
+              <a:rPr lang="en-IE" dirty="0"/>
+              <a:t>Financial accountability to the variable spend model of the cloud.</a:t>
             </a:r>
           </a:p>
           <a:p>
@@ -24417,16 +25159,6 @@
           </a:p>
           <a:p>
             <a:r>
-              <a:rPr lang="en-IE" dirty="0" err="1"/>
-              <a:t>Finops</a:t>
-            </a:r>
-            <a:r>
-              <a:rPr lang="en-IE" dirty="0"/>
-              <a:t> – managing, planning and accounting. </a:t>
-            </a:r>
-          </a:p>
-          <a:p>
-            <a:r>
               <a:rPr lang="en-IE" dirty="0"/>
               <a:t>Leadership support and influence</a:t>
             </a:r>
@@ -24440,7 +25172,7 @@
           <a:p>
             <a:r>
               <a:rPr lang="en-IE" dirty="0"/>
-              <a:t>Introduce/Communicate/Evangelise FinOps culture</a:t>
+              <a:t>Communicate/Evangelise FinOps culture</a:t>
             </a:r>
           </a:p>
           <a:p>

--- a/104-FinOps/Azure FinOps - Introduction.pptx
+++ b/104-FinOps/Azure FinOps - Introduction.pptx
@@ -5,7 +5,7 @@
     <p:sldMasterId id="2147483648" r:id="rId1"/>
   </p:sldMasterIdLst>
   <p:notesMasterIdLst>
-    <p:notesMasterId r:id="rId45"/>
+    <p:notesMasterId r:id="rId48"/>
   </p:notesMasterIdLst>
   <p:sldIdLst>
     <p:sldId id="256" r:id="rId2"/>
@@ -22,35 +22,38 @@
     <p:sldId id="282" r:id="rId13"/>
     <p:sldId id="263" r:id="rId14"/>
     <p:sldId id="289" r:id="rId15"/>
-    <p:sldId id="295" r:id="rId16"/>
-    <p:sldId id="291" r:id="rId17"/>
-    <p:sldId id="292" r:id="rId18"/>
-    <p:sldId id="285" r:id="rId19"/>
-    <p:sldId id="266" r:id="rId20"/>
-    <p:sldId id="296" r:id="rId21"/>
-    <p:sldId id="297" r:id="rId22"/>
-    <p:sldId id="281" r:id="rId23"/>
-    <p:sldId id="262" r:id="rId24"/>
-    <p:sldId id="264" r:id="rId25"/>
-    <p:sldId id="271" r:id="rId26"/>
-    <p:sldId id="270" r:id="rId27"/>
-    <p:sldId id="286" r:id="rId28"/>
-    <p:sldId id="287" r:id="rId29"/>
-    <p:sldId id="277" r:id="rId30"/>
-    <p:sldId id="273" r:id="rId31"/>
-    <p:sldId id="275" r:id="rId32"/>
-    <p:sldId id="274" r:id="rId33"/>
-    <p:sldId id="280" r:id="rId34"/>
-    <p:sldId id="279" r:id="rId35"/>
-    <p:sldId id="278" r:id="rId36"/>
-    <p:sldId id="288" r:id="rId37"/>
-    <p:sldId id="299" r:id="rId38"/>
-    <p:sldId id="300" r:id="rId39"/>
-    <p:sldId id="269" r:id="rId40"/>
-    <p:sldId id="293" r:id="rId41"/>
-    <p:sldId id="265" r:id="rId42"/>
-    <p:sldId id="268" r:id="rId43"/>
-    <p:sldId id="294" r:id="rId44"/>
+    <p:sldId id="303" r:id="rId16"/>
+    <p:sldId id="302" r:id="rId17"/>
+    <p:sldId id="295" r:id="rId18"/>
+    <p:sldId id="291" r:id="rId19"/>
+    <p:sldId id="292" r:id="rId20"/>
+    <p:sldId id="285" r:id="rId21"/>
+    <p:sldId id="266" r:id="rId22"/>
+    <p:sldId id="296" r:id="rId23"/>
+    <p:sldId id="297" r:id="rId24"/>
+    <p:sldId id="281" r:id="rId25"/>
+    <p:sldId id="262" r:id="rId26"/>
+    <p:sldId id="264" r:id="rId27"/>
+    <p:sldId id="271" r:id="rId28"/>
+    <p:sldId id="270" r:id="rId29"/>
+    <p:sldId id="286" r:id="rId30"/>
+    <p:sldId id="287" r:id="rId31"/>
+    <p:sldId id="301" r:id="rId32"/>
+    <p:sldId id="277" r:id="rId33"/>
+    <p:sldId id="273" r:id="rId34"/>
+    <p:sldId id="275" r:id="rId35"/>
+    <p:sldId id="274" r:id="rId36"/>
+    <p:sldId id="280" r:id="rId37"/>
+    <p:sldId id="279" r:id="rId38"/>
+    <p:sldId id="278" r:id="rId39"/>
+    <p:sldId id="288" r:id="rId40"/>
+    <p:sldId id="299" r:id="rId41"/>
+    <p:sldId id="300" r:id="rId42"/>
+    <p:sldId id="269" r:id="rId43"/>
+    <p:sldId id="293" r:id="rId44"/>
+    <p:sldId id="265" r:id="rId45"/>
+    <p:sldId id="268" r:id="rId46"/>
+    <p:sldId id="294" r:id="rId47"/>
   </p:sldIdLst>
   <p:sldSz cx="12192000" cy="6858000"/>
   <p:notesSz cx="6858000" cy="9144000"/>
@@ -172,6 +175,8 @@
             <p14:sldId id="282"/>
             <p14:sldId id="263"/>
             <p14:sldId id="289"/>
+            <p14:sldId id="303"/>
+            <p14:sldId id="302"/>
             <p14:sldId id="295"/>
             <p14:sldId id="291"/>
             <p14:sldId id="292"/>
@@ -190,6 +195,7 @@
             <p14:sldId id="270"/>
             <p14:sldId id="286"/>
             <p14:sldId id="287"/>
+            <p14:sldId id="301"/>
           </p14:sldIdLst>
         </p14:section>
         <p14:section name="Optimizations" id="{46A14F90-A4A6-40B0-862A-BF38595701CE}">
@@ -14682,7 +14688,7 @@
           <a:p>
             <a:fld id="{6B54091E-B52F-4A6A-B6C0-5A0FB0196B3B}" type="datetimeFigureOut">
               <a:rPr lang="en-IE" smtClean="0"/>
-              <a:t>15/06/2021</a:t>
+              <a:t>17/06/2021</a:t>
             </a:fld>
             <a:endParaRPr lang="en-IE"/>
           </a:p>
@@ -15081,29 +15087,6 @@
           <a:bodyPr/>
           <a:lstStyle/>
           <a:p>
-            <a:pPr marL="0" marR="0" lvl="0" indent="0" algn="l" defTabSz="914400" rtl="0" eaLnBrk="1" fontAlgn="auto" latinLnBrk="0" hangingPunct="1">
-              <a:lnSpc>
-                <a:spcPct val="100000"/>
-              </a:lnSpc>
-              <a:spcBef>
-                <a:spcPts val="0"/>
-              </a:spcBef>
-              <a:spcAft>
-                <a:spcPts val="0"/>
-              </a:spcAft>
-              <a:buClrTx/>
-              <a:buSzTx/>
-              <a:buFontTx/>
-              <a:buNone/>
-              <a:tabLst/>
-              <a:defRPr/>
-            </a:pPr>
-            <a:r>
-              <a:rPr lang="en-IE" b="1" dirty="0"/>
-              <a:t>Real time reporting is a powerful influence on human behaviour. </a:t>
-            </a:r>
-          </a:p>
-          <a:p>
             <a:endParaRPr lang="en-IE" dirty="0"/>
           </a:p>
           <a:p>
@@ -15118,12 +15101,38 @@
           <a:p>
             <a:r>
               <a:rPr lang="en-IE" dirty="0"/>
-              <a:t>Rightsizing - </a:t>
-            </a:r>
-            <a:r>
-              <a:rPr lang="en-GB" dirty="0"/>
-              <a:t>resizing cloud resources to better match workload requirements</a:t>
-            </a:r>
+              <a:t>DBA refused to discuss low usage DB service ($100 monthly)</a:t>
+            </a:r>
+          </a:p>
+          <a:p>
+            <a:pPr lvl="1"/>
+            <a:r>
+              <a:rPr lang="en-IE" dirty="0"/>
+              <a:t>Pick a phone and call the person</a:t>
+            </a:r>
+          </a:p>
+          <a:p>
+            <a:pPr lvl="1"/>
+            <a:r>
+              <a:rPr lang="en-IE" dirty="0"/>
+              <a:t>Understand the reasoning and service importance</a:t>
+            </a:r>
+          </a:p>
+          <a:p>
+            <a:pPr lvl="1"/>
+            <a:r>
+              <a:rPr lang="en-IE" dirty="0"/>
+              <a:t>Communicate the importance </a:t>
+            </a:r>
+          </a:p>
+          <a:p>
+            <a:pPr lvl="1"/>
+            <a:r>
+              <a:rPr lang="en-IE" dirty="0"/>
+              <a:t>Show historical usage (only 100 per month, but 2400 over last 2 years)</a:t>
+            </a:r>
+          </a:p>
+          <a:p>
             <a:endParaRPr lang="en-IE" dirty="0"/>
           </a:p>
         </p:txBody>
@@ -15145,7 +15154,7 @@
           <a:p>
             <a:fld id="{FD5B5252-8534-42B9-BEB1-6A93DAA021E2}" type="slidenum">
               <a:rPr lang="en-IE" smtClean="0"/>
-              <a:t>16</a:t>
+              <a:t>17</a:t>
             </a:fld>
             <a:endParaRPr lang="en-IE"/>
           </a:p>
@@ -15154,7 +15163,7 @@
     </p:spTree>
     <p:extLst>
       <p:ext uri="{BB962C8B-B14F-4D97-AF65-F5344CB8AC3E}">
-        <p14:creationId xmlns:p14="http://schemas.microsoft.com/office/powerpoint/2010/main" val="3624171313"/>
+        <p14:creationId xmlns:p14="http://schemas.microsoft.com/office/powerpoint/2010/main" val="2159210761"/>
       </p:ext>
     </p:extLst>
   </p:cSld>
@@ -15208,86 +15217,49 @@
           <a:bodyPr/>
           <a:lstStyle/>
           <a:p>
+            <a:pPr marL="0" marR="0" lvl="0" indent="0" algn="l" defTabSz="914400" rtl="0" eaLnBrk="1" fontAlgn="auto" latinLnBrk="0" hangingPunct="1">
+              <a:lnSpc>
+                <a:spcPct val="100000"/>
+              </a:lnSpc>
+              <a:spcBef>
+                <a:spcPts val="0"/>
+              </a:spcBef>
+              <a:spcAft>
+                <a:spcPts val="0"/>
+              </a:spcAft>
+              <a:buClrTx/>
+              <a:buSzTx/>
+              <a:buFontTx/>
+              <a:buNone/>
+              <a:tabLst/>
+              <a:defRPr/>
+            </a:pPr>
+            <a:r>
+              <a:rPr lang="en-IE" b="1" dirty="0"/>
+              <a:t>Real time reporting is a powerful influence on human behaviour. </a:t>
+            </a:r>
+          </a:p>
+          <a:p>
             <a:endParaRPr lang="en-IE" dirty="0"/>
           </a:p>
           <a:p>
             <a:endParaRPr lang="en-IE" dirty="0"/>
           </a:p>
           <a:p>
-            <a:r>
-              <a:rPr lang="en-IE" b="1" dirty="0"/>
-              <a:t>Report Utilization</a:t>
-            </a:r>
-          </a:p>
-          <a:p>
-            <a:pPr marL="0" indent="0">
-              <a:buFont typeface="Arial" panose="020B0604020202020204" pitchFamily="34" charset="0"/>
-              <a:buNone/>
-            </a:pPr>
             <a:endParaRPr lang="en-IE" dirty="0"/>
           </a:p>
           <a:p>
-            <a:pPr marL="0" indent="0">
-              <a:buFont typeface="Arial" panose="020B0604020202020204" pitchFamily="34" charset="0"/>
-              <a:buNone/>
-            </a:pPr>
+            <a:endParaRPr lang="en-IE" dirty="0"/>
+          </a:p>
+          <a:p>
             <a:r>
               <a:rPr lang="en-IE" dirty="0"/>
-              <a:t>Usage metrics for each resource: </a:t>
-            </a:r>
-          </a:p>
-          <a:p>
-            <a:pPr marL="171450" indent="-171450">
-              <a:buFont typeface="Arial" panose="020B0604020202020204" pitchFamily="34" charset="0"/>
-              <a:buChar char="•"/>
-            </a:pPr>
-            <a:r>
-              <a:rPr lang="en-IE" dirty="0"/>
-              <a:t>Number of connections</a:t>
-            </a:r>
-          </a:p>
-          <a:p>
-            <a:pPr marL="171450" indent="-171450">
-              <a:buFont typeface="Arial" panose="020B0604020202020204" pitchFamily="34" charset="0"/>
-              <a:buChar char="•"/>
-            </a:pPr>
-            <a:r>
-              <a:rPr lang="en-IE" dirty="0"/>
-              <a:t>Compute utilisation (CPU, Memory)</a:t>
-            </a:r>
-          </a:p>
-          <a:p>
-            <a:pPr marL="171450" indent="-171450">
-              <a:buFont typeface="Arial" panose="020B0604020202020204" pitchFamily="34" charset="0"/>
-              <a:buChar char="•"/>
-            </a:pPr>
-            <a:r>
-              <a:rPr lang="en-IE" dirty="0"/>
-              <a:t>Storage Utilization </a:t>
-            </a:r>
-          </a:p>
-          <a:p>
-            <a:pPr marL="0" indent="0">
-              <a:buFont typeface="Arial" panose="020B0604020202020204" pitchFamily="34" charset="0"/>
-              <a:buNone/>
-            </a:pPr>
-            <a:endParaRPr lang="en-IE" dirty="0"/>
-          </a:p>
-          <a:p>
-            <a:pPr marL="0" indent="0">
-              <a:buFont typeface="Arial" panose="020B0604020202020204" pitchFamily="34" charset="0"/>
-              <a:buNone/>
-            </a:pPr>
-            <a:r>
-              <a:rPr lang="en-IE" dirty="0"/>
-              <a:t>To catch cases such as 2 weeks no one connected to the database. Why? </a:t>
-            </a:r>
-          </a:p>
-          <a:p>
-            <a:pPr marL="171450" indent="-171450">
-              <a:buFont typeface="Arial" panose="020B0604020202020204" pitchFamily="34" charset="0"/>
-              <a:buChar char="•"/>
-            </a:pPr>
+              <a:t>Rightsizing - </a:t>
+            </a:r>
+            <a:r>
+              <a:rPr lang="en-GB" dirty="0"/>
+              <a:t>resizing cloud resources to better match workload requirements</a:t>
+            </a:r>
             <a:endParaRPr lang="en-IE" dirty="0"/>
           </a:p>
         </p:txBody>
@@ -15309,7 +15281,7 @@
           <a:p>
             <a:fld id="{FD5B5252-8534-42B9-BEB1-6A93DAA021E2}" type="slidenum">
               <a:rPr lang="en-IE" smtClean="0"/>
-              <a:t>17</a:t>
+              <a:t>18</a:t>
             </a:fld>
             <a:endParaRPr lang="en-IE"/>
           </a:p>
@@ -15318,7 +15290,7 @@
     </p:spTree>
     <p:extLst>
       <p:ext uri="{BB962C8B-B14F-4D97-AF65-F5344CB8AC3E}">
-        <p14:creationId xmlns:p14="http://schemas.microsoft.com/office/powerpoint/2010/main" val="3186942907"/>
+        <p14:creationId xmlns:p14="http://schemas.microsoft.com/office/powerpoint/2010/main" val="3624171313"/>
       </p:ext>
     </p:extLst>
   </p:cSld>
@@ -15375,10 +15347,84 @@
             <a:endParaRPr lang="en-IE" dirty="0"/>
           </a:p>
           <a:p>
+            <a:endParaRPr lang="en-IE" dirty="0"/>
+          </a:p>
+          <a:p>
+            <a:r>
+              <a:rPr lang="en-IE" b="1" dirty="0"/>
+              <a:t>Report Utilization</a:t>
+            </a:r>
+          </a:p>
+          <a:p>
+            <a:pPr marL="0" indent="0">
+              <a:buFont typeface="Arial" panose="020B0604020202020204" pitchFamily="34" charset="0"/>
+              <a:buNone/>
+            </a:pPr>
+            <a:endParaRPr lang="en-IE" dirty="0"/>
+          </a:p>
+          <a:p>
+            <a:pPr marL="0" indent="0">
+              <a:buFont typeface="Arial" panose="020B0604020202020204" pitchFamily="34" charset="0"/>
+              <a:buNone/>
+            </a:pPr>
             <a:r>
               <a:rPr lang="en-IE" dirty="0"/>
-              <a:t>The effect of communicate spending back to the engineers can be dramatic. Feedback </a:t>
-            </a:r>
+              <a:t>Usage metrics for each resource: </a:t>
+            </a:r>
+          </a:p>
+          <a:p>
+            <a:pPr marL="171450" indent="-171450">
+              <a:buFont typeface="Arial" panose="020B0604020202020204" pitchFamily="34" charset="0"/>
+              <a:buChar char="•"/>
+            </a:pPr>
+            <a:r>
+              <a:rPr lang="en-IE" dirty="0"/>
+              <a:t>Number of connections</a:t>
+            </a:r>
+          </a:p>
+          <a:p>
+            <a:pPr marL="171450" indent="-171450">
+              <a:buFont typeface="Arial" panose="020B0604020202020204" pitchFamily="34" charset="0"/>
+              <a:buChar char="•"/>
+            </a:pPr>
+            <a:r>
+              <a:rPr lang="en-IE" dirty="0"/>
+              <a:t>Compute utilisation (CPU, Memory)</a:t>
+            </a:r>
+          </a:p>
+          <a:p>
+            <a:pPr marL="171450" indent="-171450">
+              <a:buFont typeface="Arial" panose="020B0604020202020204" pitchFamily="34" charset="0"/>
+              <a:buChar char="•"/>
+            </a:pPr>
+            <a:r>
+              <a:rPr lang="en-IE" dirty="0"/>
+              <a:t>Storage Utilization </a:t>
+            </a:r>
+          </a:p>
+          <a:p>
+            <a:pPr marL="0" indent="0">
+              <a:buFont typeface="Arial" panose="020B0604020202020204" pitchFamily="34" charset="0"/>
+              <a:buNone/>
+            </a:pPr>
+            <a:endParaRPr lang="en-IE" dirty="0"/>
+          </a:p>
+          <a:p>
+            <a:pPr marL="0" indent="0">
+              <a:buFont typeface="Arial" panose="020B0604020202020204" pitchFamily="34" charset="0"/>
+              <a:buNone/>
+            </a:pPr>
+            <a:r>
+              <a:rPr lang="en-IE" dirty="0"/>
+              <a:t>To catch cases such as 2 weeks no one connected to the database. Why? </a:t>
+            </a:r>
+          </a:p>
+          <a:p>
+            <a:pPr marL="171450" indent="-171450">
+              <a:buFont typeface="Arial" panose="020B0604020202020204" pitchFamily="34" charset="0"/>
+              <a:buChar char="•"/>
+            </a:pPr>
+            <a:endParaRPr lang="en-IE" dirty="0"/>
           </a:p>
         </p:txBody>
       </p:sp>
@@ -15399,7 +15445,7 @@
           <a:p>
             <a:fld id="{FD5B5252-8534-42B9-BEB1-6A93DAA021E2}" type="slidenum">
               <a:rPr lang="en-IE" smtClean="0"/>
-              <a:t>21</a:t>
+              <a:t>19</a:t>
             </a:fld>
             <a:endParaRPr lang="en-IE"/>
           </a:p>
@@ -15408,7 +15454,7 @@
     </p:spTree>
     <p:extLst>
       <p:ext uri="{BB962C8B-B14F-4D97-AF65-F5344CB8AC3E}">
-        <p14:creationId xmlns:p14="http://schemas.microsoft.com/office/powerpoint/2010/main" val="1125342555"/>
+        <p14:creationId xmlns:p14="http://schemas.microsoft.com/office/powerpoint/2010/main" val="3186942907"/>
       </p:ext>
     </p:extLst>
   </p:cSld>
@@ -15464,6 +15510,12 @@
           <a:p>
             <a:endParaRPr lang="en-IE" dirty="0"/>
           </a:p>
+          <a:p>
+            <a:r>
+              <a:rPr lang="en-IE" dirty="0"/>
+              <a:t>The effect of communicate spending back to the engineers can be dramatic. Feedback </a:t>
+            </a:r>
+          </a:p>
         </p:txBody>
       </p:sp>
       <p:sp>
@@ -15483,7 +15535,7 @@
           <a:p>
             <a:fld id="{FD5B5252-8534-42B9-BEB1-6A93DAA021E2}" type="slidenum">
               <a:rPr lang="en-IE" smtClean="0"/>
-              <a:t>22</a:t>
+              <a:t>23</a:t>
             </a:fld>
             <a:endParaRPr lang="en-IE"/>
           </a:p>
@@ -15492,7 +15544,7 @@
     </p:spTree>
     <p:extLst>
       <p:ext uri="{BB962C8B-B14F-4D97-AF65-F5344CB8AC3E}">
-        <p14:creationId xmlns:p14="http://schemas.microsoft.com/office/powerpoint/2010/main" val="2240577542"/>
+        <p14:creationId xmlns:p14="http://schemas.microsoft.com/office/powerpoint/2010/main" val="1125342555"/>
       </p:ext>
     </p:extLst>
   </p:cSld>
@@ -15576,7 +15628,7 @@
     </p:spTree>
     <p:extLst>
       <p:ext uri="{BB962C8B-B14F-4D97-AF65-F5344CB8AC3E}">
-        <p14:creationId xmlns:p14="http://schemas.microsoft.com/office/powerpoint/2010/main" val="2754962964"/>
+        <p14:creationId xmlns:p14="http://schemas.microsoft.com/office/powerpoint/2010/main" val="2240577542"/>
       </p:ext>
     </p:extLst>
   </p:cSld>
@@ -15630,12 +15682,6 @@
           <a:bodyPr/>
           <a:lstStyle/>
           <a:p>
-            <a:r>
-              <a:rPr lang="en-IE" dirty="0"/>
-              <a:t>https://docs.microsoft.com/en-us/azure/cost-management-billing/costs/cost-mgt-alerts-monitor-usage-spending</a:t>
-            </a:r>
-          </a:p>
-          <a:p>
             <a:endParaRPr lang="en-IE" dirty="0"/>
           </a:p>
         </p:txBody>
@@ -15666,7 +15712,7 @@
     </p:spTree>
     <p:extLst>
       <p:ext uri="{BB962C8B-B14F-4D97-AF65-F5344CB8AC3E}">
-        <p14:creationId xmlns:p14="http://schemas.microsoft.com/office/powerpoint/2010/main" val="3757541100"/>
+        <p14:creationId xmlns:p14="http://schemas.microsoft.com/office/powerpoint/2010/main" val="2754962964"/>
       </p:ext>
     </p:extLst>
   </p:cSld>
@@ -15720,47 +15766,13 @@
           <a:bodyPr/>
           <a:lstStyle/>
           <a:p>
+            <a:r>
+              <a:rPr lang="en-IE" dirty="0"/>
+              <a:t>https://docs.microsoft.com/en-us/azure/cost-management-billing/costs/cost-mgt-alerts-monitor-usage-spending</a:t>
+            </a:r>
+          </a:p>
+          <a:p>
             <a:endParaRPr lang="en-IE" dirty="0"/>
-          </a:p>
-          <a:p>
-            <a:endParaRPr lang="en-IE" dirty="0"/>
-          </a:p>
-          <a:p>
-            <a:pPr marL="0" marR="0" lvl="0" indent="0" algn="l" defTabSz="914400" rtl="0" eaLnBrk="1" fontAlgn="auto" latinLnBrk="0" hangingPunct="1">
-              <a:lnSpc>
-                <a:spcPct val="100000"/>
-              </a:lnSpc>
-              <a:spcBef>
-                <a:spcPts val="0"/>
-              </a:spcBef>
-              <a:spcAft>
-                <a:spcPts val="0"/>
-              </a:spcAft>
-              <a:buClrTx/>
-              <a:buSzTx/>
-              <a:buFontTx/>
-              <a:buNone/>
-              <a:tabLst/>
-              <a:defRPr/>
-            </a:pPr>
-            <a:r>
-              <a:rPr lang="en-GB" sz="1200" b="1" i="0" kern="1200" dirty="0">
-                <a:solidFill>
-                  <a:schemeClr val="tx1"/>
-                </a:solidFill>
-                <a:effectLst/>
-                <a:latin typeface="+mn-lt"/>
-                <a:ea typeface="+mn-ea"/>
-                <a:cs typeface="+mn-cs"/>
-              </a:rPr>
-              <a:t>Why Azure Dev/Test pricing?</a:t>
-            </a:r>
-          </a:p>
-          <a:p>
-            <a:r>
-              <a:rPr lang="en-IE" dirty="0"/>
-              <a:t>https://azure.microsoft.com/en-us/pricing/dev-test/#overview</a:t>
-            </a:r>
           </a:p>
         </p:txBody>
       </p:sp>
@@ -15781,7 +15793,7 @@
           <a:p>
             <a:fld id="{FD5B5252-8534-42B9-BEB1-6A93DAA021E2}" type="slidenum">
               <a:rPr lang="en-IE" smtClean="0"/>
-              <a:t>31</a:t>
+              <a:t>28</a:t>
             </a:fld>
             <a:endParaRPr lang="en-IE"/>
           </a:p>
@@ -15790,7 +15802,7 @@
     </p:spTree>
     <p:extLst>
       <p:ext uri="{BB962C8B-B14F-4D97-AF65-F5344CB8AC3E}">
-        <p14:creationId xmlns:p14="http://schemas.microsoft.com/office/powerpoint/2010/main" val="2339023969"/>
+        <p14:creationId xmlns:p14="http://schemas.microsoft.com/office/powerpoint/2010/main" val="3757541100"/>
       </p:ext>
     </p:extLst>
   </p:cSld>
@@ -15847,6 +15859,9 @@
             <a:endParaRPr lang="en-IE" dirty="0"/>
           </a:p>
           <a:p>
+            <a:endParaRPr lang="en-IE" dirty="0"/>
+          </a:p>
+          <a:p>
             <a:pPr marL="0" marR="0" lvl="0" indent="0" algn="l" defTabSz="914400" rtl="0" eaLnBrk="1" fontAlgn="auto" latinLnBrk="0" hangingPunct="1">
               <a:lnSpc>
                 <a:spcPct val="100000"/>
@@ -15874,63 +15889,14 @@
                 <a:ea typeface="+mn-ea"/>
                 <a:cs typeface="+mn-cs"/>
               </a:rPr>
-              <a:t>What are virtual machine scale sets?</a:t>
+              <a:t>Why Azure Dev/Test pricing?</a:t>
             </a:r>
           </a:p>
           <a:p>
             <a:r>
               <a:rPr lang="en-IE" dirty="0"/>
-              <a:t>https://docs.microsoft.com/en-us/azure/virtual-machine-scale-sets/overview</a:t>
-            </a:r>
-          </a:p>
-          <a:p>
-            <a:endParaRPr lang="en-IE" dirty="0"/>
-          </a:p>
-          <a:p>
-            <a:endParaRPr lang="en-IE" dirty="0"/>
-          </a:p>
-          <a:p>
-            <a:endParaRPr lang="en-IE" dirty="0"/>
-          </a:p>
-          <a:p>
-            <a:pPr marL="0" marR="0" lvl="0" indent="0" algn="l" defTabSz="914400" rtl="0" eaLnBrk="1" fontAlgn="auto" latinLnBrk="0" hangingPunct="1">
-              <a:lnSpc>
-                <a:spcPct val="100000"/>
-              </a:lnSpc>
-              <a:spcBef>
-                <a:spcPts val="0"/>
-              </a:spcBef>
-              <a:spcAft>
-                <a:spcPts val="0"/>
-              </a:spcAft>
-              <a:buClrTx/>
-              <a:buSzTx/>
-              <a:buFontTx/>
-              <a:buNone/>
-              <a:tabLst/>
-              <a:defRPr/>
-            </a:pPr>
-            <a:r>
-              <a:rPr lang="en-GB" sz="1200" b="1" i="0" kern="1200" dirty="0">
-                <a:solidFill>
-                  <a:schemeClr val="tx1"/>
-                </a:solidFill>
-                <a:effectLst/>
-                <a:latin typeface="+mn-lt"/>
-                <a:ea typeface="+mn-ea"/>
-                <a:cs typeface="+mn-cs"/>
-              </a:rPr>
-              <a:t>Use Azure Spot Virtual Machines</a:t>
-            </a:r>
-          </a:p>
-          <a:p>
-            <a:r>
-              <a:rPr lang="en-IE" dirty="0"/>
-              <a:t>https://docs.microsoft.com/en-us/azure/virtual-machines/spot-vms</a:t>
-            </a:r>
-          </a:p>
-          <a:p>
-            <a:endParaRPr lang="en-IE" dirty="0"/>
+              <a:t>https://azure.microsoft.com/en-us/pricing/dev-test/#overview</a:t>
+            </a:r>
           </a:p>
         </p:txBody>
       </p:sp>
@@ -15951,7 +15917,7 @@
           <a:p>
             <a:fld id="{FD5B5252-8534-42B9-BEB1-6A93DAA021E2}" type="slidenum">
               <a:rPr lang="en-IE" smtClean="0"/>
-              <a:t>32</a:t>
+              <a:t>34</a:t>
             </a:fld>
             <a:endParaRPr lang="en-IE"/>
           </a:p>
@@ -15960,7 +15926,7 @@
     </p:spTree>
     <p:extLst>
       <p:ext uri="{BB962C8B-B14F-4D97-AF65-F5344CB8AC3E}">
-        <p14:creationId xmlns:p14="http://schemas.microsoft.com/office/powerpoint/2010/main" val="346489748"/>
+        <p14:creationId xmlns:p14="http://schemas.microsoft.com/office/powerpoint/2010/main" val="2339023969"/>
       </p:ext>
     </p:extLst>
   </p:cSld>
@@ -16017,9 +15983,6 @@
             <a:endParaRPr lang="en-IE" dirty="0"/>
           </a:p>
           <a:p>
-            <a:endParaRPr lang="en-IE" dirty="0"/>
-          </a:p>
-          <a:p>
             <a:pPr marL="0" marR="0" lvl="0" indent="0" algn="l" defTabSz="914400" rtl="0" eaLnBrk="1" fontAlgn="auto" latinLnBrk="0" hangingPunct="1">
               <a:lnSpc>
                 <a:spcPct val="100000"/>
@@ -16038,7 +16001,7 @@
               <a:defRPr/>
             </a:pPr>
             <a:r>
-              <a:rPr lang="en-IE" sz="1200" b="1" i="0" kern="1200" dirty="0">
+              <a:rPr lang="en-GB" sz="1200" b="1" i="0" kern="1200" dirty="0">
                 <a:solidFill>
                   <a:schemeClr val="tx1"/>
                 </a:solidFill>
@@ -16047,13 +16010,59 @@
                 <a:ea typeface="+mn-ea"/>
                 <a:cs typeface="+mn-cs"/>
               </a:rPr>
-              <a:t>Azure Functions hosting options</a:t>
+              <a:t>What are virtual machine scale sets?</a:t>
             </a:r>
           </a:p>
           <a:p>
             <a:r>
               <a:rPr lang="en-IE" dirty="0"/>
-              <a:t>https://docs.microsoft.com/en-us/azure/azure-functions/functions-scale#scale</a:t>
+              <a:t>https://docs.microsoft.com/en-us/azure/virtual-machine-scale-sets/overview</a:t>
+            </a:r>
+          </a:p>
+          <a:p>
+            <a:endParaRPr lang="en-IE" dirty="0"/>
+          </a:p>
+          <a:p>
+            <a:endParaRPr lang="en-IE" dirty="0"/>
+          </a:p>
+          <a:p>
+            <a:endParaRPr lang="en-IE" dirty="0"/>
+          </a:p>
+          <a:p>
+            <a:pPr marL="0" marR="0" lvl="0" indent="0" algn="l" defTabSz="914400" rtl="0" eaLnBrk="1" fontAlgn="auto" latinLnBrk="0" hangingPunct="1">
+              <a:lnSpc>
+                <a:spcPct val="100000"/>
+              </a:lnSpc>
+              <a:spcBef>
+                <a:spcPts val="0"/>
+              </a:spcBef>
+              <a:spcAft>
+                <a:spcPts val="0"/>
+              </a:spcAft>
+              <a:buClrTx/>
+              <a:buSzTx/>
+              <a:buFontTx/>
+              <a:buNone/>
+              <a:tabLst/>
+              <a:defRPr/>
+            </a:pPr>
+            <a:r>
+              <a:rPr lang="en-GB" sz="1200" b="1" i="0" kern="1200" dirty="0">
+                <a:solidFill>
+                  <a:schemeClr val="tx1"/>
+                </a:solidFill>
+                <a:effectLst/>
+                <a:latin typeface="+mn-lt"/>
+                <a:ea typeface="+mn-ea"/>
+                <a:cs typeface="+mn-cs"/>
+              </a:rPr>
+              <a:t>Use Azure Spot Virtual Machines</a:t>
+            </a:r>
+          </a:p>
+          <a:p>
+            <a:r>
+              <a:rPr lang="en-IE" dirty="0"/>
+              <a:t>https://docs.microsoft.com/en-us/azure/virtual-machines/spot-vms</a:t>
             </a:r>
           </a:p>
           <a:p>
@@ -16087,7 +16096,7 @@
     </p:spTree>
     <p:extLst>
       <p:ext uri="{BB962C8B-B14F-4D97-AF65-F5344CB8AC3E}">
-        <p14:creationId xmlns:p14="http://schemas.microsoft.com/office/powerpoint/2010/main" val="350881975"/>
+        <p14:creationId xmlns:p14="http://schemas.microsoft.com/office/powerpoint/2010/main" val="346489748"/>
       </p:ext>
     </p:extLst>
   </p:cSld>
@@ -16165,19 +16174,22 @@
               <a:defRPr/>
             </a:pPr>
             <a:r>
-              <a:rPr lang="en-IE" b="1" dirty="0"/>
-              <a:t>O’Reilly, </a:t>
-            </a:r>
-            <a:r>
-              <a:rPr lang="en-GB" b="1" dirty="0"/>
-              <a:t>Cloud FinOps: Collaborative, Real-Time Cloud Financial Management</a:t>
-            </a:r>
-            <a:endParaRPr lang="en-IE" b="1" dirty="0"/>
+              <a:rPr lang="en-IE" sz="1200" b="1" i="0" kern="1200" dirty="0">
+                <a:solidFill>
+                  <a:schemeClr val="tx1"/>
+                </a:solidFill>
+                <a:effectLst/>
+                <a:latin typeface="+mn-lt"/>
+                <a:ea typeface="+mn-ea"/>
+                <a:cs typeface="+mn-cs"/>
+              </a:rPr>
+              <a:t>Azure Functions hosting options</a:t>
+            </a:r>
           </a:p>
           <a:p>
             <a:r>
               <a:rPr lang="en-IE" dirty="0"/>
-              <a:t>https://www.amazon.com/Cloud-FinOps-Collaborative-real-time-management/dp/1492054623</a:t>
+              <a:t>https://docs.microsoft.com/en-us/azure/azure-functions/functions-scale#scale</a:t>
             </a:r>
           </a:p>
           <a:p>
@@ -16211,7 +16223,7 @@
     </p:spTree>
     <p:extLst>
       <p:ext uri="{BB962C8B-B14F-4D97-AF65-F5344CB8AC3E}">
-        <p14:creationId xmlns:p14="http://schemas.microsoft.com/office/powerpoint/2010/main" val="3103950151"/>
+        <p14:creationId xmlns:p14="http://schemas.microsoft.com/office/powerpoint/2010/main" val="350881975"/>
       </p:ext>
     </p:extLst>
   </p:cSld>
@@ -16402,10 +16414,44 @@
             <a:endParaRPr lang="en-IE" dirty="0"/>
           </a:p>
           <a:p>
+            <a:endParaRPr lang="en-IE" dirty="0"/>
+          </a:p>
+          <a:p>
+            <a:pPr marL="0" marR="0" lvl="0" indent="0" algn="l" defTabSz="914400" rtl="0" eaLnBrk="1" fontAlgn="auto" latinLnBrk="0" hangingPunct="1">
+              <a:lnSpc>
+                <a:spcPct val="100000"/>
+              </a:lnSpc>
+              <a:spcBef>
+                <a:spcPts val="0"/>
+              </a:spcBef>
+              <a:spcAft>
+                <a:spcPts val="0"/>
+              </a:spcAft>
+              <a:buClrTx/>
+              <a:buSzTx/>
+              <a:buFontTx/>
+              <a:buNone/>
+              <a:tabLst/>
+              <a:defRPr/>
+            </a:pPr>
+            <a:r>
+              <a:rPr lang="en-IE" b="1" dirty="0"/>
+              <a:t>O’Reilly, </a:t>
+            </a:r>
+            <a:r>
+              <a:rPr lang="en-GB" b="1" dirty="0"/>
+              <a:t>Cloud FinOps: Collaborative, Real-Time Cloud Financial Management</a:t>
+            </a:r>
+            <a:endParaRPr lang="en-IE" b="1" dirty="0"/>
+          </a:p>
+          <a:p>
             <a:r>
               <a:rPr lang="en-IE" dirty="0"/>
-              <a:t>There are 500+ Azure Services available for creation, it’s easier to disable everything and only allow necessary resources. </a:t>
-            </a:r>
+              <a:t>https://www.amazon.com/Cloud-FinOps-Collaborative-real-time-management/dp/1492054623</a:t>
+            </a:r>
+          </a:p>
+          <a:p>
+            <a:endParaRPr lang="en-IE" dirty="0"/>
           </a:p>
         </p:txBody>
       </p:sp>
@@ -16426,7 +16472,7 @@
           <a:p>
             <a:fld id="{FD5B5252-8534-42B9-BEB1-6A93DAA021E2}" type="slidenum">
               <a:rPr lang="en-IE" smtClean="0"/>
-              <a:t>39</a:t>
+              <a:t>41</a:t>
             </a:fld>
             <a:endParaRPr lang="en-IE"/>
           </a:p>
@@ -16435,7 +16481,7 @@
     </p:spTree>
     <p:extLst>
       <p:ext uri="{BB962C8B-B14F-4D97-AF65-F5344CB8AC3E}">
-        <p14:creationId xmlns:p14="http://schemas.microsoft.com/office/powerpoint/2010/main" val="1245362987"/>
+        <p14:creationId xmlns:p14="http://schemas.microsoft.com/office/powerpoint/2010/main" val="3103950151"/>
       </p:ext>
     </p:extLst>
   </p:cSld>
@@ -16492,6 +16538,96 @@
             <a:endParaRPr lang="en-IE" dirty="0"/>
           </a:p>
           <a:p>
+            <a:r>
+              <a:rPr lang="en-IE" dirty="0"/>
+              <a:t>There are 500+ Azure Services available for creation, it’s easier to disable everything and only allow necessary resources. </a:t>
+            </a:r>
+          </a:p>
+        </p:txBody>
+      </p:sp>
+      <p:sp>
+        <p:nvSpPr>
+          <p:cNvPr id="4" name="Slide Number Placeholder 3"/>
+          <p:cNvSpPr>
+            <a:spLocks noGrp="1"/>
+          </p:cNvSpPr>
+          <p:nvPr>
+            <p:ph type="sldNum" sz="quarter" idx="5"/>
+          </p:nvPr>
+        </p:nvSpPr>
+        <p:spPr/>
+        <p:txBody>
+          <a:bodyPr/>
+          <a:lstStyle/>
+          <a:p>
+            <a:fld id="{FD5B5252-8534-42B9-BEB1-6A93DAA021E2}" type="slidenum">
+              <a:rPr lang="en-IE" smtClean="0"/>
+              <a:t>42</a:t>
+            </a:fld>
+            <a:endParaRPr lang="en-IE"/>
+          </a:p>
+        </p:txBody>
+      </p:sp>
+    </p:spTree>
+    <p:extLst>
+      <p:ext uri="{BB962C8B-B14F-4D97-AF65-F5344CB8AC3E}">
+        <p14:creationId xmlns:p14="http://schemas.microsoft.com/office/powerpoint/2010/main" val="1245362987"/>
+      </p:ext>
+    </p:extLst>
+  </p:cSld>
+  <p:clrMapOvr>
+    <a:masterClrMapping/>
+  </p:clrMapOvr>
+</p:notes>
+</file>
+
+<file path=ppt/notesSlides/notesSlide22.xml><?xml version="1.0" encoding="utf-8"?>
+<p:notes xmlns:a="http://schemas.openxmlformats.org/drawingml/2006/main" xmlns:r="http://schemas.openxmlformats.org/officeDocument/2006/relationships" xmlns:p="http://schemas.openxmlformats.org/presentationml/2006/main">
+  <p:cSld>
+    <p:spTree>
+      <p:nvGrpSpPr>
+        <p:cNvPr id="1" name=""/>
+        <p:cNvGrpSpPr/>
+        <p:nvPr/>
+      </p:nvGrpSpPr>
+      <p:grpSpPr>
+        <a:xfrm>
+          <a:off x="0" y="0"/>
+          <a:ext cx="0" cy="0"/>
+          <a:chOff x="0" y="0"/>
+          <a:chExt cx="0" cy="0"/>
+        </a:xfrm>
+      </p:grpSpPr>
+      <p:sp>
+        <p:nvSpPr>
+          <p:cNvPr id="2" name="Slide Image Placeholder 1"/>
+          <p:cNvSpPr>
+            <a:spLocks noGrp="1" noRot="1" noChangeAspect="1"/>
+          </p:cNvSpPr>
+          <p:nvPr>
+            <p:ph type="sldImg"/>
+          </p:nvPr>
+        </p:nvSpPr>
+        <p:spPr/>
+      </p:sp>
+      <p:sp>
+        <p:nvSpPr>
+          <p:cNvPr id="3" name="Notes Placeholder 2"/>
+          <p:cNvSpPr>
+            <a:spLocks noGrp="1"/>
+          </p:cNvSpPr>
+          <p:nvPr>
+            <p:ph type="body" idx="1"/>
+          </p:nvPr>
+        </p:nvSpPr>
+        <p:spPr/>
+        <p:txBody>
+          <a:bodyPr/>
+          <a:lstStyle/>
+          <a:p>
+            <a:endParaRPr lang="en-IE" dirty="0"/>
+          </a:p>
+          <a:p>
             <a:endParaRPr lang="en-IE" dirty="0"/>
           </a:p>
           <a:p>
@@ -16556,7 +16692,7 @@
           <a:p>
             <a:fld id="{FD5B5252-8534-42B9-BEB1-6A93DAA021E2}" type="slidenum">
               <a:rPr lang="en-IE" smtClean="0"/>
-              <a:t>43</a:t>
+              <a:t>46</a:t>
             </a:fld>
             <a:endParaRPr lang="en-IE"/>
           </a:p>
@@ -17376,50 +17512,298 @@
           <a:bodyPr/>
           <a:lstStyle/>
           <a:p>
+            <a:r>
+              <a:rPr lang="en-IE" dirty="0"/>
+              <a:t>In the organisation topology</a:t>
+            </a:r>
+          </a:p>
+          <a:p>
             <a:endParaRPr lang="en-IE" dirty="0"/>
           </a:p>
           <a:p>
+            <a:r>
+              <a:rPr lang="en-IE" dirty="0"/>
+              <a:t>Somewhat centralised cost control model. </a:t>
+            </a:r>
+          </a:p>
+          <a:p>
             <a:endParaRPr lang="en-IE" dirty="0"/>
           </a:p>
           <a:p>
+            <a:r>
+              <a:rPr lang="en-IE" dirty="0"/>
+              <a:t>Having observed many FinOps teams I think that the best position for FinOps is under Chief Operating Officer (COO). </a:t>
+            </a:r>
+            <a:endParaRPr lang="ru-RU" dirty="0"/>
+          </a:p>
+          <a:p>
+            <a:endParaRPr lang="ru-RU" dirty="0"/>
+          </a:p>
+          <a:p>
+            <a:endParaRPr lang="ru-RU" dirty="0"/>
+          </a:p>
+          <a:p>
+            <a:endParaRPr lang="en-GB" dirty="0"/>
+          </a:p>
+          <a:p>
+            <a:endParaRPr lang="en-GB" dirty="0"/>
+          </a:p>
+          <a:p>
+            <a:endParaRPr lang="en-GB" dirty="0"/>
+          </a:p>
+          <a:p>
+            <a:r>
+              <a:rPr lang="en-GB" b="1" dirty="0"/>
+              <a:t>Engineers</a:t>
+            </a:r>
+          </a:p>
+          <a:p>
+            <a:pPr marL="171450" indent="-171450">
+              <a:buFont typeface="Arial" panose="020B0604020202020204" pitchFamily="34" charset="0"/>
+              <a:buChar char="•"/>
+            </a:pPr>
+            <a:r>
+              <a:rPr lang="en-GB" dirty="0"/>
+              <a:t>Want to work on something meaningful and fun</a:t>
+            </a:r>
+          </a:p>
+          <a:p>
+            <a:pPr marL="171450" indent="-171450">
+              <a:buFont typeface="Arial" panose="020B0604020202020204" pitchFamily="34" charset="0"/>
+              <a:buChar char="•"/>
+            </a:pPr>
+            <a:r>
+              <a:rPr lang="en-GB" dirty="0"/>
+              <a:t>Want to deliver software fast and reliably</a:t>
+            </a:r>
+          </a:p>
+          <a:p>
+            <a:pPr marL="171450" indent="-171450">
+              <a:buFont typeface="Arial" panose="020B0604020202020204" pitchFamily="34" charset="0"/>
+              <a:buChar char="•"/>
+            </a:pPr>
+            <a:r>
+              <a:rPr lang="en-GB" dirty="0"/>
+              <a:t>Hate inefficiency and want efficient use of resources</a:t>
+            </a:r>
+          </a:p>
+          <a:p>
+            <a:pPr marL="171450" indent="-171450">
+              <a:buFont typeface="Arial" panose="020B0604020202020204" pitchFamily="34" charset="0"/>
+              <a:buChar char="•"/>
+            </a:pPr>
+            <a:r>
+              <a:rPr lang="en-GB" dirty="0"/>
+              <a:t>Stay up to speed on the latest tech</a:t>
+            </a:r>
+          </a:p>
+          <a:p>
+            <a:pPr marL="171450" indent="-171450">
+              <a:buFont typeface="Arial" panose="020B0604020202020204" pitchFamily="34" charset="0"/>
+              <a:buChar char="•"/>
+            </a:pPr>
+            <a:r>
+              <a:rPr lang="en-GB" dirty="0"/>
+              <a:t>Are measured by uptime</a:t>
+            </a:r>
+          </a:p>
+          <a:p>
+            <a:pPr marL="171450" indent="-171450">
+              <a:buFont typeface="Arial" panose="020B0604020202020204" pitchFamily="34" charset="0"/>
+              <a:buChar char="•"/>
+            </a:pPr>
+            <a:r>
+              <a:rPr lang="en-GB" dirty="0"/>
+              <a:t>Want to deliver features, fix bugs, and improve performance</a:t>
+            </a:r>
+          </a:p>
+          <a:p>
+            <a:pPr marL="171450" indent="-171450">
+              <a:buFont typeface="Arial" panose="020B0604020202020204" pitchFamily="34" charset="0"/>
+              <a:buChar char="•"/>
+            </a:pPr>
+            <a:r>
+              <a:rPr lang="en-GB" dirty="0"/>
+              <a:t>Would prefer not to worry about cost (but are responsible for incurring</a:t>
+            </a:r>
+            <a:r>
+              <a:rPr lang="ru-RU" dirty="0"/>
+              <a:t> </a:t>
+            </a:r>
+            <a:r>
+              <a:rPr lang="en-GB" dirty="0"/>
+              <a:t>it)</a:t>
+            </a:r>
+          </a:p>
+          <a:p>
+            <a:endParaRPr lang="en-GB" dirty="0"/>
+          </a:p>
+          <a:p>
+            <a:endParaRPr lang="en-GB" dirty="0"/>
+          </a:p>
+          <a:p>
+            <a:r>
+              <a:rPr lang="en-GB" b="1" dirty="0"/>
+              <a:t>Finance People</a:t>
+            </a:r>
+          </a:p>
+          <a:p>
+            <a:pPr marL="171450" indent="-171450">
+              <a:buFont typeface="Arial" panose="020B0604020202020204" pitchFamily="34" charset="0"/>
+              <a:buChar char="•"/>
+            </a:pPr>
+            <a:r>
+              <a:rPr lang="en-GB" dirty="0"/>
+              <a:t>Want to accurately forecast and predict spending</a:t>
+            </a:r>
+          </a:p>
+          <a:p>
+            <a:pPr marL="171450" indent="-171450">
+              <a:buFont typeface="Arial" panose="020B0604020202020204" pitchFamily="34" charset="0"/>
+              <a:buChar char="•"/>
+            </a:pPr>
+            <a:r>
+              <a:rPr lang="en-GB" dirty="0"/>
+              <a:t>Want to be able to charge back and/or allocate 100% of spending</a:t>
+            </a:r>
+          </a:p>
+          <a:p>
+            <a:pPr marL="171450" indent="-171450">
+              <a:buFont typeface="Arial" panose="020B0604020202020204" pitchFamily="34" charset="0"/>
+              <a:buChar char="•"/>
+            </a:pPr>
+            <a:r>
+              <a:rPr lang="en-GB" dirty="0"/>
+              <a:t>Seek to amortize costs appropriately to the teams responsible</a:t>
+            </a:r>
+          </a:p>
+          <a:p>
+            <a:pPr marL="171450" indent="-171450">
+              <a:buFont typeface="Arial" panose="020B0604020202020204" pitchFamily="34" charset="0"/>
+              <a:buChar char="•"/>
+            </a:pPr>
+            <a:r>
+              <a:rPr lang="en-GB" dirty="0"/>
+              <a:t>Want to split out shared costs, like support and shared services</a:t>
+            </a:r>
+          </a:p>
+          <a:p>
+            <a:pPr marL="171450" indent="-171450">
+              <a:buFont typeface="Arial" panose="020B0604020202020204" pitchFamily="34" charset="0"/>
+              <a:buChar char="•"/>
+            </a:pPr>
+            <a:r>
+              <a:rPr lang="en-GB" dirty="0"/>
+              <a:t>Want to control and reduce costs, but maintain quality/speed</a:t>
+            </a:r>
+          </a:p>
+          <a:p>
+            <a:pPr marL="171450" indent="-171450">
+              <a:buFont typeface="Arial" panose="020B0604020202020204" pitchFamily="34" charset="0"/>
+              <a:buChar char="•"/>
+            </a:pPr>
+            <a:r>
+              <a:rPr lang="en-GB" dirty="0"/>
+              <a:t>Want to help executives inform cloud strategy</a:t>
+            </a:r>
+          </a:p>
+          <a:p>
+            <a:pPr marL="171450" indent="-171450">
+              <a:buFont typeface="Arial" panose="020B0604020202020204" pitchFamily="34" charset="0"/>
+              <a:buChar char="•"/>
+            </a:pPr>
+            <a:r>
+              <a:rPr lang="en-GB" dirty="0"/>
+              <a:t>Want to be aware of budget risks</a:t>
+            </a:r>
+          </a:p>
+          <a:p>
+            <a:endParaRPr lang="en-GB" dirty="0"/>
+          </a:p>
+          <a:p>
+            <a:endParaRPr lang="en-GB" dirty="0"/>
+          </a:p>
+          <a:p>
+            <a:r>
+              <a:rPr lang="en-GB" b="1" dirty="0"/>
+              <a:t>Executives</a:t>
+            </a:r>
+          </a:p>
+          <a:p>
+            <a:pPr marL="171450" indent="-171450">
+              <a:buFont typeface="Arial" panose="020B0604020202020204" pitchFamily="34" charset="0"/>
+              <a:buChar char="•"/>
+            </a:pPr>
+            <a:r>
+              <a:rPr lang="en-GB" dirty="0"/>
+              <a:t>Want to drive shared accountability to teams</a:t>
+            </a:r>
+          </a:p>
+          <a:p>
+            <a:pPr marL="171450" indent="-171450">
+              <a:buFont typeface="Arial" panose="020B0604020202020204" pitchFamily="34" charset="0"/>
+              <a:buChar char="•"/>
+            </a:pPr>
+            <a:r>
+              <a:rPr lang="en-GB" dirty="0"/>
+              <a:t>Desire a digital business transformation</a:t>
+            </a:r>
+          </a:p>
+          <a:p>
+            <a:pPr marL="171450" indent="-171450">
+              <a:buFont typeface="Arial" panose="020B0604020202020204" pitchFamily="34" charset="0"/>
+              <a:buChar char="•"/>
+            </a:pPr>
+            <a:r>
+              <a:rPr lang="en-GB" dirty="0"/>
+              <a:t>Want to shorten time to market for new services</a:t>
+            </a:r>
+          </a:p>
+          <a:p>
+            <a:pPr marL="171450" indent="-171450">
+              <a:buFont typeface="Arial" panose="020B0604020202020204" pitchFamily="34" charset="0"/>
+              <a:buChar char="•"/>
+            </a:pPr>
+            <a:r>
+              <a:rPr lang="en-GB" dirty="0"/>
+              <a:t>Seek a competitive advantage</a:t>
+            </a:r>
+          </a:p>
+          <a:p>
+            <a:pPr marL="171450" indent="-171450">
+              <a:buFont typeface="Arial" panose="020B0604020202020204" pitchFamily="34" charset="0"/>
+              <a:buChar char="•"/>
+            </a:pPr>
+            <a:r>
+              <a:rPr lang="en-GB" dirty="0"/>
+              <a:t>Want to establish a successful cloud strategy</a:t>
+            </a:r>
+          </a:p>
+          <a:p>
+            <a:pPr marL="171450" indent="-171450">
+              <a:buFont typeface="Arial" panose="020B0604020202020204" pitchFamily="34" charset="0"/>
+              <a:buChar char="•"/>
+            </a:pPr>
+            <a:r>
+              <a:rPr lang="en-GB" dirty="0"/>
+              <a:t>Need to define and manage KPIs (key performance indicators)</a:t>
+            </a:r>
+          </a:p>
+          <a:p>
+            <a:pPr marL="171450" indent="-171450">
+              <a:buFont typeface="Arial" panose="020B0604020202020204" pitchFamily="34" charset="0"/>
+              <a:buChar char="•"/>
+            </a:pPr>
+            <a:r>
+              <a:rPr lang="en-GB" dirty="0"/>
+              <a:t>Must prove the value of tech investments</a:t>
+            </a:r>
+          </a:p>
+          <a:p>
             <a:endParaRPr lang="en-IE" dirty="0"/>
           </a:p>
           <a:p>
             <a:endParaRPr lang="en-IE" dirty="0"/>
-          </a:p>
-          <a:p>
-            <a:r>
-              <a:rPr lang="en-IE" dirty="0"/>
-              <a:t>DBA refused to discuss low usage DB service ($100 monthly)</a:t>
-            </a:r>
-          </a:p>
-          <a:p>
-            <a:pPr lvl="1"/>
-            <a:r>
-              <a:rPr lang="en-IE" dirty="0"/>
-              <a:t>Pick a phone and call the person</a:t>
-            </a:r>
-          </a:p>
-          <a:p>
-            <a:pPr lvl="1"/>
-            <a:r>
-              <a:rPr lang="en-IE" dirty="0"/>
-              <a:t>Understand the reasoning and service importance</a:t>
-            </a:r>
-          </a:p>
-          <a:p>
-            <a:pPr lvl="1"/>
-            <a:r>
-              <a:rPr lang="en-IE" dirty="0"/>
-              <a:t>Communicate the importance </a:t>
-            </a:r>
-          </a:p>
-          <a:p>
-            <a:pPr lvl="1"/>
-            <a:r>
-              <a:rPr lang="en-IE" dirty="0"/>
-              <a:t>Show historical usage (only 100 per month, but 2400 over last 2 years)</a:t>
-            </a:r>
           </a:p>
           <a:p>
             <a:endParaRPr lang="en-IE" dirty="0"/>
@@ -17452,7 +17836,7 @@
     </p:spTree>
     <p:extLst>
       <p:ext uri="{BB962C8B-B14F-4D97-AF65-F5344CB8AC3E}">
-        <p14:creationId xmlns:p14="http://schemas.microsoft.com/office/powerpoint/2010/main" val="2159210761"/>
+        <p14:creationId xmlns:p14="http://schemas.microsoft.com/office/powerpoint/2010/main" val="109897548"/>
       </p:ext>
     </p:extLst>
   </p:cSld>
@@ -17611,7 +17995,7 @@
           <a:p>
             <a:fld id="{7821E7CA-480C-4350-9AB0-12AB79674909}" type="datetimeFigureOut">
               <a:rPr lang="en-IE" smtClean="0"/>
-              <a:t>15/06/2021</a:t>
+              <a:t>17/06/2021</a:t>
             </a:fld>
             <a:endParaRPr lang="en-IE"/>
           </a:p>
@@ -17811,7 +18195,7 @@
           <a:p>
             <a:fld id="{7821E7CA-480C-4350-9AB0-12AB79674909}" type="datetimeFigureOut">
               <a:rPr lang="en-IE" smtClean="0"/>
-              <a:t>15/06/2021</a:t>
+              <a:t>17/06/2021</a:t>
             </a:fld>
             <a:endParaRPr lang="en-IE"/>
           </a:p>
@@ -18021,7 +18405,7 @@
           <a:p>
             <a:fld id="{7821E7CA-480C-4350-9AB0-12AB79674909}" type="datetimeFigureOut">
               <a:rPr lang="en-IE" smtClean="0"/>
-              <a:t>15/06/2021</a:t>
+              <a:t>17/06/2021</a:t>
             </a:fld>
             <a:endParaRPr lang="en-IE"/>
           </a:p>
@@ -18221,7 +18605,7 @@
           <a:p>
             <a:fld id="{7821E7CA-480C-4350-9AB0-12AB79674909}" type="datetimeFigureOut">
               <a:rPr lang="en-IE" smtClean="0"/>
-              <a:t>15/06/2021</a:t>
+              <a:t>17/06/2021</a:t>
             </a:fld>
             <a:endParaRPr lang="en-IE"/>
           </a:p>
@@ -18497,7 +18881,7 @@
           <a:p>
             <a:fld id="{7821E7CA-480C-4350-9AB0-12AB79674909}" type="datetimeFigureOut">
               <a:rPr lang="en-IE" smtClean="0"/>
-              <a:t>15/06/2021</a:t>
+              <a:t>17/06/2021</a:t>
             </a:fld>
             <a:endParaRPr lang="en-IE"/>
           </a:p>
@@ -18765,7 +19149,7 @@
           <a:p>
             <a:fld id="{7821E7CA-480C-4350-9AB0-12AB79674909}" type="datetimeFigureOut">
               <a:rPr lang="en-IE" smtClean="0"/>
-              <a:t>15/06/2021</a:t>
+              <a:t>17/06/2021</a:t>
             </a:fld>
             <a:endParaRPr lang="en-IE"/>
           </a:p>
@@ -19180,7 +19564,7 @@
           <a:p>
             <a:fld id="{7821E7CA-480C-4350-9AB0-12AB79674909}" type="datetimeFigureOut">
               <a:rPr lang="en-IE" smtClean="0"/>
-              <a:t>15/06/2021</a:t>
+              <a:t>17/06/2021</a:t>
             </a:fld>
             <a:endParaRPr lang="en-IE"/>
           </a:p>
@@ -19322,7 +19706,7 @@
           <a:p>
             <a:fld id="{7821E7CA-480C-4350-9AB0-12AB79674909}" type="datetimeFigureOut">
               <a:rPr lang="en-IE" smtClean="0"/>
-              <a:t>15/06/2021</a:t>
+              <a:t>17/06/2021</a:t>
             </a:fld>
             <a:endParaRPr lang="en-IE"/>
           </a:p>
@@ -19435,7 +19819,7 @@
           <a:p>
             <a:fld id="{7821E7CA-480C-4350-9AB0-12AB79674909}" type="datetimeFigureOut">
               <a:rPr lang="en-IE" smtClean="0"/>
-              <a:t>15/06/2021</a:t>
+              <a:t>17/06/2021</a:t>
             </a:fld>
             <a:endParaRPr lang="en-IE"/>
           </a:p>
@@ -19748,7 +20132,7 @@
           <a:p>
             <a:fld id="{7821E7CA-480C-4350-9AB0-12AB79674909}" type="datetimeFigureOut">
               <a:rPr lang="en-IE" smtClean="0"/>
-              <a:t>15/06/2021</a:t>
+              <a:t>17/06/2021</a:t>
             </a:fld>
             <a:endParaRPr lang="en-IE"/>
           </a:p>
@@ -20037,7 +20421,7 @@
           <a:p>
             <a:fld id="{7821E7CA-480C-4350-9AB0-12AB79674909}" type="datetimeFigureOut">
               <a:rPr lang="en-IE" smtClean="0"/>
-              <a:t>15/06/2021</a:t>
+              <a:t>17/06/2021</a:t>
             </a:fld>
             <a:endParaRPr lang="en-IE"/>
           </a:p>
@@ -20280,7 +20664,7 @@
           <a:p>
             <a:fld id="{7821E7CA-480C-4350-9AB0-12AB79674909}" type="datetimeFigureOut">
               <a:rPr lang="en-IE" smtClean="0"/>
-              <a:t>15/06/2021</a:t>
+              <a:t>17/06/2021</a:t>
             </a:fld>
             <a:endParaRPr lang="en-IE"/>
           </a:p>
@@ -21357,6 +21741,12 @@
               <a:t>Weekly/Monthly – go through period usage and discuss spikes </a:t>
             </a:r>
           </a:p>
+          <a:p>
+            <a:r>
+              <a:rPr lang="en-IE" dirty="0"/>
+              <a:t>Owns centralised cloud cost control model</a:t>
+            </a:r>
+          </a:p>
         </p:txBody>
       </p:sp>
     </p:spTree>
@@ -21394,6 +21784,189 @@
           <p:cNvPr id="2" name="Title 1">
             <a:extLst>
               <a:ext uri="{FF2B5EF4-FFF2-40B4-BE49-F238E27FC236}">
+                <a16:creationId xmlns:a16="http://schemas.microsoft.com/office/drawing/2014/main" id="{5FD7832F-6860-46C8-8391-AA1727F103F4}"/>
+              </a:ext>
+            </a:extLst>
+          </p:cNvPr>
+          <p:cNvSpPr>
+            <a:spLocks noGrp="1"/>
+          </p:cNvSpPr>
+          <p:nvPr>
+            <p:ph type="title"/>
+          </p:nvPr>
+        </p:nvSpPr>
+        <p:spPr/>
+        <p:txBody>
+          <a:bodyPr/>
+          <a:lstStyle/>
+          <a:p>
+            <a:r>
+              <a:rPr lang="en-IE" dirty="0"/>
+              <a:t>FinOps Role </a:t>
+            </a:r>
+          </a:p>
+        </p:txBody>
+      </p:sp>
+      <p:pic>
+        <p:nvPicPr>
+          <p:cNvPr id="4" name="Picture 3">
+            <a:extLst>
+              <a:ext uri="{FF2B5EF4-FFF2-40B4-BE49-F238E27FC236}">
+                <a16:creationId xmlns:a16="http://schemas.microsoft.com/office/drawing/2014/main" id="{937D5240-A196-4A3E-BE32-12766A778816}"/>
+              </a:ext>
+            </a:extLst>
+          </p:cNvPr>
+          <p:cNvPicPr>
+            <a:picLocks noChangeAspect="1"/>
+          </p:cNvPicPr>
+          <p:nvPr/>
+        </p:nvPicPr>
+        <p:blipFill>
+          <a:blip r:embed="rId3"/>
+          <a:stretch>
+            <a:fillRect/>
+          </a:stretch>
+        </p:blipFill>
+        <p:spPr>
+          <a:xfrm>
+            <a:off x="751904" y="1690687"/>
+            <a:ext cx="10601895" cy="4822993"/>
+          </a:xfrm>
+          <a:prstGeom prst="rect">
+            <a:avLst/>
+          </a:prstGeom>
+        </p:spPr>
+      </p:pic>
+    </p:spTree>
+    <p:extLst>
+      <p:ext uri="{BB962C8B-B14F-4D97-AF65-F5344CB8AC3E}">
+        <p14:creationId xmlns:p14="http://schemas.microsoft.com/office/powerpoint/2010/main" val="3250262697"/>
+      </p:ext>
+    </p:extLst>
+  </p:cSld>
+  <p:clrMapOvr>
+    <a:masterClrMapping/>
+  </p:clrMapOvr>
+</p:sld>
+</file>
+
+<file path=ppt/slides/slide16.xml><?xml version="1.0" encoding="utf-8"?>
+<p:sld xmlns:a="http://schemas.openxmlformats.org/drawingml/2006/main" xmlns:r="http://schemas.openxmlformats.org/officeDocument/2006/relationships" xmlns:p="http://schemas.openxmlformats.org/presentationml/2006/main">
+  <p:cSld>
+    <p:spTree>
+      <p:nvGrpSpPr>
+        <p:cNvPr id="1" name=""/>
+        <p:cNvGrpSpPr/>
+        <p:nvPr/>
+      </p:nvGrpSpPr>
+      <p:grpSpPr>
+        <a:xfrm>
+          <a:off x="0" y="0"/>
+          <a:ext cx="0" cy="0"/>
+          <a:chOff x="0" y="0"/>
+          <a:chExt cx="0" cy="0"/>
+        </a:xfrm>
+      </p:grpSpPr>
+      <p:sp>
+        <p:nvSpPr>
+          <p:cNvPr id="2" name="Title 1">
+            <a:extLst>
+              <a:ext uri="{FF2B5EF4-FFF2-40B4-BE49-F238E27FC236}">
+                <a16:creationId xmlns:a16="http://schemas.microsoft.com/office/drawing/2014/main" id="{F5A8F649-D585-4982-BDFA-FEB3ADAEBAB1}"/>
+              </a:ext>
+            </a:extLst>
+          </p:cNvPr>
+          <p:cNvSpPr>
+            <a:spLocks noGrp="1"/>
+          </p:cNvSpPr>
+          <p:nvPr>
+            <p:ph type="title"/>
+          </p:nvPr>
+        </p:nvSpPr>
+        <p:spPr/>
+        <p:txBody>
+          <a:bodyPr/>
+          <a:lstStyle/>
+          <a:p>
+            <a:r>
+              <a:rPr lang="en-IE" dirty="0"/>
+              <a:t>Why Separate Role?</a:t>
+            </a:r>
+          </a:p>
+        </p:txBody>
+      </p:sp>
+      <p:sp>
+        <p:nvSpPr>
+          <p:cNvPr id="3" name="Content Placeholder 2">
+            <a:extLst>
+              <a:ext uri="{FF2B5EF4-FFF2-40B4-BE49-F238E27FC236}">
+                <a16:creationId xmlns:a16="http://schemas.microsoft.com/office/drawing/2014/main" id="{BCE162B0-7494-40A9-9288-5B38D3789042}"/>
+              </a:ext>
+            </a:extLst>
+          </p:cNvPr>
+          <p:cNvSpPr>
+            <a:spLocks noGrp="1"/>
+          </p:cNvSpPr>
+          <p:nvPr>
+            <p:ph idx="1"/>
+          </p:nvPr>
+        </p:nvSpPr>
+        <p:spPr/>
+        <p:txBody>
+          <a:bodyPr/>
+          <a:lstStyle/>
+          <a:p>
+            <a:r>
+              <a:rPr lang="en-IE" dirty="0"/>
+              <a:t>Many resources created by multiple teams lead to disagreements who’s accountable for shared resources usage</a:t>
+            </a:r>
+          </a:p>
+          <a:p>
+            <a:r>
+              <a:rPr lang="en-IE" dirty="0"/>
+              <a:t>Central person/team – can define and own metrics for everyone</a:t>
+            </a:r>
+          </a:p>
+          <a:p>
+            <a:endParaRPr lang="en-IE" dirty="0"/>
+          </a:p>
+        </p:txBody>
+      </p:sp>
+    </p:spTree>
+    <p:extLst>
+      <p:ext uri="{BB962C8B-B14F-4D97-AF65-F5344CB8AC3E}">
+        <p14:creationId xmlns:p14="http://schemas.microsoft.com/office/powerpoint/2010/main" val="360827960"/>
+      </p:ext>
+    </p:extLst>
+  </p:cSld>
+  <p:clrMapOvr>
+    <a:masterClrMapping/>
+  </p:clrMapOvr>
+</p:sld>
+</file>
+
+<file path=ppt/slides/slide17.xml><?xml version="1.0" encoding="utf-8"?>
+<p:sld xmlns:a="http://schemas.openxmlformats.org/drawingml/2006/main" xmlns:r="http://schemas.openxmlformats.org/officeDocument/2006/relationships" xmlns:p="http://schemas.openxmlformats.org/presentationml/2006/main">
+  <p:cSld>
+    <p:spTree>
+      <p:nvGrpSpPr>
+        <p:cNvPr id="1" name=""/>
+        <p:cNvGrpSpPr/>
+        <p:nvPr/>
+      </p:nvGrpSpPr>
+      <p:grpSpPr>
+        <a:xfrm>
+          <a:off x="0" y="0"/>
+          <a:ext cx="0" cy="0"/>
+          <a:chOff x="0" y="0"/>
+          <a:chExt cx="0" cy="0"/>
+        </a:xfrm>
+      </p:grpSpPr>
+      <p:sp>
+        <p:nvSpPr>
+          <p:cNvPr id="2" name="Title 1">
+            <a:extLst>
+              <a:ext uri="{FF2B5EF4-FFF2-40B4-BE49-F238E27FC236}">
                 <a16:creationId xmlns:a16="http://schemas.microsoft.com/office/drawing/2014/main" id="{57EE55ED-20D1-439D-8365-7D16885B4EAF}"/>
               </a:ext>
             </a:extLst>
@@ -21500,7 +22073,7 @@
 </p:sld>
 </file>
 
-<file path=ppt/slides/slide16.xml><?xml version="1.0" encoding="utf-8"?>
+<file path=ppt/slides/slide18.xml><?xml version="1.0" encoding="utf-8"?>
 <p:sld xmlns:a="http://schemas.openxmlformats.org/drawingml/2006/main" xmlns:r="http://schemas.openxmlformats.org/officeDocument/2006/relationships" xmlns:p="http://schemas.openxmlformats.org/presentationml/2006/main">
   <p:cSld>
     <p:spTree>
@@ -21610,7 +22183,7 @@
 </p:sld>
 </file>
 
-<file path=ppt/slides/slide17.xml><?xml version="1.0" encoding="utf-8"?>
+<file path=ppt/slides/slide19.xml><?xml version="1.0" encoding="utf-8"?>
 <p:sld xmlns:a="http://schemas.openxmlformats.org/drawingml/2006/main" xmlns:r="http://schemas.openxmlformats.org/officeDocument/2006/relationships" xmlns:p="http://schemas.openxmlformats.org/presentationml/2006/main">
   <p:cSld>
     <p:spTree>
@@ -21747,176 +22320,6 @@
     <p:extLst>
       <p:ext uri="{BB962C8B-B14F-4D97-AF65-F5344CB8AC3E}">
         <p14:creationId xmlns:p14="http://schemas.microsoft.com/office/powerpoint/2010/main" val="467041731"/>
-      </p:ext>
-    </p:extLst>
-  </p:cSld>
-  <p:clrMapOvr>
-    <a:masterClrMapping/>
-  </p:clrMapOvr>
-</p:sld>
-</file>
-
-<file path=ppt/slides/slide18.xml><?xml version="1.0" encoding="utf-8"?>
-<p:sld xmlns:a="http://schemas.openxmlformats.org/drawingml/2006/main" xmlns:r="http://schemas.openxmlformats.org/officeDocument/2006/relationships" xmlns:p="http://schemas.openxmlformats.org/presentationml/2006/main">
-  <p:cSld>
-    <p:spTree>
-      <p:nvGrpSpPr>
-        <p:cNvPr id="1" name=""/>
-        <p:cNvGrpSpPr/>
-        <p:nvPr/>
-      </p:nvGrpSpPr>
-      <p:grpSpPr>
-        <a:xfrm>
-          <a:off x="0" y="0"/>
-          <a:ext cx="0" cy="0"/>
-          <a:chOff x="0" y="0"/>
-          <a:chExt cx="0" cy="0"/>
-        </a:xfrm>
-      </p:grpSpPr>
-      <p:sp>
-        <p:nvSpPr>
-          <p:cNvPr id="4" name="Title 3">
-            <a:extLst>
-              <a:ext uri="{FF2B5EF4-FFF2-40B4-BE49-F238E27FC236}">
-                <a16:creationId xmlns:a16="http://schemas.microsoft.com/office/drawing/2014/main" id="{D03756E0-B788-482C-AF27-147F52D9C5FE}"/>
-              </a:ext>
-            </a:extLst>
-          </p:cNvPr>
-          <p:cNvSpPr>
-            <a:spLocks noGrp="1"/>
-          </p:cNvSpPr>
-          <p:nvPr>
-            <p:ph type="title"/>
-          </p:nvPr>
-        </p:nvSpPr>
-        <p:spPr/>
-        <p:txBody>
-          <a:bodyPr/>
-          <a:lstStyle/>
-          <a:p>
-            <a:r>
-              <a:rPr lang="en-IE" dirty="0"/>
-              <a:t>Technology Processes</a:t>
-            </a:r>
-          </a:p>
-        </p:txBody>
-      </p:sp>
-      <p:sp>
-        <p:nvSpPr>
-          <p:cNvPr id="5" name="Text Placeholder 4">
-            <a:extLst>
-              <a:ext uri="{FF2B5EF4-FFF2-40B4-BE49-F238E27FC236}">
-                <a16:creationId xmlns:a16="http://schemas.microsoft.com/office/drawing/2014/main" id="{2996A216-4DE1-4088-8420-60D5495C0E99}"/>
-              </a:ext>
-            </a:extLst>
-          </p:cNvPr>
-          <p:cNvSpPr>
-            <a:spLocks noGrp="1"/>
-          </p:cNvSpPr>
-          <p:nvPr>
-            <p:ph type="body" idx="1"/>
-          </p:nvPr>
-        </p:nvSpPr>
-        <p:spPr/>
-        <p:txBody>
-          <a:bodyPr/>
-          <a:lstStyle/>
-          <a:p>
-            <a:endParaRPr lang="en-IE"/>
-          </a:p>
-        </p:txBody>
-      </p:sp>
-    </p:spTree>
-    <p:extLst>
-      <p:ext uri="{BB962C8B-B14F-4D97-AF65-F5344CB8AC3E}">
-        <p14:creationId xmlns:p14="http://schemas.microsoft.com/office/powerpoint/2010/main" val="2549102489"/>
-      </p:ext>
-    </p:extLst>
-  </p:cSld>
-  <p:clrMapOvr>
-    <a:masterClrMapping/>
-  </p:clrMapOvr>
-</p:sld>
-</file>
-
-<file path=ppt/slides/slide19.xml><?xml version="1.0" encoding="utf-8"?>
-<p:sld xmlns:a="http://schemas.openxmlformats.org/drawingml/2006/main" xmlns:r="http://schemas.openxmlformats.org/officeDocument/2006/relationships" xmlns:p="http://schemas.openxmlformats.org/presentationml/2006/main">
-  <p:cSld>
-    <p:spTree>
-      <p:nvGrpSpPr>
-        <p:cNvPr id="1" name=""/>
-        <p:cNvGrpSpPr/>
-        <p:nvPr/>
-      </p:nvGrpSpPr>
-      <p:grpSpPr>
-        <a:xfrm>
-          <a:off x="0" y="0"/>
-          <a:ext cx="0" cy="0"/>
-          <a:chOff x="0" y="0"/>
-          <a:chExt cx="0" cy="0"/>
-        </a:xfrm>
-      </p:grpSpPr>
-      <p:sp>
-        <p:nvSpPr>
-          <p:cNvPr id="2" name="Title 1">
-            <a:extLst>
-              <a:ext uri="{FF2B5EF4-FFF2-40B4-BE49-F238E27FC236}">
-                <a16:creationId xmlns:a16="http://schemas.microsoft.com/office/drawing/2014/main" id="{216E715E-E185-4610-929B-A24BAF862E96}"/>
-              </a:ext>
-            </a:extLst>
-          </p:cNvPr>
-          <p:cNvSpPr>
-            <a:spLocks noGrp="1"/>
-          </p:cNvSpPr>
-          <p:nvPr>
-            <p:ph type="title"/>
-          </p:nvPr>
-        </p:nvSpPr>
-        <p:spPr/>
-        <p:txBody>
-          <a:bodyPr/>
-          <a:lstStyle/>
-          <a:p>
-            <a:pPr algn="ctr"/>
-            <a:r>
-              <a:rPr lang="en-IE" dirty="0"/>
-              <a:t>Azure specific tech processes</a:t>
-            </a:r>
-          </a:p>
-        </p:txBody>
-      </p:sp>
-      <p:graphicFrame>
-        <p:nvGraphicFramePr>
-          <p:cNvPr id="4" name="Diagram 3">
-            <a:extLst>
-              <a:ext uri="{FF2B5EF4-FFF2-40B4-BE49-F238E27FC236}">
-                <a16:creationId xmlns:a16="http://schemas.microsoft.com/office/drawing/2014/main" id="{0263DE2A-2920-4516-AC24-42E7AFCD2F68}"/>
-              </a:ext>
-            </a:extLst>
-          </p:cNvPr>
-          <p:cNvGraphicFramePr/>
-          <p:nvPr>
-            <p:extLst>
-              <p:ext uri="{D42A27DB-BD31-4B8C-83A1-F6EECF244321}">
-                <p14:modId xmlns:p14="http://schemas.microsoft.com/office/powerpoint/2010/main" val="3657491335"/>
-              </p:ext>
-            </p:extLst>
-          </p:nvPr>
-        </p:nvGraphicFramePr>
-        <p:xfrm>
-          <a:off x="2032000" y="1601919"/>
-          <a:ext cx="8081402" cy="4536414"/>
-        </p:xfrm>
-        <a:graphic>
-          <a:graphicData uri="http://schemas.openxmlformats.org/drawingml/2006/diagram">
-            <dgm:relIds xmlns:dgm="http://schemas.openxmlformats.org/drawingml/2006/diagram" xmlns:r="http://schemas.openxmlformats.org/officeDocument/2006/relationships" r:dm="rId2" r:lo="rId3" r:qs="rId4" r:cs="rId5"/>
-          </a:graphicData>
-        </a:graphic>
-      </p:graphicFrame>
-    </p:spTree>
-    <p:extLst>
-      <p:ext uri="{BB962C8B-B14F-4D97-AF65-F5344CB8AC3E}">
-        <p14:creationId xmlns:p14="http://schemas.microsoft.com/office/powerpoint/2010/main" val="2534059493"/>
       </p:ext>
     </p:extLst>
   </p:cSld>
@@ -22056,6 +22459,176 @@
           <p:cNvPr id="4" name="Title 3">
             <a:extLst>
               <a:ext uri="{FF2B5EF4-FFF2-40B4-BE49-F238E27FC236}">
+                <a16:creationId xmlns:a16="http://schemas.microsoft.com/office/drawing/2014/main" id="{D03756E0-B788-482C-AF27-147F52D9C5FE}"/>
+              </a:ext>
+            </a:extLst>
+          </p:cNvPr>
+          <p:cNvSpPr>
+            <a:spLocks noGrp="1"/>
+          </p:cNvSpPr>
+          <p:nvPr>
+            <p:ph type="title"/>
+          </p:nvPr>
+        </p:nvSpPr>
+        <p:spPr/>
+        <p:txBody>
+          <a:bodyPr/>
+          <a:lstStyle/>
+          <a:p>
+            <a:r>
+              <a:rPr lang="en-IE" dirty="0"/>
+              <a:t>Technology Processes</a:t>
+            </a:r>
+          </a:p>
+        </p:txBody>
+      </p:sp>
+      <p:sp>
+        <p:nvSpPr>
+          <p:cNvPr id="5" name="Text Placeholder 4">
+            <a:extLst>
+              <a:ext uri="{FF2B5EF4-FFF2-40B4-BE49-F238E27FC236}">
+                <a16:creationId xmlns:a16="http://schemas.microsoft.com/office/drawing/2014/main" id="{2996A216-4DE1-4088-8420-60D5495C0E99}"/>
+              </a:ext>
+            </a:extLst>
+          </p:cNvPr>
+          <p:cNvSpPr>
+            <a:spLocks noGrp="1"/>
+          </p:cNvSpPr>
+          <p:nvPr>
+            <p:ph type="body" idx="1"/>
+          </p:nvPr>
+        </p:nvSpPr>
+        <p:spPr/>
+        <p:txBody>
+          <a:bodyPr/>
+          <a:lstStyle/>
+          <a:p>
+            <a:endParaRPr lang="en-IE"/>
+          </a:p>
+        </p:txBody>
+      </p:sp>
+    </p:spTree>
+    <p:extLst>
+      <p:ext uri="{BB962C8B-B14F-4D97-AF65-F5344CB8AC3E}">
+        <p14:creationId xmlns:p14="http://schemas.microsoft.com/office/powerpoint/2010/main" val="2549102489"/>
+      </p:ext>
+    </p:extLst>
+  </p:cSld>
+  <p:clrMapOvr>
+    <a:masterClrMapping/>
+  </p:clrMapOvr>
+</p:sld>
+</file>
+
+<file path=ppt/slides/slide21.xml><?xml version="1.0" encoding="utf-8"?>
+<p:sld xmlns:a="http://schemas.openxmlformats.org/drawingml/2006/main" xmlns:r="http://schemas.openxmlformats.org/officeDocument/2006/relationships" xmlns:p="http://schemas.openxmlformats.org/presentationml/2006/main">
+  <p:cSld>
+    <p:spTree>
+      <p:nvGrpSpPr>
+        <p:cNvPr id="1" name=""/>
+        <p:cNvGrpSpPr/>
+        <p:nvPr/>
+      </p:nvGrpSpPr>
+      <p:grpSpPr>
+        <a:xfrm>
+          <a:off x="0" y="0"/>
+          <a:ext cx="0" cy="0"/>
+          <a:chOff x="0" y="0"/>
+          <a:chExt cx="0" cy="0"/>
+        </a:xfrm>
+      </p:grpSpPr>
+      <p:sp>
+        <p:nvSpPr>
+          <p:cNvPr id="2" name="Title 1">
+            <a:extLst>
+              <a:ext uri="{FF2B5EF4-FFF2-40B4-BE49-F238E27FC236}">
+                <a16:creationId xmlns:a16="http://schemas.microsoft.com/office/drawing/2014/main" id="{216E715E-E185-4610-929B-A24BAF862E96}"/>
+              </a:ext>
+            </a:extLst>
+          </p:cNvPr>
+          <p:cNvSpPr>
+            <a:spLocks noGrp="1"/>
+          </p:cNvSpPr>
+          <p:nvPr>
+            <p:ph type="title"/>
+          </p:nvPr>
+        </p:nvSpPr>
+        <p:spPr/>
+        <p:txBody>
+          <a:bodyPr/>
+          <a:lstStyle/>
+          <a:p>
+            <a:pPr algn="ctr"/>
+            <a:r>
+              <a:rPr lang="en-IE" dirty="0"/>
+              <a:t>Azure specific tech processes</a:t>
+            </a:r>
+          </a:p>
+        </p:txBody>
+      </p:sp>
+      <p:graphicFrame>
+        <p:nvGraphicFramePr>
+          <p:cNvPr id="4" name="Diagram 3">
+            <a:extLst>
+              <a:ext uri="{FF2B5EF4-FFF2-40B4-BE49-F238E27FC236}">
+                <a16:creationId xmlns:a16="http://schemas.microsoft.com/office/drawing/2014/main" id="{0263DE2A-2920-4516-AC24-42E7AFCD2F68}"/>
+              </a:ext>
+            </a:extLst>
+          </p:cNvPr>
+          <p:cNvGraphicFramePr/>
+          <p:nvPr>
+            <p:extLst>
+              <p:ext uri="{D42A27DB-BD31-4B8C-83A1-F6EECF244321}">
+                <p14:modId xmlns:p14="http://schemas.microsoft.com/office/powerpoint/2010/main" val="3657491335"/>
+              </p:ext>
+            </p:extLst>
+          </p:nvPr>
+        </p:nvGraphicFramePr>
+        <p:xfrm>
+          <a:off x="2032000" y="1601919"/>
+          <a:ext cx="8081402" cy="4536414"/>
+        </p:xfrm>
+        <a:graphic>
+          <a:graphicData uri="http://schemas.openxmlformats.org/drawingml/2006/diagram">
+            <dgm:relIds xmlns:dgm="http://schemas.openxmlformats.org/drawingml/2006/diagram" xmlns:r="http://schemas.openxmlformats.org/officeDocument/2006/relationships" r:dm="rId2" r:lo="rId3" r:qs="rId4" r:cs="rId5"/>
+          </a:graphicData>
+        </a:graphic>
+      </p:graphicFrame>
+    </p:spTree>
+    <p:extLst>
+      <p:ext uri="{BB962C8B-B14F-4D97-AF65-F5344CB8AC3E}">
+        <p14:creationId xmlns:p14="http://schemas.microsoft.com/office/powerpoint/2010/main" val="2534059493"/>
+      </p:ext>
+    </p:extLst>
+  </p:cSld>
+  <p:clrMapOvr>
+    <a:masterClrMapping/>
+  </p:clrMapOvr>
+</p:sld>
+</file>
+
+<file path=ppt/slides/slide22.xml><?xml version="1.0" encoding="utf-8"?>
+<p:sld xmlns:a="http://schemas.openxmlformats.org/drawingml/2006/main" xmlns:r="http://schemas.openxmlformats.org/officeDocument/2006/relationships" xmlns:p="http://schemas.openxmlformats.org/presentationml/2006/main">
+  <p:cSld>
+    <p:spTree>
+      <p:nvGrpSpPr>
+        <p:cNvPr id="1" name=""/>
+        <p:cNvGrpSpPr/>
+        <p:nvPr/>
+      </p:nvGrpSpPr>
+      <p:grpSpPr>
+        <a:xfrm>
+          <a:off x="0" y="0"/>
+          <a:ext cx="0" cy="0"/>
+          <a:chOff x="0" y="0"/>
+          <a:chExt cx="0" cy="0"/>
+        </a:xfrm>
+      </p:grpSpPr>
+      <p:sp>
+        <p:nvSpPr>
+          <p:cNvPr id="4" name="Title 3">
+            <a:extLst>
+              <a:ext uri="{FF2B5EF4-FFF2-40B4-BE49-F238E27FC236}">
                 <a16:creationId xmlns:a16="http://schemas.microsoft.com/office/drawing/2014/main" id="{C5501262-D1EB-492D-BCCD-0923FF170821}"/>
               </a:ext>
             </a:extLst>
@@ -22120,7 +22693,7 @@
 </p:sld>
 </file>
 
-<file path=ppt/slides/slide21.xml><?xml version="1.0" encoding="utf-8"?>
+<file path=ppt/slides/slide23.xml><?xml version="1.0" encoding="utf-8"?>
 <p:sld xmlns:a="http://schemas.openxmlformats.org/drawingml/2006/main" xmlns:r="http://schemas.openxmlformats.org/officeDocument/2006/relationships" xmlns:p="http://schemas.openxmlformats.org/presentationml/2006/main">
   <p:cSld>
     <p:spTree>
@@ -22224,7 +22797,7 @@
 </p:sld>
 </file>
 
-<file path=ppt/slides/slide22.xml><?xml version="1.0" encoding="utf-8"?>
+<file path=ppt/slides/slide24.xml><?xml version="1.0" encoding="utf-8"?>
 <p:sld xmlns:a="http://schemas.openxmlformats.org/drawingml/2006/main" xmlns:r="http://schemas.openxmlformats.org/officeDocument/2006/relationships" xmlns:p="http://schemas.openxmlformats.org/presentationml/2006/main">
   <p:cSld>
     <p:spTree>
@@ -22316,7 +22889,7 @@
 </p:sld>
 </file>
 
-<file path=ppt/slides/slide23.xml><?xml version="1.0" encoding="utf-8"?>
+<file path=ppt/slides/slide25.xml><?xml version="1.0" encoding="utf-8"?>
 <p:sld xmlns:a="http://schemas.openxmlformats.org/drawingml/2006/main" xmlns:r="http://schemas.openxmlformats.org/officeDocument/2006/relationships" xmlns:p="http://schemas.openxmlformats.org/presentationml/2006/main">
   <p:cSld>
     <p:spTree>
@@ -22403,7 +22976,7 @@
 </p:sld>
 </file>
 
-<file path=ppt/slides/slide24.xml><?xml version="1.0" encoding="utf-8"?>
+<file path=ppt/slides/slide26.xml><?xml version="1.0" encoding="utf-8"?>
 <p:sld xmlns:a="http://schemas.openxmlformats.org/drawingml/2006/main" xmlns:r="http://schemas.openxmlformats.org/officeDocument/2006/relationships" xmlns:p="http://schemas.openxmlformats.org/presentationml/2006/main">
   <p:cSld>
     <p:spTree>
@@ -22490,7 +23063,7 @@
 </p:sld>
 </file>
 
-<file path=ppt/slides/slide25.xml><?xml version="1.0" encoding="utf-8"?>
+<file path=ppt/slides/slide27.xml><?xml version="1.0" encoding="utf-8"?>
 <p:sld xmlns:a="http://schemas.openxmlformats.org/drawingml/2006/main" xmlns:r="http://schemas.openxmlformats.org/officeDocument/2006/relationships" xmlns:p="http://schemas.openxmlformats.org/presentationml/2006/main">
   <p:cSld>
     <p:spTree>
@@ -22589,7 +23162,7 @@
 </p:sld>
 </file>
 
-<file path=ppt/slides/slide26.xml><?xml version="1.0" encoding="utf-8"?>
+<file path=ppt/slides/slide28.xml><?xml version="1.0" encoding="utf-8"?>
 <p:sld xmlns:a="http://schemas.openxmlformats.org/drawingml/2006/main" xmlns:r="http://schemas.openxmlformats.org/officeDocument/2006/relationships" xmlns:p="http://schemas.openxmlformats.org/presentationml/2006/main">
   <p:cSld>
     <p:spTree>
@@ -22678,7 +23251,7 @@
 </p:sld>
 </file>
 
-<file path=ppt/slides/slide27.xml><?xml version="1.0" encoding="utf-8"?>
+<file path=ppt/slides/slide29.xml><?xml version="1.0" encoding="utf-8"?>
 <p:sld xmlns:a="http://schemas.openxmlformats.org/drawingml/2006/main" xmlns:r="http://schemas.openxmlformats.org/officeDocument/2006/relationships" xmlns:p="http://schemas.openxmlformats.org/presentationml/2006/main">
   <p:cSld>
     <p:spTree>
@@ -22752,182 +23325,6 @@
     <p:extLst>
       <p:ext uri="{BB962C8B-B14F-4D97-AF65-F5344CB8AC3E}">
         <p14:creationId xmlns:p14="http://schemas.microsoft.com/office/powerpoint/2010/main" val="3683657012"/>
-      </p:ext>
-    </p:extLst>
-  </p:cSld>
-  <p:clrMapOvr>
-    <a:masterClrMapping/>
-  </p:clrMapOvr>
-</p:sld>
-</file>
-
-<file path=ppt/slides/slide28.xml><?xml version="1.0" encoding="utf-8"?>
-<p:sld xmlns:a="http://schemas.openxmlformats.org/drawingml/2006/main" xmlns:r="http://schemas.openxmlformats.org/officeDocument/2006/relationships" xmlns:p="http://schemas.openxmlformats.org/presentationml/2006/main">
-  <p:cSld>
-    <p:spTree>
-      <p:nvGrpSpPr>
-        <p:cNvPr id="1" name=""/>
-        <p:cNvGrpSpPr/>
-        <p:nvPr/>
-      </p:nvGrpSpPr>
-      <p:grpSpPr>
-        <a:xfrm>
-          <a:off x="0" y="0"/>
-          <a:ext cx="0" cy="0"/>
-          <a:chOff x="0" y="0"/>
-          <a:chExt cx="0" cy="0"/>
-        </a:xfrm>
-      </p:grpSpPr>
-      <p:sp>
-        <p:nvSpPr>
-          <p:cNvPr id="4" name="Title 3">
-            <a:extLst>
-              <a:ext uri="{FF2B5EF4-FFF2-40B4-BE49-F238E27FC236}">
-                <a16:creationId xmlns:a16="http://schemas.microsoft.com/office/drawing/2014/main" id="{70CA46F3-8C16-41DB-BDFB-B583E5748B3B}"/>
-              </a:ext>
-            </a:extLst>
-          </p:cNvPr>
-          <p:cNvSpPr>
-            <a:spLocks noGrp="1"/>
-          </p:cNvSpPr>
-          <p:nvPr>
-            <p:ph type="title"/>
-          </p:nvPr>
-        </p:nvSpPr>
-        <p:spPr/>
-        <p:txBody>
-          <a:bodyPr/>
-          <a:lstStyle/>
-          <a:p>
-            <a:r>
-              <a:rPr lang="en-IE" dirty="0"/>
-              <a:t>Tag usages</a:t>
-            </a:r>
-          </a:p>
-        </p:txBody>
-      </p:sp>
-      <p:sp>
-        <p:nvSpPr>
-          <p:cNvPr id="5" name="Content Placeholder 4">
-            <a:extLst>
-              <a:ext uri="{FF2B5EF4-FFF2-40B4-BE49-F238E27FC236}">
-                <a16:creationId xmlns:a16="http://schemas.microsoft.com/office/drawing/2014/main" id="{A04DC65F-843C-436E-9814-E2B802A616E3}"/>
-              </a:ext>
-            </a:extLst>
-          </p:cNvPr>
-          <p:cNvSpPr>
-            <a:spLocks noGrp="1"/>
-          </p:cNvSpPr>
-          <p:nvPr>
-            <p:ph idx="1"/>
-          </p:nvPr>
-        </p:nvSpPr>
-        <p:spPr/>
-        <p:txBody>
-          <a:bodyPr/>
-          <a:lstStyle/>
-          <a:p>
-            <a:r>
-              <a:rPr lang="en-IE" dirty="0"/>
-              <a:t>Tag “stop: never”</a:t>
-            </a:r>
-          </a:p>
-          <a:p>
-            <a:pPr lvl="1"/>
-            <a:r>
-              <a:rPr lang="en-IE" dirty="0"/>
-              <a:t>Daily automation task, stops every resource without the tag</a:t>
-            </a:r>
-          </a:p>
-        </p:txBody>
-      </p:sp>
-    </p:spTree>
-    <p:extLst>
-      <p:ext uri="{BB962C8B-B14F-4D97-AF65-F5344CB8AC3E}">
-        <p14:creationId xmlns:p14="http://schemas.microsoft.com/office/powerpoint/2010/main" val="1603767379"/>
-      </p:ext>
-    </p:extLst>
-  </p:cSld>
-  <p:clrMapOvr>
-    <a:masterClrMapping/>
-  </p:clrMapOvr>
-</p:sld>
-</file>
-
-<file path=ppt/slides/slide29.xml><?xml version="1.0" encoding="utf-8"?>
-<p:sld xmlns:a="http://schemas.openxmlformats.org/drawingml/2006/main" xmlns:r="http://schemas.openxmlformats.org/officeDocument/2006/relationships" xmlns:p="http://schemas.openxmlformats.org/presentationml/2006/main">
-  <p:cSld>
-    <p:spTree>
-      <p:nvGrpSpPr>
-        <p:cNvPr id="1" name=""/>
-        <p:cNvGrpSpPr/>
-        <p:nvPr/>
-      </p:nvGrpSpPr>
-      <p:grpSpPr>
-        <a:xfrm>
-          <a:off x="0" y="0"/>
-          <a:ext cx="0" cy="0"/>
-          <a:chOff x="0" y="0"/>
-          <a:chExt cx="0" cy="0"/>
-        </a:xfrm>
-      </p:grpSpPr>
-      <p:sp>
-        <p:nvSpPr>
-          <p:cNvPr id="4" name="Title 3">
-            <a:extLst>
-              <a:ext uri="{FF2B5EF4-FFF2-40B4-BE49-F238E27FC236}">
-                <a16:creationId xmlns:a16="http://schemas.microsoft.com/office/drawing/2014/main" id="{39DE5782-985B-47CF-9A3F-637C7FC2C62B}"/>
-              </a:ext>
-            </a:extLst>
-          </p:cNvPr>
-          <p:cNvSpPr>
-            <a:spLocks noGrp="1"/>
-          </p:cNvSpPr>
-          <p:nvPr>
-            <p:ph type="title"/>
-          </p:nvPr>
-        </p:nvSpPr>
-        <p:spPr/>
-        <p:txBody>
-          <a:bodyPr/>
-          <a:lstStyle/>
-          <a:p>
-            <a:r>
-              <a:rPr lang="en-IE" dirty="0"/>
-              <a:t>Per Service Optimizations</a:t>
-            </a:r>
-          </a:p>
-        </p:txBody>
-      </p:sp>
-      <p:sp>
-        <p:nvSpPr>
-          <p:cNvPr id="5" name="Text Placeholder 4">
-            <a:extLst>
-              <a:ext uri="{FF2B5EF4-FFF2-40B4-BE49-F238E27FC236}">
-                <a16:creationId xmlns:a16="http://schemas.microsoft.com/office/drawing/2014/main" id="{0AE0E2C5-04A8-48F0-B6FE-BB370F1617F5}"/>
-              </a:ext>
-            </a:extLst>
-          </p:cNvPr>
-          <p:cNvSpPr>
-            <a:spLocks noGrp="1"/>
-          </p:cNvSpPr>
-          <p:nvPr>
-            <p:ph type="body" idx="1"/>
-          </p:nvPr>
-        </p:nvSpPr>
-        <p:spPr/>
-        <p:txBody>
-          <a:bodyPr/>
-          <a:lstStyle/>
-          <a:p>
-            <a:endParaRPr lang="en-IE" dirty="0"/>
-          </a:p>
-        </p:txBody>
-      </p:sp>
-    </p:spTree>
-    <p:extLst>
-      <p:ext uri="{BB962C8B-B14F-4D97-AF65-F5344CB8AC3E}">
-        <p14:creationId xmlns:p14="http://schemas.microsoft.com/office/powerpoint/2010/main" val="1439840507"/>
       </p:ext>
     </p:extLst>
   </p:cSld>
@@ -23039,6 +23436,268 @@
       </p:grpSpPr>
       <p:sp>
         <p:nvSpPr>
+          <p:cNvPr id="4" name="Title 3">
+            <a:extLst>
+              <a:ext uri="{FF2B5EF4-FFF2-40B4-BE49-F238E27FC236}">
+                <a16:creationId xmlns:a16="http://schemas.microsoft.com/office/drawing/2014/main" id="{70CA46F3-8C16-41DB-BDFB-B583E5748B3B}"/>
+              </a:ext>
+            </a:extLst>
+          </p:cNvPr>
+          <p:cNvSpPr>
+            <a:spLocks noGrp="1"/>
+          </p:cNvSpPr>
+          <p:nvPr>
+            <p:ph type="title"/>
+          </p:nvPr>
+        </p:nvSpPr>
+        <p:spPr/>
+        <p:txBody>
+          <a:bodyPr/>
+          <a:lstStyle/>
+          <a:p>
+            <a:r>
+              <a:rPr lang="en-IE" dirty="0"/>
+              <a:t>Tag usages</a:t>
+            </a:r>
+          </a:p>
+        </p:txBody>
+      </p:sp>
+      <p:sp>
+        <p:nvSpPr>
+          <p:cNvPr id="5" name="Content Placeholder 4">
+            <a:extLst>
+              <a:ext uri="{FF2B5EF4-FFF2-40B4-BE49-F238E27FC236}">
+                <a16:creationId xmlns:a16="http://schemas.microsoft.com/office/drawing/2014/main" id="{A04DC65F-843C-436E-9814-E2B802A616E3}"/>
+              </a:ext>
+            </a:extLst>
+          </p:cNvPr>
+          <p:cNvSpPr>
+            <a:spLocks noGrp="1"/>
+          </p:cNvSpPr>
+          <p:nvPr>
+            <p:ph idx="1"/>
+          </p:nvPr>
+        </p:nvSpPr>
+        <p:spPr/>
+        <p:txBody>
+          <a:bodyPr/>
+          <a:lstStyle/>
+          <a:p>
+            <a:r>
+              <a:rPr lang="en-IE" dirty="0"/>
+              <a:t>Tag “stop: never”</a:t>
+            </a:r>
+          </a:p>
+          <a:p>
+            <a:pPr lvl="1"/>
+            <a:r>
+              <a:rPr lang="en-IE" dirty="0"/>
+              <a:t>Daily automation task, stops every resource without the tag</a:t>
+            </a:r>
+          </a:p>
+        </p:txBody>
+      </p:sp>
+    </p:spTree>
+    <p:extLst>
+      <p:ext uri="{BB962C8B-B14F-4D97-AF65-F5344CB8AC3E}">
+        <p14:creationId xmlns:p14="http://schemas.microsoft.com/office/powerpoint/2010/main" val="1603767379"/>
+      </p:ext>
+    </p:extLst>
+  </p:cSld>
+  <p:clrMapOvr>
+    <a:masterClrMapping/>
+  </p:clrMapOvr>
+</p:sld>
+</file>
+
+<file path=ppt/slides/slide31.xml><?xml version="1.0" encoding="utf-8"?>
+<p:sld xmlns:a="http://schemas.openxmlformats.org/drawingml/2006/main" xmlns:r="http://schemas.openxmlformats.org/officeDocument/2006/relationships" xmlns:p="http://schemas.openxmlformats.org/presentationml/2006/main">
+  <p:cSld>
+    <p:spTree>
+      <p:nvGrpSpPr>
+        <p:cNvPr id="1" name=""/>
+        <p:cNvGrpSpPr/>
+        <p:nvPr/>
+      </p:nvGrpSpPr>
+      <p:grpSpPr>
+        <a:xfrm>
+          <a:off x="0" y="0"/>
+          <a:ext cx="0" cy="0"/>
+          <a:chOff x="0" y="0"/>
+          <a:chExt cx="0" cy="0"/>
+        </a:xfrm>
+      </p:grpSpPr>
+      <p:sp>
+        <p:nvSpPr>
+          <p:cNvPr id="2" name="Title 1">
+            <a:extLst>
+              <a:ext uri="{FF2B5EF4-FFF2-40B4-BE49-F238E27FC236}">
+                <a16:creationId xmlns:a16="http://schemas.microsoft.com/office/drawing/2014/main" id="{9719990D-20D9-431B-ADEA-8C8AB7405C92}"/>
+              </a:ext>
+            </a:extLst>
+          </p:cNvPr>
+          <p:cNvSpPr>
+            <a:spLocks noGrp="1"/>
+          </p:cNvSpPr>
+          <p:nvPr>
+            <p:ph type="title"/>
+          </p:nvPr>
+        </p:nvSpPr>
+        <p:spPr/>
+        <p:txBody>
+          <a:bodyPr/>
+          <a:lstStyle/>
+          <a:p>
+            <a:r>
+              <a:rPr lang="en-IE" dirty="0"/>
+              <a:t>Scanning</a:t>
+            </a:r>
+          </a:p>
+        </p:txBody>
+      </p:sp>
+      <p:sp>
+        <p:nvSpPr>
+          <p:cNvPr id="3" name="Content Placeholder 2">
+            <a:extLst>
+              <a:ext uri="{FF2B5EF4-FFF2-40B4-BE49-F238E27FC236}">
+                <a16:creationId xmlns:a16="http://schemas.microsoft.com/office/drawing/2014/main" id="{6C4F820C-48EF-4A2C-9B30-6BF1E0C55A17}"/>
+              </a:ext>
+            </a:extLst>
+          </p:cNvPr>
+          <p:cNvSpPr>
+            <a:spLocks noGrp="1"/>
+          </p:cNvSpPr>
+          <p:nvPr>
+            <p:ph idx="1"/>
+          </p:nvPr>
+        </p:nvSpPr>
+        <p:spPr/>
+        <p:txBody>
+          <a:bodyPr/>
+          <a:lstStyle/>
+          <a:p>
+            <a:r>
+              <a:rPr lang="en-IE" dirty="0"/>
+              <a:t>Scan all created resources – find out who created them</a:t>
+            </a:r>
+          </a:p>
+        </p:txBody>
+      </p:sp>
+    </p:spTree>
+    <p:extLst>
+      <p:ext uri="{BB962C8B-B14F-4D97-AF65-F5344CB8AC3E}">
+        <p14:creationId xmlns:p14="http://schemas.microsoft.com/office/powerpoint/2010/main" val="2649238006"/>
+      </p:ext>
+    </p:extLst>
+  </p:cSld>
+  <p:clrMapOvr>
+    <a:masterClrMapping/>
+  </p:clrMapOvr>
+</p:sld>
+</file>
+
+<file path=ppt/slides/slide32.xml><?xml version="1.0" encoding="utf-8"?>
+<p:sld xmlns:a="http://schemas.openxmlformats.org/drawingml/2006/main" xmlns:r="http://schemas.openxmlformats.org/officeDocument/2006/relationships" xmlns:p="http://schemas.openxmlformats.org/presentationml/2006/main">
+  <p:cSld>
+    <p:spTree>
+      <p:nvGrpSpPr>
+        <p:cNvPr id="1" name=""/>
+        <p:cNvGrpSpPr/>
+        <p:nvPr/>
+      </p:nvGrpSpPr>
+      <p:grpSpPr>
+        <a:xfrm>
+          <a:off x="0" y="0"/>
+          <a:ext cx="0" cy="0"/>
+          <a:chOff x="0" y="0"/>
+          <a:chExt cx="0" cy="0"/>
+        </a:xfrm>
+      </p:grpSpPr>
+      <p:sp>
+        <p:nvSpPr>
+          <p:cNvPr id="4" name="Title 3">
+            <a:extLst>
+              <a:ext uri="{FF2B5EF4-FFF2-40B4-BE49-F238E27FC236}">
+                <a16:creationId xmlns:a16="http://schemas.microsoft.com/office/drawing/2014/main" id="{39DE5782-985B-47CF-9A3F-637C7FC2C62B}"/>
+              </a:ext>
+            </a:extLst>
+          </p:cNvPr>
+          <p:cNvSpPr>
+            <a:spLocks noGrp="1"/>
+          </p:cNvSpPr>
+          <p:nvPr>
+            <p:ph type="title"/>
+          </p:nvPr>
+        </p:nvSpPr>
+        <p:spPr/>
+        <p:txBody>
+          <a:bodyPr/>
+          <a:lstStyle/>
+          <a:p>
+            <a:r>
+              <a:rPr lang="en-IE" dirty="0"/>
+              <a:t>Per Service Optimizations</a:t>
+            </a:r>
+          </a:p>
+        </p:txBody>
+      </p:sp>
+      <p:sp>
+        <p:nvSpPr>
+          <p:cNvPr id="5" name="Text Placeholder 4">
+            <a:extLst>
+              <a:ext uri="{FF2B5EF4-FFF2-40B4-BE49-F238E27FC236}">
+                <a16:creationId xmlns:a16="http://schemas.microsoft.com/office/drawing/2014/main" id="{0AE0E2C5-04A8-48F0-B6FE-BB370F1617F5}"/>
+              </a:ext>
+            </a:extLst>
+          </p:cNvPr>
+          <p:cNvSpPr>
+            <a:spLocks noGrp="1"/>
+          </p:cNvSpPr>
+          <p:nvPr>
+            <p:ph type="body" idx="1"/>
+          </p:nvPr>
+        </p:nvSpPr>
+        <p:spPr/>
+        <p:txBody>
+          <a:bodyPr/>
+          <a:lstStyle/>
+          <a:p>
+            <a:endParaRPr lang="en-IE" dirty="0"/>
+          </a:p>
+        </p:txBody>
+      </p:sp>
+    </p:spTree>
+    <p:extLst>
+      <p:ext uri="{BB962C8B-B14F-4D97-AF65-F5344CB8AC3E}">
+        <p14:creationId xmlns:p14="http://schemas.microsoft.com/office/powerpoint/2010/main" val="1439840507"/>
+      </p:ext>
+    </p:extLst>
+  </p:cSld>
+  <p:clrMapOvr>
+    <a:masterClrMapping/>
+  </p:clrMapOvr>
+</p:sld>
+</file>
+
+<file path=ppt/slides/slide33.xml><?xml version="1.0" encoding="utf-8"?>
+<p:sld xmlns:a="http://schemas.openxmlformats.org/drawingml/2006/main" xmlns:r="http://schemas.openxmlformats.org/officeDocument/2006/relationships" xmlns:p="http://schemas.openxmlformats.org/presentationml/2006/main">
+  <p:cSld>
+    <p:spTree>
+      <p:nvGrpSpPr>
+        <p:cNvPr id="1" name=""/>
+        <p:cNvGrpSpPr/>
+        <p:nvPr/>
+      </p:nvGrpSpPr>
+      <p:grpSpPr>
+        <a:xfrm>
+          <a:off x="0" y="0"/>
+          <a:ext cx="0" cy="0"/>
+          <a:chOff x="0" y="0"/>
+          <a:chExt cx="0" cy="0"/>
+        </a:xfrm>
+      </p:grpSpPr>
+      <p:sp>
+        <p:nvSpPr>
           <p:cNvPr id="2" name="Title 1">
             <a:extLst>
               <a:ext uri="{FF2B5EF4-FFF2-40B4-BE49-F238E27FC236}">
@@ -23145,7 +23804,7 @@
 </p:sld>
 </file>
 
-<file path=ppt/slides/slide31.xml><?xml version="1.0" encoding="utf-8"?>
+<file path=ppt/slides/slide34.xml><?xml version="1.0" encoding="utf-8"?>
 <p:sld xmlns:a="http://schemas.openxmlformats.org/drawingml/2006/main" xmlns:r="http://schemas.openxmlformats.org/officeDocument/2006/relationships" xmlns:p="http://schemas.openxmlformats.org/presentationml/2006/main">
   <p:cSld>
     <p:spTree>
@@ -23277,7 +23936,7 @@
 </p:sld>
 </file>
 
-<file path=ppt/slides/slide32.xml><?xml version="1.0" encoding="utf-8"?>
+<file path=ppt/slides/slide35.xml><?xml version="1.0" encoding="utf-8"?>
 <p:sld xmlns:a="http://schemas.openxmlformats.org/drawingml/2006/main" xmlns:r="http://schemas.openxmlformats.org/officeDocument/2006/relationships" xmlns:p="http://schemas.openxmlformats.org/presentationml/2006/main">
   <p:cSld>
     <p:spTree>
@@ -23402,7 +24061,7 @@
 </p:sld>
 </file>
 
-<file path=ppt/slides/slide33.xml><?xml version="1.0" encoding="utf-8"?>
+<file path=ppt/slides/slide36.xml><?xml version="1.0" encoding="utf-8"?>
 <p:sld xmlns:a="http://schemas.openxmlformats.org/drawingml/2006/main" xmlns:r="http://schemas.openxmlformats.org/officeDocument/2006/relationships" xmlns:p="http://schemas.openxmlformats.org/presentationml/2006/main">
   <p:cSld>
     <p:spTree>
@@ -23504,7 +24163,7 @@
 </p:sld>
 </file>
 
-<file path=ppt/slides/slide34.xml><?xml version="1.0" encoding="utf-8"?>
+<file path=ppt/slides/slide37.xml><?xml version="1.0" encoding="utf-8"?>
 <p:sld xmlns:a="http://schemas.openxmlformats.org/drawingml/2006/main" xmlns:r="http://schemas.openxmlformats.org/officeDocument/2006/relationships" xmlns:p="http://schemas.openxmlformats.org/presentationml/2006/main">
   <p:cSld>
     <p:spTree>
@@ -23598,7 +24257,7 @@
 </p:sld>
 </file>
 
-<file path=ppt/slides/slide35.xml><?xml version="1.0" encoding="utf-8"?>
+<file path=ppt/slides/slide38.xml><?xml version="1.0" encoding="utf-8"?>
 <p:sld xmlns:a="http://schemas.openxmlformats.org/drawingml/2006/main" xmlns:r="http://schemas.openxmlformats.org/officeDocument/2006/relationships" xmlns:p="http://schemas.openxmlformats.org/presentationml/2006/main">
   <p:cSld>
     <p:spTree>
@@ -23688,7 +24347,7 @@
 </p:sld>
 </file>
 
-<file path=ppt/slides/slide36.xml><?xml version="1.0" encoding="utf-8"?>
+<file path=ppt/slides/slide39.xml><?xml version="1.0" encoding="utf-8"?>
 <p:sld xmlns:a="http://schemas.openxmlformats.org/drawingml/2006/main" xmlns:r="http://schemas.openxmlformats.org/officeDocument/2006/relationships" xmlns:p="http://schemas.openxmlformats.org/presentationml/2006/main">
   <p:cSld>
     <p:spTree>
@@ -23790,343 +24449,6 @@
     <p:extLst>
       <p:ext uri="{BB962C8B-B14F-4D97-AF65-F5344CB8AC3E}">
         <p14:creationId xmlns:p14="http://schemas.microsoft.com/office/powerpoint/2010/main" val="3752624599"/>
-      </p:ext>
-    </p:extLst>
-  </p:cSld>
-  <p:clrMapOvr>
-    <a:masterClrMapping/>
-  </p:clrMapOvr>
-</p:sld>
-</file>
-
-<file path=ppt/slides/slide37.xml><?xml version="1.0" encoding="utf-8"?>
-<p:sld xmlns:a="http://schemas.openxmlformats.org/drawingml/2006/main" xmlns:r="http://schemas.openxmlformats.org/officeDocument/2006/relationships" xmlns:p="http://schemas.openxmlformats.org/presentationml/2006/main">
-  <p:cSld>
-    <p:spTree>
-      <p:nvGrpSpPr>
-        <p:cNvPr id="1" name=""/>
-        <p:cNvGrpSpPr/>
-        <p:nvPr/>
-      </p:nvGrpSpPr>
-      <p:grpSpPr>
-        <a:xfrm>
-          <a:off x="0" y="0"/>
-          <a:ext cx="0" cy="0"/>
-          <a:chOff x="0" y="0"/>
-          <a:chExt cx="0" cy="0"/>
-        </a:xfrm>
-      </p:grpSpPr>
-      <p:sp>
-        <p:nvSpPr>
-          <p:cNvPr id="4" name="Title 3">
-            <a:extLst>
-              <a:ext uri="{FF2B5EF4-FFF2-40B4-BE49-F238E27FC236}">
-                <a16:creationId xmlns:a16="http://schemas.microsoft.com/office/drawing/2014/main" id="{6941F885-2DFF-4E1F-93A2-05BFB423B7E4}"/>
-              </a:ext>
-            </a:extLst>
-          </p:cNvPr>
-          <p:cNvSpPr>
-            <a:spLocks noGrp="1"/>
-          </p:cNvSpPr>
-          <p:nvPr>
-            <p:ph type="title"/>
-          </p:nvPr>
-        </p:nvSpPr>
-        <p:spPr/>
-        <p:txBody>
-          <a:bodyPr/>
-          <a:lstStyle/>
-          <a:p>
-            <a:r>
-              <a:rPr lang="en-IE" dirty="0"/>
-              <a:t>Conclusion</a:t>
-            </a:r>
-          </a:p>
-        </p:txBody>
-      </p:sp>
-      <p:sp>
-        <p:nvSpPr>
-          <p:cNvPr id="5" name="Text Placeholder 4">
-            <a:extLst>
-              <a:ext uri="{FF2B5EF4-FFF2-40B4-BE49-F238E27FC236}">
-                <a16:creationId xmlns:a16="http://schemas.microsoft.com/office/drawing/2014/main" id="{300C5DCD-6833-432D-957A-24E24AFDC0A1}"/>
-              </a:ext>
-            </a:extLst>
-          </p:cNvPr>
-          <p:cNvSpPr>
-            <a:spLocks noGrp="1"/>
-          </p:cNvSpPr>
-          <p:nvPr>
-            <p:ph type="body" idx="1"/>
-          </p:nvPr>
-        </p:nvSpPr>
-        <p:spPr/>
-        <p:txBody>
-          <a:bodyPr/>
-          <a:lstStyle/>
-          <a:p>
-            <a:endParaRPr lang="en-IE"/>
-          </a:p>
-        </p:txBody>
-      </p:sp>
-    </p:spTree>
-    <p:extLst>
-      <p:ext uri="{BB962C8B-B14F-4D97-AF65-F5344CB8AC3E}">
-        <p14:creationId xmlns:p14="http://schemas.microsoft.com/office/powerpoint/2010/main" val="2023599523"/>
-      </p:ext>
-    </p:extLst>
-  </p:cSld>
-  <p:clrMapOvr>
-    <a:masterClrMapping/>
-  </p:clrMapOvr>
-</p:sld>
-</file>
-
-<file path=ppt/slides/slide38.xml><?xml version="1.0" encoding="utf-8"?>
-<p:sld xmlns:a="http://schemas.openxmlformats.org/drawingml/2006/main" xmlns:r="http://schemas.openxmlformats.org/officeDocument/2006/relationships" xmlns:p="http://schemas.openxmlformats.org/presentationml/2006/main">
-  <p:cSld>
-    <p:spTree>
-      <p:nvGrpSpPr>
-        <p:cNvPr id="1" name=""/>
-        <p:cNvGrpSpPr/>
-        <p:nvPr/>
-      </p:nvGrpSpPr>
-      <p:grpSpPr>
-        <a:xfrm>
-          <a:off x="0" y="0"/>
-          <a:ext cx="0" cy="0"/>
-          <a:chOff x="0" y="0"/>
-          <a:chExt cx="0" cy="0"/>
-        </a:xfrm>
-      </p:grpSpPr>
-      <p:sp>
-        <p:nvSpPr>
-          <p:cNvPr id="4" name="Title 3">
-            <a:extLst>
-              <a:ext uri="{FF2B5EF4-FFF2-40B4-BE49-F238E27FC236}">
-                <a16:creationId xmlns:a16="http://schemas.microsoft.com/office/drawing/2014/main" id="{19FE34B1-9BE9-47F8-9F98-77D434BC9057}"/>
-              </a:ext>
-            </a:extLst>
-          </p:cNvPr>
-          <p:cNvSpPr>
-            <a:spLocks noGrp="1"/>
-          </p:cNvSpPr>
-          <p:nvPr>
-            <p:ph type="title"/>
-          </p:nvPr>
-        </p:nvSpPr>
-        <p:spPr/>
-        <p:txBody>
-          <a:bodyPr/>
-          <a:lstStyle/>
-          <a:p>
-            <a:pPr algn="ctr"/>
-            <a:r>
-              <a:rPr lang="en-IE" dirty="0"/>
-              <a:t>Further Reading</a:t>
-            </a:r>
-          </a:p>
-        </p:txBody>
-      </p:sp>
-      <p:sp>
-        <p:nvSpPr>
-          <p:cNvPr id="5" name="Content Placeholder 4">
-            <a:extLst>
-              <a:ext uri="{FF2B5EF4-FFF2-40B4-BE49-F238E27FC236}">
-                <a16:creationId xmlns:a16="http://schemas.microsoft.com/office/drawing/2014/main" id="{5D6560F0-CB88-49DF-895F-376C3E32CD13}"/>
-              </a:ext>
-            </a:extLst>
-          </p:cNvPr>
-          <p:cNvSpPr>
-            <a:spLocks noGrp="1"/>
-          </p:cNvSpPr>
-          <p:nvPr>
-            <p:ph idx="1"/>
-          </p:nvPr>
-        </p:nvSpPr>
-        <p:spPr/>
-        <p:txBody>
-          <a:bodyPr/>
-          <a:lstStyle/>
-          <a:p>
-            <a:r>
-              <a:rPr lang="en-IE" dirty="0"/>
-              <a:t>O’Reilly, </a:t>
-            </a:r>
-            <a:r>
-              <a:rPr lang="en-GB" dirty="0"/>
-              <a:t>Cloud FinOps: Collaborative, Real-Time Cloud Financial Management</a:t>
-            </a:r>
-          </a:p>
-          <a:p>
-            <a:r>
-              <a:rPr lang="en-GB" dirty="0"/>
-              <a:t>FinOps Foundation, </a:t>
-            </a:r>
-            <a:r>
-              <a:rPr lang="en-GB" dirty="0">
-                <a:hlinkClick r:id="rId3"/>
-              </a:rPr>
-              <a:t>https://www.finops.org/</a:t>
-            </a:r>
-            <a:endParaRPr lang="en-GB" dirty="0"/>
-          </a:p>
-          <a:p>
-            <a:endParaRPr lang="en-IE" dirty="0"/>
-          </a:p>
-        </p:txBody>
-      </p:sp>
-    </p:spTree>
-    <p:extLst>
-      <p:ext uri="{BB962C8B-B14F-4D97-AF65-F5344CB8AC3E}">
-        <p14:creationId xmlns:p14="http://schemas.microsoft.com/office/powerpoint/2010/main" val="4123046943"/>
-      </p:ext>
-    </p:extLst>
-  </p:cSld>
-  <p:clrMapOvr>
-    <a:masterClrMapping/>
-  </p:clrMapOvr>
-</p:sld>
-</file>
-
-<file path=ppt/slides/slide39.xml><?xml version="1.0" encoding="utf-8"?>
-<p:sld xmlns:a="http://schemas.openxmlformats.org/drawingml/2006/main" xmlns:r="http://schemas.openxmlformats.org/officeDocument/2006/relationships" xmlns:p="http://schemas.openxmlformats.org/presentationml/2006/main">
-  <p:cSld>
-    <p:spTree>
-      <p:nvGrpSpPr>
-        <p:cNvPr id="1" name=""/>
-        <p:cNvGrpSpPr/>
-        <p:nvPr/>
-      </p:nvGrpSpPr>
-      <p:grpSpPr>
-        <a:xfrm>
-          <a:off x="0" y="0"/>
-          <a:ext cx="0" cy="0"/>
-          <a:chOff x="0" y="0"/>
-          <a:chExt cx="0" cy="0"/>
-        </a:xfrm>
-      </p:grpSpPr>
-      <p:sp>
-        <p:nvSpPr>
-          <p:cNvPr id="2" name="Title 1">
-            <a:extLst>
-              <a:ext uri="{FF2B5EF4-FFF2-40B4-BE49-F238E27FC236}">
-                <a16:creationId xmlns:a16="http://schemas.microsoft.com/office/drawing/2014/main" id="{0A4AD6B7-9405-4774-9B6E-E2D8D0DD39E3}"/>
-              </a:ext>
-            </a:extLst>
-          </p:cNvPr>
-          <p:cNvSpPr>
-            <a:spLocks noGrp="1"/>
-          </p:cNvSpPr>
-          <p:nvPr>
-            <p:ph type="title"/>
-          </p:nvPr>
-        </p:nvSpPr>
-        <p:spPr/>
-        <p:txBody>
-          <a:bodyPr/>
-          <a:lstStyle/>
-          <a:p>
-            <a:pPr algn="ctr"/>
-            <a:r>
-              <a:rPr lang="en-IE" dirty="0"/>
-              <a:t>Azure Policies Examples</a:t>
-            </a:r>
-          </a:p>
-        </p:txBody>
-      </p:sp>
-      <p:sp>
-        <p:nvSpPr>
-          <p:cNvPr id="3" name="Content Placeholder 2">
-            <a:extLst>
-              <a:ext uri="{FF2B5EF4-FFF2-40B4-BE49-F238E27FC236}">
-                <a16:creationId xmlns:a16="http://schemas.microsoft.com/office/drawing/2014/main" id="{E8E92A55-54D9-46CA-BFA2-C915545785EE}"/>
-              </a:ext>
-            </a:extLst>
-          </p:cNvPr>
-          <p:cNvSpPr>
-            <a:spLocks noGrp="1"/>
-          </p:cNvSpPr>
-          <p:nvPr>
-            <p:ph idx="1"/>
-          </p:nvPr>
-        </p:nvSpPr>
-        <p:spPr/>
-        <p:txBody>
-          <a:bodyPr/>
-          <a:lstStyle/>
-          <a:p>
-            <a:r>
-              <a:rPr lang="en-IE" dirty="0"/>
-              <a:t>Limit </a:t>
-            </a:r>
-            <a:r>
-              <a:rPr lang="en-IE" dirty="0" err="1"/>
-              <a:t>vCores</a:t>
-            </a:r>
-            <a:r>
-              <a:rPr lang="en-IE" dirty="0"/>
-              <a:t> available for Developers</a:t>
-            </a:r>
-          </a:p>
-          <a:p>
-            <a:r>
-              <a:rPr lang="en-IE" dirty="0"/>
-              <a:t>Limit resources available for creation</a:t>
-            </a:r>
-          </a:p>
-          <a:p>
-            <a:r>
-              <a:rPr lang="en-IE" dirty="0"/>
-              <a:t>Enforce tag creation with an error message </a:t>
-            </a:r>
-          </a:p>
-          <a:p>
-            <a:pPr lvl="1"/>
-            <a:r>
-              <a:rPr lang="en-IE" dirty="0"/>
-              <a:t>Cost </a:t>
-            </a:r>
-            <a:r>
-              <a:rPr lang="en-IE" dirty="0" err="1"/>
-              <a:t>center</a:t>
-            </a:r>
-            <a:r>
-              <a:rPr lang="en-IE" dirty="0"/>
-              <a:t> tag</a:t>
-            </a:r>
-          </a:p>
-          <a:p>
-            <a:pPr lvl="1"/>
-            <a:r>
-              <a:rPr lang="en-IE" dirty="0"/>
-              <a:t>Shutdown: daily/weekly/never tag</a:t>
-            </a:r>
-          </a:p>
-          <a:p>
-            <a:r>
-              <a:rPr lang="en-IE" dirty="0"/>
-              <a:t>Certain tags can only be added by a trusted group</a:t>
-            </a:r>
-          </a:p>
-          <a:p>
-            <a:pPr marL="0" indent="0">
-              <a:buNone/>
-            </a:pPr>
-            <a:r>
-              <a:rPr lang="en-IE" dirty="0"/>
-              <a:t>  </a:t>
-            </a:r>
-          </a:p>
-          <a:p>
-            <a:endParaRPr lang="en-IE" dirty="0"/>
-          </a:p>
-        </p:txBody>
-      </p:sp>
-    </p:spTree>
-    <p:extLst>
-      <p:ext uri="{BB962C8B-B14F-4D97-AF65-F5344CB8AC3E}">
-        <p14:creationId xmlns:p14="http://schemas.microsoft.com/office/powerpoint/2010/main" val="2506567211"/>
       </p:ext>
     </p:extLst>
   </p:cSld>
@@ -24254,6 +24576,343 @@
       </p:grpSpPr>
       <p:sp>
         <p:nvSpPr>
+          <p:cNvPr id="4" name="Title 3">
+            <a:extLst>
+              <a:ext uri="{FF2B5EF4-FFF2-40B4-BE49-F238E27FC236}">
+                <a16:creationId xmlns:a16="http://schemas.microsoft.com/office/drawing/2014/main" id="{6941F885-2DFF-4E1F-93A2-05BFB423B7E4}"/>
+              </a:ext>
+            </a:extLst>
+          </p:cNvPr>
+          <p:cNvSpPr>
+            <a:spLocks noGrp="1"/>
+          </p:cNvSpPr>
+          <p:nvPr>
+            <p:ph type="title"/>
+          </p:nvPr>
+        </p:nvSpPr>
+        <p:spPr/>
+        <p:txBody>
+          <a:bodyPr/>
+          <a:lstStyle/>
+          <a:p>
+            <a:r>
+              <a:rPr lang="en-IE" dirty="0"/>
+              <a:t>Conclusion</a:t>
+            </a:r>
+          </a:p>
+        </p:txBody>
+      </p:sp>
+      <p:sp>
+        <p:nvSpPr>
+          <p:cNvPr id="5" name="Text Placeholder 4">
+            <a:extLst>
+              <a:ext uri="{FF2B5EF4-FFF2-40B4-BE49-F238E27FC236}">
+                <a16:creationId xmlns:a16="http://schemas.microsoft.com/office/drawing/2014/main" id="{300C5DCD-6833-432D-957A-24E24AFDC0A1}"/>
+              </a:ext>
+            </a:extLst>
+          </p:cNvPr>
+          <p:cNvSpPr>
+            <a:spLocks noGrp="1"/>
+          </p:cNvSpPr>
+          <p:nvPr>
+            <p:ph type="body" idx="1"/>
+          </p:nvPr>
+        </p:nvSpPr>
+        <p:spPr/>
+        <p:txBody>
+          <a:bodyPr/>
+          <a:lstStyle/>
+          <a:p>
+            <a:endParaRPr lang="en-IE"/>
+          </a:p>
+        </p:txBody>
+      </p:sp>
+    </p:spTree>
+    <p:extLst>
+      <p:ext uri="{BB962C8B-B14F-4D97-AF65-F5344CB8AC3E}">
+        <p14:creationId xmlns:p14="http://schemas.microsoft.com/office/powerpoint/2010/main" val="2023599523"/>
+      </p:ext>
+    </p:extLst>
+  </p:cSld>
+  <p:clrMapOvr>
+    <a:masterClrMapping/>
+  </p:clrMapOvr>
+</p:sld>
+</file>
+
+<file path=ppt/slides/slide41.xml><?xml version="1.0" encoding="utf-8"?>
+<p:sld xmlns:a="http://schemas.openxmlformats.org/drawingml/2006/main" xmlns:r="http://schemas.openxmlformats.org/officeDocument/2006/relationships" xmlns:p="http://schemas.openxmlformats.org/presentationml/2006/main">
+  <p:cSld>
+    <p:spTree>
+      <p:nvGrpSpPr>
+        <p:cNvPr id="1" name=""/>
+        <p:cNvGrpSpPr/>
+        <p:nvPr/>
+      </p:nvGrpSpPr>
+      <p:grpSpPr>
+        <a:xfrm>
+          <a:off x="0" y="0"/>
+          <a:ext cx="0" cy="0"/>
+          <a:chOff x="0" y="0"/>
+          <a:chExt cx="0" cy="0"/>
+        </a:xfrm>
+      </p:grpSpPr>
+      <p:sp>
+        <p:nvSpPr>
+          <p:cNvPr id="4" name="Title 3">
+            <a:extLst>
+              <a:ext uri="{FF2B5EF4-FFF2-40B4-BE49-F238E27FC236}">
+                <a16:creationId xmlns:a16="http://schemas.microsoft.com/office/drawing/2014/main" id="{19FE34B1-9BE9-47F8-9F98-77D434BC9057}"/>
+              </a:ext>
+            </a:extLst>
+          </p:cNvPr>
+          <p:cNvSpPr>
+            <a:spLocks noGrp="1"/>
+          </p:cNvSpPr>
+          <p:nvPr>
+            <p:ph type="title"/>
+          </p:nvPr>
+        </p:nvSpPr>
+        <p:spPr/>
+        <p:txBody>
+          <a:bodyPr/>
+          <a:lstStyle/>
+          <a:p>
+            <a:pPr algn="ctr"/>
+            <a:r>
+              <a:rPr lang="en-IE" dirty="0"/>
+              <a:t>Further Reading</a:t>
+            </a:r>
+          </a:p>
+        </p:txBody>
+      </p:sp>
+      <p:sp>
+        <p:nvSpPr>
+          <p:cNvPr id="5" name="Content Placeholder 4">
+            <a:extLst>
+              <a:ext uri="{FF2B5EF4-FFF2-40B4-BE49-F238E27FC236}">
+                <a16:creationId xmlns:a16="http://schemas.microsoft.com/office/drawing/2014/main" id="{5D6560F0-CB88-49DF-895F-376C3E32CD13}"/>
+              </a:ext>
+            </a:extLst>
+          </p:cNvPr>
+          <p:cNvSpPr>
+            <a:spLocks noGrp="1"/>
+          </p:cNvSpPr>
+          <p:nvPr>
+            <p:ph idx="1"/>
+          </p:nvPr>
+        </p:nvSpPr>
+        <p:spPr/>
+        <p:txBody>
+          <a:bodyPr/>
+          <a:lstStyle/>
+          <a:p>
+            <a:r>
+              <a:rPr lang="en-IE" dirty="0"/>
+              <a:t>O’Reilly, </a:t>
+            </a:r>
+            <a:r>
+              <a:rPr lang="en-GB" dirty="0"/>
+              <a:t>Cloud FinOps: Collaborative, Real-Time Cloud Financial Management</a:t>
+            </a:r>
+          </a:p>
+          <a:p>
+            <a:r>
+              <a:rPr lang="en-GB" dirty="0"/>
+              <a:t>FinOps Foundation, </a:t>
+            </a:r>
+            <a:r>
+              <a:rPr lang="en-GB" dirty="0">
+                <a:hlinkClick r:id="rId3"/>
+              </a:rPr>
+              <a:t>https://www.finops.org/</a:t>
+            </a:r>
+            <a:endParaRPr lang="en-GB" dirty="0"/>
+          </a:p>
+          <a:p>
+            <a:endParaRPr lang="en-IE" dirty="0"/>
+          </a:p>
+        </p:txBody>
+      </p:sp>
+    </p:spTree>
+    <p:extLst>
+      <p:ext uri="{BB962C8B-B14F-4D97-AF65-F5344CB8AC3E}">
+        <p14:creationId xmlns:p14="http://schemas.microsoft.com/office/powerpoint/2010/main" val="4123046943"/>
+      </p:ext>
+    </p:extLst>
+  </p:cSld>
+  <p:clrMapOvr>
+    <a:masterClrMapping/>
+  </p:clrMapOvr>
+</p:sld>
+</file>
+
+<file path=ppt/slides/slide42.xml><?xml version="1.0" encoding="utf-8"?>
+<p:sld xmlns:a="http://schemas.openxmlformats.org/drawingml/2006/main" xmlns:r="http://schemas.openxmlformats.org/officeDocument/2006/relationships" xmlns:p="http://schemas.openxmlformats.org/presentationml/2006/main">
+  <p:cSld>
+    <p:spTree>
+      <p:nvGrpSpPr>
+        <p:cNvPr id="1" name=""/>
+        <p:cNvGrpSpPr/>
+        <p:nvPr/>
+      </p:nvGrpSpPr>
+      <p:grpSpPr>
+        <a:xfrm>
+          <a:off x="0" y="0"/>
+          <a:ext cx="0" cy="0"/>
+          <a:chOff x="0" y="0"/>
+          <a:chExt cx="0" cy="0"/>
+        </a:xfrm>
+      </p:grpSpPr>
+      <p:sp>
+        <p:nvSpPr>
+          <p:cNvPr id="2" name="Title 1">
+            <a:extLst>
+              <a:ext uri="{FF2B5EF4-FFF2-40B4-BE49-F238E27FC236}">
+                <a16:creationId xmlns:a16="http://schemas.microsoft.com/office/drawing/2014/main" id="{0A4AD6B7-9405-4774-9B6E-E2D8D0DD39E3}"/>
+              </a:ext>
+            </a:extLst>
+          </p:cNvPr>
+          <p:cNvSpPr>
+            <a:spLocks noGrp="1"/>
+          </p:cNvSpPr>
+          <p:nvPr>
+            <p:ph type="title"/>
+          </p:nvPr>
+        </p:nvSpPr>
+        <p:spPr/>
+        <p:txBody>
+          <a:bodyPr/>
+          <a:lstStyle/>
+          <a:p>
+            <a:pPr algn="ctr"/>
+            <a:r>
+              <a:rPr lang="en-IE" dirty="0"/>
+              <a:t>Azure Policies Examples</a:t>
+            </a:r>
+          </a:p>
+        </p:txBody>
+      </p:sp>
+      <p:sp>
+        <p:nvSpPr>
+          <p:cNvPr id="3" name="Content Placeholder 2">
+            <a:extLst>
+              <a:ext uri="{FF2B5EF4-FFF2-40B4-BE49-F238E27FC236}">
+                <a16:creationId xmlns:a16="http://schemas.microsoft.com/office/drawing/2014/main" id="{E8E92A55-54D9-46CA-BFA2-C915545785EE}"/>
+              </a:ext>
+            </a:extLst>
+          </p:cNvPr>
+          <p:cNvSpPr>
+            <a:spLocks noGrp="1"/>
+          </p:cNvSpPr>
+          <p:nvPr>
+            <p:ph idx="1"/>
+          </p:nvPr>
+        </p:nvSpPr>
+        <p:spPr/>
+        <p:txBody>
+          <a:bodyPr/>
+          <a:lstStyle/>
+          <a:p>
+            <a:r>
+              <a:rPr lang="en-IE" dirty="0"/>
+              <a:t>Limit </a:t>
+            </a:r>
+            <a:r>
+              <a:rPr lang="en-IE" dirty="0" err="1"/>
+              <a:t>vCores</a:t>
+            </a:r>
+            <a:r>
+              <a:rPr lang="en-IE" dirty="0"/>
+              <a:t> available for Developers</a:t>
+            </a:r>
+          </a:p>
+          <a:p>
+            <a:r>
+              <a:rPr lang="en-IE" dirty="0"/>
+              <a:t>Limit resources available for creation</a:t>
+            </a:r>
+          </a:p>
+          <a:p>
+            <a:r>
+              <a:rPr lang="en-IE" dirty="0"/>
+              <a:t>Enforce tag creation with an error message </a:t>
+            </a:r>
+          </a:p>
+          <a:p>
+            <a:pPr lvl="1"/>
+            <a:r>
+              <a:rPr lang="en-IE" dirty="0"/>
+              <a:t>Cost </a:t>
+            </a:r>
+            <a:r>
+              <a:rPr lang="en-IE" dirty="0" err="1"/>
+              <a:t>center</a:t>
+            </a:r>
+            <a:r>
+              <a:rPr lang="en-IE" dirty="0"/>
+              <a:t> tag</a:t>
+            </a:r>
+          </a:p>
+          <a:p>
+            <a:pPr lvl="1"/>
+            <a:r>
+              <a:rPr lang="en-IE" dirty="0"/>
+              <a:t>Shutdown: daily/weekly/never tag</a:t>
+            </a:r>
+          </a:p>
+          <a:p>
+            <a:r>
+              <a:rPr lang="en-IE" dirty="0"/>
+              <a:t>Certain tags can only be added by a trusted group</a:t>
+            </a:r>
+          </a:p>
+          <a:p>
+            <a:pPr marL="0" indent="0">
+              <a:buNone/>
+            </a:pPr>
+            <a:r>
+              <a:rPr lang="en-IE" dirty="0"/>
+              <a:t>  </a:t>
+            </a:r>
+          </a:p>
+          <a:p>
+            <a:endParaRPr lang="en-IE" dirty="0"/>
+          </a:p>
+        </p:txBody>
+      </p:sp>
+    </p:spTree>
+    <p:extLst>
+      <p:ext uri="{BB962C8B-B14F-4D97-AF65-F5344CB8AC3E}">
+        <p14:creationId xmlns:p14="http://schemas.microsoft.com/office/powerpoint/2010/main" val="2506567211"/>
+      </p:ext>
+    </p:extLst>
+  </p:cSld>
+  <p:clrMapOvr>
+    <a:masterClrMapping/>
+  </p:clrMapOvr>
+</p:sld>
+</file>
+
+<file path=ppt/slides/slide43.xml><?xml version="1.0" encoding="utf-8"?>
+<p:sld xmlns:a="http://schemas.openxmlformats.org/drawingml/2006/main" xmlns:r="http://schemas.openxmlformats.org/officeDocument/2006/relationships" xmlns:p="http://schemas.openxmlformats.org/presentationml/2006/main">
+  <p:cSld>
+    <p:spTree>
+      <p:nvGrpSpPr>
+        <p:cNvPr id="1" name=""/>
+        <p:cNvGrpSpPr/>
+        <p:nvPr/>
+      </p:nvGrpSpPr>
+      <p:grpSpPr>
+        <a:xfrm>
+          <a:off x="0" y="0"/>
+          <a:ext cx="0" cy="0"/>
+          <a:chOff x="0" y="0"/>
+          <a:chExt cx="0" cy="0"/>
+        </a:xfrm>
+      </p:grpSpPr>
+      <p:sp>
+        <p:nvSpPr>
           <p:cNvPr id="2" name="Title 1">
             <a:extLst>
               <a:ext uri="{FF2B5EF4-FFF2-40B4-BE49-F238E27FC236}">
@@ -24327,7 +24986,7 @@
 </p:sld>
 </file>
 
-<file path=ppt/slides/slide41.xml><?xml version="1.0" encoding="utf-8"?>
+<file path=ppt/slides/slide44.xml><?xml version="1.0" encoding="utf-8"?>
 <p:sld xmlns:a="http://schemas.openxmlformats.org/drawingml/2006/main" xmlns:r="http://schemas.openxmlformats.org/officeDocument/2006/relationships" xmlns:p="http://schemas.openxmlformats.org/presentationml/2006/main">
   <p:cSld>
     <p:spTree>
@@ -24420,7 +25079,7 @@
 </p:sld>
 </file>
 
-<file path=ppt/slides/slide42.xml><?xml version="1.0" encoding="utf-8"?>
+<file path=ppt/slides/slide45.xml><?xml version="1.0" encoding="utf-8"?>
 <p:sld xmlns:a="http://schemas.openxmlformats.org/drawingml/2006/main" xmlns:r="http://schemas.openxmlformats.org/officeDocument/2006/relationships" xmlns:p="http://schemas.openxmlformats.org/presentationml/2006/main">
   <p:cSld>
     <p:spTree>
@@ -24504,7 +25163,7 @@
 </p:sld>
 </file>
 
-<file path=ppt/slides/slide43.xml><?xml version="1.0" encoding="utf-8"?>
+<file path=ppt/slides/slide46.xml><?xml version="1.0" encoding="utf-8"?>
 <p:sld xmlns:a="http://schemas.openxmlformats.org/drawingml/2006/main" xmlns:r="http://schemas.openxmlformats.org/officeDocument/2006/relationships" xmlns:p="http://schemas.openxmlformats.org/presentationml/2006/main">
   <p:cSld>
     <p:spTree>

--- a/104-FinOps/Azure FinOps - Introduction.pptx
+++ b/104-FinOps/Azure FinOps - Introduction.pptx
@@ -18439,7 +18439,7 @@
           <a:p>
             <a:fld id="{6B54091E-B52F-4A6A-B6C0-5A0FB0196B3B}" type="datetimeFigureOut">
               <a:rPr lang="en-IE" smtClean="0"/>
-              <a:t>23/06/2021</a:t>
+              <a:t>24/06/2021</a:t>
             </a:fld>
             <a:endParaRPr lang="en-IE"/>
           </a:p>
@@ -20708,9 +20708,36 @@
             <a:endParaRPr lang="en-IE" dirty="0"/>
           </a:p>
           <a:p>
-            <a:pPr marL="171450" indent="-171450">
+            <a:pPr marL="0" indent="0">
               <a:buFont typeface="Arial" panose="020B0604020202020204" pitchFamily="34" charset="0"/>
-              <a:buChar char="•"/>
+              <a:buNone/>
+            </a:pPr>
+            <a:r>
+              <a:rPr lang="en-IE" dirty="0"/>
+              <a:t>Other Priorities</a:t>
+            </a:r>
+          </a:p>
+          <a:p>
+            <a:pPr marL="0" indent="0">
+              <a:buFont typeface="Arial" panose="020B0604020202020204" pitchFamily="34" charset="0"/>
+              <a:buNone/>
+            </a:pPr>
+            <a:r>
+              <a:rPr lang="en-IE" dirty="0"/>
+              <a:t>(pushback)</a:t>
+            </a:r>
+          </a:p>
+          <a:p>
+            <a:pPr marL="0" indent="0">
+              <a:buFont typeface="Arial" panose="020B0604020202020204" pitchFamily="34" charset="0"/>
+              <a:buNone/>
+            </a:pPr>
+            <a:endParaRPr lang="en-IE" dirty="0"/>
+          </a:p>
+          <a:p>
+            <a:pPr marL="0" indent="0">
+              <a:buFont typeface="Arial" panose="020B0604020202020204" pitchFamily="34" charset="0"/>
+              <a:buNone/>
             </a:pPr>
             <a:endParaRPr lang="en-IE" dirty="0"/>
           </a:p>
@@ -27865,7 +27892,7 @@
           <a:p>
             <a:fld id="{7821E7CA-480C-4350-9AB0-12AB79674909}" type="datetimeFigureOut">
               <a:rPr lang="en-IE" smtClean="0"/>
-              <a:t>23/06/2021</a:t>
+              <a:t>24/06/2021</a:t>
             </a:fld>
             <a:endParaRPr lang="en-IE"/>
           </a:p>
@@ -28065,7 +28092,7 @@
           <a:p>
             <a:fld id="{7821E7CA-480C-4350-9AB0-12AB79674909}" type="datetimeFigureOut">
               <a:rPr lang="en-IE" smtClean="0"/>
-              <a:t>23/06/2021</a:t>
+              <a:t>24/06/2021</a:t>
             </a:fld>
             <a:endParaRPr lang="en-IE"/>
           </a:p>
@@ -28341,7 +28368,7 @@
           <a:p>
             <a:fld id="{7821E7CA-480C-4350-9AB0-12AB79674909}" type="datetimeFigureOut">
               <a:rPr lang="en-IE" smtClean="0"/>
-              <a:t>23/06/2021</a:t>
+              <a:t>24/06/2021</a:t>
             </a:fld>
             <a:endParaRPr lang="en-IE"/>
           </a:p>
@@ -32112,7 +32139,7 @@
         <p:spPr>
           <a:xfrm>
             <a:off x="584200" y="1435503"/>
-            <a:ext cx="11018520" cy="2499146"/>
+            <a:ext cx="11018520" cy="3016210"/>
           </a:xfrm>
         </p:spPr>
         <p:txBody>
@@ -32121,6 +32148,13 @@
           <a:p>
             <a:r>
               <a:rPr lang="en-IE" dirty="0"/>
+              <a:t>Technical Complexity</a:t>
+            </a:r>
+            <a:endParaRPr lang="ru-RU" dirty="0"/>
+          </a:p>
+          <a:p>
+            <a:r>
+              <a:rPr lang="en-IE" dirty="0"/>
               <a:t>Micro-billing can be hard to understand</a:t>
             </a:r>
           </a:p>
@@ -32145,7 +32179,7 @@
           <a:p>
             <a:r>
               <a:rPr lang="en-IE" dirty="0"/>
-              <a:t>Other priorities (pushback)</a:t>
+              <a:t>Other priorities</a:t>
             </a:r>
           </a:p>
         </p:txBody>
@@ -32225,7 +32259,12 @@
             <p:ph idx="1"/>
           </p:nvPr>
         </p:nvSpPr>
-        <p:spPr/>
+        <p:spPr>
+          <a:xfrm>
+            <a:off x="584200" y="1435503"/>
+            <a:ext cx="11018520" cy="4050340"/>
+          </a:xfrm>
+        </p:spPr>
         <p:txBody>
           <a:bodyPr/>
           <a:lstStyle/>
@@ -32236,7 +32275,13 @@
             </a:r>
             <a:r>
               <a:rPr lang="en-IE" dirty="0"/>
-              <a:t> – managing, planning and accounting. </a:t>
+              <a:t> – framework for managing, planning and accounting. </a:t>
+            </a:r>
+          </a:p>
+          <a:p>
+            <a:r>
+              <a:rPr lang="en-IE" dirty="0"/>
+              <a:t>Combination of Processes and Technology </a:t>
             </a:r>
           </a:p>
           <a:p>
@@ -32267,12 +32312,6 @@
             <a:r>
               <a:rPr lang="en-IE" dirty="0"/>
               <a:t>Communicate/Evangelise FinOps culture</a:t>
-            </a:r>
-          </a:p>
-          <a:p>
-            <a:r>
-              <a:rPr lang="en-IE" dirty="0"/>
-              <a:t>Combination of Processes and Technology </a:t>
             </a:r>
           </a:p>
           <a:p>
@@ -32354,10 +32393,15 @@
             <p:ph idx="1"/>
           </p:nvPr>
         </p:nvSpPr>
-        <p:spPr/>
+        <p:spPr>
+          <a:xfrm>
+            <a:off x="584200" y="1435503"/>
+            <a:ext cx="11018520" cy="4965297"/>
+          </a:xfrm>
+        </p:spPr>
         <p:txBody>
           <a:bodyPr>
-            <a:normAutofit fontScale="40000" lnSpcReduction="20000"/>
+            <a:normAutofit/>
           </a:bodyPr>
           <a:lstStyle/>
           <a:p>
@@ -32687,10 +32731,15 @@
             <p:ph idx="1"/>
           </p:nvPr>
         </p:nvSpPr>
-        <p:spPr/>
+        <p:spPr>
+          <a:xfrm>
+            <a:off x="584200" y="1435503"/>
+            <a:ext cx="11018520" cy="5015060"/>
+          </a:xfrm>
+        </p:spPr>
         <p:txBody>
           <a:bodyPr>
-            <a:normAutofit fontScale="47500" lnSpcReduction="20000"/>
+            <a:normAutofit/>
           </a:bodyPr>
           <a:lstStyle/>
           <a:p>
@@ -32827,10 +32876,15 @@
             <p:ph idx="1"/>
           </p:nvPr>
         </p:nvSpPr>
-        <p:spPr/>
+        <p:spPr>
+          <a:xfrm>
+            <a:off x="584200" y="1435503"/>
+            <a:ext cx="11018520" cy="5027501"/>
+          </a:xfrm>
+        </p:spPr>
         <p:txBody>
           <a:bodyPr>
-            <a:normAutofit fontScale="47500" lnSpcReduction="20000"/>
+            <a:normAutofit/>
           </a:bodyPr>
           <a:lstStyle/>
           <a:p>
@@ -32972,7 +33026,7 @@
         </p:blipFill>
         <p:spPr>
           <a:xfrm>
-            <a:off x="751904" y="1690687"/>
+            <a:off x="795052" y="1205494"/>
             <a:ext cx="10601895" cy="4822993"/>
           </a:xfrm>
           <a:prstGeom prst="rect">
@@ -33485,10 +33539,15 @@
             <p:ph idx="1"/>
           </p:nvPr>
         </p:nvSpPr>
-        <p:spPr/>
+        <p:spPr>
+          <a:xfrm>
+            <a:off x="584200" y="1435503"/>
+            <a:ext cx="11018520" cy="4784905"/>
+          </a:xfrm>
+        </p:spPr>
         <p:txBody>
           <a:bodyPr>
-            <a:normAutofit fontScale="40000" lnSpcReduction="20000"/>
+            <a:normAutofit/>
           </a:bodyPr>
           <a:lstStyle/>
           <a:p>

--- a/104-FinOps/Azure FinOps - Introduction.pptx
+++ b/104-FinOps/Azure FinOps - Introduction.pptx
@@ -5,7 +5,7 @@
     <p:sldMasterId id="2147483660" r:id="rId1"/>
   </p:sldMasterIdLst>
   <p:notesMasterIdLst>
-    <p:notesMasterId r:id="rId52"/>
+    <p:notesMasterId r:id="rId55"/>
   </p:notesMasterIdLst>
   <p:sldIdLst>
     <p:sldId id="256" r:id="rId2"/>
@@ -17,47 +17,50 @@
     <p:sldId id="2056" r:id="rId8"/>
     <p:sldId id="259" r:id="rId9"/>
     <p:sldId id="260" r:id="rId10"/>
-    <p:sldId id="267" r:id="rId11"/>
-    <p:sldId id="261" r:id="rId12"/>
-    <p:sldId id="298" r:id="rId13"/>
-    <p:sldId id="284" r:id="rId14"/>
-    <p:sldId id="282" r:id="rId15"/>
-    <p:sldId id="263" r:id="rId16"/>
+    <p:sldId id="2058" r:id="rId11"/>
+    <p:sldId id="267" r:id="rId12"/>
+    <p:sldId id="261" r:id="rId13"/>
+    <p:sldId id="2059" r:id="rId14"/>
+    <p:sldId id="298" r:id="rId15"/>
+    <p:sldId id="284" r:id="rId16"/>
     <p:sldId id="289" r:id="rId17"/>
     <p:sldId id="303" r:id="rId18"/>
-    <p:sldId id="302" r:id="rId19"/>
-    <p:sldId id="295" r:id="rId20"/>
-    <p:sldId id="291" r:id="rId21"/>
-    <p:sldId id="292" r:id="rId22"/>
-    <p:sldId id="285" r:id="rId23"/>
-    <p:sldId id="266" r:id="rId24"/>
-    <p:sldId id="296" r:id="rId25"/>
-    <p:sldId id="297" r:id="rId26"/>
-    <p:sldId id="281" r:id="rId27"/>
-    <p:sldId id="262" r:id="rId28"/>
-    <p:sldId id="264" r:id="rId29"/>
-    <p:sldId id="271" r:id="rId30"/>
-    <p:sldId id="270" r:id="rId31"/>
-    <p:sldId id="286" r:id="rId32"/>
-    <p:sldId id="287" r:id="rId33"/>
-    <p:sldId id="301" r:id="rId34"/>
-    <p:sldId id="277" r:id="rId35"/>
-    <p:sldId id="2054" r:id="rId36"/>
-    <p:sldId id="2055" r:id="rId37"/>
-    <p:sldId id="273" r:id="rId38"/>
-    <p:sldId id="275" r:id="rId39"/>
-    <p:sldId id="274" r:id="rId40"/>
-    <p:sldId id="280" r:id="rId41"/>
-    <p:sldId id="279" r:id="rId42"/>
-    <p:sldId id="278" r:id="rId43"/>
-    <p:sldId id="288" r:id="rId44"/>
-    <p:sldId id="299" r:id="rId45"/>
-    <p:sldId id="300" r:id="rId46"/>
-    <p:sldId id="269" r:id="rId47"/>
-    <p:sldId id="293" r:id="rId48"/>
-    <p:sldId id="265" r:id="rId49"/>
-    <p:sldId id="268" r:id="rId50"/>
-    <p:sldId id="294" r:id="rId51"/>
+    <p:sldId id="295" r:id="rId19"/>
+    <p:sldId id="291" r:id="rId20"/>
+    <p:sldId id="292" r:id="rId21"/>
+    <p:sldId id="282" r:id="rId22"/>
+    <p:sldId id="263" r:id="rId23"/>
+    <p:sldId id="302" r:id="rId24"/>
+    <p:sldId id="285" r:id="rId25"/>
+    <p:sldId id="266" r:id="rId26"/>
+    <p:sldId id="262" r:id="rId27"/>
+    <p:sldId id="264" r:id="rId28"/>
+    <p:sldId id="271" r:id="rId29"/>
+    <p:sldId id="270" r:id="rId30"/>
+    <p:sldId id="286" r:id="rId31"/>
+    <p:sldId id="287" r:id="rId32"/>
+    <p:sldId id="301" r:id="rId33"/>
+    <p:sldId id="296" r:id="rId34"/>
+    <p:sldId id="297" r:id="rId35"/>
+    <p:sldId id="281" r:id="rId36"/>
+    <p:sldId id="277" r:id="rId37"/>
+    <p:sldId id="2054" r:id="rId38"/>
+    <p:sldId id="2055" r:id="rId39"/>
+    <p:sldId id="273" r:id="rId40"/>
+    <p:sldId id="275" r:id="rId41"/>
+    <p:sldId id="274" r:id="rId42"/>
+    <p:sldId id="280" r:id="rId43"/>
+    <p:sldId id="278" r:id="rId44"/>
+    <p:sldId id="2057" r:id="rId45"/>
+    <p:sldId id="279" r:id="rId46"/>
+    <p:sldId id="288" r:id="rId47"/>
+    <p:sldId id="299" r:id="rId48"/>
+    <p:sldId id="300" r:id="rId49"/>
+    <p:sldId id="269" r:id="rId50"/>
+    <p:sldId id="293" r:id="rId51"/>
+    <p:sldId id="265" r:id="rId52"/>
+    <p:sldId id="268" r:id="rId53"/>
+    <p:sldId id="294" r:id="rId54"/>
   </p:sldIdLst>
   <p:sldSz cx="12192000" cy="6858000"/>
   <p:notesSz cx="6858000" cy="9144000"/>
@@ -170,31 +173,30 @@
             <p14:sldId id="2056"/>
             <p14:sldId id="259"/>
             <p14:sldId id="260"/>
+            <p14:sldId id="2058"/>
             <p14:sldId id="267"/>
             <p14:sldId id="261"/>
+            <p14:sldId id="2059"/>
             <p14:sldId id="298"/>
           </p14:sldIdLst>
         </p14:section>
         <p14:section name="FinOps in Detail" id="{EFE47D5C-8261-4CB1-AA99-AE1ADE9EA428}">
           <p14:sldIdLst>
             <p14:sldId id="284"/>
-            <p14:sldId id="282"/>
-            <p14:sldId id="263"/>
             <p14:sldId id="289"/>
             <p14:sldId id="303"/>
-            <p14:sldId id="302"/>
             <p14:sldId id="295"/>
             <p14:sldId id="291"/>
             <p14:sldId id="292"/>
+            <p14:sldId id="282"/>
+            <p14:sldId id="263"/>
+            <p14:sldId id="302"/>
           </p14:sldIdLst>
         </p14:section>
         <p14:section name="Tech Processes" id="{62B5BE25-02B5-4483-B8B2-1A3EC7CC1B57}">
           <p14:sldIdLst>
             <p14:sldId id="285"/>
             <p14:sldId id="266"/>
-            <p14:sldId id="296"/>
-            <p14:sldId id="297"/>
-            <p14:sldId id="281"/>
             <p14:sldId id="262"/>
             <p14:sldId id="264"/>
             <p14:sldId id="271"/>
@@ -202,6 +204,13 @@
             <p14:sldId id="286"/>
             <p14:sldId id="287"/>
             <p14:sldId id="301"/>
+          </p14:sldIdLst>
+        </p14:section>
+        <p14:section name="Real Time Reporting" id="{CEFE04C6-665C-45BC-881F-D1659FE3482A}">
+          <p14:sldIdLst>
+            <p14:sldId id="296"/>
+            <p14:sldId id="297"/>
+            <p14:sldId id="281"/>
           </p14:sldIdLst>
         </p14:section>
         <p14:section name="Optimizations" id="{46A14F90-A4A6-40B0-862A-BF38595701CE}">
@@ -213,8 +222,9 @@
             <p14:sldId id="275"/>
             <p14:sldId id="274"/>
             <p14:sldId id="280"/>
+            <p14:sldId id="278"/>
+            <p14:sldId id="2057"/>
             <p14:sldId id="279"/>
-            <p14:sldId id="278"/>
             <p14:sldId id="288"/>
           </p14:sldIdLst>
         </p14:section>
@@ -3993,7 +4003,11 @@
     </dgm:pt>
     <dgm:pt modelId="{B78D2492-90B7-4F6D-BEDB-DD296C5D9349}">
       <dgm:prSet phldrT="[Text]"/>
-      <dgm:spPr/>
+      <dgm:spPr>
+        <a:solidFill>
+          <a:srgbClr val="0078D4"/>
+        </a:solidFill>
+      </dgm:spPr>
       <dgm:t>
         <a:bodyPr/>
         <a:lstStyle/>
@@ -4101,7 +4115,11 @@
     </dgm:pt>
     <dgm:pt modelId="{99C13508-6B1C-4C67-9764-48F470849F1C}">
       <dgm:prSet phldrT="[Text]"/>
-      <dgm:spPr/>
+      <dgm:spPr>
+        <a:solidFill>
+          <a:srgbClr val="0078D4"/>
+        </a:solidFill>
+      </dgm:spPr>
       <dgm:t>
         <a:bodyPr/>
         <a:lstStyle/>
@@ -7105,12 +7123,7 @@
           </a:avLst>
         </a:prstGeom>
         <a:solidFill>
-          <a:schemeClr val="accent1">
-            <a:hueOff val="0"/>
-            <a:satOff val="0"/>
-            <a:lumOff val="0"/>
-            <a:alphaOff val="0"/>
-          </a:schemeClr>
+          <a:srgbClr val="0078D4"/>
         </a:solidFill>
         <a:ln w="10795" cap="flat" cmpd="sng" algn="ctr">
           <a:solidFill>
@@ -7456,12 +7469,7 @@
           </a:avLst>
         </a:prstGeom>
         <a:solidFill>
-          <a:schemeClr val="accent1">
-            <a:hueOff val="0"/>
-            <a:satOff val="0"/>
-            <a:lumOff val="0"/>
-            <a:alphaOff val="0"/>
-          </a:schemeClr>
+          <a:srgbClr val="0078D4"/>
         </a:solidFill>
         <a:ln w="10795" cap="flat" cmpd="sng" algn="ctr">
           <a:solidFill>
@@ -18439,7 +18447,7 @@
           <a:p>
             <a:fld id="{6B54091E-B52F-4A6A-B6C0-5A0FB0196B3B}" type="datetimeFigureOut">
               <a:rPr lang="en-IE" smtClean="0"/>
-              <a:t>24/06/2021</a:t>
+              <a:t>25/06/2021</a:t>
             </a:fld>
             <a:endParaRPr lang="en-IE"/>
           </a:p>
@@ -18756,6 +18764,15 @@
               <a:t>With happy ending </a:t>
             </a:r>
           </a:p>
+          <a:p>
+            <a:endParaRPr lang="en-IE" dirty="0"/>
+          </a:p>
+          <a:p>
+            <a:r>
+              <a:rPr lang="en-IE" dirty="0"/>
+              <a:t>By about 25% </a:t>
+            </a:r>
+          </a:p>
         </p:txBody>
       </p:sp>
       <p:sp>
@@ -18838,49 +18855,26 @@
           <a:bodyPr/>
           <a:lstStyle/>
           <a:p>
-            <a:endParaRPr lang="en-IE" dirty="0"/>
-          </a:p>
-          <a:p>
-            <a:endParaRPr lang="en-IE" dirty="0"/>
-          </a:p>
-          <a:p>
-            <a:endParaRPr lang="en-IE" dirty="0"/>
-          </a:p>
-          <a:p>
-            <a:endParaRPr lang="en-IE" dirty="0"/>
-          </a:p>
-          <a:p>
+            <a:pPr marL="0" marR="0" lvl="0" indent="0" algn="l" defTabSz="914400" rtl="0" eaLnBrk="1" fontAlgn="auto" latinLnBrk="0" hangingPunct="1">
+              <a:lnSpc>
+                <a:spcPct val="100000"/>
+              </a:lnSpc>
+              <a:spcBef>
+                <a:spcPts val="0"/>
+              </a:spcBef>
+              <a:spcAft>
+                <a:spcPts val="0"/>
+              </a:spcAft>
+              <a:buClrTx/>
+              <a:buSzTx/>
+              <a:buFontTx/>
+              <a:buNone/>
+              <a:tabLst/>
+              <a:defRPr/>
+            </a:pPr>
             <a:r>
               <a:rPr lang="en-IE" dirty="0"/>
-              <a:t>DBA refused to discuss low usage DB service ($100 monthly)</a:t>
-            </a:r>
-          </a:p>
-          <a:p>
-            <a:pPr lvl="1"/>
-            <a:r>
-              <a:rPr lang="en-IE" dirty="0"/>
-              <a:t>Pick a phone and call the person</a:t>
-            </a:r>
-          </a:p>
-          <a:p>
-            <a:pPr lvl="1"/>
-            <a:r>
-              <a:rPr lang="en-IE" dirty="0"/>
-              <a:t>Understand the reasoning and service importance</a:t>
-            </a:r>
-          </a:p>
-          <a:p>
-            <a:pPr lvl="1"/>
-            <a:r>
-              <a:rPr lang="en-IE" dirty="0"/>
-              <a:t>Communicate the importance </a:t>
-            </a:r>
-          </a:p>
-          <a:p>
-            <a:pPr lvl="1"/>
-            <a:r>
-              <a:rPr lang="en-IE" dirty="0"/>
-              <a:t>Show historical usage (only 100 per month, but 2400 over last 2 years)</a:t>
+              <a:t>Part technical, part manager, part accounting</a:t>
             </a:r>
           </a:p>
           <a:p>
@@ -18905,7 +18899,7 @@
           <a:p>
             <a:fld id="{FD5B5252-8534-42B9-BEB1-6A93DAA021E2}" type="slidenum">
               <a:rPr lang="en-IE" smtClean="0"/>
-              <a:t>19</a:t>
+              <a:t>16</a:t>
             </a:fld>
             <a:endParaRPr lang="en-IE"/>
           </a:p>
@@ -18914,7 +18908,7 @@
     </p:spTree>
     <p:extLst>
       <p:ext uri="{BB962C8B-B14F-4D97-AF65-F5344CB8AC3E}">
-        <p14:creationId xmlns:p14="http://schemas.microsoft.com/office/powerpoint/2010/main" val="2159210761"/>
+        <p14:creationId xmlns:p14="http://schemas.microsoft.com/office/powerpoint/2010/main" val="507814250"/>
       </p:ext>
     </p:extLst>
   </p:cSld>
@@ -18968,26 +18962,291 @@
           <a:bodyPr/>
           <a:lstStyle/>
           <a:p>
-            <a:pPr marL="0" marR="0" lvl="0" indent="0" algn="l" defTabSz="914400" rtl="0" eaLnBrk="1" fontAlgn="auto" latinLnBrk="0" hangingPunct="1">
-              <a:lnSpc>
-                <a:spcPct val="100000"/>
-              </a:lnSpc>
-              <a:spcBef>
-                <a:spcPts val="0"/>
-              </a:spcBef>
-              <a:spcAft>
-                <a:spcPts val="0"/>
-              </a:spcAft>
-              <a:buClrTx/>
-              <a:buSzTx/>
-              <a:buFontTx/>
-              <a:buNone/>
-              <a:tabLst/>
-              <a:defRPr/>
+            <a:r>
+              <a:rPr lang="en-IE" dirty="0"/>
+              <a:t>In the organisation topology</a:t>
+            </a:r>
+          </a:p>
+          <a:p>
+            <a:endParaRPr lang="en-IE" dirty="0"/>
+          </a:p>
+          <a:p>
+            <a:r>
+              <a:rPr lang="en-IE" dirty="0"/>
+              <a:t>Somewhat centralised cost control model. </a:t>
+            </a:r>
+          </a:p>
+          <a:p>
+            <a:endParaRPr lang="en-IE" dirty="0"/>
+          </a:p>
+          <a:p>
+            <a:r>
+              <a:rPr lang="en-IE" dirty="0"/>
+              <a:t>Having observed many FinOps teams I think that the best position for FinOps is under Chief Operating Officer (COO). </a:t>
+            </a:r>
+            <a:endParaRPr lang="ru-RU" dirty="0"/>
+          </a:p>
+          <a:p>
+            <a:endParaRPr lang="ru-RU" dirty="0"/>
+          </a:p>
+          <a:p>
+            <a:endParaRPr lang="ru-RU" dirty="0"/>
+          </a:p>
+          <a:p>
+            <a:endParaRPr lang="en-GB" dirty="0"/>
+          </a:p>
+          <a:p>
+            <a:endParaRPr lang="en-GB" dirty="0"/>
+          </a:p>
+          <a:p>
+            <a:endParaRPr lang="en-GB" dirty="0"/>
+          </a:p>
+          <a:p>
+            <a:r>
+              <a:rPr lang="en-GB" b="1" dirty="0"/>
+              <a:t>Engineers</a:t>
+            </a:r>
+          </a:p>
+          <a:p>
+            <a:pPr marL="171450" indent="-171450">
+              <a:buFont typeface="Arial" panose="020B0604020202020204" pitchFamily="34" charset="0"/>
+              <a:buChar char="•"/>
             </a:pPr>
             <a:r>
-              <a:rPr lang="en-IE" b="1" dirty="0"/>
-              <a:t>Real time reporting is a powerful influence on human behaviour. </a:t>
+              <a:rPr lang="en-GB" dirty="0"/>
+              <a:t>Want to work on something meaningful and fun</a:t>
+            </a:r>
+          </a:p>
+          <a:p>
+            <a:pPr marL="171450" indent="-171450">
+              <a:buFont typeface="Arial" panose="020B0604020202020204" pitchFamily="34" charset="0"/>
+              <a:buChar char="•"/>
+            </a:pPr>
+            <a:r>
+              <a:rPr lang="en-GB" dirty="0"/>
+              <a:t>Want to deliver software fast and reliably</a:t>
+            </a:r>
+          </a:p>
+          <a:p>
+            <a:pPr marL="171450" indent="-171450">
+              <a:buFont typeface="Arial" panose="020B0604020202020204" pitchFamily="34" charset="0"/>
+              <a:buChar char="•"/>
+            </a:pPr>
+            <a:r>
+              <a:rPr lang="en-GB" dirty="0"/>
+              <a:t>Hate inefficiency and want efficient use of resources</a:t>
+            </a:r>
+          </a:p>
+          <a:p>
+            <a:pPr marL="171450" indent="-171450">
+              <a:buFont typeface="Arial" panose="020B0604020202020204" pitchFamily="34" charset="0"/>
+              <a:buChar char="•"/>
+            </a:pPr>
+            <a:r>
+              <a:rPr lang="en-GB" dirty="0"/>
+              <a:t>Stay up to speed on the latest tech</a:t>
+            </a:r>
+          </a:p>
+          <a:p>
+            <a:pPr marL="171450" indent="-171450">
+              <a:buFont typeface="Arial" panose="020B0604020202020204" pitchFamily="34" charset="0"/>
+              <a:buChar char="•"/>
+            </a:pPr>
+            <a:r>
+              <a:rPr lang="en-GB" dirty="0"/>
+              <a:t>Are measured by uptime</a:t>
+            </a:r>
+          </a:p>
+          <a:p>
+            <a:pPr marL="171450" indent="-171450">
+              <a:buFont typeface="Arial" panose="020B0604020202020204" pitchFamily="34" charset="0"/>
+              <a:buChar char="•"/>
+            </a:pPr>
+            <a:r>
+              <a:rPr lang="en-GB" dirty="0"/>
+              <a:t>Want to deliver features, fix bugs, and improve performance</a:t>
+            </a:r>
+          </a:p>
+          <a:p>
+            <a:pPr marL="171450" indent="-171450">
+              <a:buFont typeface="Arial" panose="020B0604020202020204" pitchFamily="34" charset="0"/>
+              <a:buChar char="•"/>
+            </a:pPr>
+            <a:r>
+              <a:rPr lang="en-GB" dirty="0"/>
+              <a:t>Would prefer not to worry about cost (but are responsible for incurring</a:t>
+            </a:r>
+            <a:r>
+              <a:rPr lang="ru-RU" dirty="0"/>
+              <a:t> </a:t>
+            </a:r>
+            <a:r>
+              <a:rPr lang="en-GB" dirty="0"/>
+              <a:t>it)</a:t>
+            </a:r>
+          </a:p>
+          <a:p>
+            <a:endParaRPr lang="en-GB" dirty="0"/>
+          </a:p>
+          <a:p>
+            <a:endParaRPr lang="en-GB" dirty="0"/>
+          </a:p>
+          <a:p>
+            <a:r>
+              <a:rPr lang="en-GB" b="1" dirty="0"/>
+              <a:t>Finance People</a:t>
+            </a:r>
+          </a:p>
+          <a:p>
+            <a:pPr marL="171450" indent="-171450">
+              <a:buFont typeface="Arial" panose="020B0604020202020204" pitchFamily="34" charset="0"/>
+              <a:buChar char="•"/>
+            </a:pPr>
+            <a:r>
+              <a:rPr lang="en-GB" dirty="0"/>
+              <a:t>Want to accurately forecast and predict spending</a:t>
+            </a:r>
+          </a:p>
+          <a:p>
+            <a:pPr marL="171450" indent="-171450">
+              <a:buFont typeface="Arial" panose="020B0604020202020204" pitchFamily="34" charset="0"/>
+              <a:buChar char="•"/>
+            </a:pPr>
+            <a:r>
+              <a:rPr lang="en-GB" dirty="0"/>
+              <a:t>Want to be able to charge back and/or allocate 100% of spending</a:t>
+            </a:r>
+          </a:p>
+          <a:p>
+            <a:pPr marL="171450" indent="-171450">
+              <a:buFont typeface="Arial" panose="020B0604020202020204" pitchFamily="34" charset="0"/>
+              <a:buChar char="•"/>
+            </a:pPr>
+            <a:r>
+              <a:rPr lang="en-GB" dirty="0"/>
+              <a:t>Seek to amortize costs appropriately to the teams responsible</a:t>
+            </a:r>
+          </a:p>
+          <a:p>
+            <a:pPr marL="171450" indent="-171450">
+              <a:buFont typeface="Arial" panose="020B0604020202020204" pitchFamily="34" charset="0"/>
+              <a:buChar char="•"/>
+            </a:pPr>
+            <a:r>
+              <a:rPr lang="en-GB" dirty="0"/>
+              <a:t>Want to split out shared costs, like support and shared services</a:t>
+            </a:r>
+          </a:p>
+          <a:p>
+            <a:pPr marL="171450" indent="-171450">
+              <a:buFont typeface="Arial" panose="020B0604020202020204" pitchFamily="34" charset="0"/>
+              <a:buChar char="•"/>
+            </a:pPr>
+            <a:r>
+              <a:rPr lang="en-GB" dirty="0"/>
+              <a:t>Want to control and reduce costs, but maintain quality/speed</a:t>
+            </a:r>
+          </a:p>
+          <a:p>
+            <a:pPr marL="171450" indent="-171450">
+              <a:buFont typeface="Arial" panose="020B0604020202020204" pitchFamily="34" charset="0"/>
+              <a:buChar char="•"/>
+            </a:pPr>
+            <a:r>
+              <a:rPr lang="en-GB" dirty="0"/>
+              <a:t>Want to help executives inform cloud strategy</a:t>
+            </a:r>
+          </a:p>
+          <a:p>
+            <a:pPr marL="171450" indent="-171450">
+              <a:buFont typeface="Arial" panose="020B0604020202020204" pitchFamily="34" charset="0"/>
+              <a:buChar char="•"/>
+            </a:pPr>
+            <a:r>
+              <a:rPr lang="en-GB" dirty="0"/>
+              <a:t>Want to be aware of budget risks</a:t>
+            </a:r>
+          </a:p>
+          <a:p>
+            <a:endParaRPr lang="en-GB" dirty="0"/>
+          </a:p>
+          <a:p>
+            <a:endParaRPr lang="en-GB" dirty="0"/>
+          </a:p>
+          <a:p>
+            <a:r>
+              <a:rPr lang="en-GB" b="1" dirty="0"/>
+              <a:t>Executives</a:t>
+            </a:r>
+          </a:p>
+          <a:p>
+            <a:pPr marL="171450" indent="-171450">
+              <a:buFont typeface="Arial" panose="020B0604020202020204" pitchFamily="34" charset="0"/>
+              <a:buChar char="•"/>
+            </a:pPr>
+            <a:r>
+              <a:rPr lang="en-GB" dirty="0"/>
+              <a:t>Want to drive shared accountability to teams</a:t>
+            </a:r>
+          </a:p>
+          <a:p>
+            <a:pPr marL="171450" indent="-171450">
+              <a:buFont typeface="Arial" panose="020B0604020202020204" pitchFamily="34" charset="0"/>
+              <a:buChar char="•"/>
+            </a:pPr>
+            <a:r>
+              <a:rPr lang="en-GB" dirty="0"/>
+              <a:t>Desire a digital business transformation</a:t>
+            </a:r>
+          </a:p>
+          <a:p>
+            <a:pPr marL="171450" indent="-171450">
+              <a:buFont typeface="Arial" panose="020B0604020202020204" pitchFamily="34" charset="0"/>
+              <a:buChar char="•"/>
+            </a:pPr>
+            <a:r>
+              <a:rPr lang="en-GB" dirty="0"/>
+              <a:t>Want to shorten time to market for new services</a:t>
+            </a:r>
+          </a:p>
+          <a:p>
+            <a:pPr marL="171450" indent="-171450">
+              <a:buFont typeface="Arial" panose="020B0604020202020204" pitchFamily="34" charset="0"/>
+              <a:buChar char="•"/>
+            </a:pPr>
+            <a:r>
+              <a:rPr lang="en-GB" dirty="0"/>
+              <a:t>Seek a competitive advantage</a:t>
+            </a:r>
+          </a:p>
+          <a:p>
+            <a:pPr marL="171450" indent="-171450">
+              <a:buFont typeface="Arial" panose="020B0604020202020204" pitchFamily="34" charset="0"/>
+              <a:buChar char="•"/>
+            </a:pPr>
+            <a:r>
+              <a:rPr lang="en-GB" dirty="0"/>
+              <a:t>Want to establish a successful cloud strategy</a:t>
+            </a:r>
+          </a:p>
+          <a:p>
+            <a:pPr marL="171450" indent="-171450">
+              <a:buFont typeface="Arial" panose="020B0604020202020204" pitchFamily="34" charset="0"/>
+              <a:buChar char="•"/>
+            </a:pPr>
+            <a:r>
+              <a:rPr lang="en-GB" dirty="0"/>
+              <a:t>Need to define and manage KPIs (key performance indicators)</a:t>
+            </a:r>
+          </a:p>
+          <a:p>
+            <a:pPr marL="171450" indent="-171450">
+              <a:buFont typeface="Arial" panose="020B0604020202020204" pitchFamily="34" charset="0"/>
+              <a:buChar char="•"/>
+            </a:pPr>
+            <a:r>
+              <a:rPr lang="en-GB" dirty="0"/>
+              <a:t>Must prove the value of tech investments</a:t>
             </a:r>
           </a:p>
           <a:p>
@@ -18997,20 +19256,6 @@
             <a:endParaRPr lang="en-IE" dirty="0"/>
           </a:p>
           <a:p>
-            <a:endParaRPr lang="en-IE" dirty="0"/>
-          </a:p>
-          <a:p>
-            <a:endParaRPr lang="en-IE" dirty="0"/>
-          </a:p>
-          <a:p>
-            <a:r>
-              <a:rPr lang="en-IE" dirty="0"/>
-              <a:t>Rightsizing - </a:t>
-            </a:r>
-            <a:r>
-              <a:rPr lang="en-GB" dirty="0"/>
-              <a:t>resizing cloud resources to better match workload requirements</a:t>
-            </a:r>
             <a:endParaRPr lang="en-IE" dirty="0"/>
           </a:p>
         </p:txBody>
@@ -19032,7 +19277,7 @@
           <a:p>
             <a:fld id="{FD5B5252-8534-42B9-BEB1-6A93DAA021E2}" type="slidenum">
               <a:rPr lang="en-IE" smtClean="0"/>
-              <a:t>20</a:t>
+              <a:t>17</a:t>
             </a:fld>
             <a:endParaRPr lang="en-IE"/>
           </a:p>
@@ -19041,7 +19286,7 @@
     </p:spTree>
     <p:extLst>
       <p:ext uri="{BB962C8B-B14F-4D97-AF65-F5344CB8AC3E}">
-        <p14:creationId xmlns:p14="http://schemas.microsoft.com/office/powerpoint/2010/main" val="3624171313"/>
+        <p14:creationId xmlns:p14="http://schemas.microsoft.com/office/powerpoint/2010/main" val="109897548"/>
       </p:ext>
     </p:extLst>
   </p:cSld>
@@ -19101,80 +19346,46 @@
             <a:endParaRPr lang="en-IE" dirty="0"/>
           </a:p>
           <a:p>
-            <a:r>
-              <a:rPr lang="en-IE" b="1" dirty="0"/>
-              <a:t>Report Utilization</a:t>
-            </a:r>
-          </a:p>
-          <a:p>
-            <a:pPr marL="0" indent="0">
-              <a:buFont typeface="Arial" panose="020B0604020202020204" pitchFamily="34" charset="0"/>
-              <a:buNone/>
-            </a:pPr>
             <a:endParaRPr lang="en-IE" dirty="0"/>
           </a:p>
           <a:p>
-            <a:pPr marL="0" indent="0">
-              <a:buFont typeface="Arial" panose="020B0604020202020204" pitchFamily="34" charset="0"/>
-              <a:buNone/>
-            </a:pPr>
+            <a:endParaRPr lang="en-IE" dirty="0"/>
+          </a:p>
+          <a:p>
             <a:r>
               <a:rPr lang="en-IE" dirty="0"/>
-              <a:t>Usage metrics for each resource: </a:t>
-            </a:r>
-          </a:p>
-          <a:p>
-            <a:pPr marL="171450" indent="-171450">
-              <a:buFont typeface="Arial" panose="020B0604020202020204" pitchFamily="34" charset="0"/>
-              <a:buChar char="•"/>
-            </a:pPr>
+              <a:t>DBA refused to discuss low usage DB service ($100 monthly)</a:t>
+            </a:r>
+          </a:p>
+          <a:p>
+            <a:pPr lvl="1"/>
             <a:r>
               <a:rPr lang="en-IE" dirty="0"/>
-              <a:t>Number of connections</a:t>
-            </a:r>
-          </a:p>
-          <a:p>
-            <a:pPr marL="171450" indent="-171450">
-              <a:buFont typeface="Arial" panose="020B0604020202020204" pitchFamily="34" charset="0"/>
-              <a:buChar char="•"/>
-            </a:pPr>
+              <a:t>Pick a phone and call the person</a:t>
+            </a:r>
+          </a:p>
+          <a:p>
+            <a:pPr lvl="1"/>
             <a:r>
               <a:rPr lang="en-IE" dirty="0"/>
-              <a:t>Compute utilisation (CPU, Memory)</a:t>
-            </a:r>
-          </a:p>
-          <a:p>
-            <a:pPr marL="171450" indent="-171450">
-              <a:buFont typeface="Arial" panose="020B0604020202020204" pitchFamily="34" charset="0"/>
-              <a:buChar char="•"/>
-            </a:pPr>
+              <a:t>Understand the reasoning and service importance</a:t>
+            </a:r>
+          </a:p>
+          <a:p>
+            <a:pPr lvl="1"/>
             <a:r>
               <a:rPr lang="en-IE" dirty="0"/>
-              <a:t>Storage Utilization </a:t>
-            </a:r>
-          </a:p>
-          <a:p>
-            <a:pPr marL="0" indent="0">
-              <a:buFont typeface="Arial" panose="020B0604020202020204" pitchFamily="34" charset="0"/>
-              <a:buNone/>
-            </a:pPr>
-            <a:endParaRPr lang="en-IE" dirty="0"/>
-          </a:p>
-          <a:p>
-            <a:pPr marL="0" indent="0">
-              <a:buFont typeface="Arial" panose="020B0604020202020204" pitchFamily="34" charset="0"/>
-              <a:buNone/>
-            </a:pPr>
+              <a:t>Communicate the importance </a:t>
+            </a:r>
+          </a:p>
+          <a:p>
+            <a:pPr lvl="1"/>
             <a:r>
               <a:rPr lang="en-IE" dirty="0"/>
-              <a:t>To catch cases such as 2 weeks no one connected to the database. Why? </a:t>
-            </a:r>
-          </a:p>
-          <a:p>
-            <a:pPr marL="171450" indent="-171450">
-              <a:buFont typeface="Arial" panose="020B0604020202020204" pitchFamily="34" charset="0"/>
-              <a:buChar char="•"/>
-            </a:pPr>
+              <a:t>Show historical usage (only 100 per month, but 2400 over last 2 years)</a:t>
+            </a:r>
+          </a:p>
+          <a:p>
             <a:endParaRPr lang="en-IE" dirty="0"/>
           </a:p>
         </p:txBody>
@@ -19196,7 +19407,7 @@
           <a:p>
             <a:fld id="{FD5B5252-8534-42B9-BEB1-6A93DAA021E2}" type="slidenum">
               <a:rPr lang="en-IE" smtClean="0"/>
-              <a:t>21</a:t>
+              <a:t>18</a:t>
             </a:fld>
             <a:endParaRPr lang="en-IE"/>
           </a:p>
@@ -19205,7 +19416,7 @@
     </p:spTree>
     <p:extLst>
       <p:ext uri="{BB962C8B-B14F-4D97-AF65-F5344CB8AC3E}">
-        <p14:creationId xmlns:p14="http://schemas.microsoft.com/office/powerpoint/2010/main" val="3186942907"/>
+        <p14:creationId xmlns:p14="http://schemas.microsoft.com/office/powerpoint/2010/main" val="2159210761"/>
       </p:ext>
     </p:extLst>
   </p:cSld>
@@ -19259,13 +19470,50 @@
           <a:bodyPr/>
           <a:lstStyle/>
           <a:p>
+            <a:pPr marL="0" marR="0" lvl="0" indent="0" algn="l" defTabSz="914400" rtl="0" eaLnBrk="1" fontAlgn="auto" latinLnBrk="0" hangingPunct="1">
+              <a:lnSpc>
+                <a:spcPct val="100000"/>
+              </a:lnSpc>
+              <a:spcBef>
+                <a:spcPts val="0"/>
+              </a:spcBef>
+              <a:spcAft>
+                <a:spcPts val="0"/>
+              </a:spcAft>
+              <a:buClrTx/>
+              <a:buSzTx/>
+              <a:buFontTx/>
+              <a:buNone/>
+              <a:tabLst/>
+              <a:defRPr/>
+            </a:pPr>
+            <a:r>
+              <a:rPr lang="en-IE" b="1" dirty="0"/>
+              <a:t>Real time reporting is a powerful influence on human behaviour. </a:t>
+            </a:r>
+          </a:p>
+          <a:p>
             <a:endParaRPr lang="en-IE" dirty="0"/>
           </a:p>
           <a:p>
+            <a:endParaRPr lang="en-IE" dirty="0"/>
+          </a:p>
+          <a:p>
+            <a:endParaRPr lang="en-IE" dirty="0"/>
+          </a:p>
+          <a:p>
+            <a:endParaRPr lang="en-IE" dirty="0"/>
+          </a:p>
+          <a:p>
             <a:r>
               <a:rPr lang="en-IE" dirty="0"/>
-              <a:t>The effect of communicate spending back to the engineers can be dramatic. Feedback </a:t>
-            </a:r>
+              <a:t>Rightsizing - </a:t>
+            </a:r>
+            <a:r>
+              <a:rPr lang="en-GB" dirty="0"/>
+              <a:t>resizing cloud resources to better match workload requirements</a:t>
+            </a:r>
+            <a:endParaRPr lang="en-IE" dirty="0"/>
           </a:p>
         </p:txBody>
       </p:sp>
@@ -19286,7 +19534,7 @@
           <a:p>
             <a:fld id="{FD5B5252-8534-42B9-BEB1-6A93DAA021E2}" type="slidenum">
               <a:rPr lang="en-IE" smtClean="0"/>
-              <a:t>25</a:t>
+              <a:t>19</a:t>
             </a:fld>
             <a:endParaRPr lang="en-IE"/>
           </a:p>
@@ -19295,7 +19543,7 @@
     </p:spTree>
     <p:extLst>
       <p:ext uri="{BB962C8B-B14F-4D97-AF65-F5344CB8AC3E}">
-        <p14:creationId xmlns:p14="http://schemas.microsoft.com/office/powerpoint/2010/main" val="1125342555"/>
+        <p14:creationId xmlns:p14="http://schemas.microsoft.com/office/powerpoint/2010/main" val="3624171313"/>
       </p:ext>
     </p:extLst>
   </p:cSld>
@@ -19351,6 +19599,86 @@
           <a:p>
             <a:endParaRPr lang="en-IE" dirty="0"/>
           </a:p>
+          <a:p>
+            <a:endParaRPr lang="en-IE" dirty="0"/>
+          </a:p>
+          <a:p>
+            <a:r>
+              <a:rPr lang="en-IE" b="1" dirty="0"/>
+              <a:t>Report Utilization</a:t>
+            </a:r>
+          </a:p>
+          <a:p>
+            <a:pPr marL="0" indent="0">
+              <a:buFont typeface="Arial" panose="020B0604020202020204" pitchFamily="34" charset="0"/>
+              <a:buNone/>
+            </a:pPr>
+            <a:endParaRPr lang="en-IE" dirty="0"/>
+          </a:p>
+          <a:p>
+            <a:pPr marL="0" indent="0">
+              <a:buFont typeface="Arial" panose="020B0604020202020204" pitchFamily="34" charset="0"/>
+              <a:buNone/>
+            </a:pPr>
+            <a:r>
+              <a:rPr lang="en-IE" dirty="0"/>
+              <a:t>Usage metrics for each resource: </a:t>
+            </a:r>
+          </a:p>
+          <a:p>
+            <a:pPr marL="171450" indent="-171450">
+              <a:buFont typeface="Arial" panose="020B0604020202020204" pitchFamily="34" charset="0"/>
+              <a:buChar char="•"/>
+            </a:pPr>
+            <a:r>
+              <a:rPr lang="en-IE" dirty="0"/>
+              <a:t>Number of connections</a:t>
+            </a:r>
+          </a:p>
+          <a:p>
+            <a:pPr marL="171450" indent="-171450">
+              <a:buFont typeface="Arial" panose="020B0604020202020204" pitchFamily="34" charset="0"/>
+              <a:buChar char="•"/>
+            </a:pPr>
+            <a:r>
+              <a:rPr lang="en-IE" dirty="0"/>
+              <a:t>Compute utilisation (CPU, Memory)</a:t>
+            </a:r>
+          </a:p>
+          <a:p>
+            <a:pPr marL="171450" indent="-171450">
+              <a:buFont typeface="Arial" panose="020B0604020202020204" pitchFamily="34" charset="0"/>
+              <a:buChar char="•"/>
+            </a:pPr>
+            <a:r>
+              <a:rPr lang="en-IE" dirty="0"/>
+              <a:t>Storage Utilization </a:t>
+            </a:r>
+          </a:p>
+          <a:p>
+            <a:pPr marL="0" indent="0">
+              <a:buFont typeface="Arial" panose="020B0604020202020204" pitchFamily="34" charset="0"/>
+              <a:buNone/>
+            </a:pPr>
+            <a:endParaRPr lang="en-IE" dirty="0"/>
+          </a:p>
+          <a:p>
+            <a:pPr marL="0" indent="0">
+              <a:buFont typeface="Arial" panose="020B0604020202020204" pitchFamily="34" charset="0"/>
+              <a:buNone/>
+            </a:pPr>
+            <a:r>
+              <a:rPr lang="en-IE" dirty="0"/>
+              <a:t>To catch cases such as 2 weeks no one connected to the database. Why? </a:t>
+            </a:r>
+          </a:p>
+          <a:p>
+            <a:pPr marL="171450" indent="-171450">
+              <a:buFont typeface="Arial" panose="020B0604020202020204" pitchFamily="34" charset="0"/>
+              <a:buChar char="•"/>
+            </a:pPr>
+            <a:endParaRPr lang="en-IE" dirty="0"/>
+          </a:p>
         </p:txBody>
       </p:sp>
       <p:sp>
@@ -19370,7 +19698,7 @@
           <a:p>
             <a:fld id="{FD5B5252-8534-42B9-BEB1-6A93DAA021E2}" type="slidenum">
               <a:rPr lang="en-IE" smtClean="0"/>
-              <a:t>26</a:t>
+              <a:t>20</a:t>
             </a:fld>
             <a:endParaRPr lang="en-IE"/>
           </a:p>
@@ -19379,7 +19707,7 @@
     </p:spTree>
     <p:extLst>
       <p:ext uri="{BB962C8B-B14F-4D97-AF65-F5344CB8AC3E}">
-        <p14:creationId xmlns:p14="http://schemas.microsoft.com/office/powerpoint/2010/main" val="2240577542"/>
+        <p14:creationId xmlns:p14="http://schemas.microsoft.com/office/powerpoint/2010/main" val="3186942907"/>
       </p:ext>
     </p:extLst>
   </p:cSld>
@@ -19435,6 +19763,116 @@
           <a:p>
             <a:endParaRPr lang="en-IE" dirty="0"/>
           </a:p>
+          <a:p>
+            <a:r>
+              <a:rPr lang="en-IE" dirty="0"/>
+              <a:t>We can consider FinOps as a Culture practise aimed at </a:t>
+            </a:r>
+            <a:r>
+              <a:rPr lang="en-IE" b="1" dirty="0"/>
+              <a:t>encouraging good behaviour</a:t>
+            </a:r>
+            <a:r>
+              <a:rPr lang="en-IE" dirty="0"/>
+              <a:t>. </a:t>
+            </a:r>
+          </a:p>
+          <a:p>
+            <a:endParaRPr lang="en-IE" dirty="0"/>
+          </a:p>
+          <a:p>
+            <a:r>
+              <a:rPr lang="en-IE" dirty="0"/>
+              <a:t>Some examples</a:t>
+            </a:r>
+            <a:r>
+              <a:rPr lang="ru-RU" dirty="0"/>
+              <a:t> </a:t>
+            </a:r>
+            <a:r>
+              <a:rPr lang="en-IE" dirty="0"/>
+              <a:t>of encouragement: </a:t>
+            </a:r>
+          </a:p>
+          <a:p>
+            <a:endParaRPr lang="en-IE" dirty="0"/>
+          </a:p>
+          <a:p>
+            <a:pPr marL="0" marR="0" lvl="0" indent="0" algn="l" defTabSz="914400" rtl="0" eaLnBrk="1" fontAlgn="auto" latinLnBrk="0" hangingPunct="1">
+              <a:lnSpc>
+                <a:spcPct val="100000"/>
+              </a:lnSpc>
+              <a:spcBef>
+                <a:spcPts val="0"/>
+              </a:spcBef>
+              <a:spcAft>
+                <a:spcPts val="0"/>
+              </a:spcAft>
+              <a:buClrTx/>
+              <a:buSzTx/>
+              <a:buFontTx/>
+              <a:buNone/>
+              <a:tabLst/>
+              <a:defRPr/>
+            </a:pPr>
+            <a:r>
+              <a:rPr lang="en-IE" dirty="0"/>
+              <a:t>Department that saved on the cloud may receive additional funding for contractors or other vouchers.  </a:t>
+            </a:r>
+          </a:p>
+          <a:p>
+            <a:endParaRPr lang="en-IE" dirty="0"/>
+          </a:p>
+          <a:p>
+            <a:r>
+              <a:rPr lang="en-IE" dirty="0"/>
+              <a:t>Organization can provide vouchers to the teams who optimized their spending during the period. </a:t>
+            </a:r>
+          </a:p>
+          <a:p>
+            <a:endParaRPr lang="en-IE" dirty="0"/>
+          </a:p>
+          <a:p>
+            <a:endParaRPr lang="en-IE" dirty="0"/>
+          </a:p>
+          <a:p>
+            <a:pPr marL="0" marR="0" lvl="0" indent="0" algn="l" defTabSz="914400" rtl="0" eaLnBrk="1" fontAlgn="auto" latinLnBrk="0" hangingPunct="1">
+              <a:lnSpc>
+                <a:spcPct val="100000"/>
+              </a:lnSpc>
+              <a:spcBef>
+                <a:spcPts val="0"/>
+              </a:spcBef>
+              <a:spcAft>
+                <a:spcPts val="0"/>
+              </a:spcAft>
+              <a:buClrTx/>
+              <a:buSzTx/>
+              <a:buFontTx/>
+              <a:buNone/>
+              <a:tabLst/>
+              <a:defRPr/>
+            </a:pPr>
+            <a:r>
+              <a:rPr lang="en-IE" b="1" dirty="0"/>
+              <a:t>Encourage good behaviour</a:t>
+            </a:r>
+          </a:p>
+          <a:p>
+            <a:endParaRPr lang="en-IE" dirty="0"/>
+          </a:p>
+          <a:p>
+            <a:endParaRPr lang="en-IE" dirty="0"/>
+          </a:p>
+          <a:p>
+            <a:r>
+              <a:rPr lang="en-IE" dirty="0"/>
+              <a:t>Becomes another decision making parameter: Cost + Speed + Reliability</a:t>
+            </a:r>
+          </a:p>
+          <a:p>
+            <a:endParaRPr lang="en-IE" dirty="0"/>
+          </a:p>
         </p:txBody>
       </p:sp>
       <p:sp>
@@ -19454,7 +19892,7 @@
           <a:p>
             <a:fld id="{FD5B5252-8534-42B9-BEB1-6A93DAA021E2}" type="slidenum">
               <a:rPr lang="en-IE" smtClean="0"/>
-              <a:t>28</a:t>
+              <a:t>21</a:t>
             </a:fld>
             <a:endParaRPr lang="en-IE"/>
           </a:p>
@@ -19463,7 +19901,7 @@
     </p:spTree>
     <p:extLst>
       <p:ext uri="{BB962C8B-B14F-4D97-AF65-F5344CB8AC3E}">
-        <p14:creationId xmlns:p14="http://schemas.microsoft.com/office/powerpoint/2010/main" val="2754962964"/>
+        <p14:creationId xmlns:p14="http://schemas.microsoft.com/office/powerpoint/2010/main" val="2004688485"/>
       </p:ext>
     </p:extLst>
   </p:cSld>
@@ -19517,9 +19955,21 @@
           <a:bodyPr/>
           <a:lstStyle/>
           <a:p>
+            <a:endParaRPr lang="en-IE" dirty="0"/>
+          </a:p>
+          <a:p>
+            <a:endParaRPr lang="en-IE" dirty="0"/>
+          </a:p>
+          <a:p>
             <a:r>
               <a:rPr lang="en-IE" dirty="0"/>
-              <a:t>https://docs.microsoft.com/en-us/azure/cost-management-billing/costs/cost-mgt-alerts-monitor-usage-spending</a:t>
+              <a:t>Engineer, engineering manager, departmental manager. </a:t>
+            </a:r>
+          </a:p>
+          <a:p>
+            <a:r>
+              <a:rPr lang="en-IE" dirty="0"/>
+              <a:t>FinOps regularly meets with one of the engineering managers to discuss cloud spending over the period. </a:t>
             </a:r>
           </a:p>
           <a:p>
@@ -19544,7 +19994,7 @@
           <a:p>
             <a:fld id="{FD5B5252-8534-42B9-BEB1-6A93DAA021E2}" type="slidenum">
               <a:rPr lang="en-IE" smtClean="0"/>
-              <a:t>30</a:t>
+              <a:t>22</a:t>
             </a:fld>
             <a:endParaRPr lang="en-IE"/>
           </a:p>
@@ -19553,7 +20003,7 @@
     </p:spTree>
     <p:extLst>
       <p:ext uri="{BB962C8B-B14F-4D97-AF65-F5344CB8AC3E}">
-        <p14:creationId xmlns:p14="http://schemas.microsoft.com/office/powerpoint/2010/main" val="3757541100"/>
+        <p14:creationId xmlns:p14="http://schemas.microsoft.com/office/powerpoint/2010/main" val="2794908998"/>
       </p:ext>
     </p:extLst>
   </p:cSld>
@@ -19607,57 +20057,6 @@
           <a:bodyPr/>
           <a:lstStyle/>
           <a:p>
-            <a:r>
-              <a:rPr lang="en-IE" dirty="0"/>
-              <a:t>Generally for IaaS </a:t>
-            </a:r>
-          </a:p>
-          <a:p>
-            <a:endParaRPr lang="en-IE" dirty="0"/>
-          </a:p>
-          <a:p>
-            <a:endParaRPr lang="en-IE" dirty="0"/>
-          </a:p>
-          <a:p>
-            <a:endParaRPr lang="en-IE" dirty="0"/>
-          </a:p>
-          <a:p>
-            <a:r>
-              <a:rPr lang="en-IE" dirty="0"/>
-              <a:t>Tier </a:t>
-            </a:r>
-          </a:p>
-          <a:p>
-            <a:pPr marL="171450" lvl="0" indent="-171450">
-              <a:buFont typeface="Arial" panose="020B0604020202020204" pitchFamily="34" charset="0"/>
-              <a:buChar char="•"/>
-            </a:pPr>
-            <a:r>
-              <a:rPr lang="en-IE" dirty="0"/>
-              <a:t>Hot</a:t>
-            </a:r>
-          </a:p>
-          <a:p>
-            <a:pPr marL="171450" lvl="0" indent="-171450">
-              <a:buFont typeface="Arial" panose="020B0604020202020204" pitchFamily="34" charset="0"/>
-              <a:buChar char="•"/>
-            </a:pPr>
-            <a:r>
-              <a:rPr lang="en-IE" dirty="0"/>
-              <a:t>Cold</a:t>
-            </a:r>
-          </a:p>
-          <a:p>
-            <a:pPr marL="171450" lvl="0" indent="-171450">
-              <a:buFont typeface="Arial" panose="020B0604020202020204" pitchFamily="34" charset="0"/>
-              <a:buChar char="•"/>
-            </a:pPr>
-            <a:r>
-              <a:rPr lang="en-IE" dirty="0"/>
-              <a:t>Archive</a:t>
-            </a:r>
-          </a:p>
-          <a:p>
             <a:endParaRPr lang="en-IE" dirty="0"/>
           </a:p>
         </p:txBody>
@@ -19679,7 +20078,7 @@
           <a:p>
             <a:fld id="{FD5B5252-8534-42B9-BEB1-6A93DAA021E2}" type="slidenum">
               <a:rPr lang="en-IE" smtClean="0"/>
-              <a:t>35</a:t>
+              <a:t>27</a:t>
             </a:fld>
             <a:endParaRPr lang="en-IE"/>
           </a:p>
@@ -19688,7 +20087,7 @@
     </p:spTree>
     <p:extLst>
       <p:ext uri="{BB962C8B-B14F-4D97-AF65-F5344CB8AC3E}">
-        <p14:creationId xmlns:p14="http://schemas.microsoft.com/office/powerpoint/2010/main" val="2116361529"/>
+        <p14:creationId xmlns:p14="http://schemas.microsoft.com/office/powerpoint/2010/main" val="2754962964"/>
       </p:ext>
     </p:extLst>
   </p:cSld>
@@ -19742,47 +20141,13 @@
           <a:bodyPr/>
           <a:lstStyle/>
           <a:p>
+            <a:r>
+              <a:rPr lang="en-IE" dirty="0"/>
+              <a:t>https://docs.microsoft.com/en-us/azure/cost-management-billing/costs/cost-mgt-alerts-monitor-usage-spending</a:t>
+            </a:r>
+          </a:p>
+          <a:p>
             <a:endParaRPr lang="en-IE" dirty="0"/>
-          </a:p>
-          <a:p>
-            <a:endParaRPr lang="en-IE" dirty="0"/>
-          </a:p>
-          <a:p>
-            <a:pPr marL="0" marR="0" lvl="0" indent="0" algn="l" defTabSz="914400" rtl="0" eaLnBrk="1" fontAlgn="auto" latinLnBrk="0" hangingPunct="1">
-              <a:lnSpc>
-                <a:spcPct val="100000"/>
-              </a:lnSpc>
-              <a:spcBef>
-                <a:spcPts val="0"/>
-              </a:spcBef>
-              <a:spcAft>
-                <a:spcPts val="0"/>
-              </a:spcAft>
-              <a:buClrTx/>
-              <a:buSzTx/>
-              <a:buFontTx/>
-              <a:buNone/>
-              <a:tabLst/>
-              <a:defRPr/>
-            </a:pPr>
-            <a:r>
-              <a:rPr lang="en-GB" sz="1200" b="1" i="0" kern="1200" dirty="0">
-                <a:solidFill>
-                  <a:schemeClr val="tx1"/>
-                </a:solidFill>
-                <a:effectLst/>
-                <a:latin typeface="+mn-lt"/>
-                <a:ea typeface="+mn-ea"/>
-                <a:cs typeface="+mn-cs"/>
-              </a:rPr>
-              <a:t>Why Azure Dev/Test pricing?</a:t>
-            </a:r>
-          </a:p>
-          <a:p>
-            <a:r>
-              <a:rPr lang="en-IE" dirty="0"/>
-              <a:t>https://azure.microsoft.com/en-us/pricing/dev-test/#overview</a:t>
-            </a:r>
           </a:p>
         </p:txBody>
       </p:sp>
@@ -19803,7 +20168,7 @@
           <a:p>
             <a:fld id="{FD5B5252-8534-42B9-BEB1-6A93DAA021E2}" type="slidenum">
               <a:rPr lang="en-IE" smtClean="0"/>
-              <a:t>38</a:t>
+              <a:t>29</a:t>
             </a:fld>
             <a:endParaRPr lang="en-IE"/>
           </a:p>
@@ -19812,7 +20177,7 @@
     </p:spTree>
     <p:extLst>
       <p:ext uri="{BB962C8B-B14F-4D97-AF65-F5344CB8AC3E}">
-        <p14:creationId xmlns:p14="http://schemas.microsoft.com/office/powerpoint/2010/main" val="2339023969"/>
+        <p14:creationId xmlns:p14="http://schemas.microsoft.com/office/powerpoint/2010/main" val="3757541100"/>
       </p:ext>
     </p:extLst>
   </p:cSld>
@@ -19869,90 +20234,10 @@
             <a:endParaRPr lang="en-IE" dirty="0"/>
           </a:p>
           <a:p>
-            <a:pPr marL="0" marR="0" lvl="0" indent="0" algn="l" defTabSz="914400" rtl="0" eaLnBrk="1" fontAlgn="auto" latinLnBrk="0" hangingPunct="1">
-              <a:lnSpc>
-                <a:spcPct val="100000"/>
-              </a:lnSpc>
-              <a:spcBef>
-                <a:spcPts val="0"/>
-              </a:spcBef>
-              <a:spcAft>
-                <a:spcPts val="0"/>
-              </a:spcAft>
-              <a:buClrTx/>
-              <a:buSzTx/>
-              <a:buFontTx/>
-              <a:buNone/>
-              <a:tabLst/>
-              <a:defRPr/>
-            </a:pPr>
-            <a:r>
-              <a:rPr lang="en-GB" sz="1200" b="1" i="0" kern="1200" dirty="0">
-                <a:solidFill>
-                  <a:schemeClr val="tx1"/>
-                </a:solidFill>
-                <a:effectLst/>
-                <a:latin typeface="+mn-lt"/>
-                <a:ea typeface="+mn-ea"/>
-                <a:cs typeface="+mn-cs"/>
-              </a:rPr>
-              <a:t>What are virtual machine scale sets?</a:t>
-            </a:r>
-          </a:p>
-          <a:p>
             <a:r>
               <a:rPr lang="en-IE" dirty="0"/>
-              <a:t>https://docs.microsoft.com/en-us/azure/virtual-machine-scale-sets/overview</a:t>
-            </a:r>
-          </a:p>
-          <a:p>
-            <a:endParaRPr lang="en-IE" dirty="0"/>
-          </a:p>
-          <a:p>
-            <a:endParaRPr lang="en-IE" dirty="0"/>
-          </a:p>
-          <a:p>
-            <a:endParaRPr lang="en-IE" dirty="0"/>
-          </a:p>
-          <a:p>
-            <a:pPr marL="0" marR="0" lvl="0" indent="0" algn="l" defTabSz="914400" rtl="0" eaLnBrk="1" fontAlgn="auto" latinLnBrk="0" hangingPunct="1">
-              <a:lnSpc>
-                <a:spcPct val="100000"/>
-              </a:lnSpc>
-              <a:spcBef>
-                <a:spcPts val="0"/>
-              </a:spcBef>
-              <a:spcAft>
-                <a:spcPts val="0"/>
-              </a:spcAft>
-              <a:buClrTx/>
-              <a:buSzTx/>
-              <a:buFontTx/>
-              <a:buNone/>
-              <a:tabLst/>
-              <a:defRPr/>
-            </a:pPr>
-            <a:r>
-              <a:rPr lang="en-GB" sz="1200" b="1" i="0" kern="1200" dirty="0">
-                <a:solidFill>
-                  <a:schemeClr val="tx1"/>
-                </a:solidFill>
-                <a:effectLst/>
-                <a:latin typeface="+mn-lt"/>
-                <a:ea typeface="+mn-ea"/>
-                <a:cs typeface="+mn-cs"/>
-              </a:rPr>
-              <a:t>Use Azure Spot Virtual Machines</a:t>
-            </a:r>
-          </a:p>
-          <a:p>
-            <a:r>
-              <a:rPr lang="en-IE" dirty="0"/>
-              <a:t>https://docs.microsoft.com/en-us/azure/virtual-machines/spot-vms</a:t>
-            </a:r>
-          </a:p>
-          <a:p>
-            <a:endParaRPr lang="en-IE" dirty="0"/>
+              <a:t>The effect of communicate spending back to the engineers can be dramatic. Feedback </a:t>
+            </a:r>
           </a:p>
         </p:txBody>
       </p:sp>
@@ -19973,7 +20258,7 @@
           <a:p>
             <a:fld id="{FD5B5252-8534-42B9-BEB1-6A93DAA021E2}" type="slidenum">
               <a:rPr lang="en-IE" smtClean="0"/>
-              <a:t>39</a:t>
+              <a:t>34</a:t>
             </a:fld>
             <a:endParaRPr lang="en-IE"/>
           </a:p>
@@ -19982,7 +20267,7 @@
     </p:spTree>
     <p:extLst>
       <p:ext uri="{BB962C8B-B14F-4D97-AF65-F5344CB8AC3E}">
-        <p14:creationId xmlns:p14="http://schemas.microsoft.com/office/powerpoint/2010/main" val="346489748"/>
+        <p14:creationId xmlns:p14="http://schemas.microsoft.com/office/powerpoint/2010/main" val="1125342555"/>
       </p:ext>
     </p:extLst>
   </p:cSld>
@@ -20039,54 +20324,40 @@
             <a:endParaRPr lang="en-IE" dirty="0"/>
           </a:p>
           <a:p>
+            <a:r>
+              <a:rPr lang="en-IE" dirty="0"/>
+              <a:t>I debated with my colleagues decision to fire the CTO but we couldn’t come a conclusion.</a:t>
+            </a:r>
+          </a:p>
+          <a:p>
+            <a:r>
+              <a:rPr lang="en-IE" dirty="0"/>
+              <a:t>On one hand a person who made a mistake is more experienced than the person who didn’t</a:t>
+            </a:r>
+          </a:p>
+          <a:p>
+            <a:r>
+              <a:rPr lang="en-IE" dirty="0"/>
+              <a:t>On the other hand controlling Cloud Spending is a responsibility of CTO, and he failed at that</a:t>
+            </a:r>
+          </a:p>
+          <a:p>
             <a:endParaRPr lang="en-IE" dirty="0"/>
           </a:p>
           <a:p>
+            <a:r>
+              <a:rPr lang="en-IE" dirty="0"/>
+              <a:t>I’ll leave it up to you to decide</a:t>
+            </a:r>
+          </a:p>
+          <a:p>
             <a:endParaRPr lang="en-IE" dirty="0"/>
           </a:p>
           <a:p>
-            <a:pPr marL="171450" indent="-171450">
-              <a:buFont typeface="Arial" panose="020B0604020202020204" pitchFamily="34" charset="0"/>
-              <a:buChar char="•"/>
-            </a:pPr>
             <a:r>
               <a:rPr lang="en-IE" dirty="0"/>
-              <a:t>Developer has keys to the cloud</a:t>
-            </a:r>
-          </a:p>
-          <a:p>
-            <a:pPr marL="171450" indent="-171450">
-              <a:buFont typeface="Arial" panose="020B0604020202020204" pitchFamily="34" charset="0"/>
-              <a:buChar char="•"/>
-            </a:pPr>
-            <a:r>
-              <a:rPr lang="en-IE" dirty="0"/>
-              <a:t>Developer creates cloud resource</a:t>
-            </a:r>
-          </a:p>
-          <a:p>
-            <a:pPr marL="171450" indent="-171450">
-              <a:buFont typeface="Arial" panose="020B0604020202020204" pitchFamily="34" charset="0"/>
-              <a:buChar char="•"/>
-            </a:pPr>
-            <a:r>
-              <a:rPr lang="en-IE" dirty="0"/>
-              <a:t>Resources incur charges</a:t>
-            </a:r>
-            <a:endParaRPr lang="ru-RU" dirty="0"/>
-          </a:p>
-          <a:p>
-            <a:pPr marL="171450" indent="-171450">
-              <a:buFont typeface="Arial" panose="020B0604020202020204" pitchFamily="34" charset="0"/>
-              <a:buChar char="•"/>
-            </a:pPr>
-            <a:r>
-              <a:rPr lang="en-IE" dirty="0"/>
-              <a:t>Cost gets out of control </a:t>
-            </a:r>
-          </a:p>
-          <a:p>
-            <a:endParaRPr lang="en-IE" dirty="0"/>
+              <a:t>But IMO controlling Cloud Spending is becoming CTO’s direct responsibility</a:t>
+            </a:r>
           </a:p>
         </p:txBody>
       </p:sp>
@@ -20107,7 +20378,7 @@
           <a:p>
             <a:fld id="{FD5B5252-8534-42B9-BEB1-6A93DAA021E2}" type="slidenum">
               <a:rPr lang="en-IE" smtClean="0"/>
-              <a:t>9</a:t>
+              <a:t>7</a:t>
             </a:fld>
             <a:endParaRPr lang="en-IE"/>
           </a:p>
@@ -20116,7 +20387,7 @@
     </p:spTree>
     <p:extLst>
       <p:ext uri="{BB962C8B-B14F-4D97-AF65-F5344CB8AC3E}">
-        <p14:creationId xmlns:p14="http://schemas.microsoft.com/office/powerpoint/2010/main" val="2611687366"/>
+        <p14:creationId xmlns:p14="http://schemas.microsoft.com/office/powerpoint/2010/main" val="644598736"/>
       </p:ext>
     </p:extLst>
   </p:cSld>
@@ -20172,49 +20443,6 @@
           <a:p>
             <a:endParaRPr lang="en-IE" dirty="0"/>
           </a:p>
-          <a:p>
-            <a:endParaRPr lang="en-IE" dirty="0"/>
-          </a:p>
-          <a:p>
-            <a:pPr marL="0" marR="0" lvl="0" indent="0" algn="l" defTabSz="914400" rtl="0" eaLnBrk="1" fontAlgn="auto" latinLnBrk="0" hangingPunct="1">
-              <a:lnSpc>
-                <a:spcPct val="100000"/>
-              </a:lnSpc>
-              <a:spcBef>
-                <a:spcPts val="0"/>
-              </a:spcBef>
-              <a:spcAft>
-                <a:spcPts val="0"/>
-              </a:spcAft>
-              <a:buClrTx/>
-              <a:buSzTx/>
-              <a:buFontTx/>
-              <a:buNone/>
-              <a:tabLst/>
-              <a:defRPr/>
-            </a:pPr>
-            <a:r>
-              <a:rPr lang="en-IE" sz="1200" b="1" i="0" kern="1200" dirty="0">
-                <a:solidFill>
-                  <a:schemeClr val="tx1"/>
-                </a:solidFill>
-                <a:effectLst/>
-                <a:latin typeface="+mn-lt"/>
-                <a:ea typeface="+mn-ea"/>
-                <a:cs typeface="+mn-cs"/>
-              </a:rPr>
-              <a:t>Azure Functions hosting options</a:t>
-            </a:r>
-          </a:p>
-          <a:p>
-            <a:r>
-              <a:rPr lang="en-IE" dirty="0"/>
-              <a:t>https://docs.microsoft.com/en-us/azure/azure-functions/functions-scale#scale</a:t>
-            </a:r>
-          </a:p>
-          <a:p>
-            <a:endParaRPr lang="en-IE" dirty="0"/>
-          </a:p>
         </p:txBody>
       </p:sp>
       <p:sp>
@@ -20234,7 +20462,7 @@
           <a:p>
             <a:fld id="{FD5B5252-8534-42B9-BEB1-6A93DAA021E2}" type="slidenum">
               <a:rPr lang="en-IE" smtClean="0"/>
-              <a:t>42</a:t>
+              <a:t>35</a:t>
             </a:fld>
             <a:endParaRPr lang="en-IE"/>
           </a:p>
@@ -20243,7 +20471,7 @@
     </p:spTree>
     <p:extLst>
       <p:ext uri="{BB962C8B-B14F-4D97-AF65-F5344CB8AC3E}">
-        <p14:creationId xmlns:p14="http://schemas.microsoft.com/office/powerpoint/2010/main" val="350881975"/>
+        <p14:creationId xmlns:p14="http://schemas.microsoft.com/office/powerpoint/2010/main" val="2240577542"/>
       </p:ext>
     </p:extLst>
   </p:cSld>
@@ -20297,47 +20525,134 @@
           <a:bodyPr/>
           <a:lstStyle/>
           <a:p>
+            <a:r>
+              <a:rPr lang="en-IE" dirty="0"/>
+              <a:t>Generally for IaaS </a:t>
+            </a:r>
+          </a:p>
+          <a:p>
             <a:endParaRPr lang="en-IE" dirty="0"/>
           </a:p>
           <a:p>
             <a:endParaRPr lang="en-IE" dirty="0"/>
           </a:p>
           <a:p>
-            <a:pPr marL="0" marR="0" lvl="0" indent="0" algn="l" defTabSz="914400" rtl="0" eaLnBrk="1" fontAlgn="auto" latinLnBrk="0" hangingPunct="1">
-              <a:lnSpc>
-                <a:spcPct val="100000"/>
-              </a:lnSpc>
-              <a:spcBef>
-                <a:spcPts val="0"/>
-              </a:spcBef>
-              <a:spcAft>
-                <a:spcPts val="0"/>
-              </a:spcAft>
-              <a:buClrTx/>
-              <a:buSzTx/>
-              <a:buFontTx/>
+            <a:endParaRPr lang="en-IE" dirty="0"/>
+          </a:p>
+          <a:p>
+            <a:r>
+              <a:rPr lang="en-IE" dirty="0"/>
+              <a:t>Storage Tiers </a:t>
+            </a:r>
+          </a:p>
+          <a:p>
+            <a:pPr marL="171450" lvl="0" indent="-171450">
+              <a:buFont typeface="Arial" panose="020B0604020202020204" pitchFamily="34" charset="0"/>
+              <a:buChar char="•"/>
+            </a:pPr>
+            <a:r>
+              <a:rPr lang="en-IE" dirty="0"/>
+              <a:t>Hot</a:t>
+            </a:r>
+          </a:p>
+          <a:p>
+            <a:pPr marL="171450" lvl="0" indent="-171450">
+              <a:buFont typeface="Arial" panose="020B0604020202020204" pitchFamily="34" charset="0"/>
+              <a:buChar char="•"/>
+            </a:pPr>
+            <a:r>
+              <a:rPr lang="en-IE" dirty="0"/>
+              <a:t>Cold</a:t>
+            </a:r>
+          </a:p>
+          <a:p>
+            <a:pPr marL="171450" lvl="0" indent="-171450">
+              <a:buFont typeface="Arial" panose="020B0604020202020204" pitchFamily="34" charset="0"/>
+              <a:buChar char="•"/>
+            </a:pPr>
+            <a:r>
+              <a:rPr lang="en-IE" dirty="0"/>
+              <a:t>Archive</a:t>
+            </a:r>
+          </a:p>
+          <a:p>
+            <a:endParaRPr lang="en-IE" dirty="0"/>
+          </a:p>
+          <a:p>
+            <a:endParaRPr lang="en-IE" dirty="0"/>
+          </a:p>
+          <a:p>
+            <a:r>
+              <a:rPr lang="en-IE" dirty="0"/>
+              <a:t>Azure SQL Managed Instance service tiers</a:t>
+            </a:r>
+          </a:p>
+          <a:p>
+            <a:pPr marL="171450" indent="-171450">
+              <a:buFont typeface="Arial" panose="020B0604020202020204" pitchFamily="34" charset="0"/>
+              <a:buChar char="•"/>
+            </a:pPr>
+            <a:r>
+              <a:rPr lang="en-IE" dirty="0"/>
+              <a:t>General Purpose </a:t>
+            </a:r>
+          </a:p>
+          <a:p>
+            <a:pPr marL="171450" indent="-171450">
+              <a:buFont typeface="Arial" panose="020B0604020202020204" pitchFamily="34" charset="0"/>
+              <a:buChar char="•"/>
+            </a:pPr>
+            <a:r>
+              <a:rPr lang="en-IE" dirty="0"/>
+              <a:t>Business Critical</a:t>
+            </a:r>
+          </a:p>
+          <a:p>
+            <a:pPr marL="0" indent="0">
+              <a:buFont typeface="Arial" panose="020B0604020202020204" pitchFamily="34" charset="0"/>
               <a:buNone/>
-              <a:tabLst/>
-              <a:defRPr/>
             </a:pPr>
-            <a:r>
-              <a:rPr lang="en-IE" b="1" dirty="0"/>
-              <a:t>O’Reilly, </a:t>
-            </a:r>
-            <a:r>
-              <a:rPr lang="en-GB" b="1" dirty="0"/>
-              <a:t>Cloud FinOps: Collaborative, Real-Time Cloud Financial Management</a:t>
-            </a:r>
-            <a:endParaRPr lang="en-IE" b="1" dirty="0"/>
-          </a:p>
-          <a:p>
+            <a:endParaRPr lang="en-IE" dirty="0"/>
+          </a:p>
+          <a:p>
+            <a:pPr marL="0" indent="0">
+              <a:buFont typeface="Arial" panose="020B0604020202020204" pitchFamily="34" charset="0"/>
+              <a:buNone/>
+            </a:pPr>
             <a:r>
               <a:rPr lang="en-IE" dirty="0"/>
-              <a:t>https://www.amazon.com/Cloud-FinOps-Collaborative-real-time-management/dp/1492054623</a:t>
-            </a:r>
-          </a:p>
-          <a:p>
-            <a:endParaRPr lang="en-IE" dirty="0"/>
+              <a:t>Azure SQL Database service tiers</a:t>
+            </a:r>
+          </a:p>
+          <a:p>
+            <a:pPr marL="171450" indent="-171450">
+              <a:buFont typeface="Arial" panose="020B0604020202020204" pitchFamily="34" charset="0"/>
+              <a:buChar char="•"/>
+            </a:pPr>
+            <a:r>
+              <a:rPr lang="en-IE" dirty="0"/>
+              <a:t>General Purpose</a:t>
+            </a:r>
+          </a:p>
+          <a:p>
+            <a:pPr marL="171450" indent="-171450">
+              <a:buFont typeface="Arial" panose="020B0604020202020204" pitchFamily="34" charset="0"/>
+              <a:buChar char="•"/>
+            </a:pPr>
+            <a:r>
+              <a:rPr lang="en-IE" dirty="0"/>
+              <a:t>Hyperscale </a:t>
+            </a:r>
+          </a:p>
+          <a:p>
+            <a:pPr marL="171450" indent="-171450">
+              <a:buFont typeface="Arial" panose="020B0604020202020204" pitchFamily="34" charset="0"/>
+              <a:buChar char="•"/>
+            </a:pPr>
+            <a:r>
+              <a:rPr lang="en-IE" dirty="0"/>
+              <a:t>Business Critical</a:t>
+            </a:r>
           </a:p>
         </p:txBody>
       </p:sp>
@@ -20358,7 +20673,7 @@
           <a:p>
             <a:fld id="{FD5B5252-8534-42B9-BEB1-6A93DAA021E2}" type="slidenum">
               <a:rPr lang="en-IE" smtClean="0"/>
-              <a:t>45</a:t>
+              <a:t>37</a:t>
             </a:fld>
             <a:endParaRPr lang="en-IE"/>
           </a:p>
@@ -20367,7 +20682,7 @@
     </p:spTree>
     <p:extLst>
       <p:ext uri="{BB962C8B-B14F-4D97-AF65-F5344CB8AC3E}">
-        <p14:creationId xmlns:p14="http://schemas.microsoft.com/office/powerpoint/2010/main" val="3103950151"/>
+        <p14:creationId xmlns:p14="http://schemas.microsoft.com/office/powerpoint/2010/main" val="2116361529"/>
       </p:ext>
     </p:extLst>
   </p:cSld>
@@ -20424,9 +20739,43 @@
             <a:endParaRPr lang="en-IE" dirty="0"/>
           </a:p>
           <a:p>
+            <a:endParaRPr lang="en-IE" dirty="0"/>
+          </a:p>
+          <a:p>
+            <a:pPr marL="0" marR="0" lvl="0" indent="0" algn="l" defTabSz="914400" rtl="0" eaLnBrk="1" fontAlgn="auto" latinLnBrk="0" hangingPunct="1">
+              <a:lnSpc>
+                <a:spcPct val="100000"/>
+              </a:lnSpc>
+              <a:spcBef>
+                <a:spcPts val="0"/>
+              </a:spcBef>
+              <a:spcAft>
+                <a:spcPts val="0"/>
+              </a:spcAft>
+              <a:buClrTx/>
+              <a:buSzTx/>
+              <a:buFontTx/>
+              <a:buNone/>
+              <a:tabLst/>
+              <a:defRPr/>
+            </a:pPr>
+            <a:r>
+              <a:rPr lang="en-GB" sz="1200" b="1" i="0" kern="1200" dirty="0">
+                <a:solidFill>
+                  <a:schemeClr val="tx1"/>
+                </a:solidFill>
+                <a:effectLst/>
+                <a:latin typeface="+mn-lt"/>
+                <a:ea typeface="+mn-ea"/>
+                <a:cs typeface="+mn-cs"/>
+              </a:rPr>
+              <a:t>Why Azure Dev/Test pricing?</a:t>
+            </a:r>
+          </a:p>
+          <a:p>
             <a:r>
               <a:rPr lang="en-IE" dirty="0"/>
-              <a:t>There are 500+ Azure Services available for creation, it’s easier to disable everything and only allow necessary resources. </a:t>
+              <a:t>https://azure.microsoft.com/en-us/pricing/dev-test/#overview</a:t>
             </a:r>
           </a:p>
         </p:txBody>
@@ -20448,7 +20797,7 @@
           <a:p>
             <a:fld id="{FD5B5252-8534-42B9-BEB1-6A93DAA021E2}" type="slidenum">
               <a:rPr lang="en-IE" smtClean="0"/>
-              <a:t>46</a:t>
+              <a:t>40</a:t>
             </a:fld>
             <a:endParaRPr lang="en-IE"/>
           </a:p>
@@ -20457,7 +20806,7 @@
     </p:spTree>
     <p:extLst>
       <p:ext uri="{BB962C8B-B14F-4D97-AF65-F5344CB8AC3E}">
-        <p14:creationId xmlns:p14="http://schemas.microsoft.com/office/powerpoint/2010/main" val="1245362987"/>
+        <p14:creationId xmlns:p14="http://schemas.microsoft.com/office/powerpoint/2010/main" val="2339023969"/>
       </p:ext>
     </p:extLst>
   </p:cSld>
@@ -20514,12 +20863,6 @@
             <a:endParaRPr lang="en-IE" dirty="0"/>
           </a:p>
           <a:p>
-            <a:endParaRPr lang="en-IE" dirty="0"/>
-          </a:p>
-          <a:p>
-            <a:endParaRPr lang="en-IE" dirty="0"/>
-          </a:p>
-          <a:p>
             <a:pPr marL="0" marR="0" lvl="0" indent="0" algn="l" defTabSz="914400" rtl="0" eaLnBrk="1" fontAlgn="auto" latinLnBrk="0" hangingPunct="1">
               <a:lnSpc>
                 <a:spcPct val="100000"/>
@@ -20547,13 +20890,59 @@
                 <a:ea typeface="+mn-ea"/>
                 <a:cs typeface="+mn-cs"/>
               </a:rPr>
-              <a:t>Use cost alerts to monitor usage and spending</a:t>
+              <a:t>What are virtual machine scale sets?</a:t>
             </a:r>
           </a:p>
           <a:p>
             <a:r>
               <a:rPr lang="en-IE" dirty="0"/>
-              <a:t>https://docs.microsoft.com/en-us/azure/cost-management-billing/costs/cost-mgt-alerts-monitor-usage-spending</a:t>
+              <a:t>https://docs.microsoft.com/en-us/azure/virtual-machine-scale-sets/overview</a:t>
+            </a:r>
+          </a:p>
+          <a:p>
+            <a:endParaRPr lang="en-IE" dirty="0"/>
+          </a:p>
+          <a:p>
+            <a:endParaRPr lang="en-IE" dirty="0"/>
+          </a:p>
+          <a:p>
+            <a:endParaRPr lang="en-IE" dirty="0"/>
+          </a:p>
+          <a:p>
+            <a:pPr marL="0" marR="0" lvl="0" indent="0" algn="l" defTabSz="914400" rtl="0" eaLnBrk="1" fontAlgn="auto" latinLnBrk="0" hangingPunct="1">
+              <a:lnSpc>
+                <a:spcPct val="100000"/>
+              </a:lnSpc>
+              <a:spcBef>
+                <a:spcPts val="0"/>
+              </a:spcBef>
+              <a:spcAft>
+                <a:spcPts val="0"/>
+              </a:spcAft>
+              <a:buClrTx/>
+              <a:buSzTx/>
+              <a:buFontTx/>
+              <a:buNone/>
+              <a:tabLst/>
+              <a:defRPr/>
+            </a:pPr>
+            <a:r>
+              <a:rPr lang="en-GB" sz="1200" b="1" i="0" kern="1200" dirty="0">
+                <a:solidFill>
+                  <a:schemeClr val="tx1"/>
+                </a:solidFill>
+                <a:effectLst/>
+                <a:latin typeface="+mn-lt"/>
+                <a:ea typeface="+mn-ea"/>
+                <a:cs typeface="+mn-cs"/>
+              </a:rPr>
+              <a:t>Use Azure Spot Virtual Machines</a:t>
+            </a:r>
+          </a:p>
+          <a:p>
+            <a:r>
+              <a:rPr lang="en-IE" dirty="0"/>
+              <a:t>https://docs.microsoft.com/en-us/azure/virtual-machines/spot-vms</a:t>
             </a:r>
           </a:p>
           <a:p>
@@ -20578,7 +20967,478 @@
           <a:p>
             <a:fld id="{FD5B5252-8534-42B9-BEB1-6A93DAA021E2}" type="slidenum">
               <a:rPr lang="en-IE" smtClean="0"/>
-              <a:t>50</a:t>
+              <a:t>41</a:t>
+            </a:fld>
+            <a:endParaRPr lang="en-IE"/>
+          </a:p>
+        </p:txBody>
+      </p:sp>
+    </p:spTree>
+    <p:extLst>
+      <p:ext uri="{BB962C8B-B14F-4D97-AF65-F5344CB8AC3E}">
+        <p14:creationId xmlns:p14="http://schemas.microsoft.com/office/powerpoint/2010/main" val="346489748"/>
+      </p:ext>
+    </p:extLst>
+  </p:cSld>
+  <p:clrMapOvr>
+    <a:masterClrMapping/>
+  </p:clrMapOvr>
+</p:notes>
+</file>
+
+<file path=ppt/notesSlides/notesSlide24.xml><?xml version="1.0" encoding="utf-8"?>
+<p:notes xmlns:a="http://schemas.openxmlformats.org/drawingml/2006/main" xmlns:r="http://schemas.openxmlformats.org/officeDocument/2006/relationships" xmlns:p="http://schemas.openxmlformats.org/presentationml/2006/main">
+  <p:cSld>
+    <p:spTree>
+      <p:nvGrpSpPr>
+        <p:cNvPr id="1" name=""/>
+        <p:cNvGrpSpPr/>
+        <p:nvPr/>
+      </p:nvGrpSpPr>
+      <p:grpSpPr>
+        <a:xfrm>
+          <a:off x="0" y="0"/>
+          <a:ext cx="0" cy="0"/>
+          <a:chOff x="0" y="0"/>
+          <a:chExt cx="0" cy="0"/>
+        </a:xfrm>
+      </p:grpSpPr>
+      <p:sp>
+        <p:nvSpPr>
+          <p:cNvPr id="2" name="Slide Image Placeholder 1"/>
+          <p:cNvSpPr>
+            <a:spLocks noGrp="1" noRot="1" noChangeAspect="1"/>
+          </p:cNvSpPr>
+          <p:nvPr>
+            <p:ph type="sldImg"/>
+          </p:nvPr>
+        </p:nvSpPr>
+        <p:spPr/>
+      </p:sp>
+      <p:sp>
+        <p:nvSpPr>
+          <p:cNvPr id="3" name="Notes Placeholder 2"/>
+          <p:cNvSpPr>
+            <a:spLocks noGrp="1"/>
+          </p:cNvSpPr>
+          <p:nvPr>
+            <p:ph type="body" idx="1"/>
+          </p:nvPr>
+        </p:nvSpPr>
+        <p:spPr/>
+        <p:txBody>
+          <a:bodyPr/>
+          <a:lstStyle/>
+          <a:p>
+            <a:endParaRPr lang="en-IE" dirty="0"/>
+          </a:p>
+          <a:p>
+            <a:endParaRPr lang="en-IE" dirty="0"/>
+          </a:p>
+          <a:p>
+            <a:pPr marL="0" marR="0" lvl="0" indent="0" algn="l" defTabSz="914400" rtl="0" eaLnBrk="1" fontAlgn="auto" latinLnBrk="0" hangingPunct="1">
+              <a:lnSpc>
+                <a:spcPct val="100000"/>
+              </a:lnSpc>
+              <a:spcBef>
+                <a:spcPts val="0"/>
+              </a:spcBef>
+              <a:spcAft>
+                <a:spcPts val="0"/>
+              </a:spcAft>
+              <a:buClrTx/>
+              <a:buSzTx/>
+              <a:buFontTx/>
+              <a:buNone/>
+              <a:tabLst/>
+              <a:defRPr/>
+            </a:pPr>
+            <a:r>
+              <a:rPr lang="en-IE" sz="1200" b="1" i="0" kern="1200" dirty="0">
+                <a:solidFill>
+                  <a:schemeClr val="tx1"/>
+                </a:solidFill>
+                <a:effectLst/>
+                <a:latin typeface="+mn-lt"/>
+                <a:ea typeface="+mn-ea"/>
+                <a:cs typeface="+mn-cs"/>
+              </a:rPr>
+              <a:t>Azure Functions hosting options</a:t>
+            </a:r>
+          </a:p>
+          <a:p>
+            <a:r>
+              <a:rPr lang="en-IE" dirty="0"/>
+              <a:t>https://docs.microsoft.com/en-us/azure/azure-functions/functions-scale#scale</a:t>
+            </a:r>
+          </a:p>
+          <a:p>
+            <a:endParaRPr lang="en-IE" dirty="0"/>
+          </a:p>
+        </p:txBody>
+      </p:sp>
+      <p:sp>
+        <p:nvSpPr>
+          <p:cNvPr id="4" name="Slide Number Placeholder 3"/>
+          <p:cNvSpPr>
+            <a:spLocks noGrp="1"/>
+          </p:cNvSpPr>
+          <p:nvPr>
+            <p:ph type="sldNum" sz="quarter" idx="5"/>
+          </p:nvPr>
+        </p:nvSpPr>
+        <p:spPr/>
+        <p:txBody>
+          <a:bodyPr/>
+          <a:lstStyle/>
+          <a:p>
+            <a:fld id="{FD5B5252-8534-42B9-BEB1-6A93DAA021E2}" type="slidenum">
+              <a:rPr lang="en-IE" smtClean="0"/>
+              <a:t>43</a:t>
+            </a:fld>
+            <a:endParaRPr lang="en-IE"/>
+          </a:p>
+        </p:txBody>
+      </p:sp>
+    </p:spTree>
+    <p:extLst>
+      <p:ext uri="{BB962C8B-B14F-4D97-AF65-F5344CB8AC3E}">
+        <p14:creationId xmlns:p14="http://schemas.microsoft.com/office/powerpoint/2010/main" val="350881975"/>
+      </p:ext>
+    </p:extLst>
+  </p:cSld>
+  <p:clrMapOvr>
+    <a:masterClrMapping/>
+  </p:clrMapOvr>
+</p:notes>
+</file>
+
+<file path=ppt/notesSlides/notesSlide25.xml><?xml version="1.0" encoding="utf-8"?>
+<p:notes xmlns:a="http://schemas.openxmlformats.org/drawingml/2006/main" xmlns:r="http://schemas.openxmlformats.org/officeDocument/2006/relationships" xmlns:p="http://schemas.openxmlformats.org/presentationml/2006/main">
+  <p:cSld>
+    <p:spTree>
+      <p:nvGrpSpPr>
+        <p:cNvPr id="1" name=""/>
+        <p:cNvGrpSpPr/>
+        <p:nvPr/>
+      </p:nvGrpSpPr>
+      <p:grpSpPr>
+        <a:xfrm>
+          <a:off x="0" y="0"/>
+          <a:ext cx="0" cy="0"/>
+          <a:chOff x="0" y="0"/>
+          <a:chExt cx="0" cy="0"/>
+        </a:xfrm>
+      </p:grpSpPr>
+      <p:sp>
+        <p:nvSpPr>
+          <p:cNvPr id="2" name="Slide Image Placeholder 1"/>
+          <p:cNvSpPr>
+            <a:spLocks noGrp="1" noRot="1" noChangeAspect="1"/>
+          </p:cNvSpPr>
+          <p:nvPr>
+            <p:ph type="sldImg"/>
+          </p:nvPr>
+        </p:nvSpPr>
+        <p:spPr/>
+      </p:sp>
+      <p:sp>
+        <p:nvSpPr>
+          <p:cNvPr id="3" name="Notes Placeholder 2"/>
+          <p:cNvSpPr>
+            <a:spLocks noGrp="1"/>
+          </p:cNvSpPr>
+          <p:nvPr>
+            <p:ph type="body" idx="1"/>
+          </p:nvPr>
+        </p:nvSpPr>
+        <p:spPr/>
+        <p:txBody>
+          <a:bodyPr/>
+          <a:lstStyle/>
+          <a:p>
+            <a:endParaRPr lang="en-IE" dirty="0"/>
+          </a:p>
+          <a:p>
+            <a:endParaRPr lang="en-IE" dirty="0"/>
+          </a:p>
+          <a:p>
+            <a:pPr marL="0" marR="0" lvl="0" indent="0" algn="l" defTabSz="914400" rtl="0" eaLnBrk="1" fontAlgn="auto" latinLnBrk="0" hangingPunct="1">
+              <a:lnSpc>
+                <a:spcPct val="100000"/>
+              </a:lnSpc>
+              <a:spcBef>
+                <a:spcPts val="0"/>
+              </a:spcBef>
+              <a:spcAft>
+                <a:spcPts val="0"/>
+              </a:spcAft>
+              <a:buClrTx/>
+              <a:buSzTx/>
+              <a:buFontTx/>
+              <a:buNone/>
+              <a:tabLst/>
+              <a:defRPr/>
+            </a:pPr>
+            <a:r>
+              <a:rPr lang="en-IE" b="1" dirty="0"/>
+              <a:t>O’Reilly, </a:t>
+            </a:r>
+            <a:r>
+              <a:rPr lang="en-GB" b="1" dirty="0"/>
+              <a:t>Cloud FinOps: Collaborative, Real-Time Cloud Financial Management</a:t>
+            </a:r>
+            <a:endParaRPr lang="en-IE" b="1" dirty="0"/>
+          </a:p>
+          <a:p>
+            <a:r>
+              <a:rPr lang="en-IE" dirty="0"/>
+              <a:t>https://www.amazon.com/Cloud-FinOps-Collaborative-real-time-management/dp/1492054623</a:t>
+            </a:r>
+          </a:p>
+          <a:p>
+            <a:endParaRPr lang="en-IE" dirty="0"/>
+          </a:p>
+        </p:txBody>
+      </p:sp>
+      <p:sp>
+        <p:nvSpPr>
+          <p:cNvPr id="4" name="Slide Number Placeholder 3"/>
+          <p:cNvSpPr>
+            <a:spLocks noGrp="1"/>
+          </p:cNvSpPr>
+          <p:nvPr>
+            <p:ph type="sldNum" sz="quarter" idx="5"/>
+          </p:nvPr>
+        </p:nvSpPr>
+        <p:spPr/>
+        <p:txBody>
+          <a:bodyPr/>
+          <a:lstStyle/>
+          <a:p>
+            <a:fld id="{FD5B5252-8534-42B9-BEB1-6A93DAA021E2}" type="slidenum">
+              <a:rPr lang="en-IE" smtClean="0"/>
+              <a:t>48</a:t>
+            </a:fld>
+            <a:endParaRPr lang="en-IE"/>
+          </a:p>
+        </p:txBody>
+      </p:sp>
+    </p:spTree>
+    <p:extLst>
+      <p:ext uri="{BB962C8B-B14F-4D97-AF65-F5344CB8AC3E}">
+        <p14:creationId xmlns:p14="http://schemas.microsoft.com/office/powerpoint/2010/main" val="3103950151"/>
+      </p:ext>
+    </p:extLst>
+  </p:cSld>
+  <p:clrMapOvr>
+    <a:masterClrMapping/>
+  </p:clrMapOvr>
+</p:notes>
+</file>
+
+<file path=ppt/notesSlides/notesSlide26.xml><?xml version="1.0" encoding="utf-8"?>
+<p:notes xmlns:a="http://schemas.openxmlformats.org/drawingml/2006/main" xmlns:r="http://schemas.openxmlformats.org/officeDocument/2006/relationships" xmlns:p="http://schemas.openxmlformats.org/presentationml/2006/main">
+  <p:cSld>
+    <p:spTree>
+      <p:nvGrpSpPr>
+        <p:cNvPr id="1" name=""/>
+        <p:cNvGrpSpPr/>
+        <p:nvPr/>
+      </p:nvGrpSpPr>
+      <p:grpSpPr>
+        <a:xfrm>
+          <a:off x="0" y="0"/>
+          <a:ext cx="0" cy="0"/>
+          <a:chOff x="0" y="0"/>
+          <a:chExt cx="0" cy="0"/>
+        </a:xfrm>
+      </p:grpSpPr>
+      <p:sp>
+        <p:nvSpPr>
+          <p:cNvPr id="2" name="Slide Image Placeholder 1"/>
+          <p:cNvSpPr>
+            <a:spLocks noGrp="1" noRot="1" noChangeAspect="1"/>
+          </p:cNvSpPr>
+          <p:nvPr>
+            <p:ph type="sldImg"/>
+          </p:nvPr>
+        </p:nvSpPr>
+        <p:spPr/>
+      </p:sp>
+      <p:sp>
+        <p:nvSpPr>
+          <p:cNvPr id="3" name="Notes Placeholder 2"/>
+          <p:cNvSpPr>
+            <a:spLocks noGrp="1"/>
+          </p:cNvSpPr>
+          <p:nvPr>
+            <p:ph type="body" idx="1"/>
+          </p:nvPr>
+        </p:nvSpPr>
+        <p:spPr/>
+        <p:txBody>
+          <a:bodyPr/>
+          <a:lstStyle/>
+          <a:p>
+            <a:endParaRPr lang="en-IE" dirty="0"/>
+          </a:p>
+          <a:p>
+            <a:r>
+              <a:rPr lang="en-IE" dirty="0"/>
+              <a:t>There are 500+ Azure Services available for creation, it’s easier to disable everything and only allow necessary resources. </a:t>
+            </a:r>
+          </a:p>
+        </p:txBody>
+      </p:sp>
+      <p:sp>
+        <p:nvSpPr>
+          <p:cNvPr id="4" name="Slide Number Placeholder 3"/>
+          <p:cNvSpPr>
+            <a:spLocks noGrp="1"/>
+          </p:cNvSpPr>
+          <p:nvPr>
+            <p:ph type="sldNum" sz="quarter" idx="5"/>
+          </p:nvPr>
+        </p:nvSpPr>
+        <p:spPr/>
+        <p:txBody>
+          <a:bodyPr/>
+          <a:lstStyle/>
+          <a:p>
+            <a:fld id="{FD5B5252-8534-42B9-BEB1-6A93DAA021E2}" type="slidenum">
+              <a:rPr lang="en-IE" smtClean="0"/>
+              <a:t>49</a:t>
+            </a:fld>
+            <a:endParaRPr lang="en-IE"/>
+          </a:p>
+        </p:txBody>
+      </p:sp>
+    </p:spTree>
+    <p:extLst>
+      <p:ext uri="{BB962C8B-B14F-4D97-AF65-F5344CB8AC3E}">
+        <p14:creationId xmlns:p14="http://schemas.microsoft.com/office/powerpoint/2010/main" val="1245362987"/>
+      </p:ext>
+    </p:extLst>
+  </p:cSld>
+  <p:clrMapOvr>
+    <a:masterClrMapping/>
+  </p:clrMapOvr>
+</p:notes>
+</file>
+
+<file path=ppt/notesSlides/notesSlide27.xml><?xml version="1.0" encoding="utf-8"?>
+<p:notes xmlns:a="http://schemas.openxmlformats.org/drawingml/2006/main" xmlns:r="http://schemas.openxmlformats.org/officeDocument/2006/relationships" xmlns:p="http://schemas.openxmlformats.org/presentationml/2006/main">
+  <p:cSld>
+    <p:spTree>
+      <p:nvGrpSpPr>
+        <p:cNvPr id="1" name=""/>
+        <p:cNvGrpSpPr/>
+        <p:nvPr/>
+      </p:nvGrpSpPr>
+      <p:grpSpPr>
+        <a:xfrm>
+          <a:off x="0" y="0"/>
+          <a:ext cx="0" cy="0"/>
+          <a:chOff x="0" y="0"/>
+          <a:chExt cx="0" cy="0"/>
+        </a:xfrm>
+      </p:grpSpPr>
+      <p:sp>
+        <p:nvSpPr>
+          <p:cNvPr id="2" name="Slide Image Placeholder 1"/>
+          <p:cNvSpPr>
+            <a:spLocks noGrp="1" noRot="1" noChangeAspect="1"/>
+          </p:cNvSpPr>
+          <p:nvPr>
+            <p:ph type="sldImg"/>
+          </p:nvPr>
+        </p:nvSpPr>
+        <p:spPr/>
+      </p:sp>
+      <p:sp>
+        <p:nvSpPr>
+          <p:cNvPr id="3" name="Notes Placeholder 2"/>
+          <p:cNvSpPr>
+            <a:spLocks noGrp="1"/>
+          </p:cNvSpPr>
+          <p:nvPr>
+            <p:ph type="body" idx="1"/>
+          </p:nvPr>
+        </p:nvSpPr>
+        <p:spPr/>
+        <p:txBody>
+          <a:bodyPr/>
+          <a:lstStyle/>
+          <a:p>
+            <a:endParaRPr lang="en-IE" dirty="0"/>
+          </a:p>
+          <a:p>
+            <a:endParaRPr lang="en-IE" dirty="0"/>
+          </a:p>
+          <a:p>
+            <a:endParaRPr lang="en-IE" dirty="0"/>
+          </a:p>
+          <a:p>
+            <a:pPr marL="0" marR="0" lvl="0" indent="0" algn="l" defTabSz="914400" rtl="0" eaLnBrk="1" fontAlgn="auto" latinLnBrk="0" hangingPunct="1">
+              <a:lnSpc>
+                <a:spcPct val="100000"/>
+              </a:lnSpc>
+              <a:spcBef>
+                <a:spcPts val="0"/>
+              </a:spcBef>
+              <a:spcAft>
+                <a:spcPts val="0"/>
+              </a:spcAft>
+              <a:buClrTx/>
+              <a:buSzTx/>
+              <a:buFontTx/>
+              <a:buNone/>
+              <a:tabLst/>
+              <a:defRPr/>
+            </a:pPr>
+            <a:r>
+              <a:rPr lang="en-GB" sz="1200" b="1" i="0" kern="1200" dirty="0">
+                <a:solidFill>
+                  <a:schemeClr val="tx1"/>
+                </a:solidFill>
+                <a:effectLst/>
+                <a:latin typeface="+mn-lt"/>
+                <a:ea typeface="+mn-ea"/>
+                <a:cs typeface="+mn-cs"/>
+              </a:rPr>
+              <a:t>Use cost alerts to monitor usage and spending</a:t>
+            </a:r>
+          </a:p>
+          <a:p>
+            <a:r>
+              <a:rPr lang="en-IE" dirty="0"/>
+              <a:t>https://docs.microsoft.com/en-us/azure/cost-management-billing/costs/cost-mgt-alerts-monitor-usage-spending</a:t>
+            </a:r>
+          </a:p>
+          <a:p>
+            <a:endParaRPr lang="en-IE" dirty="0"/>
+          </a:p>
+        </p:txBody>
+      </p:sp>
+      <p:sp>
+        <p:nvSpPr>
+          <p:cNvPr id="4" name="Slide Number Placeholder 3"/>
+          <p:cNvSpPr>
+            <a:spLocks noGrp="1"/>
+          </p:cNvSpPr>
+          <p:nvPr>
+            <p:ph type="sldNum" sz="quarter" idx="5"/>
+          </p:nvPr>
+        </p:nvSpPr>
+        <p:spPr/>
+        <p:txBody>
+          <a:bodyPr/>
+          <a:lstStyle/>
+          <a:p>
+            <a:fld id="{FD5B5252-8534-42B9-BEB1-6A93DAA021E2}" type="slidenum">
+              <a:rPr lang="en-IE" smtClean="0"/>
+              <a:t>53</a:t>
             </a:fld>
             <a:endParaRPr lang="en-IE"/>
           </a:p>
@@ -20641,31 +21501,34 @@
           <a:bodyPr/>
           <a:lstStyle/>
           <a:p>
+            <a:r>
+              <a:rPr lang="en-IE" dirty="0"/>
+              <a:t>Public cloud is great!</a:t>
+            </a:r>
+          </a:p>
+          <a:p>
             <a:endParaRPr lang="en-IE" dirty="0"/>
           </a:p>
           <a:p>
+            <a:r>
+              <a:rPr lang="en-IE" dirty="0"/>
+              <a:t>And a measurable per second spending report. </a:t>
+            </a:r>
+          </a:p>
+          <a:p>
             <a:endParaRPr lang="en-IE" dirty="0"/>
           </a:p>
           <a:p>
+            <a:endParaRPr lang="en-IE" dirty="0"/>
+          </a:p>
+          <a:p>
             <a:r>
               <a:rPr lang="en-IE" dirty="0"/>
-              <a:t>Micro billing can be a burden. </a:t>
+              <a:t>So the purchasing process on the cloud</a:t>
             </a:r>
           </a:p>
           <a:p>
             <a:endParaRPr lang="en-IE" dirty="0"/>
-          </a:p>
-          <a:p>
-            <a:endParaRPr lang="en-IE" dirty="0"/>
-          </a:p>
-          <a:p>
-            <a:endParaRPr lang="en-IE" dirty="0"/>
-          </a:p>
-          <a:p>
-            <a:r>
-              <a:rPr lang="en-IE" dirty="0"/>
-              <a:t>Human factor: </a:t>
-            </a:r>
           </a:p>
           <a:p>
             <a:pPr marL="171450" indent="-171450">
@@ -20674,30 +21537,7 @@
             </a:pPr>
             <a:r>
               <a:rPr lang="en-IE" dirty="0"/>
-              <a:t>Overprovisioning </a:t>
-            </a:r>
-          </a:p>
-          <a:p>
-            <a:pPr marL="171450" marR="0" lvl="0" indent="-171450" algn="l" defTabSz="914400" rtl="0" eaLnBrk="1" fontAlgn="auto" latinLnBrk="0" hangingPunct="1">
-              <a:lnSpc>
-                <a:spcPct val="100000"/>
-              </a:lnSpc>
-              <a:spcBef>
-                <a:spcPts val="0"/>
-              </a:spcBef>
-              <a:spcAft>
-                <a:spcPts val="0"/>
-              </a:spcAft>
-              <a:buClrTx/>
-              <a:buSzTx/>
-              <a:buFont typeface="Arial" panose="020B0604020202020204" pitchFamily="34" charset="0"/>
-              <a:buChar char="•"/>
-              <a:tabLst/>
-              <a:defRPr/>
-            </a:pPr>
-            <a:r>
-              <a:rPr lang="en-IE" dirty="0"/>
-              <a:t>Wrong Licensing (Developer/Standard/Enterprise)</a:t>
+              <a:t>Developer has keys to the cloud</a:t>
             </a:r>
           </a:p>
           <a:p>
@@ -20705,50 +21545,9 @@
               <a:buFont typeface="Arial" panose="020B0604020202020204" pitchFamily="34" charset="0"/>
               <a:buChar char="•"/>
             </a:pPr>
-            <a:endParaRPr lang="en-IE" dirty="0"/>
-          </a:p>
-          <a:p>
-            <a:pPr marL="0" indent="0">
-              <a:buFont typeface="Arial" panose="020B0604020202020204" pitchFamily="34" charset="0"/>
-              <a:buNone/>
-            </a:pPr>
             <a:r>
               <a:rPr lang="en-IE" dirty="0"/>
-              <a:t>Other Priorities</a:t>
-            </a:r>
-          </a:p>
-          <a:p>
-            <a:pPr marL="0" indent="0">
-              <a:buFont typeface="Arial" panose="020B0604020202020204" pitchFamily="34" charset="0"/>
-              <a:buNone/>
-            </a:pPr>
-            <a:r>
-              <a:rPr lang="en-IE" dirty="0"/>
-              <a:t>(pushback)</a:t>
-            </a:r>
-          </a:p>
-          <a:p>
-            <a:pPr marL="0" indent="0">
-              <a:buFont typeface="Arial" panose="020B0604020202020204" pitchFamily="34" charset="0"/>
-              <a:buNone/>
-            </a:pPr>
-            <a:endParaRPr lang="en-IE" dirty="0"/>
-          </a:p>
-          <a:p>
-            <a:pPr marL="0" indent="0">
-              <a:buFont typeface="Arial" panose="020B0604020202020204" pitchFamily="34" charset="0"/>
-              <a:buNone/>
-            </a:pPr>
-            <a:endParaRPr lang="en-IE" dirty="0"/>
-          </a:p>
-          <a:p>
-            <a:pPr marL="0" indent="0">
-              <a:buFont typeface="Arial" panose="020B0604020202020204" pitchFamily="34" charset="0"/>
-              <a:buNone/>
-            </a:pPr>
-            <a:r>
-              <a:rPr lang="en-IE" dirty="0"/>
-              <a:t>Bad Actors</a:t>
+              <a:t>Developer creates cloud resource</a:t>
             </a:r>
           </a:p>
           <a:p>
@@ -20758,14 +21557,21 @@
             </a:pPr>
             <a:r>
               <a:rPr lang="en-IE" dirty="0"/>
-              <a:t>Crypto mining </a:t>
-            </a:r>
+              <a:t>Resources incur charges</a:t>
+            </a:r>
+            <a:endParaRPr lang="ru-RU" dirty="0"/>
           </a:p>
           <a:p>
             <a:pPr marL="171450" indent="-171450">
               <a:buFont typeface="Arial" panose="020B0604020202020204" pitchFamily="34" charset="0"/>
               <a:buChar char="•"/>
             </a:pPr>
+            <a:r>
+              <a:rPr lang="en-IE" dirty="0"/>
+              <a:t>Cost gets out of control </a:t>
+            </a:r>
+          </a:p>
+          <a:p>
             <a:endParaRPr lang="en-IE" dirty="0"/>
           </a:p>
         </p:txBody>
@@ -20787,7 +21593,7 @@
           <a:p>
             <a:fld id="{FD5B5252-8534-42B9-BEB1-6A93DAA021E2}" type="slidenum">
               <a:rPr lang="en-IE" smtClean="0"/>
-              <a:t>10</a:t>
+              <a:t>9</a:t>
             </a:fld>
             <a:endParaRPr lang="en-IE"/>
           </a:p>
@@ -20796,7 +21602,7 @@
     </p:spTree>
     <p:extLst>
       <p:ext uri="{BB962C8B-B14F-4D97-AF65-F5344CB8AC3E}">
-        <p14:creationId xmlns:p14="http://schemas.microsoft.com/office/powerpoint/2010/main" val="3268682106"/>
+        <p14:creationId xmlns:p14="http://schemas.microsoft.com/office/powerpoint/2010/main" val="2611687366"/>
       </p:ext>
     </p:extLst>
   </p:cSld>
@@ -20852,19 +21658,7 @@
           <a:p>
             <a:r>
               <a:rPr lang="en-IE" dirty="0"/>
-              <a:t>It is necessary for an organisation to allocate, explain and control cloud spending. </a:t>
-            </a:r>
-          </a:p>
-          <a:p>
-            <a:endParaRPr lang="en-IE" dirty="0"/>
-          </a:p>
-          <a:p>
-            <a:endParaRPr lang="en-IE" dirty="0"/>
-          </a:p>
-          <a:p>
-            <a:r>
-              <a:rPr lang="en-IE" dirty="0"/>
-              <a:t>FinOps term evolution: </a:t>
+              <a:t>So the</a:t>
             </a:r>
           </a:p>
           <a:p>
@@ -20874,7 +21668,7 @@
             </a:pPr>
             <a:r>
               <a:rPr lang="en-IE" dirty="0"/>
-              <a:t>Cloud cost management</a:t>
+              <a:t>Developer has keys to the cloud</a:t>
             </a:r>
           </a:p>
           <a:p>
@@ -20884,7 +21678,7 @@
             </a:pPr>
             <a:r>
               <a:rPr lang="en-IE" dirty="0"/>
-              <a:t>Cloud cost optimization </a:t>
+              <a:t>Developer creates cloud resource</a:t>
             </a:r>
           </a:p>
           <a:p>
@@ -20894,35 +21688,21 @@
             </a:pPr>
             <a:r>
               <a:rPr lang="en-IE" dirty="0"/>
-              <a:t>Cloud financial management</a:t>
-            </a:r>
-          </a:p>
-          <a:p>
-            <a:pPr marL="0" indent="0">
+              <a:t>Resources incur charges</a:t>
+            </a:r>
+            <a:endParaRPr lang="ru-RU" dirty="0"/>
+          </a:p>
+          <a:p>
+            <a:pPr marL="171450" indent="-171450">
               <a:buFont typeface="Arial" panose="020B0604020202020204" pitchFamily="34" charset="0"/>
-              <a:buNone/>
+              <a:buChar char="•"/>
             </a:pPr>
-            <a:endParaRPr lang="en-IE" dirty="0"/>
-          </a:p>
-          <a:p>
-            <a:pPr marL="0" indent="0">
-              <a:buFont typeface="Arial" panose="020B0604020202020204" pitchFamily="34" charset="0"/>
-              <a:buNone/>
-            </a:pPr>
-            <a:endParaRPr lang="en-IE" dirty="0"/>
-          </a:p>
-          <a:p>
-            <a:pPr marL="0" indent="0">
-              <a:buFont typeface="Arial" panose="020B0604020202020204" pitchFamily="34" charset="0"/>
-              <a:buNone/>
-            </a:pPr>
-            <a:endParaRPr lang="en-IE" dirty="0"/>
-          </a:p>
-          <a:p>
-            <a:pPr marL="0" indent="0">
-              <a:buFont typeface="Arial" panose="020B0604020202020204" pitchFamily="34" charset="0"/>
-              <a:buNone/>
-            </a:pPr>
+            <a:r>
+              <a:rPr lang="en-IE" dirty="0"/>
+              <a:t>Cost gets out of control </a:t>
+            </a:r>
+          </a:p>
+          <a:p>
             <a:endParaRPr lang="en-IE" dirty="0"/>
           </a:p>
         </p:txBody>
@@ -20944,7 +21724,7 @@
           <a:p>
             <a:fld id="{FD5B5252-8534-42B9-BEB1-6A93DAA021E2}" type="slidenum">
               <a:rPr lang="en-IE" smtClean="0"/>
-              <a:t>11</a:t>
+              <a:t>10</a:t>
             </a:fld>
             <a:endParaRPr lang="en-IE"/>
           </a:p>
@@ -20953,7 +21733,7 @@
     </p:spTree>
     <p:extLst>
       <p:ext uri="{BB962C8B-B14F-4D97-AF65-F5344CB8AC3E}">
-        <p14:creationId xmlns:p14="http://schemas.microsoft.com/office/powerpoint/2010/main" val="1613024647"/>
+        <p14:creationId xmlns:p14="http://schemas.microsoft.com/office/powerpoint/2010/main" val="2833848621"/>
       </p:ext>
     </p:extLst>
   </p:cSld>
@@ -21007,7 +21787,150 @@
           <a:bodyPr/>
           <a:lstStyle/>
           <a:p>
-            <a:endParaRPr lang="en-IE"/>
+            <a:endParaRPr lang="en-IE" dirty="0"/>
+          </a:p>
+          <a:p>
+            <a:r>
+              <a:rPr lang="en-IE" dirty="0"/>
+              <a:t>I can see the following risks in this scenario</a:t>
+            </a:r>
+          </a:p>
+          <a:p>
+            <a:endParaRPr lang="en-IE" dirty="0"/>
+          </a:p>
+          <a:p>
+            <a:r>
+              <a:rPr lang="en-IE" dirty="0"/>
+              <a:t>Technical complexity – Azure itself has 500+ services all with at least 3 tiers of pricing</a:t>
+            </a:r>
+          </a:p>
+          <a:p>
+            <a:endParaRPr lang="en-IE" dirty="0"/>
+          </a:p>
+          <a:p>
+            <a:endParaRPr lang="en-IE" dirty="0"/>
+          </a:p>
+          <a:p>
+            <a:r>
+              <a:rPr lang="en-IE" dirty="0"/>
+              <a:t>Micro billing can be a burden. </a:t>
+            </a:r>
+          </a:p>
+          <a:p>
+            <a:endParaRPr lang="en-IE" dirty="0"/>
+          </a:p>
+          <a:p>
+            <a:endParaRPr lang="en-IE" dirty="0"/>
+          </a:p>
+          <a:p>
+            <a:endParaRPr lang="en-IE" dirty="0"/>
+          </a:p>
+          <a:p>
+            <a:r>
+              <a:rPr lang="en-IE" dirty="0"/>
+              <a:t>Human factor: </a:t>
+            </a:r>
+          </a:p>
+          <a:p>
+            <a:pPr marL="171450" indent="-171450">
+              <a:buFont typeface="Arial" panose="020B0604020202020204" pitchFamily="34" charset="0"/>
+              <a:buChar char="•"/>
+            </a:pPr>
+            <a:r>
+              <a:rPr lang="en-IE" dirty="0"/>
+              <a:t>Overprovisioning </a:t>
+            </a:r>
+          </a:p>
+          <a:p>
+            <a:pPr marL="171450" marR="0" lvl="0" indent="-171450" algn="l" defTabSz="914400" rtl="0" eaLnBrk="1" fontAlgn="auto" latinLnBrk="0" hangingPunct="1">
+              <a:lnSpc>
+                <a:spcPct val="100000"/>
+              </a:lnSpc>
+              <a:spcBef>
+                <a:spcPts val="0"/>
+              </a:spcBef>
+              <a:spcAft>
+                <a:spcPts val="0"/>
+              </a:spcAft>
+              <a:buClrTx/>
+              <a:buSzTx/>
+              <a:buFont typeface="Arial" panose="020B0604020202020204" pitchFamily="34" charset="0"/>
+              <a:buChar char="•"/>
+              <a:tabLst/>
+              <a:defRPr/>
+            </a:pPr>
+            <a:r>
+              <a:rPr lang="en-IE" dirty="0"/>
+              <a:t>Wrong Licensing (Developer/Standard/Enterprise)</a:t>
+            </a:r>
+          </a:p>
+          <a:p>
+            <a:pPr marL="171450" indent="-171450">
+              <a:buFont typeface="Arial" panose="020B0604020202020204" pitchFamily="34" charset="0"/>
+              <a:buChar char="•"/>
+            </a:pPr>
+            <a:endParaRPr lang="en-IE" dirty="0"/>
+          </a:p>
+          <a:p>
+            <a:pPr marL="0" indent="0">
+              <a:buFont typeface="Arial" panose="020B0604020202020204" pitchFamily="34" charset="0"/>
+              <a:buNone/>
+            </a:pPr>
+            <a:r>
+              <a:rPr lang="en-IE" dirty="0"/>
+              <a:t>Other Priorities</a:t>
+            </a:r>
+          </a:p>
+          <a:p>
+            <a:pPr marL="0" indent="0">
+              <a:buFont typeface="Arial" panose="020B0604020202020204" pitchFamily="34" charset="0"/>
+              <a:buNone/>
+            </a:pPr>
+            <a:r>
+              <a:rPr lang="en-IE" dirty="0"/>
+              <a:t>(pushback)</a:t>
+            </a:r>
+          </a:p>
+          <a:p>
+            <a:pPr marL="0" indent="0">
+              <a:buFont typeface="Arial" panose="020B0604020202020204" pitchFamily="34" charset="0"/>
+              <a:buNone/>
+            </a:pPr>
+            <a:endParaRPr lang="en-IE" dirty="0"/>
+          </a:p>
+          <a:p>
+            <a:pPr marL="0" indent="0">
+              <a:buFont typeface="Arial" panose="020B0604020202020204" pitchFamily="34" charset="0"/>
+              <a:buNone/>
+            </a:pPr>
+            <a:endParaRPr lang="en-IE" dirty="0"/>
+          </a:p>
+          <a:p>
+            <a:pPr marL="0" indent="0">
+              <a:buFont typeface="Arial" panose="020B0604020202020204" pitchFamily="34" charset="0"/>
+              <a:buNone/>
+            </a:pPr>
+            <a:r>
+              <a:rPr lang="en-IE" dirty="0"/>
+              <a:t>Bad Actors</a:t>
+            </a:r>
+          </a:p>
+          <a:p>
+            <a:pPr marL="171450" indent="-171450">
+              <a:buFont typeface="Arial" panose="020B0604020202020204" pitchFamily="34" charset="0"/>
+              <a:buChar char="•"/>
+            </a:pPr>
+            <a:r>
+              <a:rPr lang="en-IE" dirty="0"/>
+              <a:t>Crypto mining </a:t>
+            </a:r>
+          </a:p>
+          <a:p>
+            <a:pPr marL="171450" indent="-171450">
+              <a:buFont typeface="Arial" panose="020B0604020202020204" pitchFamily="34" charset="0"/>
+              <a:buChar char="•"/>
+            </a:pPr>
+            <a:endParaRPr lang="en-IE" dirty="0"/>
           </a:p>
         </p:txBody>
       </p:sp>
@@ -21028,7 +21951,7 @@
           <a:p>
             <a:fld id="{FD5B5252-8534-42B9-BEB1-6A93DAA021E2}" type="slidenum">
               <a:rPr lang="en-IE" smtClean="0"/>
-              <a:t>12</a:t>
+              <a:t>11</a:t>
             </a:fld>
             <a:endParaRPr lang="en-IE"/>
           </a:p>
@@ -21037,7 +21960,7 @@
     </p:spTree>
     <p:extLst>
       <p:ext uri="{BB962C8B-B14F-4D97-AF65-F5344CB8AC3E}">
-        <p14:creationId xmlns:p14="http://schemas.microsoft.com/office/powerpoint/2010/main" val="3923442544"/>
+        <p14:creationId xmlns:p14="http://schemas.microsoft.com/office/powerpoint/2010/main" val="3268682106"/>
       </p:ext>
     </p:extLst>
   </p:cSld>
@@ -21091,56 +22014,79 @@
           <a:bodyPr/>
           <a:lstStyle/>
           <a:p>
+            <a:r>
+              <a:rPr lang="en-IE" dirty="0"/>
+              <a:t>It is necessary for an organisation to allocate, explain and control cloud spending. </a:t>
+            </a:r>
+          </a:p>
+          <a:p>
             <a:endParaRPr lang="en-IE" dirty="0"/>
           </a:p>
           <a:p>
             <a:endParaRPr lang="en-IE" dirty="0"/>
           </a:p>
           <a:p>
-            <a:pPr marL="0" marR="0" lvl="0" indent="0" algn="l" defTabSz="914400" rtl="0" eaLnBrk="1" fontAlgn="auto" latinLnBrk="0" hangingPunct="1">
-              <a:lnSpc>
-                <a:spcPct val="100000"/>
-              </a:lnSpc>
-              <a:spcBef>
-                <a:spcPts val="0"/>
-              </a:spcBef>
-              <a:spcAft>
-                <a:spcPts val="0"/>
-              </a:spcAft>
-              <a:buClrTx/>
-              <a:buSzTx/>
-              <a:buFontTx/>
+            <a:r>
+              <a:rPr lang="en-IE" dirty="0"/>
+              <a:t>FinOps terminology evolved over time: </a:t>
+            </a:r>
+          </a:p>
+          <a:p>
+            <a:pPr marL="171450" indent="-171450">
+              <a:buFont typeface="Arial" panose="020B0604020202020204" pitchFamily="34" charset="0"/>
+              <a:buChar char="•"/>
+            </a:pPr>
+            <a:r>
+              <a:rPr lang="en-IE" dirty="0"/>
+              <a:t>Cloud cost management</a:t>
+            </a:r>
+          </a:p>
+          <a:p>
+            <a:pPr marL="171450" indent="-171450">
+              <a:buFont typeface="Arial" panose="020B0604020202020204" pitchFamily="34" charset="0"/>
+              <a:buChar char="•"/>
+            </a:pPr>
+            <a:r>
+              <a:rPr lang="en-IE" dirty="0"/>
+              <a:t>Cloud cost optimization </a:t>
+            </a:r>
+          </a:p>
+          <a:p>
+            <a:pPr marL="171450" indent="-171450">
+              <a:buFont typeface="Arial" panose="020B0604020202020204" pitchFamily="34" charset="0"/>
+              <a:buChar char="•"/>
+            </a:pPr>
+            <a:r>
+              <a:rPr lang="en-IE" dirty="0"/>
+              <a:t>Cloud financial management</a:t>
+            </a:r>
+          </a:p>
+          <a:p>
+            <a:pPr marL="0" indent="0">
+              <a:buFont typeface="Arial" panose="020B0604020202020204" pitchFamily="34" charset="0"/>
               <a:buNone/>
-              <a:tabLst/>
-              <a:defRPr/>
             </a:pPr>
-            <a:r>
-              <a:rPr lang="en-IE" b="1" dirty="0"/>
-              <a:t>Encourage good behaviour</a:t>
-            </a:r>
-          </a:p>
-          <a:p>
             <a:endParaRPr lang="en-IE" dirty="0"/>
           </a:p>
           <a:p>
-            <a:r>
-              <a:rPr lang="en-IE" dirty="0"/>
-              <a:t>Department that saved on the cloud may receive additional funding for contractors or other vouchers.  </a:t>
-            </a:r>
-          </a:p>
-          <a:p>
+            <a:pPr marL="0" indent="0">
+              <a:buFont typeface="Arial" panose="020B0604020202020204" pitchFamily="34" charset="0"/>
+              <a:buNone/>
+            </a:pPr>
             <a:endParaRPr lang="en-IE" dirty="0"/>
           </a:p>
           <a:p>
+            <a:pPr marL="0" indent="0">
+              <a:buFont typeface="Arial" panose="020B0604020202020204" pitchFamily="34" charset="0"/>
+              <a:buNone/>
+            </a:pPr>
             <a:endParaRPr lang="en-IE" dirty="0"/>
           </a:p>
           <a:p>
-            <a:r>
-              <a:rPr lang="en-IE" dirty="0"/>
-              <a:t>Becomes another decision making parameter: Cost + Speed + Reliability</a:t>
-            </a:r>
-          </a:p>
-          <a:p>
+            <a:pPr marL="0" indent="0">
+              <a:buFont typeface="Arial" panose="020B0604020202020204" pitchFamily="34" charset="0"/>
+              <a:buNone/>
+            </a:pPr>
             <a:endParaRPr lang="en-IE" dirty="0"/>
           </a:p>
         </p:txBody>
@@ -21162,7 +22108,7 @@
           <a:p>
             <a:fld id="{FD5B5252-8534-42B9-BEB1-6A93DAA021E2}" type="slidenum">
               <a:rPr lang="en-IE" smtClean="0"/>
-              <a:t>14</a:t>
+              <a:t>12</a:t>
             </a:fld>
             <a:endParaRPr lang="en-IE"/>
           </a:p>
@@ -21171,7 +22117,7 @@
     </p:spTree>
     <p:extLst>
       <p:ext uri="{BB962C8B-B14F-4D97-AF65-F5344CB8AC3E}">
-        <p14:creationId xmlns:p14="http://schemas.microsoft.com/office/powerpoint/2010/main" val="2004688485"/>
+        <p14:creationId xmlns:p14="http://schemas.microsoft.com/office/powerpoint/2010/main" val="1613024647"/>
       </p:ext>
     </p:extLst>
   </p:cSld>
@@ -21231,10 +22177,10 @@
             <a:endParaRPr lang="en-IE" dirty="0"/>
           </a:p>
           <a:p>
-            <a:endParaRPr lang="en-IE" dirty="0"/>
-          </a:p>
-          <a:p>
-            <a:endParaRPr lang="en-IE" dirty="0"/>
+            <a:r>
+              <a:rPr lang="en-IE" dirty="0"/>
+              <a:t>And general communication about FinOps culture across the organisation </a:t>
+            </a:r>
           </a:p>
         </p:txBody>
       </p:sp>
@@ -21255,7 +22201,7 @@
           <a:p>
             <a:fld id="{FD5B5252-8534-42B9-BEB1-6A93DAA021E2}" type="slidenum">
               <a:rPr lang="en-IE" smtClean="0"/>
-              <a:t>15</a:t>
+              <a:t>13</a:t>
             </a:fld>
             <a:endParaRPr lang="en-IE"/>
           </a:p>
@@ -21264,7 +22210,7 @@
     </p:spTree>
     <p:extLst>
       <p:ext uri="{BB962C8B-B14F-4D97-AF65-F5344CB8AC3E}">
-        <p14:creationId xmlns:p14="http://schemas.microsoft.com/office/powerpoint/2010/main" val="2794908998"/>
+        <p14:creationId xmlns:p14="http://schemas.microsoft.com/office/powerpoint/2010/main" val="1324779261"/>
       </p:ext>
     </p:extLst>
   </p:cSld>
@@ -21318,6 +22264,30 @@
           <a:bodyPr/>
           <a:lstStyle/>
           <a:p>
+            <a:r>
+              <a:rPr lang="en-IE" dirty="0"/>
+              <a:t>This slide explains the benefits of FinOps to the Technology Leadership </a:t>
+            </a:r>
+          </a:p>
+          <a:p>
+            <a:endParaRPr lang="en-IE" dirty="0"/>
+          </a:p>
+          <a:p>
+            <a:endParaRPr lang="en-IE" dirty="0"/>
+          </a:p>
+          <a:p>
+            <a:r>
+              <a:rPr lang="en-IE" dirty="0"/>
+              <a:t>But I think it’s beneficial for our team as it lays out benefits of introducing FinOps in the organisation</a:t>
+            </a:r>
+          </a:p>
+          <a:p>
+            <a:endParaRPr lang="en-IE" dirty="0"/>
+          </a:p>
+          <a:p>
+            <a:endParaRPr lang="en-IE" dirty="0"/>
+          </a:p>
+          <a:p>
             <a:pPr marL="0" marR="0" lvl="0" indent="0" algn="l" defTabSz="914400" rtl="0" eaLnBrk="1" fontAlgn="auto" latinLnBrk="0" hangingPunct="1">
               <a:lnSpc>
                 <a:spcPct val="100000"/>
@@ -21337,11 +22307,17 @@
             </a:pPr>
             <a:r>
               <a:rPr lang="en-IE" dirty="0"/>
-              <a:t>Part technical, part manager, part accounting</a:t>
+              <a:t>* Decentralise resource usage and optimization decisions </a:t>
             </a:r>
           </a:p>
           <a:p>
             <a:endParaRPr lang="en-IE" dirty="0"/>
+          </a:p>
+          <a:p>
+            <a:r>
+              <a:rPr lang="en-IE" dirty="0"/>
+              <a:t>To avoid situation where Finance buys a lot of cloud and no one uses it. </a:t>
+            </a:r>
           </a:p>
         </p:txBody>
       </p:sp>
@@ -21362,7 +22338,7 @@
           <a:p>
             <a:fld id="{FD5B5252-8534-42B9-BEB1-6A93DAA021E2}" type="slidenum">
               <a:rPr lang="en-IE" smtClean="0"/>
-              <a:t>16</a:t>
+              <a:t>14</a:t>
             </a:fld>
             <a:endParaRPr lang="en-IE"/>
           </a:p>
@@ -21371,7 +22347,7 @@
     </p:spTree>
     <p:extLst>
       <p:ext uri="{BB962C8B-B14F-4D97-AF65-F5344CB8AC3E}">
-        <p14:creationId xmlns:p14="http://schemas.microsoft.com/office/powerpoint/2010/main" val="507814250"/>
+        <p14:creationId xmlns:p14="http://schemas.microsoft.com/office/powerpoint/2010/main" val="3923442544"/>
       </p:ext>
     </p:extLst>
   </p:cSld>
@@ -21425,295 +22401,21 @@
           <a:bodyPr/>
           <a:lstStyle/>
           <a:p>
+            <a:endParaRPr lang="en-IE" dirty="0"/>
+          </a:p>
+          <a:p>
             <a:r>
               <a:rPr lang="en-IE" dirty="0"/>
-              <a:t>In the organisation topology</a:t>
-            </a:r>
-          </a:p>
-          <a:p>
-            <a:endParaRPr lang="en-IE" dirty="0"/>
-          </a:p>
-          <a:p>
+              <a:t>FinOps </a:t>
+            </a:r>
+            <a:r>
+              <a:rPr lang="en-IE" dirty="0" err="1"/>
+              <a:t>cosists</a:t>
+            </a:r>
             <a:r>
               <a:rPr lang="en-IE" dirty="0"/>
-              <a:t>Somewhat centralised cost control model. </a:t>
-            </a:r>
-          </a:p>
-          <a:p>
-            <a:endParaRPr lang="en-IE" dirty="0"/>
-          </a:p>
-          <a:p>
-            <a:r>
-              <a:rPr lang="en-IE" dirty="0"/>
-              <a:t>Having observed many FinOps teams I think that the best position for FinOps is under Chief Operating Officer (COO). </a:t>
-            </a:r>
-            <a:endParaRPr lang="ru-RU" dirty="0"/>
-          </a:p>
-          <a:p>
-            <a:endParaRPr lang="ru-RU" dirty="0"/>
-          </a:p>
-          <a:p>
-            <a:endParaRPr lang="ru-RU" dirty="0"/>
-          </a:p>
-          <a:p>
-            <a:endParaRPr lang="en-GB" dirty="0"/>
-          </a:p>
-          <a:p>
-            <a:endParaRPr lang="en-GB" dirty="0"/>
-          </a:p>
-          <a:p>
-            <a:endParaRPr lang="en-GB" dirty="0"/>
-          </a:p>
-          <a:p>
-            <a:r>
-              <a:rPr lang="en-GB" b="1" dirty="0"/>
-              <a:t>Engineers</a:t>
-            </a:r>
-          </a:p>
-          <a:p>
-            <a:pPr marL="171450" indent="-171450">
-              <a:buFont typeface="Arial" panose="020B0604020202020204" pitchFamily="34" charset="0"/>
-              <a:buChar char="•"/>
-            </a:pPr>
-            <a:r>
-              <a:rPr lang="en-GB" dirty="0"/>
-              <a:t>Want to work on something meaningful and fun</a:t>
-            </a:r>
-          </a:p>
-          <a:p>
-            <a:pPr marL="171450" indent="-171450">
-              <a:buFont typeface="Arial" panose="020B0604020202020204" pitchFamily="34" charset="0"/>
-              <a:buChar char="•"/>
-            </a:pPr>
-            <a:r>
-              <a:rPr lang="en-GB" dirty="0"/>
-              <a:t>Want to deliver software fast and reliably</a:t>
-            </a:r>
-          </a:p>
-          <a:p>
-            <a:pPr marL="171450" indent="-171450">
-              <a:buFont typeface="Arial" panose="020B0604020202020204" pitchFamily="34" charset="0"/>
-              <a:buChar char="•"/>
-            </a:pPr>
-            <a:r>
-              <a:rPr lang="en-GB" dirty="0"/>
-              <a:t>Hate inefficiency and want efficient use of resources</a:t>
-            </a:r>
-          </a:p>
-          <a:p>
-            <a:pPr marL="171450" indent="-171450">
-              <a:buFont typeface="Arial" panose="020B0604020202020204" pitchFamily="34" charset="0"/>
-              <a:buChar char="•"/>
-            </a:pPr>
-            <a:r>
-              <a:rPr lang="en-GB" dirty="0"/>
-              <a:t>Stay up to speed on the latest tech</a:t>
-            </a:r>
-          </a:p>
-          <a:p>
-            <a:pPr marL="171450" indent="-171450">
-              <a:buFont typeface="Arial" panose="020B0604020202020204" pitchFamily="34" charset="0"/>
-              <a:buChar char="•"/>
-            </a:pPr>
-            <a:r>
-              <a:rPr lang="en-GB" dirty="0"/>
-              <a:t>Are measured by uptime</a:t>
-            </a:r>
-          </a:p>
-          <a:p>
-            <a:pPr marL="171450" indent="-171450">
-              <a:buFont typeface="Arial" panose="020B0604020202020204" pitchFamily="34" charset="0"/>
-              <a:buChar char="•"/>
-            </a:pPr>
-            <a:r>
-              <a:rPr lang="en-GB" dirty="0"/>
-              <a:t>Want to deliver features, fix bugs, and improve performance</a:t>
-            </a:r>
-          </a:p>
-          <a:p>
-            <a:pPr marL="171450" indent="-171450">
-              <a:buFont typeface="Arial" panose="020B0604020202020204" pitchFamily="34" charset="0"/>
-              <a:buChar char="•"/>
-            </a:pPr>
-            <a:r>
-              <a:rPr lang="en-GB" dirty="0"/>
-              <a:t>Would prefer not to worry about cost (but are responsible for incurring</a:t>
-            </a:r>
-            <a:r>
-              <a:rPr lang="ru-RU" dirty="0"/>
-              <a:t> </a:t>
-            </a:r>
-            <a:r>
-              <a:rPr lang="en-GB" dirty="0"/>
-              <a:t>it)</a:t>
-            </a:r>
-          </a:p>
-          <a:p>
-            <a:endParaRPr lang="en-GB" dirty="0"/>
-          </a:p>
-          <a:p>
-            <a:endParaRPr lang="en-GB" dirty="0"/>
-          </a:p>
-          <a:p>
-            <a:r>
-              <a:rPr lang="en-GB" b="1" dirty="0"/>
-              <a:t>Finance People</a:t>
-            </a:r>
-          </a:p>
-          <a:p>
-            <a:pPr marL="171450" indent="-171450">
-              <a:buFont typeface="Arial" panose="020B0604020202020204" pitchFamily="34" charset="0"/>
-              <a:buChar char="•"/>
-            </a:pPr>
-            <a:r>
-              <a:rPr lang="en-GB" dirty="0"/>
-              <a:t>Want to accurately forecast and predict spending</a:t>
-            </a:r>
-          </a:p>
-          <a:p>
-            <a:pPr marL="171450" indent="-171450">
-              <a:buFont typeface="Arial" panose="020B0604020202020204" pitchFamily="34" charset="0"/>
-              <a:buChar char="•"/>
-            </a:pPr>
-            <a:r>
-              <a:rPr lang="en-GB" dirty="0"/>
-              <a:t>Want to be able to charge back and/or allocate 100% of spending</a:t>
-            </a:r>
-          </a:p>
-          <a:p>
-            <a:pPr marL="171450" indent="-171450">
-              <a:buFont typeface="Arial" panose="020B0604020202020204" pitchFamily="34" charset="0"/>
-              <a:buChar char="•"/>
-            </a:pPr>
-            <a:r>
-              <a:rPr lang="en-GB" dirty="0"/>
-              <a:t>Seek to amortize costs appropriately to the teams responsible</a:t>
-            </a:r>
-          </a:p>
-          <a:p>
-            <a:pPr marL="171450" indent="-171450">
-              <a:buFont typeface="Arial" panose="020B0604020202020204" pitchFamily="34" charset="0"/>
-              <a:buChar char="•"/>
-            </a:pPr>
-            <a:r>
-              <a:rPr lang="en-GB" dirty="0"/>
-              <a:t>Want to split out shared costs, like support and shared services</a:t>
-            </a:r>
-          </a:p>
-          <a:p>
-            <a:pPr marL="171450" indent="-171450">
-              <a:buFont typeface="Arial" panose="020B0604020202020204" pitchFamily="34" charset="0"/>
-              <a:buChar char="•"/>
-            </a:pPr>
-            <a:r>
-              <a:rPr lang="en-GB" dirty="0"/>
-              <a:t>Want to control and reduce costs, but maintain quality/speed</a:t>
-            </a:r>
-          </a:p>
-          <a:p>
-            <a:pPr marL="171450" indent="-171450">
-              <a:buFont typeface="Arial" panose="020B0604020202020204" pitchFamily="34" charset="0"/>
-              <a:buChar char="•"/>
-            </a:pPr>
-            <a:r>
-              <a:rPr lang="en-GB" dirty="0"/>
-              <a:t>Want to help executives inform cloud strategy</a:t>
-            </a:r>
-          </a:p>
-          <a:p>
-            <a:pPr marL="171450" indent="-171450">
-              <a:buFont typeface="Arial" panose="020B0604020202020204" pitchFamily="34" charset="0"/>
-              <a:buChar char="•"/>
-            </a:pPr>
-            <a:r>
-              <a:rPr lang="en-GB" dirty="0"/>
-              <a:t>Want to be aware of budget risks</a:t>
-            </a:r>
-          </a:p>
-          <a:p>
-            <a:endParaRPr lang="en-GB" dirty="0"/>
-          </a:p>
-          <a:p>
-            <a:endParaRPr lang="en-GB" dirty="0"/>
-          </a:p>
-          <a:p>
-            <a:r>
-              <a:rPr lang="en-GB" b="1" dirty="0"/>
-              <a:t>Executives</a:t>
-            </a:r>
-          </a:p>
-          <a:p>
-            <a:pPr marL="171450" indent="-171450">
-              <a:buFont typeface="Arial" panose="020B0604020202020204" pitchFamily="34" charset="0"/>
-              <a:buChar char="•"/>
-            </a:pPr>
-            <a:r>
-              <a:rPr lang="en-GB" dirty="0"/>
-              <a:t>Want to drive shared accountability to teams</a:t>
-            </a:r>
-          </a:p>
-          <a:p>
-            <a:pPr marL="171450" indent="-171450">
-              <a:buFont typeface="Arial" panose="020B0604020202020204" pitchFamily="34" charset="0"/>
-              <a:buChar char="•"/>
-            </a:pPr>
-            <a:r>
-              <a:rPr lang="en-GB" dirty="0"/>
-              <a:t>Desire a digital business transformation</a:t>
-            </a:r>
-          </a:p>
-          <a:p>
-            <a:pPr marL="171450" indent="-171450">
-              <a:buFont typeface="Arial" panose="020B0604020202020204" pitchFamily="34" charset="0"/>
-              <a:buChar char="•"/>
-            </a:pPr>
-            <a:r>
-              <a:rPr lang="en-GB" dirty="0"/>
-              <a:t>Want to shorten time to market for new services</a:t>
-            </a:r>
-          </a:p>
-          <a:p>
-            <a:pPr marL="171450" indent="-171450">
-              <a:buFont typeface="Arial" panose="020B0604020202020204" pitchFamily="34" charset="0"/>
-              <a:buChar char="•"/>
-            </a:pPr>
-            <a:r>
-              <a:rPr lang="en-GB" dirty="0"/>
-              <a:t>Seek a competitive advantage</a:t>
-            </a:r>
-          </a:p>
-          <a:p>
-            <a:pPr marL="171450" indent="-171450">
-              <a:buFont typeface="Arial" panose="020B0604020202020204" pitchFamily="34" charset="0"/>
-              <a:buChar char="•"/>
-            </a:pPr>
-            <a:r>
-              <a:rPr lang="en-GB" dirty="0"/>
-              <a:t>Want to establish a successful cloud strategy</a:t>
-            </a:r>
-          </a:p>
-          <a:p>
-            <a:pPr marL="171450" indent="-171450">
-              <a:buFont typeface="Arial" panose="020B0604020202020204" pitchFamily="34" charset="0"/>
-              <a:buChar char="•"/>
-            </a:pPr>
-            <a:r>
-              <a:rPr lang="en-GB" dirty="0"/>
-              <a:t>Need to define and manage KPIs (key performance indicators)</a:t>
-            </a:r>
-          </a:p>
-          <a:p>
-            <a:pPr marL="171450" indent="-171450">
-              <a:buFont typeface="Arial" panose="020B0604020202020204" pitchFamily="34" charset="0"/>
-              <a:buChar char="•"/>
-            </a:pPr>
-            <a:r>
-              <a:rPr lang="en-GB" dirty="0"/>
-              <a:t>Must prove the value of tech investments</a:t>
-            </a:r>
-          </a:p>
-          <a:p>
-            <a:endParaRPr lang="en-IE" dirty="0"/>
+              <a:t> of three major pillars</a:t>
+            </a:r>
           </a:p>
           <a:p>
             <a:endParaRPr lang="en-IE" dirty="0"/>
@@ -21740,7 +22442,7 @@
           <a:p>
             <a:fld id="{FD5B5252-8534-42B9-BEB1-6A93DAA021E2}" type="slidenum">
               <a:rPr lang="en-IE" smtClean="0"/>
-              <a:t>17</a:t>
+              <a:t>15</a:t>
             </a:fld>
             <a:endParaRPr lang="en-IE"/>
           </a:p>
@@ -21749,7 +22451,7 @@
     </p:spTree>
     <p:extLst>
       <p:ext uri="{BB962C8B-B14F-4D97-AF65-F5344CB8AC3E}">
-        <p14:creationId xmlns:p14="http://schemas.microsoft.com/office/powerpoint/2010/main" val="109897548"/>
+        <p14:creationId xmlns:p14="http://schemas.microsoft.com/office/powerpoint/2010/main" val="2242509996"/>
       </p:ext>
     </p:extLst>
   </p:cSld>
@@ -27892,7 +28594,7 @@
           <a:p>
             <a:fld id="{7821E7CA-480C-4350-9AB0-12AB79674909}" type="datetimeFigureOut">
               <a:rPr lang="en-IE" smtClean="0"/>
-              <a:t>24/06/2021</a:t>
+              <a:t>25/06/2021</a:t>
             </a:fld>
             <a:endParaRPr lang="en-IE"/>
           </a:p>
@@ -28092,7 +28794,7 @@
           <a:p>
             <a:fld id="{7821E7CA-480C-4350-9AB0-12AB79674909}" type="datetimeFigureOut">
               <a:rPr lang="en-IE" smtClean="0"/>
-              <a:t>24/06/2021</a:t>
+              <a:t>25/06/2021</a:t>
             </a:fld>
             <a:endParaRPr lang="en-IE"/>
           </a:p>
@@ -28368,7 +29070,7 @@
           <a:p>
             <a:fld id="{7821E7CA-480C-4350-9AB0-12AB79674909}" type="datetimeFigureOut">
               <a:rPr lang="en-IE" smtClean="0"/>
-              <a:t>24/06/2021</a:t>
+              <a:t>25/06/2021</a:t>
             </a:fld>
             <a:endParaRPr lang="en-IE"/>
           </a:p>
@@ -32096,6 +32798,128 @@
           <p:cNvPr id="2" name="Title 1">
             <a:extLst>
               <a:ext uri="{FF2B5EF4-FFF2-40B4-BE49-F238E27FC236}">
+                <a16:creationId xmlns:a16="http://schemas.microsoft.com/office/drawing/2014/main" id="{EC1B8898-A94A-47C8-9A4F-D9E8E84A4AEF}"/>
+              </a:ext>
+            </a:extLst>
+          </p:cNvPr>
+          <p:cNvSpPr>
+            <a:spLocks noGrp="1"/>
+          </p:cNvSpPr>
+          <p:nvPr>
+            <p:ph type="title"/>
+          </p:nvPr>
+        </p:nvSpPr>
+        <p:spPr>
+          <a:xfrm>
+            <a:off x="588263" y="457200"/>
+            <a:ext cx="11018520" cy="553998"/>
+          </a:xfrm>
+        </p:spPr>
+        <p:txBody>
+          <a:bodyPr/>
+          <a:lstStyle/>
+          <a:p>
+            <a:pPr algn="ctr"/>
+            <a:r>
+              <a:rPr lang="en-IE" dirty="0"/>
+              <a:t>Purchasing on the cloud</a:t>
+            </a:r>
+          </a:p>
+        </p:txBody>
+      </p:sp>
+      <p:sp>
+        <p:nvSpPr>
+          <p:cNvPr id="3" name="Text Placeholder 2">
+            <a:extLst>
+              <a:ext uri="{FF2B5EF4-FFF2-40B4-BE49-F238E27FC236}">
+                <a16:creationId xmlns:a16="http://schemas.microsoft.com/office/drawing/2014/main" id="{38F716B5-DF86-44B1-AC54-1E661EA87A7A}"/>
+              </a:ext>
+            </a:extLst>
+          </p:cNvPr>
+          <p:cNvSpPr>
+            <a:spLocks noGrp="1"/>
+          </p:cNvSpPr>
+          <p:nvPr>
+            <p:ph type="body" sz="quarter" idx="10"/>
+          </p:nvPr>
+        </p:nvSpPr>
+        <p:spPr>
+          <a:xfrm>
+            <a:off x="586390" y="1434370"/>
+            <a:ext cx="11018520" cy="2499146"/>
+          </a:xfrm>
+        </p:spPr>
+        <p:txBody>
+          <a:bodyPr/>
+          <a:lstStyle/>
+          <a:p>
+            <a:r>
+              <a:rPr lang="en-IE" dirty="0"/>
+              <a:t>Developer has keys to the cloud</a:t>
+            </a:r>
+          </a:p>
+          <a:p>
+            <a:r>
+              <a:rPr lang="en-IE" dirty="0"/>
+              <a:t>Developer creates cloud resource</a:t>
+            </a:r>
+          </a:p>
+          <a:p>
+            <a:r>
+              <a:rPr lang="en-IE" dirty="0"/>
+              <a:t>Resources incur charges</a:t>
+            </a:r>
+            <a:endParaRPr lang="ru-RU" dirty="0"/>
+          </a:p>
+          <a:p>
+            <a:r>
+              <a:rPr lang="en-IE" dirty="0"/>
+              <a:t>Cost gets out of control </a:t>
+            </a:r>
+          </a:p>
+          <a:p>
+            <a:endParaRPr lang="en-IE" dirty="0"/>
+          </a:p>
+        </p:txBody>
+      </p:sp>
+    </p:spTree>
+    <p:extLst>
+      <p:ext uri="{BB962C8B-B14F-4D97-AF65-F5344CB8AC3E}">
+        <p14:creationId xmlns:p14="http://schemas.microsoft.com/office/powerpoint/2010/main" val="4063480942"/>
+      </p:ext>
+    </p:extLst>
+  </p:cSld>
+  <p:clrMapOvr>
+    <a:masterClrMapping/>
+  </p:clrMapOvr>
+  <p:transition>
+    <p:fade/>
+  </p:transition>
+</p:sld>
+</file>
+
+<file path=ppt/slides/slide11.xml><?xml version="1.0" encoding="utf-8"?>
+<p:sld xmlns:a="http://schemas.openxmlformats.org/drawingml/2006/main" xmlns:r="http://schemas.openxmlformats.org/officeDocument/2006/relationships" xmlns:p="http://schemas.openxmlformats.org/presentationml/2006/main">
+  <p:cSld>
+    <p:spTree>
+      <p:nvGrpSpPr>
+        <p:cNvPr id="1" name=""/>
+        <p:cNvGrpSpPr/>
+        <p:nvPr/>
+      </p:nvGrpSpPr>
+      <p:grpSpPr>
+        <a:xfrm>
+          <a:off x="0" y="0"/>
+          <a:ext cx="0" cy="0"/>
+          <a:chOff x="0" y="0"/>
+          <a:chExt cx="0" cy="0"/>
+        </a:xfrm>
+      </p:grpSpPr>
+      <p:sp>
+        <p:nvSpPr>
+          <p:cNvPr id="2" name="Title 1">
+            <a:extLst>
+              <a:ext uri="{FF2B5EF4-FFF2-40B4-BE49-F238E27FC236}">
                 <a16:creationId xmlns:a16="http://schemas.microsoft.com/office/drawing/2014/main" id="{B8DA9385-E8F0-4688-B2CE-B2B1CE718F6A}"/>
               </a:ext>
             </a:extLst>
@@ -32133,15 +32957,10 @@
             <a:spLocks noGrp="1"/>
           </p:cNvSpPr>
           <p:nvPr>
-            <p:ph idx="1"/>
+            <p:ph type="body" sz="quarter" idx="10"/>
           </p:nvPr>
         </p:nvSpPr>
-        <p:spPr>
-          <a:xfrm>
-            <a:off x="584200" y="1435503"/>
-            <a:ext cx="11018520" cy="3016210"/>
-          </a:xfrm>
-        </p:spPr>
+        <p:spPr/>
         <p:txBody>
           <a:bodyPr/>
           <a:lstStyle/>
@@ -32194,10 +33013,13 @@
   <p:clrMapOvr>
     <a:masterClrMapping/>
   </p:clrMapOvr>
+  <p:transition>
+    <p:fade/>
+  </p:transition>
 </p:sld>
 </file>
 
-<file path=ppt/slides/slide11.xml><?xml version="1.0" encoding="utf-8"?>
+<file path=ppt/slides/slide12.xml><?xml version="1.0" encoding="utf-8"?>
 <p:sld xmlns:a="http://schemas.openxmlformats.org/drawingml/2006/main" xmlns:r="http://schemas.openxmlformats.org/officeDocument/2006/relationships" xmlns:p="http://schemas.openxmlformats.org/presentationml/2006/main">
   <p:cSld>
     <p:spTree>
@@ -32256,13 +33078,13 @@
             <a:spLocks noGrp="1"/>
           </p:cNvSpPr>
           <p:nvPr>
-            <p:ph idx="1"/>
+            <p:ph type="body" sz="quarter" idx="10"/>
           </p:nvPr>
         </p:nvSpPr>
         <p:spPr>
           <a:xfrm>
-            <a:off x="584200" y="1435503"/>
-            <a:ext cx="11018520" cy="4050340"/>
+            <a:off x="586390" y="1434370"/>
+            <a:ext cx="11018520" cy="3533275"/>
           </a:xfrm>
         </p:spPr>
         <p:txBody>
@@ -32270,13 +33092,12 @@
           <a:lstStyle/>
           <a:p>
             <a:r>
-              <a:rPr lang="en-IE" dirty="0" err="1"/>
-              <a:t>Finops</a:t>
-            </a:r>
-            <a:r>
               <a:rPr lang="en-IE" dirty="0"/>
-              <a:t> – framework for managing, planning and accounting. </a:t>
-            </a:r>
+              <a:t>FinOps – framework for managing, planning and accounting. </a:t>
+            </a:r>
+          </a:p>
+          <a:p>
+            <a:endParaRPr lang="en-IE" dirty="0"/>
           </a:p>
           <a:p>
             <a:r>
@@ -32285,6 +33106,9 @@
             </a:r>
           </a:p>
           <a:p>
+            <a:endParaRPr lang="en-IE" dirty="0"/>
+          </a:p>
+          <a:p>
             <a:r>
               <a:rPr lang="en-IE" dirty="0"/>
               <a:t>Financial accountability to the variable spend model of the cloud.</a:t>
@@ -32294,24 +33118,6 @@
             <a:r>
               <a:rPr lang="en-IE" dirty="0"/>
               <a:t>Make business trade offs between speed, cost and quality.</a:t>
-            </a:r>
-          </a:p>
-          <a:p>
-            <a:r>
-              <a:rPr lang="en-IE" dirty="0"/>
-              <a:t>Leadership support and influence</a:t>
-            </a:r>
-          </a:p>
-          <a:p>
-            <a:r>
-              <a:rPr lang="en-IE" dirty="0"/>
-              <a:t>Stakeholder alignment </a:t>
-            </a:r>
-          </a:p>
-          <a:p>
-            <a:r>
-              <a:rPr lang="en-IE" dirty="0"/>
-              <a:t>Communicate/Evangelise FinOps culture</a:t>
             </a:r>
           </a:p>
           <a:p>
@@ -32329,10 +33135,118 @@
   <p:clrMapOvr>
     <a:masterClrMapping/>
   </p:clrMapOvr>
+  <p:transition>
+    <p:fade/>
+  </p:transition>
 </p:sld>
 </file>
 
-<file path=ppt/slides/slide12.xml><?xml version="1.0" encoding="utf-8"?>
+<file path=ppt/slides/slide13.xml><?xml version="1.0" encoding="utf-8"?>
+<p:sld xmlns:a="http://schemas.openxmlformats.org/drawingml/2006/main" xmlns:r="http://schemas.openxmlformats.org/officeDocument/2006/relationships" xmlns:p="http://schemas.openxmlformats.org/presentationml/2006/main">
+  <p:cSld>
+    <p:spTree>
+      <p:nvGrpSpPr>
+        <p:cNvPr id="1" name=""/>
+        <p:cNvGrpSpPr/>
+        <p:nvPr/>
+      </p:nvGrpSpPr>
+      <p:grpSpPr>
+        <a:xfrm>
+          <a:off x="0" y="0"/>
+          <a:ext cx="0" cy="0"/>
+          <a:chOff x="0" y="0"/>
+          <a:chExt cx="0" cy="0"/>
+        </a:xfrm>
+      </p:grpSpPr>
+      <p:sp>
+        <p:nvSpPr>
+          <p:cNvPr id="4" name="Title 3">
+            <a:extLst>
+              <a:ext uri="{FF2B5EF4-FFF2-40B4-BE49-F238E27FC236}">
+                <a16:creationId xmlns:a16="http://schemas.microsoft.com/office/drawing/2014/main" id="{F1EB071D-22D8-4A60-AF99-EEB759729945}"/>
+              </a:ext>
+            </a:extLst>
+          </p:cNvPr>
+          <p:cNvSpPr>
+            <a:spLocks noGrp="1"/>
+          </p:cNvSpPr>
+          <p:nvPr>
+            <p:ph type="title"/>
+          </p:nvPr>
+        </p:nvSpPr>
+        <p:spPr/>
+        <p:txBody>
+          <a:bodyPr/>
+          <a:lstStyle/>
+          <a:p>
+            <a:pPr algn="ctr"/>
+            <a:r>
+              <a:rPr lang="en-IE" dirty="0"/>
+              <a:t>What’s needed for FinOps?</a:t>
+            </a:r>
+          </a:p>
+        </p:txBody>
+      </p:sp>
+      <p:sp>
+        <p:nvSpPr>
+          <p:cNvPr id="3" name="Content Placeholder 2">
+            <a:extLst>
+              <a:ext uri="{FF2B5EF4-FFF2-40B4-BE49-F238E27FC236}">
+                <a16:creationId xmlns:a16="http://schemas.microsoft.com/office/drawing/2014/main" id="{B95D13C1-8688-4786-9B6D-7913E0B2321E}"/>
+              </a:ext>
+            </a:extLst>
+          </p:cNvPr>
+          <p:cNvSpPr>
+            <a:spLocks noGrp="1"/>
+          </p:cNvSpPr>
+          <p:nvPr>
+            <p:ph type="body" sz="quarter" idx="10"/>
+          </p:nvPr>
+        </p:nvSpPr>
+        <p:spPr/>
+        <p:txBody>
+          <a:bodyPr/>
+          <a:lstStyle/>
+          <a:p>
+            <a:r>
+              <a:rPr lang="en-IE" dirty="0"/>
+              <a:t>Leadership support and influence</a:t>
+            </a:r>
+          </a:p>
+          <a:p>
+            <a:r>
+              <a:rPr lang="en-IE" dirty="0"/>
+              <a:t>Stakeholder alignment </a:t>
+            </a:r>
+          </a:p>
+          <a:p>
+            <a:r>
+              <a:rPr lang="en-IE" dirty="0"/>
+              <a:t>Communicate/Evangelise FinOps culture</a:t>
+            </a:r>
+          </a:p>
+          <a:p>
+            <a:endParaRPr lang="en-IE" dirty="0"/>
+          </a:p>
+        </p:txBody>
+      </p:sp>
+    </p:spTree>
+    <p:extLst>
+      <p:ext uri="{BB962C8B-B14F-4D97-AF65-F5344CB8AC3E}">
+        <p14:creationId xmlns:p14="http://schemas.microsoft.com/office/powerpoint/2010/main" val="2161461553"/>
+      </p:ext>
+    </p:extLst>
+  </p:cSld>
+  <p:clrMapOvr>
+    <a:masterClrMapping/>
+  </p:clrMapOvr>
+  <p:transition>
+    <p:fade/>
+  </p:transition>
+</p:sld>
+</file>
+
+<file path=ppt/slides/slide14.xml><?xml version="1.0" encoding="utf-8"?>
 <p:sld xmlns:a="http://schemas.openxmlformats.org/drawingml/2006/main" xmlns:r="http://schemas.openxmlformats.org/officeDocument/2006/relationships" xmlns:p="http://schemas.openxmlformats.org/presentationml/2006/main">
   <p:cSld>
     <p:spTree>
@@ -32370,6 +33284,7 @@
           <a:bodyPr/>
           <a:lstStyle/>
           <a:p>
+            <a:pPr algn="ctr"/>
             <a:r>
               <a:rPr lang="en-IE" dirty="0"/>
               <a:t>FinOps Value</a:t>
@@ -32413,7 +33328,7 @@
           <a:p>
             <a:r>
               <a:rPr lang="en-IE" dirty="0"/>
-              <a:t>Product teams are managing their own usage against the budget</a:t>
+              <a:t>Product teams manage their own usage against the budget</a:t>
             </a:r>
           </a:p>
           <a:p>
@@ -32437,7 +33352,7 @@
           <a:p>
             <a:r>
               <a:rPr lang="en-IE" dirty="0"/>
-              <a:t>Fast feedback loops changing behaviour </a:t>
+              <a:t>Fast feedback loops lead to behaviour change</a:t>
             </a:r>
           </a:p>
           <a:p>
@@ -32473,7 +33388,7 @@
 </p:sld>
 </file>
 
-<file path=ppt/slides/slide13.xml><?xml version="1.0" encoding="utf-8"?>
+<file path=ppt/slides/slide15.xml><?xml version="1.0" encoding="utf-8"?>
 <p:sld xmlns:a="http://schemas.openxmlformats.org/drawingml/2006/main" xmlns:r="http://schemas.openxmlformats.org/officeDocument/2006/relationships" xmlns:p="http://schemas.openxmlformats.org/presentationml/2006/main">
   <p:cSld>
     <p:spTree>
@@ -32550,262 +33465,6 @@
     <p:extLst>
       <p:ext uri="{BB962C8B-B14F-4D97-AF65-F5344CB8AC3E}">
         <p14:creationId xmlns:p14="http://schemas.microsoft.com/office/powerpoint/2010/main" val="387439782"/>
-      </p:ext>
-    </p:extLst>
-  </p:cSld>
-  <p:clrMapOvr>
-    <a:masterClrMapping/>
-  </p:clrMapOvr>
-</p:sld>
-</file>
-
-<file path=ppt/slides/slide14.xml><?xml version="1.0" encoding="utf-8"?>
-<p:sld xmlns:a="http://schemas.openxmlformats.org/drawingml/2006/main" xmlns:r="http://schemas.openxmlformats.org/officeDocument/2006/relationships" xmlns:p="http://schemas.openxmlformats.org/presentationml/2006/main">
-  <p:cSld>
-    <p:spTree>
-      <p:nvGrpSpPr>
-        <p:cNvPr id="1" name=""/>
-        <p:cNvGrpSpPr/>
-        <p:nvPr/>
-      </p:nvGrpSpPr>
-      <p:grpSpPr>
-        <a:xfrm>
-          <a:off x="0" y="0"/>
-          <a:ext cx="0" cy="0"/>
-          <a:chOff x="0" y="0"/>
-          <a:chExt cx="0" cy="0"/>
-        </a:xfrm>
-      </p:grpSpPr>
-      <p:sp>
-        <p:nvSpPr>
-          <p:cNvPr id="2" name="Title 1">
-            <a:extLst>
-              <a:ext uri="{FF2B5EF4-FFF2-40B4-BE49-F238E27FC236}">
-                <a16:creationId xmlns:a16="http://schemas.microsoft.com/office/drawing/2014/main" id="{8D9531F3-4BCA-403B-85AF-ECB6899BF3B2}"/>
-              </a:ext>
-            </a:extLst>
-          </p:cNvPr>
-          <p:cNvSpPr>
-            <a:spLocks noGrp="1"/>
-          </p:cNvSpPr>
-          <p:nvPr>
-            <p:ph type="title"/>
-          </p:nvPr>
-        </p:nvSpPr>
-        <p:spPr/>
-        <p:txBody>
-          <a:bodyPr/>
-          <a:lstStyle/>
-          <a:p>
-            <a:r>
-              <a:rPr lang="en-IE" dirty="0"/>
-              <a:t>Culture Practise</a:t>
-            </a:r>
-          </a:p>
-        </p:txBody>
-      </p:sp>
-      <p:sp>
-        <p:nvSpPr>
-          <p:cNvPr id="3" name="Content Placeholder 2">
-            <a:extLst>
-              <a:ext uri="{FF2B5EF4-FFF2-40B4-BE49-F238E27FC236}">
-                <a16:creationId xmlns:a16="http://schemas.microsoft.com/office/drawing/2014/main" id="{21C29860-20AE-49ED-B87F-83B6CD182C5A}"/>
-              </a:ext>
-            </a:extLst>
-          </p:cNvPr>
-          <p:cNvSpPr>
-            <a:spLocks noGrp="1"/>
-          </p:cNvSpPr>
-          <p:nvPr>
-            <p:ph idx="1"/>
-          </p:nvPr>
-        </p:nvSpPr>
-        <p:spPr/>
-        <p:txBody>
-          <a:bodyPr/>
-          <a:lstStyle/>
-          <a:p>
-            <a:r>
-              <a:rPr lang="en-IE" dirty="0"/>
-              <a:t>Introduce the importance from the beginning (onboarding)</a:t>
-            </a:r>
-          </a:p>
-          <a:p>
-            <a:r>
-              <a:rPr lang="en-IE" dirty="0"/>
-              <a:t>Regularly promote FinOps (why? And how?)</a:t>
-            </a:r>
-          </a:p>
-          <a:p>
-            <a:r>
-              <a:rPr lang="en-IE" dirty="0"/>
-              <a:t>Continuously promote sustainability</a:t>
-            </a:r>
-          </a:p>
-          <a:p>
-            <a:r>
-              <a:rPr lang="en-IE" dirty="0"/>
-              <a:t>Encourage resource conservation</a:t>
-            </a:r>
-          </a:p>
-          <a:p>
-            <a:r>
-              <a:rPr lang="en-IE" dirty="0"/>
-              <a:t>Encourage engineers to consider resource cost </a:t>
-            </a:r>
-          </a:p>
-        </p:txBody>
-      </p:sp>
-    </p:spTree>
-    <p:extLst>
-      <p:ext uri="{BB962C8B-B14F-4D97-AF65-F5344CB8AC3E}">
-        <p14:creationId xmlns:p14="http://schemas.microsoft.com/office/powerpoint/2010/main" val="820100686"/>
-      </p:ext>
-    </p:extLst>
-  </p:cSld>
-  <p:clrMapOvr>
-    <a:masterClrMapping/>
-  </p:clrMapOvr>
-</p:sld>
-</file>
-
-<file path=ppt/slides/slide15.xml><?xml version="1.0" encoding="utf-8"?>
-<p:sld xmlns:a="http://schemas.openxmlformats.org/drawingml/2006/main" xmlns:r="http://schemas.openxmlformats.org/officeDocument/2006/relationships" xmlns:p="http://schemas.openxmlformats.org/presentationml/2006/main">
-  <p:cSld>
-    <p:spTree>
-      <p:nvGrpSpPr>
-        <p:cNvPr id="1" name=""/>
-        <p:cNvGrpSpPr/>
-        <p:nvPr/>
-      </p:nvGrpSpPr>
-      <p:grpSpPr>
-        <a:xfrm>
-          <a:off x="0" y="0"/>
-          <a:ext cx="0" cy="0"/>
-          <a:chOff x="0" y="0"/>
-          <a:chExt cx="0" cy="0"/>
-        </a:xfrm>
-      </p:grpSpPr>
-      <p:sp>
-        <p:nvSpPr>
-          <p:cNvPr id="2" name="Title 1">
-            <a:extLst>
-              <a:ext uri="{FF2B5EF4-FFF2-40B4-BE49-F238E27FC236}">
-                <a16:creationId xmlns:a16="http://schemas.microsoft.com/office/drawing/2014/main" id="{28E3A9B3-AB84-4176-B460-FABBAAB707A3}"/>
-              </a:ext>
-            </a:extLst>
-          </p:cNvPr>
-          <p:cNvSpPr>
-            <a:spLocks noGrp="1"/>
-          </p:cNvSpPr>
-          <p:nvPr>
-            <p:ph type="title"/>
-          </p:nvPr>
-        </p:nvSpPr>
-        <p:spPr/>
-        <p:txBody>
-          <a:bodyPr/>
-          <a:lstStyle/>
-          <a:p>
-            <a:pPr algn="ctr"/>
-            <a:r>
-              <a:rPr lang="en-IE" dirty="0"/>
-              <a:t>Human processes</a:t>
-            </a:r>
-          </a:p>
-        </p:txBody>
-      </p:sp>
-      <p:sp>
-        <p:nvSpPr>
-          <p:cNvPr id="3" name="Content Placeholder 2">
-            <a:extLst>
-              <a:ext uri="{FF2B5EF4-FFF2-40B4-BE49-F238E27FC236}">
-                <a16:creationId xmlns:a16="http://schemas.microsoft.com/office/drawing/2014/main" id="{CDD6B507-B76B-4193-A193-FA892F215A0C}"/>
-              </a:ext>
-            </a:extLst>
-          </p:cNvPr>
-          <p:cNvSpPr>
-            <a:spLocks noGrp="1"/>
-          </p:cNvSpPr>
-          <p:nvPr>
-            <p:ph idx="1"/>
-          </p:nvPr>
-        </p:nvSpPr>
-        <p:spPr>
-          <a:xfrm>
-            <a:off x="584200" y="1435503"/>
-            <a:ext cx="11018520" cy="5015060"/>
-          </a:xfrm>
-        </p:spPr>
-        <p:txBody>
-          <a:bodyPr>
-            <a:normAutofit/>
-          </a:bodyPr>
-          <a:lstStyle/>
-          <a:p>
-            <a:r>
-              <a:rPr lang="en-IE" dirty="0"/>
-              <a:t>Stakeholder sponsorship </a:t>
-            </a:r>
-          </a:p>
-          <a:p>
-            <a:r>
-              <a:rPr lang="en-IE" dirty="0"/>
-              <a:t>Separation of responsibilities </a:t>
-            </a:r>
-          </a:p>
-          <a:p>
-            <a:r>
-              <a:rPr lang="en-IE" dirty="0"/>
-              <a:t>Request approval process</a:t>
-            </a:r>
-          </a:p>
-          <a:p>
-            <a:r>
-              <a:rPr lang="en-IE" dirty="0"/>
-              <a:t>Governance and Licensing  </a:t>
-            </a:r>
-          </a:p>
-          <a:p>
-            <a:r>
-              <a:rPr lang="en-IE" dirty="0"/>
-              <a:t>Continuous Review </a:t>
-            </a:r>
-          </a:p>
-          <a:p>
-            <a:pPr lvl="1"/>
-            <a:r>
-              <a:rPr lang="en-IE" dirty="0"/>
-              <a:t>Resource Utilization</a:t>
-            </a:r>
-          </a:p>
-          <a:p>
-            <a:pPr lvl="1"/>
-            <a:r>
-              <a:rPr lang="en-IE" dirty="0"/>
-              <a:t>Resource Necessity </a:t>
-            </a:r>
-            <a:endParaRPr lang="ru-RU" dirty="0"/>
-          </a:p>
-          <a:p>
-            <a:r>
-              <a:rPr lang="en-IE" dirty="0"/>
-              <a:t>Encourage good behaviour</a:t>
-            </a:r>
-          </a:p>
-          <a:p>
-            <a:pPr lvl="1"/>
-            <a:endParaRPr lang="en-IE" dirty="0"/>
-          </a:p>
-          <a:p>
-            <a:endParaRPr lang="en-IE" dirty="0"/>
-          </a:p>
-        </p:txBody>
-      </p:sp>
-    </p:spTree>
-    <p:extLst>
-      <p:ext uri="{BB962C8B-B14F-4D97-AF65-F5344CB8AC3E}">
-        <p14:creationId xmlns:p14="http://schemas.microsoft.com/office/powerpoint/2010/main" val="3433592864"/>
       </p:ext>
     </p:extLst>
   </p:cSld>
@@ -33069,7 +33728,7 @@
           <p:cNvPr id="2" name="Title 1">
             <a:extLst>
               <a:ext uri="{FF2B5EF4-FFF2-40B4-BE49-F238E27FC236}">
-                <a16:creationId xmlns:a16="http://schemas.microsoft.com/office/drawing/2014/main" id="{F5A8F649-D585-4982-BDFA-FEB3ADAEBAB1}"/>
+                <a16:creationId xmlns:a16="http://schemas.microsoft.com/office/drawing/2014/main" id="{57EE55ED-20D1-439D-8365-7D16885B4EAF}"/>
               </a:ext>
             </a:extLst>
           </p:cNvPr>
@@ -33087,7 +33746,7 @@
           <a:p>
             <a:r>
               <a:rPr lang="en-IE" dirty="0"/>
-              <a:t>Why Separate Role?</a:t>
+              <a:t>Indirect Influence</a:t>
             </a:r>
           </a:p>
         </p:txBody>
@@ -33097,7 +33756,7 @@
           <p:cNvPr id="3" name="Content Placeholder 2">
             <a:extLst>
               <a:ext uri="{FF2B5EF4-FFF2-40B4-BE49-F238E27FC236}">
-                <a16:creationId xmlns:a16="http://schemas.microsoft.com/office/drawing/2014/main" id="{BCE162B0-7494-40A9-9288-5B38D3789042}"/>
+                <a16:creationId xmlns:a16="http://schemas.microsoft.com/office/drawing/2014/main" id="{1E74420B-F921-434C-80E2-BE4BE3E2CA14}"/>
               </a:ext>
             </a:extLst>
           </p:cNvPr>
@@ -33115,13 +33774,46 @@
           <a:p>
             <a:r>
               <a:rPr lang="en-IE" dirty="0"/>
-              <a:t>Many resources created by multiple teams lead to disagreements who’s accountable for shared resources usage</a:t>
-            </a:r>
-          </a:p>
-          <a:p>
+              <a:t>Cant’ influence resource usage directly </a:t>
+            </a:r>
+          </a:p>
+          <a:p>
+            <a:pPr marL="0" indent="0">
+              <a:buNone/>
+            </a:pPr>
             <a:r>
               <a:rPr lang="en-IE" dirty="0"/>
-              <a:t>Central person/team – can define and own metrics for everyone</a:t>
+              <a:t>But!</a:t>
+            </a:r>
+          </a:p>
+          <a:p>
+            <a:r>
+              <a:rPr lang="en-IE" dirty="0"/>
+              <a:t>Can sit down with the team and understand the quality </a:t>
+            </a:r>
+          </a:p>
+          <a:p>
+            <a:r>
+              <a:rPr lang="en-IE" dirty="0"/>
+              <a:t>Suggest optimization strategy </a:t>
+            </a:r>
+          </a:p>
+          <a:p>
+            <a:r>
+              <a:rPr lang="en-IE" dirty="0"/>
+              <a:t>Understand the business value </a:t>
+            </a:r>
+          </a:p>
+          <a:p>
+            <a:r>
+              <a:rPr lang="en-IE" dirty="0"/>
+              <a:t>Communicate the value to business stakeholders </a:t>
+            </a:r>
+          </a:p>
+          <a:p>
+            <a:r>
+              <a:rPr lang="en-IE" dirty="0"/>
+              <a:t>Help make business decision what to do next (change the service pricing, make it a new product for the market)</a:t>
             </a:r>
           </a:p>
           <a:p>
@@ -33132,7 +33824,7 @@
     </p:spTree>
     <p:extLst>
       <p:ext uri="{BB962C8B-B14F-4D97-AF65-F5344CB8AC3E}">
-        <p14:creationId xmlns:p14="http://schemas.microsoft.com/office/powerpoint/2010/main" val="360827960"/>
+        <p14:creationId xmlns:p14="http://schemas.microsoft.com/office/powerpoint/2010/main" val="2987183044"/>
       </p:ext>
     </p:extLst>
   </p:cSld>
@@ -33164,7 +33856,7 @@
           <p:cNvPr id="2" name="Title 1">
             <a:extLst>
               <a:ext uri="{FF2B5EF4-FFF2-40B4-BE49-F238E27FC236}">
-                <a16:creationId xmlns:a16="http://schemas.microsoft.com/office/drawing/2014/main" id="{57EE55ED-20D1-439D-8365-7D16885B4EAF}"/>
+                <a16:creationId xmlns:a16="http://schemas.microsoft.com/office/drawing/2014/main" id="{A03A40BF-B0F1-4DE7-B670-545B07E5F4A6}"/>
               </a:ext>
             </a:extLst>
           </p:cNvPr>
@@ -33182,7 +33874,7 @@
           <a:p>
             <a:r>
               <a:rPr lang="en-IE" dirty="0"/>
-              <a:t>Indirect Influence</a:t>
+              <a:t>FinOps analysis</a:t>
             </a:r>
           </a:p>
         </p:txBody>
@@ -33192,7 +33884,7 @@
           <p:cNvPr id="3" name="Content Placeholder 2">
             <a:extLst>
               <a:ext uri="{FF2B5EF4-FFF2-40B4-BE49-F238E27FC236}">
-                <a16:creationId xmlns:a16="http://schemas.microsoft.com/office/drawing/2014/main" id="{1E74420B-F921-434C-80E2-BE4BE3E2CA14}"/>
+                <a16:creationId xmlns:a16="http://schemas.microsoft.com/office/drawing/2014/main" id="{DDBA4036-6447-467F-9174-44FF682C0C9E}"/>
               </a:ext>
             </a:extLst>
           </p:cNvPr>
@@ -33208,48 +33900,30 @@
           <a:bodyPr/>
           <a:lstStyle/>
           <a:p>
+            <a:endParaRPr lang="en-IE" dirty="0"/>
+          </a:p>
+          <a:p>
             <a:r>
               <a:rPr lang="en-IE" dirty="0"/>
-              <a:t>Cant’ influence resource usage directly </a:t>
-            </a:r>
-          </a:p>
-          <a:p>
-            <a:pPr marL="0" indent="0">
-              <a:buNone/>
-            </a:pPr>
+              <a:t>Analyse Cloud Spending</a:t>
+            </a:r>
+          </a:p>
+          <a:p>
             <a:r>
               <a:rPr lang="en-IE" dirty="0"/>
-              <a:t>But!</a:t>
+              <a:t>Analyse Resource Utilisation</a:t>
+            </a:r>
+          </a:p>
+          <a:p>
+            <a:r>
+              <a:rPr lang="en-IE" i="1" dirty="0"/>
+              <a:t>Rightsizing</a:t>
             </a:r>
           </a:p>
           <a:p>
             <a:r>
               <a:rPr lang="en-IE" dirty="0"/>
-              <a:t>Can sit down with the team and understand the quality </a:t>
-            </a:r>
-          </a:p>
-          <a:p>
-            <a:r>
-              <a:rPr lang="en-IE" dirty="0"/>
-              <a:t>Suggest optimization strategy </a:t>
-            </a:r>
-          </a:p>
-          <a:p>
-            <a:r>
-              <a:rPr lang="en-IE" dirty="0"/>
-              <a:t>Understand the business value </a:t>
-            </a:r>
-          </a:p>
-          <a:p>
-            <a:r>
-              <a:rPr lang="en-IE" dirty="0"/>
-              <a:t>Communicate the value to business stakeholders </a:t>
-            </a:r>
-          </a:p>
-          <a:p>
-            <a:r>
-              <a:rPr lang="en-IE" dirty="0"/>
-              <a:t>Help make business decision what to do next (change the service pricing, make it a new product for the market)</a:t>
+              <a:t>Suggest service alternatives </a:t>
             </a:r>
           </a:p>
           <a:p>
@@ -33260,7 +33934,7 @@
     </p:spTree>
     <p:extLst>
       <p:ext uri="{BB962C8B-B14F-4D97-AF65-F5344CB8AC3E}">
-        <p14:creationId xmlns:p14="http://schemas.microsoft.com/office/powerpoint/2010/main" val="2987183044"/>
+        <p14:creationId xmlns:p14="http://schemas.microsoft.com/office/powerpoint/2010/main" val="1473791040"/>
       </p:ext>
     </p:extLst>
   </p:cSld>
@@ -33390,7 +34064,7 @@
           <p:cNvPr id="2" name="Title 1">
             <a:extLst>
               <a:ext uri="{FF2B5EF4-FFF2-40B4-BE49-F238E27FC236}">
-                <a16:creationId xmlns:a16="http://schemas.microsoft.com/office/drawing/2014/main" id="{A03A40BF-B0F1-4DE7-B670-545B07E5F4A6}"/>
+                <a16:creationId xmlns:a16="http://schemas.microsoft.com/office/drawing/2014/main" id="{AD9EDBCD-471E-4890-AE5F-78DA25714BFB}"/>
               </a:ext>
             </a:extLst>
           </p:cNvPr>
@@ -33408,7 +34082,7 @@
           <a:p>
             <a:r>
               <a:rPr lang="en-IE" dirty="0"/>
-              <a:t>FinOps analysis</a:t>
+              <a:t>Resource Inventory</a:t>
             </a:r>
           </a:p>
         </p:txBody>
@@ -33418,7 +34092,7 @@
           <p:cNvPr id="3" name="Content Placeholder 2">
             <a:extLst>
               <a:ext uri="{FF2B5EF4-FFF2-40B4-BE49-F238E27FC236}">
-                <a16:creationId xmlns:a16="http://schemas.microsoft.com/office/drawing/2014/main" id="{DDBA4036-6447-467F-9174-44FF682C0C9E}"/>
+                <a16:creationId xmlns:a16="http://schemas.microsoft.com/office/drawing/2014/main" id="{CAF3BB7F-7D9F-4C89-BB66-1B5BA7436C51}"/>
               </a:ext>
             </a:extLst>
           </p:cNvPr>
@@ -33429,46 +34103,87 @@
             <p:ph idx="1"/>
           </p:nvPr>
         </p:nvSpPr>
-        <p:spPr/>
+        <p:spPr>
+          <a:xfrm>
+            <a:off x="584200" y="1435503"/>
+            <a:ext cx="11018520" cy="4784905"/>
+          </a:xfrm>
+        </p:spPr>
         <p:txBody>
-          <a:bodyPr/>
+          <a:bodyPr>
+            <a:normAutofit/>
+          </a:bodyPr>
           <a:lstStyle/>
           <a:p>
-            <a:endParaRPr lang="en-IE" dirty="0"/>
-          </a:p>
-          <a:p>
             <a:r>
               <a:rPr lang="en-IE" dirty="0"/>
-              <a:t>Analyse Cloud Spending</a:t>
-            </a:r>
-          </a:p>
-          <a:p>
+              <a:t>Communicate the importance of tagging</a:t>
+            </a:r>
+          </a:p>
+          <a:p>
+            <a:pPr lvl="1"/>
             <a:r>
               <a:rPr lang="en-IE" dirty="0"/>
-              <a:t>Analyse Resource Utilisation</a:t>
-            </a:r>
-          </a:p>
-          <a:p>
-            <a:r>
-              <a:rPr lang="en-IE" i="1" dirty="0"/>
-              <a:t>Rightsizing</a:t>
+              <a:t>Collective responsibility rather than individual (whole group/department)</a:t>
             </a:r>
           </a:p>
           <a:p>
             <a:r>
               <a:rPr lang="en-IE" dirty="0"/>
-              <a:t>Suggest service alternatives </a:t>
-            </a:r>
-          </a:p>
-          <a:p>
-            <a:endParaRPr lang="en-IE" dirty="0"/>
+              <a:t>Cost related tag for each department</a:t>
+            </a:r>
+          </a:p>
+          <a:p>
+            <a:r>
+              <a:rPr lang="en-IE" dirty="0"/>
+              <a:t>Enforce tag existence with Azure Policy on creation</a:t>
+            </a:r>
+          </a:p>
+          <a:p>
+            <a:r>
+              <a:rPr lang="en-IE" dirty="0"/>
+              <a:t>Scan all resources and tag them </a:t>
+            </a:r>
+          </a:p>
+          <a:p>
+            <a:r>
+              <a:rPr lang="en-IE" dirty="0"/>
+              <a:t>Identify resource owner/creator</a:t>
+            </a:r>
+          </a:p>
+          <a:p>
+            <a:pPr lvl="1"/>
+            <a:r>
+              <a:rPr lang="en-IE" dirty="0"/>
+              <a:t>Who created what? </a:t>
+            </a:r>
+          </a:p>
+          <a:p>
+            <a:pPr lvl="1"/>
+            <a:r>
+              <a:rPr lang="en-IE" dirty="0"/>
+              <a:t>When was it created? </a:t>
+            </a:r>
+          </a:p>
+          <a:p>
+            <a:pPr lvl="1"/>
+            <a:r>
+              <a:rPr lang="en-IE" dirty="0"/>
+              <a:t>Does the owner still work in the organisation?</a:t>
+            </a:r>
+          </a:p>
+          <a:p>
+            <a:r>
+              <a:rPr lang="en-IE" dirty="0"/>
+              <a:t>Report resource utilization</a:t>
+            </a:r>
           </a:p>
         </p:txBody>
       </p:sp>
     </p:spTree>
     <p:extLst>
       <p:ext uri="{BB962C8B-B14F-4D97-AF65-F5344CB8AC3E}">
-        <p14:creationId xmlns:p14="http://schemas.microsoft.com/office/powerpoint/2010/main" val="1473791040"/>
+        <p14:creationId xmlns:p14="http://schemas.microsoft.com/office/powerpoint/2010/main" val="467041731"/>
       </p:ext>
     </p:extLst>
   </p:cSld>
@@ -33500,7 +34215,7 @@
           <p:cNvPr id="2" name="Title 1">
             <a:extLst>
               <a:ext uri="{FF2B5EF4-FFF2-40B4-BE49-F238E27FC236}">
-                <a16:creationId xmlns:a16="http://schemas.microsoft.com/office/drawing/2014/main" id="{AD9EDBCD-471E-4890-AE5F-78DA25714BFB}"/>
+                <a16:creationId xmlns:a16="http://schemas.microsoft.com/office/drawing/2014/main" id="{8D9531F3-4BCA-403B-85AF-ECB6899BF3B2}"/>
               </a:ext>
             </a:extLst>
           </p:cNvPr>
@@ -33518,7 +34233,7 @@
           <a:p>
             <a:r>
               <a:rPr lang="en-IE" dirty="0"/>
-              <a:t>Resource Inventory</a:t>
+              <a:t>Culture Practise</a:t>
             </a:r>
           </a:p>
         </p:txBody>
@@ -33528,7 +34243,118 @@
           <p:cNvPr id="3" name="Content Placeholder 2">
             <a:extLst>
               <a:ext uri="{FF2B5EF4-FFF2-40B4-BE49-F238E27FC236}">
-                <a16:creationId xmlns:a16="http://schemas.microsoft.com/office/drawing/2014/main" id="{CAF3BB7F-7D9F-4C89-BB66-1B5BA7436C51}"/>
+                <a16:creationId xmlns:a16="http://schemas.microsoft.com/office/drawing/2014/main" id="{21C29860-20AE-49ED-B87F-83B6CD182C5A}"/>
+              </a:ext>
+            </a:extLst>
+          </p:cNvPr>
+          <p:cNvSpPr>
+            <a:spLocks noGrp="1"/>
+          </p:cNvSpPr>
+          <p:nvPr>
+            <p:ph idx="1"/>
+          </p:nvPr>
+        </p:nvSpPr>
+        <p:spPr/>
+        <p:txBody>
+          <a:bodyPr/>
+          <a:lstStyle/>
+          <a:p>
+            <a:r>
+              <a:rPr lang="en-IE" dirty="0"/>
+              <a:t>Introduce the importance from the beginning (onboarding)</a:t>
+            </a:r>
+          </a:p>
+          <a:p>
+            <a:r>
+              <a:rPr lang="en-IE" dirty="0"/>
+              <a:t>Regularly promote FinOps (why? And how?)</a:t>
+            </a:r>
+          </a:p>
+          <a:p>
+            <a:r>
+              <a:rPr lang="en-IE" dirty="0"/>
+              <a:t>Continuously promote sustainability</a:t>
+            </a:r>
+          </a:p>
+          <a:p>
+            <a:r>
+              <a:rPr lang="en-IE" dirty="0"/>
+              <a:t>Encourage resource conservation</a:t>
+            </a:r>
+          </a:p>
+          <a:p>
+            <a:r>
+              <a:rPr lang="en-IE" dirty="0"/>
+              <a:t>Encourage engineers to consider resource cost </a:t>
+            </a:r>
+          </a:p>
+        </p:txBody>
+      </p:sp>
+    </p:spTree>
+    <p:extLst>
+      <p:ext uri="{BB962C8B-B14F-4D97-AF65-F5344CB8AC3E}">
+        <p14:creationId xmlns:p14="http://schemas.microsoft.com/office/powerpoint/2010/main" val="820100686"/>
+      </p:ext>
+    </p:extLst>
+  </p:cSld>
+  <p:clrMapOvr>
+    <a:masterClrMapping/>
+  </p:clrMapOvr>
+</p:sld>
+</file>
+
+<file path=ppt/slides/slide22.xml><?xml version="1.0" encoding="utf-8"?>
+<p:sld xmlns:a="http://schemas.openxmlformats.org/drawingml/2006/main" xmlns:r="http://schemas.openxmlformats.org/officeDocument/2006/relationships" xmlns:p="http://schemas.openxmlformats.org/presentationml/2006/main">
+  <p:cSld>
+    <p:spTree>
+      <p:nvGrpSpPr>
+        <p:cNvPr id="1" name=""/>
+        <p:cNvGrpSpPr/>
+        <p:nvPr/>
+      </p:nvGrpSpPr>
+      <p:grpSpPr>
+        <a:xfrm>
+          <a:off x="0" y="0"/>
+          <a:ext cx="0" cy="0"/>
+          <a:chOff x="0" y="0"/>
+          <a:chExt cx="0" cy="0"/>
+        </a:xfrm>
+      </p:grpSpPr>
+      <p:sp>
+        <p:nvSpPr>
+          <p:cNvPr id="2" name="Title 1">
+            <a:extLst>
+              <a:ext uri="{FF2B5EF4-FFF2-40B4-BE49-F238E27FC236}">
+                <a16:creationId xmlns:a16="http://schemas.microsoft.com/office/drawing/2014/main" id="{28E3A9B3-AB84-4176-B460-FABBAAB707A3}"/>
+              </a:ext>
+            </a:extLst>
+          </p:cNvPr>
+          <p:cNvSpPr>
+            <a:spLocks noGrp="1"/>
+          </p:cNvSpPr>
+          <p:nvPr>
+            <p:ph type="title"/>
+          </p:nvPr>
+        </p:nvSpPr>
+        <p:spPr/>
+        <p:txBody>
+          <a:bodyPr/>
+          <a:lstStyle/>
+          <a:p>
+            <a:pPr algn="ctr"/>
+            <a:r>
+              <a:rPr lang="en-IE" dirty="0"/>
+              <a:t>Human processes</a:t>
+            </a:r>
+          </a:p>
+        </p:txBody>
+      </p:sp>
+      <p:sp>
+        <p:nvSpPr>
+          <p:cNvPr id="3" name="Content Placeholder 2">
+            <a:extLst>
+              <a:ext uri="{FF2B5EF4-FFF2-40B4-BE49-F238E27FC236}">
+                <a16:creationId xmlns:a16="http://schemas.microsoft.com/office/drawing/2014/main" id="{CDD6B507-B76B-4193-A193-FA892F215A0C}"/>
               </a:ext>
             </a:extLst>
           </p:cNvPr>
@@ -33542,7 +34368,7 @@
         <p:spPr>
           <a:xfrm>
             <a:off x="584200" y="1435503"/>
-            <a:ext cx="11018520" cy="4784905"/>
+            <a:ext cx="11018520" cy="5015060"/>
           </a:xfrm>
         </p:spPr>
         <p:txBody>
@@ -33553,73 +34379,61 @@
           <a:p>
             <a:r>
               <a:rPr lang="en-IE" dirty="0"/>
-              <a:t>Communicate the importance of tagging</a:t>
+              <a:t>Separation of responsibilities </a:t>
+            </a:r>
+          </a:p>
+          <a:p>
+            <a:r>
+              <a:rPr lang="en-IE" dirty="0"/>
+              <a:t>Request approval process</a:t>
+            </a:r>
+          </a:p>
+          <a:p>
+            <a:r>
+              <a:rPr lang="en-IE" dirty="0"/>
+              <a:t>Governance and Licensing  </a:t>
+            </a:r>
+          </a:p>
+          <a:p>
+            <a:r>
+              <a:rPr lang="en-IE" dirty="0"/>
+              <a:t>Continuous Review </a:t>
             </a:r>
           </a:p>
           <a:p>
             <a:pPr lvl="1"/>
             <a:r>
               <a:rPr lang="en-IE" dirty="0"/>
-              <a:t>Collective responsibility rather than individual (whole group/department)</a:t>
-            </a:r>
-          </a:p>
-          <a:p>
+              <a:t>Resource Utilization</a:t>
+            </a:r>
+          </a:p>
+          <a:p>
+            <a:pPr lvl="1"/>
             <a:r>
               <a:rPr lang="en-IE" dirty="0"/>
-              <a:t>Cost related tag for each department</a:t>
-            </a:r>
+              <a:t>Resource Necessity </a:t>
+            </a:r>
+            <a:endParaRPr lang="ru-RU" dirty="0"/>
           </a:p>
           <a:p>
             <a:r>
               <a:rPr lang="en-IE" dirty="0"/>
-              <a:t>Enforce tag existence with Azure Policy on creation</a:t>
-            </a:r>
-          </a:p>
-          <a:p>
-            <a:r>
-              <a:rPr lang="en-IE" dirty="0"/>
-              <a:t>Scan all resources and tag them </a:t>
-            </a:r>
-          </a:p>
-          <a:p>
-            <a:r>
-              <a:rPr lang="en-IE" dirty="0"/>
-              <a:t>Identify resource owner/creator</a:t>
+              <a:t>Encourage good behaviour</a:t>
             </a:r>
           </a:p>
           <a:p>
             <a:pPr lvl="1"/>
-            <a:r>
-              <a:rPr lang="en-IE" dirty="0"/>
-              <a:t>Who created what? </a:t>
-            </a:r>
-          </a:p>
-          <a:p>
-            <a:pPr lvl="1"/>
-            <a:r>
-              <a:rPr lang="en-IE" dirty="0"/>
-              <a:t>When was it created? </a:t>
-            </a:r>
-          </a:p>
-          <a:p>
-            <a:pPr lvl="1"/>
-            <a:r>
-              <a:rPr lang="en-IE" dirty="0"/>
-              <a:t>Does the owner still work in the organisation?</a:t>
-            </a:r>
-          </a:p>
-          <a:p>
-            <a:r>
-              <a:rPr lang="en-IE" dirty="0"/>
-              <a:t>Report resource utilization</a:t>
-            </a:r>
+            <a:endParaRPr lang="en-IE" dirty="0"/>
+          </a:p>
+          <a:p>
+            <a:endParaRPr lang="en-IE" dirty="0"/>
           </a:p>
         </p:txBody>
       </p:sp>
     </p:spTree>
     <p:extLst>
       <p:ext uri="{BB962C8B-B14F-4D97-AF65-F5344CB8AC3E}">
-        <p14:creationId xmlns:p14="http://schemas.microsoft.com/office/powerpoint/2010/main" val="467041731"/>
+        <p14:creationId xmlns:p14="http://schemas.microsoft.com/office/powerpoint/2010/main" val="3433592864"/>
       </p:ext>
     </p:extLst>
   </p:cSld>
@@ -33629,7 +34443,102 @@
 </p:sld>
 </file>
 
-<file path=ppt/slides/slide22.xml><?xml version="1.0" encoding="utf-8"?>
+<file path=ppt/slides/slide23.xml><?xml version="1.0" encoding="utf-8"?>
+<p:sld xmlns:a="http://schemas.openxmlformats.org/drawingml/2006/main" xmlns:r="http://schemas.openxmlformats.org/officeDocument/2006/relationships" xmlns:p="http://schemas.openxmlformats.org/presentationml/2006/main">
+  <p:cSld>
+    <p:spTree>
+      <p:nvGrpSpPr>
+        <p:cNvPr id="1" name=""/>
+        <p:cNvGrpSpPr/>
+        <p:nvPr/>
+      </p:nvGrpSpPr>
+      <p:grpSpPr>
+        <a:xfrm>
+          <a:off x="0" y="0"/>
+          <a:ext cx="0" cy="0"/>
+          <a:chOff x="0" y="0"/>
+          <a:chExt cx="0" cy="0"/>
+        </a:xfrm>
+      </p:grpSpPr>
+      <p:sp>
+        <p:nvSpPr>
+          <p:cNvPr id="2" name="Title 1">
+            <a:extLst>
+              <a:ext uri="{FF2B5EF4-FFF2-40B4-BE49-F238E27FC236}">
+                <a16:creationId xmlns:a16="http://schemas.microsoft.com/office/drawing/2014/main" id="{F5A8F649-D585-4982-BDFA-FEB3ADAEBAB1}"/>
+              </a:ext>
+            </a:extLst>
+          </p:cNvPr>
+          <p:cNvSpPr>
+            <a:spLocks noGrp="1"/>
+          </p:cNvSpPr>
+          <p:nvPr>
+            <p:ph type="title"/>
+          </p:nvPr>
+        </p:nvSpPr>
+        <p:spPr/>
+        <p:txBody>
+          <a:bodyPr/>
+          <a:lstStyle/>
+          <a:p>
+            <a:r>
+              <a:rPr lang="en-IE" dirty="0"/>
+              <a:t>Why Separate Role?</a:t>
+            </a:r>
+          </a:p>
+        </p:txBody>
+      </p:sp>
+      <p:sp>
+        <p:nvSpPr>
+          <p:cNvPr id="3" name="Content Placeholder 2">
+            <a:extLst>
+              <a:ext uri="{FF2B5EF4-FFF2-40B4-BE49-F238E27FC236}">
+                <a16:creationId xmlns:a16="http://schemas.microsoft.com/office/drawing/2014/main" id="{BCE162B0-7494-40A9-9288-5B38D3789042}"/>
+              </a:ext>
+            </a:extLst>
+          </p:cNvPr>
+          <p:cNvSpPr>
+            <a:spLocks noGrp="1"/>
+          </p:cNvSpPr>
+          <p:nvPr>
+            <p:ph idx="1"/>
+          </p:nvPr>
+        </p:nvSpPr>
+        <p:spPr/>
+        <p:txBody>
+          <a:bodyPr/>
+          <a:lstStyle/>
+          <a:p>
+            <a:r>
+              <a:rPr lang="en-IE" dirty="0"/>
+              <a:t>Many resources created by multiple teams lead to disagreements who’s accountable for shared resources usage</a:t>
+            </a:r>
+          </a:p>
+          <a:p>
+            <a:r>
+              <a:rPr lang="en-IE" dirty="0"/>
+              <a:t>Central person/team – can define and own metrics for everyone</a:t>
+            </a:r>
+          </a:p>
+          <a:p>
+            <a:endParaRPr lang="en-IE" dirty="0"/>
+          </a:p>
+        </p:txBody>
+      </p:sp>
+    </p:spTree>
+    <p:extLst>
+      <p:ext uri="{BB962C8B-B14F-4D97-AF65-F5344CB8AC3E}">
+        <p14:creationId xmlns:p14="http://schemas.microsoft.com/office/powerpoint/2010/main" val="360827960"/>
+      </p:ext>
+    </p:extLst>
+  </p:cSld>
+  <p:clrMapOvr>
+    <a:masterClrMapping/>
+  </p:clrMapOvr>
+</p:sld>
+</file>
+
+<file path=ppt/slides/slide24.xml><?xml version="1.0" encoding="utf-8"?>
 <p:sld xmlns:a="http://schemas.openxmlformats.org/drawingml/2006/main" xmlns:r="http://schemas.openxmlformats.org/officeDocument/2006/relationships" xmlns:p="http://schemas.openxmlformats.org/presentationml/2006/main">
   <p:cSld>
     <p:spTree>
@@ -33712,7 +34621,7 @@
 </p:sld>
 </file>
 
-<file path=ppt/slides/slide23.xml><?xml version="1.0" encoding="utf-8"?>
+<file path=ppt/slides/slide25.xml><?xml version="1.0" encoding="utf-8"?>
 <p:sld xmlns:a="http://schemas.openxmlformats.org/drawingml/2006/main" xmlns:r="http://schemas.openxmlformats.org/officeDocument/2006/relationships" xmlns:p="http://schemas.openxmlformats.org/presentationml/2006/main">
   <p:cSld>
     <p:spTree>
@@ -33771,7 +34680,7 @@
           <p:nvPr>
             <p:extLst>
               <p:ext uri="{D42A27DB-BD31-4B8C-83A1-F6EECF244321}">
-                <p14:modId xmlns:p14="http://schemas.microsoft.com/office/powerpoint/2010/main" val="3657491335"/>
+                <p14:modId xmlns:p14="http://schemas.microsoft.com/office/powerpoint/2010/main" val="290518584"/>
               </p:ext>
             </p:extLst>
           </p:nvPr>
@@ -33799,289 +34708,7 @@
 </p:sld>
 </file>
 
-<file path=ppt/slides/slide24.xml><?xml version="1.0" encoding="utf-8"?>
-<p:sld xmlns:a="http://schemas.openxmlformats.org/drawingml/2006/main" xmlns:r="http://schemas.openxmlformats.org/officeDocument/2006/relationships" xmlns:p="http://schemas.openxmlformats.org/presentationml/2006/main">
-  <p:cSld>
-    <p:spTree>
-      <p:nvGrpSpPr>
-        <p:cNvPr id="1" name=""/>
-        <p:cNvGrpSpPr/>
-        <p:nvPr/>
-      </p:nvGrpSpPr>
-      <p:grpSpPr>
-        <a:xfrm>
-          <a:off x="0" y="0"/>
-          <a:ext cx="0" cy="0"/>
-          <a:chOff x="0" y="0"/>
-          <a:chExt cx="0" cy="0"/>
-        </a:xfrm>
-      </p:grpSpPr>
-      <p:sp>
-        <p:nvSpPr>
-          <p:cNvPr id="4" name="Title 3">
-            <a:extLst>
-              <a:ext uri="{FF2B5EF4-FFF2-40B4-BE49-F238E27FC236}">
-                <a16:creationId xmlns:a16="http://schemas.microsoft.com/office/drawing/2014/main" id="{C5501262-D1EB-492D-BCCD-0923FF170821}"/>
-              </a:ext>
-            </a:extLst>
-          </p:cNvPr>
-          <p:cNvSpPr>
-            <a:spLocks noGrp="1"/>
-          </p:cNvSpPr>
-          <p:nvPr>
-            <p:ph type="title"/>
-          </p:nvPr>
-        </p:nvSpPr>
-        <p:spPr/>
-        <p:txBody>
-          <a:bodyPr/>
-          <a:lstStyle/>
-          <a:p>
-            <a:r>
-              <a:rPr lang="en-IE" dirty="0"/>
-              <a:t>Real Time Reporting</a:t>
-            </a:r>
-          </a:p>
-        </p:txBody>
-      </p:sp>
-      <p:sp>
-        <p:nvSpPr>
-          <p:cNvPr id="5" name="Text Placeholder 4">
-            <a:extLst>
-              <a:ext uri="{FF2B5EF4-FFF2-40B4-BE49-F238E27FC236}">
-                <a16:creationId xmlns:a16="http://schemas.microsoft.com/office/drawing/2014/main" id="{E4F77F75-9884-4D21-8B0D-4ADFB7D372EF}"/>
-              </a:ext>
-            </a:extLst>
-          </p:cNvPr>
-          <p:cNvSpPr>
-            <a:spLocks noGrp="1"/>
-          </p:cNvSpPr>
-          <p:nvPr>
-            <p:ph type="body" idx="1"/>
-          </p:nvPr>
-        </p:nvSpPr>
-        <p:spPr/>
-        <p:txBody>
-          <a:bodyPr/>
-          <a:lstStyle/>
-          <a:p>
-            <a:r>
-              <a:rPr lang="en-IE" dirty="0"/>
-              <a:t>How can we provide information that teams need to make a better decision?</a:t>
-            </a:r>
-          </a:p>
-        </p:txBody>
-      </p:sp>
-    </p:spTree>
-    <p:extLst>
-      <p:ext uri="{BB962C8B-B14F-4D97-AF65-F5344CB8AC3E}">
-        <p14:creationId xmlns:p14="http://schemas.microsoft.com/office/powerpoint/2010/main" val="2896877450"/>
-      </p:ext>
-    </p:extLst>
-  </p:cSld>
-  <p:clrMapOvr>
-    <a:masterClrMapping/>
-  </p:clrMapOvr>
-</p:sld>
-</file>
-
-<file path=ppt/slides/slide25.xml><?xml version="1.0" encoding="utf-8"?>
-<p:sld xmlns:a="http://schemas.openxmlformats.org/drawingml/2006/main" xmlns:r="http://schemas.openxmlformats.org/officeDocument/2006/relationships" xmlns:p="http://schemas.openxmlformats.org/presentationml/2006/main">
-  <p:cSld>
-    <p:spTree>
-      <p:nvGrpSpPr>
-        <p:cNvPr id="1" name=""/>
-        <p:cNvGrpSpPr/>
-        <p:nvPr/>
-      </p:nvGrpSpPr>
-      <p:grpSpPr>
-        <a:xfrm>
-          <a:off x="0" y="0"/>
-          <a:ext cx="0" cy="0"/>
-          <a:chOff x="0" y="0"/>
-          <a:chExt cx="0" cy="0"/>
-        </a:xfrm>
-      </p:grpSpPr>
-      <p:sp>
-        <p:nvSpPr>
-          <p:cNvPr id="4" name="Title 3">
-            <a:extLst>
-              <a:ext uri="{FF2B5EF4-FFF2-40B4-BE49-F238E27FC236}">
-                <a16:creationId xmlns:a16="http://schemas.microsoft.com/office/drawing/2014/main" id="{02AFAC74-A389-467C-800C-B58128C57050}"/>
-              </a:ext>
-            </a:extLst>
-          </p:cNvPr>
-          <p:cNvSpPr>
-            <a:spLocks noGrp="1"/>
-          </p:cNvSpPr>
-          <p:nvPr>
-            <p:ph type="title"/>
-          </p:nvPr>
-        </p:nvSpPr>
-        <p:spPr/>
-        <p:txBody>
-          <a:bodyPr/>
-          <a:lstStyle/>
-          <a:p>
-            <a:r>
-              <a:rPr lang="en-IE" dirty="0"/>
-              <a:t>Reasoning</a:t>
-            </a:r>
-          </a:p>
-        </p:txBody>
-      </p:sp>
-      <p:sp>
-        <p:nvSpPr>
-          <p:cNvPr id="5" name="Content Placeholder 4">
-            <a:extLst>
-              <a:ext uri="{FF2B5EF4-FFF2-40B4-BE49-F238E27FC236}">
-                <a16:creationId xmlns:a16="http://schemas.microsoft.com/office/drawing/2014/main" id="{07DDDC08-1E51-4E0A-9B9E-150FC64C1A68}"/>
-              </a:ext>
-            </a:extLst>
-          </p:cNvPr>
-          <p:cNvSpPr>
-            <a:spLocks noGrp="1"/>
-          </p:cNvSpPr>
-          <p:nvPr>
-            <p:ph idx="1"/>
-          </p:nvPr>
-        </p:nvSpPr>
-        <p:spPr/>
-        <p:txBody>
-          <a:bodyPr/>
-          <a:lstStyle/>
-          <a:p>
-            <a:r>
-              <a:rPr lang="en-IE" dirty="0"/>
-              <a:t>Feedback </a:t>
-            </a:r>
-          </a:p>
-          <a:p>
-            <a:r>
-              <a:rPr lang="en-IE" dirty="0"/>
-              <a:t>Understanding business impact</a:t>
-            </a:r>
-          </a:p>
-          <a:p>
-            <a:r>
-              <a:rPr lang="en-IE" dirty="0"/>
-              <a:t>Accountability </a:t>
-            </a:r>
-          </a:p>
-          <a:p>
-            <a:r>
-              <a:rPr lang="en-IE" dirty="0"/>
-              <a:t>Informed decision</a:t>
-            </a:r>
-          </a:p>
-        </p:txBody>
-      </p:sp>
-    </p:spTree>
-    <p:extLst>
-      <p:ext uri="{BB962C8B-B14F-4D97-AF65-F5344CB8AC3E}">
-        <p14:creationId xmlns:p14="http://schemas.microsoft.com/office/powerpoint/2010/main" val="3351844833"/>
-      </p:ext>
-    </p:extLst>
-  </p:cSld>
-  <p:clrMapOvr>
-    <a:masterClrMapping/>
-  </p:clrMapOvr>
-</p:sld>
-</file>
-
 <file path=ppt/slides/slide26.xml><?xml version="1.0" encoding="utf-8"?>
-<p:sld xmlns:a="http://schemas.openxmlformats.org/drawingml/2006/main" xmlns:r="http://schemas.openxmlformats.org/officeDocument/2006/relationships" xmlns:p="http://schemas.openxmlformats.org/presentationml/2006/main">
-  <p:cSld>
-    <p:spTree>
-      <p:nvGrpSpPr>
-        <p:cNvPr id="1" name=""/>
-        <p:cNvGrpSpPr/>
-        <p:nvPr/>
-      </p:nvGrpSpPr>
-      <p:grpSpPr>
-        <a:xfrm>
-          <a:off x="0" y="0"/>
-          <a:ext cx="0" cy="0"/>
-          <a:chOff x="0" y="0"/>
-          <a:chExt cx="0" cy="0"/>
-        </a:xfrm>
-      </p:grpSpPr>
-      <p:sp>
-        <p:nvSpPr>
-          <p:cNvPr id="2" name="Title 1">
-            <a:extLst>
-              <a:ext uri="{FF2B5EF4-FFF2-40B4-BE49-F238E27FC236}">
-                <a16:creationId xmlns:a16="http://schemas.microsoft.com/office/drawing/2014/main" id="{E281AD0A-74AF-4A56-8583-3C08F8D34DF8}"/>
-              </a:ext>
-            </a:extLst>
-          </p:cNvPr>
-          <p:cNvSpPr>
-            <a:spLocks noGrp="1"/>
-          </p:cNvSpPr>
-          <p:nvPr>
-            <p:ph type="title"/>
-          </p:nvPr>
-        </p:nvSpPr>
-        <p:spPr/>
-        <p:txBody>
-          <a:bodyPr/>
-          <a:lstStyle/>
-          <a:p>
-            <a:r>
-              <a:rPr lang="en-IE" dirty="0"/>
-              <a:t>Report granularity</a:t>
-            </a:r>
-          </a:p>
-        </p:txBody>
-      </p:sp>
-      <p:sp>
-        <p:nvSpPr>
-          <p:cNvPr id="3" name="Content Placeholder 2">
-            <a:extLst>
-              <a:ext uri="{FF2B5EF4-FFF2-40B4-BE49-F238E27FC236}">
-                <a16:creationId xmlns:a16="http://schemas.microsoft.com/office/drawing/2014/main" id="{EC58F889-CD5B-4F4D-984E-7DB1F831106D}"/>
-              </a:ext>
-            </a:extLst>
-          </p:cNvPr>
-          <p:cNvSpPr>
-            <a:spLocks noGrp="1"/>
-          </p:cNvSpPr>
-          <p:nvPr>
-            <p:ph idx="1"/>
-          </p:nvPr>
-        </p:nvSpPr>
-        <p:spPr/>
-        <p:txBody>
-          <a:bodyPr/>
-          <a:lstStyle/>
-          <a:p>
-            <a:r>
-              <a:rPr lang="en-IE" dirty="0"/>
-              <a:t>Per resource group</a:t>
-            </a:r>
-          </a:p>
-          <a:p>
-            <a:r>
-              <a:rPr lang="en-IE" dirty="0"/>
-              <a:t>Tags can be used to mark resources per Department/Project</a:t>
-            </a:r>
-          </a:p>
-        </p:txBody>
-      </p:sp>
-    </p:spTree>
-    <p:extLst>
-      <p:ext uri="{BB962C8B-B14F-4D97-AF65-F5344CB8AC3E}">
-        <p14:creationId xmlns:p14="http://schemas.microsoft.com/office/powerpoint/2010/main" val="855628807"/>
-      </p:ext>
-    </p:extLst>
-  </p:cSld>
-  <p:clrMapOvr>
-    <a:masterClrMapping/>
-  </p:clrMapOvr>
-</p:sld>
-</file>
-
-<file path=ppt/slides/slide27.xml><?xml version="1.0" encoding="utf-8"?>
 <p:sld xmlns:a="http://schemas.openxmlformats.org/drawingml/2006/main" xmlns:r="http://schemas.openxmlformats.org/officeDocument/2006/relationships" xmlns:p="http://schemas.openxmlformats.org/presentationml/2006/main">
   <p:cSld>
     <p:spTree>
@@ -34168,7 +34795,7 @@
 </p:sld>
 </file>
 
-<file path=ppt/slides/slide28.xml><?xml version="1.0" encoding="utf-8"?>
+<file path=ppt/slides/slide27.xml><?xml version="1.0" encoding="utf-8"?>
 <p:sld xmlns:a="http://schemas.openxmlformats.org/drawingml/2006/main" xmlns:r="http://schemas.openxmlformats.org/officeDocument/2006/relationships" xmlns:p="http://schemas.openxmlformats.org/presentationml/2006/main">
   <p:cSld>
     <p:spTree>
@@ -34255,7 +34882,7 @@
 </p:sld>
 </file>
 
-<file path=ppt/slides/slide29.xml><?xml version="1.0" encoding="utf-8"?>
+<file path=ppt/slides/slide28.xml><?xml version="1.0" encoding="utf-8"?>
 <p:sld xmlns:a="http://schemas.openxmlformats.org/drawingml/2006/main" xmlns:r="http://schemas.openxmlformats.org/officeDocument/2006/relationships" xmlns:p="http://schemas.openxmlformats.org/presentationml/2006/main">
   <p:cSld>
     <p:spTree>
@@ -34345,6 +34972,95 @@
     <p:extLst>
       <p:ext uri="{BB962C8B-B14F-4D97-AF65-F5344CB8AC3E}">
         <p14:creationId xmlns:p14="http://schemas.microsoft.com/office/powerpoint/2010/main" val="1729660448"/>
+      </p:ext>
+    </p:extLst>
+  </p:cSld>
+  <p:clrMapOvr>
+    <a:masterClrMapping/>
+  </p:clrMapOvr>
+</p:sld>
+</file>
+
+<file path=ppt/slides/slide29.xml><?xml version="1.0" encoding="utf-8"?>
+<p:sld xmlns:a="http://schemas.openxmlformats.org/drawingml/2006/main" xmlns:r="http://schemas.openxmlformats.org/officeDocument/2006/relationships" xmlns:p="http://schemas.openxmlformats.org/presentationml/2006/main">
+  <p:cSld>
+    <p:spTree>
+      <p:nvGrpSpPr>
+        <p:cNvPr id="1" name=""/>
+        <p:cNvGrpSpPr/>
+        <p:nvPr/>
+      </p:nvGrpSpPr>
+      <p:grpSpPr>
+        <a:xfrm>
+          <a:off x="0" y="0"/>
+          <a:ext cx="0" cy="0"/>
+          <a:chOff x="0" y="0"/>
+          <a:chExt cx="0" cy="0"/>
+        </a:xfrm>
+      </p:grpSpPr>
+      <p:sp>
+        <p:nvSpPr>
+          <p:cNvPr id="2" name="Title 1">
+            <a:extLst>
+              <a:ext uri="{FF2B5EF4-FFF2-40B4-BE49-F238E27FC236}">
+                <a16:creationId xmlns:a16="http://schemas.microsoft.com/office/drawing/2014/main" id="{F526216F-5A7C-4A3C-BBED-E7FB46746415}"/>
+              </a:ext>
+            </a:extLst>
+          </p:cNvPr>
+          <p:cNvSpPr>
+            <a:spLocks noGrp="1"/>
+          </p:cNvSpPr>
+          <p:nvPr>
+            <p:ph type="title"/>
+          </p:nvPr>
+        </p:nvSpPr>
+        <p:spPr/>
+        <p:txBody>
+          <a:bodyPr/>
+          <a:lstStyle/>
+          <a:p>
+            <a:pPr algn="ctr"/>
+            <a:r>
+              <a:rPr lang="en-IE" dirty="0"/>
+              <a:t>Alert availability per subscription type</a:t>
+            </a:r>
+          </a:p>
+        </p:txBody>
+      </p:sp>
+      <p:pic>
+        <p:nvPicPr>
+          <p:cNvPr id="4" name="Picture 3">
+            <a:extLst>
+              <a:ext uri="{FF2B5EF4-FFF2-40B4-BE49-F238E27FC236}">
+                <a16:creationId xmlns:a16="http://schemas.microsoft.com/office/drawing/2014/main" id="{DBEC1CBC-3F68-4F5D-90E2-32BA2E20C5D5}"/>
+              </a:ext>
+            </a:extLst>
+          </p:cNvPr>
+          <p:cNvPicPr>
+            <a:picLocks noChangeAspect="1"/>
+          </p:cNvPicPr>
+          <p:nvPr/>
+        </p:nvPicPr>
+        <p:blipFill>
+          <a:blip r:embed="rId3"/>
+          <a:stretch>
+            <a:fillRect/>
+          </a:stretch>
+        </p:blipFill>
+        <p:spPr>
+          <a:xfrm>
+            <a:off x="838200" y="1925234"/>
+            <a:ext cx="10515600" cy="4148254"/>
+          </a:xfrm>
+          <a:prstGeom prst="rect">
+            <a:avLst/>
+          </a:prstGeom>
+        </p:spPr>
+      </p:pic>
+    </p:spTree>
+    <p:extLst>
+      <p:ext uri="{BB962C8B-B14F-4D97-AF65-F5344CB8AC3E}">
+        <p14:creationId xmlns:p14="http://schemas.microsoft.com/office/powerpoint/2010/main" val="696141294"/>
       </p:ext>
     </p:extLst>
   </p:cSld>
@@ -34423,7 +35139,7 @@
         <p:spPr>
           <a:xfrm>
             <a:off x="4354523" y="2309812"/>
-            <a:ext cx="7254865" cy="2909514"/>
+            <a:ext cx="7254865" cy="2289858"/>
           </a:xfrm>
         </p:spPr>
         <p:txBody>
@@ -34432,19 +35148,13 @@
           <a:p>
             <a:r>
               <a:rPr lang="en-US" dirty="0"/>
-              <a:t>Introduction</a:t>
+              <a:t>Customer Scenarios</a:t>
             </a:r>
           </a:p>
           <a:p>
             <a:r>
               <a:rPr lang="en-US" dirty="0"/>
-              <a:t>Cases</a:t>
-            </a:r>
-          </a:p>
-          <a:p>
-            <a:r>
-              <a:rPr lang="en-US" dirty="0"/>
-              <a:t>General Approach</a:t>
+              <a:t>General FinOps Framework</a:t>
             </a:r>
           </a:p>
           <a:p>
@@ -34493,95 +35203,6 @@
       </p:grpSpPr>
       <p:sp>
         <p:nvSpPr>
-          <p:cNvPr id="2" name="Title 1">
-            <a:extLst>
-              <a:ext uri="{FF2B5EF4-FFF2-40B4-BE49-F238E27FC236}">
-                <a16:creationId xmlns:a16="http://schemas.microsoft.com/office/drawing/2014/main" id="{F526216F-5A7C-4A3C-BBED-E7FB46746415}"/>
-              </a:ext>
-            </a:extLst>
-          </p:cNvPr>
-          <p:cNvSpPr>
-            <a:spLocks noGrp="1"/>
-          </p:cNvSpPr>
-          <p:nvPr>
-            <p:ph type="title"/>
-          </p:nvPr>
-        </p:nvSpPr>
-        <p:spPr/>
-        <p:txBody>
-          <a:bodyPr/>
-          <a:lstStyle/>
-          <a:p>
-            <a:pPr algn="ctr"/>
-            <a:r>
-              <a:rPr lang="en-IE" dirty="0"/>
-              <a:t>Alert availability per subscription type</a:t>
-            </a:r>
-          </a:p>
-        </p:txBody>
-      </p:sp>
-      <p:pic>
-        <p:nvPicPr>
-          <p:cNvPr id="4" name="Picture 3">
-            <a:extLst>
-              <a:ext uri="{FF2B5EF4-FFF2-40B4-BE49-F238E27FC236}">
-                <a16:creationId xmlns:a16="http://schemas.microsoft.com/office/drawing/2014/main" id="{DBEC1CBC-3F68-4F5D-90E2-32BA2E20C5D5}"/>
-              </a:ext>
-            </a:extLst>
-          </p:cNvPr>
-          <p:cNvPicPr>
-            <a:picLocks noChangeAspect="1"/>
-          </p:cNvPicPr>
-          <p:nvPr/>
-        </p:nvPicPr>
-        <p:blipFill>
-          <a:blip r:embed="rId3"/>
-          <a:stretch>
-            <a:fillRect/>
-          </a:stretch>
-        </p:blipFill>
-        <p:spPr>
-          <a:xfrm>
-            <a:off x="838200" y="1925234"/>
-            <a:ext cx="10515600" cy="4148254"/>
-          </a:xfrm>
-          <a:prstGeom prst="rect">
-            <a:avLst/>
-          </a:prstGeom>
-        </p:spPr>
-      </p:pic>
-    </p:spTree>
-    <p:extLst>
-      <p:ext uri="{BB962C8B-B14F-4D97-AF65-F5344CB8AC3E}">
-        <p14:creationId xmlns:p14="http://schemas.microsoft.com/office/powerpoint/2010/main" val="696141294"/>
-      </p:ext>
-    </p:extLst>
-  </p:cSld>
-  <p:clrMapOvr>
-    <a:masterClrMapping/>
-  </p:clrMapOvr>
-</p:sld>
-</file>
-
-<file path=ppt/slides/slide31.xml><?xml version="1.0" encoding="utf-8"?>
-<p:sld xmlns:a="http://schemas.openxmlformats.org/drawingml/2006/main" xmlns:r="http://schemas.openxmlformats.org/officeDocument/2006/relationships" xmlns:p="http://schemas.openxmlformats.org/presentationml/2006/main">
-  <p:cSld>
-    <p:spTree>
-      <p:nvGrpSpPr>
-        <p:cNvPr id="1" name=""/>
-        <p:cNvGrpSpPr/>
-        <p:nvPr/>
-      </p:nvGrpSpPr>
-      <p:grpSpPr>
-        <a:xfrm>
-          <a:off x="0" y="0"/>
-          <a:ext cx="0" cy="0"/>
-          <a:chOff x="0" y="0"/>
-          <a:chExt cx="0" cy="0"/>
-        </a:xfrm>
-      </p:grpSpPr>
-      <p:sp>
-        <p:nvSpPr>
           <p:cNvPr id="4" name="Title 3">
             <a:extLst>
               <a:ext uri="{FF2B5EF4-FFF2-40B4-BE49-F238E27FC236}">
@@ -34646,7 +35267,7 @@
 </p:sld>
 </file>
 
-<file path=ppt/slides/slide32.xml><?xml version="1.0" encoding="utf-8"?>
+<file path=ppt/slides/slide31.xml><?xml version="1.0" encoding="utf-8"?>
 <p:sld xmlns:a="http://schemas.openxmlformats.org/drawingml/2006/main" xmlns:r="http://schemas.openxmlformats.org/officeDocument/2006/relationships" xmlns:p="http://schemas.openxmlformats.org/presentationml/2006/main">
   <p:cSld>
     <p:spTree>
@@ -34739,7 +35360,7 @@
 </p:sld>
 </file>
 
-<file path=ppt/slides/slide33.xml><?xml version="1.0" encoding="utf-8"?>
+<file path=ppt/slides/slide32.xml><?xml version="1.0" encoding="utf-8"?>
 <p:sld xmlns:a="http://schemas.openxmlformats.org/drawingml/2006/main" xmlns:r="http://schemas.openxmlformats.org/officeDocument/2006/relationships" xmlns:p="http://schemas.openxmlformats.org/presentationml/2006/main">
   <p:cSld>
     <p:spTree>
@@ -34825,7 +35446,289 @@
 </p:sld>
 </file>
 
+<file path=ppt/slides/slide33.xml><?xml version="1.0" encoding="utf-8"?>
+<p:sld xmlns:a="http://schemas.openxmlformats.org/drawingml/2006/main" xmlns:r="http://schemas.openxmlformats.org/officeDocument/2006/relationships" xmlns:p="http://schemas.openxmlformats.org/presentationml/2006/main">
+  <p:cSld>
+    <p:spTree>
+      <p:nvGrpSpPr>
+        <p:cNvPr id="1" name=""/>
+        <p:cNvGrpSpPr/>
+        <p:nvPr/>
+      </p:nvGrpSpPr>
+      <p:grpSpPr>
+        <a:xfrm>
+          <a:off x="0" y="0"/>
+          <a:ext cx="0" cy="0"/>
+          <a:chOff x="0" y="0"/>
+          <a:chExt cx="0" cy="0"/>
+        </a:xfrm>
+      </p:grpSpPr>
+      <p:sp>
+        <p:nvSpPr>
+          <p:cNvPr id="4" name="Title 3">
+            <a:extLst>
+              <a:ext uri="{FF2B5EF4-FFF2-40B4-BE49-F238E27FC236}">
+                <a16:creationId xmlns:a16="http://schemas.microsoft.com/office/drawing/2014/main" id="{C5501262-D1EB-492D-BCCD-0923FF170821}"/>
+              </a:ext>
+            </a:extLst>
+          </p:cNvPr>
+          <p:cNvSpPr>
+            <a:spLocks noGrp="1"/>
+          </p:cNvSpPr>
+          <p:nvPr>
+            <p:ph type="title"/>
+          </p:nvPr>
+        </p:nvSpPr>
+        <p:spPr/>
+        <p:txBody>
+          <a:bodyPr/>
+          <a:lstStyle/>
+          <a:p>
+            <a:r>
+              <a:rPr lang="en-IE" dirty="0"/>
+              <a:t>Real Time Reporting</a:t>
+            </a:r>
+          </a:p>
+        </p:txBody>
+      </p:sp>
+      <p:sp>
+        <p:nvSpPr>
+          <p:cNvPr id="5" name="Text Placeholder 4">
+            <a:extLst>
+              <a:ext uri="{FF2B5EF4-FFF2-40B4-BE49-F238E27FC236}">
+                <a16:creationId xmlns:a16="http://schemas.microsoft.com/office/drawing/2014/main" id="{E4F77F75-9884-4D21-8B0D-4ADFB7D372EF}"/>
+              </a:ext>
+            </a:extLst>
+          </p:cNvPr>
+          <p:cNvSpPr>
+            <a:spLocks noGrp="1"/>
+          </p:cNvSpPr>
+          <p:nvPr>
+            <p:ph type="body" idx="1"/>
+          </p:nvPr>
+        </p:nvSpPr>
+        <p:spPr/>
+        <p:txBody>
+          <a:bodyPr/>
+          <a:lstStyle/>
+          <a:p>
+            <a:r>
+              <a:rPr lang="en-IE" dirty="0"/>
+              <a:t>How can we provide information that teams need to make a better decision?</a:t>
+            </a:r>
+          </a:p>
+        </p:txBody>
+      </p:sp>
+    </p:spTree>
+    <p:extLst>
+      <p:ext uri="{BB962C8B-B14F-4D97-AF65-F5344CB8AC3E}">
+        <p14:creationId xmlns:p14="http://schemas.microsoft.com/office/powerpoint/2010/main" val="2896877450"/>
+      </p:ext>
+    </p:extLst>
+  </p:cSld>
+  <p:clrMapOvr>
+    <a:masterClrMapping/>
+  </p:clrMapOvr>
+</p:sld>
+</file>
+
 <file path=ppt/slides/slide34.xml><?xml version="1.0" encoding="utf-8"?>
+<p:sld xmlns:a="http://schemas.openxmlformats.org/drawingml/2006/main" xmlns:r="http://schemas.openxmlformats.org/officeDocument/2006/relationships" xmlns:p="http://schemas.openxmlformats.org/presentationml/2006/main">
+  <p:cSld>
+    <p:spTree>
+      <p:nvGrpSpPr>
+        <p:cNvPr id="1" name=""/>
+        <p:cNvGrpSpPr/>
+        <p:nvPr/>
+      </p:nvGrpSpPr>
+      <p:grpSpPr>
+        <a:xfrm>
+          <a:off x="0" y="0"/>
+          <a:ext cx="0" cy="0"/>
+          <a:chOff x="0" y="0"/>
+          <a:chExt cx="0" cy="0"/>
+        </a:xfrm>
+      </p:grpSpPr>
+      <p:sp>
+        <p:nvSpPr>
+          <p:cNvPr id="4" name="Title 3">
+            <a:extLst>
+              <a:ext uri="{FF2B5EF4-FFF2-40B4-BE49-F238E27FC236}">
+                <a16:creationId xmlns:a16="http://schemas.microsoft.com/office/drawing/2014/main" id="{02AFAC74-A389-467C-800C-B58128C57050}"/>
+              </a:ext>
+            </a:extLst>
+          </p:cNvPr>
+          <p:cNvSpPr>
+            <a:spLocks noGrp="1"/>
+          </p:cNvSpPr>
+          <p:nvPr>
+            <p:ph type="title"/>
+          </p:nvPr>
+        </p:nvSpPr>
+        <p:spPr/>
+        <p:txBody>
+          <a:bodyPr/>
+          <a:lstStyle/>
+          <a:p>
+            <a:r>
+              <a:rPr lang="en-IE" dirty="0"/>
+              <a:t>Reasoning</a:t>
+            </a:r>
+          </a:p>
+        </p:txBody>
+      </p:sp>
+      <p:sp>
+        <p:nvSpPr>
+          <p:cNvPr id="5" name="Content Placeholder 4">
+            <a:extLst>
+              <a:ext uri="{FF2B5EF4-FFF2-40B4-BE49-F238E27FC236}">
+                <a16:creationId xmlns:a16="http://schemas.microsoft.com/office/drawing/2014/main" id="{07DDDC08-1E51-4E0A-9B9E-150FC64C1A68}"/>
+              </a:ext>
+            </a:extLst>
+          </p:cNvPr>
+          <p:cNvSpPr>
+            <a:spLocks noGrp="1"/>
+          </p:cNvSpPr>
+          <p:nvPr>
+            <p:ph idx="1"/>
+          </p:nvPr>
+        </p:nvSpPr>
+        <p:spPr/>
+        <p:txBody>
+          <a:bodyPr/>
+          <a:lstStyle/>
+          <a:p>
+            <a:r>
+              <a:rPr lang="en-IE" dirty="0"/>
+              <a:t>Feedback </a:t>
+            </a:r>
+          </a:p>
+          <a:p>
+            <a:r>
+              <a:rPr lang="en-IE" dirty="0"/>
+              <a:t>Understanding business impact</a:t>
+            </a:r>
+          </a:p>
+          <a:p>
+            <a:r>
+              <a:rPr lang="en-IE" dirty="0"/>
+              <a:t>Accountability </a:t>
+            </a:r>
+          </a:p>
+          <a:p>
+            <a:r>
+              <a:rPr lang="en-IE" dirty="0"/>
+              <a:t>Informed decision</a:t>
+            </a:r>
+          </a:p>
+        </p:txBody>
+      </p:sp>
+    </p:spTree>
+    <p:extLst>
+      <p:ext uri="{BB962C8B-B14F-4D97-AF65-F5344CB8AC3E}">
+        <p14:creationId xmlns:p14="http://schemas.microsoft.com/office/powerpoint/2010/main" val="3351844833"/>
+      </p:ext>
+    </p:extLst>
+  </p:cSld>
+  <p:clrMapOvr>
+    <a:masterClrMapping/>
+  </p:clrMapOvr>
+</p:sld>
+</file>
+
+<file path=ppt/slides/slide35.xml><?xml version="1.0" encoding="utf-8"?>
+<p:sld xmlns:a="http://schemas.openxmlformats.org/drawingml/2006/main" xmlns:r="http://schemas.openxmlformats.org/officeDocument/2006/relationships" xmlns:p="http://schemas.openxmlformats.org/presentationml/2006/main">
+  <p:cSld>
+    <p:spTree>
+      <p:nvGrpSpPr>
+        <p:cNvPr id="1" name=""/>
+        <p:cNvGrpSpPr/>
+        <p:nvPr/>
+      </p:nvGrpSpPr>
+      <p:grpSpPr>
+        <a:xfrm>
+          <a:off x="0" y="0"/>
+          <a:ext cx="0" cy="0"/>
+          <a:chOff x="0" y="0"/>
+          <a:chExt cx="0" cy="0"/>
+        </a:xfrm>
+      </p:grpSpPr>
+      <p:sp>
+        <p:nvSpPr>
+          <p:cNvPr id="2" name="Title 1">
+            <a:extLst>
+              <a:ext uri="{FF2B5EF4-FFF2-40B4-BE49-F238E27FC236}">
+                <a16:creationId xmlns:a16="http://schemas.microsoft.com/office/drawing/2014/main" id="{E281AD0A-74AF-4A56-8583-3C08F8D34DF8}"/>
+              </a:ext>
+            </a:extLst>
+          </p:cNvPr>
+          <p:cNvSpPr>
+            <a:spLocks noGrp="1"/>
+          </p:cNvSpPr>
+          <p:nvPr>
+            <p:ph type="title"/>
+          </p:nvPr>
+        </p:nvSpPr>
+        <p:spPr/>
+        <p:txBody>
+          <a:bodyPr/>
+          <a:lstStyle/>
+          <a:p>
+            <a:r>
+              <a:rPr lang="en-IE" dirty="0"/>
+              <a:t>Report granularity</a:t>
+            </a:r>
+          </a:p>
+        </p:txBody>
+      </p:sp>
+      <p:sp>
+        <p:nvSpPr>
+          <p:cNvPr id="3" name="Content Placeholder 2">
+            <a:extLst>
+              <a:ext uri="{FF2B5EF4-FFF2-40B4-BE49-F238E27FC236}">
+                <a16:creationId xmlns:a16="http://schemas.microsoft.com/office/drawing/2014/main" id="{EC58F889-CD5B-4F4D-984E-7DB1F831106D}"/>
+              </a:ext>
+            </a:extLst>
+          </p:cNvPr>
+          <p:cNvSpPr>
+            <a:spLocks noGrp="1"/>
+          </p:cNvSpPr>
+          <p:nvPr>
+            <p:ph idx="1"/>
+          </p:nvPr>
+        </p:nvSpPr>
+        <p:spPr/>
+        <p:txBody>
+          <a:bodyPr/>
+          <a:lstStyle/>
+          <a:p>
+            <a:r>
+              <a:rPr lang="en-IE" dirty="0"/>
+              <a:t>Per resource group</a:t>
+            </a:r>
+          </a:p>
+          <a:p>
+            <a:r>
+              <a:rPr lang="en-IE" dirty="0"/>
+              <a:t>Tags can be used to mark resources per Department/Project</a:t>
+            </a:r>
+          </a:p>
+        </p:txBody>
+      </p:sp>
+    </p:spTree>
+    <p:extLst>
+      <p:ext uri="{BB962C8B-B14F-4D97-AF65-F5344CB8AC3E}">
+        <p14:creationId xmlns:p14="http://schemas.microsoft.com/office/powerpoint/2010/main" val="855628807"/>
+      </p:ext>
+    </p:extLst>
+  </p:cSld>
+  <p:clrMapOvr>
+    <a:masterClrMapping/>
+  </p:clrMapOvr>
+</p:sld>
+</file>
+
+<file path=ppt/slides/slide36.xml><?xml version="1.0" encoding="utf-8"?>
 <p:sld xmlns:a="http://schemas.openxmlformats.org/drawingml/2006/main" xmlns:r="http://schemas.openxmlformats.org/officeDocument/2006/relationships" xmlns:p="http://schemas.openxmlformats.org/presentationml/2006/main">
   <p:cSld>
     <p:spTree>
@@ -34908,7 +35811,7 @@
 </p:sld>
 </file>
 
-<file path=ppt/slides/slide35.xml><?xml version="1.0" encoding="utf-8"?>
+<file path=ppt/slides/slide37.xml><?xml version="1.0" encoding="utf-8"?>
 <p:sld xmlns:a="http://schemas.openxmlformats.org/drawingml/2006/main" xmlns:r="http://schemas.openxmlformats.org/officeDocument/2006/relationships" xmlns:p="http://schemas.openxmlformats.org/presentationml/2006/main">
   <p:cSld>
     <p:spTree>
@@ -34997,7 +35900,7 @@
 </p:sld>
 </file>
 
-<file path=ppt/slides/slide36.xml><?xml version="1.0" encoding="utf-8"?>
+<file path=ppt/slides/slide38.xml><?xml version="1.0" encoding="utf-8"?>
 <p:sld xmlns:a="http://schemas.openxmlformats.org/drawingml/2006/main" xmlns:r="http://schemas.openxmlformats.org/officeDocument/2006/relationships" xmlns:p="http://schemas.openxmlformats.org/presentationml/2006/main">
   <p:cSld>
     <p:spTree>
@@ -35132,7 +36035,7 @@
 </p:sld>
 </file>
 
-<file path=ppt/slides/slide37.xml><?xml version="1.0" encoding="utf-8"?>
+<file path=ppt/slides/slide39.xml><?xml version="1.0" encoding="utf-8"?>
 <p:sld xmlns:a="http://schemas.openxmlformats.org/drawingml/2006/main" xmlns:r="http://schemas.openxmlformats.org/officeDocument/2006/relationships" xmlns:p="http://schemas.openxmlformats.org/presentationml/2006/main">
   <p:cSld>
     <p:spTree>
@@ -35248,263 +36151,6 @@
     <p:extLst>
       <p:ext uri="{BB962C8B-B14F-4D97-AF65-F5344CB8AC3E}">
         <p14:creationId xmlns:p14="http://schemas.microsoft.com/office/powerpoint/2010/main" val="2232558549"/>
-      </p:ext>
-    </p:extLst>
-  </p:cSld>
-  <p:clrMapOvr>
-    <a:masterClrMapping/>
-  </p:clrMapOvr>
-</p:sld>
-</file>
-
-<file path=ppt/slides/slide38.xml><?xml version="1.0" encoding="utf-8"?>
-<p:sld xmlns:a="http://schemas.openxmlformats.org/drawingml/2006/main" xmlns:r="http://schemas.openxmlformats.org/officeDocument/2006/relationships" xmlns:p="http://schemas.openxmlformats.org/presentationml/2006/main">
-  <p:cSld>
-    <p:spTree>
-      <p:nvGrpSpPr>
-        <p:cNvPr id="1" name=""/>
-        <p:cNvGrpSpPr/>
-        <p:nvPr/>
-      </p:nvGrpSpPr>
-      <p:grpSpPr>
-        <a:xfrm>
-          <a:off x="0" y="0"/>
-          <a:ext cx="0" cy="0"/>
-          <a:chOff x="0" y="0"/>
-          <a:chExt cx="0" cy="0"/>
-        </a:xfrm>
-      </p:grpSpPr>
-      <p:sp>
-        <p:nvSpPr>
-          <p:cNvPr id="2" name="Title 1">
-            <a:extLst>
-              <a:ext uri="{FF2B5EF4-FFF2-40B4-BE49-F238E27FC236}">
-                <a16:creationId xmlns:a16="http://schemas.microsoft.com/office/drawing/2014/main" id="{A457B1B9-27D3-4A33-B0B8-DE77A20BDB4C}"/>
-              </a:ext>
-            </a:extLst>
-          </p:cNvPr>
-          <p:cNvSpPr>
-            <a:spLocks noGrp="1"/>
-          </p:cNvSpPr>
-          <p:nvPr>
-            <p:ph type="title"/>
-          </p:nvPr>
-        </p:nvSpPr>
-        <p:spPr/>
-        <p:txBody>
-          <a:bodyPr/>
-          <a:lstStyle/>
-          <a:p>
-            <a:pPr algn="ctr"/>
-            <a:r>
-              <a:rPr lang="en-IE" dirty="0"/>
-              <a:t>Dev/Test workload optimizations</a:t>
-            </a:r>
-          </a:p>
-        </p:txBody>
-      </p:sp>
-      <p:sp>
-        <p:nvSpPr>
-          <p:cNvPr id="3" name="Content Placeholder 2">
-            <a:extLst>
-              <a:ext uri="{FF2B5EF4-FFF2-40B4-BE49-F238E27FC236}">
-                <a16:creationId xmlns:a16="http://schemas.microsoft.com/office/drawing/2014/main" id="{4759384C-04EA-4F86-ADD1-4E1021124DF6}"/>
-              </a:ext>
-            </a:extLst>
-          </p:cNvPr>
-          <p:cNvSpPr>
-            <a:spLocks noGrp="1"/>
-          </p:cNvSpPr>
-          <p:nvPr>
-            <p:ph idx="1"/>
-          </p:nvPr>
-        </p:nvSpPr>
-        <p:spPr/>
-        <p:txBody>
-          <a:bodyPr/>
-          <a:lstStyle/>
-          <a:p>
-            <a:r>
-              <a:rPr lang="en-IE" dirty="0"/>
-              <a:t>Visual Studio Subscriptions, </a:t>
-            </a:r>
-            <a:r>
-              <a:rPr lang="en-IE"/>
-              <a:t>Azure Dev/Test</a:t>
-            </a:r>
-            <a:endParaRPr lang="en-IE" dirty="0"/>
-          </a:p>
-          <a:p>
-            <a:pPr lvl="1"/>
-            <a:r>
-              <a:rPr lang="en-IE" dirty="0"/>
-              <a:t>Azure credits </a:t>
-            </a:r>
-          </a:p>
-          <a:p>
-            <a:pPr lvl="1"/>
-            <a:r>
-              <a:rPr lang="en-IE" dirty="0"/>
-              <a:t>Cheaper resources</a:t>
-            </a:r>
-          </a:p>
-          <a:p>
-            <a:pPr lvl="1"/>
-            <a:r>
-              <a:rPr lang="en-IE" dirty="0"/>
-              <a:t>Dev/Test licenses </a:t>
-            </a:r>
-          </a:p>
-          <a:p>
-            <a:r>
-              <a:rPr lang="en-IE" dirty="0"/>
-              <a:t>Dev/Test Licenses for SQL Server</a:t>
-            </a:r>
-          </a:p>
-          <a:p>
-            <a:r>
-              <a:rPr lang="en-IE" dirty="0"/>
-              <a:t>Azure Dev/Test</a:t>
-            </a:r>
-          </a:p>
-          <a:p>
-            <a:pPr lvl="1"/>
-            <a:r>
-              <a:rPr lang="en-IE" dirty="0"/>
-              <a:t>Combines with Azure Reservations for further discounts</a:t>
-            </a:r>
-          </a:p>
-        </p:txBody>
-      </p:sp>
-    </p:spTree>
-    <p:extLst>
-      <p:ext uri="{BB962C8B-B14F-4D97-AF65-F5344CB8AC3E}">
-        <p14:creationId xmlns:p14="http://schemas.microsoft.com/office/powerpoint/2010/main" val="3163337946"/>
-      </p:ext>
-    </p:extLst>
-  </p:cSld>
-  <p:clrMapOvr>
-    <a:masterClrMapping/>
-  </p:clrMapOvr>
-</p:sld>
-</file>
-
-<file path=ppt/slides/slide39.xml><?xml version="1.0" encoding="utf-8"?>
-<p:sld xmlns:a="http://schemas.openxmlformats.org/drawingml/2006/main" xmlns:r="http://schemas.openxmlformats.org/officeDocument/2006/relationships" xmlns:p="http://schemas.openxmlformats.org/presentationml/2006/main">
-  <p:cSld>
-    <p:spTree>
-      <p:nvGrpSpPr>
-        <p:cNvPr id="1" name=""/>
-        <p:cNvGrpSpPr/>
-        <p:nvPr/>
-      </p:nvGrpSpPr>
-      <p:grpSpPr>
-        <a:xfrm>
-          <a:off x="0" y="0"/>
-          <a:ext cx="0" cy="0"/>
-          <a:chOff x="0" y="0"/>
-          <a:chExt cx="0" cy="0"/>
-        </a:xfrm>
-      </p:grpSpPr>
-      <p:sp>
-        <p:nvSpPr>
-          <p:cNvPr id="2" name="Title 1">
-            <a:extLst>
-              <a:ext uri="{FF2B5EF4-FFF2-40B4-BE49-F238E27FC236}">
-                <a16:creationId xmlns:a16="http://schemas.microsoft.com/office/drawing/2014/main" id="{1B4E742A-3D37-4EA7-9A83-37CD68CA7F7C}"/>
-              </a:ext>
-            </a:extLst>
-          </p:cNvPr>
-          <p:cNvSpPr>
-            <a:spLocks noGrp="1"/>
-          </p:cNvSpPr>
-          <p:nvPr>
-            <p:ph type="title"/>
-          </p:nvPr>
-        </p:nvSpPr>
-        <p:spPr/>
-        <p:txBody>
-          <a:bodyPr/>
-          <a:lstStyle/>
-          <a:p>
-            <a:pPr algn="ctr"/>
-            <a:r>
-              <a:rPr lang="en-IE" dirty="0"/>
-              <a:t>Azure VM Optimizations</a:t>
-            </a:r>
-          </a:p>
-        </p:txBody>
-      </p:sp>
-      <p:sp>
-        <p:nvSpPr>
-          <p:cNvPr id="3" name="Content Placeholder 2">
-            <a:extLst>
-              <a:ext uri="{FF2B5EF4-FFF2-40B4-BE49-F238E27FC236}">
-                <a16:creationId xmlns:a16="http://schemas.microsoft.com/office/drawing/2014/main" id="{E884581F-23BF-43FF-BC4D-2DD94E04B1D8}"/>
-              </a:ext>
-            </a:extLst>
-          </p:cNvPr>
-          <p:cNvSpPr>
-            <a:spLocks noGrp="1"/>
-          </p:cNvSpPr>
-          <p:nvPr>
-            <p:ph idx="1"/>
-          </p:nvPr>
-        </p:nvSpPr>
-        <p:spPr/>
-        <p:txBody>
-          <a:bodyPr/>
-          <a:lstStyle/>
-          <a:p>
-            <a:r>
-              <a:rPr lang="en-IE" dirty="0"/>
-              <a:t>Azure Reservations (1 year, 3 years)</a:t>
-            </a:r>
-          </a:p>
-          <a:p>
-            <a:r>
-              <a:rPr lang="en-IE" dirty="0"/>
-              <a:t>Size optimizations</a:t>
-            </a:r>
-          </a:p>
-          <a:p>
-            <a:r>
-              <a:rPr lang="en-IE" dirty="0"/>
-              <a:t>Scale optimizations</a:t>
-            </a:r>
-          </a:p>
-          <a:p>
-            <a:pPr lvl="1"/>
-            <a:r>
-              <a:rPr lang="en-IE" dirty="0"/>
-              <a:t>Vertical scale – requires a reboot</a:t>
-            </a:r>
-          </a:p>
-          <a:p>
-            <a:pPr lvl="1"/>
-            <a:r>
-              <a:rPr lang="en-IE" dirty="0"/>
-              <a:t>Horizontal scale – add/remove VMs as needed</a:t>
-            </a:r>
-          </a:p>
-          <a:p>
-            <a:r>
-              <a:rPr lang="en-IE" dirty="0"/>
-              <a:t>Shutdown VM (predictable load pattern)</a:t>
-            </a:r>
-          </a:p>
-          <a:p>
-            <a:r>
-              <a:rPr lang="en-IE" dirty="0"/>
-              <a:t>Azure Spot Instances (for certain workloads)</a:t>
-            </a:r>
-          </a:p>
-        </p:txBody>
-      </p:sp>
-    </p:spTree>
-    <p:extLst>
-      <p:ext uri="{BB962C8B-B14F-4D97-AF65-F5344CB8AC3E}">
-        <p14:creationId xmlns:p14="http://schemas.microsoft.com/office/powerpoint/2010/main" val="2959680776"/>
       </p:ext>
     </p:extLst>
   </p:cSld>
@@ -35619,7 +36265,7 @@
           <p:cNvPr id="2" name="Title 1">
             <a:extLst>
               <a:ext uri="{FF2B5EF4-FFF2-40B4-BE49-F238E27FC236}">
-                <a16:creationId xmlns:a16="http://schemas.microsoft.com/office/drawing/2014/main" id="{35E25410-6209-4400-AB7F-8021D2E1CD28}"/>
+                <a16:creationId xmlns:a16="http://schemas.microsoft.com/office/drawing/2014/main" id="{A457B1B9-27D3-4A33-B0B8-DE77A20BDB4C}"/>
               </a:ext>
             </a:extLst>
           </p:cNvPr>
@@ -35638,7 +36284,7 @@
             <a:pPr algn="ctr"/>
             <a:r>
               <a:rPr lang="en-IE" dirty="0"/>
-              <a:t>Storage optimization </a:t>
+              <a:t>Dev/Test workload optimizations</a:t>
             </a:r>
           </a:p>
         </p:txBody>
@@ -35648,7 +36294,7 @@
           <p:cNvPr id="3" name="Content Placeholder 2">
             <a:extLst>
               <a:ext uri="{FF2B5EF4-FFF2-40B4-BE49-F238E27FC236}">
-                <a16:creationId xmlns:a16="http://schemas.microsoft.com/office/drawing/2014/main" id="{44B11494-2C9C-4008-A739-8DDCF1A4F1D0}"/>
+                <a16:creationId xmlns:a16="http://schemas.microsoft.com/office/drawing/2014/main" id="{4759384C-04EA-4F86-ADD1-4E1021124DF6}"/>
               </a:ext>
             </a:extLst>
           </p:cNvPr>
@@ -35666,30 +36312,60 @@
           <a:p>
             <a:r>
               <a:rPr lang="en-IE" dirty="0"/>
-              <a:t>Use Standard HDD for less demanding workloads</a:t>
-            </a:r>
-          </a:p>
-          <a:p>
+              <a:t>Visual Studio Subscriptions, </a:t>
+            </a:r>
+            <a:r>
+              <a:rPr lang="en-IE"/>
+              <a:t>Azure Dev/Test</a:t>
+            </a:r>
+            <a:endParaRPr lang="en-IE" dirty="0"/>
+          </a:p>
+          <a:p>
+            <a:pPr lvl="1"/>
             <a:r>
               <a:rPr lang="en-IE" dirty="0"/>
-              <a:t>Premium HDDs for more demanding workloads</a:t>
-            </a:r>
-          </a:p>
-          <a:p>
+              <a:t>Azure credits </a:t>
+            </a:r>
+          </a:p>
+          <a:p>
+            <a:pPr lvl="1"/>
             <a:r>
               <a:rPr lang="en-IE" dirty="0"/>
-              <a:t>Tiered storage (hot, cold, archive)</a:t>
-            </a:r>
-          </a:p>
-          <a:p>
-            <a:endParaRPr lang="en-IE" dirty="0"/>
+              <a:t>Cheaper resources</a:t>
+            </a:r>
+          </a:p>
+          <a:p>
+            <a:pPr lvl="1"/>
+            <a:r>
+              <a:rPr lang="en-IE" dirty="0"/>
+              <a:t>Dev/Test licenses </a:t>
+            </a:r>
+          </a:p>
+          <a:p>
+            <a:r>
+              <a:rPr lang="en-IE" dirty="0"/>
+              <a:t>Dev/Test Licenses for SQL Server</a:t>
+            </a:r>
+          </a:p>
+          <a:p>
+            <a:r>
+              <a:rPr lang="en-IE" dirty="0"/>
+              <a:t>Azure Dev/Test</a:t>
+            </a:r>
+          </a:p>
+          <a:p>
+            <a:pPr lvl="1"/>
+            <a:r>
+              <a:rPr lang="en-IE" dirty="0"/>
+              <a:t>Combines with Azure Reservations for further discounts</a:t>
+            </a:r>
           </a:p>
         </p:txBody>
       </p:sp>
     </p:spTree>
     <p:extLst>
       <p:ext uri="{BB962C8B-B14F-4D97-AF65-F5344CB8AC3E}">
-        <p14:creationId xmlns:p14="http://schemas.microsoft.com/office/powerpoint/2010/main" val="1867661302"/>
+        <p14:creationId xmlns:p14="http://schemas.microsoft.com/office/powerpoint/2010/main" val="3163337946"/>
       </p:ext>
     </p:extLst>
   </p:cSld>
@@ -35721,7 +36397,7 @@
           <p:cNvPr id="2" name="Title 1">
             <a:extLst>
               <a:ext uri="{FF2B5EF4-FFF2-40B4-BE49-F238E27FC236}">
-                <a16:creationId xmlns:a16="http://schemas.microsoft.com/office/drawing/2014/main" id="{BF39B9AA-7916-48BC-8706-4CF96503C51B}"/>
+                <a16:creationId xmlns:a16="http://schemas.microsoft.com/office/drawing/2014/main" id="{1B4E742A-3D37-4EA7-9A83-37CD68CA7F7C}"/>
               </a:ext>
             </a:extLst>
           </p:cNvPr>
@@ -35740,7 +36416,7 @@
             <a:pPr algn="ctr"/>
             <a:r>
               <a:rPr lang="en-IE" dirty="0"/>
-              <a:t>App Service</a:t>
+              <a:t>Azure VM Optimizations</a:t>
             </a:r>
           </a:p>
         </p:txBody>
@@ -35750,7 +36426,7 @@
           <p:cNvPr id="3" name="Content Placeholder 2">
             <a:extLst>
               <a:ext uri="{FF2B5EF4-FFF2-40B4-BE49-F238E27FC236}">
-                <a16:creationId xmlns:a16="http://schemas.microsoft.com/office/drawing/2014/main" id="{18129FBF-9716-4536-8F61-CDDF25FAD84F}"/>
+                <a16:creationId xmlns:a16="http://schemas.microsoft.com/office/drawing/2014/main" id="{E884581F-23BF-43FF-BC4D-2DD94E04B1D8}"/>
               </a:ext>
             </a:extLst>
           </p:cNvPr>
@@ -35767,15 +36443,46 @@
           <a:lstStyle/>
           <a:p>
             <a:r>
-              <a:rPr lang="en-IE" dirty="0" err="1"/>
-              <a:t>Autoscale</a:t>
-            </a:r>
-            <a:endParaRPr lang="ru-RU" dirty="0"/>
-          </a:p>
-          <a:p>
-            <a:r>
               <a:rPr lang="en-IE" dirty="0"/>
-              <a:t>Multiple websites in a single App Service Plan</a:t>
+              <a:t>Azure Reservations (1 year, 3 years)</a:t>
+            </a:r>
+          </a:p>
+          <a:p>
+            <a:r>
+              <a:rPr lang="en-IE" dirty="0"/>
+              <a:t>Size optimizations</a:t>
+            </a:r>
+          </a:p>
+          <a:p>
+            <a:r>
+              <a:rPr lang="en-IE" dirty="0"/>
+              <a:t>Scale optimizations</a:t>
+            </a:r>
+          </a:p>
+          <a:p>
+            <a:pPr lvl="1"/>
+            <a:r>
+              <a:rPr lang="en-IE" dirty="0"/>
+              <a:t>Vertical scale – requires a reboot</a:t>
+            </a:r>
+          </a:p>
+          <a:p>
+            <a:pPr lvl="1"/>
+            <a:r>
+              <a:rPr lang="en-IE" dirty="0"/>
+              <a:t>Horizontal scale – add/remove VMs as needed</a:t>
+            </a:r>
+          </a:p>
+          <a:p>
+            <a:r>
+              <a:rPr lang="en-IE" dirty="0"/>
+              <a:t>Shutdown VM (predictable load pattern)</a:t>
+            </a:r>
+          </a:p>
+          <a:p>
+            <a:r>
+              <a:rPr lang="en-IE" dirty="0"/>
+              <a:t>Azure Spot Instances (for certain workloads)</a:t>
             </a:r>
           </a:p>
         </p:txBody>
@@ -35783,7 +36490,7 @@
     </p:spTree>
     <p:extLst>
       <p:ext uri="{BB962C8B-B14F-4D97-AF65-F5344CB8AC3E}">
-        <p14:creationId xmlns:p14="http://schemas.microsoft.com/office/powerpoint/2010/main" val="3754942951"/>
+        <p14:creationId xmlns:p14="http://schemas.microsoft.com/office/powerpoint/2010/main" val="2959680776"/>
       </p:ext>
     </p:extLst>
   </p:cSld>
@@ -35794,6 +36501,108 @@
 </file>
 
 <file path=ppt/slides/slide42.xml><?xml version="1.0" encoding="utf-8"?>
+<p:sld xmlns:a="http://schemas.openxmlformats.org/drawingml/2006/main" xmlns:r="http://schemas.openxmlformats.org/officeDocument/2006/relationships" xmlns:p="http://schemas.openxmlformats.org/presentationml/2006/main">
+  <p:cSld>
+    <p:spTree>
+      <p:nvGrpSpPr>
+        <p:cNvPr id="1" name=""/>
+        <p:cNvGrpSpPr/>
+        <p:nvPr/>
+      </p:nvGrpSpPr>
+      <p:grpSpPr>
+        <a:xfrm>
+          <a:off x="0" y="0"/>
+          <a:ext cx="0" cy="0"/>
+          <a:chOff x="0" y="0"/>
+          <a:chExt cx="0" cy="0"/>
+        </a:xfrm>
+      </p:grpSpPr>
+      <p:sp>
+        <p:nvSpPr>
+          <p:cNvPr id="2" name="Title 1">
+            <a:extLst>
+              <a:ext uri="{FF2B5EF4-FFF2-40B4-BE49-F238E27FC236}">
+                <a16:creationId xmlns:a16="http://schemas.microsoft.com/office/drawing/2014/main" id="{35E25410-6209-4400-AB7F-8021D2E1CD28}"/>
+              </a:ext>
+            </a:extLst>
+          </p:cNvPr>
+          <p:cNvSpPr>
+            <a:spLocks noGrp="1"/>
+          </p:cNvSpPr>
+          <p:nvPr>
+            <p:ph type="title"/>
+          </p:nvPr>
+        </p:nvSpPr>
+        <p:spPr/>
+        <p:txBody>
+          <a:bodyPr/>
+          <a:lstStyle/>
+          <a:p>
+            <a:pPr algn="ctr"/>
+            <a:r>
+              <a:rPr lang="en-IE" dirty="0"/>
+              <a:t>Storage optimization </a:t>
+            </a:r>
+          </a:p>
+        </p:txBody>
+      </p:sp>
+      <p:sp>
+        <p:nvSpPr>
+          <p:cNvPr id="3" name="Content Placeholder 2">
+            <a:extLst>
+              <a:ext uri="{FF2B5EF4-FFF2-40B4-BE49-F238E27FC236}">
+                <a16:creationId xmlns:a16="http://schemas.microsoft.com/office/drawing/2014/main" id="{44B11494-2C9C-4008-A739-8DDCF1A4F1D0}"/>
+              </a:ext>
+            </a:extLst>
+          </p:cNvPr>
+          <p:cNvSpPr>
+            <a:spLocks noGrp="1"/>
+          </p:cNvSpPr>
+          <p:nvPr>
+            <p:ph idx="1"/>
+          </p:nvPr>
+        </p:nvSpPr>
+        <p:spPr/>
+        <p:txBody>
+          <a:bodyPr/>
+          <a:lstStyle/>
+          <a:p>
+            <a:r>
+              <a:rPr lang="en-IE" dirty="0"/>
+              <a:t>Use Standard HDD for less demanding workloads</a:t>
+            </a:r>
+          </a:p>
+          <a:p>
+            <a:r>
+              <a:rPr lang="en-IE" dirty="0"/>
+              <a:t>Premium HDDs for more demanding workloads</a:t>
+            </a:r>
+          </a:p>
+          <a:p>
+            <a:r>
+              <a:rPr lang="en-IE" dirty="0"/>
+              <a:t>Tiered storage (hot, cold, archive)</a:t>
+            </a:r>
+          </a:p>
+          <a:p>
+            <a:endParaRPr lang="en-IE" dirty="0"/>
+          </a:p>
+        </p:txBody>
+      </p:sp>
+    </p:spTree>
+    <p:extLst>
+      <p:ext uri="{BB962C8B-B14F-4D97-AF65-F5344CB8AC3E}">
+        <p14:creationId xmlns:p14="http://schemas.microsoft.com/office/powerpoint/2010/main" val="1867661302"/>
+      </p:ext>
+    </p:extLst>
+  </p:cSld>
+  <p:clrMapOvr>
+    <a:masterClrMapping/>
+  </p:clrMapOvr>
+</p:sld>
+</file>
+
+<file path=ppt/slides/slide43.xml><?xml version="1.0" encoding="utf-8"?>
 <p:sld xmlns:a="http://schemas.openxmlformats.org/drawingml/2006/main" xmlns:r="http://schemas.openxmlformats.org/officeDocument/2006/relationships" xmlns:p="http://schemas.openxmlformats.org/presentationml/2006/main">
   <p:cSld>
     <p:spTree>
@@ -35883,7 +36692,235 @@
 </p:sld>
 </file>
 
-<file path=ppt/slides/slide43.xml><?xml version="1.0" encoding="utf-8"?>
+<file path=ppt/slides/slide44.xml><?xml version="1.0" encoding="utf-8"?>
+<p:sld xmlns:a="http://schemas.openxmlformats.org/drawingml/2006/main" xmlns:r="http://schemas.openxmlformats.org/officeDocument/2006/relationships" xmlns:p="http://schemas.openxmlformats.org/presentationml/2006/main">
+  <p:cSld>
+    <p:spTree>
+      <p:nvGrpSpPr>
+        <p:cNvPr id="1" name=""/>
+        <p:cNvGrpSpPr/>
+        <p:nvPr/>
+      </p:nvGrpSpPr>
+      <p:grpSpPr>
+        <a:xfrm>
+          <a:off x="0" y="0"/>
+          <a:ext cx="0" cy="0"/>
+          <a:chOff x="0" y="0"/>
+          <a:chExt cx="0" cy="0"/>
+        </a:xfrm>
+      </p:grpSpPr>
+      <p:sp>
+        <p:nvSpPr>
+          <p:cNvPr id="4" name="Title 3">
+            <a:extLst>
+              <a:ext uri="{FF2B5EF4-FFF2-40B4-BE49-F238E27FC236}">
+                <a16:creationId xmlns:a16="http://schemas.microsoft.com/office/drawing/2014/main" id="{BF77534B-400F-40FE-868A-8BA7FF94422B}"/>
+              </a:ext>
+            </a:extLst>
+          </p:cNvPr>
+          <p:cNvSpPr>
+            <a:spLocks noGrp="1"/>
+          </p:cNvSpPr>
+          <p:nvPr>
+            <p:ph type="title"/>
+          </p:nvPr>
+        </p:nvSpPr>
+        <p:spPr/>
+        <p:txBody>
+          <a:bodyPr/>
+          <a:lstStyle/>
+          <a:p>
+            <a:pPr algn="ctr"/>
+            <a:r>
+              <a:rPr lang="en-IE" dirty="0"/>
+              <a:t>Azure Monitor</a:t>
+            </a:r>
+          </a:p>
+        </p:txBody>
+      </p:sp>
+      <p:sp>
+        <p:nvSpPr>
+          <p:cNvPr id="5" name="Text Placeholder 4">
+            <a:extLst>
+              <a:ext uri="{FF2B5EF4-FFF2-40B4-BE49-F238E27FC236}">
+                <a16:creationId xmlns:a16="http://schemas.microsoft.com/office/drawing/2014/main" id="{A99F8569-B2C0-4E38-A6FD-498239359A05}"/>
+              </a:ext>
+            </a:extLst>
+          </p:cNvPr>
+          <p:cNvSpPr>
+            <a:spLocks noGrp="1"/>
+          </p:cNvSpPr>
+          <p:nvPr>
+            <p:ph type="body" sz="quarter" idx="10"/>
+          </p:nvPr>
+        </p:nvSpPr>
+        <p:spPr>
+          <a:xfrm>
+            <a:off x="586390" y="1434370"/>
+            <a:ext cx="11018520" cy="4050340"/>
+          </a:xfrm>
+        </p:spPr>
+        <p:txBody>
+          <a:bodyPr/>
+          <a:lstStyle/>
+          <a:p>
+            <a:r>
+              <a:rPr lang="en-IE" b="1" dirty="0"/>
+              <a:t>Pricing</a:t>
+            </a:r>
+          </a:p>
+          <a:p>
+            <a:r>
+              <a:rPr lang="en-IE" dirty="0"/>
+              <a:t>	Ingested data</a:t>
+            </a:r>
+          </a:p>
+          <a:p>
+            <a:r>
+              <a:rPr lang="en-IE" dirty="0"/>
+              <a:t>	Stored data</a:t>
+            </a:r>
+          </a:p>
+          <a:p>
+            <a:endParaRPr lang="en-IE" dirty="0"/>
+          </a:p>
+          <a:p>
+            <a:r>
+              <a:rPr lang="en-IE" b="1" dirty="0"/>
+              <a:t>Optimizations</a:t>
+            </a:r>
+          </a:p>
+          <a:p>
+            <a:r>
+              <a:rPr lang="en-IE" dirty="0"/>
+              <a:t>	Minimise ingested data (only data you need)</a:t>
+            </a:r>
+          </a:p>
+          <a:p>
+            <a:r>
+              <a:rPr lang="en-IE" dirty="0"/>
+              <a:t>	Reduce retention period </a:t>
+            </a:r>
+          </a:p>
+          <a:p>
+            <a:r>
+              <a:rPr lang="en-IE" dirty="0"/>
+              <a:t>	Archive old data</a:t>
+            </a:r>
+          </a:p>
+        </p:txBody>
+      </p:sp>
+    </p:spTree>
+    <p:extLst>
+      <p:ext uri="{BB962C8B-B14F-4D97-AF65-F5344CB8AC3E}">
+        <p14:creationId xmlns:p14="http://schemas.microsoft.com/office/powerpoint/2010/main" val="1973762532"/>
+      </p:ext>
+    </p:extLst>
+  </p:cSld>
+  <p:clrMapOvr>
+    <a:masterClrMapping/>
+  </p:clrMapOvr>
+  <p:transition>
+    <p:fade/>
+  </p:transition>
+</p:sld>
+</file>
+
+<file path=ppt/slides/slide45.xml><?xml version="1.0" encoding="utf-8"?>
+<p:sld xmlns:a="http://schemas.openxmlformats.org/drawingml/2006/main" xmlns:r="http://schemas.openxmlformats.org/officeDocument/2006/relationships" xmlns:p="http://schemas.openxmlformats.org/presentationml/2006/main">
+  <p:cSld>
+    <p:spTree>
+      <p:nvGrpSpPr>
+        <p:cNvPr id="1" name=""/>
+        <p:cNvGrpSpPr/>
+        <p:nvPr/>
+      </p:nvGrpSpPr>
+      <p:grpSpPr>
+        <a:xfrm>
+          <a:off x="0" y="0"/>
+          <a:ext cx="0" cy="0"/>
+          <a:chOff x="0" y="0"/>
+          <a:chExt cx="0" cy="0"/>
+        </a:xfrm>
+      </p:grpSpPr>
+      <p:sp>
+        <p:nvSpPr>
+          <p:cNvPr id="2" name="Title 1">
+            <a:extLst>
+              <a:ext uri="{FF2B5EF4-FFF2-40B4-BE49-F238E27FC236}">
+                <a16:creationId xmlns:a16="http://schemas.microsoft.com/office/drawing/2014/main" id="{BF39B9AA-7916-48BC-8706-4CF96503C51B}"/>
+              </a:ext>
+            </a:extLst>
+          </p:cNvPr>
+          <p:cNvSpPr>
+            <a:spLocks noGrp="1"/>
+          </p:cNvSpPr>
+          <p:nvPr>
+            <p:ph type="title"/>
+          </p:nvPr>
+        </p:nvSpPr>
+        <p:spPr/>
+        <p:txBody>
+          <a:bodyPr/>
+          <a:lstStyle/>
+          <a:p>
+            <a:pPr algn="ctr"/>
+            <a:r>
+              <a:rPr lang="en-IE" dirty="0"/>
+              <a:t>App Service</a:t>
+            </a:r>
+          </a:p>
+        </p:txBody>
+      </p:sp>
+      <p:sp>
+        <p:nvSpPr>
+          <p:cNvPr id="3" name="Content Placeholder 2">
+            <a:extLst>
+              <a:ext uri="{FF2B5EF4-FFF2-40B4-BE49-F238E27FC236}">
+                <a16:creationId xmlns:a16="http://schemas.microsoft.com/office/drawing/2014/main" id="{18129FBF-9716-4536-8F61-CDDF25FAD84F}"/>
+              </a:ext>
+            </a:extLst>
+          </p:cNvPr>
+          <p:cNvSpPr>
+            <a:spLocks noGrp="1"/>
+          </p:cNvSpPr>
+          <p:nvPr>
+            <p:ph idx="1"/>
+          </p:nvPr>
+        </p:nvSpPr>
+        <p:spPr/>
+        <p:txBody>
+          <a:bodyPr/>
+          <a:lstStyle/>
+          <a:p>
+            <a:r>
+              <a:rPr lang="en-IE" dirty="0" err="1"/>
+              <a:t>Autoscale</a:t>
+            </a:r>
+            <a:endParaRPr lang="ru-RU" dirty="0"/>
+          </a:p>
+          <a:p>
+            <a:r>
+              <a:rPr lang="en-IE" dirty="0"/>
+              <a:t>Multiple websites in a single App Service Plan</a:t>
+            </a:r>
+          </a:p>
+        </p:txBody>
+      </p:sp>
+    </p:spTree>
+    <p:extLst>
+      <p:ext uri="{BB962C8B-B14F-4D97-AF65-F5344CB8AC3E}">
+        <p14:creationId xmlns:p14="http://schemas.microsoft.com/office/powerpoint/2010/main" val="3754942951"/>
+      </p:ext>
+    </p:extLst>
+  </p:cSld>
+  <p:clrMapOvr>
+    <a:masterClrMapping/>
+  </p:clrMapOvr>
+</p:sld>
+</file>
+
+<file path=ppt/slides/slide46.xml><?xml version="1.0" encoding="utf-8"?>
 <p:sld xmlns:a="http://schemas.openxmlformats.org/drawingml/2006/main" xmlns:r="http://schemas.openxmlformats.org/officeDocument/2006/relationships" xmlns:p="http://schemas.openxmlformats.org/presentationml/2006/main">
   <p:cSld>
     <p:spTree>
@@ -35994,7 +37031,7 @@
 </p:sld>
 </file>
 
-<file path=ppt/slides/slide44.xml><?xml version="1.0" encoding="utf-8"?>
+<file path=ppt/slides/slide47.xml><?xml version="1.0" encoding="utf-8"?>
 <p:sld xmlns:a="http://schemas.openxmlformats.org/drawingml/2006/main" xmlns:r="http://schemas.openxmlformats.org/officeDocument/2006/relationships" xmlns:p="http://schemas.openxmlformats.org/presentationml/2006/main">
   <p:cSld>
     <p:spTree>
@@ -36077,7 +37114,7 @@
 </p:sld>
 </file>
 
-<file path=ppt/slides/slide45.xml><?xml version="1.0" encoding="utf-8"?>
+<file path=ppt/slides/slide48.xml><?xml version="1.0" encoding="utf-8"?>
 <p:sld xmlns:a="http://schemas.openxmlformats.org/drawingml/2006/main" xmlns:r="http://schemas.openxmlformats.org/officeDocument/2006/relationships" xmlns:p="http://schemas.openxmlformats.org/presentationml/2006/main">
   <p:cSld>
     <p:spTree>
@@ -36184,7 +37221,7 @@
 </p:sld>
 </file>
 
-<file path=ppt/slides/slide46.xml><?xml version="1.0" encoding="utf-8"?>
+<file path=ppt/slides/slide49.xml><?xml version="1.0" encoding="utf-8"?>
 <p:sld xmlns:a="http://schemas.openxmlformats.org/drawingml/2006/main" xmlns:r="http://schemas.openxmlformats.org/officeDocument/2006/relationships" xmlns:p="http://schemas.openxmlformats.org/presentationml/2006/main">
   <p:cSld>
     <p:spTree>
@@ -36322,275 +37359,6 @@
     <p:extLst>
       <p:ext uri="{BB962C8B-B14F-4D97-AF65-F5344CB8AC3E}">
         <p14:creationId xmlns:p14="http://schemas.microsoft.com/office/powerpoint/2010/main" val="2506567211"/>
-      </p:ext>
-    </p:extLst>
-  </p:cSld>
-  <p:clrMapOvr>
-    <a:masterClrMapping/>
-  </p:clrMapOvr>
-</p:sld>
-</file>
-
-<file path=ppt/slides/slide47.xml><?xml version="1.0" encoding="utf-8"?>
-<p:sld xmlns:a="http://schemas.openxmlformats.org/drawingml/2006/main" xmlns:r="http://schemas.openxmlformats.org/officeDocument/2006/relationships" xmlns:p="http://schemas.openxmlformats.org/presentationml/2006/main">
-  <p:cSld>
-    <p:spTree>
-      <p:nvGrpSpPr>
-        <p:cNvPr id="1" name=""/>
-        <p:cNvGrpSpPr/>
-        <p:nvPr/>
-      </p:nvGrpSpPr>
-      <p:grpSpPr>
-        <a:xfrm>
-          <a:off x="0" y="0"/>
-          <a:ext cx="0" cy="0"/>
-          <a:chOff x="0" y="0"/>
-          <a:chExt cx="0" cy="0"/>
-        </a:xfrm>
-      </p:grpSpPr>
-      <p:sp>
-        <p:nvSpPr>
-          <p:cNvPr id="2" name="Title 1">
-            <a:extLst>
-              <a:ext uri="{FF2B5EF4-FFF2-40B4-BE49-F238E27FC236}">
-                <a16:creationId xmlns:a16="http://schemas.microsoft.com/office/drawing/2014/main" id="{D34B33A7-66E7-4487-998D-A98ADBD02D73}"/>
-              </a:ext>
-            </a:extLst>
-          </p:cNvPr>
-          <p:cNvSpPr>
-            <a:spLocks noGrp="1"/>
-          </p:cNvSpPr>
-          <p:nvPr>
-            <p:ph type="title"/>
-          </p:nvPr>
-        </p:nvSpPr>
-        <p:spPr/>
-        <p:txBody>
-          <a:bodyPr/>
-          <a:lstStyle/>
-          <a:p>
-            <a:r>
-              <a:rPr lang="en-IE" dirty="0"/>
-              <a:t>Resource Scanner</a:t>
-            </a:r>
-          </a:p>
-        </p:txBody>
-      </p:sp>
-      <p:sp>
-        <p:nvSpPr>
-          <p:cNvPr id="3" name="Content Placeholder 2">
-            <a:extLst>
-              <a:ext uri="{FF2B5EF4-FFF2-40B4-BE49-F238E27FC236}">
-                <a16:creationId xmlns:a16="http://schemas.microsoft.com/office/drawing/2014/main" id="{65366266-F759-4251-B625-7C0A038C0C19}"/>
-              </a:ext>
-            </a:extLst>
-          </p:cNvPr>
-          <p:cNvSpPr>
-            <a:spLocks noGrp="1"/>
-          </p:cNvSpPr>
-          <p:nvPr>
-            <p:ph idx="1"/>
-          </p:nvPr>
-        </p:nvSpPr>
-        <p:spPr/>
-        <p:txBody>
-          <a:bodyPr/>
-          <a:lstStyle/>
-          <a:p>
-            <a:r>
-              <a:rPr lang="en-IE" dirty="0"/>
-              <a:t>Scan all resources without tag</a:t>
-            </a:r>
-          </a:p>
-          <a:p>
-            <a:r>
-              <a:rPr lang="en-IE" dirty="0"/>
-              <a:t>Utilization and logging </a:t>
-            </a:r>
-          </a:p>
-        </p:txBody>
-      </p:sp>
-    </p:spTree>
-    <p:extLst>
-      <p:ext uri="{BB962C8B-B14F-4D97-AF65-F5344CB8AC3E}">
-        <p14:creationId xmlns:p14="http://schemas.microsoft.com/office/powerpoint/2010/main" val="866586717"/>
-      </p:ext>
-    </p:extLst>
-  </p:cSld>
-  <p:clrMapOvr>
-    <a:masterClrMapping/>
-  </p:clrMapOvr>
-</p:sld>
-</file>
-
-<file path=ppt/slides/slide48.xml><?xml version="1.0" encoding="utf-8"?>
-<p:sld xmlns:a="http://schemas.openxmlformats.org/drawingml/2006/main" xmlns:r="http://schemas.openxmlformats.org/officeDocument/2006/relationships" xmlns:p="http://schemas.openxmlformats.org/presentationml/2006/main">
-  <p:cSld>
-    <p:spTree>
-      <p:nvGrpSpPr>
-        <p:cNvPr id="1" name=""/>
-        <p:cNvGrpSpPr/>
-        <p:nvPr/>
-      </p:nvGrpSpPr>
-      <p:grpSpPr>
-        <a:xfrm>
-          <a:off x="0" y="0"/>
-          <a:ext cx="0" cy="0"/>
-          <a:chOff x="0" y="0"/>
-          <a:chExt cx="0" cy="0"/>
-        </a:xfrm>
-      </p:grpSpPr>
-      <p:sp>
-        <p:nvSpPr>
-          <p:cNvPr id="2" name="Title 1">
-            <a:extLst>
-              <a:ext uri="{FF2B5EF4-FFF2-40B4-BE49-F238E27FC236}">
-                <a16:creationId xmlns:a16="http://schemas.microsoft.com/office/drawing/2014/main" id="{C3EC0BE2-7873-4D7D-99FD-4F0BB147D5F1}"/>
-              </a:ext>
-            </a:extLst>
-          </p:cNvPr>
-          <p:cNvSpPr>
-            <a:spLocks noGrp="1"/>
-          </p:cNvSpPr>
-          <p:nvPr>
-            <p:ph type="title"/>
-          </p:nvPr>
-        </p:nvSpPr>
-        <p:spPr/>
-        <p:txBody>
-          <a:bodyPr/>
-          <a:lstStyle/>
-          <a:p>
-            <a:pPr algn="ctr"/>
-            <a:r>
-              <a:rPr lang="en-IE" dirty="0"/>
-              <a:t>Demo Azure Monitor?</a:t>
-            </a:r>
-          </a:p>
-        </p:txBody>
-      </p:sp>
-      <p:sp>
-        <p:nvSpPr>
-          <p:cNvPr id="3" name="Content Placeholder 2">
-            <a:extLst>
-              <a:ext uri="{FF2B5EF4-FFF2-40B4-BE49-F238E27FC236}">
-                <a16:creationId xmlns:a16="http://schemas.microsoft.com/office/drawing/2014/main" id="{DC46EE25-6570-4CB3-B5AE-958F1C5D6E17}"/>
-              </a:ext>
-            </a:extLst>
-          </p:cNvPr>
-          <p:cNvSpPr>
-            <a:spLocks noGrp="1"/>
-          </p:cNvSpPr>
-          <p:nvPr>
-            <p:ph idx="1"/>
-          </p:nvPr>
-        </p:nvSpPr>
-        <p:spPr/>
-        <p:txBody>
-          <a:bodyPr/>
-          <a:lstStyle/>
-          <a:p>
-            <a:r>
-              <a:rPr lang="en-IE" dirty="0"/>
-              <a:t>Log information </a:t>
-            </a:r>
-          </a:p>
-          <a:p>
-            <a:r>
-              <a:rPr lang="en-IE" dirty="0"/>
-              <a:t>Create Alert</a:t>
-            </a:r>
-          </a:p>
-        </p:txBody>
-      </p:sp>
-    </p:spTree>
-    <p:extLst>
-      <p:ext uri="{BB962C8B-B14F-4D97-AF65-F5344CB8AC3E}">
-        <p14:creationId xmlns:p14="http://schemas.microsoft.com/office/powerpoint/2010/main" val="694141391"/>
-      </p:ext>
-    </p:extLst>
-  </p:cSld>
-  <p:clrMapOvr>
-    <a:masterClrMapping/>
-  </p:clrMapOvr>
-</p:sld>
-</file>
-
-<file path=ppt/slides/slide49.xml><?xml version="1.0" encoding="utf-8"?>
-<p:sld xmlns:a="http://schemas.openxmlformats.org/drawingml/2006/main" xmlns:r="http://schemas.openxmlformats.org/officeDocument/2006/relationships" xmlns:p="http://schemas.openxmlformats.org/presentationml/2006/main">
-  <p:cSld>
-    <p:spTree>
-      <p:nvGrpSpPr>
-        <p:cNvPr id="1" name=""/>
-        <p:cNvGrpSpPr/>
-        <p:nvPr/>
-      </p:nvGrpSpPr>
-      <p:grpSpPr>
-        <a:xfrm>
-          <a:off x="0" y="0"/>
-          <a:ext cx="0" cy="0"/>
-          <a:chOff x="0" y="0"/>
-          <a:chExt cx="0" cy="0"/>
-        </a:xfrm>
-      </p:grpSpPr>
-      <p:sp>
-        <p:nvSpPr>
-          <p:cNvPr id="2" name="Title 1">
-            <a:extLst>
-              <a:ext uri="{FF2B5EF4-FFF2-40B4-BE49-F238E27FC236}">
-                <a16:creationId xmlns:a16="http://schemas.microsoft.com/office/drawing/2014/main" id="{F8EDFA41-79AE-4660-9F82-BC3A94A94A1C}"/>
-              </a:ext>
-            </a:extLst>
-          </p:cNvPr>
-          <p:cNvSpPr>
-            <a:spLocks noGrp="1"/>
-          </p:cNvSpPr>
-          <p:nvPr>
-            <p:ph type="title"/>
-          </p:nvPr>
-        </p:nvSpPr>
-        <p:spPr/>
-        <p:txBody>
-          <a:bodyPr/>
-          <a:lstStyle/>
-          <a:p>
-            <a:pPr algn="ctr"/>
-            <a:r>
-              <a:rPr lang="en-IE" dirty="0"/>
-              <a:t>Demo Azure Blueprints and Policies</a:t>
-            </a:r>
-          </a:p>
-        </p:txBody>
-      </p:sp>
-      <p:sp>
-        <p:nvSpPr>
-          <p:cNvPr id="3" name="Content Placeholder 2">
-            <a:extLst>
-              <a:ext uri="{FF2B5EF4-FFF2-40B4-BE49-F238E27FC236}">
-                <a16:creationId xmlns:a16="http://schemas.microsoft.com/office/drawing/2014/main" id="{80D40B55-554B-4AE2-8FAB-A26B692AA203}"/>
-              </a:ext>
-            </a:extLst>
-          </p:cNvPr>
-          <p:cNvSpPr>
-            <a:spLocks noGrp="1"/>
-          </p:cNvSpPr>
-          <p:nvPr>
-            <p:ph idx="1"/>
-          </p:nvPr>
-        </p:nvSpPr>
-        <p:spPr/>
-        <p:txBody>
-          <a:bodyPr/>
-          <a:lstStyle/>
-          <a:p>
-            <a:endParaRPr lang="en-IE"/>
-          </a:p>
-        </p:txBody>
-      </p:sp>
-    </p:spTree>
-    <p:extLst>
-      <p:ext uri="{BB962C8B-B14F-4D97-AF65-F5344CB8AC3E}">
-        <p14:creationId xmlns:p14="http://schemas.microsoft.com/office/powerpoint/2010/main" val="2424114698"/>
       </p:ext>
     </p:extLst>
   </p:cSld>
@@ -36641,7 +37409,7 @@
             <a:pPr algn="ctr"/>
             <a:r>
               <a:rPr lang="en-IE" dirty="0"/>
-              <a:t>Why FinOps? </a:t>
+              <a:t>Why FinOps </a:t>
             </a:r>
           </a:p>
         </p:txBody>
@@ -36664,15 +37432,21 @@
         </p:nvSpPr>
         <p:spPr>
           <a:xfrm>
-            <a:off x="584200" y="1435503"/>
-            <a:ext cx="11018520" cy="430887"/>
+            <a:off x="584200" y="1584708"/>
+            <a:ext cx="11018520" cy="3847207"/>
           </a:xfrm>
         </p:spPr>
         <p:txBody>
-          <a:bodyPr/>
+          <a:bodyPr anchor="ctr"/>
           <a:lstStyle/>
           <a:p>
-            <a:endParaRPr lang="en-IE" dirty="0"/>
+            <a:pPr marL="0" indent="0" algn="ctr">
+              <a:buNone/>
+            </a:pPr>
+            <a:r>
+              <a:rPr lang="en-IE" sz="25000" b="1" dirty="0"/>
+              <a:t>?</a:t>
+            </a:r>
           </a:p>
         </p:txBody>
       </p:sp>
@@ -36690,6 +37464,275 @@
 </file>
 
 <file path=ppt/slides/slide50.xml><?xml version="1.0" encoding="utf-8"?>
+<p:sld xmlns:a="http://schemas.openxmlformats.org/drawingml/2006/main" xmlns:r="http://schemas.openxmlformats.org/officeDocument/2006/relationships" xmlns:p="http://schemas.openxmlformats.org/presentationml/2006/main">
+  <p:cSld>
+    <p:spTree>
+      <p:nvGrpSpPr>
+        <p:cNvPr id="1" name=""/>
+        <p:cNvGrpSpPr/>
+        <p:nvPr/>
+      </p:nvGrpSpPr>
+      <p:grpSpPr>
+        <a:xfrm>
+          <a:off x="0" y="0"/>
+          <a:ext cx="0" cy="0"/>
+          <a:chOff x="0" y="0"/>
+          <a:chExt cx="0" cy="0"/>
+        </a:xfrm>
+      </p:grpSpPr>
+      <p:sp>
+        <p:nvSpPr>
+          <p:cNvPr id="2" name="Title 1">
+            <a:extLst>
+              <a:ext uri="{FF2B5EF4-FFF2-40B4-BE49-F238E27FC236}">
+                <a16:creationId xmlns:a16="http://schemas.microsoft.com/office/drawing/2014/main" id="{D34B33A7-66E7-4487-998D-A98ADBD02D73}"/>
+              </a:ext>
+            </a:extLst>
+          </p:cNvPr>
+          <p:cNvSpPr>
+            <a:spLocks noGrp="1"/>
+          </p:cNvSpPr>
+          <p:nvPr>
+            <p:ph type="title"/>
+          </p:nvPr>
+        </p:nvSpPr>
+        <p:spPr/>
+        <p:txBody>
+          <a:bodyPr/>
+          <a:lstStyle/>
+          <a:p>
+            <a:r>
+              <a:rPr lang="en-IE" dirty="0"/>
+              <a:t>Resource Scanner</a:t>
+            </a:r>
+          </a:p>
+        </p:txBody>
+      </p:sp>
+      <p:sp>
+        <p:nvSpPr>
+          <p:cNvPr id="3" name="Content Placeholder 2">
+            <a:extLst>
+              <a:ext uri="{FF2B5EF4-FFF2-40B4-BE49-F238E27FC236}">
+                <a16:creationId xmlns:a16="http://schemas.microsoft.com/office/drawing/2014/main" id="{65366266-F759-4251-B625-7C0A038C0C19}"/>
+              </a:ext>
+            </a:extLst>
+          </p:cNvPr>
+          <p:cNvSpPr>
+            <a:spLocks noGrp="1"/>
+          </p:cNvSpPr>
+          <p:nvPr>
+            <p:ph idx="1"/>
+          </p:nvPr>
+        </p:nvSpPr>
+        <p:spPr/>
+        <p:txBody>
+          <a:bodyPr/>
+          <a:lstStyle/>
+          <a:p>
+            <a:r>
+              <a:rPr lang="en-IE" dirty="0"/>
+              <a:t>Scan all resources without tag</a:t>
+            </a:r>
+          </a:p>
+          <a:p>
+            <a:r>
+              <a:rPr lang="en-IE" dirty="0"/>
+              <a:t>Utilization and logging </a:t>
+            </a:r>
+          </a:p>
+        </p:txBody>
+      </p:sp>
+    </p:spTree>
+    <p:extLst>
+      <p:ext uri="{BB962C8B-B14F-4D97-AF65-F5344CB8AC3E}">
+        <p14:creationId xmlns:p14="http://schemas.microsoft.com/office/powerpoint/2010/main" val="866586717"/>
+      </p:ext>
+    </p:extLst>
+  </p:cSld>
+  <p:clrMapOvr>
+    <a:masterClrMapping/>
+  </p:clrMapOvr>
+</p:sld>
+</file>
+
+<file path=ppt/slides/slide51.xml><?xml version="1.0" encoding="utf-8"?>
+<p:sld xmlns:a="http://schemas.openxmlformats.org/drawingml/2006/main" xmlns:r="http://schemas.openxmlformats.org/officeDocument/2006/relationships" xmlns:p="http://schemas.openxmlformats.org/presentationml/2006/main">
+  <p:cSld>
+    <p:spTree>
+      <p:nvGrpSpPr>
+        <p:cNvPr id="1" name=""/>
+        <p:cNvGrpSpPr/>
+        <p:nvPr/>
+      </p:nvGrpSpPr>
+      <p:grpSpPr>
+        <a:xfrm>
+          <a:off x="0" y="0"/>
+          <a:ext cx="0" cy="0"/>
+          <a:chOff x="0" y="0"/>
+          <a:chExt cx="0" cy="0"/>
+        </a:xfrm>
+      </p:grpSpPr>
+      <p:sp>
+        <p:nvSpPr>
+          <p:cNvPr id="2" name="Title 1">
+            <a:extLst>
+              <a:ext uri="{FF2B5EF4-FFF2-40B4-BE49-F238E27FC236}">
+                <a16:creationId xmlns:a16="http://schemas.microsoft.com/office/drawing/2014/main" id="{C3EC0BE2-7873-4D7D-99FD-4F0BB147D5F1}"/>
+              </a:ext>
+            </a:extLst>
+          </p:cNvPr>
+          <p:cNvSpPr>
+            <a:spLocks noGrp="1"/>
+          </p:cNvSpPr>
+          <p:nvPr>
+            <p:ph type="title"/>
+          </p:nvPr>
+        </p:nvSpPr>
+        <p:spPr/>
+        <p:txBody>
+          <a:bodyPr/>
+          <a:lstStyle/>
+          <a:p>
+            <a:pPr algn="ctr"/>
+            <a:r>
+              <a:rPr lang="en-IE" dirty="0"/>
+              <a:t>Demo Azure Monitor?</a:t>
+            </a:r>
+          </a:p>
+        </p:txBody>
+      </p:sp>
+      <p:sp>
+        <p:nvSpPr>
+          <p:cNvPr id="3" name="Content Placeholder 2">
+            <a:extLst>
+              <a:ext uri="{FF2B5EF4-FFF2-40B4-BE49-F238E27FC236}">
+                <a16:creationId xmlns:a16="http://schemas.microsoft.com/office/drawing/2014/main" id="{DC46EE25-6570-4CB3-B5AE-958F1C5D6E17}"/>
+              </a:ext>
+            </a:extLst>
+          </p:cNvPr>
+          <p:cNvSpPr>
+            <a:spLocks noGrp="1"/>
+          </p:cNvSpPr>
+          <p:nvPr>
+            <p:ph idx="1"/>
+          </p:nvPr>
+        </p:nvSpPr>
+        <p:spPr/>
+        <p:txBody>
+          <a:bodyPr/>
+          <a:lstStyle/>
+          <a:p>
+            <a:r>
+              <a:rPr lang="en-IE" dirty="0"/>
+              <a:t>Log information </a:t>
+            </a:r>
+          </a:p>
+          <a:p>
+            <a:r>
+              <a:rPr lang="en-IE" dirty="0"/>
+              <a:t>Create Alert</a:t>
+            </a:r>
+          </a:p>
+        </p:txBody>
+      </p:sp>
+    </p:spTree>
+    <p:extLst>
+      <p:ext uri="{BB962C8B-B14F-4D97-AF65-F5344CB8AC3E}">
+        <p14:creationId xmlns:p14="http://schemas.microsoft.com/office/powerpoint/2010/main" val="694141391"/>
+      </p:ext>
+    </p:extLst>
+  </p:cSld>
+  <p:clrMapOvr>
+    <a:masterClrMapping/>
+  </p:clrMapOvr>
+</p:sld>
+</file>
+
+<file path=ppt/slides/slide52.xml><?xml version="1.0" encoding="utf-8"?>
+<p:sld xmlns:a="http://schemas.openxmlformats.org/drawingml/2006/main" xmlns:r="http://schemas.openxmlformats.org/officeDocument/2006/relationships" xmlns:p="http://schemas.openxmlformats.org/presentationml/2006/main">
+  <p:cSld>
+    <p:spTree>
+      <p:nvGrpSpPr>
+        <p:cNvPr id="1" name=""/>
+        <p:cNvGrpSpPr/>
+        <p:nvPr/>
+      </p:nvGrpSpPr>
+      <p:grpSpPr>
+        <a:xfrm>
+          <a:off x="0" y="0"/>
+          <a:ext cx="0" cy="0"/>
+          <a:chOff x="0" y="0"/>
+          <a:chExt cx="0" cy="0"/>
+        </a:xfrm>
+      </p:grpSpPr>
+      <p:sp>
+        <p:nvSpPr>
+          <p:cNvPr id="2" name="Title 1">
+            <a:extLst>
+              <a:ext uri="{FF2B5EF4-FFF2-40B4-BE49-F238E27FC236}">
+                <a16:creationId xmlns:a16="http://schemas.microsoft.com/office/drawing/2014/main" id="{F8EDFA41-79AE-4660-9F82-BC3A94A94A1C}"/>
+              </a:ext>
+            </a:extLst>
+          </p:cNvPr>
+          <p:cNvSpPr>
+            <a:spLocks noGrp="1"/>
+          </p:cNvSpPr>
+          <p:nvPr>
+            <p:ph type="title"/>
+          </p:nvPr>
+        </p:nvSpPr>
+        <p:spPr/>
+        <p:txBody>
+          <a:bodyPr/>
+          <a:lstStyle/>
+          <a:p>
+            <a:pPr algn="ctr"/>
+            <a:r>
+              <a:rPr lang="en-IE" dirty="0"/>
+              <a:t>Demo Azure Blueprints and Policies</a:t>
+            </a:r>
+          </a:p>
+        </p:txBody>
+      </p:sp>
+      <p:sp>
+        <p:nvSpPr>
+          <p:cNvPr id="3" name="Content Placeholder 2">
+            <a:extLst>
+              <a:ext uri="{FF2B5EF4-FFF2-40B4-BE49-F238E27FC236}">
+                <a16:creationId xmlns:a16="http://schemas.microsoft.com/office/drawing/2014/main" id="{80D40B55-554B-4AE2-8FAB-A26B692AA203}"/>
+              </a:ext>
+            </a:extLst>
+          </p:cNvPr>
+          <p:cNvSpPr>
+            <a:spLocks noGrp="1"/>
+          </p:cNvSpPr>
+          <p:nvPr>
+            <p:ph idx="1"/>
+          </p:nvPr>
+        </p:nvSpPr>
+        <p:spPr/>
+        <p:txBody>
+          <a:bodyPr/>
+          <a:lstStyle/>
+          <a:p>
+            <a:endParaRPr lang="en-IE"/>
+          </a:p>
+        </p:txBody>
+      </p:sp>
+    </p:spTree>
+    <p:extLst>
+      <p:ext uri="{BB962C8B-B14F-4D97-AF65-F5344CB8AC3E}">
+        <p14:creationId xmlns:p14="http://schemas.microsoft.com/office/powerpoint/2010/main" val="2424114698"/>
+      </p:ext>
+    </p:extLst>
+  </p:cSld>
+  <p:clrMapOvr>
+    <a:masterClrMapping/>
+  </p:clrMapOvr>
+</p:sld>
+</file>
+
+<file path=ppt/slides/slide53.xml><?xml version="1.0" encoding="utf-8"?>
 <p:sld xmlns:a="http://schemas.openxmlformats.org/drawingml/2006/main" xmlns:r="http://schemas.openxmlformats.org/officeDocument/2006/relationships" xmlns:p="http://schemas.openxmlformats.org/presentationml/2006/main">
   <p:cSld>
     <p:spTree>
@@ -36810,9 +37853,10 @@
           <a:bodyPr/>
           <a:lstStyle/>
           <a:p>
+            <a:pPr algn="ctr"/>
             <a:r>
               <a:rPr lang="en-IE" dirty="0"/>
-              <a:t>Stories</a:t>
+              <a:t>Heavy Logging</a:t>
             </a:r>
           </a:p>
         </p:txBody>
@@ -36836,30 +37880,60 @@
         <p:spPr>
           <a:xfrm>
             <a:off x="586390" y="1434370"/>
-            <a:ext cx="11018520" cy="2215991"/>
+            <a:ext cx="11018520" cy="3631763"/>
           </a:xfrm>
         </p:spPr>
         <p:txBody>
           <a:bodyPr/>
           <a:lstStyle/>
           <a:p>
+            <a:pPr lvl="1"/>
+            <a:endParaRPr lang="en-IE" dirty="0"/>
+          </a:p>
+          <a:p>
+            <a:pPr lvl="1"/>
             <a:r>
               <a:rPr lang="en-IE" dirty="0"/>
-              <a:t>Heavy logging </a:t>
+              <a:t>$15k per month, +12 new PostgreSQL, turns on logging for audit purposes</a:t>
             </a:r>
           </a:p>
           <a:p>
             <a:pPr lvl="1"/>
             <a:r>
               <a:rPr lang="en-IE" dirty="0"/>
-              <a:t>$15k per month, +12 new PostgreSQL, logging for audit purposes +$4k</a:t>
+              <a:t>Consumption grows +$4k (25%)</a:t>
             </a:r>
           </a:p>
           <a:p>
             <a:pPr lvl="1"/>
+            <a:endParaRPr lang="en-IE" dirty="0"/>
+          </a:p>
+          <a:p>
+            <a:pPr lvl="1"/>
             <a:r>
               <a:rPr lang="en-IE" dirty="0"/>
-              <a:t>Mitigation: logging is not auditing, use Change Data Capture for audit, reduce cost for logging ingest</a:t>
+              <a:t>Mitigation: </a:t>
+            </a:r>
+          </a:p>
+          <a:p>
+            <a:pPr lvl="1"/>
+            <a:r>
+              <a:rPr lang="en-IE" dirty="0"/>
+              <a:t>	logging is not auditing</a:t>
+            </a:r>
+          </a:p>
+          <a:p>
+            <a:pPr lvl="1"/>
+            <a:r>
+              <a:rPr lang="en-IE" dirty="0"/>
+              <a:t>	use Change Data Capture for audit</a:t>
+            </a:r>
+          </a:p>
+          <a:p>
+            <a:pPr lvl="1"/>
+            <a:r>
+              <a:rPr lang="en-IE" dirty="0"/>
+              <a:t>	reduce cost for logging ingest</a:t>
             </a:r>
           </a:p>
           <a:p>
@@ -36933,6 +38007,7 @@
           <a:bodyPr/>
           <a:lstStyle/>
           <a:p>
+            <a:pPr algn="ctr"/>
             <a:r>
               <a:rPr lang="en-IE" dirty="0"/>
               <a:t>Next Gen</a:t>
@@ -36963,7 +38038,7 @@
         <p:spPr>
           <a:xfrm>
             <a:off x="586390" y="1434370"/>
-            <a:ext cx="11018520" cy="3114699"/>
+            <a:ext cx="11018520" cy="4222694"/>
           </a:xfrm>
         </p:spPr>
         <p:txBody>
@@ -36973,14 +38048,14 @@
             <a:pPr lvl="1"/>
             <a:r>
               <a:rPr lang="en-GB" dirty="0"/>
-              <a:t>Organisation spends $70k per month on the cloud</a:t>
+              <a:t>Organisation spends $70k per month </a:t>
             </a:r>
           </a:p>
           <a:p>
             <a:pPr lvl="1"/>
             <a:r>
               <a:rPr lang="en-GB" dirty="0"/>
-              <a:t>Organisation hires new CTO for building next gen cloud based app</a:t>
+              <a:t>CTO is tasked with building next gen cloud app</a:t>
             </a:r>
           </a:p>
           <a:p>
@@ -36988,6 +38063,24 @@
             <a:r>
               <a:rPr lang="en-GB" dirty="0"/>
               <a:t>Cloud spending goes up to $300k per month</a:t>
+            </a:r>
+          </a:p>
+          <a:p>
+            <a:pPr lvl="1"/>
+            <a:r>
+              <a:rPr lang="en-GB" dirty="0"/>
+              <a:t>CTO is fired</a:t>
+            </a:r>
+          </a:p>
+          <a:p>
+            <a:pPr lvl="1"/>
+            <a:endParaRPr lang="en-GB" dirty="0"/>
+          </a:p>
+          <a:p>
+            <a:pPr lvl="1"/>
+            <a:r>
+              <a:rPr lang="en-GB" dirty="0"/>
+              <a:t>New CTO is hired and asks for our help</a:t>
             </a:r>
           </a:p>
           <a:p>
@@ -37065,7 +38158,7 @@
             <a:pPr algn="ctr"/>
             <a:r>
               <a:rPr lang="en-IE" dirty="0"/>
-              <a:t>Traditional approval process</a:t>
+              <a:t>Traditional purchasing process</a:t>
             </a:r>
           </a:p>
         </p:txBody>
@@ -37086,7 +38179,12 @@
             <p:ph idx="1"/>
           </p:nvPr>
         </p:nvSpPr>
-        <p:spPr/>
+        <p:spPr>
+          <a:xfrm>
+            <a:off x="584200" y="1435503"/>
+            <a:ext cx="11018520" cy="2499146"/>
+          </a:xfrm>
+        </p:spPr>
         <p:txBody>
           <a:bodyPr/>
           <a:lstStyle/>
@@ -37105,7 +38203,7 @@
           <a:p>
             <a:r>
               <a:rPr lang="en-IE" dirty="0"/>
-              <a:t>Accounting pays the bill </a:t>
+              <a:t>Finance pays the bill </a:t>
             </a:r>
           </a:p>
           <a:p>
@@ -37191,13 +38289,13 @@
             <a:spLocks noGrp="1"/>
           </p:cNvSpPr>
           <p:nvPr>
-            <p:ph idx="1"/>
+            <p:ph type="body" sz="quarter" idx="10"/>
           </p:nvPr>
         </p:nvSpPr>
         <p:spPr>
           <a:xfrm>
-            <a:off x="584200" y="1435503"/>
-            <a:ext cx="11018520" cy="3016210"/>
+            <a:off x="586390" y="1434369"/>
+            <a:ext cx="11018520" cy="3533275"/>
           </a:xfrm>
         </p:spPr>
         <p:txBody>
@@ -37226,6 +38324,9 @@
               <a:rPr lang="en-IE" dirty="0"/>
               <a:t>Measurable</a:t>
             </a:r>
+          </a:p>
+          <a:p>
+            <a:endParaRPr lang="en-IE" dirty="0"/>
           </a:p>
           <a:p>
             <a:endParaRPr lang="en-IE" dirty="0"/>
@@ -37248,6 +38349,9 @@
   <p:clrMapOvr>
     <a:masterClrMapping/>
   </p:clrMapOvr>
+  <p:transition>
+    <p:fade/>
+  </p:transition>
 </p:sld>
 </file>
 

--- a/104-FinOps/Azure FinOps - Introduction.pptx
+++ b/104-FinOps/Azure FinOps - Introduction.pptx
@@ -5,7 +5,7 @@
     <p:sldMasterId id="2147483660" r:id="rId1"/>
   </p:sldMasterIdLst>
   <p:notesMasterIdLst>
-    <p:notesMasterId r:id="rId55"/>
+    <p:notesMasterId r:id="rId57"/>
   </p:notesMasterIdLst>
   <p:sldIdLst>
     <p:sldId id="256" r:id="rId2"/>
@@ -53,14 +53,16 @@
     <p:sldId id="278" r:id="rId44"/>
     <p:sldId id="2057" r:id="rId45"/>
     <p:sldId id="279" r:id="rId46"/>
-    <p:sldId id="288" r:id="rId47"/>
-    <p:sldId id="299" r:id="rId48"/>
-    <p:sldId id="300" r:id="rId49"/>
-    <p:sldId id="269" r:id="rId50"/>
-    <p:sldId id="293" r:id="rId51"/>
-    <p:sldId id="265" r:id="rId52"/>
-    <p:sldId id="268" r:id="rId53"/>
-    <p:sldId id="294" r:id="rId54"/>
+    <p:sldId id="2060" r:id="rId47"/>
+    <p:sldId id="2061" r:id="rId48"/>
+    <p:sldId id="288" r:id="rId49"/>
+    <p:sldId id="299" r:id="rId50"/>
+    <p:sldId id="300" r:id="rId51"/>
+    <p:sldId id="269" r:id="rId52"/>
+    <p:sldId id="293" r:id="rId53"/>
+    <p:sldId id="265" r:id="rId54"/>
+    <p:sldId id="268" r:id="rId55"/>
+    <p:sldId id="294" r:id="rId56"/>
   </p:sldIdLst>
   <p:sldSz cx="12192000" cy="6858000"/>
   <p:notesSz cx="6858000" cy="9144000"/>
@@ -225,6 +227,8 @@
             <p14:sldId id="278"/>
             <p14:sldId id="2057"/>
             <p14:sldId id="279"/>
+            <p14:sldId id="2060"/>
+            <p14:sldId id="2061"/>
             <p14:sldId id="288"/>
           </p14:sldIdLst>
         </p14:section>
@@ -18447,7 +18451,7 @@
           <a:p>
             <a:fld id="{6B54091E-B52F-4A6A-B6C0-5A0FB0196B3B}" type="datetimeFigureOut">
               <a:rPr lang="en-IE" smtClean="0"/>
-              <a:t>25/06/2021</a:t>
+              <a:t>16/08/2021</a:t>
             </a:fld>
             <a:endParaRPr lang="en-IE"/>
           </a:p>
@@ -20736,12 +20740,6 @@
           <a:bodyPr/>
           <a:lstStyle/>
           <a:p>
-            <a:endParaRPr lang="en-IE" dirty="0"/>
-          </a:p>
-          <a:p>
-            <a:endParaRPr lang="en-IE" dirty="0"/>
-          </a:p>
-          <a:p>
             <a:pPr marL="0" marR="0" lvl="0" indent="0" algn="l" defTabSz="914400" rtl="0" eaLnBrk="1" fontAlgn="auto" latinLnBrk="0" hangingPunct="1">
               <a:lnSpc>
                 <a:spcPct val="100000"/>
@@ -20760,23 +20758,27 @@
               <a:defRPr/>
             </a:pPr>
             <a:r>
-              <a:rPr lang="en-GB" sz="1200" b="1" i="0" kern="1200" dirty="0">
+              <a:rPr lang="en-GB" b="0" i="0" dirty="0">
                 <a:solidFill>
-                  <a:schemeClr val="tx1"/>
+                  <a:srgbClr val="333333"/>
                 </a:solidFill>
                 <a:effectLst/>
-                <a:latin typeface="+mn-lt"/>
-                <a:ea typeface="+mn-ea"/>
-                <a:cs typeface="+mn-cs"/>
+                <a:latin typeface="SegoeUI"/>
               </a:rPr>
-              <a:t>Why Azure Dev/Test pricing?</a:t>
+              <a:t>Optimize your Azure SQL Managed Instance cost with Microsoft Azure Well-Architected Framework</a:t>
             </a:r>
           </a:p>
           <a:p>
             <a:r>
               <a:rPr lang="en-IE" dirty="0"/>
-              <a:t>https://azure.microsoft.com/en-us/pricing/dev-test/#overview</a:t>
-            </a:r>
+              <a:t>https://techcommunity.microsoft.com/t5/azure-sql/optimize-your-azure-sql-managed-instance-cost-with-microsoft/ba-p/2235216</a:t>
+            </a:r>
+          </a:p>
+          <a:p>
+            <a:endParaRPr lang="en-IE" dirty="0"/>
+          </a:p>
+          <a:p>
+            <a:endParaRPr lang="en-IE" dirty="0"/>
           </a:p>
         </p:txBody>
       </p:sp>
@@ -20797,7 +20799,7 @@
           <a:p>
             <a:fld id="{FD5B5252-8534-42B9-BEB1-6A93DAA021E2}" type="slidenum">
               <a:rPr lang="en-IE" smtClean="0"/>
-              <a:t>40</a:t>
+              <a:t>39</a:t>
             </a:fld>
             <a:endParaRPr lang="en-IE"/>
           </a:p>
@@ -20806,7 +20808,7 @@
     </p:spTree>
     <p:extLst>
       <p:ext uri="{BB962C8B-B14F-4D97-AF65-F5344CB8AC3E}">
-        <p14:creationId xmlns:p14="http://schemas.microsoft.com/office/powerpoint/2010/main" val="2339023969"/>
+        <p14:creationId xmlns:p14="http://schemas.microsoft.com/office/powerpoint/2010/main" val="3071120199"/>
       </p:ext>
     </p:extLst>
   </p:cSld>
@@ -20863,6 +20865,9 @@
             <a:endParaRPr lang="en-IE" dirty="0"/>
           </a:p>
           <a:p>
+            <a:endParaRPr lang="en-IE" dirty="0"/>
+          </a:p>
+          <a:p>
             <a:pPr marL="0" marR="0" lvl="0" indent="0" algn="l" defTabSz="914400" rtl="0" eaLnBrk="1" fontAlgn="auto" latinLnBrk="0" hangingPunct="1">
               <a:lnSpc>
                 <a:spcPct val="100000"/>
@@ -20890,63 +20895,14 @@
                 <a:ea typeface="+mn-ea"/>
                 <a:cs typeface="+mn-cs"/>
               </a:rPr>
-              <a:t>What are virtual machine scale sets?</a:t>
+              <a:t>Why Azure Dev/Test pricing?</a:t>
             </a:r>
           </a:p>
           <a:p>
             <a:r>
               <a:rPr lang="en-IE" dirty="0"/>
-              <a:t>https://docs.microsoft.com/en-us/azure/virtual-machine-scale-sets/overview</a:t>
-            </a:r>
-          </a:p>
-          <a:p>
-            <a:endParaRPr lang="en-IE" dirty="0"/>
-          </a:p>
-          <a:p>
-            <a:endParaRPr lang="en-IE" dirty="0"/>
-          </a:p>
-          <a:p>
-            <a:endParaRPr lang="en-IE" dirty="0"/>
-          </a:p>
-          <a:p>
-            <a:pPr marL="0" marR="0" lvl="0" indent="0" algn="l" defTabSz="914400" rtl="0" eaLnBrk="1" fontAlgn="auto" latinLnBrk="0" hangingPunct="1">
-              <a:lnSpc>
-                <a:spcPct val="100000"/>
-              </a:lnSpc>
-              <a:spcBef>
-                <a:spcPts val="0"/>
-              </a:spcBef>
-              <a:spcAft>
-                <a:spcPts val="0"/>
-              </a:spcAft>
-              <a:buClrTx/>
-              <a:buSzTx/>
-              <a:buFontTx/>
-              <a:buNone/>
-              <a:tabLst/>
-              <a:defRPr/>
-            </a:pPr>
-            <a:r>
-              <a:rPr lang="en-GB" sz="1200" b="1" i="0" kern="1200" dirty="0">
-                <a:solidFill>
-                  <a:schemeClr val="tx1"/>
-                </a:solidFill>
-                <a:effectLst/>
-                <a:latin typeface="+mn-lt"/>
-                <a:ea typeface="+mn-ea"/>
-                <a:cs typeface="+mn-cs"/>
-              </a:rPr>
-              <a:t>Use Azure Spot Virtual Machines</a:t>
-            </a:r>
-          </a:p>
-          <a:p>
-            <a:r>
-              <a:rPr lang="en-IE" dirty="0"/>
-              <a:t>https://docs.microsoft.com/en-us/azure/virtual-machines/spot-vms</a:t>
-            </a:r>
-          </a:p>
-          <a:p>
-            <a:endParaRPr lang="en-IE" dirty="0"/>
+              <a:t>https://azure.microsoft.com/en-us/pricing/dev-test/#overview</a:t>
+            </a:r>
           </a:p>
         </p:txBody>
       </p:sp>
@@ -20967,7 +20923,7 @@
           <a:p>
             <a:fld id="{FD5B5252-8534-42B9-BEB1-6A93DAA021E2}" type="slidenum">
               <a:rPr lang="en-IE" smtClean="0"/>
-              <a:t>41</a:t>
+              <a:t>40</a:t>
             </a:fld>
             <a:endParaRPr lang="en-IE"/>
           </a:p>
@@ -20976,7 +20932,7 @@
     </p:spTree>
     <p:extLst>
       <p:ext uri="{BB962C8B-B14F-4D97-AF65-F5344CB8AC3E}">
-        <p14:creationId xmlns:p14="http://schemas.microsoft.com/office/powerpoint/2010/main" val="346489748"/>
+        <p14:creationId xmlns:p14="http://schemas.microsoft.com/office/powerpoint/2010/main" val="2339023969"/>
       </p:ext>
     </p:extLst>
   </p:cSld>
@@ -21033,9 +20989,6 @@
             <a:endParaRPr lang="en-IE" dirty="0"/>
           </a:p>
           <a:p>
-            <a:endParaRPr lang="en-IE" dirty="0"/>
-          </a:p>
-          <a:p>
             <a:pPr marL="0" marR="0" lvl="0" indent="0" algn="l" defTabSz="914400" rtl="0" eaLnBrk="1" fontAlgn="auto" latinLnBrk="0" hangingPunct="1">
               <a:lnSpc>
                 <a:spcPct val="100000"/>
@@ -21054,7 +21007,7 @@
               <a:defRPr/>
             </a:pPr>
             <a:r>
-              <a:rPr lang="en-IE" sz="1200" b="1" i="0" kern="1200" dirty="0">
+              <a:rPr lang="en-GB" sz="1200" b="1" i="0" kern="1200" dirty="0">
                 <a:solidFill>
                   <a:schemeClr val="tx1"/>
                 </a:solidFill>
@@ -21063,13 +21016,59 @@
                 <a:ea typeface="+mn-ea"/>
                 <a:cs typeface="+mn-cs"/>
               </a:rPr>
-              <a:t>Azure Functions hosting options</a:t>
+              <a:t>What are virtual machine scale sets?</a:t>
             </a:r>
           </a:p>
           <a:p>
             <a:r>
               <a:rPr lang="en-IE" dirty="0"/>
-              <a:t>https://docs.microsoft.com/en-us/azure/azure-functions/functions-scale#scale</a:t>
+              <a:t>https://docs.microsoft.com/en-us/azure/virtual-machine-scale-sets/overview</a:t>
+            </a:r>
+          </a:p>
+          <a:p>
+            <a:endParaRPr lang="en-IE" dirty="0"/>
+          </a:p>
+          <a:p>
+            <a:endParaRPr lang="en-IE" dirty="0"/>
+          </a:p>
+          <a:p>
+            <a:endParaRPr lang="en-IE" dirty="0"/>
+          </a:p>
+          <a:p>
+            <a:pPr marL="0" marR="0" lvl="0" indent="0" algn="l" defTabSz="914400" rtl="0" eaLnBrk="1" fontAlgn="auto" latinLnBrk="0" hangingPunct="1">
+              <a:lnSpc>
+                <a:spcPct val="100000"/>
+              </a:lnSpc>
+              <a:spcBef>
+                <a:spcPts val="0"/>
+              </a:spcBef>
+              <a:spcAft>
+                <a:spcPts val="0"/>
+              </a:spcAft>
+              <a:buClrTx/>
+              <a:buSzTx/>
+              <a:buFontTx/>
+              <a:buNone/>
+              <a:tabLst/>
+              <a:defRPr/>
+            </a:pPr>
+            <a:r>
+              <a:rPr lang="en-GB" sz="1200" b="1" i="0" kern="1200" dirty="0">
+                <a:solidFill>
+                  <a:schemeClr val="tx1"/>
+                </a:solidFill>
+                <a:effectLst/>
+                <a:latin typeface="+mn-lt"/>
+                <a:ea typeface="+mn-ea"/>
+                <a:cs typeface="+mn-cs"/>
+              </a:rPr>
+              <a:t>Use Azure Spot Virtual Machines</a:t>
+            </a:r>
+          </a:p>
+          <a:p>
+            <a:r>
+              <a:rPr lang="en-IE" dirty="0"/>
+              <a:t>https://docs.microsoft.com/en-us/azure/virtual-machines/spot-vms</a:t>
             </a:r>
           </a:p>
           <a:p>
@@ -21094,7 +21093,7 @@
           <a:p>
             <a:fld id="{FD5B5252-8534-42B9-BEB1-6A93DAA021E2}" type="slidenum">
               <a:rPr lang="en-IE" smtClean="0"/>
-              <a:t>43</a:t>
+              <a:t>41</a:t>
             </a:fld>
             <a:endParaRPr lang="en-IE"/>
           </a:p>
@@ -21103,7 +21102,7 @@
     </p:spTree>
     <p:extLst>
       <p:ext uri="{BB962C8B-B14F-4D97-AF65-F5344CB8AC3E}">
-        <p14:creationId xmlns:p14="http://schemas.microsoft.com/office/powerpoint/2010/main" val="350881975"/>
+        <p14:creationId xmlns:p14="http://schemas.microsoft.com/office/powerpoint/2010/main" val="346489748"/>
       </p:ext>
     </p:extLst>
   </p:cSld>
@@ -21181,19 +21180,22 @@
               <a:defRPr/>
             </a:pPr>
             <a:r>
-              <a:rPr lang="en-IE" b="1" dirty="0"/>
-              <a:t>O’Reilly, </a:t>
-            </a:r>
-            <a:r>
-              <a:rPr lang="en-GB" b="1" dirty="0"/>
-              <a:t>Cloud FinOps: Collaborative, Real-Time Cloud Financial Management</a:t>
-            </a:r>
-            <a:endParaRPr lang="en-IE" b="1" dirty="0"/>
+              <a:rPr lang="en-IE" sz="1200" b="1" i="0" kern="1200" dirty="0">
+                <a:solidFill>
+                  <a:schemeClr val="tx1"/>
+                </a:solidFill>
+                <a:effectLst/>
+                <a:latin typeface="+mn-lt"/>
+                <a:ea typeface="+mn-ea"/>
+                <a:cs typeface="+mn-cs"/>
+              </a:rPr>
+              <a:t>Azure Functions hosting options</a:t>
+            </a:r>
           </a:p>
           <a:p>
             <a:r>
               <a:rPr lang="en-IE" dirty="0"/>
-              <a:t>https://www.amazon.com/Cloud-FinOps-Collaborative-real-time-management/dp/1492054623</a:t>
+              <a:t>https://docs.microsoft.com/en-us/azure/azure-functions/functions-scale#scale</a:t>
             </a:r>
           </a:p>
           <a:p>
@@ -21218,7 +21220,7 @@
           <a:p>
             <a:fld id="{FD5B5252-8534-42B9-BEB1-6A93DAA021E2}" type="slidenum">
               <a:rPr lang="en-IE" smtClean="0"/>
-              <a:t>48</a:t>
+              <a:t>43</a:t>
             </a:fld>
             <a:endParaRPr lang="en-IE"/>
           </a:p>
@@ -21227,7 +21229,7 @@
     </p:spTree>
     <p:extLst>
       <p:ext uri="{BB962C8B-B14F-4D97-AF65-F5344CB8AC3E}">
-        <p14:creationId xmlns:p14="http://schemas.microsoft.com/office/powerpoint/2010/main" val="3103950151"/>
+        <p14:creationId xmlns:p14="http://schemas.microsoft.com/office/powerpoint/2010/main" val="350881975"/>
       </p:ext>
     </p:extLst>
   </p:cSld>
@@ -21283,12 +21285,6 @@
           <a:p>
             <a:endParaRPr lang="en-IE" dirty="0"/>
           </a:p>
-          <a:p>
-            <a:r>
-              <a:rPr lang="en-IE" dirty="0"/>
-              <a:t>There are 500+ Azure Services available for creation, it’s easier to disable everything and only allow necessary resources. </a:t>
-            </a:r>
-          </a:p>
         </p:txBody>
       </p:sp>
       <p:sp>
@@ -21308,7 +21304,7 @@
           <a:p>
             <a:fld id="{FD5B5252-8534-42B9-BEB1-6A93DAA021E2}" type="slidenum">
               <a:rPr lang="en-IE" smtClean="0"/>
-              <a:t>49</a:t>
+              <a:t>47</a:t>
             </a:fld>
             <a:endParaRPr lang="en-IE"/>
           </a:p>
@@ -21317,7 +21313,7 @@
     </p:spTree>
     <p:extLst>
       <p:ext uri="{BB962C8B-B14F-4D97-AF65-F5344CB8AC3E}">
-        <p14:creationId xmlns:p14="http://schemas.microsoft.com/office/powerpoint/2010/main" val="1245362987"/>
+        <p14:creationId xmlns:p14="http://schemas.microsoft.com/office/powerpoint/2010/main" val="900750156"/>
       </p:ext>
     </p:extLst>
   </p:cSld>
@@ -21377,9 +21373,6 @@
             <a:endParaRPr lang="en-IE" dirty="0"/>
           </a:p>
           <a:p>
-            <a:endParaRPr lang="en-IE" dirty="0"/>
-          </a:p>
-          <a:p>
             <a:pPr marL="0" marR="0" lvl="0" indent="0" algn="l" defTabSz="914400" rtl="0" eaLnBrk="1" fontAlgn="auto" latinLnBrk="0" hangingPunct="1">
               <a:lnSpc>
                 <a:spcPct val="100000"/>
@@ -21398,22 +21391,19 @@
               <a:defRPr/>
             </a:pPr>
             <a:r>
-              <a:rPr lang="en-GB" sz="1200" b="1" i="0" kern="1200" dirty="0">
-                <a:solidFill>
-                  <a:schemeClr val="tx1"/>
-                </a:solidFill>
-                <a:effectLst/>
-                <a:latin typeface="+mn-lt"/>
-                <a:ea typeface="+mn-ea"/>
-                <a:cs typeface="+mn-cs"/>
-              </a:rPr>
-              <a:t>Use cost alerts to monitor usage and spending</a:t>
-            </a:r>
+              <a:rPr lang="en-IE" b="1" dirty="0"/>
+              <a:t>O’Reilly, </a:t>
+            </a:r>
+            <a:r>
+              <a:rPr lang="en-GB" b="1" dirty="0"/>
+              <a:t>Cloud FinOps: Collaborative, Real-Time Cloud Financial Management</a:t>
+            </a:r>
+            <a:endParaRPr lang="en-IE" b="1" dirty="0"/>
           </a:p>
           <a:p>
             <a:r>
               <a:rPr lang="en-IE" dirty="0"/>
-              <a:t>https://docs.microsoft.com/en-us/azure/cost-management-billing/costs/cost-mgt-alerts-monitor-usage-spending</a:t>
+              <a:t>https://www.amazon.com/Cloud-FinOps-Collaborative-real-time-management/dp/1492054623</a:t>
             </a:r>
           </a:p>
           <a:p>
@@ -21438,7 +21428,227 @@
           <a:p>
             <a:fld id="{FD5B5252-8534-42B9-BEB1-6A93DAA021E2}" type="slidenum">
               <a:rPr lang="en-IE" smtClean="0"/>
-              <a:t>53</a:t>
+              <a:t>50</a:t>
+            </a:fld>
+            <a:endParaRPr lang="en-IE"/>
+          </a:p>
+        </p:txBody>
+      </p:sp>
+    </p:spTree>
+    <p:extLst>
+      <p:ext uri="{BB962C8B-B14F-4D97-AF65-F5344CB8AC3E}">
+        <p14:creationId xmlns:p14="http://schemas.microsoft.com/office/powerpoint/2010/main" val="3103950151"/>
+      </p:ext>
+    </p:extLst>
+  </p:cSld>
+  <p:clrMapOvr>
+    <a:masterClrMapping/>
+  </p:clrMapOvr>
+</p:notes>
+</file>
+
+<file path=ppt/notesSlides/notesSlide28.xml><?xml version="1.0" encoding="utf-8"?>
+<p:notes xmlns:a="http://schemas.openxmlformats.org/drawingml/2006/main" xmlns:r="http://schemas.openxmlformats.org/officeDocument/2006/relationships" xmlns:p="http://schemas.openxmlformats.org/presentationml/2006/main">
+  <p:cSld>
+    <p:spTree>
+      <p:nvGrpSpPr>
+        <p:cNvPr id="1" name=""/>
+        <p:cNvGrpSpPr/>
+        <p:nvPr/>
+      </p:nvGrpSpPr>
+      <p:grpSpPr>
+        <a:xfrm>
+          <a:off x="0" y="0"/>
+          <a:ext cx="0" cy="0"/>
+          <a:chOff x="0" y="0"/>
+          <a:chExt cx="0" cy="0"/>
+        </a:xfrm>
+      </p:grpSpPr>
+      <p:sp>
+        <p:nvSpPr>
+          <p:cNvPr id="2" name="Slide Image Placeholder 1"/>
+          <p:cNvSpPr>
+            <a:spLocks noGrp="1" noRot="1" noChangeAspect="1"/>
+          </p:cNvSpPr>
+          <p:nvPr>
+            <p:ph type="sldImg"/>
+          </p:nvPr>
+        </p:nvSpPr>
+        <p:spPr/>
+      </p:sp>
+      <p:sp>
+        <p:nvSpPr>
+          <p:cNvPr id="3" name="Notes Placeholder 2"/>
+          <p:cNvSpPr>
+            <a:spLocks noGrp="1"/>
+          </p:cNvSpPr>
+          <p:nvPr>
+            <p:ph type="body" idx="1"/>
+          </p:nvPr>
+        </p:nvSpPr>
+        <p:spPr/>
+        <p:txBody>
+          <a:bodyPr/>
+          <a:lstStyle/>
+          <a:p>
+            <a:endParaRPr lang="en-IE" dirty="0"/>
+          </a:p>
+          <a:p>
+            <a:r>
+              <a:rPr lang="en-IE" dirty="0"/>
+              <a:t>There are 500+ Azure Services available for creation, it’s easier to disable everything and only allow necessary resources. </a:t>
+            </a:r>
+          </a:p>
+        </p:txBody>
+      </p:sp>
+      <p:sp>
+        <p:nvSpPr>
+          <p:cNvPr id="4" name="Slide Number Placeholder 3"/>
+          <p:cNvSpPr>
+            <a:spLocks noGrp="1"/>
+          </p:cNvSpPr>
+          <p:nvPr>
+            <p:ph type="sldNum" sz="quarter" idx="5"/>
+          </p:nvPr>
+        </p:nvSpPr>
+        <p:spPr/>
+        <p:txBody>
+          <a:bodyPr/>
+          <a:lstStyle/>
+          <a:p>
+            <a:fld id="{FD5B5252-8534-42B9-BEB1-6A93DAA021E2}" type="slidenum">
+              <a:rPr lang="en-IE" smtClean="0"/>
+              <a:t>51</a:t>
+            </a:fld>
+            <a:endParaRPr lang="en-IE"/>
+          </a:p>
+        </p:txBody>
+      </p:sp>
+    </p:spTree>
+    <p:extLst>
+      <p:ext uri="{BB962C8B-B14F-4D97-AF65-F5344CB8AC3E}">
+        <p14:creationId xmlns:p14="http://schemas.microsoft.com/office/powerpoint/2010/main" val="1245362987"/>
+      </p:ext>
+    </p:extLst>
+  </p:cSld>
+  <p:clrMapOvr>
+    <a:masterClrMapping/>
+  </p:clrMapOvr>
+</p:notes>
+</file>
+
+<file path=ppt/notesSlides/notesSlide29.xml><?xml version="1.0" encoding="utf-8"?>
+<p:notes xmlns:a="http://schemas.openxmlformats.org/drawingml/2006/main" xmlns:r="http://schemas.openxmlformats.org/officeDocument/2006/relationships" xmlns:p="http://schemas.openxmlformats.org/presentationml/2006/main">
+  <p:cSld>
+    <p:spTree>
+      <p:nvGrpSpPr>
+        <p:cNvPr id="1" name=""/>
+        <p:cNvGrpSpPr/>
+        <p:nvPr/>
+      </p:nvGrpSpPr>
+      <p:grpSpPr>
+        <a:xfrm>
+          <a:off x="0" y="0"/>
+          <a:ext cx="0" cy="0"/>
+          <a:chOff x="0" y="0"/>
+          <a:chExt cx="0" cy="0"/>
+        </a:xfrm>
+      </p:grpSpPr>
+      <p:sp>
+        <p:nvSpPr>
+          <p:cNvPr id="2" name="Slide Image Placeholder 1"/>
+          <p:cNvSpPr>
+            <a:spLocks noGrp="1" noRot="1" noChangeAspect="1"/>
+          </p:cNvSpPr>
+          <p:nvPr>
+            <p:ph type="sldImg"/>
+          </p:nvPr>
+        </p:nvSpPr>
+        <p:spPr/>
+      </p:sp>
+      <p:sp>
+        <p:nvSpPr>
+          <p:cNvPr id="3" name="Notes Placeholder 2"/>
+          <p:cNvSpPr>
+            <a:spLocks noGrp="1"/>
+          </p:cNvSpPr>
+          <p:nvPr>
+            <p:ph type="body" idx="1"/>
+          </p:nvPr>
+        </p:nvSpPr>
+        <p:spPr/>
+        <p:txBody>
+          <a:bodyPr/>
+          <a:lstStyle/>
+          <a:p>
+            <a:endParaRPr lang="en-IE" dirty="0"/>
+          </a:p>
+          <a:p>
+            <a:endParaRPr lang="en-IE" dirty="0"/>
+          </a:p>
+          <a:p>
+            <a:endParaRPr lang="en-IE" dirty="0"/>
+          </a:p>
+          <a:p>
+            <a:pPr marL="0" marR="0" lvl="0" indent="0" algn="l" defTabSz="914400" rtl="0" eaLnBrk="1" fontAlgn="auto" latinLnBrk="0" hangingPunct="1">
+              <a:lnSpc>
+                <a:spcPct val="100000"/>
+              </a:lnSpc>
+              <a:spcBef>
+                <a:spcPts val="0"/>
+              </a:spcBef>
+              <a:spcAft>
+                <a:spcPts val="0"/>
+              </a:spcAft>
+              <a:buClrTx/>
+              <a:buSzTx/>
+              <a:buFontTx/>
+              <a:buNone/>
+              <a:tabLst/>
+              <a:defRPr/>
+            </a:pPr>
+            <a:r>
+              <a:rPr lang="en-GB" sz="1200" b="1" i="0" kern="1200" dirty="0">
+                <a:solidFill>
+                  <a:schemeClr val="tx1"/>
+                </a:solidFill>
+                <a:effectLst/>
+                <a:latin typeface="+mn-lt"/>
+                <a:ea typeface="+mn-ea"/>
+                <a:cs typeface="+mn-cs"/>
+              </a:rPr>
+              <a:t>Use cost alerts to monitor usage and spending</a:t>
+            </a:r>
+          </a:p>
+          <a:p>
+            <a:r>
+              <a:rPr lang="en-IE" dirty="0"/>
+              <a:t>https://docs.microsoft.com/en-us/azure/cost-management-billing/costs/cost-mgt-alerts-monitor-usage-spending</a:t>
+            </a:r>
+          </a:p>
+          <a:p>
+            <a:endParaRPr lang="en-IE" dirty="0"/>
+          </a:p>
+        </p:txBody>
+      </p:sp>
+      <p:sp>
+        <p:nvSpPr>
+          <p:cNvPr id="4" name="Slide Number Placeholder 3"/>
+          <p:cNvSpPr>
+            <a:spLocks noGrp="1"/>
+          </p:cNvSpPr>
+          <p:nvPr>
+            <p:ph type="sldNum" sz="quarter" idx="5"/>
+          </p:nvPr>
+        </p:nvSpPr>
+        <p:spPr/>
+        <p:txBody>
+          <a:bodyPr/>
+          <a:lstStyle/>
+          <a:p>
+            <a:fld id="{FD5B5252-8534-42B9-BEB1-6A93DAA021E2}" type="slidenum">
+              <a:rPr lang="en-IE" smtClean="0"/>
+              <a:t>55</a:t>
             </a:fld>
             <a:endParaRPr lang="en-IE"/>
           </a:p>
@@ -28594,7 +28804,7 @@
           <a:p>
             <a:fld id="{7821E7CA-480C-4350-9AB0-12AB79674909}" type="datetimeFigureOut">
               <a:rPr lang="en-IE" smtClean="0"/>
-              <a:t>25/06/2021</a:t>
+              <a:t>16/08/2021</a:t>
             </a:fld>
             <a:endParaRPr lang="en-IE"/>
           </a:p>
@@ -28794,7 +29004,7 @@
           <a:p>
             <a:fld id="{7821E7CA-480C-4350-9AB0-12AB79674909}" type="datetimeFigureOut">
               <a:rPr lang="en-IE" smtClean="0"/>
-              <a:t>25/06/2021</a:t>
+              <a:t>16/08/2021</a:t>
             </a:fld>
             <a:endParaRPr lang="en-IE"/>
           </a:p>
@@ -29070,7 +29280,7 @@
           <a:p>
             <a:fld id="{7821E7CA-480C-4350-9AB0-12AB79674909}" type="datetimeFigureOut">
               <a:rPr lang="en-IE" smtClean="0"/>
-              <a:t>25/06/2021</a:t>
+              <a:t>16/08/2021</a:t>
             </a:fld>
             <a:endParaRPr lang="en-IE"/>
           </a:p>
@@ -36888,7 +37098,12 @@
             <p:ph idx="1"/>
           </p:nvPr>
         </p:nvSpPr>
-        <p:spPr/>
+        <p:spPr>
+          <a:xfrm>
+            <a:off x="584200" y="1435503"/>
+            <a:ext cx="11018520" cy="2499146"/>
+          </a:xfrm>
+        </p:spPr>
         <p:txBody>
           <a:bodyPr/>
           <a:lstStyle/>
@@ -36903,6 +37118,24 @@
             <a:r>
               <a:rPr lang="en-IE" dirty="0"/>
               <a:t>Multiple websites in a single App Service Plan</a:t>
+            </a:r>
+          </a:p>
+          <a:p>
+            <a:r>
+              <a:rPr lang="en-IE" dirty="0"/>
+              <a:t>Cost Analysis </a:t>
+            </a:r>
+          </a:p>
+          <a:p>
+            <a:r>
+              <a:rPr lang="en-IE" dirty="0"/>
+              <a:t>Budget Alerts (per scope) </a:t>
+            </a:r>
+          </a:p>
+          <a:p>
+            <a:r>
+              <a:rPr lang="en-IE" dirty="0"/>
+              <a:t>Cost Alerts</a:t>
             </a:r>
           </a:p>
         </p:txBody>
@@ -36942,6 +37175,182 @@
           <p:cNvPr id="2" name="Title 1">
             <a:extLst>
               <a:ext uri="{FF2B5EF4-FFF2-40B4-BE49-F238E27FC236}">
+                <a16:creationId xmlns:a16="http://schemas.microsoft.com/office/drawing/2014/main" id="{08495550-3ADD-4C78-8D2D-6EC0B98900C7}"/>
+              </a:ext>
+            </a:extLst>
+          </p:cNvPr>
+          <p:cNvSpPr>
+            <a:spLocks noGrp="1"/>
+          </p:cNvSpPr>
+          <p:nvPr>
+            <p:ph type="title"/>
+          </p:nvPr>
+        </p:nvSpPr>
+        <p:spPr/>
+        <p:txBody>
+          <a:bodyPr/>
+          <a:lstStyle/>
+          <a:p>
+            <a:pPr algn="ctr"/>
+            <a:r>
+              <a:rPr lang="en-IE" dirty="0"/>
+              <a:t>App Service Cost Analysis</a:t>
+            </a:r>
+          </a:p>
+        </p:txBody>
+      </p:sp>
+      <p:pic>
+        <p:nvPicPr>
+          <p:cNvPr id="5" name="Content Placeholder 4">
+            <a:extLst>
+              <a:ext uri="{FF2B5EF4-FFF2-40B4-BE49-F238E27FC236}">
+                <a16:creationId xmlns:a16="http://schemas.microsoft.com/office/drawing/2014/main" id="{FA99B1FF-D212-485D-94CA-1F33BA42CB0F}"/>
+              </a:ext>
+            </a:extLst>
+          </p:cNvPr>
+          <p:cNvPicPr>
+            <a:picLocks noGrp="1" noChangeAspect="1"/>
+          </p:cNvPicPr>
+          <p:nvPr>
+            <p:ph idx="1"/>
+          </p:nvPr>
+        </p:nvPicPr>
+        <p:blipFill>
+          <a:blip r:embed="rId2"/>
+          <a:stretch>
+            <a:fillRect/>
+          </a:stretch>
+        </p:blipFill>
+        <p:spPr>
+          <a:xfrm>
+            <a:off x="3579573" y="1121833"/>
+            <a:ext cx="8027210" cy="5414434"/>
+          </a:xfrm>
+        </p:spPr>
+      </p:pic>
+    </p:spTree>
+    <p:extLst>
+      <p:ext uri="{BB962C8B-B14F-4D97-AF65-F5344CB8AC3E}">
+        <p14:creationId xmlns:p14="http://schemas.microsoft.com/office/powerpoint/2010/main" val="263008036"/>
+      </p:ext>
+    </p:extLst>
+  </p:cSld>
+  <p:clrMapOvr>
+    <a:masterClrMapping/>
+  </p:clrMapOvr>
+</p:sld>
+</file>
+
+<file path=ppt/slides/slide47.xml><?xml version="1.0" encoding="utf-8"?>
+<p:sld xmlns:a="http://schemas.openxmlformats.org/drawingml/2006/main" xmlns:r="http://schemas.openxmlformats.org/officeDocument/2006/relationships" xmlns:p="http://schemas.openxmlformats.org/presentationml/2006/main">
+  <p:cSld>
+    <p:spTree>
+      <p:nvGrpSpPr>
+        <p:cNvPr id="1" name=""/>
+        <p:cNvGrpSpPr/>
+        <p:nvPr/>
+      </p:nvGrpSpPr>
+      <p:grpSpPr>
+        <a:xfrm>
+          <a:off x="0" y="0"/>
+          <a:ext cx="0" cy="0"/>
+          <a:chOff x="0" y="0"/>
+          <a:chExt cx="0" cy="0"/>
+        </a:xfrm>
+      </p:grpSpPr>
+      <p:sp>
+        <p:nvSpPr>
+          <p:cNvPr id="2" name="Title 1">
+            <a:extLst>
+              <a:ext uri="{FF2B5EF4-FFF2-40B4-BE49-F238E27FC236}">
+                <a16:creationId xmlns:a16="http://schemas.microsoft.com/office/drawing/2014/main" id="{3E499897-A423-4345-AD03-83FE504D6F34}"/>
+              </a:ext>
+            </a:extLst>
+          </p:cNvPr>
+          <p:cNvSpPr>
+            <a:spLocks noGrp="1"/>
+          </p:cNvSpPr>
+          <p:nvPr>
+            <p:ph type="title"/>
+          </p:nvPr>
+        </p:nvSpPr>
+        <p:spPr/>
+        <p:txBody>
+          <a:bodyPr/>
+          <a:lstStyle/>
+          <a:p>
+            <a:pPr algn="ctr"/>
+            <a:r>
+              <a:rPr lang="en-IE" dirty="0"/>
+              <a:t>Cost Alerts</a:t>
+            </a:r>
+          </a:p>
+        </p:txBody>
+      </p:sp>
+      <p:pic>
+        <p:nvPicPr>
+          <p:cNvPr id="5" name="Content Placeholder 4">
+            <a:extLst>
+              <a:ext uri="{FF2B5EF4-FFF2-40B4-BE49-F238E27FC236}">
+                <a16:creationId xmlns:a16="http://schemas.microsoft.com/office/drawing/2014/main" id="{432DC8E7-74B2-4742-8543-B14297837CFF}"/>
+              </a:ext>
+            </a:extLst>
+          </p:cNvPr>
+          <p:cNvPicPr>
+            <a:picLocks noGrp="1" noChangeAspect="1"/>
+          </p:cNvPicPr>
+          <p:nvPr>
+            <p:ph idx="1"/>
+          </p:nvPr>
+        </p:nvPicPr>
+        <p:blipFill>
+          <a:blip r:embed="rId3"/>
+          <a:stretch>
+            <a:fillRect/>
+          </a:stretch>
+        </p:blipFill>
+        <p:spPr>
+          <a:xfrm>
+            <a:off x="801039" y="1204383"/>
+            <a:ext cx="10589922" cy="5123482"/>
+          </a:xfrm>
+        </p:spPr>
+      </p:pic>
+    </p:spTree>
+    <p:extLst>
+      <p:ext uri="{BB962C8B-B14F-4D97-AF65-F5344CB8AC3E}">
+        <p14:creationId xmlns:p14="http://schemas.microsoft.com/office/powerpoint/2010/main" val="1059602656"/>
+      </p:ext>
+    </p:extLst>
+  </p:cSld>
+  <p:clrMapOvr>
+    <a:masterClrMapping/>
+  </p:clrMapOvr>
+</p:sld>
+</file>
+
+<file path=ppt/slides/slide48.xml><?xml version="1.0" encoding="utf-8"?>
+<p:sld xmlns:a="http://schemas.openxmlformats.org/drawingml/2006/main" xmlns:r="http://schemas.openxmlformats.org/officeDocument/2006/relationships" xmlns:p="http://schemas.openxmlformats.org/presentationml/2006/main">
+  <p:cSld>
+    <p:spTree>
+      <p:nvGrpSpPr>
+        <p:cNvPr id="1" name=""/>
+        <p:cNvGrpSpPr/>
+        <p:nvPr/>
+      </p:nvGrpSpPr>
+      <p:grpSpPr>
+        <a:xfrm>
+          <a:off x="0" y="0"/>
+          <a:ext cx="0" cy="0"/>
+          <a:chOff x="0" y="0"/>
+          <a:chExt cx="0" cy="0"/>
+        </a:xfrm>
+      </p:grpSpPr>
+      <p:sp>
+        <p:nvSpPr>
+          <p:cNvPr id="2" name="Title 1">
+            <a:extLst>
+              <a:ext uri="{FF2B5EF4-FFF2-40B4-BE49-F238E27FC236}">
                 <a16:creationId xmlns:a16="http://schemas.microsoft.com/office/drawing/2014/main" id="{AD3E84D0-A698-4939-B0E4-8E7C5DC81B08}"/>
               </a:ext>
             </a:extLst>
@@ -37031,7 +37440,7 @@
 </p:sld>
 </file>
 
-<file path=ppt/slides/slide47.xml><?xml version="1.0" encoding="utf-8"?>
+<file path=ppt/slides/slide49.xml><?xml version="1.0" encoding="utf-8"?>
 <p:sld xmlns:a="http://schemas.openxmlformats.org/drawingml/2006/main" xmlns:r="http://schemas.openxmlformats.org/officeDocument/2006/relationships" xmlns:p="http://schemas.openxmlformats.org/presentationml/2006/main">
   <p:cSld>
     <p:spTree>
@@ -37105,260 +37514,6 @@
     <p:extLst>
       <p:ext uri="{BB962C8B-B14F-4D97-AF65-F5344CB8AC3E}">
         <p14:creationId xmlns:p14="http://schemas.microsoft.com/office/powerpoint/2010/main" val="2023599523"/>
-      </p:ext>
-    </p:extLst>
-  </p:cSld>
-  <p:clrMapOvr>
-    <a:masterClrMapping/>
-  </p:clrMapOvr>
-</p:sld>
-</file>
-
-<file path=ppt/slides/slide48.xml><?xml version="1.0" encoding="utf-8"?>
-<p:sld xmlns:a="http://schemas.openxmlformats.org/drawingml/2006/main" xmlns:r="http://schemas.openxmlformats.org/officeDocument/2006/relationships" xmlns:p="http://schemas.openxmlformats.org/presentationml/2006/main">
-  <p:cSld>
-    <p:spTree>
-      <p:nvGrpSpPr>
-        <p:cNvPr id="1" name=""/>
-        <p:cNvGrpSpPr/>
-        <p:nvPr/>
-      </p:nvGrpSpPr>
-      <p:grpSpPr>
-        <a:xfrm>
-          <a:off x="0" y="0"/>
-          <a:ext cx="0" cy="0"/>
-          <a:chOff x="0" y="0"/>
-          <a:chExt cx="0" cy="0"/>
-        </a:xfrm>
-      </p:grpSpPr>
-      <p:sp>
-        <p:nvSpPr>
-          <p:cNvPr id="4" name="Title 3">
-            <a:extLst>
-              <a:ext uri="{FF2B5EF4-FFF2-40B4-BE49-F238E27FC236}">
-                <a16:creationId xmlns:a16="http://schemas.microsoft.com/office/drawing/2014/main" id="{19FE34B1-9BE9-47F8-9F98-77D434BC9057}"/>
-              </a:ext>
-            </a:extLst>
-          </p:cNvPr>
-          <p:cNvSpPr>
-            <a:spLocks noGrp="1"/>
-          </p:cNvSpPr>
-          <p:nvPr>
-            <p:ph type="title"/>
-          </p:nvPr>
-        </p:nvSpPr>
-        <p:spPr/>
-        <p:txBody>
-          <a:bodyPr/>
-          <a:lstStyle/>
-          <a:p>
-            <a:pPr algn="ctr"/>
-            <a:r>
-              <a:rPr lang="en-IE" dirty="0"/>
-              <a:t>Further Reading</a:t>
-            </a:r>
-          </a:p>
-        </p:txBody>
-      </p:sp>
-      <p:sp>
-        <p:nvSpPr>
-          <p:cNvPr id="5" name="Content Placeholder 4">
-            <a:extLst>
-              <a:ext uri="{FF2B5EF4-FFF2-40B4-BE49-F238E27FC236}">
-                <a16:creationId xmlns:a16="http://schemas.microsoft.com/office/drawing/2014/main" id="{5D6560F0-CB88-49DF-895F-376C3E32CD13}"/>
-              </a:ext>
-            </a:extLst>
-          </p:cNvPr>
-          <p:cNvSpPr>
-            <a:spLocks noGrp="1"/>
-          </p:cNvSpPr>
-          <p:nvPr>
-            <p:ph idx="1"/>
-          </p:nvPr>
-        </p:nvSpPr>
-        <p:spPr/>
-        <p:txBody>
-          <a:bodyPr/>
-          <a:lstStyle/>
-          <a:p>
-            <a:r>
-              <a:rPr lang="en-IE" dirty="0"/>
-              <a:t>O’Reilly, </a:t>
-            </a:r>
-            <a:r>
-              <a:rPr lang="en-GB" dirty="0"/>
-              <a:t>Cloud FinOps: Collaborative, Real-Time Cloud Financial Management</a:t>
-            </a:r>
-          </a:p>
-          <a:p>
-            <a:r>
-              <a:rPr lang="en-GB" dirty="0"/>
-              <a:t>FinOps Foundation, </a:t>
-            </a:r>
-            <a:r>
-              <a:rPr lang="en-GB" dirty="0">
-                <a:hlinkClick r:id="rId3"/>
-              </a:rPr>
-              <a:t>https://www.finops.org/</a:t>
-            </a:r>
-            <a:endParaRPr lang="en-GB" dirty="0"/>
-          </a:p>
-          <a:p>
-            <a:endParaRPr lang="en-IE" dirty="0"/>
-          </a:p>
-        </p:txBody>
-      </p:sp>
-    </p:spTree>
-    <p:extLst>
-      <p:ext uri="{BB962C8B-B14F-4D97-AF65-F5344CB8AC3E}">
-        <p14:creationId xmlns:p14="http://schemas.microsoft.com/office/powerpoint/2010/main" val="4123046943"/>
-      </p:ext>
-    </p:extLst>
-  </p:cSld>
-  <p:clrMapOvr>
-    <a:masterClrMapping/>
-  </p:clrMapOvr>
-</p:sld>
-</file>
-
-<file path=ppt/slides/slide49.xml><?xml version="1.0" encoding="utf-8"?>
-<p:sld xmlns:a="http://schemas.openxmlformats.org/drawingml/2006/main" xmlns:r="http://schemas.openxmlformats.org/officeDocument/2006/relationships" xmlns:p="http://schemas.openxmlformats.org/presentationml/2006/main">
-  <p:cSld>
-    <p:spTree>
-      <p:nvGrpSpPr>
-        <p:cNvPr id="1" name=""/>
-        <p:cNvGrpSpPr/>
-        <p:nvPr/>
-      </p:nvGrpSpPr>
-      <p:grpSpPr>
-        <a:xfrm>
-          <a:off x="0" y="0"/>
-          <a:ext cx="0" cy="0"/>
-          <a:chOff x="0" y="0"/>
-          <a:chExt cx="0" cy="0"/>
-        </a:xfrm>
-      </p:grpSpPr>
-      <p:sp>
-        <p:nvSpPr>
-          <p:cNvPr id="2" name="Title 1">
-            <a:extLst>
-              <a:ext uri="{FF2B5EF4-FFF2-40B4-BE49-F238E27FC236}">
-                <a16:creationId xmlns:a16="http://schemas.microsoft.com/office/drawing/2014/main" id="{0A4AD6B7-9405-4774-9B6E-E2D8D0DD39E3}"/>
-              </a:ext>
-            </a:extLst>
-          </p:cNvPr>
-          <p:cNvSpPr>
-            <a:spLocks noGrp="1"/>
-          </p:cNvSpPr>
-          <p:nvPr>
-            <p:ph type="title"/>
-          </p:nvPr>
-        </p:nvSpPr>
-        <p:spPr/>
-        <p:txBody>
-          <a:bodyPr/>
-          <a:lstStyle/>
-          <a:p>
-            <a:pPr algn="ctr"/>
-            <a:r>
-              <a:rPr lang="en-IE" dirty="0"/>
-              <a:t>Azure Policies Examples</a:t>
-            </a:r>
-          </a:p>
-        </p:txBody>
-      </p:sp>
-      <p:sp>
-        <p:nvSpPr>
-          <p:cNvPr id="3" name="Content Placeholder 2">
-            <a:extLst>
-              <a:ext uri="{FF2B5EF4-FFF2-40B4-BE49-F238E27FC236}">
-                <a16:creationId xmlns:a16="http://schemas.microsoft.com/office/drawing/2014/main" id="{E8E92A55-54D9-46CA-BFA2-C915545785EE}"/>
-              </a:ext>
-            </a:extLst>
-          </p:cNvPr>
-          <p:cNvSpPr>
-            <a:spLocks noGrp="1"/>
-          </p:cNvSpPr>
-          <p:nvPr>
-            <p:ph idx="1"/>
-          </p:nvPr>
-        </p:nvSpPr>
-        <p:spPr/>
-        <p:txBody>
-          <a:bodyPr/>
-          <a:lstStyle/>
-          <a:p>
-            <a:r>
-              <a:rPr lang="en-IE" dirty="0"/>
-              <a:t>Limit </a:t>
-            </a:r>
-            <a:r>
-              <a:rPr lang="en-IE" dirty="0" err="1"/>
-              <a:t>vCores</a:t>
-            </a:r>
-            <a:r>
-              <a:rPr lang="en-IE" dirty="0"/>
-              <a:t> available for Developers</a:t>
-            </a:r>
-          </a:p>
-          <a:p>
-            <a:r>
-              <a:rPr lang="en-IE" dirty="0"/>
-              <a:t>Limit resources available for creation</a:t>
-            </a:r>
-          </a:p>
-          <a:p>
-            <a:r>
-              <a:rPr lang="en-IE" dirty="0"/>
-              <a:t>Enforce tag creation with an error message </a:t>
-            </a:r>
-          </a:p>
-          <a:p>
-            <a:pPr lvl="1"/>
-            <a:r>
-              <a:rPr lang="en-IE" dirty="0"/>
-              <a:t>Cost </a:t>
-            </a:r>
-            <a:r>
-              <a:rPr lang="en-IE" dirty="0" err="1"/>
-              <a:t>center</a:t>
-            </a:r>
-            <a:r>
-              <a:rPr lang="en-IE" dirty="0"/>
-              <a:t> tag</a:t>
-            </a:r>
-          </a:p>
-          <a:p>
-            <a:pPr lvl="1"/>
-            <a:r>
-              <a:rPr lang="en-IE" dirty="0"/>
-              <a:t>Shutdown: daily/weekly/never tag</a:t>
-            </a:r>
-          </a:p>
-          <a:p>
-            <a:r>
-              <a:rPr lang="en-IE" dirty="0"/>
-              <a:t>Certain tags can only be added by a trusted group</a:t>
-            </a:r>
-          </a:p>
-          <a:p>
-            <a:pPr marL="0" indent="0">
-              <a:buNone/>
-            </a:pPr>
-            <a:r>
-              <a:rPr lang="en-IE" dirty="0"/>
-              <a:t>  </a:t>
-            </a:r>
-          </a:p>
-          <a:p>
-            <a:endParaRPr lang="en-IE" dirty="0"/>
-          </a:p>
-        </p:txBody>
-      </p:sp>
-    </p:spTree>
-    <p:extLst>
-      <p:ext uri="{BB962C8B-B14F-4D97-AF65-F5344CB8AC3E}">
-        <p14:creationId xmlns:p14="http://schemas.microsoft.com/office/powerpoint/2010/main" val="2506567211"/>
       </p:ext>
     </p:extLst>
   </p:cSld>
@@ -37482,6 +37637,260 @@
       </p:grpSpPr>
       <p:sp>
         <p:nvSpPr>
+          <p:cNvPr id="4" name="Title 3">
+            <a:extLst>
+              <a:ext uri="{FF2B5EF4-FFF2-40B4-BE49-F238E27FC236}">
+                <a16:creationId xmlns:a16="http://schemas.microsoft.com/office/drawing/2014/main" id="{19FE34B1-9BE9-47F8-9F98-77D434BC9057}"/>
+              </a:ext>
+            </a:extLst>
+          </p:cNvPr>
+          <p:cNvSpPr>
+            <a:spLocks noGrp="1"/>
+          </p:cNvSpPr>
+          <p:nvPr>
+            <p:ph type="title"/>
+          </p:nvPr>
+        </p:nvSpPr>
+        <p:spPr/>
+        <p:txBody>
+          <a:bodyPr/>
+          <a:lstStyle/>
+          <a:p>
+            <a:pPr algn="ctr"/>
+            <a:r>
+              <a:rPr lang="en-IE" dirty="0"/>
+              <a:t>Further Reading</a:t>
+            </a:r>
+          </a:p>
+        </p:txBody>
+      </p:sp>
+      <p:sp>
+        <p:nvSpPr>
+          <p:cNvPr id="5" name="Content Placeholder 4">
+            <a:extLst>
+              <a:ext uri="{FF2B5EF4-FFF2-40B4-BE49-F238E27FC236}">
+                <a16:creationId xmlns:a16="http://schemas.microsoft.com/office/drawing/2014/main" id="{5D6560F0-CB88-49DF-895F-376C3E32CD13}"/>
+              </a:ext>
+            </a:extLst>
+          </p:cNvPr>
+          <p:cNvSpPr>
+            <a:spLocks noGrp="1"/>
+          </p:cNvSpPr>
+          <p:nvPr>
+            <p:ph idx="1"/>
+          </p:nvPr>
+        </p:nvSpPr>
+        <p:spPr/>
+        <p:txBody>
+          <a:bodyPr/>
+          <a:lstStyle/>
+          <a:p>
+            <a:r>
+              <a:rPr lang="en-IE" dirty="0"/>
+              <a:t>O’Reilly, </a:t>
+            </a:r>
+            <a:r>
+              <a:rPr lang="en-GB" dirty="0"/>
+              <a:t>Cloud FinOps: Collaborative, Real-Time Cloud Financial Management</a:t>
+            </a:r>
+          </a:p>
+          <a:p>
+            <a:r>
+              <a:rPr lang="en-GB" dirty="0"/>
+              <a:t>FinOps Foundation, </a:t>
+            </a:r>
+            <a:r>
+              <a:rPr lang="en-GB" dirty="0">
+                <a:hlinkClick r:id="rId3"/>
+              </a:rPr>
+              <a:t>https://www.finops.org/</a:t>
+            </a:r>
+            <a:endParaRPr lang="en-GB" dirty="0"/>
+          </a:p>
+          <a:p>
+            <a:endParaRPr lang="en-IE" dirty="0"/>
+          </a:p>
+        </p:txBody>
+      </p:sp>
+    </p:spTree>
+    <p:extLst>
+      <p:ext uri="{BB962C8B-B14F-4D97-AF65-F5344CB8AC3E}">
+        <p14:creationId xmlns:p14="http://schemas.microsoft.com/office/powerpoint/2010/main" val="4123046943"/>
+      </p:ext>
+    </p:extLst>
+  </p:cSld>
+  <p:clrMapOvr>
+    <a:masterClrMapping/>
+  </p:clrMapOvr>
+</p:sld>
+</file>
+
+<file path=ppt/slides/slide51.xml><?xml version="1.0" encoding="utf-8"?>
+<p:sld xmlns:a="http://schemas.openxmlformats.org/drawingml/2006/main" xmlns:r="http://schemas.openxmlformats.org/officeDocument/2006/relationships" xmlns:p="http://schemas.openxmlformats.org/presentationml/2006/main">
+  <p:cSld>
+    <p:spTree>
+      <p:nvGrpSpPr>
+        <p:cNvPr id="1" name=""/>
+        <p:cNvGrpSpPr/>
+        <p:nvPr/>
+      </p:nvGrpSpPr>
+      <p:grpSpPr>
+        <a:xfrm>
+          <a:off x="0" y="0"/>
+          <a:ext cx="0" cy="0"/>
+          <a:chOff x="0" y="0"/>
+          <a:chExt cx="0" cy="0"/>
+        </a:xfrm>
+      </p:grpSpPr>
+      <p:sp>
+        <p:nvSpPr>
+          <p:cNvPr id="2" name="Title 1">
+            <a:extLst>
+              <a:ext uri="{FF2B5EF4-FFF2-40B4-BE49-F238E27FC236}">
+                <a16:creationId xmlns:a16="http://schemas.microsoft.com/office/drawing/2014/main" id="{0A4AD6B7-9405-4774-9B6E-E2D8D0DD39E3}"/>
+              </a:ext>
+            </a:extLst>
+          </p:cNvPr>
+          <p:cNvSpPr>
+            <a:spLocks noGrp="1"/>
+          </p:cNvSpPr>
+          <p:nvPr>
+            <p:ph type="title"/>
+          </p:nvPr>
+        </p:nvSpPr>
+        <p:spPr/>
+        <p:txBody>
+          <a:bodyPr/>
+          <a:lstStyle/>
+          <a:p>
+            <a:pPr algn="ctr"/>
+            <a:r>
+              <a:rPr lang="en-IE" dirty="0"/>
+              <a:t>Azure Policies Examples</a:t>
+            </a:r>
+          </a:p>
+        </p:txBody>
+      </p:sp>
+      <p:sp>
+        <p:nvSpPr>
+          <p:cNvPr id="3" name="Content Placeholder 2">
+            <a:extLst>
+              <a:ext uri="{FF2B5EF4-FFF2-40B4-BE49-F238E27FC236}">
+                <a16:creationId xmlns:a16="http://schemas.microsoft.com/office/drawing/2014/main" id="{E8E92A55-54D9-46CA-BFA2-C915545785EE}"/>
+              </a:ext>
+            </a:extLst>
+          </p:cNvPr>
+          <p:cNvSpPr>
+            <a:spLocks noGrp="1"/>
+          </p:cNvSpPr>
+          <p:nvPr>
+            <p:ph idx="1"/>
+          </p:nvPr>
+        </p:nvSpPr>
+        <p:spPr/>
+        <p:txBody>
+          <a:bodyPr/>
+          <a:lstStyle/>
+          <a:p>
+            <a:r>
+              <a:rPr lang="en-IE" dirty="0"/>
+              <a:t>Limit </a:t>
+            </a:r>
+            <a:r>
+              <a:rPr lang="en-IE" dirty="0" err="1"/>
+              <a:t>vCores</a:t>
+            </a:r>
+            <a:r>
+              <a:rPr lang="en-IE" dirty="0"/>
+              <a:t> available for Developers</a:t>
+            </a:r>
+          </a:p>
+          <a:p>
+            <a:r>
+              <a:rPr lang="en-IE" dirty="0"/>
+              <a:t>Limit resources available for creation</a:t>
+            </a:r>
+          </a:p>
+          <a:p>
+            <a:r>
+              <a:rPr lang="en-IE" dirty="0"/>
+              <a:t>Enforce tag creation with an error message </a:t>
+            </a:r>
+          </a:p>
+          <a:p>
+            <a:pPr lvl="1"/>
+            <a:r>
+              <a:rPr lang="en-IE" dirty="0"/>
+              <a:t>Cost </a:t>
+            </a:r>
+            <a:r>
+              <a:rPr lang="en-IE" dirty="0" err="1"/>
+              <a:t>center</a:t>
+            </a:r>
+            <a:r>
+              <a:rPr lang="en-IE" dirty="0"/>
+              <a:t> tag</a:t>
+            </a:r>
+          </a:p>
+          <a:p>
+            <a:pPr lvl="1"/>
+            <a:r>
+              <a:rPr lang="en-IE" dirty="0"/>
+              <a:t>Shutdown: daily/weekly/never tag</a:t>
+            </a:r>
+          </a:p>
+          <a:p>
+            <a:r>
+              <a:rPr lang="en-IE" dirty="0"/>
+              <a:t>Certain tags can only be added by a trusted group</a:t>
+            </a:r>
+          </a:p>
+          <a:p>
+            <a:pPr marL="0" indent="0">
+              <a:buNone/>
+            </a:pPr>
+            <a:r>
+              <a:rPr lang="en-IE" dirty="0"/>
+              <a:t>  </a:t>
+            </a:r>
+          </a:p>
+          <a:p>
+            <a:endParaRPr lang="en-IE" dirty="0"/>
+          </a:p>
+        </p:txBody>
+      </p:sp>
+    </p:spTree>
+    <p:extLst>
+      <p:ext uri="{BB962C8B-B14F-4D97-AF65-F5344CB8AC3E}">
+        <p14:creationId xmlns:p14="http://schemas.microsoft.com/office/powerpoint/2010/main" val="2506567211"/>
+      </p:ext>
+    </p:extLst>
+  </p:cSld>
+  <p:clrMapOvr>
+    <a:masterClrMapping/>
+  </p:clrMapOvr>
+</p:sld>
+</file>
+
+<file path=ppt/slides/slide52.xml><?xml version="1.0" encoding="utf-8"?>
+<p:sld xmlns:a="http://schemas.openxmlformats.org/drawingml/2006/main" xmlns:r="http://schemas.openxmlformats.org/officeDocument/2006/relationships" xmlns:p="http://schemas.openxmlformats.org/presentationml/2006/main">
+  <p:cSld>
+    <p:spTree>
+      <p:nvGrpSpPr>
+        <p:cNvPr id="1" name=""/>
+        <p:cNvGrpSpPr/>
+        <p:nvPr/>
+      </p:nvGrpSpPr>
+      <p:grpSpPr>
+        <a:xfrm>
+          <a:off x="0" y="0"/>
+          <a:ext cx="0" cy="0"/>
+          <a:chOff x="0" y="0"/>
+          <a:chExt cx="0" cy="0"/>
+        </a:xfrm>
+      </p:grpSpPr>
+      <p:sp>
+        <p:nvSpPr>
           <p:cNvPr id="2" name="Title 1">
             <a:extLst>
               <a:ext uri="{FF2B5EF4-FFF2-40B4-BE49-F238E27FC236}">
@@ -37555,7 +37964,7 @@
 </p:sld>
 </file>
 
-<file path=ppt/slides/slide51.xml><?xml version="1.0" encoding="utf-8"?>
+<file path=ppt/slides/slide53.xml><?xml version="1.0" encoding="utf-8"?>
 <p:sld xmlns:a="http://schemas.openxmlformats.org/drawingml/2006/main" xmlns:r="http://schemas.openxmlformats.org/officeDocument/2006/relationships" xmlns:p="http://schemas.openxmlformats.org/presentationml/2006/main">
   <p:cSld>
     <p:spTree>
@@ -37648,7 +38057,7 @@
 </p:sld>
 </file>
 
-<file path=ppt/slides/slide52.xml><?xml version="1.0" encoding="utf-8"?>
+<file path=ppt/slides/slide54.xml><?xml version="1.0" encoding="utf-8"?>
 <p:sld xmlns:a="http://schemas.openxmlformats.org/drawingml/2006/main" xmlns:r="http://schemas.openxmlformats.org/officeDocument/2006/relationships" xmlns:p="http://schemas.openxmlformats.org/presentationml/2006/main">
   <p:cSld>
     <p:spTree>
@@ -37732,7 +38141,7 @@
 </p:sld>
 </file>
 
-<file path=ppt/slides/slide53.xml><?xml version="1.0" encoding="utf-8"?>
+<file path=ppt/slides/slide55.xml><?xml version="1.0" encoding="utf-8"?>
 <p:sld xmlns:a="http://schemas.openxmlformats.org/drawingml/2006/main" xmlns:r="http://schemas.openxmlformats.org/officeDocument/2006/relationships" xmlns:p="http://schemas.openxmlformats.org/presentationml/2006/main">
   <p:cSld>
     <p:spTree>
